--- a/meshdivision.pptx
+++ b/meshdivision.pptx
@@ -7,6 +7,7 @@
   <p:sldIdLst>
     <p:sldId id="256" r:id="rId2"/>
     <p:sldId id="257" r:id="rId3"/>
+    <p:sldId id="258" r:id="rId4"/>
   </p:sldIdLst>
   <p:sldSz cx="12192000" cy="6858000"/>
   <p:notesSz cx="6858000" cy="9144000"/>
@@ -255,7 +256,7 @@
           <a:p>
             <a:fld id="{750CC82B-8B7E-47A1-8494-B87BF6FD552D}" type="datetimeFigureOut">
               <a:rPr lang="zh-CN" altLang="en-US" smtClean="0"/>
-              <a:t>2020/9/3</a:t>
+              <a:t>2020/10/7</a:t>
             </a:fld>
             <a:endParaRPr lang="zh-CN" altLang="en-US"/>
           </a:p>
@@ -425,7 +426,7 @@
           <a:p>
             <a:fld id="{750CC82B-8B7E-47A1-8494-B87BF6FD552D}" type="datetimeFigureOut">
               <a:rPr lang="zh-CN" altLang="en-US" smtClean="0"/>
-              <a:t>2020/9/3</a:t>
+              <a:t>2020/10/7</a:t>
             </a:fld>
             <a:endParaRPr lang="zh-CN" altLang="en-US"/>
           </a:p>
@@ -605,7 +606,7 @@
           <a:p>
             <a:fld id="{750CC82B-8B7E-47A1-8494-B87BF6FD552D}" type="datetimeFigureOut">
               <a:rPr lang="zh-CN" altLang="en-US" smtClean="0"/>
-              <a:t>2020/9/3</a:t>
+              <a:t>2020/10/7</a:t>
             </a:fld>
             <a:endParaRPr lang="zh-CN" altLang="en-US"/>
           </a:p>
@@ -775,7 +776,7 @@
           <a:p>
             <a:fld id="{750CC82B-8B7E-47A1-8494-B87BF6FD552D}" type="datetimeFigureOut">
               <a:rPr lang="zh-CN" altLang="en-US" smtClean="0"/>
-              <a:t>2020/9/3</a:t>
+              <a:t>2020/10/7</a:t>
             </a:fld>
             <a:endParaRPr lang="zh-CN" altLang="en-US"/>
           </a:p>
@@ -1021,7 +1022,7 @@
           <a:p>
             <a:fld id="{750CC82B-8B7E-47A1-8494-B87BF6FD552D}" type="datetimeFigureOut">
               <a:rPr lang="zh-CN" altLang="en-US" smtClean="0"/>
-              <a:t>2020/9/3</a:t>
+              <a:t>2020/10/7</a:t>
             </a:fld>
             <a:endParaRPr lang="zh-CN" altLang="en-US"/>
           </a:p>
@@ -1253,7 +1254,7 @@
           <a:p>
             <a:fld id="{750CC82B-8B7E-47A1-8494-B87BF6FD552D}" type="datetimeFigureOut">
               <a:rPr lang="zh-CN" altLang="en-US" smtClean="0"/>
-              <a:t>2020/9/3</a:t>
+              <a:t>2020/10/7</a:t>
             </a:fld>
             <a:endParaRPr lang="zh-CN" altLang="en-US"/>
           </a:p>
@@ -1620,7 +1621,7 @@
           <a:p>
             <a:fld id="{750CC82B-8B7E-47A1-8494-B87BF6FD552D}" type="datetimeFigureOut">
               <a:rPr lang="zh-CN" altLang="en-US" smtClean="0"/>
-              <a:t>2020/9/3</a:t>
+              <a:t>2020/10/7</a:t>
             </a:fld>
             <a:endParaRPr lang="zh-CN" altLang="en-US"/>
           </a:p>
@@ -1738,7 +1739,7 @@
           <a:p>
             <a:fld id="{750CC82B-8B7E-47A1-8494-B87BF6FD552D}" type="datetimeFigureOut">
               <a:rPr lang="zh-CN" altLang="en-US" smtClean="0"/>
-              <a:t>2020/9/3</a:t>
+              <a:t>2020/10/7</a:t>
             </a:fld>
             <a:endParaRPr lang="zh-CN" altLang="en-US"/>
           </a:p>
@@ -1833,7 +1834,7 @@
           <a:p>
             <a:fld id="{750CC82B-8B7E-47A1-8494-B87BF6FD552D}" type="datetimeFigureOut">
               <a:rPr lang="zh-CN" altLang="en-US" smtClean="0"/>
-              <a:t>2020/9/3</a:t>
+              <a:t>2020/10/7</a:t>
             </a:fld>
             <a:endParaRPr lang="zh-CN" altLang="en-US"/>
           </a:p>
@@ -2110,7 +2111,7 @@
           <a:p>
             <a:fld id="{750CC82B-8B7E-47A1-8494-B87BF6FD552D}" type="datetimeFigureOut">
               <a:rPr lang="zh-CN" altLang="en-US" smtClean="0"/>
-              <a:t>2020/9/3</a:t>
+              <a:t>2020/10/7</a:t>
             </a:fld>
             <a:endParaRPr lang="zh-CN" altLang="en-US"/>
           </a:p>
@@ -2363,7 +2364,7 @@
           <a:p>
             <a:fld id="{750CC82B-8B7E-47A1-8494-B87BF6FD552D}" type="datetimeFigureOut">
               <a:rPr lang="zh-CN" altLang="en-US" smtClean="0"/>
-              <a:t>2020/9/3</a:t>
+              <a:t>2020/10/7</a:t>
             </a:fld>
             <a:endParaRPr lang="zh-CN" altLang="en-US"/>
           </a:p>
@@ -2576,7 +2577,7 @@
           <a:p>
             <a:fld id="{750CC82B-8B7E-47A1-8494-B87BF6FD552D}" type="datetimeFigureOut">
               <a:rPr lang="zh-CN" altLang="en-US" smtClean="0"/>
-              <a:t>2020/9/3</a:t>
+              <a:t>2020/10/7</a:t>
             </a:fld>
             <a:endParaRPr lang="zh-CN" altLang="en-US"/>
           </a:p>
@@ -7154,6 +7155,608 @@
 </p:sld>
 </file>
 
+<file path=ppt/slides/slide3.xml><?xml version="1.0" encoding="utf-8"?>
+<p:sld xmlns:a="http://schemas.openxmlformats.org/drawingml/2006/main" xmlns:r="http://schemas.openxmlformats.org/officeDocument/2006/relationships" xmlns:p="http://schemas.openxmlformats.org/presentationml/2006/main">
+  <p:cSld>
+    <p:spTree>
+      <p:nvGrpSpPr>
+        <p:cNvPr id="1" name=""/>
+        <p:cNvGrpSpPr/>
+        <p:nvPr/>
+      </p:nvGrpSpPr>
+      <p:grpSpPr>
+        <a:xfrm>
+          <a:off x="0" y="0"/>
+          <a:ext cx="0" cy="0"/>
+          <a:chOff x="0" y="0"/>
+          <a:chExt cx="0" cy="0"/>
+        </a:xfrm>
+      </p:grpSpPr>
+      <p:pic>
+        <p:nvPicPr>
+          <p:cNvPr id="20" name="Picture 19">
+            <a:extLst>
+              <a:ext uri="{FF2B5EF4-FFF2-40B4-BE49-F238E27FC236}">
+                <a16:creationId xmlns:a16="http://schemas.microsoft.com/office/drawing/2014/main" id="{02F74D8E-D0F1-1B49-9B70-502DC841C36C}"/>
+              </a:ext>
+            </a:extLst>
+          </p:cNvPr>
+          <p:cNvPicPr>
+            <a:picLocks noChangeAspect="1"/>
+          </p:cNvPicPr>
+          <p:nvPr/>
+        </p:nvPicPr>
+        <p:blipFill>
+          <a:blip r:embed="rId2"/>
+          <a:stretch>
+            <a:fillRect/>
+          </a:stretch>
+        </p:blipFill>
+        <p:spPr>
+          <a:xfrm>
+            <a:off x="275082" y="223774"/>
+            <a:ext cx="3035046" cy="1621742"/>
+          </a:xfrm>
+          <a:prstGeom prst="rect">
+            <a:avLst/>
+          </a:prstGeom>
+        </p:spPr>
+      </p:pic>
+      <p:cxnSp>
+        <p:nvCxnSpPr>
+          <p:cNvPr id="22" name="Straight Connector 21">
+            <a:extLst>
+              <a:ext uri="{FF2B5EF4-FFF2-40B4-BE49-F238E27FC236}">
+                <a16:creationId xmlns:a16="http://schemas.microsoft.com/office/drawing/2014/main" id="{16AF3BDA-13DA-AF42-8097-B653455B4A8A}"/>
+              </a:ext>
+            </a:extLst>
+          </p:cNvPr>
+          <p:cNvCxnSpPr/>
+          <p:nvPr/>
+        </p:nvCxnSpPr>
+        <p:spPr>
+          <a:xfrm>
+            <a:off x="2798064" y="2029968"/>
+            <a:ext cx="2944368" cy="667512"/>
+          </a:xfrm>
+          <a:prstGeom prst="line">
+            <a:avLst/>
+          </a:prstGeom>
+        </p:spPr>
+        <p:style>
+          <a:lnRef idx="1">
+            <a:schemeClr val="accent1"/>
+          </a:lnRef>
+          <a:fillRef idx="0">
+            <a:schemeClr val="accent1"/>
+          </a:fillRef>
+          <a:effectRef idx="0">
+            <a:schemeClr val="accent1"/>
+          </a:effectRef>
+          <a:fontRef idx="minor">
+            <a:schemeClr val="tx1"/>
+          </a:fontRef>
+        </p:style>
+      </p:cxnSp>
+      <p:cxnSp>
+        <p:nvCxnSpPr>
+          <p:cNvPr id="24" name="Straight Connector 23">
+            <a:extLst>
+              <a:ext uri="{FF2B5EF4-FFF2-40B4-BE49-F238E27FC236}">
+                <a16:creationId xmlns:a16="http://schemas.microsoft.com/office/drawing/2014/main" id="{2646DC57-F835-A549-A24E-BB30B3B6AA3B}"/>
+              </a:ext>
+            </a:extLst>
+          </p:cNvPr>
+          <p:cNvCxnSpPr/>
+          <p:nvPr/>
+        </p:nvCxnSpPr>
+        <p:spPr>
+          <a:xfrm>
+            <a:off x="5733288" y="2697480"/>
+            <a:ext cx="0" cy="1901952"/>
+          </a:xfrm>
+          <a:prstGeom prst="line">
+            <a:avLst/>
+          </a:prstGeom>
+        </p:spPr>
+        <p:style>
+          <a:lnRef idx="1">
+            <a:schemeClr val="accent1"/>
+          </a:lnRef>
+          <a:fillRef idx="0">
+            <a:schemeClr val="accent1"/>
+          </a:fillRef>
+          <a:effectRef idx="0">
+            <a:schemeClr val="accent1"/>
+          </a:effectRef>
+          <a:fontRef idx="minor">
+            <a:schemeClr val="tx1"/>
+          </a:fontRef>
+        </p:style>
+      </p:cxnSp>
+      <p:cxnSp>
+        <p:nvCxnSpPr>
+          <p:cNvPr id="26" name="Straight Connector 25">
+            <a:extLst>
+              <a:ext uri="{FF2B5EF4-FFF2-40B4-BE49-F238E27FC236}">
+                <a16:creationId xmlns:a16="http://schemas.microsoft.com/office/drawing/2014/main" id="{64291CED-EAF1-8942-90F8-9B687B52974B}"/>
+              </a:ext>
+            </a:extLst>
+          </p:cNvPr>
+          <p:cNvCxnSpPr/>
+          <p:nvPr/>
+        </p:nvCxnSpPr>
+        <p:spPr>
+          <a:xfrm flipH="1">
+            <a:off x="2651760" y="4590288"/>
+            <a:ext cx="3090672" cy="1133856"/>
+          </a:xfrm>
+          <a:prstGeom prst="line">
+            <a:avLst/>
+          </a:prstGeom>
+        </p:spPr>
+        <p:style>
+          <a:lnRef idx="1">
+            <a:schemeClr val="accent1"/>
+          </a:lnRef>
+          <a:fillRef idx="0">
+            <a:schemeClr val="accent1"/>
+          </a:fillRef>
+          <a:effectRef idx="0">
+            <a:schemeClr val="accent1"/>
+          </a:effectRef>
+          <a:fontRef idx="minor">
+            <a:schemeClr val="tx1"/>
+          </a:fontRef>
+        </p:style>
+      </p:cxnSp>
+      <p:cxnSp>
+        <p:nvCxnSpPr>
+          <p:cNvPr id="31" name="Straight Connector 30">
+            <a:extLst>
+              <a:ext uri="{FF2B5EF4-FFF2-40B4-BE49-F238E27FC236}">
+                <a16:creationId xmlns:a16="http://schemas.microsoft.com/office/drawing/2014/main" id="{AEE51984-5A6F-8D49-AB25-1A7FBF8BB61B}"/>
+              </a:ext>
+            </a:extLst>
+          </p:cNvPr>
+          <p:cNvCxnSpPr/>
+          <p:nvPr/>
+        </p:nvCxnSpPr>
+        <p:spPr>
+          <a:xfrm flipV="1">
+            <a:off x="5742432" y="1938528"/>
+            <a:ext cx="941832" cy="758952"/>
+          </a:xfrm>
+          <a:prstGeom prst="line">
+            <a:avLst/>
+          </a:prstGeom>
+        </p:spPr>
+        <p:style>
+          <a:lnRef idx="1">
+            <a:schemeClr val="accent1"/>
+          </a:lnRef>
+          <a:fillRef idx="0">
+            <a:schemeClr val="accent1"/>
+          </a:fillRef>
+          <a:effectRef idx="0">
+            <a:schemeClr val="accent1"/>
+          </a:effectRef>
+          <a:fontRef idx="minor">
+            <a:schemeClr val="tx1"/>
+          </a:fontRef>
+        </p:style>
+      </p:cxnSp>
+      <p:cxnSp>
+        <p:nvCxnSpPr>
+          <p:cNvPr id="36" name="Straight Connector 35">
+            <a:extLst>
+              <a:ext uri="{FF2B5EF4-FFF2-40B4-BE49-F238E27FC236}">
+                <a16:creationId xmlns:a16="http://schemas.microsoft.com/office/drawing/2014/main" id="{DFCDB125-EE49-B440-808F-6414814CF548}"/>
+              </a:ext>
+            </a:extLst>
+          </p:cNvPr>
+          <p:cNvCxnSpPr/>
+          <p:nvPr/>
+        </p:nvCxnSpPr>
+        <p:spPr>
+          <a:xfrm>
+            <a:off x="5742432" y="4590288"/>
+            <a:ext cx="941832" cy="758952"/>
+          </a:xfrm>
+          <a:prstGeom prst="line">
+            <a:avLst/>
+          </a:prstGeom>
+        </p:spPr>
+        <p:style>
+          <a:lnRef idx="1">
+            <a:schemeClr val="accent1"/>
+          </a:lnRef>
+          <a:fillRef idx="0">
+            <a:schemeClr val="accent1"/>
+          </a:fillRef>
+          <a:effectRef idx="0">
+            <a:schemeClr val="accent1"/>
+          </a:effectRef>
+          <a:fontRef idx="minor">
+            <a:schemeClr val="tx1"/>
+          </a:fontRef>
+        </p:style>
+      </p:cxnSp>
+      <p:cxnSp>
+        <p:nvCxnSpPr>
+          <p:cNvPr id="40" name="Straight Connector 39">
+            <a:extLst>
+              <a:ext uri="{FF2B5EF4-FFF2-40B4-BE49-F238E27FC236}">
+                <a16:creationId xmlns:a16="http://schemas.microsoft.com/office/drawing/2014/main" id="{01F2A0EC-24C0-5649-A543-7392CBD328F9}"/>
+              </a:ext>
+            </a:extLst>
+          </p:cNvPr>
+          <p:cNvCxnSpPr/>
+          <p:nvPr/>
+        </p:nvCxnSpPr>
+        <p:spPr>
+          <a:xfrm flipV="1">
+            <a:off x="6684264" y="118872"/>
+            <a:ext cx="530352" cy="1819656"/>
+          </a:xfrm>
+          <a:prstGeom prst="line">
+            <a:avLst/>
+          </a:prstGeom>
+        </p:spPr>
+        <p:style>
+          <a:lnRef idx="1">
+            <a:schemeClr val="accent1"/>
+          </a:lnRef>
+          <a:fillRef idx="0">
+            <a:schemeClr val="accent1"/>
+          </a:fillRef>
+          <a:effectRef idx="0">
+            <a:schemeClr val="accent1"/>
+          </a:effectRef>
+          <a:fontRef idx="minor">
+            <a:schemeClr val="tx1"/>
+          </a:fontRef>
+        </p:style>
+      </p:cxnSp>
+      <p:cxnSp>
+        <p:nvCxnSpPr>
+          <p:cNvPr id="44" name="Straight Connector 43">
+            <a:extLst>
+              <a:ext uri="{FF2B5EF4-FFF2-40B4-BE49-F238E27FC236}">
+                <a16:creationId xmlns:a16="http://schemas.microsoft.com/office/drawing/2014/main" id="{3082FF32-FC59-7F42-A835-8407891096E8}"/>
+              </a:ext>
+            </a:extLst>
+          </p:cNvPr>
+          <p:cNvCxnSpPr/>
+          <p:nvPr/>
+        </p:nvCxnSpPr>
+        <p:spPr>
+          <a:xfrm>
+            <a:off x="6684264" y="5349240"/>
+            <a:ext cx="274320" cy="1508760"/>
+          </a:xfrm>
+          <a:prstGeom prst="line">
+            <a:avLst/>
+          </a:prstGeom>
+        </p:spPr>
+        <p:style>
+          <a:lnRef idx="1">
+            <a:schemeClr val="accent1"/>
+          </a:lnRef>
+          <a:fillRef idx="0">
+            <a:schemeClr val="accent1"/>
+          </a:fillRef>
+          <a:effectRef idx="0">
+            <a:schemeClr val="accent1"/>
+          </a:effectRef>
+          <a:fontRef idx="minor">
+            <a:schemeClr val="tx1"/>
+          </a:fontRef>
+        </p:style>
+      </p:cxnSp>
+      <p:cxnSp>
+        <p:nvCxnSpPr>
+          <p:cNvPr id="48" name="Straight Connector 47">
+            <a:extLst>
+              <a:ext uri="{FF2B5EF4-FFF2-40B4-BE49-F238E27FC236}">
+                <a16:creationId xmlns:a16="http://schemas.microsoft.com/office/drawing/2014/main" id="{5C45E95C-836F-E04D-95BD-6E2009F5934C}"/>
+              </a:ext>
+            </a:extLst>
+          </p:cNvPr>
+          <p:cNvCxnSpPr/>
+          <p:nvPr/>
+        </p:nvCxnSpPr>
+        <p:spPr>
+          <a:xfrm>
+            <a:off x="6684264" y="1938528"/>
+            <a:ext cx="0" cy="3410712"/>
+          </a:xfrm>
+          <a:prstGeom prst="line">
+            <a:avLst/>
+          </a:prstGeom>
+        </p:spPr>
+        <p:style>
+          <a:lnRef idx="1">
+            <a:schemeClr val="accent1"/>
+          </a:lnRef>
+          <a:fillRef idx="0">
+            <a:schemeClr val="accent1"/>
+          </a:fillRef>
+          <a:effectRef idx="0">
+            <a:schemeClr val="accent1"/>
+          </a:effectRef>
+          <a:fontRef idx="minor">
+            <a:schemeClr val="tx1"/>
+          </a:fontRef>
+        </p:style>
+      </p:cxnSp>
+      <p:cxnSp>
+        <p:nvCxnSpPr>
+          <p:cNvPr id="128" name="Straight Connector 127">
+            <a:extLst>
+              <a:ext uri="{FF2B5EF4-FFF2-40B4-BE49-F238E27FC236}">
+                <a16:creationId xmlns:a16="http://schemas.microsoft.com/office/drawing/2014/main" id="{BEDBD3AE-4CFB-7C47-AFB6-2D3870BDB825}"/>
+              </a:ext>
+            </a:extLst>
+          </p:cNvPr>
+          <p:cNvCxnSpPr/>
+          <p:nvPr/>
+        </p:nvCxnSpPr>
+        <p:spPr>
+          <a:xfrm>
+            <a:off x="6684264" y="1938528"/>
+            <a:ext cx="4233672" cy="45720"/>
+          </a:xfrm>
+          <a:prstGeom prst="line">
+            <a:avLst/>
+          </a:prstGeom>
+        </p:spPr>
+        <p:style>
+          <a:lnRef idx="1">
+            <a:schemeClr val="accent1"/>
+          </a:lnRef>
+          <a:fillRef idx="0">
+            <a:schemeClr val="accent1"/>
+          </a:fillRef>
+          <a:effectRef idx="0">
+            <a:schemeClr val="accent1"/>
+          </a:effectRef>
+          <a:fontRef idx="minor">
+            <a:schemeClr val="tx1"/>
+          </a:fontRef>
+        </p:style>
+      </p:cxnSp>
+      <p:cxnSp>
+        <p:nvCxnSpPr>
+          <p:cNvPr id="130" name="Straight Connector 129">
+            <a:extLst>
+              <a:ext uri="{FF2B5EF4-FFF2-40B4-BE49-F238E27FC236}">
+                <a16:creationId xmlns:a16="http://schemas.microsoft.com/office/drawing/2014/main" id="{97B75757-01E4-334B-ABBC-0978C61ACBA7}"/>
+              </a:ext>
+            </a:extLst>
+          </p:cNvPr>
+          <p:cNvCxnSpPr/>
+          <p:nvPr/>
+        </p:nvCxnSpPr>
+        <p:spPr>
+          <a:xfrm>
+            <a:off x="6684264" y="5349240"/>
+            <a:ext cx="4462272" cy="118872"/>
+          </a:xfrm>
+          <a:prstGeom prst="line">
+            <a:avLst/>
+          </a:prstGeom>
+        </p:spPr>
+        <p:style>
+          <a:lnRef idx="1">
+            <a:schemeClr val="accent1"/>
+          </a:lnRef>
+          <a:fillRef idx="0">
+            <a:schemeClr val="accent1"/>
+          </a:fillRef>
+          <a:effectRef idx="0">
+            <a:schemeClr val="accent1"/>
+          </a:effectRef>
+          <a:fontRef idx="minor">
+            <a:schemeClr val="tx1"/>
+          </a:fontRef>
+        </p:style>
+      </p:cxnSp>
+      <p:sp>
+        <p:nvSpPr>
+          <p:cNvPr id="131" name="TextBox 130">
+            <a:extLst>
+              <a:ext uri="{FF2B5EF4-FFF2-40B4-BE49-F238E27FC236}">
+                <a16:creationId xmlns:a16="http://schemas.microsoft.com/office/drawing/2014/main" id="{803A9B9C-78F6-704A-9D19-4BDFDD7F8398}"/>
+              </a:ext>
+            </a:extLst>
+          </p:cNvPr>
+          <p:cNvSpPr txBox="1"/>
+          <p:nvPr/>
+        </p:nvSpPr>
+        <p:spPr>
+          <a:xfrm>
+            <a:off x="6821424" y="2029968"/>
+            <a:ext cx="306494" cy="369332"/>
+          </a:xfrm>
+          <a:prstGeom prst="rect">
+            <a:avLst/>
+          </a:prstGeom>
+          <a:noFill/>
+        </p:spPr>
+        <p:txBody>
+          <a:bodyPr wrap="none" rtlCol="0">
+            <a:spAutoFit/>
+          </a:bodyPr>
+          <a:lstStyle/>
+          <a:p>
+            <a:r>
+              <a:rPr lang="en-US" altLang="zh-CN" dirty="0"/>
+              <a:t>7</a:t>
+            </a:r>
+            <a:endParaRPr lang="en-CN" dirty="0"/>
+          </a:p>
+        </p:txBody>
+      </p:sp>
+      <p:sp>
+        <p:nvSpPr>
+          <p:cNvPr id="132" name="TextBox 131">
+            <a:extLst>
+              <a:ext uri="{FF2B5EF4-FFF2-40B4-BE49-F238E27FC236}">
+                <a16:creationId xmlns:a16="http://schemas.microsoft.com/office/drawing/2014/main" id="{16204FCA-A3A9-004F-B481-9EFF63983414}"/>
+              </a:ext>
+            </a:extLst>
+          </p:cNvPr>
+          <p:cNvSpPr txBox="1"/>
+          <p:nvPr/>
+        </p:nvSpPr>
+        <p:spPr>
+          <a:xfrm>
+            <a:off x="6764018" y="5039344"/>
+            <a:ext cx="306494" cy="369332"/>
+          </a:xfrm>
+          <a:prstGeom prst="rect">
+            <a:avLst/>
+          </a:prstGeom>
+          <a:noFill/>
+        </p:spPr>
+        <p:txBody>
+          <a:bodyPr wrap="none" rtlCol="0">
+            <a:spAutoFit/>
+          </a:bodyPr>
+          <a:lstStyle/>
+          <a:p>
+            <a:r>
+              <a:rPr lang="en-US" altLang="zh-CN" dirty="0"/>
+              <a:t>2</a:t>
+            </a:r>
+            <a:endParaRPr lang="en-CN" dirty="0"/>
+          </a:p>
+        </p:txBody>
+      </p:sp>
+      <p:sp>
+        <p:nvSpPr>
+          <p:cNvPr id="133" name="TextBox 132">
+            <a:extLst>
+              <a:ext uri="{FF2B5EF4-FFF2-40B4-BE49-F238E27FC236}">
+                <a16:creationId xmlns:a16="http://schemas.microsoft.com/office/drawing/2014/main" id="{3CAAD531-E772-1747-A118-F1D9458F54A3}"/>
+              </a:ext>
+            </a:extLst>
+          </p:cNvPr>
+          <p:cNvSpPr txBox="1"/>
+          <p:nvPr/>
+        </p:nvSpPr>
+        <p:spPr>
+          <a:xfrm>
+            <a:off x="5346837" y="2697480"/>
+            <a:ext cx="439544" cy="369332"/>
+          </a:xfrm>
+          <a:prstGeom prst="rect">
+            <a:avLst/>
+          </a:prstGeom>
+          <a:noFill/>
+        </p:spPr>
+        <p:txBody>
+          <a:bodyPr wrap="none" rtlCol="0">
+            <a:spAutoFit/>
+          </a:bodyPr>
+          <a:lstStyle/>
+          <a:p>
+            <a:r>
+              <a:rPr lang="en-US" altLang="zh-CN" dirty="0"/>
+              <a:t>b7</a:t>
+            </a:r>
+            <a:endParaRPr lang="en-CN" dirty="0"/>
+          </a:p>
+        </p:txBody>
+      </p:sp>
+      <p:sp>
+        <p:nvSpPr>
+          <p:cNvPr id="134" name="TextBox 133">
+            <a:extLst>
+              <a:ext uri="{FF2B5EF4-FFF2-40B4-BE49-F238E27FC236}">
+                <a16:creationId xmlns:a16="http://schemas.microsoft.com/office/drawing/2014/main" id="{D70BBFB8-FE3A-2C4C-BA18-B44DD36961D3}"/>
+              </a:ext>
+            </a:extLst>
+          </p:cNvPr>
+          <p:cNvSpPr txBox="1"/>
+          <p:nvPr/>
+        </p:nvSpPr>
+        <p:spPr>
+          <a:xfrm>
+            <a:off x="5301687" y="4332470"/>
+            <a:ext cx="439544" cy="369332"/>
+          </a:xfrm>
+          <a:prstGeom prst="rect">
+            <a:avLst/>
+          </a:prstGeom>
+          <a:noFill/>
+        </p:spPr>
+        <p:txBody>
+          <a:bodyPr wrap="none" rtlCol="0">
+            <a:spAutoFit/>
+          </a:bodyPr>
+          <a:lstStyle/>
+          <a:p>
+            <a:r>
+              <a:rPr lang="en-CN" dirty="0"/>
+              <a:t>b2</a:t>
+            </a:r>
+          </a:p>
+        </p:txBody>
+      </p:sp>
+      <p:sp>
+        <p:nvSpPr>
+          <p:cNvPr id="135" name="TextBox 134">
+            <a:extLst>
+              <a:ext uri="{FF2B5EF4-FFF2-40B4-BE49-F238E27FC236}">
+                <a16:creationId xmlns:a16="http://schemas.microsoft.com/office/drawing/2014/main" id="{4019B3C5-A43A-2C4B-ABAF-0359EFEFC49C}"/>
+              </a:ext>
+            </a:extLst>
+          </p:cNvPr>
+          <p:cNvSpPr txBox="1"/>
+          <p:nvPr/>
+        </p:nvSpPr>
+        <p:spPr>
+          <a:xfrm>
+            <a:off x="6684264" y="3643884"/>
+            <a:ext cx="306494" cy="369332"/>
+          </a:xfrm>
+          <a:prstGeom prst="rect">
+            <a:avLst/>
+          </a:prstGeom>
+          <a:noFill/>
+        </p:spPr>
+        <p:txBody>
+          <a:bodyPr wrap="none" rtlCol="0">
+            <a:spAutoFit/>
+          </a:bodyPr>
+          <a:lstStyle/>
+          <a:p>
+            <a:r>
+              <a:rPr lang="en-CN" dirty="0">
+                <a:solidFill>
+                  <a:srgbClr val="FF0000"/>
+                </a:solidFill>
+              </a:rPr>
+              <a:t>8</a:t>
+            </a:r>
+          </a:p>
+        </p:txBody>
+      </p:sp>
+    </p:spTree>
+    <p:extLst>
+      <p:ext uri="{BB962C8B-B14F-4D97-AF65-F5344CB8AC3E}">
+        <p14:creationId xmlns:p14="http://schemas.microsoft.com/office/powerpoint/2010/main" val="138351103"/>
+      </p:ext>
+    </p:extLst>
+  </p:cSld>
+  <p:clrMapOvr>
+    <a:masterClrMapping/>
+  </p:clrMapOvr>
+</p:sld>
+</file>
+
 <file path=ppt/theme/theme1.xml><?xml version="1.0" encoding="utf-8"?>
 <a:theme xmlns:a="http://schemas.openxmlformats.org/drawingml/2006/main" name="Office Theme">
   <a:themeElements>

--- a/meshdivision.pptx
+++ b/meshdivision.pptx
@@ -8,6 +8,7 @@
     <p:sldId id="256" r:id="rId2"/>
     <p:sldId id="257" r:id="rId3"/>
     <p:sldId id="258" r:id="rId4"/>
+    <p:sldId id="259" r:id="rId5"/>
   </p:sldIdLst>
   <p:sldSz cx="12192000" cy="6858000"/>
   <p:notesSz cx="6858000" cy="9144000"/>
@@ -256,7 +257,7 @@
           <a:p>
             <a:fld id="{750CC82B-8B7E-47A1-8494-B87BF6FD552D}" type="datetimeFigureOut">
               <a:rPr lang="zh-CN" altLang="en-US" smtClean="0"/>
-              <a:t>2020/10/7</a:t>
+              <a:t>2020/10/16</a:t>
             </a:fld>
             <a:endParaRPr lang="zh-CN" altLang="en-US"/>
           </a:p>
@@ -426,7 +427,7 @@
           <a:p>
             <a:fld id="{750CC82B-8B7E-47A1-8494-B87BF6FD552D}" type="datetimeFigureOut">
               <a:rPr lang="zh-CN" altLang="en-US" smtClean="0"/>
-              <a:t>2020/10/7</a:t>
+              <a:t>2020/10/16</a:t>
             </a:fld>
             <a:endParaRPr lang="zh-CN" altLang="en-US"/>
           </a:p>
@@ -606,7 +607,7 @@
           <a:p>
             <a:fld id="{750CC82B-8B7E-47A1-8494-B87BF6FD552D}" type="datetimeFigureOut">
               <a:rPr lang="zh-CN" altLang="en-US" smtClean="0"/>
-              <a:t>2020/10/7</a:t>
+              <a:t>2020/10/16</a:t>
             </a:fld>
             <a:endParaRPr lang="zh-CN" altLang="en-US"/>
           </a:p>
@@ -776,7 +777,7 @@
           <a:p>
             <a:fld id="{750CC82B-8B7E-47A1-8494-B87BF6FD552D}" type="datetimeFigureOut">
               <a:rPr lang="zh-CN" altLang="en-US" smtClean="0"/>
-              <a:t>2020/10/7</a:t>
+              <a:t>2020/10/16</a:t>
             </a:fld>
             <a:endParaRPr lang="zh-CN" altLang="en-US"/>
           </a:p>
@@ -1022,7 +1023,7 @@
           <a:p>
             <a:fld id="{750CC82B-8B7E-47A1-8494-B87BF6FD552D}" type="datetimeFigureOut">
               <a:rPr lang="zh-CN" altLang="en-US" smtClean="0"/>
-              <a:t>2020/10/7</a:t>
+              <a:t>2020/10/16</a:t>
             </a:fld>
             <a:endParaRPr lang="zh-CN" altLang="en-US"/>
           </a:p>
@@ -1254,7 +1255,7 @@
           <a:p>
             <a:fld id="{750CC82B-8B7E-47A1-8494-B87BF6FD552D}" type="datetimeFigureOut">
               <a:rPr lang="zh-CN" altLang="en-US" smtClean="0"/>
-              <a:t>2020/10/7</a:t>
+              <a:t>2020/10/16</a:t>
             </a:fld>
             <a:endParaRPr lang="zh-CN" altLang="en-US"/>
           </a:p>
@@ -1621,7 +1622,7 @@
           <a:p>
             <a:fld id="{750CC82B-8B7E-47A1-8494-B87BF6FD552D}" type="datetimeFigureOut">
               <a:rPr lang="zh-CN" altLang="en-US" smtClean="0"/>
-              <a:t>2020/10/7</a:t>
+              <a:t>2020/10/16</a:t>
             </a:fld>
             <a:endParaRPr lang="zh-CN" altLang="en-US"/>
           </a:p>
@@ -1739,7 +1740,7 @@
           <a:p>
             <a:fld id="{750CC82B-8B7E-47A1-8494-B87BF6FD552D}" type="datetimeFigureOut">
               <a:rPr lang="zh-CN" altLang="en-US" smtClean="0"/>
-              <a:t>2020/10/7</a:t>
+              <a:t>2020/10/16</a:t>
             </a:fld>
             <a:endParaRPr lang="zh-CN" altLang="en-US"/>
           </a:p>
@@ -1834,7 +1835,7 @@
           <a:p>
             <a:fld id="{750CC82B-8B7E-47A1-8494-B87BF6FD552D}" type="datetimeFigureOut">
               <a:rPr lang="zh-CN" altLang="en-US" smtClean="0"/>
-              <a:t>2020/10/7</a:t>
+              <a:t>2020/10/16</a:t>
             </a:fld>
             <a:endParaRPr lang="zh-CN" altLang="en-US"/>
           </a:p>
@@ -2111,7 +2112,7 @@
           <a:p>
             <a:fld id="{750CC82B-8B7E-47A1-8494-B87BF6FD552D}" type="datetimeFigureOut">
               <a:rPr lang="zh-CN" altLang="en-US" smtClean="0"/>
-              <a:t>2020/10/7</a:t>
+              <a:t>2020/10/16</a:t>
             </a:fld>
             <a:endParaRPr lang="zh-CN" altLang="en-US"/>
           </a:p>
@@ -2364,7 +2365,7 @@
           <a:p>
             <a:fld id="{750CC82B-8B7E-47A1-8494-B87BF6FD552D}" type="datetimeFigureOut">
               <a:rPr lang="zh-CN" altLang="en-US" smtClean="0"/>
-              <a:t>2020/10/7</a:t>
+              <a:t>2020/10/16</a:t>
             </a:fld>
             <a:endParaRPr lang="zh-CN" altLang="en-US"/>
           </a:p>
@@ -2577,7 +2578,7 @@
           <a:p>
             <a:fld id="{750CC82B-8B7E-47A1-8494-B87BF6FD552D}" type="datetimeFigureOut">
               <a:rPr lang="zh-CN" altLang="en-US" smtClean="0"/>
-              <a:t>2020/10/7</a:t>
+              <a:t>2020/10/16</a:t>
             </a:fld>
             <a:endParaRPr lang="zh-CN" altLang="en-US"/>
           </a:p>
@@ -7757,6 +7758,904 @@
 </p:sld>
 </file>
 
+<file path=ppt/slides/slide4.xml><?xml version="1.0" encoding="utf-8"?>
+<p:sld xmlns:a="http://schemas.openxmlformats.org/drawingml/2006/main" xmlns:r="http://schemas.openxmlformats.org/officeDocument/2006/relationships" xmlns:p="http://schemas.openxmlformats.org/presentationml/2006/main">
+  <p:cSld>
+    <p:spTree>
+      <p:nvGrpSpPr>
+        <p:cNvPr id="1" name=""/>
+        <p:cNvGrpSpPr/>
+        <p:nvPr/>
+      </p:nvGrpSpPr>
+      <p:grpSpPr>
+        <a:xfrm>
+          <a:off x="0" y="0"/>
+          <a:ext cx="0" cy="0"/>
+          <a:chOff x="0" y="0"/>
+          <a:chExt cx="0" cy="0"/>
+        </a:xfrm>
+      </p:grpSpPr>
+      <p:cxnSp>
+        <p:nvCxnSpPr>
+          <p:cNvPr id="43" name="Straight Connector 42">
+            <a:extLst>
+              <a:ext uri="{FF2B5EF4-FFF2-40B4-BE49-F238E27FC236}">
+                <a16:creationId xmlns:a16="http://schemas.microsoft.com/office/drawing/2014/main" id="{D162D1AE-3C31-D345-AA18-FF8086278678}"/>
+              </a:ext>
+            </a:extLst>
+          </p:cNvPr>
+          <p:cNvCxnSpPr/>
+          <p:nvPr/>
+        </p:nvCxnSpPr>
+        <p:spPr>
+          <a:xfrm>
+            <a:off x="736847" y="798990"/>
+            <a:ext cx="0" cy="5255581"/>
+          </a:xfrm>
+          <a:prstGeom prst="line">
+            <a:avLst/>
+          </a:prstGeom>
+        </p:spPr>
+        <p:style>
+          <a:lnRef idx="1">
+            <a:schemeClr val="accent1"/>
+          </a:lnRef>
+          <a:fillRef idx="0">
+            <a:schemeClr val="accent1"/>
+          </a:fillRef>
+          <a:effectRef idx="0">
+            <a:schemeClr val="accent1"/>
+          </a:effectRef>
+          <a:fontRef idx="minor">
+            <a:schemeClr val="tx1"/>
+          </a:fontRef>
+        </p:style>
+      </p:cxnSp>
+      <p:cxnSp>
+        <p:nvCxnSpPr>
+          <p:cNvPr id="45" name="Straight Connector 44">
+            <a:extLst>
+              <a:ext uri="{FF2B5EF4-FFF2-40B4-BE49-F238E27FC236}">
+                <a16:creationId xmlns:a16="http://schemas.microsoft.com/office/drawing/2014/main" id="{0B689E7C-EB13-AC46-AD95-7B960BD80E3F}"/>
+              </a:ext>
+            </a:extLst>
+          </p:cNvPr>
+          <p:cNvCxnSpPr/>
+          <p:nvPr/>
+        </p:nvCxnSpPr>
+        <p:spPr>
+          <a:xfrm>
+            <a:off x="745724" y="6054571"/>
+            <a:ext cx="10804125" cy="0"/>
+          </a:xfrm>
+          <a:prstGeom prst="line">
+            <a:avLst/>
+          </a:prstGeom>
+        </p:spPr>
+        <p:style>
+          <a:lnRef idx="1">
+            <a:schemeClr val="accent1"/>
+          </a:lnRef>
+          <a:fillRef idx="0">
+            <a:schemeClr val="accent1"/>
+          </a:fillRef>
+          <a:effectRef idx="0">
+            <a:schemeClr val="accent1"/>
+          </a:effectRef>
+          <a:fontRef idx="minor">
+            <a:schemeClr val="tx1"/>
+          </a:fontRef>
+        </p:style>
+      </p:cxnSp>
+      <p:cxnSp>
+        <p:nvCxnSpPr>
+          <p:cNvPr id="47" name="Straight Connector 46">
+            <a:extLst>
+              <a:ext uri="{FF2B5EF4-FFF2-40B4-BE49-F238E27FC236}">
+                <a16:creationId xmlns:a16="http://schemas.microsoft.com/office/drawing/2014/main" id="{422906EC-DE9D-DC41-8CFF-A4A2E87B7E08}"/>
+              </a:ext>
+            </a:extLst>
+          </p:cNvPr>
+          <p:cNvCxnSpPr/>
+          <p:nvPr/>
+        </p:nvCxnSpPr>
+        <p:spPr>
+          <a:xfrm>
+            <a:off x="736847" y="798990"/>
+            <a:ext cx="11008310" cy="0"/>
+          </a:xfrm>
+          <a:prstGeom prst="line">
+            <a:avLst/>
+          </a:prstGeom>
+        </p:spPr>
+        <p:style>
+          <a:lnRef idx="1">
+            <a:schemeClr val="accent1"/>
+          </a:lnRef>
+          <a:fillRef idx="0">
+            <a:schemeClr val="accent1"/>
+          </a:fillRef>
+          <a:effectRef idx="0">
+            <a:schemeClr val="accent1"/>
+          </a:effectRef>
+          <a:fontRef idx="minor">
+            <a:schemeClr val="tx1"/>
+          </a:fontRef>
+        </p:style>
+      </p:cxnSp>
+      <p:cxnSp>
+        <p:nvCxnSpPr>
+          <p:cNvPr id="49" name="Straight Connector 48">
+            <a:extLst>
+              <a:ext uri="{FF2B5EF4-FFF2-40B4-BE49-F238E27FC236}">
+                <a16:creationId xmlns:a16="http://schemas.microsoft.com/office/drawing/2014/main" id="{D6B6BEF5-AAAF-1143-B5A8-3C03219282E6}"/>
+              </a:ext>
+            </a:extLst>
+          </p:cNvPr>
+          <p:cNvCxnSpPr>
+            <a:cxnSpLocks/>
+          </p:cNvCxnSpPr>
+          <p:nvPr/>
+        </p:nvCxnSpPr>
+        <p:spPr>
+          <a:xfrm flipV="1">
+            <a:off x="11549849" y="798990"/>
+            <a:ext cx="195308" cy="5255581"/>
+          </a:xfrm>
+          <a:prstGeom prst="line">
+            <a:avLst/>
+          </a:prstGeom>
+        </p:spPr>
+        <p:style>
+          <a:lnRef idx="1">
+            <a:schemeClr val="accent1"/>
+          </a:lnRef>
+          <a:fillRef idx="0">
+            <a:schemeClr val="accent1"/>
+          </a:fillRef>
+          <a:effectRef idx="0">
+            <a:schemeClr val="accent1"/>
+          </a:effectRef>
+          <a:fontRef idx="minor">
+            <a:schemeClr val="tx1"/>
+          </a:fontRef>
+        </p:style>
+      </p:cxnSp>
+      <p:sp>
+        <p:nvSpPr>
+          <p:cNvPr id="59" name="TextBox 58">
+            <a:extLst>
+              <a:ext uri="{FF2B5EF4-FFF2-40B4-BE49-F238E27FC236}">
+                <a16:creationId xmlns:a16="http://schemas.microsoft.com/office/drawing/2014/main" id="{A3CEA8DD-20D4-A347-B56A-434A8702A721}"/>
+              </a:ext>
+            </a:extLst>
+          </p:cNvPr>
+          <p:cNvSpPr txBox="1"/>
+          <p:nvPr/>
+        </p:nvSpPr>
+        <p:spPr>
+          <a:xfrm>
+            <a:off x="497780" y="6047459"/>
+            <a:ext cx="428322" cy="369332"/>
+          </a:xfrm>
+          <a:prstGeom prst="rect">
+            <a:avLst/>
+          </a:prstGeom>
+          <a:noFill/>
+        </p:spPr>
+        <p:txBody>
+          <a:bodyPr wrap="none" rtlCol="0">
+            <a:spAutoFit/>
+          </a:bodyPr>
+          <a:lstStyle/>
+          <a:p>
+            <a:r>
+              <a:rPr lang="en-US" dirty="0"/>
+              <a:t>11</a:t>
+            </a:r>
+          </a:p>
+        </p:txBody>
+      </p:sp>
+      <p:sp>
+        <p:nvSpPr>
+          <p:cNvPr id="60" name="TextBox 59">
+            <a:extLst>
+              <a:ext uri="{FF2B5EF4-FFF2-40B4-BE49-F238E27FC236}">
+                <a16:creationId xmlns:a16="http://schemas.microsoft.com/office/drawing/2014/main" id="{B5EA8F03-27EC-1042-8502-2D2617F47D87}"/>
+              </a:ext>
+            </a:extLst>
+          </p:cNvPr>
+          <p:cNvSpPr txBox="1"/>
+          <p:nvPr/>
+        </p:nvSpPr>
+        <p:spPr>
+          <a:xfrm>
+            <a:off x="745724" y="798990"/>
+            <a:ext cx="428322" cy="369332"/>
+          </a:xfrm>
+          <a:prstGeom prst="rect">
+            <a:avLst/>
+          </a:prstGeom>
+          <a:noFill/>
+        </p:spPr>
+        <p:txBody>
+          <a:bodyPr wrap="none" rtlCol="0">
+            <a:spAutoFit/>
+          </a:bodyPr>
+          <a:lstStyle/>
+          <a:p>
+            <a:r>
+              <a:rPr lang="en-US" dirty="0"/>
+              <a:t>10</a:t>
+            </a:r>
+          </a:p>
+        </p:txBody>
+      </p:sp>
+      <p:sp>
+        <p:nvSpPr>
+          <p:cNvPr id="61" name="TextBox 60">
+            <a:extLst>
+              <a:ext uri="{FF2B5EF4-FFF2-40B4-BE49-F238E27FC236}">
+                <a16:creationId xmlns:a16="http://schemas.microsoft.com/office/drawing/2014/main" id="{BDCEF14A-26CD-D740-9F16-764CF9AC73EE}"/>
+              </a:ext>
+            </a:extLst>
+          </p:cNvPr>
+          <p:cNvSpPr txBox="1"/>
+          <p:nvPr/>
+        </p:nvSpPr>
+        <p:spPr>
+          <a:xfrm>
+            <a:off x="11234479" y="5685239"/>
+            <a:ext cx="306494" cy="369332"/>
+          </a:xfrm>
+          <a:prstGeom prst="rect">
+            <a:avLst/>
+          </a:prstGeom>
+          <a:noFill/>
+        </p:spPr>
+        <p:txBody>
+          <a:bodyPr wrap="none" rtlCol="0">
+            <a:spAutoFit/>
+          </a:bodyPr>
+          <a:lstStyle/>
+          <a:p>
+            <a:r>
+              <a:rPr lang="en-US" dirty="0"/>
+              <a:t>8</a:t>
+            </a:r>
+          </a:p>
+        </p:txBody>
+      </p:sp>
+      <p:sp>
+        <p:nvSpPr>
+          <p:cNvPr id="62" name="TextBox 61">
+            <a:extLst>
+              <a:ext uri="{FF2B5EF4-FFF2-40B4-BE49-F238E27FC236}">
+                <a16:creationId xmlns:a16="http://schemas.microsoft.com/office/drawing/2014/main" id="{66792959-F990-5B47-A4D5-80E92150E47A}"/>
+              </a:ext>
+            </a:extLst>
+          </p:cNvPr>
+          <p:cNvSpPr txBox="1"/>
+          <p:nvPr/>
+        </p:nvSpPr>
+        <p:spPr>
+          <a:xfrm>
+            <a:off x="11647503" y="497721"/>
+            <a:ext cx="306494" cy="369332"/>
+          </a:xfrm>
+          <a:prstGeom prst="rect">
+            <a:avLst/>
+          </a:prstGeom>
+          <a:noFill/>
+        </p:spPr>
+        <p:txBody>
+          <a:bodyPr wrap="none" rtlCol="0">
+            <a:spAutoFit/>
+          </a:bodyPr>
+          <a:lstStyle/>
+          <a:p>
+            <a:r>
+              <a:rPr lang="en-US" dirty="0"/>
+              <a:t>9</a:t>
+            </a:r>
+          </a:p>
+        </p:txBody>
+      </p:sp>
+      <p:sp>
+        <p:nvSpPr>
+          <p:cNvPr id="72" name="TextBox 71">
+            <a:extLst>
+              <a:ext uri="{FF2B5EF4-FFF2-40B4-BE49-F238E27FC236}">
+                <a16:creationId xmlns:a16="http://schemas.microsoft.com/office/drawing/2014/main" id="{4E7222C8-73DE-934D-90A3-B796AFBC232D}"/>
+              </a:ext>
+            </a:extLst>
+          </p:cNvPr>
+          <p:cNvSpPr txBox="1"/>
+          <p:nvPr/>
+        </p:nvSpPr>
+        <p:spPr>
+          <a:xfrm>
+            <a:off x="366252" y="3319509"/>
+            <a:ext cx="428322" cy="369332"/>
+          </a:xfrm>
+          <a:prstGeom prst="rect">
+            <a:avLst/>
+          </a:prstGeom>
+          <a:noFill/>
+        </p:spPr>
+        <p:txBody>
+          <a:bodyPr wrap="none" rtlCol="0">
+            <a:spAutoFit/>
+          </a:bodyPr>
+          <a:lstStyle/>
+          <a:p>
+            <a:r>
+              <a:rPr lang="en-US" dirty="0">
+                <a:solidFill>
+                  <a:srgbClr val="FF0000"/>
+                </a:solidFill>
+              </a:rPr>
+              <a:t>11</a:t>
+            </a:r>
+          </a:p>
+        </p:txBody>
+      </p:sp>
+      <p:sp>
+        <p:nvSpPr>
+          <p:cNvPr id="73" name="TextBox 72">
+            <a:extLst>
+              <a:ext uri="{FF2B5EF4-FFF2-40B4-BE49-F238E27FC236}">
+                <a16:creationId xmlns:a16="http://schemas.microsoft.com/office/drawing/2014/main" id="{61D0DC6A-19C6-5041-A41D-89185ED49788}"/>
+              </a:ext>
+            </a:extLst>
+          </p:cNvPr>
+          <p:cNvSpPr txBox="1"/>
+          <p:nvPr/>
+        </p:nvSpPr>
+        <p:spPr>
+          <a:xfrm>
+            <a:off x="5107830" y="6039891"/>
+            <a:ext cx="428322" cy="369332"/>
+          </a:xfrm>
+          <a:prstGeom prst="rect">
+            <a:avLst/>
+          </a:prstGeom>
+          <a:noFill/>
+        </p:spPr>
+        <p:txBody>
+          <a:bodyPr wrap="none" rtlCol="0">
+            <a:spAutoFit/>
+          </a:bodyPr>
+          <a:lstStyle/>
+          <a:p>
+            <a:r>
+              <a:rPr lang="en-US" dirty="0">
+                <a:solidFill>
+                  <a:srgbClr val="FF0000"/>
+                </a:solidFill>
+              </a:rPr>
+              <a:t>12</a:t>
+            </a:r>
+          </a:p>
+        </p:txBody>
+      </p:sp>
+      <p:sp>
+        <p:nvSpPr>
+          <p:cNvPr id="74" name="TextBox 73">
+            <a:extLst>
+              <a:ext uri="{FF2B5EF4-FFF2-40B4-BE49-F238E27FC236}">
+                <a16:creationId xmlns:a16="http://schemas.microsoft.com/office/drawing/2014/main" id="{90CC4F78-8B04-2745-A6AD-0BC1D0037C96}"/>
+              </a:ext>
+            </a:extLst>
+          </p:cNvPr>
+          <p:cNvSpPr txBox="1"/>
+          <p:nvPr/>
+        </p:nvSpPr>
+        <p:spPr>
+          <a:xfrm>
+            <a:off x="5890120" y="521453"/>
+            <a:ext cx="428322" cy="369332"/>
+          </a:xfrm>
+          <a:prstGeom prst="rect">
+            <a:avLst/>
+          </a:prstGeom>
+          <a:noFill/>
+        </p:spPr>
+        <p:txBody>
+          <a:bodyPr wrap="none" rtlCol="0">
+            <a:spAutoFit/>
+          </a:bodyPr>
+          <a:lstStyle/>
+          <a:p>
+            <a:r>
+              <a:rPr lang="en-US" dirty="0">
+                <a:solidFill>
+                  <a:srgbClr val="FF0000"/>
+                </a:solidFill>
+              </a:rPr>
+              <a:t>10</a:t>
+            </a:r>
+          </a:p>
+        </p:txBody>
+      </p:sp>
+      <p:sp>
+        <p:nvSpPr>
+          <p:cNvPr id="75" name="TextBox 74">
+            <a:extLst>
+              <a:ext uri="{FF2B5EF4-FFF2-40B4-BE49-F238E27FC236}">
+                <a16:creationId xmlns:a16="http://schemas.microsoft.com/office/drawing/2014/main" id="{9EBF9407-DBE2-394B-8287-A5C733031736}"/>
+              </a:ext>
+            </a:extLst>
+          </p:cNvPr>
+          <p:cNvSpPr txBox="1"/>
+          <p:nvPr/>
+        </p:nvSpPr>
+        <p:spPr>
+          <a:xfrm>
+            <a:off x="11358976" y="3242055"/>
+            <a:ext cx="306494" cy="369332"/>
+          </a:xfrm>
+          <a:prstGeom prst="rect">
+            <a:avLst/>
+          </a:prstGeom>
+          <a:noFill/>
+        </p:spPr>
+        <p:txBody>
+          <a:bodyPr wrap="none" rtlCol="0">
+            <a:spAutoFit/>
+          </a:bodyPr>
+          <a:lstStyle/>
+          <a:p>
+            <a:r>
+              <a:rPr lang="en-US" dirty="0">
+                <a:solidFill>
+                  <a:srgbClr val="FF0000"/>
+                </a:solidFill>
+              </a:rPr>
+              <a:t>9</a:t>
+            </a:r>
+          </a:p>
+        </p:txBody>
+      </p:sp>
+      <p:cxnSp>
+        <p:nvCxnSpPr>
+          <p:cNvPr id="4" name="Straight Connector 3">
+            <a:extLst>
+              <a:ext uri="{FF2B5EF4-FFF2-40B4-BE49-F238E27FC236}">
+                <a16:creationId xmlns:a16="http://schemas.microsoft.com/office/drawing/2014/main" id="{8064ED72-4CC0-C343-8753-E9AEF892EE3C}"/>
+              </a:ext>
+            </a:extLst>
+          </p:cNvPr>
+          <p:cNvCxnSpPr/>
+          <p:nvPr/>
+        </p:nvCxnSpPr>
+        <p:spPr>
+          <a:xfrm>
+            <a:off x="1712259" y="798990"/>
+            <a:ext cx="0" cy="5255581"/>
+          </a:xfrm>
+          <a:prstGeom prst="line">
+            <a:avLst/>
+          </a:prstGeom>
+        </p:spPr>
+        <p:style>
+          <a:lnRef idx="1">
+            <a:schemeClr val="accent1"/>
+          </a:lnRef>
+          <a:fillRef idx="0">
+            <a:schemeClr val="accent1"/>
+          </a:fillRef>
+          <a:effectRef idx="0">
+            <a:schemeClr val="accent1"/>
+          </a:effectRef>
+          <a:fontRef idx="minor">
+            <a:schemeClr val="tx1"/>
+          </a:fontRef>
+        </p:style>
+      </p:cxnSp>
+      <p:cxnSp>
+        <p:nvCxnSpPr>
+          <p:cNvPr id="8" name="Straight Connector 7">
+            <a:extLst>
+              <a:ext uri="{FF2B5EF4-FFF2-40B4-BE49-F238E27FC236}">
+                <a16:creationId xmlns:a16="http://schemas.microsoft.com/office/drawing/2014/main" id="{94DD1D25-CFFF-1B48-841B-CF429401838B}"/>
+              </a:ext>
+            </a:extLst>
+          </p:cNvPr>
+          <p:cNvCxnSpPr/>
+          <p:nvPr/>
+        </p:nvCxnSpPr>
+        <p:spPr>
+          <a:xfrm flipH="1">
+            <a:off x="10434918" y="798990"/>
+            <a:ext cx="179294" cy="5255581"/>
+          </a:xfrm>
+          <a:prstGeom prst="line">
+            <a:avLst/>
+          </a:prstGeom>
+        </p:spPr>
+        <p:style>
+          <a:lnRef idx="1">
+            <a:schemeClr val="accent1"/>
+          </a:lnRef>
+          <a:fillRef idx="0">
+            <a:schemeClr val="accent1"/>
+          </a:fillRef>
+          <a:effectRef idx="0">
+            <a:schemeClr val="accent1"/>
+          </a:effectRef>
+          <a:fontRef idx="minor">
+            <a:schemeClr val="tx1"/>
+          </a:fontRef>
+        </p:style>
+      </p:cxnSp>
+      <p:cxnSp>
+        <p:nvCxnSpPr>
+          <p:cNvPr id="12" name="Straight Connector 11">
+            <a:extLst>
+              <a:ext uri="{FF2B5EF4-FFF2-40B4-BE49-F238E27FC236}">
+                <a16:creationId xmlns:a16="http://schemas.microsoft.com/office/drawing/2014/main" id="{829C8657-4EB6-EE43-A449-31DEC467691A}"/>
+              </a:ext>
+            </a:extLst>
+          </p:cNvPr>
+          <p:cNvCxnSpPr>
+            <a:cxnSpLocks/>
+          </p:cNvCxnSpPr>
+          <p:nvPr/>
+        </p:nvCxnSpPr>
+        <p:spPr>
+          <a:xfrm>
+            <a:off x="1712259" y="1640541"/>
+            <a:ext cx="8901953" cy="0"/>
+          </a:xfrm>
+          <a:prstGeom prst="line">
+            <a:avLst/>
+          </a:prstGeom>
+        </p:spPr>
+        <p:style>
+          <a:lnRef idx="1">
+            <a:schemeClr val="accent1"/>
+          </a:lnRef>
+          <a:fillRef idx="0">
+            <a:schemeClr val="accent1"/>
+          </a:fillRef>
+          <a:effectRef idx="0">
+            <a:schemeClr val="accent1"/>
+          </a:effectRef>
+          <a:fontRef idx="minor">
+            <a:schemeClr val="tx1"/>
+          </a:fontRef>
+        </p:style>
+      </p:cxnSp>
+      <p:cxnSp>
+        <p:nvCxnSpPr>
+          <p:cNvPr id="16" name="Straight Connector 15">
+            <a:extLst>
+              <a:ext uri="{FF2B5EF4-FFF2-40B4-BE49-F238E27FC236}">
+                <a16:creationId xmlns:a16="http://schemas.microsoft.com/office/drawing/2014/main" id="{C1595F9F-BA21-6E49-809F-1F443E415C3C}"/>
+              </a:ext>
+            </a:extLst>
+          </p:cNvPr>
+          <p:cNvCxnSpPr/>
+          <p:nvPr/>
+        </p:nvCxnSpPr>
+        <p:spPr>
+          <a:xfrm flipV="1">
+            <a:off x="1712259" y="5396753"/>
+            <a:ext cx="8722659" cy="80682"/>
+          </a:xfrm>
+          <a:prstGeom prst="line">
+            <a:avLst/>
+          </a:prstGeom>
+        </p:spPr>
+        <p:style>
+          <a:lnRef idx="1">
+            <a:schemeClr val="accent1"/>
+          </a:lnRef>
+          <a:fillRef idx="0">
+            <a:schemeClr val="accent1"/>
+          </a:fillRef>
+          <a:effectRef idx="0">
+            <a:schemeClr val="accent1"/>
+          </a:effectRef>
+          <a:fontRef idx="minor">
+            <a:schemeClr val="tx1"/>
+          </a:fontRef>
+        </p:style>
+      </p:cxnSp>
+      <p:sp>
+        <p:nvSpPr>
+          <p:cNvPr id="17" name="TextBox 16">
+            <a:extLst>
+              <a:ext uri="{FF2B5EF4-FFF2-40B4-BE49-F238E27FC236}">
+                <a16:creationId xmlns:a16="http://schemas.microsoft.com/office/drawing/2014/main" id="{8FD68513-BFAB-BC45-8B6C-47B87EF90095}"/>
+              </a:ext>
+            </a:extLst>
+          </p:cNvPr>
+          <p:cNvSpPr txBox="1"/>
+          <p:nvPr/>
+        </p:nvSpPr>
+        <p:spPr>
+          <a:xfrm>
+            <a:off x="10282070" y="6158473"/>
+            <a:ext cx="332142" cy="369332"/>
+          </a:xfrm>
+          <a:prstGeom prst="rect">
+            <a:avLst/>
+          </a:prstGeom>
+          <a:noFill/>
+        </p:spPr>
+        <p:txBody>
+          <a:bodyPr wrap="none" rtlCol="0">
+            <a:spAutoFit/>
+          </a:bodyPr>
+          <a:lstStyle/>
+          <a:p>
+            <a:r>
+              <a:rPr lang="en-CN" dirty="0"/>
+              <a:t>A</a:t>
+            </a:r>
+          </a:p>
+        </p:txBody>
+      </p:sp>
+      <p:sp>
+        <p:nvSpPr>
+          <p:cNvPr id="18" name="TextBox 17">
+            <a:extLst>
+              <a:ext uri="{FF2B5EF4-FFF2-40B4-BE49-F238E27FC236}">
+                <a16:creationId xmlns:a16="http://schemas.microsoft.com/office/drawing/2014/main" id="{59EE12ED-11A9-894F-8134-34FDB968AE7C}"/>
+              </a:ext>
+            </a:extLst>
+          </p:cNvPr>
+          <p:cNvSpPr txBox="1"/>
+          <p:nvPr/>
+        </p:nvSpPr>
+        <p:spPr>
+          <a:xfrm>
+            <a:off x="10368112" y="5226260"/>
+            <a:ext cx="312906" cy="369332"/>
+          </a:xfrm>
+          <a:prstGeom prst="rect">
+            <a:avLst/>
+          </a:prstGeom>
+          <a:noFill/>
+        </p:spPr>
+        <p:txBody>
+          <a:bodyPr wrap="none" rtlCol="0">
+            <a:spAutoFit/>
+          </a:bodyPr>
+          <a:lstStyle/>
+          <a:p>
+            <a:r>
+              <a:rPr lang="en-CN" dirty="0"/>
+              <a:t>B</a:t>
+            </a:r>
+          </a:p>
+        </p:txBody>
+      </p:sp>
+      <p:sp>
+        <p:nvSpPr>
+          <p:cNvPr id="19" name="TextBox 18">
+            <a:extLst>
+              <a:ext uri="{FF2B5EF4-FFF2-40B4-BE49-F238E27FC236}">
+                <a16:creationId xmlns:a16="http://schemas.microsoft.com/office/drawing/2014/main" id="{246C0CF2-00C3-B648-9AA1-FE57E9723218}"/>
+              </a:ext>
+            </a:extLst>
+          </p:cNvPr>
+          <p:cNvSpPr txBox="1"/>
+          <p:nvPr/>
+        </p:nvSpPr>
+        <p:spPr>
+          <a:xfrm>
+            <a:off x="10554965" y="1505252"/>
+            <a:ext cx="327334" cy="369332"/>
+          </a:xfrm>
+          <a:prstGeom prst="rect">
+            <a:avLst/>
+          </a:prstGeom>
+          <a:noFill/>
+        </p:spPr>
+        <p:txBody>
+          <a:bodyPr wrap="none" rtlCol="0">
+            <a:spAutoFit/>
+          </a:bodyPr>
+          <a:lstStyle/>
+          <a:p>
+            <a:r>
+              <a:rPr lang="en-CN" dirty="0"/>
+              <a:t>C</a:t>
+            </a:r>
+          </a:p>
+        </p:txBody>
+      </p:sp>
+      <p:sp>
+        <p:nvSpPr>
+          <p:cNvPr id="20" name="TextBox 19">
+            <a:extLst>
+              <a:ext uri="{FF2B5EF4-FFF2-40B4-BE49-F238E27FC236}">
+                <a16:creationId xmlns:a16="http://schemas.microsoft.com/office/drawing/2014/main" id="{239A6050-BCB0-5941-8B79-A44C6BF4A1D3}"/>
+              </a:ext>
+            </a:extLst>
+          </p:cNvPr>
+          <p:cNvSpPr txBox="1"/>
+          <p:nvPr/>
+        </p:nvSpPr>
+        <p:spPr>
+          <a:xfrm>
+            <a:off x="10425099" y="530479"/>
+            <a:ext cx="343364" cy="369332"/>
+          </a:xfrm>
+          <a:prstGeom prst="rect">
+            <a:avLst/>
+          </a:prstGeom>
+          <a:noFill/>
+        </p:spPr>
+        <p:txBody>
+          <a:bodyPr wrap="none" rtlCol="0">
+            <a:spAutoFit/>
+          </a:bodyPr>
+          <a:lstStyle/>
+          <a:p>
+            <a:r>
+              <a:rPr lang="en-CN" dirty="0"/>
+              <a:t>D</a:t>
+            </a:r>
+          </a:p>
+        </p:txBody>
+      </p:sp>
+      <p:sp>
+        <p:nvSpPr>
+          <p:cNvPr id="21" name="TextBox 20">
+            <a:extLst>
+              <a:ext uri="{FF2B5EF4-FFF2-40B4-BE49-F238E27FC236}">
+                <a16:creationId xmlns:a16="http://schemas.microsoft.com/office/drawing/2014/main" id="{D3ACB4ED-1459-EC46-9AEB-7ADBFBA164B2}"/>
+              </a:ext>
+            </a:extLst>
+          </p:cNvPr>
+          <p:cNvSpPr txBox="1"/>
+          <p:nvPr/>
+        </p:nvSpPr>
+        <p:spPr>
+          <a:xfrm>
+            <a:off x="1548971" y="5966467"/>
+            <a:ext cx="300082" cy="369332"/>
+          </a:xfrm>
+          <a:prstGeom prst="rect">
+            <a:avLst/>
+          </a:prstGeom>
+          <a:noFill/>
+        </p:spPr>
+        <p:txBody>
+          <a:bodyPr wrap="none" rtlCol="0">
+            <a:spAutoFit/>
+          </a:bodyPr>
+          <a:lstStyle/>
+          <a:p>
+            <a:r>
+              <a:rPr lang="en-CN" dirty="0"/>
+              <a:t>E</a:t>
+            </a:r>
+          </a:p>
+        </p:txBody>
+      </p:sp>
+      <p:sp>
+        <p:nvSpPr>
+          <p:cNvPr id="22" name="TextBox 21">
+            <a:extLst>
+              <a:ext uri="{FF2B5EF4-FFF2-40B4-BE49-F238E27FC236}">
+                <a16:creationId xmlns:a16="http://schemas.microsoft.com/office/drawing/2014/main" id="{15448A98-B54A-3741-9866-0E98A759E401}"/>
+              </a:ext>
+            </a:extLst>
+          </p:cNvPr>
+          <p:cNvSpPr txBox="1"/>
+          <p:nvPr/>
+        </p:nvSpPr>
+        <p:spPr>
+          <a:xfrm>
+            <a:off x="1672485" y="5290629"/>
+            <a:ext cx="295274" cy="369332"/>
+          </a:xfrm>
+          <a:prstGeom prst="rect">
+            <a:avLst/>
+          </a:prstGeom>
+          <a:noFill/>
+        </p:spPr>
+        <p:txBody>
+          <a:bodyPr wrap="none" rtlCol="0">
+            <a:spAutoFit/>
+          </a:bodyPr>
+          <a:lstStyle/>
+          <a:p>
+            <a:r>
+              <a:rPr lang="en-CN" dirty="0"/>
+              <a:t>F</a:t>
+            </a:r>
+          </a:p>
+        </p:txBody>
+      </p:sp>
+      <p:sp>
+        <p:nvSpPr>
+          <p:cNvPr id="23" name="TextBox 22">
+            <a:extLst>
+              <a:ext uri="{FF2B5EF4-FFF2-40B4-BE49-F238E27FC236}">
+                <a16:creationId xmlns:a16="http://schemas.microsoft.com/office/drawing/2014/main" id="{40AF1934-11B3-D940-8515-4D77CD35F96B}"/>
+              </a:ext>
+            </a:extLst>
+          </p:cNvPr>
+          <p:cNvSpPr txBox="1"/>
+          <p:nvPr/>
+        </p:nvSpPr>
+        <p:spPr>
+          <a:xfrm>
+            <a:off x="1712258" y="1466525"/>
+            <a:ext cx="340158" cy="369332"/>
+          </a:xfrm>
+          <a:prstGeom prst="rect">
+            <a:avLst/>
+          </a:prstGeom>
+          <a:noFill/>
+        </p:spPr>
+        <p:txBody>
+          <a:bodyPr wrap="none" rtlCol="0">
+            <a:spAutoFit/>
+          </a:bodyPr>
+          <a:lstStyle/>
+          <a:p>
+            <a:r>
+              <a:rPr lang="en-CN" dirty="0"/>
+              <a:t>G</a:t>
+            </a:r>
+          </a:p>
+        </p:txBody>
+      </p:sp>
+      <p:sp>
+        <p:nvSpPr>
+          <p:cNvPr id="24" name="TextBox 23">
+            <a:extLst>
+              <a:ext uri="{FF2B5EF4-FFF2-40B4-BE49-F238E27FC236}">
+                <a16:creationId xmlns:a16="http://schemas.microsoft.com/office/drawing/2014/main" id="{D34AB3B2-7E1A-0F47-A87D-A6F40EC0A5B3}"/>
+              </a:ext>
+            </a:extLst>
+          </p:cNvPr>
+          <p:cNvSpPr txBox="1"/>
+          <p:nvPr/>
+        </p:nvSpPr>
+        <p:spPr>
+          <a:xfrm>
+            <a:off x="1707450" y="553117"/>
+            <a:ext cx="344966" cy="369332"/>
+          </a:xfrm>
+          <a:prstGeom prst="rect">
+            <a:avLst/>
+          </a:prstGeom>
+          <a:noFill/>
+        </p:spPr>
+        <p:txBody>
+          <a:bodyPr wrap="none" rtlCol="0">
+            <a:spAutoFit/>
+          </a:bodyPr>
+          <a:lstStyle/>
+          <a:p>
+            <a:r>
+              <a:rPr lang="en-CN" dirty="0"/>
+              <a:t>H</a:t>
+            </a:r>
+          </a:p>
+        </p:txBody>
+      </p:sp>
+    </p:spTree>
+    <p:extLst>
+      <p:ext uri="{BB962C8B-B14F-4D97-AF65-F5344CB8AC3E}">
+        <p14:creationId xmlns:p14="http://schemas.microsoft.com/office/powerpoint/2010/main" val="1913823811"/>
+      </p:ext>
+    </p:extLst>
+  </p:cSld>
+  <p:clrMapOvr>
+    <a:masterClrMapping/>
+  </p:clrMapOvr>
+</p:sld>
+</file>
+
 <file path=ppt/theme/theme1.xml><?xml version="1.0" encoding="utf-8"?>
 <a:theme xmlns:a="http://schemas.openxmlformats.org/drawingml/2006/main" name="Office Theme">
   <a:themeElements>

--- a/meshdivision.pptx
+++ b/meshdivision.pptx
@@ -254,7 +254,7 @@
           <a:p>
             <a:fld id="{750CC82B-8B7E-47A1-8494-B87BF6FD552D}" type="datetimeFigureOut">
               <a:rPr lang="zh-CN" altLang="en-US" smtClean="0"/>
-              <a:t>2020/10/20</a:t>
+              <a:t>2020/12/3</a:t>
             </a:fld>
             <a:endParaRPr lang="zh-CN" altLang="en-US"/>
           </a:p>
@@ -424,7 +424,7 @@
           <a:p>
             <a:fld id="{750CC82B-8B7E-47A1-8494-B87BF6FD552D}" type="datetimeFigureOut">
               <a:rPr lang="zh-CN" altLang="en-US" smtClean="0"/>
-              <a:t>2020/10/20</a:t>
+              <a:t>2020/12/3</a:t>
             </a:fld>
             <a:endParaRPr lang="zh-CN" altLang="en-US"/>
           </a:p>
@@ -604,7 +604,7 @@
           <a:p>
             <a:fld id="{750CC82B-8B7E-47A1-8494-B87BF6FD552D}" type="datetimeFigureOut">
               <a:rPr lang="zh-CN" altLang="en-US" smtClean="0"/>
-              <a:t>2020/10/20</a:t>
+              <a:t>2020/12/3</a:t>
             </a:fld>
             <a:endParaRPr lang="zh-CN" altLang="en-US"/>
           </a:p>
@@ -774,7 +774,7 @@
           <a:p>
             <a:fld id="{750CC82B-8B7E-47A1-8494-B87BF6FD552D}" type="datetimeFigureOut">
               <a:rPr lang="zh-CN" altLang="en-US" smtClean="0"/>
-              <a:t>2020/10/20</a:t>
+              <a:t>2020/12/3</a:t>
             </a:fld>
             <a:endParaRPr lang="zh-CN" altLang="en-US"/>
           </a:p>
@@ -1020,7 +1020,7 @@
           <a:p>
             <a:fld id="{750CC82B-8B7E-47A1-8494-B87BF6FD552D}" type="datetimeFigureOut">
               <a:rPr lang="zh-CN" altLang="en-US" smtClean="0"/>
-              <a:t>2020/10/20</a:t>
+              <a:t>2020/12/3</a:t>
             </a:fld>
             <a:endParaRPr lang="zh-CN" altLang="en-US"/>
           </a:p>
@@ -1252,7 +1252,7 @@
           <a:p>
             <a:fld id="{750CC82B-8B7E-47A1-8494-B87BF6FD552D}" type="datetimeFigureOut">
               <a:rPr lang="zh-CN" altLang="en-US" smtClean="0"/>
-              <a:t>2020/10/20</a:t>
+              <a:t>2020/12/3</a:t>
             </a:fld>
             <a:endParaRPr lang="zh-CN" altLang="en-US"/>
           </a:p>
@@ -1619,7 +1619,7 @@
           <a:p>
             <a:fld id="{750CC82B-8B7E-47A1-8494-B87BF6FD552D}" type="datetimeFigureOut">
               <a:rPr lang="zh-CN" altLang="en-US" smtClean="0"/>
-              <a:t>2020/10/20</a:t>
+              <a:t>2020/12/3</a:t>
             </a:fld>
             <a:endParaRPr lang="zh-CN" altLang="en-US"/>
           </a:p>
@@ -1737,7 +1737,7 @@
           <a:p>
             <a:fld id="{750CC82B-8B7E-47A1-8494-B87BF6FD552D}" type="datetimeFigureOut">
               <a:rPr lang="zh-CN" altLang="en-US" smtClean="0"/>
-              <a:t>2020/10/20</a:t>
+              <a:t>2020/12/3</a:t>
             </a:fld>
             <a:endParaRPr lang="zh-CN" altLang="en-US"/>
           </a:p>
@@ -1832,7 +1832,7 @@
           <a:p>
             <a:fld id="{750CC82B-8B7E-47A1-8494-B87BF6FD552D}" type="datetimeFigureOut">
               <a:rPr lang="zh-CN" altLang="en-US" smtClean="0"/>
-              <a:t>2020/10/20</a:t>
+              <a:t>2020/12/3</a:t>
             </a:fld>
             <a:endParaRPr lang="zh-CN" altLang="en-US"/>
           </a:p>
@@ -2109,7 +2109,7 @@
           <a:p>
             <a:fld id="{750CC82B-8B7E-47A1-8494-B87BF6FD552D}" type="datetimeFigureOut">
               <a:rPr lang="zh-CN" altLang="en-US" smtClean="0"/>
-              <a:t>2020/10/20</a:t>
+              <a:t>2020/12/3</a:t>
             </a:fld>
             <a:endParaRPr lang="zh-CN" altLang="en-US"/>
           </a:p>
@@ -2362,7 +2362,7 @@
           <a:p>
             <a:fld id="{750CC82B-8B7E-47A1-8494-B87BF6FD552D}" type="datetimeFigureOut">
               <a:rPr lang="zh-CN" altLang="en-US" smtClean="0"/>
-              <a:t>2020/10/20</a:t>
+              <a:t>2020/12/3</a:t>
             </a:fld>
             <a:endParaRPr lang="zh-CN" altLang="en-US"/>
           </a:p>
@@ -2575,7 +2575,7 @@
           <a:p>
             <a:fld id="{750CC82B-8B7E-47A1-8494-B87BF6FD552D}" type="datetimeFigureOut">
               <a:rPr lang="zh-CN" altLang="en-US" smtClean="0"/>
-              <a:t>2020/10/20</a:t>
+              <a:t>2020/12/3</a:t>
             </a:fld>
             <a:endParaRPr lang="zh-CN" altLang="en-US"/>
           </a:p>
@@ -3190,9 +3190,10 @@
           <a:lstStyle/>
           <a:p>
             <a:r>
-              <a:rPr lang="en-US" dirty="0"/>
-              <a:t>3</a:t>
-            </a:r>
+              <a:rPr lang="en-US" altLang="zh-CN" dirty="0"/>
+              <a:t>6</a:t>
+            </a:r>
+            <a:endParaRPr lang="en-US" dirty="0"/>
           </a:p>
         </p:txBody>
       </p:sp>
@@ -3225,9 +3226,10 @@
           <a:lstStyle/>
           <a:p>
             <a:r>
-              <a:rPr lang="en-US" dirty="0"/>
-              <a:t>1</a:t>
-            </a:r>
+              <a:rPr lang="en-US" altLang="zh-CN" dirty="0"/>
+              <a:t>2</a:t>
+            </a:r>
+            <a:endParaRPr lang="en-US" dirty="0"/>
           </a:p>
         </p:txBody>
       </p:sp>
@@ -3260,18 +3262,95 @@
           <a:lstStyle/>
           <a:p>
             <a:r>
-              <a:rPr lang="en-US" dirty="0"/>
-              <a:t>2</a:t>
-            </a:r>
-          </a:p>
-        </p:txBody>
-      </p:sp>
-      <p:sp>
-        <p:nvSpPr>
-          <p:cNvPr id="72" name="TextBox 71">
+              <a:rPr lang="en-US" altLang="zh-CN" dirty="0"/>
+              <a:t>4</a:t>
+            </a:r>
+            <a:endParaRPr lang="en-US" dirty="0"/>
+          </a:p>
+        </p:txBody>
+      </p:sp>
+      <p:cxnSp>
+        <p:nvCxnSpPr>
+          <p:cNvPr id="3" name="Straight Connector 2">
             <a:extLst>
               <a:ext uri="{FF2B5EF4-FFF2-40B4-BE49-F238E27FC236}">
-                <a16:creationId xmlns:a16="http://schemas.microsoft.com/office/drawing/2014/main" id="{4E7222C8-73DE-934D-90A3-B796AFBC232D}"/>
+                <a16:creationId xmlns:a16="http://schemas.microsoft.com/office/drawing/2014/main" id="{C1B66332-0F36-9A4F-97C2-00CDEC991392}"/>
+              </a:ext>
+            </a:extLst>
+          </p:cNvPr>
+          <p:cNvCxnSpPr>
+            <a:cxnSpLocks/>
+          </p:cNvCxnSpPr>
+          <p:nvPr/>
+        </p:nvCxnSpPr>
+        <p:spPr>
+          <a:xfrm flipV="1">
+            <a:off x="745724" y="3323862"/>
+            <a:ext cx="10928623" cy="98997"/>
+          </a:xfrm>
+          <a:prstGeom prst="line">
+            <a:avLst/>
+          </a:prstGeom>
+        </p:spPr>
+        <p:style>
+          <a:lnRef idx="1">
+            <a:schemeClr val="accent1"/>
+          </a:lnRef>
+          <a:fillRef idx="0">
+            <a:schemeClr val="accent1"/>
+          </a:fillRef>
+          <a:effectRef idx="0">
+            <a:schemeClr val="accent1"/>
+          </a:effectRef>
+          <a:fontRef idx="minor">
+            <a:schemeClr val="tx1"/>
+          </a:fontRef>
+        </p:style>
+      </p:cxnSp>
+      <p:cxnSp>
+        <p:nvCxnSpPr>
+          <p:cNvPr id="5" name="Straight Connector 4">
+            <a:extLst>
+              <a:ext uri="{FF2B5EF4-FFF2-40B4-BE49-F238E27FC236}">
+                <a16:creationId xmlns:a16="http://schemas.microsoft.com/office/drawing/2014/main" id="{DA789CD6-C373-7444-AA59-F9A1B2356743}"/>
+              </a:ext>
+            </a:extLst>
+          </p:cNvPr>
+          <p:cNvCxnSpPr>
+            <a:cxnSpLocks/>
+          </p:cNvCxnSpPr>
+          <p:nvPr/>
+        </p:nvCxnSpPr>
+        <p:spPr>
+          <a:xfrm flipH="1">
+            <a:off x="6095999" y="788518"/>
+            <a:ext cx="23906" cy="5289124"/>
+          </a:xfrm>
+          <a:prstGeom prst="line">
+            <a:avLst/>
+          </a:prstGeom>
+        </p:spPr>
+        <p:style>
+          <a:lnRef idx="1">
+            <a:schemeClr val="accent1"/>
+          </a:lnRef>
+          <a:fillRef idx="0">
+            <a:schemeClr val="accent1"/>
+          </a:fillRef>
+          <a:effectRef idx="0">
+            <a:schemeClr val="accent1"/>
+          </a:effectRef>
+          <a:fontRef idx="minor">
+            <a:schemeClr val="tx1"/>
+          </a:fontRef>
+        </p:style>
+      </p:cxnSp>
+      <p:sp>
+        <p:nvSpPr>
+          <p:cNvPr id="6" name="TextBox 5">
+            <a:extLst>
+              <a:ext uri="{FF2B5EF4-FFF2-40B4-BE49-F238E27FC236}">
+                <a16:creationId xmlns:a16="http://schemas.microsoft.com/office/drawing/2014/main" id="{5D994F79-D169-4F4F-96E7-3F1465FE79FA}"/>
               </a:ext>
             </a:extLst>
           </p:cNvPr>
@@ -3280,7 +3359,7 @@
         </p:nvSpPr>
         <p:spPr>
           <a:xfrm>
-            <a:off x="366252" y="3319509"/>
+            <a:off x="6096000" y="3525715"/>
             <a:ext cx="306494" cy="369332"/>
           </a:xfrm>
           <a:prstGeom prst="rect">
@@ -3295,22 +3374,19 @@
           <a:lstStyle/>
           <a:p>
             <a:r>
-              <a:rPr lang="en-US" dirty="0">
-                <a:solidFill>
-                  <a:srgbClr val="FF0000"/>
-                </a:solidFill>
-              </a:rPr>
-              <a:t>3</a:t>
-            </a:r>
-          </a:p>
-        </p:txBody>
-      </p:sp>
-      <p:sp>
-        <p:nvSpPr>
-          <p:cNvPr id="73" name="TextBox 72">
+              <a:rPr lang="en-US" altLang="zh-CN" dirty="0"/>
+              <a:t>8</a:t>
+            </a:r>
+            <a:endParaRPr lang="en-US" dirty="0"/>
+          </a:p>
+        </p:txBody>
+      </p:sp>
+      <p:sp>
+        <p:nvSpPr>
+          <p:cNvPr id="29" name="TextBox 28">
             <a:extLst>
               <a:ext uri="{FF2B5EF4-FFF2-40B4-BE49-F238E27FC236}">
-                <a16:creationId xmlns:a16="http://schemas.microsoft.com/office/drawing/2014/main" id="{61D0DC6A-19C6-5041-A41D-89185ED49788}"/>
+                <a16:creationId xmlns:a16="http://schemas.microsoft.com/office/drawing/2014/main" id="{0AA5AD6F-9294-3A42-AB93-CDA7B5B4C99A}"/>
               </a:ext>
             </a:extLst>
           </p:cNvPr>
@@ -3319,7 +3395,7 @@
         </p:nvSpPr>
         <p:spPr>
           <a:xfrm>
-            <a:off x="5107830" y="6039891"/>
+            <a:off x="6147786" y="795006"/>
             <a:ext cx="306494" cy="369332"/>
           </a:xfrm>
           <a:prstGeom prst="rect">
@@ -3334,22 +3410,19 @@
           <a:lstStyle/>
           <a:p>
             <a:r>
-              <a:rPr lang="en-US" dirty="0">
-                <a:solidFill>
-                  <a:srgbClr val="FF0000"/>
-                </a:solidFill>
-              </a:rPr>
-              <a:t>0</a:t>
-            </a:r>
-          </a:p>
-        </p:txBody>
-      </p:sp>
-      <p:sp>
-        <p:nvSpPr>
-          <p:cNvPr id="74" name="TextBox 73">
+              <a:rPr lang="en-US" altLang="zh-CN" dirty="0"/>
+              <a:t>5</a:t>
+            </a:r>
+            <a:endParaRPr lang="en-US" dirty="0"/>
+          </a:p>
+        </p:txBody>
+      </p:sp>
+      <p:sp>
+        <p:nvSpPr>
+          <p:cNvPr id="30" name="TextBox 29">
             <a:extLst>
               <a:ext uri="{FF2B5EF4-FFF2-40B4-BE49-F238E27FC236}">
-                <a16:creationId xmlns:a16="http://schemas.microsoft.com/office/drawing/2014/main" id="{90CC4F78-8B04-2745-A6AD-0BC1D0037C96}"/>
+                <a16:creationId xmlns:a16="http://schemas.microsoft.com/office/drawing/2014/main" id="{A5159E88-A394-3C45-B7F6-834A836D99C6}"/>
               </a:ext>
             </a:extLst>
           </p:cNvPr>
@@ -3358,7 +3431,7 @@
         </p:nvSpPr>
         <p:spPr>
           <a:xfrm>
-            <a:off x="5890120" y="521453"/>
+            <a:off x="374760" y="3294953"/>
             <a:ext cx="306494" cy="369332"/>
           </a:xfrm>
           <a:prstGeom prst="rect">
@@ -3373,22 +3446,19 @@
           <a:lstStyle/>
           <a:p>
             <a:r>
-              <a:rPr lang="en-US" dirty="0">
-                <a:solidFill>
-                  <a:srgbClr val="FF0000"/>
-                </a:solidFill>
-              </a:rPr>
-              <a:t>2</a:t>
-            </a:r>
-          </a:p>
-        </p:txBody>
-      </p:sp>
-      <p:sp>
-        <p:nvSpPr>
-          <p:cNvPr id="75" name="TextBox 74">
+              <a:rPr lang="en-US" altLang="zh-CN" dirty="0"/>
+              <a:t>7</a:t>
+            </a:r>
+            <a:endParaRPr lang="en-US" dirty="0"/>
+          </a:p>
+        </p:txBody>
+      </p:sp>
+      <p:sp>
+        <p:nvSpPr>
+          <p:cNvPr id="31" name="TextBox 30">
             <a:extLst>
               <a:ext uri="{FF2B5EF4-FFF2-40B4-BE49-F238E27FC236}">
-                <a16:creationId xmlns:a16="http://schemas.microsoft.com/office/drawing/2014/main" id="{9EBF9407-DBE2-394B-8287-A5C733031736}"/>
+                <a16:creationId xmlns:a16="http://schemas.microsoft.com/office/drawing/2014/main" id="{22131AB3-B66F-2740-AED0-6D0B65D2EE28}"/>
               </a:ext>
             </a:extLst>
           </p:cNvPr>
@@ -3397,7 +3467,7 @@
         </p:nvSpPr>
         <p:spPr>
           <a:xfrm>
-            <a:off x="11358976" y="3242055"/>
+            <a:off x="11341009" y="3306621"/>
             <a:ext cx="306494" cy="369332"/>
           </a:xfrm>
           <a:prstGeom prst="rect">
@@ -3412,13 +3482,46 @@
           <a:lstStyle/>
           <a:p>
             <a:r>
-              <a:rPr lang="en-US" dirty="0">
-                <a:solidFill>
-                  <a:srgbClr val="FF0000"/>
-                </a:solidFill>
-              </a:rPr>
+              <a:rPr lang="en-US" altLang="zh-CN" dirty="0"/>
+              <a:t>3</a:t>
+            </a:r>
+            <a:endParaRPr lang="en-US" dirty="0"/>
+          </a:p>
+        </p:txBody>
+      </p:sp>
+      <p:sp>
+        <p:nvSpPr>
+          <p:cNvPr id="32" name="TextBox 31">
+            <a:extLst>
+              <a:ext uri="{FF2B5EF4-FFF2-40B4-BE49-F238E27FC236}">
+                <a16:creationId xmlns:a16="http://schemas.microsoft.com/office/drawing/2014/main" id="{31689B7D-A44B-5245-BBE1-E35489572469}"/>
+              </a:ext>
+            </a:extLst>
+          </p:cNvPr>
+          <p:cNvSpPr txBox="1"/>
+          <p:nvPr/>
+        </p:nvSpPr>
+        <p:spPr>
+          <a:xfrm>
+            <a:off x="5918848" y="6054571"/>
+            <a:ext cx="306494" cy="369332"/>
+          </a:xfrm>
+          <a:prstGeom prst="rect">
+            <a:avLst/>
+          </a:prstGeom>
+          <a:noFill/>
+        </p:spPr>
+        <p:txBody>
+          <a:bodyPr wrap="none" rtlCol="0">
+            <a:spAutoFit/>
+          </a:bodyPr>
+          <a:lstStyle/>
+          <a:p>
+            <a:r>
+              <a:rPr lang="en-US" altLang="zh-CN" dirty="0"/>
               <a:t>1</a:t>
             </a:r>
+            <a:endParaRPr lang="en-US" dirty="0"/>
           </a:p>
         </p:txBody>
       </p:sp>

--- a/meshdivision.pptx
+++ b/meshdivision.pptx
@@ -1,19 +1,114 @@
 
 <file path=ppt/presentation.xml><?xml version="1.0" encoding="utf-8"?>
-<p:presentation xmlns:a="http://schemas.openxmlformats.org/drawingml/2006/main" xmlns:p="http://schemas.openxmlformats.org/presentationml/2006/main" xmlns:r="http://schemas.openxmlformats.org/officeDocument/2006/relationships" xmlns:p14="http://schemas.microsoft.com/office/powerpoint/2010/main" xmlns:p15="http://schemas.microsoft.com/office/powerpoint/2012/main" xmlns:mc="http://schemas.openxmlformats.org/markup-compatibility/2006">
+<p:presentation xmlns:a="http://schemas.openxmlformats.org/drawingml/2006/main" xmlns:r="http://schemas.openxmlformats.org/officeDocument/2006/relationships" xmlns:p="http://schemas.openxmlformats.org/presentationml/2006/main">
   <p:sldMasterIdLst>
-    <p:sldMasterId id="2147483648" r:id="rId2"/>
+    <p:sldMasterId id="2147483648" r:id="rId1"/>
   </p:sldMasterIdLst>
   <p:sldIdLst>
-    <p:sldId id="256" r:id="rId3"/>
+    <p:sldId id="256" r:id="rId2"/>
   </p:sldIdLst>
   <p:sldSz cx="12192000" cy="6858000"/>
-  <p:notesSz cx="7559675" cy="10691812"/>
+  <p:notesSz cx="7559675" cy="10691813"/>
+  <p:defaultTextStyle>
+    <a:defPPr>
+      <a:defRPr lang="en-US"/>
+    </a:defPPr>
+    <a:lvl1pPr marL="0" algn="l" defTabSz="914400" rtl="0" eaLnBrk="1" latinLnBrk="0" hangingPunct="1">
+      <a:defRPr sz="1800" kern="1200">
+        <a:solidFill>
+          <a:schemeClr val="tx1"/>
+        </a:solidFill>
+        <a:latin typeface="+mn-lt"/>
+        <a:ea typeface="+mn-ea"/>
+        <a:cs typeface="+mn-cs"/>
+      </a:defRPr>
+    </a:lvl1pPr>
+    <a:lvl2pPr marL="457200" algn="l" defTabSz="914400" rtl="0" eaLnBrk="1" latinLnBrk="0" hangingPunct="1">
+      <a:defRPr sz="1800" kern="1200">
+        <a:solidFill>
+          <a:schemeClr val="tx1"/>
+        </a:solidFill>
+        <a:latin typeface="+mn-lt"/>
+        <a:ea typeface="+mn-ea"/>
+        <a:cs typeface="+mn-cs"/>
+      </a:defRPr>
+    </a:lvl2pPr>
+    <a:lvl3pPr marL="914400" algn="l" defTabSz="914400" rtl="0" eaLnBrk="1" latinLnBrk="0" hangingPunct="1">
+      <a:defRPr sz="1800" kern="1200">
+        <a:solidFill>
+          <a:schemeClr val="tx1"/>
+        </a:solidFill>
+        <a:latin typeface="+mn-lt"/>
+        <a:ea typeface="+mn-ea"/>
+        <a:cs typeface="+mn-cs"/>
+      </a:defRPr>
+    </a:lvl3pPr>
+    <a:lvl4pPr marL="1371600" algn="l" defTabSz="914400" rtl="0" eaLnBrk="1" latinLnBrk="0" hangingPunct="1">
+      <a:defRPr sz="1800" kern="1200">
+        <a:solidFill>
+          <a:schemeClr val="tx1"/>
+        </a:solidFill>
+        <a:latin typeface="+mn-lt"/>
+        <a:ea typeface="+mn-ea"/>
+        <a:cs typeface="+mn-cs"/>
+      </a:defRPr>
+    </a:lvl4pPr>
+    <a:lvl5pPr marL="1828800" algn="l" defTabSz="914400" rtl="0" eaLnBrk="1" latinLnBrk="0" hangingPunct="1">
+      <a:defRPr sz="1800" kern="1200">
+        <a:solidFill>
+          <a:schemeClr val="tx1"/>
+        </a:solidFill>
+        <a:latin typeface="+mn-lt"/>
+        <a:ea typeface="+mn-ea"/>
+        <a:cs typeface="+mn-cs"/>
+      </a:defRPr>
+    </a:lvl5pPr>
+    <a:lvl6pPr marL="2286000" algn="l" defTabSz="914400" rtl="0" eaLnBrk="1" latinLnBrk="0" hangingPunct="1">
+      <a:defRPr sz="1800" kern="1200">
+        <a:solidFill>
+          <a:schemeClr val="tx1"/>
+        </a:solidFill>
+        <a:latin typeface="+mn-lt"/>
+        <a:ea typeface="+mn-ea"/>
+        <a:cs typeface="+mn-cs"/>
+      </a:defRPr>
+    </a:lvl6pPr>
+    <a:lvl7pPr marL="2743200" algn="l" defTabSz="914400" rtl="0" eaLnBrk="1" latinLnBrk="0" hangingPunct="1">
+      <a:defRPr sz="1800" kern="1200">
+        <a:solidFill>
+          <a:schemeClr val="tx1"/>
+        </a:solidFill>
+        <a:latin typeface="+mn-lt"/>
+        <a:ea typeface="+mn-ea"/>
+        <a:cs typeface="+mn-cs"/>
+      </a:defRPr>
+    </a:lvl7pPr>
+    <a:lvl8pPr marL="3200400" algn="l" defTabSz="914400" rtl="0" eaLnBrk="1" latinLnBrk="0" hangingPunct="1">
+      <a:defRPr sz="1800" kern="1200">
+        <a:solidFill>
+          <a:schemeClr val="tx1"/>
+        </a:solidFill>
+        <a:latin typeface="+mn-lt"/>
+        <a:ea typeface="+mn-ea"/>
+        <a:cs typeface="+mn-cs"/>
+      </a:defRPr>
+    </a:lvl8pPr>
+    <a:lvl9pPr marL="3657600" algn="l" defTabSz="914400" rtl="0" eaLnBrk="1" latinLnBrk="0" hangingPunct="1">
+      <a:defRPr sz="1800" kern="1200">
+        <a:solidFill>
+          <a:schemeClr val="tx1"/>
+        </a:solidFill>
+        <a:latin typeface="+mn-lt"/>
+        <a:ea typeface="+mn-ea"/>
+        <a:cs typeface="+mn-cs"/>
+      </a:defRPr>
+    </a:lvl9pPr>
+  </p:defaultTextStyle>
 </p:presentation>
 </file>
 
 <file path=ppt/slideLayouts/slideLayout1.xml><?xml version="1.0" encoding="utf-8"?>
-<p:sldLayout xmlns:a="http://schemas.openxmlformats.org/drawingml/2006/main" xmlns:p="http://schemas.openxmlformats.org/presentationml/2006/main" xmlns:r="http://schemas.openxmlformats.org/officeDocument/2006/relationships" xmlns:p14="http://schemas.microsoft.com/office/powerpoint/2010/main" xmlns:p15="http://schemas.microsoft.com/office/powerpoint/2012/main" xmlns:mc="http://schemas.openxmlformats.org/markup-compatibility/2006" type="blank" preserve="1">
+<p:sldLayout xmlns:a="http://schemas.openxmlformats.org/drawingml/2006/main" xmlns:r="http://schemas.openxmlformats.org/officeDocument/2006/relationships" xmlns:p="http://schemas.openxmlformats.org/presentationml/2006/main" type="blank" preserve="1">
   <p:cSld name="Blank Slide">
     <p:spTree>
       <p:nvGrpSpPr>
@@ -31,11 +126,14 @@
       </p:grpSpPr>
     </p:spTree>
   </p:cSld>
+  <p:clrMapOvr>
+    <a:masterClrMapping/>
+  </p:clrMapOvr>
 </p:sldLayout>
 </file>
 
 <file path=ppt/slideLayouts/slideLayout10.xml><?xml version="1.0" encoding="utf-8"?>
-<p:sldLayout xmlns:a="http://schemas.openxmlformats.org/drawingml/2006/main" xmlns:p="http://schemas.openxmlformats.org/presentationml/2006/main" xmlns:r="http://schemas.openxmlformats.org/officeDocument/2006/relationships" xmlns:p14="http://schemas.microsoft.com/office/powerpoint/2010/main" xmlns:p15="http://schemas.microsoft.com/office/powerpoint/2012/main" xmlns:mc="http://schemas.openxmlformats.org/markup-compatibility/2006" type="objOverTx" preserve="1">
+<p:sldLayout xmlns:a="http://schemas.openxmlformats.org/drawingml/2006/main" xmlns:r="http://schemas.openxmlformats.org/officeDocument/2006/relationships" xmlns:p="http://schemas.openxmlformats.org/presentationml/2006/main" type="objOverTx" preserve="1">
   <p:cSld name="Title, Content over Content">
     <p:spTree>
       <p:nvGrpSpPr>
@@ -71,10 +169,11 @@
           </a:prstGeom>
         </p:spPr>
         <p:txBody>
-          <a:bodyPr lIns="0" rIns="0" tIns="0" bIns="0" anchor="ctr"/>
+          <a:bodyPr lIns="0" tIns="0" rIns="0" bIns="0" anchor="ctr"/>
+          <a:lstStyle/>
           <a:p>
             <a:pPr algn="ctr"/>
-            <a:endParaRPr b="0" lang="en-GB" sz="4400" spc="-1" strike="noStrike">
+            <a:endParaRPr lang="en-GB" sz="4400" b="0" strike="noStrike" spc="-1">
               <a:latin typeface="Arial"/>
             </a:endParaRPr>
           </a:p>
@@ -100,11 +199,12 @@
           </a:prstGeom>
         </p:spPr>
         <p:txBody>
-          <a:bodyPr lIns="0" rIns="0" tIns="0" bIns="0">
+          <a:bodyPr lIns="0" tIns="0" rIns="0" bIns="0">
             <a:normAutofit/>
           </a:bodyPr>
-          <a:p>
-            <a:endParaRPr b="0" lang="en-GB" sz="3200" spc="-1" strike="noStrike">
+          <a:lstStyle/>
+          <a:p>
+            <a:endParaRPr lang="en-GB" sz="3200" b="0" strike="noStrike" spc="-1">
               <a:latin typeface="Arial"/>
             </a:endParaRPr>
           </a:p>
@@ -130,11 +230,12 @@
           </a:prstGeom>
         </p:spPr>
         <p:txBody>
-          <a:bodyPr lIns="0" rIns="0" tIns="0" bIns="0">
+          <a:bodyPr lIns="0" tIns="0" rIns="0" bIns="0">
             <a:normAutofit/>
           </a:bodyPr>
-          <a:p>
-            <a:endParaRPr b="0" lang="en-GB" sz="3200" spc="-1" strike="noStrike">
+          <a:lstStyle/>
+          <a:p>
+            <a:endParaRPr lang="en-GB" sz="3200" b="0" strike="noStrike" spc="-1">
               <a:latin typeface="Arial"/>
             </a:endParaRPr>
           </a:p>
@@ -142,11 +243,14 @@
       </p:sp>
     </p:spTree>
   </p:cSld>
+  <p:clrMapOvr>
+    <a:masterClrMapping/>
+  </p:clrMapOvr>
 </p:sldLayout>
 </file>
 
 <file path=ppt/slideLayouts/slideLayout11.xml><?xml version="1.0" encoding="utf-8"?>
-<p:sldLayout xmlns:a="http://schemas.openxmlformats.org/drawingml/2006/main" xmlns:p="http://schemas.openxmlformats.org/presentationml/2006/main" xmlns:r="http://schemas.openxmlformats.org/officeDocument/2006/relationships" xmlns:p14="http://schemas.microsoft.com/office/powerpoint/2010/main" xmlns:p15="http://schemas.microsoft.com/office/powerpoint/2012/main" xmlns:mc="http://schemas.openxmlformats.org/markup-compatibility/2006" type="fourObj" preserve="1">
+<p:sldLayout xmlns:a="http://schemas.openxmlformats.org/drawingml/2006/main" xmlns:r="http://schemas.openxmlformats.org/officeDocument/2006/relationships" xmlns:p="http://schemas.openxmlformats.org/presentationml/2006/main" type="fourObj" preserve="1">
   <p:cSld name="Title, 4 Content">
     <p:spTree>
       <p:nvGrpSpPr>
@@ -182,10 +286,11 @@
           </a:prstGeom>
         </p:spPr>
         <p:txBody>
-          <a:bodyPr lIns="0" rIns="0" tIns="0" bIns="0" anchor="ctr"/>
+          <a:bodyPr lIns="0" tIns="0" rIns="0" bIns="0" anchor="ctr"/>
+          <a:lstStyle/>
           <a:p>
             <a:pPr algn="ctr"/>
-            <a:endParaRPr b="0" lang="en-GB" sz="4400" spc="-1" strike="noStrike">
+            <a:endParaRPr lang="en-GB" sz="4400" b="0" strike="noStrike" spc="-1">
               <a:latin typeface="Arial"/>
             </a:endParaRPr>
           </a:p>
@@ -211,11 +316,12 @@
           </a:prstGeom>
         </p:spPr>
         <p:txBody>
-          <a:bodyPr lIns="0" rIns="0" tIns="0" bIns="0">
+          <a:bodyPr lIns="0" tIns="0" rIns="0" bIns="0">
             <a:normAutofit/>
           </a:bodyPr>
-          <a:p>
-            <a:endParaRPr b="0" lang="en-GB" sz="3200" spc="-1" strike="noStrike">
+          <a:lstStyle/>
+          <a:p>
+            <a:endParaRPr lang="en-GB" sz="3200" b="0" strike="noStrike" spc="-1">
               <a:latin typeface="Arial"/>
             </a:endParaRPr>
           </a:p>
@@ -241,11 +347,12 @@
           </a:prstGeom>
         </p:spPr>
         <p:txBody>
-          <a:bodyPr lIns="0" rIns="0" tIns="0" bIns="0">
+          <a:bodyPr lIns="0" tIns="0" rIns="0" bIns="0">
             <a:normAutofit/>
           </a:bodyPr>
-          <a:p>
-            <a:endParaRPr b="0" lang="en-GB" sz="3200" spc="-1" strike="noStrike">
+          <a:lstStyle/>
+          <a:p>
+            <a:endParaRPr lang="en-GB" sz="3200" b="0" strike="noStrike" spc="-1">
               <a:latin typeface="Arial"/>
             </a:endParaRPr>
           </a:p>
@@ -271,11 +378,12 @@
           </a:prstGeom>
         </p:spPr>
         <p:txBody>
-          <a:bodyPr lIns="0" rIns="0" tIns="0" bIns="0">
+          <a:bodyPr lIns="0" tIns="0" rIns="0" bIns="0">
             <a:normAutofit/>
           </a:bodyPr>
-          <a:p>
-            <a:endParaRPr b="0" lang="en-GB" sz="3200" spc="-1" strike="noStrike">
+          <a:lstStyle/>
+          <a:p>
+            <a:endParaRPr lang="en-GB" sz="3200" b="0" strike="noStrike" spc="-1">
               <a:latin typeface="Arial"/>
             </a:endParaRPr>
           </a:p>
@@ -301,11 +409,12 @@
           </a:prstGeom>
         </p:spPr>
         <p:txBody>
-          <a:bodyPr lIns="0" rIns="0" tIns="0" bIns="0">
+          <a:bodyPr lIns="0" tIns="0" rIns="0" bIns="0">
             <a:normAutofit/>
           </a:bodyPr>
-          <a:p>
-            <a:endParaRPr b="0" lang="en-GB" sz="3200" spc="-1" strike="noStrike">
+          <a:lstStyle/>
+          <a:p>
+            <a:endParaRPr lang="en-GB" sz="3200" b="0" strike="noStrike" spc="-1">
               <a:latin typeface="Arial"/>
             </a:endParaRPr>
           </a:p>
@@ -313,11 +422,14 @@
       </p:sp>
     </p:spTree>
   </p:cSld>
+  <p:clrMapOvr>
+    <a:masterClrMapping/>
+  </p:clrMapOvr>
 </p:sldLayout>
 </file>
 
 <file path=ppt/slideLayouts/slideLayout12.xml><?xml version="1.0" encoding="utf-8"?>
-<p:sldLayout xmlns:a="http://schemas.openxmlformats.org/drawingml/2006/main" xmlns:p="http://schemas.openxmlformats.org/presentationml/2006/main" xmlns:r="http://schemas.openxmlformats.org/officeDocument/2006/relationships" xmlns:p14="http://schemas.microsoft.com/office/powerpoint/2010/main" xmlns:p15="http://schemas.microsoft.com/office/powerpoint/2012/main" xmlns:mc="http://schemas.openxmlformats.org/markup-compatibility/2006" type="blank" preserve="1">
+<p:sldLayout xmlns:a="http://schemas.openxmlformats.org/drawingml/2006/main" xmlns:r="http://schemas.openxmlformats.org/officeDocument/2006/relationships" xmlns:p="http://schemas.openxmlformats.org/presentationml/2006/main" type="blank" preserve="1">
   <p:cSld name="Title, 6 Content">
     <p:spTree>
       <p:nvGrpSpPr>
@@ -353,10 +465,11 @@
           </a:prstGeom>
         </p:spPr>
         <p:txBody>
-          <a:bodyPr lIns="0" rIns="0" tIns="0" bIns="0" anchor="ctr"/>
+          <a:bodyPr lIns="0" tIns="0" rIns="0" bIns="0" anchor="ctr"/>
+          <a:lstStyle/>
           <a:p>
             <a:pPr algn="ctr"/>
-            <a:endParaRPr b="0" lang="en-GB" sz="4400" spc="-1" strike="noStrike">
+            <a:endParaRPr lang="en-GB" sz="4400" b="0" strike="noStrike" spc="-1">
               <a:latin typeface="Arial"/>
             </a:endParaRPr>
           </a:p>
@@ -382,11 +495,12 @@
           </a:prstGeom>
         </p:spPr>
         <p:txBody>
-          <a:bodyPr lIns="0" rIns="0" tIns="0" bIns="0">
+          <a:bodyPr lIns="0" tIns="0" rIns="0" bIns="0">
             <a:normAutofit/>
           </a:bodyPr>
-          <a:p>
-            <a:endParaRPr b="0" lang="en-GB" sz="3200" spc="-1" strike="noStrike">
+          <a:lstStyle/>
+          <a:p>
+            <a:endParaRPr lang="en-GB" sz="3200" b="0" strike="noStrike" spc="-1">
               <a:latin typeface="Arial"/>
             </a:endParaRPr>
           </a:p>
@@ -412,11 +526,12 @@
           </a:prstGeom>
         </p:spPr>
         <p:txBody>
-          <a:bodyPr lIns="0" rIns="0" tIns="0" bIns="0">
+          <a:bodyPr lIns="0" tIns="0" rIns="0" bIns="0">
             <a:normAutofit/>
           </a:bodyPr>
-          <a:p>
-            <a:endParaRPr b="0" lang="en-GB" sz="3200" spc="-1" strike="noStrike">
+          <a:lstStyle/>
+          <a:p>
+            <a:endParaRPr lang="en-GB" sz="3200" b="0" strike="noStrike" spc="-1">
               <a:latin typeface="Arial"/>
             </a:endParaRPr>
           </a:p>
@@ -442,11 +557,12 @@
           </a:prstGeom>
         </p:spPr>
         <p:txBody>
-          <a:bodyPr lIns="0" rIns="0" tIns="0" bIns="0">
+          <a:bodyPr lIns="0" tIns="0" rIns="0" bIns="0">
             <a:normAutofit/>
           </a:bodyPr>
-          <a:p>
-            <a:endParaRPr b="0" lang="en-GB" sz="3200" spc="-1" strike="noStrike">
+          <a:lstStyle/>
+          <a:p>
+            <a:endParaRPr lang="en-GB" sz="3200" b="0" strike="noStrike" spc="-1">
               <a:latin typeface="Arial"/>
             </a:endParaRPr>
           </a:p>
@@ -472,11 +588,12 @@
           </a:prstGeom>
         </p:spPr>
         <p:txBody>
-          <a:bodyPr lIns="0" rIns="0" tIns="0" bIns="0">
+          <a:bodyPr lIns="0" tIns="0" rIns="0" bIns="0">
             <a:normAutofit/>
           </a:bodyPr>
-          <a:p>
-            <a:endParaRPr b="0" lang="en-GB" sz="3200" spc="-1" strike="noStrike">
+          <a:lstStyle/>
+          <a:p>
+            <a:endParaRPr lang="en-GB" sz="3200" b="0" strike="noStrike" spc="-1">
               <a:latin typeface="Arial"/>
             </a:endParaRPr>
           </a:p>
@@ -502,11 +619,12 @@
           </a:prstGeom>
         </p:spPr>
         <p:txBody>
-          <a:bodyPr lIns="0" rIns="0" tIns="0" bIns="0">
+          <a:bodyPr lIns="0" tIns="0" rIns="0" bIns="0">
             <a:normAutofit/>
           </a:bodyPr>
-          <a:p>
-            <a:endParaRPr b="0" lang="en-GB" sz="3200" spc="-1" strike="noStrike">
+          <a:lstStyle/>
+          <a:p>
+            <a:endParaRPr lang="en-GB" sz="3200" b="0" strike="noStrike" spc="-1">
               <a:latin typeface="Arial"/>
             </a:endParaRPr>
           </a:p>
@@ -532,11 +650,12 @@
           </a:prstGeom>
         </p:spPr>
         <p:txBody>
-          <a:bodyPr lIns="0" rIns="0" tIns="0" bIns="0">
+          <a:bodyPr lIns="0" tIns="0" rIns="0" bIns="0">
             <a:normAutofit/>
           </a:bodyPr>
-          <a:p>
-            <a:endParaRPr b="0" lang="en-GB" sz="3200" spc="-1" strike="noStrike">
+          <a:lstStyle/>
+          <a:p>
+            <a:endParaRPr lang="en-GB" sz="3200" b="0" strike="noStrike" spc="-1">
               <a:latin typeface="Arial"/>
             </a:endParaRPr>
           </a:p>
@@ -544,11 +663,14 @@
       </p:sp>
     </p:spTree>
   </p:cSld>
+  <p:clrMapOvr>
+    <a:masterClrMapping/>
+  </p:clrMapOvr>
 </p:sldLayout>
 </file>
 
 <file path=ppt/slideLayouts/slideLayout2.xml><?xml version="1.0" encoding="utf-8"?>
-<p:sldLayout xmlns:a="http://schemas.openxmlformats.org/drawingml/2006/main" xmlns:p="http://schemas.openxmlformats.org/presentationml/2006/main" xmlns:r="http://schemas.openxmlformats.org/officeDocument/2006/relationships" xmlns:p14="http://schemas.microsoft.com/office/powerpoint/2010/main" xmlns:p15="http://schemas.microsoft.com/office/powerpoint/2012/main" xmlns:mc="http://schemas.openxmlformats.org/markup-compatibility/2006" type="tx" preserve="1">
+<p:sldLayout xmlns:a="http://schemas.openxmlformats.org/drawingml/2006/main" xmlns:r="http://schemas.openxmlformats.org/officeDocument/2006/relationships" xmlns:p="http://schemas.openxmlformats.org/presentationml/2006/main" type="tx" preserve="1">
   <p:cSld name="Title Slide">
     <p:spTree>
       <p:nvGrpSpPr>
@@ -566,7 +688,7 @@
       </p:grpSpPr>
       <p:sp>
         <p:nvSpPr>
-          <p:cNvPr id="1" name="PlaceHolder 1"/>
+          <p:cNvPr id="3" name="PlaceHolder 1"/>
           <p:cNvSpPr>
             <a:spLocks noGrp="1"/>
           </p:cNvSpPr>
@@ -584,10 +706,11 @@
           </a:prstGeom>
         </p:spPr>
         <p:txBody>
-          <a:bodyPr lIns="0" rIns="0" tIns="0" bIns="0" anchor="ctr"/>
+          <a:bodyPr lIns="0" tIns="0" rIns="0" bIns="0" anchor="ctr"/>
+          <a:lstStyle/>
           <a:p>
             <a:pPr algn="ctr"/>
-            <a:endParaRPr b="0" lang="en-GB" sz="4400" spc="-1" strike="noStrike">
+            <a:endParaRPr lang="en-GB" sz="4400" b="0" strike="noStrike" spc="-1">
               <a:latin typeface="Arial"/>
             </a:endParaRPr>
           </a:p>
@@ -613,10 +736,11 @@
           </a:prstGeom>
         </p:spPr>
         <p:txBody>
-          <a:bodyPr lIns="0" rIns="0" tIns="0" bIns="0" anchor="ctr"/>
+          <a:bodyPr lIns="0" tIns="0" rIns="0" bIns="0" anchor="ctr"/>
+          <a:lstStyle/>
           <a:p>
             <a:pPr algn="ctr"/>
-            <a:endParaRPr b="0" lang="en-GB" sz="3200" spc="-1" strike="noStrike">
+            <a:endParaRPr lang="en-GB" sz="3200" b="0" strike="noStrike" spc="-1">
               <a:latin typeface="Arial"/>
             </a:endParaRPr>
           </a:p>
@@ -624,11 +748,14 @@
       </p:sp>
     </p:spTree>
   </p:cSld>
+  <p:clrMapOvr>
+    <a:masterClrMapping/>
+  </p:clrMapOvr>
 </p:sldLayout>
 </file>
 
 <file path=ppt/slideLayouts/slideLayout3.xml><?xml version="1.0" encoding="utf-8"?>
-<p:sldLayout xmlns:a="http://schemas.openxmlformats.org/drawingml/2006/main" xmlns:p="http://schemas.openxmlformats.org/presentationml/2006/main" xmlns:r="http://schemas.openxmlformats.org/officeDocument/2006/relationships" xmlns:p14="http://schemas.microsoft.com/office/powerpoint/2010/main" xmlns:p15="http://schemas.microsoft.com/office/powerpoint/2012/main" xmlns:mc="http://schemas.openxmlformats.org/markup-compatibility/2006" type="obj" preserve="1">
+<p:sldLayout xmlns:a="http://schemas.openxmlformats.org/drawingml/2006/main" xmlns:r="http://schemas.openxmlformats.org/officeDocument/2006/relationships" xmlns:p="http://schemas.openxmlformats.org/presentationml/2006/main" type="obj" preserve="1">
   <p:cSld name="Title, Content">
     <p:spTree>
       <p:nvGrpSpPr>
@@ -664,10 +791,11 @@
           </a:prstGeom>
         </p:spPr>
         <p:txBody>
-          <a:bodyPr lIns="0" rIns="0" tIns="0" bIns="0" anchor="ctr"/>
+          <a:bodyPr lIns="0" tIns="0" rIns="0" bIns="0" anchor="ctr"/>
+          <a:lstStyle/>
           <a:p>
             <a:pPr algn="ctr"/>
-            <a:endParaRPr b="0" lang="en-GB" sz="4400" spc="-1" strike="noStrike">
+            <a:endParaRPr lang="en-GB" sz="4400" b="0" strike="noStrike" spc="-1">
               <a:latin typeface="Arial"/>
             </a:endParaRPr>
           </a:p>
@@ -693,11 +821,12 @@
           </a:prstGeom>
         </p:spPr>
         <p:txBody>
-          <a:bodyPr lIns="0" rIns="0" tIns="0" bIns="0">
+          <a:bodyPr lIns="0" tIns="0" rIns="0" bIns="0">
             <a:normAutofit/>
           </a:bodyPr>
-          <a:p>
-            <a:endParaRPr b="0" lang="en-GB" sz="3200" spc="-1" strike="noStrike">
+          <a:lstStyle/>
+          <a:p>
+            <a:endParaRPr lang="en-GB" sz="3200" b="0" strike="noStrike" spc="-1">
               <a:latin typeface="Arial"/>
             </a:endParaRPr>
           </a:p>
@@ -705,11 +834,14 @@
       </p:sp>
     </p:spTree>
   </p:cSld>
+  <p:clrMapOvr>
+    <a:masterClrMapping/>
+  </p:clrMapOvr>
 </p:sldLayout>
 </file>
 
 <file path=ppt/slideLayouts/slideLayout4.xml><?xml version="1.0" encoding="utf-8"?>
-<p:sldLayout xmlns:a="http://schemas.openxmlformats.org/drawingml/2006/main" xmlns:p="http://schemas.openxmlformats.org/presentationml/2006/main" xmlns:r="http://schemas.openxmlformats.org/officeDocument/2006/relationships" xmlns:p14="http://schemas.microsoft.com/office/powerpoint/2010/main" xmlns:p15="http://schemas.microsoft.com/office/powerpoint/2012/main" xmlns:mc="http://schemas.openxmlformats.org/markup-compatibility/2006" type="twoObj" preserve="1">
+<p:sldLayout xmlns:a="http://schemas.openxmlformats.org/drawingml/2006/main" xmlns:r="http://schemas.openxmlformats.org/officeDocument/2006/relationships" xmlns:p="http://schemas.openxmlformats.org/presentationml/2006/main" type="twoObj" preserve="1">
   <p:cSld name="Title, 2 Content">
     <p:spTree>
       <p:nvGrpSpPr>
@@ -745,10 +877,11 @@
           </a:prstGeom>
         </p:spPr>
         <p:txBody>
-          <a:bodyPr lIns="0" rIns="0" tIns="0" bIns="0" anchor="ctr"/>
+          <a:bodyPr lIns="0" tIns="0" rIns="0" bIns="0" anchor="ctr"/>
+          <a:lstStyle/>
           <a:p>
             <a:pPr algn="ctr"/>
-            <a:endParaRPr b="0" lang="en-GB" sz="4400" spc="-1" strike="noStrike">
+            <a:endParaRPr lang="en-GB" sz="4400" b="0" strike="noStrike" spc="-1">
               <a:latin typeface="Arial"/>
             </a:endParaRPr>
           </a:p>
@@ -774,11 +907,12 @@
           </a:prstGeom>
         </p:spPr>
         <p:txBody>
-          <a:bodyPr lIns="0" rIns="0" tIns="0" bIns="0">
+          <a:bodyPr lIns="0" tIns="0" rIns="0" bIns="0">
             <a:normAutofit/>
           </a:bodyPr>
-          <a:p>
-            <a:endParaRPr b="0" lang="en-GB" sz="3200" spc="-1" strike="noStrike">
+          <a:lstStyle/>
+          <a:p>
+            <a:endParaRPr lang="en-GB" sz="3200" b="0" strike="noStrike" spc="-1">
               <a:latin typeface="Arial"/>
             </a:endParaRPr>
           </a:p>
@@ -804,11 +938,12 @@
           </a:prstGeom>
         </p:spPr>
         <p:txBody>
-          <a:bodyPr lIns="0" rIns="0" tIns="0" bIns="0">
+          <a:bodyPr lIns="0" tIns="0" rIns="0" bIns="0">
             <a:normAutofit/>
           </a:bodyPr>
-          <a:p>
-            <a:endParaRPr b="0" lang="en-GB" sz="3200" spc="-1" strike="noStrike">
+          <a:lstStyle/>
+          <a:p>
+            <a:endParaRPr lang="en-GB" sz="3200" b="0" strike="noStrike" spc="-1">
               <a:latin typeface="Arial"/>
             </a:endParaRPr>
           </a:p>
@@ -816,11 +951,14 @@
       </p:sp>
     </p:spTree>
   </p:cSld>
+  <p:clrMapOvr>
+    <a:masterClrMapping/>
+  </p:clrMapOvr>
 </p:sldLayout>
 </file>
 
 <file path=ppt/slideLayouts/slideLayout5.xml><?xml version="1.0" encoding="utf-8"?>
-<p:sldLayout xmlns:a="http://schemas.openxmlformats.org/drawingml/2006/main" xmlns:p="http://schemas.openxmlformats.org/presentationml/2006/main" xmlns:r="http://schemas.openxmlformats.org/officeDocument/2006/relationships" xmlns:p14="http://schemas.microsoft.com/office/powerpoint/2010/main" xmlns:p15="http://schemas.microsoft.com/office/powerpoint/2012/main" xmlns:mc="http://schemas.openxmlformats.org/markup-compatibility/2006" type="titleOnly" preserve="1">
+<p:sldLayout xmlns:a="http://schemas.openxmlformats.org/drawingml/2006/main" xmlns:r="http://schemas.openxmlformats.org/officeDocument/2006/relationships" xmlns:p="http://schemas.openxmlformats.org/presentationml/2006/main" type="titleOnly" preserve="1">
   <p:cSld name="Title Only">
     <p:spTree>
       <p:nvGrpSpPr>
@@ -856,10 +994,11 @@
           </a:prstGeom>
         </p:spPr>
         <p:txBody>
-          <a:bodyPr lIns="0" rIns="0" tIns="0" bIns="0" anchor="ctr"/>
+          <a:bodyPr lIns="0" tIns="0" rIns="0" bIns="0" anchor="ctr"/>
+          <a:lstStyle/>
           <a:p>
             <a:pPr algn="ctr"/>
-            <a:endParaRPr b="0" lang="en-GB" sz="4400" spc="-1" strike="noStrike">
+            <a:endParaRPr lang="en-GB" sz="4400" b="0" strike="noStrike" spc="-1">
               <a:latin typeface="Arial"/>
             </a:endParaRPr>
           </a:p>
@@ -867,11 +1006,14 @@
       </p:sp>
     </p:spTree>
   </p:cSld>
+  <p:clrMapOvr>
+    <a:masterClrMapping/>
+  </p:clrMapOvr>
 </p:sldLayout>
 </file>
 
 <file path=ppt/slideLayouts/slideLayout6.xml><?xml version="1.0" encoding="utf-8"?>
-<p:sldLayout xmlns:a="http://schemas.openxmlformats.org/drawingml/2006/main" xmlns:p="http://schemas.openxmlformats.org/presentationml/2006/main" xmlns:r="http://schemas.openxmlformats.org/officeDocument/2006/relationships" xmlns:p14="http://schemas.microsoft.com/office/powerpoint/2010/main" xmlns:p15="http://schemas.microsoft.com/office/powerpoint/2012/main" xmlns:mc="http://schemas.openxmlformats.org/markup-compatibility/2006" type="objOnly" preserve="1">
+<p:sldLayout xmlns:a="http://schemas.openxmlformats.org/drawingml/2006/main" xmlns:r="http://schemas.openxmlformats.org/officeDocument/2006/relationships" xmlns:p="http://schemas.openxmlformats.org/presentationml/2006/main" type="objOnly" preserve="1">
   <p:cSld name="Centered Text">
     <p:spTree>
       <p:nvGrpSpPr>
@@ -907,10 +1049,11 @@
           </a:prstGeom>
         </p:spPr>
         <p:txBody>
-          <a:bodyPr lIns="0" rIns="0" tIns="0" bIns="0" anchor="ctr"/>
+          <a:bodyPr lIns="0" tIns="0" rIns="0" bIns="0" anchor="ctr"/>
+          <a:lstStyle/>
           <a:p>
             <a:pPr algn="ctr"/>
-            <a:endParaRPr b="0" lang="en-GB" sz="3200" spc="-1" strike="noStrike">
+            <a:endParaRPr lang="en-GB" sz="3200" b="0" strike="noStrike" spc="-1">
               <a:latin typeface="Arial"/>
             </a:endParaRPr>
           </a:p>
@@ -918,11 +1061,14 @@
       </p:sp>
     </p:spTree>
   </p:cSld>
+  <p:clrMapOvr>
+    <a:masterClrMapping/>
+  </p:clrMapOvr>
 </p:sldLayout>
 </file>
 
 <file path=ppt/slideLayouts/slideLayout7.xml><?xml version="1.0" encoding="utf-8"?>
-<p:sldLayout xmlns:a="http://schemas.openxmlformats.org/drawingml/2006/main" xmlns:p="http://schemas.openxmlformats.org/presentationml/2006/main" xmlns:r="http://schemas.openxmlformats.org/officeDocument/2006/relationships" xmlns:p14="http://schemas.microsoft.com/office/powerpoint/2010/main" xmlns:p15="http://schemas.microsoft.com/office/powerpoint/2012/main" xmlns:mc="http://schemas.openxmlformats.org/markup-compatibility/2006" type="twoObjAndObj" preserve="1">
+<p:sldLayout xmlns:a="http://schemas.openxmlformats.org/drawingml/2006/main" xmlns:r="http://schemas.openxmlformats.org/officeDocument/2006/relationships" xmlns:p="http://schemas.openxmlformats.org/presentationml/2006/main" type="twoObjAndObj" preserve="1">
   <p:cSld name="Title, 2 Content and Content">
     <p:spTree>
       <p:nvGrpSpPr>
@@ -958,10 +1104,11 @@
           </a:prstGeom>
         </p:spPr>
         <p:txBody>
-          <a:bodyPr lIns="0" rIns="0" tIns="0" bIns="0" anchor="ctr"/>
+          <a:bodyPr lIns="0" tIns="0" rIns="0" bIns="0" anchor="ctr"/>
+          <a:lstStyle/>
           <a:p>
             <a:pPr algn="ctr"/>
-            <a:endParaRPr b="0" lang="en-GB" sz="4400" spc="-1" strike="noStrike">
+            <a:endParaRPr lang="en-GB" sz="4400" b="0" strike="noStrike" spc="-1">
               <a:latin typeface="Arial"/>
             </a:endParaRPr>
           </a:p>
@@ -987,11 +1134,12 @@
           </a:prstGeom>
         </p:spPr>
         <p:txBody>
-          <a:bodyPr lIns="0" rIns="0" tIns="0" bIns="0">
+          <a:bodyPr lIns="0" tIns="0" rIns="0" bIns="0">
             <a:normAutofit/>
           </a:bodyPr>
-          <a:p>
-            <a:endParaRPr b="0" lang="en-GB" sz="3200" spc="-1" strike="noStrike">
+          <a:lstStyle/>
+          <a:p>
+            <a:endParaRPr lang="en-GB" sz="3200" b="0" strike="noStrike" spc="-1">
               <a:latin typeface="Arial"/>
             </a:endParaRPr>
           </a:p>
@@ -1017,11 +1165,12 @@
           </a:prstGeom>
         </p:spPr>
         <p:txBody>
-          <a:bodyPr lIns="0" rIns="0" tIns="0" bIns="0">
+          <a:bodyPr lIns="0" tIns="0" rIns="0" bIns="0">
             <a:normAutofit/>
           </a:bodyPr>
-          <a:p>
-            <a:endParaRPr b="0" lang="en-GB" sz="3200" spc="-1" strike="noStrike">
+          <a:lstStyle/>
+          <a:p>
+            <a:endParaRPr lang="en-GB" sz="3200" b="0" strike="noStrike" spc="-1">
               <a:latin typeface="Arial"/>
             </a:endParaRPr>
           </a:p>
@@ -1047,11 +1196,12 @@
           </a:prstGeom>
         </p:spPr>
         <p:txBody>
-          <a:bodyPr lIns="0" rIns="0" tIns="0" bIns="0">
+          <a:bodyPr lIns="0" tIns="0" rIns="0" bIns="0">
             <a:normAutofit/>
           </a:bodyPr>
-          <a:p>
-            <a:endParaRPr b="0" lang="en-GB" sz="3200" spc="-1" strike="noStrike">
+          <a:lstStyle/>
+          <a:p>
+            <a:endParaRPr lang="en-GB" sz="3200" b="0" strike="noStrike" spc="-1">
               <a:latin typeface="Arial"/>
             </a:endParaRPr>
           </a:p>
@@ -1059,11 +1209,14 @@
       </p:sp>
     </p:spTree>
   </p:cSld>
+  <p:clrMapOvr>
+    <a:masterClrMapping/>
+  </p:clrMapOvr>
 </p:sldLayout>
 </file>
 
 <file path=ppt/slideLayouts/slideLayout8.xml><?xml version="1.0" encoding="utf-8"?>
-<p:sldLayout xmlns:a="http://schemas.openxmlformats.org/drawingml/2006/main" xmlns:p="http://schemas.openxmlformats.org/presentationml/2006/main" xmlns:r="http://schemas.openxmlformats.org/officeDocument/2006/relationships" xmlns:p14="http://schemas.microsoft.com/office/powerpoint/2010/main" xmlns:p15="http://schemas.microsoft.com/office/powerpoint/2012/main" xmlns:mc="http://schemas.openxmlformats.org/markup-compatibility/2006" type="objAndTwoObj" preserve="1">
+<p:sldLayout xmlns:a="http://schemas.openxmlformats.org/drawingml/2006/main" xmlns:r="http://schemas.openxmlformats.org/officeDocument/2006/relationships" xmlns:p="http://schemas.openxmlformats.org/presentationml/2006/main" type="objAndTwoObj" preserve="1">
   <p:cSld name="Title Content and 2 Content">
     <p:spTree>
       <p:nvGrpSpPr>
@@ -1099,10 +1252,11 @@
           </a:prstGeom>
         </p:spPr>
         <p:txBody>
-          <a:bodyPr lIns="0" rIns="0" tIns="0" bIns="0" anchor="ctr"/>
+          <a:bodyPr lIns="0" tIns="0" rIns="0" bIns="0" anchor="ctr"/>
+          <a:lstStyle/>
           <a:p>
             <a:pPr algn="ctr"/>
-            <a:endParaRPr b="0" lang="en-GB" sz="4400" spc="-1" strike="noStrike">
+            <a:endParaRPr lang="en-GB" sz="4400" b="0" strike="noStrike" spc="-1">
               <a:latin typeface="Arial"/>
             </a:endParaRPr>
           </a:p>
@@ -1128,11 +1282,12 @@
           </a:prstGeom>
         </p:spPr>
         <p:txBody>
-          <a:bodyPr lIns="0" rIns="0" tIns="0" bIns="0">
+          <a:bodyPr lIns="0" tIns="0" rIns="0" bIns="0">
             <a:normAutofit/>
           </a:bodyPr>
-          <a:p>
-            <a:endParaRPr b="0" lang="en-GB" sz="3200" spc="-1" strike="noStrike">
+          <a:lstStyle/>
+          <a:p>
+            <a:endParaRPr lang="en-GB" sz="3200" b="0" strike="noStrike" spc="-1">
               <a:latin typeface="Arial"/>
             </a:endParaRPr>
           </a:p>
@@ -1158,11 +1313,12 @@
           </a:prstGeom>
         </p:spPr>
         <p:txBody>
-          <a:bodyPr lIns="0" rIns="0" tIns="0" bIns="0">
+          <a:bodyPr lIns="0" tIns="0" rIns="0" bIns="0">
             <a:normAutofit/>
           </a:bodyPr>
-          <a:p>
-            <a:endParaRPr b="0" lang="en-GB" sz="3200" spc="-1" strike="noStrike">
+          <a:lstStyle/>
+          <a:p>
+            <a:endParaRPr lang="en-GB" sz="3200" b="0" strike="noStrike" spc="-1">
               <a:latin typeface="Arial"/>
             </a:endParaRPr>
           </a:p>
@@ -1188,11 +1344,12 @@
           </a:prstGeom>
         </p:spPr>
         <p:txBody>
-          <a:bodyPr lIns="0" rIns="0" tIns="0" bIns="0">
+          <a:bodyPr lIns="0" tIns="0" rIns="0" bIns="0">
             <a:normAutofit/>
           </a:bodyPr>
-          <a:p>
-            <a:endParaRPr b="0" lang="en-GB" sz="3200" spc="-1" strike="noStrike">
+          <a:lstStyle/>
+          <a:p>
+            <a:endParaRPr lang="en-GB" sz="3200" b="0" strike="noStrike" spc="-1">
               <a:latin typeface="Arial"/>
             </a:endParaRPr>
           </a:p>
@@ -1200,11 +1357,14 @@
       </p:sp>
     </p:spTree>
   </p:cSld>
+  <p:clrMapOvr>
+    <a:masterClrMapping/>
+  </p:clrMapOvr>
 </p:sldLayout>
 </file>
 
 <file path=ppt/slideLayouts/slideLayout9.xml><?xml version="1.0" encoding="utf-8"?>
-<p:sldLayout xmlns:a="http://schemas.openxmlformats.org/drawingml/2006/main" xmlns:p="http://schemas.openxmlformats.org/presentationml/2006/main" xmlns:r="http://schemas.openxmlformats.org/officeDocument/2006/relationships" xmlns:p14="http://schemas.microsoft.com/office/powerpoint/2010/main" xmlns:p15="http://schemas.microsoft.com/office/powerpoint/2012/main" xmlns:mc="http://schemas.openxmlformats.org/markup-compatibility/2006" type="twoObjOverTx" preserve="1">
+<p:sldLayout xmlns:a="http://schemas.openxmlformats.org/drawingml/2006/main" xmlns:r="http://schemas.openxmlformats.org/officeDocument/2006/relationships" xmlns:p="http://schemas.openxmlformats.org/presentationml/2006/main" type="twoObjOverTx" preserve="1">
   <p:cSld name="Title, 2 Content over Content">
     <p:spTree>
       <p:nvGrpSpPr>
@@ -1240,10 +1400,11 @@
           </a:prstGeom>
         </p:spPr>
         <p:txBody>
-          <a:bodyPr lIns="0" rIns="0" tIns="0" bIns="0" anchor="ctr"/>
+          <a:bodyPr lIns="0" tIns="0" rIns="0" bIns="0" anchor="ctr"/>
+          <a:lstStyle/>
           <a:p>
             <a:pPr algn="ctr"/>
-            <a:endParaRPr b="0" lang="en-GB" sz="4400" spc="-1" strike="noStrike">
+            <a:endParaRPr lang="en-GB" sz="4400" b="0" strike="noStrike" spc="-1">
               <a:latin typeface="Arial"/>
             </a:endParaRPr>
           </a:p>
@@ -1269,11 +1430,12 @@
           </a:prstGeom>
         </p:spPr>
         <p:txBody>
-          <a:bodyPr lIns="0" rIns="0" tIns="0" bIns="0">
+          <a:bodyPr lIns="0" tIns="0" rIns="0" bIns="0">
             <a:normAutofit/>
           </a:bodyPr>
-          <a:p>
-            <a:endParaRPr b="0" lang="en-GB" sz="3200" spc="-1" strike="noStrike">
+          <a:lstStyle/>
+          <a:p>
+            <a:endParaRPr lang="en-GB" sz="3200" b="0" strike="noStrike" spc="-1">
               <a:latin typeface="Arial"/>
             </a:endParaRPr>
           </a:p>
@@ -1299,11 +1461,12 @@
           </a:prstGeom>
         </p:spPr>
         <p:txBody>
-          <a:bodyPr lIns="0" rIns="0" tIns="0" bIns="0">
+          <a:bodyPr lIns="0" tIns="0" rIns="0" bIns="0">
             <a:normAutofit/>
           </a:bodyPr>
-          <a:p>
-            <a:endParaRPr b="0" lang="en-GB" sz="3200" spc="-1" strike="noStrike">
+          <a:lstStyle/>
+          <a:p>
+            <a:endParaRPr lang="en-GB" sz="3200" b="0" strike="noStrike" spc="-1">
               <a:latin typeface="Arial"/>
             </a:endParaRPr>
           </a:p>
@@ -1329,11 +1492,12 @@
           </a:prstGeom>
         </p:spPr>
         <p:txBody>
-          <a:bodyPr lIns="0" rIns="0" tIns="0" bIns="0">
+          <a:bodyPr lIns="0" tIns="0" rIns="0" bIns="0">
             <a:normAutofit/>
           </a:bodyPr>
-          <a:p>
-            <a:endParaRPr b="0" lang="en-GB" sz="3200" spc="-1" strike="noStrike">
+          <a:lstStyle/>
+          <a:p>
+            <a:endParaRPr lang="en-GB" sz="3200" b="0" strike="noStrike" spc="-1">
               <a:latin typeface="Arial"/>
             </a:endParaRPr>
           </a:p>
@@ -1341,17 +1505,21 @@
       </p:sp>
     </p:spTree>
   </p:cSld>
+  <p:clrMapOvr>
+    <a:masterClrMapping/>
+  </p:clrMapOvr>
 </p:sldLayout>
 </file>
 
 <file path=ppt/slideMasters/slideMaster1.xml><?xml version="1.0" encoding="utf-8"?>
-<p:sldMaster xmlns:a="http://schemas.openxmlformats.org/drawingml/2006/main" xmlns:p="http://schemas.openxmlformats.org/presentationml/2006/main" xmlns:r="http://schemas.openxmlformats.org/officeDocument/2006/relationships" xmlns:p14="http://schemas.microsoft.com/office/powerpoint/2010/main" xmlns:p15="http://schemas.microsoft.com/office/powerpoint/2012/main" xmlns:mc="http://schemas.openxmlformats.org/markup-compatibility/2006">
+<p:sldMaster xmlns:a="http://schemas.openxmlformats.org/drawingml/2006/main" xmlns:r="http://schemas.openxmlformats.org/officeDocument/2006/relationships" xmlns:p="http://schemas.openxmlformats.org/presentationml/2006/main">
   <p:cSld>
     <p:bg>
       <p:bgPr>
         <a:solidFill>
-          <a:srgbClr val="ffffff"/>
+          <a:srgbClr val="FFFFFF"/>
         </a:solidFill>
+        <a:effectLst/>
       </p:bgPr>
     </p:bg>
     <p:spTree>
@@ -1370,7 +1538,7 @@
       </p:grpSpPr>
       <p:sp>
         <p:nvSpPr>
-          <p:cNvPr id="0" name="PlaceHolder 1"/>
+          <p:cNvPr id="2" name="PlaceHolder 1"/>
           <p:cNvSpPr>
             <a:spLocks noGrp="1"/>
           </p:cNvSpPr>
@@ -1388,42 +1556,320 @@
           </a:prstGeom>
         </p:spPr>
         <p:txBody>
-          <a:bodyPr lIns="0" rIns="0" tIns="0" bIns="0" anchor="ctr"/>
+          <a:bodyPr lIns="0" tIns="0" rIns="0" bIns="0" anchor="ctr"/>
+          <a:lstStyle/>
           <a:p>
             <a:r>
-              <a:rPr b="0" lang="en-GB" sz="1800" spc="-1" strike="noStrike">
+              <a:rPr lang="en-GB" sz="1800" b="0" strike="noStrike" spc="-1">
                 <a:latin typeface="Arial"/>
               </a:rPr>
               <a:t>Click to edit the title text format</a:t>
             </a:r>
-            <a:endParaRPr b="0" lang="en-GB" sz="1800" spc="-1" strike="noStrike">
-              <a:latin typeface="Arial"/>
-            </a:endParaRPr>
           </a:p>
         </p:txBody>
       </p:sp>
     </p:spTree>
   </p:cSld>
-  <p:clrMap bg1="lt1" bg2="lt2" tx1="dk1" tx2="dk2" accent1="accent1" accent2="accent2" accent3="accent3" accent4="accent4" accent5="accent5" accent6="accent6" hlink="hlink" folHlink="folHlink"/>
+  <p:clrMap bg1="lt1" tx1="dk1" bg2="lt2" tx2="dk2" accent1="accent1" accent2="accent2" accent3="accent3" accent4="accent4" accent5="accent5" accent6="accent6" hlink="hlink" folHlink="folHlink"/>
   <p:sldLayoutIdLst>
-    <p:sldLayoutId id="2147483649" r:id="rId2"/>
-    <p:sldLayoutId id="2147483650" r:id="rId3"/>
-    <p:sldLayoutId id="2147483651" r:id="rId4"/>
-    <p:sldLayoutId id="2147483652" r:id="rId5"/>
-    <p:sldLayoutId id="2147483653" r:id="rId6"/>
-    <p:sldLayoutId id="2147483654" r:id="rId7"/>
-    <p:sldLayoutId id="2147483655" r:id="rId8"/>
-    <p:sldLayoutId id="2147483656" r:id="rId9"/>
-    <p:sldLayoutId id="2147483657" r:id="rId10"/>
-    <p:sldLayoutId id="2147483658" r:id="rId11"/>
-    <p:sldLayoutId id="2147483659" r:id="rId12"/>
-    <p:sldLayoutId id="2147483660" r:id="rId13"/>
+    <p:sldLayoutId id="2147483649" r:id="rId1"/>
+    <p:sldLayoutId id="2147483650" r:id="rId2"/>
+    <p:sldLayoutId id="2147483651" r:id="rId3"/>
+    <p:sldLayoutId id="2147483652" r:id="rId4"/>
+    <p:sldLayoutId id="2147483653" r:id="rId5"/>
+    <p:sldLayoutId id="2147483654" r:id="rId6"/>
+    <p:sldLayoutId id="2147483655" r:id="rId7"/>
+    <p:sldLayoutId id="2147483656" r:id="rId8"/>
+    <p:sldLayoutId id="2147483657" r:id="rId9"/>
+    <p:sldLayoutId id="2147483658" r:id="rId10"/>
+    <p:sldLayoutId id="2147483659" r:id="rId11"/>
+    <p:sldLayoutId id="2147483660" r:id="rId12"/>
   </p:sldLayoutIdLst>
+  <p:txStyles>
+    <p:titleStyle>
+      <a:lvl1pPr algn="l" defTabSz="914400" rtl="0" eaLnBrk="1" latinLnBrk="0" hangingPunct="1">
+        <a:lnSpc>
+          <a:spcPct val="90000"/>
+        </a:lnSpc>
+        <a:spcBef>
+          <a:spcPct val="0"/>
+        </a:spcBef>
+        <a:buNone/>
+        <a:defRPr sz="4400" kern="1200">
+          <a:solidFill>
+            <a:schemeClr val="tx1"/>
+          </a:solidFill>
+          <a:latin typeface="+mj-lt"/>
+          <a:ea typeface="+mj-ea"/>
+          <a:cs typeface="+mj-cs"/>
+        </a:defRPr>
+      </a:lvl1pPr>
+    </p:titleStyle>
+    <p:bodyStyle>
+      <a:lvl1pPr marL="228600" indent="-228600" algn="l" defTabSz="914400" rtl="0" eaLnBrk="1" latinLnBrk="0" hangingPunct="1">
+        <a:lnSpc>
+          <a:spcPct val="90000"/>
+        </a:lnSpc>
+        <a:spcBef>
+          <a:spcPts val="1000"/>
+        </a:spcBef>
+        <a:buFont typeface="Arial" panose="020B0604020202020204" pitchFamily="34" charset="0"/>
+        <a:buChar char="•"/>
+        <a:defRPr sz="2800" kern="1200">
+          <a:solidFill>
+            <a:schemeClr val="tx1"/>
+          </a:solidFill>
+          <a:latin typeface="+mn-lt"/>
+          <a:ea typeface="+mn-ea"/>
+          <a:cs typeface="+mn-cs"/>
+        </a:defRPr>
+      </a:lvl1pPr>
+      <a:lvl2pPr marL="685800" indent="-228600" algn="l" defTabSz="914400" rtl="0" eaLnBrk="1" latinLnBrk="0" hangingPunct="1">
+        <a:lnSpc>
+          <a:spcPct val="90000"/>
+        </a:lnSpc>
+        <a:spcBef>
+          <a:spcPts val="500"/>
+        </a:spcBef>
+        <a:buFont typeface="Arial" panose="020B0604020202020204" pitchFamily="34" charset="0"/>
+        <a:buChar char="•"/>
+        <a:defRPr sz="2400" kern="1200">
+          <a:solidFill>
+            <a:schemeClr val="tx1"/>
+          </a:solidFill>
+          <a:latin typeface="+mn-lt"/>
+          <a:ea typeface="+mn-ea"/>
+          <a:cs typeface="+mn-cs"/>
+        </a:defRPr>
+      </a:lvl2pPr>
+      <a:lvl3pPr marL="1143000" indent="-228600" algn="l" defTabSz="914400" rtl="0" eaLnBrk="1" latinLnBrk="0" hangingPunct="1">
+        <a:lnSpc>
+          <a:spcPct val="90000"/>
+        </a:lnSpc>
+        <a:spcBef>
+          <a:spcPts val="500"/>
+        </a:spcBef>
+        <a:buFont typeface="Arial" panose="020B0604020202020204" pitchFamily="34" charset="0"/>
+        <a:buChar char="•"/>
+        <a:defRPr sz="2000" kern="1200">
+          <a:solidFill>
+            <a:schemeClr val="tx1"/>
+          </a:solidFill>
+          <a:latin typeface="+mn-lt"/>
+          <a:ea typeface="+mn-ea"/>
+          <a:cs typeface="+mn-cs"/>
+        </a:defRPr>
+      </a:lvl3pPr>
+      <a:lvl4pPr marL="1600200" indent="-228600" algn="l" defTabSz="914400" rtl="0" eaLnBrk="1" latinLnBrk="0" hangingPunct="1">
+        <a:lnSpc>
+          <a:spcPct val="90000"/>
+        </a:lnSpc>
+        <a:spcBef>
+          <a:spcPts val="500"/>
+        </a:spcBef>
+        <a:buFont typeface="Arial" panose="020B0604020202020204" pitchFamily="34" charset="0"/>
+        <a:buChar char="•"/>
+        <a:defRPr sz="1800" kern="1200">
+          <a:solidFill>
+            <a:schemeClr val="tx1"/>
+          </a:solidFill>
+          <a:latin typeface="+mn-lt"/>
+          <a:ea typeface="+mn-ea"/>
+          <a:cs typeface="+mn-cs"/>
+        </a:defRPr>
+      </a:lvl4pPr>
+      <a:lvl5pPr marL="2057400" indent="-228600" algn="l" defTabSz="914400" rtl="0" eaLnBrk="1" latinLnBrk="0" hangingPunct="1">
+        <a:lnSpc>
+          <a:spcPct val="90000"/>
+        </a:lnSpc>
+        <a:spcBef>
+          <a:spcPts val="500"/>
+        </a:spcBef>
+        <a:buFont typeface="Arial" panose="020B0604020202020204" pitchFamily="34" charset="0"/>
+        <a:buChar char="•"/>
+        <a:defRPr sz="1800" kern="1200">
+          <a:solidFill>
+            <a:schemeClr val="tx1"/>
+          </a:solidFill>
+          <a:latin typeface="+mn-lt"/>
+          <a:ea typeface="+mn-ea"/>
+          <a:cs typeface="+mn-cs"/>
+        </a:defRPr>
+      </a:lvl5pPr>
+      <a:lvl6pPr marL="2514600" indent="-228600" algn="l" defTabSz="914400" rtl="0" eaLnBrk="1" latinLnBrk="0" hangingPunct="1">
+        <a:lnSpc>
+          <a:spcPct val="90000"/>
+        </a:lnSpc>
+        <a:spcBef>
+          <a:spcPts val="500"/>
+        </a:spcBef>
+        <a:buFont typeface="Arial" panose="020B0604020202020204" pitchFamily="34" charset="0"/>
+        <a:buChar char="•"/>
+        <a:defRPr sz="1800" kern="1200">
+          <a:solidFill>
+            <a:schemeClr val="tx1"/>
+          </a:solidFill>
+          <a:latin typeface="+mn-lt"/>
+          <a:ea typeface="+mn-ea"/>
+          <a:cs typeface="+mn-cs"/>
+        </a:defRPr>
+      </a:lvl6pPr>
+      <a:lvl7pPr marL="2971800" indent="-228600" algn="l" defTabSz="914400" rtl="0" eaLnBrk="1" latinLnBrk="0" hangingPunct="1">
+        <a:lnSpc>
+          <a:spcPct val="90000"/>
+        </a:lnSpc>
+        <a:spcBef>
+          <a:spcPts val="500"/>
+        </a:spcBef>
+        <a:buFont typeface="Arial" panose="020B0604020202020204" pitchFamily="34" charset="0"/>
+        <a:buChar char="•"/>
+        <a:defRPr sz="1800" kern="1200">
+          <a:solidFill>
+            <a:schemeClr val="tx1"/>
+          </a:solidFill>
+          <a:latin typeface="+mn-lt"/>
+          <a:ea typeface="+mn-ea"/>
+          <a:cs typeface="+mn-cs"/>
+        </a:defRPr>
+      </a:lvl7pPr>
+      <a:lvl8pPr marL="3429000" indent="-228600" algn="l" defTabSz="914400" rtl="0" eaLnBrk="1" latinLnBrk="0" hangingPunct="1">
+        <a:lnSpc>
+          <a:spcPct val="90000"/>
+        </a:lnSpc>
+        <a:spcBef>
+          <a:spcPts val="500"/>
+        </a:spcBef>
+        <a:buFont typeface="Arial" panose="020B0604020202020204" pitchFamily="34" charset="0"/>
+        <a:buChar char="•"/>
+        <a:defRPr sz="1800" kern="1200">
+          <a:solidFill>
+            <a:schemeClr val="tx1"/>
+          </a:solidFill>
+          <a:latin typeface="+mn-lt"/>
+          <a:ea typeface="+mn-ea"/>
+          <a:cs typeface="+mn-cs"/>
+        </a:defRPr>
+      </a:lvl8pPr>
+      <a:lvl9pPr marL="3886200" indent="-228600" algn="l" defTabSz="914400" rtl="0" eaLnBrk="1" latinLnBrk="0" hangingPunct="1">
+        <a:lnSpc>
+          <a:spcPct val="90000"/>
+        </a:lnSpc>
+        <a:spcBef>
+          <a:spcPts val="500"/>
+        </a:spcBef>
+        <a:buFont typeface="Arial" panose="020B0604020202020204" pitchFamily="34" charset="0"/>
+        <a:buChar char="•"/>
+        <a:defRPr sz="1800" kern="1200">
+          <a:solidFill>
+            <a:schemeClr val="tx1"/>
+          </a:solidFill>
+          <a:latin typeface="+mn-lt"/>
+          <a:ea typeface="+mn-ea"/>
+          <a:cs typeface="+mn-cs"/>
+        </a:defRPr>
+      </a:lvl9pPr>
+    </p:bodyStyle>
+    <p:otherStyle>
+      <a:defPPr>
+        <a:defRPr lang="en-US"/>
+      </a:defPPr>
+      <a:lvl1pPr marL="0" algn="l" defTabSz="914400" rtl="0" eaLnBrk="1" latinLnBrk="0" hangingPunct="1">
+        <a:defRPr sz="1800" kern="1200">
+          <a:solidFill>
+            <a:schemeClr val="tx1"/>
+          </a:solidFill>
+          <a:latin typeface="+mn-lt"/>
+          <a:ea typeface="+mn-ea"/>
+          <a:cs typeface="+mn-cs"/>
+        </a:defRPr>
+      </a:lvl1pPr>
+      <a:lvl2pPr marL="457200" algn="l" defTabSz="914400" rtl="0" eaLnBrk="1" latinLnBrk="0" hangingPunct="1">
+        <a:defRPr sz="1800" kern="1200">
+          <a:solidFill>
+            <a:schemeClr val="tx1"/>
+          </a:solidFill>
+          <a:latin typeface="+mn-lt"/>
+          <a:ea typeface="+mn-ea"/>
+          <a:cs typeface="+mn-cs"/>
+        </a:defRPr>
+      </a:lvl2pPr>
+      <a:lvl3pPr marL="914400" algn="l" defTabSz="914400" rtl="0" eaLnBrk="1" latinLnBrk="0" hangingPunct="1">
+        <a:defRPr sz="1800" kern="1200">
+          <a:solidFill>
+            <a:schemeClr val="tx1"/>
+          </a:solidFill>
+          <a:latin typeface="+mn-lt"/>
+          <a:ea typeface="+mn-ea"/>
+          <a:cs typeface="+mn-cs"/>
+        </a:defRPr>
+      </a:lvl3pPr>
+      <a:lvl4pPr marL="1371600" algn="l" defTabSz="914400" rtl="0" eaLnBrk="1" latinLnBrk="0" hangingPunct="1">
+        <a:defRPr sz="1800" kern="1200">
+          <a:solidFill>
+            <a:schemeClr val="tx1"/>
+          </a:solidFill>
+          <a:latin typeface="+mn-lt"/>
+          <a:ea typeface="+mn-ea"/>
+          <a:cs typeface="+mn-cs"/>
+        </a:defRPr>
+      </a:lvl4pPr>
+      <a:lvl5pPr marL="1828800" algn="l" defTabSz="914400" rtl="0" eaLnBrk="1" latinLnBrk="0" hangingPunct="1">
+        <a:defRPr sz="1800" kern="1200">
+          <a:solidFill>
+            <a:schemeClr val="tx1"/>
+          </a:solidFill>
+          <a:latin typeface="+mn-lt"/>
+          <a:ea typeface="+mn-ea"/>
+          <a:cs typeface="+mn-cs"/>
+        </a:defRPr>
+      </a:lvl5pPr>
+      <a:lvl6pPr marL="2286000" algn="l" defTabSz="914400" rtl="0" eaLnBrk="1" latinLnBrk="0" hangingPunct="1">
+        <a:defRPr sz="1800" kern="1200">
+          <a:solidFill>
+            <a:schemeClr val="tx1"/>
+          </a:solidFill>
+          <a:latin typeface="+mn-lt"/>
+          <a:ea typeface="+mn-ea"/>
+          <a:cs typeface="+mn-cs"/>
+        </a:defRPr>
+      </a:lvl6pPr>
+      <a:lvl7pPr marL="2743200" algn="l" defTabSz="914400" rtl="0" eaLnBrk="1" latinLnBrk="0" hangingPunct="1">
+        <a:defRPr sz="1800" kern="1200">
+          <a:solidFill>
+            <a:schemeClr val="tx1"/>
+          </a:solidFill>
+          <a:latin typeface="+mn-lt"/>
+          <a:ea typeface="+mn-ea"/>
+          <a:cs typeface="+mn-cs"/>
+        </a:defRPr>
+      </a:lvl7pPr>
+      <a:lvl8pPr marL="3200400" algn="l" defTabSz="914400" rtl="0" eaLnBrk="1" latinLnBrk="0" hangingPunct="1">
+        <a:defRPr sz="1800" kern="1200">
+          <a:solidFill>
+            <a:schemeClr val="tx1"/>
+          </a:solidFill>
+          <a:latin typeface="+mn-lt"/>
+          <a:ea typeface="+mn-ea"/>
+          <a:cs typeface="+mn-cs"/>
+        </a:defRPr>
+      </a:lvl8pPr>
+      <a:lvl9pPr marL="3657600" algn="l" defTabSz="914400" rtl="0" eaLnBrk="1" latinLnBrk="0" hangingPunct="1">
+        <a:defRPr sz="1800" kern="1200">
+          <a:solidFill>
+            <a:schemeClr val="tx1"/>
+          </a:solidFill>
+          <a:latin typeface="+mn-lt"/>
+          <a:ea typeface="+mn-ea"/>
+          <a:cs typeface="+mn-cs"/>
+        </a:defRPr>
+      </a:lvl9pPr>
+    </p:otherStyle>
+  </p:txStyles>
 </p:sldMaster>
 </file>
 
 <file path=ppt/slides/slide1.xml><?xml version="1.0" encoding="utf-8"?>
-<p:sld xmlns:a="http://schemas.openxmlformats.org/drawingml/2006/main" xmlns:p="http://schemas.openxmlformats.org/presentationml/2006/main" xmlns:r="http://schemas.openxmlformats.org/officeDocument/2006/relationships" xmlns:p14="http://schemas.microsoft.com/office/powerpoint/2010/main" xmlns:p15="http://schemas.microsoft.com/office/powerpoint/2012/main" xmlns:mc="http://schemas.openxmlformats.org/markup-compatibility/2006">
+<p:sld xmlns:a="http://schemas.openxmlformats.org/drawingml/2006/main" xmlns:r="http://schemas.openxmlformats.org/officeDocument/2006/relationships" xmlns:p="http://schemas.openxmlformats.org/presentationml/2006/main">
   <p:cSld>
     <p:spTree>
       <p:nvGrpSpPr>
@@ -1455,7 +1901,7 @@
           </a:prstGeom>
           <a:ln>
             <a:solidFill>
-              <a:srgbClr val="5597d3"/>
+              <a:srgbClr val="5597D3"/>
             </a:solidFill>
             <a:round/>
           </a:ln>
@@ -1489,7 +1935,7 @@
           </a:prstGeom>
           <a:ln>
             <a:solidFill>
-              <a:srgbClr val="5597d3"/>
+              <a:srgbClr val="5597D3"/>
             </a:solidFill>
             <a:round/>
           </a:ln>
@@ -1523,7 +1969,7 @@
           </a:prstGeom>
           <a:ln>
             <a:solidFill>
-              <a:srgbClr val="5597d3"/>
+              <a:srgbClr val="5597D3"/>
             </a:solidFill>
             <a:round/>
           </a:ln>
@@ -1557,7 +2003,7 @@
           </a:prstGeom>
           <a:ln>
             <a:solidFill>
-              <a:srgbClr val="5597d3"/>
+              <a:srgbClr val="5597D3"/>
             </a:solidFill>
             <a:round/>
           </a:ln>
@@ -1595,13 +2041,20 @@
           </a:ln>
         </p:spPr>
         <p:style>
-          <a:lnRef idx="0"/>
-          <a:fillRef idx="0"/>
-          <a:effectRef idx="0"/>
+          <a:lnRef idx="0">
+            <a:scrgbClr r="0" g="0" b="0"/>
+          </a:lnRef>
+          <a:fillRef idx="0">
+            <a:scrgbClr r="0" g="0" b="0"/>
+          </a:fillRef>
+          <a:effectRef idx="0">
+            <a:scrgbClr r="0" g="0" b="0"/>
+          </a:effectRef>
           <a:fontRef idx="minor"/>
         </p:style>
         <p:txBody>
-          <a:bodyPr wrap="none" lIns="90000" rIns="90000" tIns="45000" bIns="45000"/>
+          <a:bodyPr wrap="none" lIns="90000" tIns="45000" rIns="90000" bIns="45000"/>
+          <a:lstStyle/>
           <a:p>
             <a:pPr>
               <a:lnSpc>
@@ -1609,7 +2062,7 @@
               </a:lnSpc>
             </a:pPr>
             <a:r>
-              <a:rPr b="0" lang="en-GB" sz="1800" spc="-1" strike="noStrike">
+              <a:rPr lang="en-GB" sz="1800" b="0" strike="noStrike" spc="-1">
                 <a:solidFill>
                   <a:srgbClr val="000000"/>
                 </a:solidFill>
@@ -1618,7 +2071,7 @@
               </a:rPr>
               <a:t>0</a:t>
             </a:r>
-            <a:endParaRPr b="0" lang="en-GB" sz="1800" spc="-1" strike="noStrike">
+            <a:endParaRPr lang="en-GB" sz="1800" b="0" strike="noStrike" spc="-1">
               <a:latin typeface="Arial"/>
             </a:endParaRPr>
           </a:p>
@@ -1644,13 +2097,20 @@
           </a:ln>
         </p:spPr>
         <p:style>
-          <a:lnRef idx="0"/>
-          <a:fillRef idx="0"/>
-          <a:effectRef idx="0"/>
+          <a:lnRef idx="0">
+            <a:scrgbClr r="0" g="0" b="0"/>
+          </a:lnRef>
+          <a:fillRef idx="0">
+            <a:scrgbClr r="0" g="0" b="0"/>
+          </a:fillRef>
+          <a:effectRef idx="0">
+            <a:scrgbClr r="0" g="0" b="0"/>
+          </a:effectRef>
           <a:fontRef idx="minor"/>
         </p:style>
         <p:txBody>
-          <a:bodyPr wrap="none" lIns="90000" rIns="90000" tIns="45000" bIns="45000"/>
+          <a:bodyPr wrap="none" lIns="90000" tIns="45000" rIns="90000" bIns="45000"/>
+          <a:lstStyle/>
           <a:p>
             <a:pPr>
               <a:lnSpc>
@@ -1658,7 +2118,7 @@
               </a:lnSpc>
             </a:pPr>
             <a:r>
-              <a:rPr b="0" lang="en-GB" sz="1800" spc="-1" strike="noStrike">
+              <a:rPr lang="en-GB" sz="1800" b="0" strike="noStrike" spc="-1">
                 <a:solidFill>
                   <a:srgbClr val="000000"/>
                 </a:solidFill>
@@ -1667,7 +2127,7 @@
               </a:rPr>
               <a:t>6</a:t>
             </a:r>
-            <a:endParaRPr b="0" lang="en-GB" sz="1800" spc="-1" strike="noStrike">
+            <a:endParaRPr lang="en-GB" sz="1800" b="0" strike="noStrike" spc="-1">
               <a:latin typeface="Arial"/>
             </a:endParaRPr>
           </a:p>
@@ -1681,7 +2141,7 @@
         </p:nvSpPr>
         <p:spPr>
           <a:xfrm>
-            <a:off x="11225520" y="5685120"/>
+            <a:off x="8118000" y="6229440"/>
             <a:ext cx="324000" cy="364320"/>
           </a:xfrm>
           <a:prstGeom prst="rect">
@@ -1693,13 +2153,20 @@
           </a:ln>
         </p:spPr>
         <p:style>
-          <a:lnRef idx="0"/>
-          <a:fillRef idx="0"/>
-          <a:effectRef idx="0"/>
+          <a:lnRef idx="0">
+            <a:scrgbClr r="0" g="0" b="0"/>
+          </a:lnRef>
+          <a:fillRef idx="0">
+            <a:scrgbClr r="0" g="0" b="0"/>
+          </a:fillRef>
+          <a:effectRef idx="0">
+            <a:scrgbClr r="0" g="0" b="0"/>
+          </a:effectRef>
           <a:fontRef idx="minor"/>
         </p:style>
         <p:txBody>
-          <a:bodyPr wrap="none" lIns="90000" rIns="90000" tIns="45000" bIns="45000"/>
+          <a:bodyPr wrap="none" lIns="90000" tIns="45000" rIns="90000" bIns="45000"/>
+          <a:lstStyle/>
           <a:p>
             <a:pPr>
               <a:lnSpc>
@@ -1707,7 +2174,7 @@
               </a:lnSpc>
             </a:pPr>
             <a:r>
-              <a:rPr b="0" lang="en-GB" sz="1800" spc="-1" strike="noStrike">
+              <a:rPr lang="en-GB" sz="1800" b="0" strike="noStrike" spc="-1" dirty="0">
                 <a:solidFill>
                   <a:srgbClr val="000000"/>
                 </a:solidFill>
@@ -1716,7 +2183,7 @@
               </a:rPr>
               <a:t>2</a:t>
             </a:r>
-            <a:endParaRPr b="0" lang="en-GB" sz="1800" spc="-1" strike="noStrike">
+            <a:endParaRPr lang="en-GB" sz="1800" b="0" strike="noStrike" spc="-1" dirty="0">
               <a:latin typeface="Arial"/>
             </a:endParaRPr>
           </a:p>
@@ -1742,13 +2209,20 @@
           </a:ln>
         </p:spPr>
         <p:style>
-          <a:lnRef idx="0"/>
-          <a:fillRef idx="0"/>
-          <a:effectRef idx="0"/>
+          <a:lnRef idx="0">
+            <a:scrgbClr r="0" g="0" b="0"/>
+          </a:lnRef>
+          <a:fillRef idx="0">
+            <a:scrgbClr r="0" g="0" b="0"/>
+          </a:fillRef>
+          <a:effectRef idx="0">
+            <a:scrgbClr r="0" g="0" b="0"/>
+          </a:effectRef>
           <a:fontRef idx="minor"/>
         </p:style>
         <p:txBody>
-          <a:bodyPr wrap="none" lIns="90000" rIns="90000" tIns="45000" bIns="45000"/>
+          <a:bodyPr wrap="none" lIns="90000" tIns="45000" rIns="90000" bIns="45000"/>
+          <a:lstStyle/>
           <a:p>
             <a:pPr>
               <a:lnSpc>
@@ -1756,16 +2230,16 @@
               </a:lnSpc>
             </a:pPr>
             <a:r>
-              <a:rPr b="0" lang="en-GB" sz="1800" spc="-1" strike="noStrike">
+              <a:rPr lang="en-GB" sz="1800" b="0" strike="noStrike" spc="-1" dirty="0">
                 <a:solidFill>
                   <a:srgbClr val="000000"/>
                 </a:solidFill>
                 <a:latin typeface="等线"/>
                 <a:ea typeface="DejaVu Sans"/>
               </a:rPr>
-              <a:t>8</a:t>
+              <a:t>9</a:t>
             </a:r>
-            <a:endParaRPr b="0" lang="en-GB" sz="1800" spc="-1" strike="noStrike">
+            <a:endParaRPr lang="en-GB" sz="1800" b="0" strike="noStrike" spc="-1" dirty="0">
               <a:latin typeface="Arial"/>
             </a:endParaRPr>
           </a:p>
@@ -1787,7 +2261,7 @@
           </a:prstGeom>
           <a:ln>
             <a:solidFill>
-              <a:srgbClr val="5597d3"/>
+              <a:srgbClr val="5597D3"/>
             </a:solidFill>
             <a:round/>
           </a:ln>
@@ -1821,7 +2295,7 @@
           </a:prstGeom>
           <a:ln>
             <a:solidFill>
-              <a:srgbClr val="5597d3"/>
+              <a:srgbClr val="5597D3"/>
             </a:solidFill>
             <a:round/>
           </a:ln>
@@ -1841,13 +2315,13 @@
       </p:sp>
       <p:sp>
         <p:nvSpPr>
-          <p:cNvPr id="47" name="CustomShape 11"/>
+          <p:cNvPr id="48" name="CustomShape 12"/>
           <p:cNvSpPr/>
           <p:nvPr/>
         </p:nvSpPr>
         <p:spPr>
           <a:xfrm>
-            <a:off x="3474720" y="3503160"/>
+            <a:off x="3490560" y="772200"/>
             <a:ext cx="325440" cy="364320"/>
           </a:xfrm>
           <a:prstGeom prst="rect">
@@ -1859,13 +2333,20 @@
           </a:ln>
         </p:spPr>
         <p:style>
-          <a:lnRef idx="0"/>
-          <a:fillRef idx="0"/>
-          <a:effectRef idx="0"/>
+          <a:lnRef idx="0">
+            <a:scrgbClr r="0" g="0" b="0"/>
+          </a:lnRef>
+          <a:fillRef idx="0">
+            <a:scrgbClr r="0" g="0" b="0"/>
+          </a:fillRef>
+          <a:effectRef idx="0">
+            <a:scrgbClr r="0" g="0" b="0"/>
+          </a:effectRef>
           <a:fontRef idx="minor"/>
         </p:style>
         <p:txBody>
-          <a:bodyPr wrap="none" lIns="90000" rIns="90000" tIns="45000" bIns="45000"/>
+          <a:bodyPr wrap="none" lIns="90000" tIns="45000" rIns="90000" bIns="45000"/>
+          <a:lstStyle/>
           <a:p>
             <a:pPr>
               <a:lnSpc>
@@ -1873,7 +2354,63 @@
               </a:lnSpc>
             </a:pPr>
             <a:r>
-              <a:rPr b="0" lang="en-GB" sz="1800" spc="-1" strike="noStrike">
+              <a:rPr lang="en-GB" sz="1800" b="0" strike="noStrike" spc="-1">
+                <a:solidFill>
+                  <a:srgbClr val="000000"/>
+                </a:solidFill>
+                <a:latin typeface="等线"/>
+                <a:ea typeface="DejaVu Sans"/>
+              </a:rPr>
+              <a:t>7</a:t>
+            </a:r>
+            <a:endParaRPr lang="en-GB" sz="1800" b="0" strike="noStrike" spc="-1">
+              <a:latin typeface="Arial"/>
+            </a:endParaRPr>
+          </a:p>
+        </p:txBody>
+      </p:sp>
+      <p:sp>
+        <p:nvSpPr>
+          <p:cNvPr id="49" name="CustomShape 13"/>
+          <p:cNvSpPr/>
+          <p:nvPr/>
+        </p:nvSpPr>
+        <p:spPr>
+          <a:xfrm>
+            <a:off x="365040" y="3295080"/>
+            <a:ext cx="325440" cy="364320"/>
+          </a:xfrm>
+          <a:prstGeom prst="rect">
+            <a:avLst/>
+          </a:prstGeom>
+          <a:noFill/>
+          <a:ln>
+            <a:noFill/>
+          </a:ln>
+        </p:spPr>
+        <p:style>
+          <a:lnRef idx="0">
+            <a:scrgbClr r="0" g="0" b="0"/>
+          </a:lnRef>
+          <a:fillRef idx="0">
+            <a:scrgbClr r="0" g="0" b="0"/>
+          </a:fillRef>
+          <a:effectRef idx="0">
+            <a:scrgbClr r="0" g="0" b="0"/>
+          </a:effectRef>
+          <a:fontRef idx="minor"/>
+        </p:style>
+        <p:txBody>
+          <a:bodyPr wrap="none" lIns="90000" tIns="45000" rIns="90000" bIns="45000"/>
+          <a:lstStyle/>
+          <a:p>
+            <a:pPr>
+              <a:lnSpc>
+                <a:spcPct val="100000"/>
+              </a:lnSpc>
+            </a:pPr>
+            <a:r>
+              <a:rPr lang="en-GB" sz="1800" b="0" strike="noStrike" spc="-1" dirty="0">
                 <a:solidFill>
                   <a:srgbClr val="000000"/>
                 </a:solidFill>
@@ -1882,21 +2419,21 @@
               </a:rPr>
               <a:t>4</a:t>
             </a:r>
-            <a:endParaRPr b="0" lang="en-GB" sz="1800" spc="-1" strike="noStrike">
-              <a:latin typeface="Arial"/>
-            </a:endParaRPr>
-          </a:p>
-        </p:txBody>
-      </p:sp>
-      <p:sp>
-        <p:nvSpPr>
-          <p:cNvPr id="48" name="CustomShape 12"/>
+            <a:endParaRPr lang="en-GB" sz="1800" b="0" strike="noStrike" spc="-1" dirty="0">
+              <a:latin typeface="Arial"/>
+            </a:endParaRPr>
+          </a:p>
+        </p:txBody>
+      </p:sp>
+      <p:sp>
+        <p:nvSpPr>
+          <p:cNvPr id="50" name="CustomShape 14"/>
           <p:cNvSpPr/>
           <p:nvPr/>
         </p:nvSpPr>
         <p:spPr>
           <a:xfrm>
-            <a:off x="3490560" y="772200"/>
+            <a:off x="11331360" y="3306600"/>
             <a:ext cx="325440" cy="364320"/>
           </a:xfrm>
           <a:prstGeom prst="rect">
@@ -1908,13 +2445,20 @@
           </a:ln>
         </p:spPr>
         <p:style>
-          <a:lnRef idx="0"/>
-          <a:fillRef idx="0"/>
-          <a:effectRef idx="0"/>
+          <a:lnRef idx="0">
+            <a:scrgbClr r="0" g="0" b="0"/>
+          </a:lnRef>
+          <a:fillRef idx="0">
+            <a:scrgbClr r="0" g="0" b="0"/>
+          </a:fillRef>
+          <a:effectRef idx="0">
+            <a:scrgbClr r="0" g="0" b="0"/>
+          </a:effectRef>
           <a:fontRef idx="minor"/>
         </p:style>
         <p:txBody>
-          <a:bodyPr wrap="none" lIns="90000" rIns="90000" tIns="45000" bIns="45000"/>
+          <a:bodyPr wrap="none" lIns="90000" tIns="45000" rIns="90000" bIns="45000"/>
+          <a:lstStyle/>
           <a:p>
             <a:pPr>
               <a:lnSpc>
@@ -1922,31 +2466,31 @@
               </a:lnSpc>
             </a:pPr>
             <a:r>
-              <a:rPr b="0" lang="en-GB" sz="1800" spc="-1" strike="noStrike">
+              <a:rPr lang="en-GB" sz="1800" b="0" strike="noStrike" spc="-1">
                 <a:solidFill>
                   <a:srgbClr val="000000"/>
                 </a:solidFill>
                 <a:latin typeface="等线"/>
                 <a:ea typeface="DejaVu Sans"/>
               </a:rPr>
-              <a:t>7</a:t>
+              <a:t>5</a:t>
             </a:r>
-            <a:endParaRPr b="0" lang="en-GB" sz="1800" spc="-1" strike="noStrike">
-              <a:latin typeface="Arial"/>
-            </a:endParaRPr>
-          </a:p>
-        </p:txBody>
-      </p:sp>
-      <p:sp>
-        <p:nvSpPr>
-          <p:cNvPr id="49" name="CustomShape 13"/>
+            <a:endParaRPr lang="en-GB" sz="1800" b="0" strike="noStrike" spc="-1">
+              <a:latin typeface="Arial"/>
+            </a:endParaRPr>
+          </a:p>
+        </p:txBody>
+      </p:sp>
+      <p:sp>
+        <p:nvSpPr>
+          <p:cNvPr id="51" name="CustomShape 15"/>
           <p:cNvSpPr/>
           <p:nvPr/>
         </p:nvSpPr>
         <p:spPr>
           <a:xfrm>
-            <a:off x="365040" y="3295080"/>
-            <a:ext cx="325440" cy="364320"/>
+            <a:off x="3312000" y="6187680"/>
+            <a:ext cx="324000" cy="364320"/>
           </a:xfrm>
           <a:prstGeom prst="rect">
             <a:avLst/>
@@ -1957,13 +2501,20 @@
           </a:ln>
         </p:spPr>
         <p:style>
-          <a:lnRef idx="0"/>
-          <a:fillRef idx="0"/>
-          <a:effectRef idx="0"/>
+          <a:lnRef idx="0">
+            <a:scrgbClr r="0" g="0" b="0"/>
+          </a:lnRef>
+          <a:fillRef idx="0">
+            <a:scrgbClr r="0" g="0" b="0"/>
+          </a:fillRef>
+          <a:effectRef idx="0">
+            <a:scrgbClr r="0" g="0" b="0"/>
+          </a:effectRef>
           <a:fontRef idx="minor"/>
         </p:style>
         <p:txBody>
-          <a:bodyPr wrap="none" lIns="90000" rIns="90000" tIns="45000" bIns="45000"/>
+          <a:bodyPr wrap="none" lIns="90000" tIns="45000" rIns="90000" bIns="45000"/>
+          <a:lstStyle/>
           <a:p>
             <a:pPr>
               <a:lnSpc>
@@ -1971,7 +2522,151 @@
               </a:lnSpc>
             </a:pPr>
             <a:r>
-              <a:rPr b="0" lang="en-GB" sz="1800" spc="-1" strike="noStrike">
+              <a:rPr lang="en-GB" sz="1800" b="0" strike="noStrike" spc="-1">
+                <a:solidFill>
+                  <a:srgbClr val="000000"/>
+                </a:solidFill>
+                <a:latin typeface="等线"/>
+                <a:ea typeface="DejaVu Sans"/>
+              </a:rPr>
+              <a:t>1</a:t>
+            </a:r>
+            <a:endParaRPr lang="en-GB" sz="1800" b="0" strike="noStrike" spc="-1">
+              <a:latin typeface="Arial"/>
+            </a:endParaRPr>
+          </a:p>
+        </p:txBody>
+      </p:sp>
+      <p:sp>
+        <p:nvSpPr>
+          <p:cNvPr id="55" name="CustomShape 19"/>
+          <p:cNvSpPr/>
+          <p:nvPr/>
+        </p:nvSpPr>
+        <p:spPr>
+          <a:xfrm>
+            <a:off x="8344801" y="825840"/>
+            <a:ext cx="306720" cy="345960"/>
+          </a:xfrm>
+          <a:prstGeom prst="rect">
+            <a:avLst/>
+          </a:prstGeom>
+          <a:noFill/>
+          <a:ln>
+            <a:noFill/>
+          </a:ln>
+        </p:spPr>
+        <p:style>
+          <a:lnRef idx="0">
+            <a:scrgbClr r="0" g="0" b="0"/>
+          </a:lnRef>
+          <a:fillRef idx="0">
+            <a:scrgbClr r="0" g="0" b="0"/>
+          </a:fillRef>
+          <a:effectRef idx="0">
+            <a:scrgbClr r="0" g="0" b="0"/>
+          </a:effectRef>
+          <a:fontRef idx="minor"/>
+        </p:style>
+        <p:txBody>
+          <a:bodyPr lIns="90000" tIns="45000" rIns="90000" bIns="45000"/>
+          <a:lstStyle/>
+          <a:p>
+            <a:pPr>
+              <a:lnSpc>
+                <a:spcPct val="100000"/>
+              </a:lnSpc>
+            </a:pPr>
+            <a:r>
+              <a:rPr lang="en-GB" sz="1800" b="0" strike="noStrike" spc="-1" dirty="0">
+                <a:latin typeface="Arial"/>
+              </a:rPr>
+              <a:t>8</a:t>
+            </a:r>
+          </a:p>
+        </p:txBody>
+      </p:sp>
+      <p:sp>
+        <p:nvSpPr>
+          <p:cNvPr id="56" name="Line 20"/>
+          <p:cNvSpPr/>
+          <p:nvPr/>
+        </p:nvSpPr>
+        <p:spPr>
+          <a:xfrm>
+            <a:off x="8280000" y="799200"/>
+            <a:ext cx="0" cy="5255640"/>
+          </a:xfrm>
+          <a:prstGeom prst="line">
+            <a:avLst/>
+          </a:prstGeom>
+          <a:ln>
+            <a:solidFill>
+              <a:srgbClr val="000000"/>
+            </a:solidFill>
+          </a:ln>
+        </p:spPr>
+        <p:style>
+          <a:lnRef idx="0">
+            <a:scrgbClr r="0" g="0" b="0"/>
+          </a:lnRef>
+          <a:fillRef idx="0">
+            <a:scrgbClr r="0" g="0" b="0"/>
+          </a:fillRef>
+          <a:effectRef idx="0">
+            <a:scrgbClr r="0" g="0" b="0"/>
+          </a:effectRef>
+          <a:fontRef idx="minor"/>
+        </p:style>
+      </p:sp>
+      <p:sp>
+        <p:nvSpPr>
+          <p:cNvPr id="22" name="CustomShape 7">
+            <a:extLst>
+              <a:ext uri="{FF2B5EF4-FFF2-40B4-BE49-F238E27FC236}">
+                <a16:creationId xmlns:a16="http://schemas.microsoft.com/office/drawing/2014/main" id="{363F5B1C-BE2B-784A-9BFC-29955C32EB32}"/>
+              </a:ext>
+            </a:extLst>
+          </p:cNvPr>
+          <p:cNvSpPr/>
+          <p:nvPr/>
+        </p:nvSpPr>
+        <p:spPr>
+          <a:xfrm>
+            <a:off x="11421000" y="6172740"/>
+            <a:ext cx="324000" cy="364320"/>
+          </a:xfrm>
+          <a:prstGeom prst="rect">
+            <a:avLst/>
+          </a:prstGeom>
+          <a:noFill/>
+          <a:ln>
+            <a:noFill/>
+          </a:ln>
+        </p:spPr>
+        <p:style>
+          <a:lnRef idx="0">
+            <a:scrgbClr r="0" g="0" b="0"/>
+          </a:lnRef>
+          <a:fillRef idx="0">
+            <a:scrgbClr r="0" g="0" b="0"/>
+          </a:fillRef>
+          <a:effectRef idx="0">
+            <a:scrgbClr r="0" g="0" b="0"/>
+          </a:effectRef>
+          <a:fontRef idx="minor"/>
+        </p:style>
+        <p:txBody>
+          <a:bodyPr wrap="none" lIns="90000" tIns="45000" rIns="90000" bIns="45000"/>
+          <a:lstStyle/>
+          <a:p>
+            <a:pPr>
+              <a:lnSpc>
+                <a:spcPct val="100000"/>
+              </a:lnSpc>
+            </a:pPr>
+            <a:r>
+              <a:rPr lang="en-GB" sz="1800" b="0" strike="noStrike" spc="-1" dirty="0">
                 <a:solidFill>
                   <a:srgbClr val="000000"/>
                 </a:solidFill>
@@ -1980,319 +2675,17 @@
               </a:rPr>
               <a:t>3</a:t>
             </a:r>
-            <a:endParaRPr b="0" lang="en-GB" sz="1800" spc="-1" strike="noStrike">
-              <a:latin typeface="Arial"/>
-            </a:endParaRPr>
-          </a:p>
-        </p:txBody>
-      </p:sp>
-      <p:sp>
-        <p:nvSpPr>
-          <p:cNvPr id="50" name="CustomShape 14"/>
-          <p:cNvSpPr/>
-          <p:nvPr/>
-        </p:nvSpPr>
-        <p:spPr>
-          <a:xfrm>
-            <a:off x="11331360" y="3306600"/>
-            <a:ext cx="325440" cy="364320"/>
-          </a:xfrm>
-          <a:prstGeom prst="rect">
-            <a:avLst/>
-          </a:prstGeom>
-          <a:noFill/>
-          <a:ln>
-            <a:noFill/>
-          </a:ln>
-        </p:spPr>
-        <p:style>
-          <a:lnRef idx="0"/>
-          <a:fillRef idx="0"/>
-          <a:effectRef idx="0"/>
-          <a:fontRef idx="minor"/>
-        </p:style>
-        <p:txBody>
-          <a:bodyPr wrap="none" lIns="90000" rIns="90000" tIns="45000" bIns="45000"/>
-          <a:p>
-            <a:pPr>
-              <a:lnSpc>
-                <a:spcPct val="100000"/>
-              </a:lnSpc>
-            </a:pPr>
-            <a:r>
-              <a:rPr b="0" lang="en-GB" sz="1800" spc="-1" strike="noStrike">
-                <a:solidFill>
-                  <a:srgbClr val="000000"/>
-                </a:solidFill>
-                <a:latin typeface="等线"/>
-                <a:ea typeface="DejaVu Sans"/>
-              </a:rPr>
-              <a:t>5</a:t>
-            </a:r>
-            <a:endParaRPr b="0" lang="en-GB" sz="1800" spc="-1" strike="noStrike">
-              <a:latin typeface="Arial"/>
-            </a:endParaRPr>
-          </a:p>
-        </p:txBody>
-      </p:sp>
-      <p:sp>
-        <p:nvSpPr>
-          <p:cNvPr id="51" name="CustomShape 15"/>
-          <p:cNvSpPr/>
-          <p:nvPr/>
-        </p:nvSpPr>
-        <p:spPr>
-          <a:xfrm>
-            <a:off x="3312000" y="6187680"/>
-            <a:ext cx="324000" cy="364320"/>
-          </a:xfrm>
-          <a:prstGeom prst="rect">
-            <a:avLst/>
-          </a:prstGeom>
-          <a:noFill/>
-          <a:ln>
-            <a:noFill/>
-          </a:ln>
-        </p:spPr>
-        <p:style>
-          <a:lnRef idx="0"/>
-          <a:fillRef idx="0"/>
-          <a:effectRef idx="0"/>
-          <a:fontRef idx="minor"/>
-        </p:style>
-        <p:txBody>
-          <a:bodyPr wrap="none" lIns="90000" rIns="90000" tIns="45000" bIns="45000"/>
-          <a:p>
-            <a:pPr>
-              <a:lnSpc>
-                <a:spcPct val="100000"/>
-              </a:lnSpc>
-            </a:pPr>
-            <a:r>
-              <a:rPr b="0" lang="en-GB" sz="1800" spc="-1" strike="noStrike">
-                <a:solidFill>
-                  <a:srgbClr val="000000"/>
-                </a:solidFill>
-                <a:latin typeface="等线"/>
-                <a:ea typeface="DejaVu Sans"/>
-              </a:rPr>
-              <a:t>1</a:t>
-            </a:r>
-            <a:endParaRPr b="0" lang="en-GB" sz="1800" spc="-1" strike="noStrike">
-              <a:latin typeface="Arial"/>
-            </a:endParaRPr>
-          </a:p>
-        </p:txBody>
-      </p:sp>
-      <p:sp>
-        <p:nvSpPr>
-          <p:cNvPr id="52" name="CustomShape 16"/>
-          <p:cNvSpPr/>
-          <p:nvPr/>
-        </p:nvSpPr>
-        <p:spPr>
-          <a:xfrm>
-            <a:off x="1997280" y="4752000"/>
-            <a:ext cx="306720" cy="345960"/>
-          </a:xfrm>
-          <a:prstGeom prst="rect">
-            <a:avLst/>
-          </a:prstGeom>
-          <a:noFill/>
-          <a:ln>
-            <a:noFill/>
-          </a:ln>
-        </p:spPr>
-        <p:style>
-          <a:lnRef idx="0"/>
-          <a:fillRef idx="0"/>
-          <a:effectRef idx="0"/>
-          <a:fontRef idx="minor"/>
-        </p:style>
-        <p:txBody>
-          <a:bodyPr lIns="90000" rIns="90000" tIns="45000" bIns="45000"/>
-          <a:p>
-            <a:pPr>
-              <a:lnSpc>
-                <a:spcPct val="100000"/>
-              </a:lnSpc>
-            </a:pPr>
-            <a:r>
-              <a:rPr b="0" lang="en-GB" sz="1800" spc="-1" strike="noStrike">
-                <a:latin typeface="Arial"/>
-              </a:rPr>
-              <a:t>0</a:t>
-            </a:r>
-            <a:endParaRPr b="0" lang="en-GB" sz="1800" spc="-1" strike="noStrike">
-              <a:latin typeface="Arial"/>
-            </a:endParaRPr>
-          </a:p>
-        </p:txBody>
-      </p:sp>
-      <p:sp>
-        <p:nvSpPr>
-          <p:cNvPr id="53" name="CustomShape 17"/>
-          <p:cNvSpPr/>
-          <p:nvPr/>
-        </p:nvSpPr>
-        <p:spPr>
-          <a:xfrm>
-            <a:off x="5184000" y="4694040"/>
-            <a:ext cx="864720" cy="345960"/>
-          </a:xfrm>
-          <a:prstGeom prst="rect">
-            <a:avLst/>
-          </a:prstGeom>
-          <a:noFill/>
-          <a:ln>
-            <a:noFill/>
-          </a:ln>
-        </p:spPr>
-        <p:style>
-          <a:lnRef idx="0"/>
-          <a:fillRef idx="0"/>
-          <a:effectRef idx="0"/>
-          <a:fontRef idx="minor"/>
-        </p:style>
-        <p:txBody>
-          <a:bodyPr lIns="90000" rIns="90000" tIns="45000" bIns="45000"/>
-          <a:p>
-            <a:pPr>
-              <a:lnSpc>
-                <a:spcPct val="100000"/>
-              </a:lnSpc>
-            </a:pPr>
-            <a:r>
-              <a:rPr b="0" lang="en-GB" sz="1800" spc="-1" strike="noStrike">
-                <a:latin typeface="Arial"/>
-              </a:rPr>
-              <a:t>1 main</a:t>
-            </a:r>
-            <a:endParaRPr b="0" lang="en-GB" sz="1800" spc="-1" strike="noStrike">
-              <a:latin typeface="Arial"/>
-            </a:endParaRPr>
-          </a:p>
-        </p:txBody>
-      </p:sp>
-      <p:sp>
-        <p:nvSpPr>
-          <p:cNvPr id="54" name="CustomShape 18"/>
-          <p:cNvSpPr/>
-          <p:nvPr/>
-        </p:nvSpPr>
-        <p:spPr>
-          <a:xfrm>
-            <a:off x="2160000" y="2088000"/>
-            <a:ext cx="306720" cy="345960"/>
-          </a:xfrm>
-          <a:prstGeom prst="rect">
-            <a:avLst/>
-          </a:prstGeom>
-          <a:noFill/>
-          <a:ln>
-            <a:noFill/>
-          </a:ln>
-        </p:spPr>
-        <p:style>
-          <a:lnRef idx="0"/>
-          <a:fillRef idx="0"/>
-          <a:effectRef idx="0"/>
-          <a:fontRef idx="minor"/>
-        </p:style>
-        <p:txBody>
-          <a:bodyPr lIns="90000" rIns="90000" tIns="45000" bIns="45000"/>
-          <a:p>
-            <a:pPr>
-              <a:lnSpc>
-                <a:spcPct val="100000"/>
-              </a:lnSpc>
-            </a:pPr>
-            <a:r>
-              <a:rPr b="0" lang="en-GB" sz="1800" spc="-1" strike="noStrike">
-                <a:latin typeface="Arial"/>
-              </a:rPr>
-              <a:t>2</a:t>
-            </a:r>
-            <a:endParaRPr b="0" lang="en-GB" sz="1800" spc="-1" strike="noStrike">
-              <a:latin typeface="Arial"/>
-            </a:endParaRPr>
-          </a:p>
-        </p:txBody>
-      </p:sp>
-      <p:sp>
-        <p:nvSpPr>
-          <p:cNvPr id="55" name="CustomShape 19"/>
-          <p:cNvSpPr/>
-          <p:nvPr/>
-        </p:nvSpPr>
-        <p:spPr>
-          <a:xfrm>
-            <a:off x="9144000" y="2016000"/>
-            <a:ext cx="306720" cy="345960"/>
-          </a:xfrm>
-          <a:prstGeom prst="rect">
-            <a:avLst/>
-          </a:prstGeom>
-          <a:noFill/>
-          <a:ln>
-            <a:noFill/>
-          </a:ln>
-        </p:spPr>
-        <p:style>
-          <a:lnRef idx="0"/>
-          <a:fillRef idx="0"/>
-          <a:effectRef idx="0"/>
-          <a:fontRef idx="minor"/>
-        </p:style>
-        <p:txBody>
-          <a:bodyPr lIns="90000" rIns="90000" tIns="45000" bIns="45000"/>
-          <a:p>
-            <a:pPr>
-              <a:lnSpc>
-                <a:spcPct val="100000"/>
-              </a:lnSpc>
-            </a:pPr>
-            <a:r>
-              <a:rPr b="0" lang="en-GB" sz="1800" spc="-1" strike="noStrike">
-                <a:latin typeface="Arial"/>
-              </a:rPr>
-              <a:t>3</a:t>
-            </a:r>
-            <a:endParaRPr b="0" lang="en-GB" sz="1800" spc="-1" strike="noStrike">
-              <a:latin typeface="Arial"/>
-            </a:endParaRPr>
-          </a:p>
-        </p:txBody>
-      </p:sp>
-      <p:sp>
-        <p:nvSpPr>
-          <p:cNvPr id="56" name="Line 20"/>
-          <p:cNvSpPr/>
-          <p:nvPr/>
-        </p:nvSpPr>
-        <p:spPr>
-          <a:xfrm>
-            <a:off x="8280000" y="799200"/>
-            <a:ext cx="0" cy="5255640"/>
-          </a:xfrm>
-          <a:prstGeom prst="line">
-            <a:avLst/>
-          </a:prstGeom>
-          <a:ln>
-            <a:solidFill>
-              <a:srgbClr val="000000"/>
-            </a:solidFill>
-          </a:ln>
-        </p:spPr>
-        <p:style>
-          <a:lnRef idx="0"/>
-          <a:fillRef idx="0"/>
-          <a:effectRef idx="0"/>
-          <a:fontRef idx="minor"/>
-        </p:style>
+            <a:endParaRPr lang="en-GB" sz="1800" b="0" strike="noStrike" spc="-1" dirty="0">
+              <a:latin typeface="Arial"/>
+            </a:endParaRPr>
+          </a:p>
+        </p:txBody>
       </p:sp>
     </p:spTree>
   </p:cSld>
+  <p:clrMapOvr>
+    <a:masterClrMapping/>
+  </p:clrMapOvr>
   <p:timing>
     <p:tnLst>
       <p:par>
@@ -2301,14 +2694,14 @@
             <p:seq>
               <p:cTn id="2" dur="indefinite" nodeType="mainSeq"/>
               <p:prevCondLst>
-                <p:cond delay="0" evt="onPrev">
+                <p:cond evt="onPrev" delay="0">
                   <p:tgtEl>
                     <p:sldTgt/>
                   </p:tgtEl>
                 </p:cond>
               </p:prevCondLst>
               <p:nextCondLst>
-                <p:cond delay="0" evt="onNext">
+                <p:cond evt="onNext" delay="0">
                   <p:tgtEl>
                     <p:sldTgt/>
                   </p:tgtEl>
@@ -2334,34 +2727,34 @@
         <a:sysClr val="window" lastClr="FFFFFF"/>
       </a:lt1>
       <a:dk2>
-        <a:srgbClr val="44546a"/>
+        <a:srgbClr val="44546A"/>
       </a:dk2>
       <a:lt2>
-        <a:srgbClr val="e7e6e6"/>
+        <a:srgbClr val="E7E6E6"/>
       </a:lt2>
       <a:accent1>
-        <a:srgbClr val="5b9bd5"/>
+        <a:srgbClr val="5B9BD5"/>
       </a:accent1>
       <a:accent2>
-        <a:srgbClr val="ed7d31"/>
+        <a:srgbClr val="ED7D31"/>
       </a:accent2>
       <a:accent3>
-        <a:srgbClr val="a5a5a5"/>
+        <a:srgbClr val="A5A5A5"/>
       </a:accent3>
       <a:accent4>
-        <a:srgbClr val="ffc000"/>
+        <a:srgbClr val="FFC000"/>
       </a:accent4>
       <a:accent5>
-        <a:srgbClr val="4472c4"/>
+        <a:srgbClr val="4472C4"/>
       </a:accent5>
       <a:accent6>
-        <a:srgbClr val="70ad47"/>
+        <a:srgbClr val="70AD47"/>
       </a:accent6>
       <a:hlink>
-        <a:srgbClr val="0563c1"/>
+        <a:srgbClr val="0563C1"/>
       </a:hlink>
       <a:folHlink>
-        <a:srgbClr val="954f72"/>
+        <a:srgbClr val="954F72"/>
       </a:folHlink>
     </a:clrScheme>
     <a:fontScheme name="Office">
@@ -2543,5 +2936,7 @@
       </a:bgFillStyleLst>
     </a:fmtScheme>
   </a:themeElements>
+  <a:objectDefaults/>
+  <a:extraClrSchemeLst/>
 </a:theme>
 </file>
--- a/meshdivision.pptx
+++ b/meshdivision.pptx
@@ -1,114 +1,19 @@
 
 <file path=ppt/presentation.xml><?xml version="1.0" encoding="utf-8"?>
-<p:presentation xmlns:a="http://schemas.openxmlformats.org/drawingml/2006/main" xmlns:r="http://schemas.openxmlformats.org/officeDocument/2006/relationships" xmlns:p="http://schemas.openxmlformats.org/presentationml/2006/main">
+<p:presentation xmlns:a="http://schemas.openxmlformats.org/drawingml/2006/main" xmlns:p="http://schemas.openxmlformats.org/presentationml/2006/main" xmlns:r="http://schemas.openxmlformats.org/officeDocument/2006/relationships" xmlns:p14="http://schemas.microsoft.com/office/powerpoint/2010/main" xmlns:p15="http://schemas.microsoft.com/office/powerpoint/2012/main" xmlns:mc="http://schemas.openxmlformats.org/markup-compatibility/2006">
   <p:sldMasterIdLst>
-    <p:sldMasterId id="2147483648" r:id="rId1"/>
+    <p:sldMasterId id="2147483648" r:id="rId2"/>
   </p:sldMasterIdLst>
   <p:sldIdLst>
-    <p:sldId id="256" r:id="rId2"/>
+    <p:sldId id="256" r:id="rId3"/>
   </p:sldIdLst>
   <p:sldSz cx="12192000" cy="6858000"/>
-  <p:notesSz cx="7559675" cy="10691813"/>
-  <p:defaultTextStyle>
-    <a:defPPr>
-      <a:defRPr lang="en-US"/>
-    </a:defPPr>
-    <a:lvl1pPr marL="0" algn="l" defTabSz="914400" rtl="0" eaLnBrk="1" latinLnBrk="0" hangingPunct="1">
-      <a:defRPr sz="1800" kern="1200">
-        <a:solidFill>
-          <a:schemeClr val="tx1"/>
-        </a:solidFill>
-        <a:latin typeface="+mn-lt"/>
-        <a:ea typeface="+mn-ea"/>
-        <a:cs typeface="+mn-cs"/>
-      </a:defRPr>
-    </a:lvl1pPr>
-    <a:lvl2pPr marL="457200" algn="l" defTabSz="914400" rtl="0" eaLnBrk="1" latinLnBrk="0" hangingPunct="1">
-      <a:defRPr sz="1800" kern="1200">
-        <a:solidFill>
-          <a:schemeClr val="tx1"/>
-        </a:solidFill>
-        <a:latin typeface="+mn-lt"/>
-        <a:ea typeface="+mn-ea"/>
-        <a:cs typeface="+mn-cs"/>
-      </a:defRPr>
-    </a:lvl2pPr>
-    <a:lvl3pPr marL="914400" algn="l" defTabSz="914400" rtl="0" eaLnBrk="1" latinLnBrk="0" hangingPunct="1">
-      <a:defRPr sz="1800" kern="1200">
-        <a:solidFill>
-          <a:schemeClr val="tx1"/>
-        </a:solidFill>
-        <a:latin typeface="+mn-lt"/>
-        <a:ea typeface="+mn-ea"/>
-        <a:cs typeface="+mn-cs"/>
-      </a:defRPr>
-    </a:lvl3pPr>
-    <a:lvl4pPr marL="1371600" algn="l" defTabSz="914400" rtl="0" eaLnBrk="1" latinLnBrk="0" hangingPunct="1">
-      <a:defRPr sz="1800" kern="1200">
-        <a:solidFill>
-          <a:schemeClr val="tx1"/>
-        </a:solidFill>
-        <a:latin typeface="+mn-lt"/>
-        <a:ea typeface="+mn-ea"/>
-        <a:cs typeface="+mn-cs"/>
-      </a:defRPr>
-    </a:lvl4pPr>
-    <a:lvl5pPr marL="1828800" algn="l" defTabSz="914400" rtl="0" eaLnBrk="1" latinLnBrk="0" hangingPunct="1">
-      <a:defRPr sz="1800" kern="1200">
-        <a:solidFill>
-          <a:schemeClr val="tx1"/>
-        </a:solidFill>
-        <a:latin typeface="+mn-lt"/>
-        <a:ea typeface="+mn-ea"/>
-        <a:cs typeface="+mn-cs"/>
-      </a:defRPr>
-    </a:lvl5pPr>
-    <a:lvl6pPr marL="2286000" algn="l" defTabSz="914400" rtl="0" eaLnBrk="1" latinLnBrk="0" hangingPunct="1">
-      <a:defRPr sz="1800" kern="1200">
-        <a:solidFill>
-          <a:schemeClr val="tx1"/>
-        </a:solidFill>
-        <a:latin typeface="+mn-lt"/>
-        <a:ea typeface="+mn-ea"/>
-        <a:cs typeface="+mn-cs"/>
-      </a:defRPr>
-    </a:lvl6pPr>
-    <a:lvl7pPr marL="2743200" algn="l" defTabSz="914400" rtl="0" eaLnBrk="1" latinLnBrk="0" hangingPunct="1">
-      <a:defRPr sz="1800" kern="1200">
-        <a:solidFill>
-          <a:schemeClr val="tx1"/>
-        </a:solidFill>
-        <a:latin typeface="+mn-lt"/>
-        <a:ea typeface="+mn-ea"/>
-        <a:cs typeface="+mn-cs"/>
-      </a:defRPr>
-    </a:lvl7pPr>
-    <a:lvl8pPr marL="3200400" algn="l" defTabSz="914400" rtl="0" eaLnBrk="1" latinLnBrk="0" hangingPunct="1">
-      <a:defRPr sz="1800" kern="1200">
-        <a:solidFill>
-          <a:schemeClr val="tx1"/>
-        </a:solidFill>
-        <a:latin typeface="+mn-lt"/>
-        <a:ea typeface="+mn-ea"/>
-        <a:cs typeface="+mn-cs"/>
-      </a:defRPr>
-    </a:lvl8pPr>
-    <a:lvl9pPr marL="3657600" algn="l" defTabSz="914400" rtl="0" eaLnBrk="1" latinLnBrk="0" hangingPunct="1">
-      <a:defRPr sz="1800" kern="1200">
-        <a:solidFill>
-          <a:schemeClr val="tx1"/>
-        </a:solidFill>
-        <a:latin typeface="+mn-lt"/>
-        <a:ea typeface="+mn-ea"/>
-        <a:cs typeface="+mn-cs"/>
-      </a:defRPr>
-    </a:lvl9pPr>
-  </p:defaultTextStyle>
+  <p:notesSz cx="7559675" cy="10691812"/>
 </p:presentation>
 </file>
 
 <file path=ppt/slideLayouts/slideLayout1.xml><?xml version="1.0" encoding="utf-8"?>
-<p:sldLayout xmlns:a="http://schemas.openxmlformats.org/drawingml/2006/main" xmlns:r="http://schemas.openxmlformats.org/officeDocument/2006/relationships" xmlns:p="http://schemas.openxmlformats.org/presentationml/2006/main" type="blank" preserve="1">
+<p:sldLayout xmlns:a="http://schemas.openxmlformats.org/drawingml/2006/main" xmlns:p="http://schemas.openxmlformats.org/presentationml/2006/main" xmlns:r="http://schemas.openxmlformats.org/officeDocument/2006/relationships" xmlns:p14="http://schemas.microsoft.com/office/powerpoint/2010/main" xmlns:p15="http://schemas.microsoft.com/office/powerpoint/2012/main" xmlns:mc="http://schemas.openxmlformats.org/markup-compatibility/2006" type="blank" preserve="1">
   <p:cSld name="Blank Slide">
     <p:spTree>
       <p:nvGrpSpPr>
@@ -126,14 +31,11 @@
       </p:grpSpPr>
     </p:spTree>
   </p:cSld>
-  <p:clrMapOvr>
-    <a:masterClrMapping/>
-  </p:clrMapOvr>
 </p:sldLayout>
 </file>
 
 <file path=ppt/slideLayouts/slideLayout10.xml><?xml version="1.0" encoding="utf-8"?>
-<p:sldLayout xmlns:a="http://schemas.openxmlformats.org/drawingml/2006/main" xmlns:r="http://schemas.openxmlformats.org/officeDocument/2006/relationships" xmlns:p="http://schemas.openxmlformats.org/presentationml/2006/main" type="objOverTx" preserve="1">
+<p:sldLayout xmlns:a="http://schemas.openxmlformats.org/drawingml/2006/main" xmlns:p="http://schemas.openxmlformats.org/presentationml/2006/main" xmlns:r="http://schemas.openxmlformats.org/officeDocument/2006/relationships" xmlns:p14="http://schemas.microsoft.com/office/powerpoint/2010/main" xmlns:p15="http://schemas.microsoft.com/office/powerpoint/2012/main" xmlns:mc="http://schemas.openxmlformats.org/markup-compatibility/2006" type="objOverTx" preserve="1">
   <p:cSld name="Title, Content over Content">
     <p:spTree>
       <p:nvGrpSpPr>
@@ -151,7 +53,7 @@
       </p:grpSpPr>
       <p:sp>
         <p:nvSpPr>
-          <p:cNvPr id="22" name="PlaceHolder 1"/>
+          <p:cNvPr id="23" name="PlaceHolder 1"/>
           <p:cNvSpPr>
             <a:spLocks noGrp="1"/>
           </p:cNvSpPr>
@@ -162,26 +64,27 @@
         <p:spPr>
           <a:xfrm>
             <a:off x="1523880" y="1122480"/>
-            <a:ext cx="9143280" cy="2386800"/>
-          </a:xfrm>
-          <a:prstGeom prst="rect">
-            <a:avLst/>
-          </a:prstGeom>
-        </p:spPr>
-        <p:txBody>
-          <a:bodyPr lIns="0" tIns="0" rIns="0" bIns="0" anchor="ctr"/>
-          <a:lstStyle/>
-          <a:p>
-            <a:pPr algn="ctr"/>
-            <a:endParaRPr lang="en-GB" sz="4400" b="0" strike="noStrike" spc="-1">
-              <a:latin typeface="Arial"/>
-            </a:endParaRPr>
-          </a:p>
-        </p:txBody>
-      </p:sp>
-      <p:sp>
-        <p:nvSpPr>
-          <p:cNvPr id="23" name="PlaceHolder 2"/>
+            <a:ext cx="9142920" cy="2386440"/>
+          </a:xfrm>
+          <a:prstGeom prst="rect">
+            <a:avLst/>
+          </a:prstGeom>
+        </p:spPr>
+        <p:txBody>
+          <a:bodyPr lIns="0" rIns="0" tIns="0" bIns="0" anchor="ctr"/>
+          <a:p>
+            <a:endParaRPr b="0" lang="en-US" sz="1800" spc="-1" strike="noStrike">
+              <a:solidFill>
+                <a:srgbClr val="000000"/>
+              </a:solidFill>
+              <a:latin typeface="Arial"/>
+            </a:endParaRPr>
+          </a:p>
+        </p:txBody>
+      </p:sp>
+      <p:sp>
+        <p:nvSpPr>
+          <p:cNvPr id="24" name="PlaceHolder 2"/>
           <p:cNvSpPr>
             <a:spLocks noGrp="1"/>
           </p:cNvSpPr>
@@ -192,27 +95,29 @@
         <p:spPr>
           <a:xfrm>
             <a:off x="609480" y="1604520"/>
-            <a:ext cx="10972440" cy="1896840"/>
-          </a:xfrm>
-          <a:prstGeom prst="rect">
-            <a:avLst/>
-          </a:prstGeom>
-        </p:spPr>
-        <p:txBody>
-          <a:bodyPr lIns="0" tIns="0" rIns="0" bIns="0">
+            <a:ext cx="10972080" cy="1896840"/>
+          </a:xfrm>
+          <a:prstGeom prst="rect">
+            <a:avLst/>
+          </a:prstGeom>
+        </p:spPr>
+        <p:txBody>
+          <a:bodyPr lIns="0" rIns="0" tIns="0" bIns="0">
             <a:normAutofit/>
           </a:bodyPr>
-          <a:lstStyle/>
-          <a:p>
-            <a:endParaRPr lang="en-GB" sz="3200" b="0" strike="noStrike" spc="-1">
-              <a:latin typeface="Arial"/>
-            </a:endParaRPr>
-          </a:p>
-        </p:txBody>
-      </p:sp>
-      <p:sp>
-        <p:nvSpPr>
-          <p:cNvPr id="24" name="PlaceHolder 3"/>
+          <a:p>
+            <a:endParaRPr b="0" lang="en-US" sz="2800" spc="-1" strike="noStrike">
+              <a:solidFill>
+                <a:srgbClr val="000000"/>
+              </a:solidFill>
+              <a:latin typeface="Arial"/>
+            </a:endParaRPr>
+          </a:p>
+        </p:txBody>
+      </p:sp>
+      <p:sp>
+        <p:nvSpPr>
+          <p:cNvPr id="25" name="PlaceHolder 3"/>
           <p:cNvSpPr>
             <a:spLocks noGrp="1"/>
           </p:cNvSpPr>
@@ -223,19 +128,21 @@
         <p:spPr>
           <a:xfrm>
             <a:off x="609480" y="3682080"/>
-            <a:ext cx="10972440" cy="1896840"/>
-          </a:xfrm>
-          <a:prstGeom prst="rect">
-            <a:avLst/>
-          </a:prstGeom>
-        </p:spPr>
-        <p:txBody>
-          <a:bodyPr lIns="0" tIns="0" rIns="0" bIns="0">
+            <a:ext cx="10972080" cy="1896840"/>
+          </a:xfrm>
+          <a:prstGeom prst="rect">
+            <a:avLst/>
+          </a:prstGeom>
+        </p:spPr>
+        <p:txBody>
+          <a:bodyPr lIns="0" rIns="0" tIns="0" bIns="0">
             <a:normAutofit/>
           </a:bodyPr>
-          <a:lstStyle/>
-          <a:p>
-            <a:endParaRPr lang="en-GB" sz="3200" b="0" strike="noStrike" spc="-1">
+          <a:p>
+            <a:endParaRPr b="0" lang="en-US" sz="2800" spc="-1" strike="noStrike">
+              <a:solidFill>
+                <a:srgbClr val="000000"/>
+              </a:solidFill>
               <a:latin typeface="Arial"/>
             </a:endParaRPr>
           </a:p>
@@ -243,14 +150,11 @@
       </p:sp>
     </p:spTree>
   </p:cSld>
-  <p:clrMapOvr>
-    <a:masterClrMapping/>
-  </p:clrMapOvr>
 </p:sldLayout>
 </file>
 
 <file path=ppt/slideLayouts/slideLayout11.xml><?xml version="1.0" encoding="utf-8"?>
-<p:sldLayout xmlns:a="http://schemas.openxmlformats.org/drawingml/2006/main" xmlns:r="http://schemas.openxmlformats.org/officeDocument/2006/relationships" xmlns:p="http://schemas.openxmlformats.org/presentationml/2006/main" type="fourObj" preserve="1">
+<p:sldLayout xmlns:a="http://schemas.openxmlformats.org/drawingml/2006/main" xmlns:p="http://schemas.openxmlformats.org/presentationml/2006/main" xmlns:r="http://schemas.openxmlformats.org/officeDocument/2006/relationships" xmlns:p14="http://schemas.microsoft.com/office/powerpoint/2010/main" xmlns:p15="http://schemas.microsoft.com/office/powerpoint/2012/main" xmlns:mc="http://schemas.openxmlformats.org/markup-compatibility/2006" type="fourObj" preserve="1">
   <p:cSld name="Title, 4 Content">
     <p:spTree>
       <p:nvGrpSpPr>
@@ -268,7 +172,7 @@
       </p:grpSpPr>
       <p:sp>
         <p:nvSpPr>
-          <p:cNvPr id="25" name="PlaceHolder 1"/>
+          <p:cNvPr id="26" name="PlaceHolder 1"/>
           <p:cNvSpPr>
             <a:spLocks noGrp="1"/>
           </p:cNvSpPr>
@@ -279,26 +183,27 @@
         <p:spPr>
           <a:xfrm>
             <a:off x="1523880" y="1122480"/>
-            <a:ext cx="9143280" cy="2386800"/>
-          </a:xfrm>
-          <a:prstGeom prst="rect">
-            <a:avLst/>
-          </a:prstGeom>
-        </p:spPr>
-        <p:txBody>
-          <a:bodyPr lIns="0" tIns="0" rIns="0" bIns="0" anchor="ctr"/>
-          <a:lstStyle/>
-          <a:p>
-            <a:pPr algn="ctr"/>
-            <a:endParaRPr lang="en-GB" sz="4400" b="0" strike="noStrike" spc="-1">
-              <a:latin typeface="Arial"/>
-            </a:endParaRPr>
-          </a:p>
-        </p:txBody>
-      </p:sp>
-      <p:sp>
-        <p:nvSpPr>
-          <p:cNvPr id="26" name="PlaceHolder 2"/>
+            <a:ext cx="9142920" cy="2386440"/>
+          </a:xfrm>
+          <a:prstGeom prst="rect">
+            <a:avLst/>
+          </a:prstGeom>
+        </p:spPr>
+        <p:txBody>
+          <a:bodyPr lIns="0" rIns="0" tIns="0" bIns="0" anchor="ctr"/>
+          <a:p>
+            <a:endParaRPr b="0" lang="en-US" sz="1800" spc="-1" strike="noStrike">
+              <a:solidFill>
+                <a:srgbClr val="000000"/>
+              </a:solidFill>
+              <a:latin typeface="Arial"/>
+            </a:endParaRPr>
+          </a:p>
+        </p:txBody>
+      </p:sp>
+      <p:sp>
+        <p:nvSpPr>
+          <p:cNvPr id="27" name="PlaceHolder 2"/>
           <p:cNvSpPr>
             <a:spLocks noGrp="1"/>
           </p:cNvSpPr>
@@ -316,20 +221,22 @@
           </a:prstGeom>
         </p:spPr>
         <p:txBody>
-          <a:bodyPr lIns="0" tIns="0" rIns="0" bIns="0">
+          <a:bodyPr lIns="0" rIns="0" tIns="0" bIns="0">
             <a:normAutofit/>
           </a:bodyPr>
-          <a:lstStyle/>
-          <a:p>
-            <a:endParaRPr lang="en-GB" sz="3200" b="0" strike="noStrike" spc="-1">
-              <a:latin typeface="Arial"/>
-            </a:endParaRPr>
-          </a:p>
-        </p:txBody>
-      </p:sp>
-      <p:sp>
-        <p:nvSpPr>
-          <p:cNvPr id="27" name="PlaceHolder 3"/>
+          <a:p>
+            <a:endParaRPr b="0" lang="en-US" sz="2800" spc="-1" strike="noStrike">
+              <a:solidFill>
+                <a:srgbClr val="000000"/>
+              </a:solidFill>
+              <a:latin typeface="Arial"/>
+            </a:endParaRPr>
+          </a:p>
+        </p:txBody>
+      </p:sp>
+      <p:sp>
+        <p:nvSpPr>
+          <p:cNvPr id="28" name="PlaceHolder 3"/>
           <p:cNvSpPr>
             <a:spLocks noGrp="1"/>
           </p:cNvSpPr>
@@ -347,20 +254,22 @@
           </a:prstGeom>
         </p:spPr>
         <p:txBody>
-          <a:bodyPr lIns="0" tIns="0" rIns="0" bIns="0">
+          <a:bodyPr lIns="0" rIns="0" tIns="0" bIns="0">
             <a:normAutofit/>
           </a:bodyPr>
-          <a:lstStyle/>
-          <a:p>
-            <a:endParaRPr lang="en-GB" sz="3200" b="0" strike="noStrike" spc="-1">
-              <a:latin typeface="Arial"/>
-            </a:endParaRPr>
-          </a:p>
-        </p:txBody>
-      </p:sp>
-      <p:sp>
-        <p:nvSpPr>
-          <p:cNvPr id="28" name="PlaceHolder 4"/>
+          <a:p>
+            <a:endParaRPr b="0" lang="en-US" sz="2800" spc="-1" strike="noStrike">
+              <a:solidFill>
+                <a:srgbClr val="000000"/>
+              </a:solidFill>
+              <a:latin typeface="Arial"/>
+            </a:endParaRPr>
+          </a:p>
+        </p:txBody>
+      </p:sp>
+      <p:sp>
+        <p:nvSpPr>
+          <p:cNvPr id="29" name="PlaceHolder 4"/>
           <p:cNvSpPr>
             <a:spLocks noGrp="1"/>
           </p:cNvSpPr>
@@ -378,20 +287,22 @@
           </a:prstGeom>
         </p:spPr>
         <p:txBody>
-          <a:bodyPr lIns="0" tIns="0" rIns="0" bIns="0">
+          <a:bodyPr lIns="0" rIns="0" tIns="0" bIns="0">
             <a:normAutofit/>
           </a:bodyPr>
-          <a:lstStyle/>
-          <a:p>
-            <a:endParaRPr lang="en-GB" sz="3200" b="0" strike="noStrike" spc="-1">
-              <a:latin typeface="Arial"/>
-            </a:endParaRPr>
-          </a:p>
-        </p:txBody>
-      </p:sp>
-      <p:sp>
-        <p:nvSpPr>
-          <p:cNvPr id="29" name="PlaceHolder 5"/>
+          <a:p>
+            <a:endParaRPr b="0" lang="en-US" sz="2800" spc="-1" strike="noStrike">
+              <a:solidFill>
+                <a:srgbClr val="000000"/>
+              </a:solidFill>
+              <a:latin typeface="Arial"/>
+            </a:endParaRPr>
+          </a:p>
+        </p:txBody>
+      </p:sp>
+      <p:sp>
+        <p:nvSpPr>
+          <p:cNvPr id="30" name="PlaceHolder 5"/>
           <p:cNvSpPr>
             <a:spLocks noGrp="1"/>
           </p:cNvSpPr>
@@ -409,12 +320,14 @@
           </a:prstGeom>
         </p:spPr>
         <p:txBody>
-          <a:bodyPr lIns="0" tIns="0" rIns="0" bIns="0">
+          <a:bodyPr lIns="0" rIns="0" tIns="0" bIns="0">
             <a:normAutofit/>
           </a:bodyPr>
-          <a:lstStyle/>
-          <a:p>
-            <a:endParaRPr lang="en-GB" sz="3200" b="0" strike="noStrike" spc="-1">
+          <a:p>
+            <a:endParaRPr b="0" lang="en-US" sz="2800" spc="-1" strike="noStrike">
+              <a:solidFill>
+                <a:srgbClr val="000000"/>
+              </a:solidFill>
               <a:latin typeface="Arial"/>
             </a:endParaRPr>
           </a:p>
@@ -422,14 +335,11 @@
       </p:sp>
     </p:spTree>
   </p:cSld>
-  <p:clrMapOvr>
-    <a:masterClrMapping/>
-  </p:clrMapOvr>
 </p:sldLayout>
 </file>
 
 <file path=ppt/slideLayouts/slideLayout12.xml><?xml version="1.0" encoding="utf-8"?>
-<p:sldLayout xmlns:a="http://schemas.openxmlformats.org/drawingml/2006/main" xmlns:r="http://schemas.openxmlformats.org/officeDocument/2006/relationships" xmlns:p="http://schemas.openxmlformats.org/presentationml/2006/main" type="blank" preserve="1">
+<p:sldLayout xmlns:a="http://schemas.openxmlformats.org/drawingml/2006/main" xmlns:p="http://schemas.openxmlformats.org/presentationml/2006/main" xmlns:r="http://schemas.openxmlformats.org/officeDocument/2006/relationships" xmlns:p14="http://schemas.microsoft.com/office/powerpoint/2010/main" xmlns:p15="http://schemas.microsoft.com/office/powerpoint/2012/main" xmlns:mc="http://schemas.openxmlformats.org/markup-compatibility/2006" type="blank" preserve="1">
   <p:cSld name="Title, 6 Content">
     <p:spTree>
       <p:nvGrpSpPr>
@@ -447,7 +357,7 @@
       </p:grpSpPr>
       <p:sp>
         <p:nvSpPr>
-          <p:cNvPr id="30" name="PlaceHolder 1"/>
+          <p:cNvPr id="31" name="PlaceHolder 1"/>
           <p:cNvSpPr>
             <a:spLocks noGrp="1"/>
           </p:cNvSpPr>
@@ -458,26 +368,27 @@
         <p:spPr>
           <a:xfrm>
             <a:off x="1523880" y="1122480"/>
-            <a:ext cx="9143280" cy="2386800"/>
-          </a:xfrm>
-          <a:prstGeom prst="rect">
-            <a:avLst/>
-          </a:prstGeom>
-        </p:spPr>
-        <p:txBody>
-          <a:bodyPr lIns="0" tIns="0" rIns="0" bIns="0" anchor="ctr"/>
-          <a:lstStyle/>
-          <a:p>
-            <a:pPr algn="ctr"/>
-            <a:endParaRPr lang="en-GB" sz="4400" b="0" strike="noStrike" spc="-1">
-              <a:latin typeface="Arial"/>
-            </a:endParaRPr>
-          </a:p>
-        </p:txBody>
-      </p:sp>
-      <p:sp>
-        <p:nvSpPr>
-          <p:cNvPr id="31" name="PlaceHolder 2"/>
+            <a:ext cx="9142920" cy="2386440"/>
+          </a:xfrm>
+          <a:prstGeom prst="rect">
+            <a:avLst/>
+          </a:prstGeom>
+        </p:spPr>
+        <p:txBody>
+          <a:bodyPr lIns="0" rIns="0" tIns="0" bIns="0" anchor="ctr"/>
+          <a:p>
+            <a:endParaRPr b="0" lang="en-US" sz="1800" spc="-1" strike="noStrike">
+              <a:solidFill>
+                <a:srgbClr val="000000"/>
+              </a:solidFill>
+              <a:latin typeface="Arial"/>
+            </a:endParaRPr>
+          </a:p>
+        </p:txBody>
+      </p:sp>
+      <p:sp>
+        <p:nvSpPr>
+          <p:cNvPr id="32" name="PlaceHolder 2"/>
           <p:cNvSpPr>
             <a:spLocks noGrp="1"/>
           </p:cNvSpPr>
@@ -488,27 +399,29 @@
         <p:spPr>
           <a:xfrm>
             <a:off x="609480" y="1604520"/>
-            <a:ext cx="3533040" cy="1896840"/>
-          </a:xfrm>
-          <a:prstGeom prst="rect">
-            <a:avLst/>
-          </a:prstGeom>
-        </p:spPr>
-        <p:txBody>
-          <a:bodyPr lIns="0" tIns="0" rIns="0" bIns="0">
+            <a:ext cx="3532680" cy="1896840"/>
+          </a:xfrm>
+          <a:prstGeom prst="rect">
+            <a:avLst/>
+          </a:prstGeom>
+        </p:spPr>
+        <p:txBody>
+          <a:bodyPr lIns="0" rIns="0" tIns="0" bIns="0">
             <a:normAutofit/>
           </a:bodyPr>
-          <a:lstStyle/>
-          <a:p>
-            <a:endParaRPr lang="en-GB" sz="3200" b="0" strike="noStrike" spc="-1">
-              <a:latin typeface="Arial"/>
-            </a:endParaRPr>
-          </a:p>
-        </p:txBody>
-      </p:sp>
-      <p:sp>
-        <p:nvSpPr>
-          <p:cNvPr id="32" name="PlaceHolder 3"/>
+          <a:p>
+            <a:endParaRPr b="0" lang="en-US" sz="2800" spc="-1" strike="noStrike">
+              <a:solidFill>
+                <a:srgbClr val="000000"/>
+              </a:solidFill>
+              <a:latin typeface="Arial"/>
+            </a:endParaRPr>
+          </a:p>
+        </p:txBody>
+      </p:sp>
+      <p:sp>
+        <p:nvSpPr>
+          <p:cNvPr id="33" name="PlaceHolder 3"/>
           <p:cNvSpPr>
             <a:spLocks noGrp="1"/>
           </p:cNvSpPr>
@@ -518,28 +431,30 @@
         </p:nvSpPr>
         <p:spPr>
           <a:xfrm>
-            <a:off x="4319640" y="1604520"/>
-            <a:ext cx="3533040" cy="1896840"/>
-          </a:xfrm>
-          <a:prstGeom prst="rect">
-            <a:avLst/>
-          </a:prstGeom>
-        </p:spPr>
-        <p:txBody>
-          <a:bodyPr lIns="0" tIns="0" rIns="0" bIns="0">
+            <a:off x="4319280" y="1604520"/>
+            <a:ext cx="3532680" cy="1896840"/>
+          </a:xfrm>
+          <a:prstGeom prst="rect">
+            <a:avLst/>
+          </a:prstGeom>
+        </p:spPr>
+        <p:txBody>
+          <a:bodyPr lIns="0" rIns="0" tIns="0" bIns="0">
             <a:normAutofit/>
           </a:bodyPr>
-          <a:lstStyle/>
-          <a:p>
-            <a:endParaRPr lang="en-GB" sz="3200" b="0" strike="noStrike" spc="-1">
-              <a:latin typeface="Arial"/>
-            </a:endParaRPr>
-          </a:p>
-        </p:txBody>
-      </p:sp>
-      <p:sp>
-        <p:nvSpPr>
-          <p:cNvPr id="33" name="PlaceHolder 4"/>
+          <a:p>
+            <a:endParaRPr b="0" lang="en-US" sz="2800" spc="-1" strike="noStrike">
+              <a:solidFill>
+                <a:srgbClr val="000000"/>
+              </a:solidFill>
+              <a:latin typeface="Arial"/>
+            </a:endParaRPr>
+          </a:p>
+        </p:txBody>
+      </p:sp>
+      <p:sp>
+        <p:nvSpPr>
+          <p:cNvPr id="34" name="PlaceHolder 4"/>
           <p:cNvSpPr>
             <a:spLocks noGrp="1"/>
           </p:cNvSpPr>
@@ -549,28 +464,30 @@
         </p:nvSpPr>
         <p:spPr>
           <a:xfrm>
-            <a:off x="8029800" y="1604520"/>
-            <a:ext cx="3533040" cy="1896840"/>
-          </a:xfrm>
-          <a:prstGeom prst="rect">
-            <a:avLst/>
-          </a:prstGeom>
-        </p:spPr>
-        <p:txBody>
-          <a:bodyPr lIns="0" tIns="0" rIns="0" bIns="0">
+            <a:off x="8028720" y="1604520"/>
+            <a:ext cx="3532680" cy="1896840"/>
+          </a:xfrm>
+          <a:prstGeom prst="rect">
+            <a:avLst/>
+          </a:prstGeom>
+        </p:spPr>
+        <p:txBody>
+          <a:bodyPr lIns="0" rIns="0" tIns="0" bIns="0">
             <a:normAutofit/>
           </a:bodyPr>
-          <a:lstStyle/>
-          <a:p>
-            <a:endParaRPr lang="en-GB" sz="3200" b="0" strike="noStrike" spc="-1">
-              <a:latin typeface="Arial"/>
-            </a:endParaRPr>
-          </a:p>
-        </p:txBody>
-      </p:sp>
-      <p:sp>
-        <p:nvSpPr>
-          <p:cNvPr id="34" name="PlaceHolder 5"/>
+          <a:p>
+            <a:endParaRPr b="0" lang="en-US" sz="2800" spc="-1" strike="noStrike">
+              <a:solidFill>
+                <a:srgbClr val="000000"/>
+              </a:solidFill>
+              <a:latin typeface="Arial"/>
+            </a:endParaRPr>
+          </a:p>
+        </p:txBody>
+      </p:sp>
+      <p:sp>
+        <p:nvSpPr>
+          <p:cNvPr id="35" name="PlaceHolder 5"/>
           <p:cNvSpPr>
             <a:spLocks noGrp="1"/>
           </p:cNvSpPr>
@@ -581,27 +498,29 @@
         <p:spPr>
           <a:xfrm>
             <a:off x="609480" y="3682080"/>
-            <a:ext cx="3533040" cy="1896840"/>
-          </a:xfrm>
-          <a:prstGeom prst="rect">
-            <a:avLst/>
-          </a:prstGeom>
-        </p:spPr>
-        <p:txBody>
-          <a:bodyPr lIns="0" tIns="0" rIns="0" bIns="0">
+            <a:ext cx="3532680" cy="1896840"/>
+          </a:xfrm>
+          <a:prstGeom prst="rect">
+            <a:avLst/>
+          </a:prstGeom>
+        </p:spPr>
+        <p:txBody>
+          <a:bodyPr lIns="0" rIns="0" tIns="0" bIns="0">
             <a:normAutofit/>
           </a:bodyPr>
-          <a:lstStyle/>
-          <a:p>
-            <a:endParaRPr lang="en-GB" sz="3200" b="0" strike="noStrike" spc="-1">
-              <a:latin typeface="Arial"/>
-            </a:endParaRPr>
-          </a:p>
-        </p:txBody>
-      </p:sp>
-      <p:sp>
-        <p:nvSpPr>
-          <p:cNvPr id="35" name="PlaceHolder 6"/>
+          <a:p>
+            <a:endParaRPr b="0" lang="en-US" sz="2800" spc="-1" strike="noStrike">
+              <a:solidFill>
+                <a:srgbClr val="000000"/>
+              </a:solidFill>
+              <a:latin typeface="Arial"/>
+            </a:endParaRPr>
+          </a:p>
+        </p:txBody>
+      </p:sp>
+      <p:sp>
+        <p:nvSpPr>
+          <p:cNvPr id="36" name="PlaceHolder 6"/>
           <p:cNvSpPr>
             <a:spLocks noGrp="1"/>
           </p:cNvSpPr>
@@ -611,28 +530,30 @@
         </p:nvSpPr>
         <p:spPr>
           <a:xfrm>
-            <a:off x="4319640" y="3682080"/>
-            <a:ext cx="3533040" cy="1896840"/>
-          </a:xfrm>
-          <a:prstGeom prst="rect">
-            <a:avLst/>
-          </a:prstGeom>
-        </p:spPr>
-        <p:txBody>
-          <a:bodyPr lIns="0" tIns="0" rIns="0" bIns="0">
+            <a:off x="4319280" y="3682080"/>
+            <a:ext cx="3532680" cy="1896840"/>
+          </a:xfrm>
+          <a:prstGeom prst="rect">
+            <a:avLst/>
+          </a:prstGeom>
+        </p:spPr>
+        <p:txBody>
+          <a:bodyPr lIns="0" rIns="0" tIns="0" bIns="0">
             <a:normAutofit/>
           </a:bodyPr>
-          <a:lstStyle/>
-          <a:p>
-            <a:endParaRPr lang="en-GB" sz="3200" b="0" strike="noStrike" spc="-1">
-              <a:latin typeface="Arial"/>
-            </a:endParaRPr>
-          </a:p>
-        </p:txBody>
-      </p:sp>
-      <p:sp>
-        <p:nvSpPr>
-          <p:cNvPr id="36" name="PlaceHolder 7"/>
+          <a:p>
+            <a:endParaRPr b="0" lang="en-US" sz="2800" spc="-1" strike="noStrike">
+              <a:solidFill>
+                <a:srgbClr val="000000"/>
+              </a:solidFill>
+              <a:latin typeface="Arial"/>
+            </a:endParaRPr>
+          </a:p>
+        </p:txBody>
+      </p:sp>
+      <p:sp>
+        <p:nvSpPr>
+          <p:cNvPr id="37" name="PlaceHolder 7"/>
           <p:cNvSpPr>
             <a:spLocks noGrp="1"/>
           </p:cNvSpPr>
@@ -642,20 +563,22 @@
         </p:nvSpPr>
         <p:spPr>
           <a:xfrm>
-            <a:off x="8029800" y="3682080"/>
-            <a:ext cx="3533040" cy="1896840"/>
-          </a:xfrm>
-          <a:prstGeom prst="rect">
-            <a:avLst/>
-          </a:prstGeom>
-        </p:spPr>
-        <p:txBody>
-          <a:bodyPr lIns="0" tIns="0" rIns="0" bIns="0">
+            <a:off x="8028720" y="3682080"/>
+            <a:ext cx="3532680" cy="1896840"/>
+          </a:xfrm>
+          <a:prstGeom prst="rect">
+            <a:avLst/>
+          </a:prstGeom>
+        </p:spPr>
+        <p:txBody>
+          <a:bodyPr lIns="0" rIns="0" tIns="0" bIns="0">
             <a:normAutofit/>
           </a:bodyPr>
-          <a:lstStyle/>
-          <a:p>
-            <a:endParaRPr lang="en-GB" sz="3200" b="0" strike="noStrike" spc="-1">
+          <a:p>
+            <a:endParaRPr b="0" lang="en-US" sz="2800" spc="-1" strike="noStrike">
+              <a:solidFill>
+                <a:srgbClr val="000000"/>
+              </a:solidFill>
               <a:latin typeface="Arial"/>
             </a:endParaRPr>
           </a:p>
@@ -663,14 +586,11 @@
       </p:sp>
     </p:spTree>
   </p:cSld>
-  <p:clrMapOvr>
-    <a:masterClrMapping/>
-  </p:clrMapOvr>
 </p:sldLayout>
 </file>
 
 <file path=ppt/slideLayouts/slideLayout2.xml><?xml version="1.0" encoding="utf-8"?>
-<p:sldLayout xmlns:a="http://schemas.openxmlformats.org/drawingml/2006/main" xmlns:r="http://schemas.openxmlformats.org/officeDocument/2006/relationships" xmlns:p="http://schemas.openxmlformats.org/presentationml/2006/main" type="tx" preserve="1">
+<p:sldLayout xmlns:a="http://schemas.openxmlformats.org/drawingml/2006/main" xmlns:p="http://schemas.openxmlformats.org/presentationml/2006/main" xmlns:r="http://schemas.openxmlformats.org/officeDocument/2006/relationships" xmlns:p14="http://schemas.microsoft.com/office/powerpoint/2010/main" xmlns:p15="http://schemas.microsoft.com/office/powerpoint/2012/main" xmlns:mc="http://schemas.openxmlformats.org/markup-compatibility/2006" type="tx" preserve="1">
   <p:cSld name="Title Slide">
     <p:spTree>
       <p:nvGrpSpPr>
@@ -688,7 +608,7 @@
       </p:grpSpPr>
       <p:sp>
         <p:nvSpPr>
-          <p:cNvPr id="3" name="PlaceHolder 1"/>
+          <p:cNvPr id="2" name="PlaceHolder 1"/>
           <p:cNvSpPr>
             <a:spLocks noGrp="1"/>
           </p:cNvSpPr>
@@ -699,48 +619,48 @@
         <p:spPr>
           <a:xfrm>
             <a:off x="1523880" y="1122480"/>
-            <a:ext cx="9143280" cy="2386800"/>
-          </a:xfrm>
-          <a:prstGeom prst="rect">
-            <a:avLst/>
-          </a:prstGeom>
-        </p:spPr>
-        <p:txBody>
-          <a:bodyPr lIns="0" tIns="0" rIns="0" bIns="0" anchor="ctr"/>
-          <a:lstStyle/>
+            <a:ext cx="9142920" cy="2386440"/>
+          </a:xfrm>
+          <a:prstGeom prst="rect">
+            <a:avLst/>
+          </a:prstGeom>
+        </p:spPr>
+        <p:txBody>
+          <a:bodyPr lIns="0" rIns="0" tIns="0" bIns="0" anchor="ctr"/>
+          <a:p>
+            <a:endParaRPr b="0" lang="en-US" sz="1800" spc="-1" strike="noStrike">
+              <a:solidFill>
+                <a:srgbClr val="000000"/>
+              </a:solidFill>
+              <a:latin typeface="Arial"/>
+            </a:endParaRPr>
+          </a:p>
+        </p:txBody>
+      </p:sp>
+      <p:sp>
+        <p:nvSpPr>
+          <p:cNvPr id="3" name="PlaceHolder 2"/>
+          <p:cNvSpPr>
+            <a:spLocks noGrp="1"/>
+          </p:cNvSpPr>
+          <p:nvPr>
+            <p:ph type="subTitle"/>
+          </p:nvPr>
+        </p:nvSpPr>
+        <p:spPr>
+          <a:xfrm>
+            <a:off x="609480" y="1604520"/>
+            <a:ext cx="10972080" cy="3976920"/>
+          </a:xfrm>
+          <a:prstGeom prst="rect">
+            <a:avLst/>
+          </a:prstGeom>
+        </p:spPr>
+        <p:txBody>
+          <a:bodyPr lIns="0" rIns="0" tIns="0" bIns="0" anchor="ctr"/>
           <a:p>
             <a:pPr algn="ctr"/>
-            <a:endParaRPr lang="en-GB" sz="4400" b="0" strike="noStrike" spc="-1">
-              <a:latin typeface="Arial"/>
-            </a:endParaRPr>
-          </a:p>
-        </p:txBody>
-      </p:sp>
-      <p:sp>
-        <p:nvSpPr>
-          <p:cNvPr id="2" name="PlaceHolder 2"/>
-          <p:cNvSpPr>
-            <a:spLocks noGrp="1"/>
-          </p:cNvSpPr>
-          <p:nvPr>
-            <p:ph type="subTitle"/>
-          </p:nvPr>
-        </p:nvSpPr>
-        <p:spPr>
-          <a:xfrm>
-            <a:off x="609480" y="1604520"/>
-            <a:ext cx="10972440" cy="3977280"/>
-          </a:xfrm>
-          <a:prstGeom prst="rect">
-            <a:avLst/>
-          </a:prstGeom>
-        </p:spPr>
-        <p:txBody>
-          <a:bodyPr lIns="0" tIns="0" rIns="0" bIns="0" anchor="ctr"/>
-          <a:lstStyle/>
-          <a:p>
-            <a:pPr algn="ctr"/>
-            <a:endParaRPr lang="en-GB" sz="3200" b="0" strike="noStrike" spc="-1">
+            <a:endParaRPr b="0" lang="en-GB" sz="3200" spc="-1" strike="noStrike">
               <a:latin typeface="Arial"/>
             </a:endParaRPr>
           </a:p>
@@ -748,14 +668,11 @@
       </p:sp>
     </p:spTree>
   </p:cSld>
-  <p:clrMapOvr>
-    <a:masterClrMapping/>
-  </p:clrMapOvr>
 </p:sldLayout>
 </file>
 
 <file path=ppt/slideLayouts/slideLayout3.xml><?xml version="1.0" encoding="utf-8"?>
-<p:sldLayout xmlns:a="http://schemas.openxmlformats.org/drawingml/2006/main" xmlns:r="http://schemas.openxmlformats.org/officeDocument/2006/relationships" xmlns:p="http://schemas.openxmlformats.org/presentationml/2006/main" type="obj" preserve="1">
+<p:sldLayout xmlns:a="http://schemas.openxmlformats.org/drawingml/2006/main" xmlns:p="http://schemas.openxmlformats.org/presentationml/2006/main" xmlns:r="http://schemas.openxmlformats.org/officeDocument/2006/relationships" xmlns:p14="http://schemas.microsoft.com/office/powerpoint/2010/main" xmlns:p15="http://schemas.microsoft.com/office/powerpoint/2012/main" xmlns:mc="http://schemas.openxmlformats.org/markup-compatibility/2006" type="obj" preserve="1">
   <p:cSld name="Title, Content">
     <p:spTree>
       <p:nvGrpSpPr>
@@ -773,7 +690,7 @@
       </p:grpSpPr>
       <p:sp>
         <p:nvSpPr>
-          <p:cNvPr id="3" name="PlaceHolder 1"/>
+          <p:cNvPr id="4" name="PlaceHolder 1"/>
           <p:cNvSpPr>
             <a:spLocks noGrp="1"/>
           </p:cNvSpPr>
@@ -784,26 +701,27 @@
         <p:spPr>
           <a:xfrm>
             <a:off x="1523880" y="1122480"/>
-            <a:ext cx="9143280" cy="2386800"/>
-          </a:xfrm>
-          <a:prstGeom prst="rect">
-            <a:avLst/>
-          </a:prstGeom>
-        </p:spPr>
-        <p:txBody>
-          <a:bodyPr lIns="0" tIns="0" rIns="0" bIns="0" anchor="ctr"/>
-          <a:lstStyle/>
-          <a:p>
-            <a:pPr algn="ctr"/>
-            <a:endParaRPr lang="en-GB" sz="4400" b="0" strike="noStrike" spc="-1">
-              <a:latin typeface="Arial"/>
-            </a:endParaRPr>
-          </a:p>
-        </p:txBody>
-      </p:sp>
-      <p:sp>
-        <p:nvSpPr>
-          <p:cNvPr id="4" name="PlaceHolder 2"/>
+            <a:ext cx="9142920" cy="2386440"/>
+          </a:xfrm>
+          <a:prstGeom prst="rect">
+            <a:avLst/>
+          </a:prstGeom>
+        </p:spPr>
+        <p:txBody>
+          <a:bodyPr lIns="0" rIns="0" tIns="0" bIns="0" anchor="ctr"/>
+          <a:p>
+            <a:endParaRPr b="0" lang="en-US" sz="1800" spc="-1" strike="noStrike">
+              <a:solidFill>
+                <a:srgbClr val="000000"/>
+              </a:solidFill>
+              <a:latin typeface="Arial"/>
+            </a:endParaRPr>
+          </a:p>
+        </p:txBody>
+      </p:sp>
+      <p:sp>
+        <p:nvSpPr>
+          <p:cNvPr id="5" name="PlaceHolder 2"/>
           <p:cNvSpPr>
             <a:spLocks noGrp="1"/>
           </p:cNvSpPr>
@@ -814,19 +732,21 @@
         <p:spPr>
           <a:xfrm>
             <a:off x="609480" y="1604520"/>
-            <a:ext cx="10972440" cy="3977280"/>
-          </a:xfrm>
-          <a:prstGeom prst="rect">
-            <a:avLst/>
-          </a:prstGeom>
-        </p:spPr>
-        <p:txBody>
-          <a:bodyPr lIns="0" tIns="0" rIns="0" bIns="0">
+            <a:ext cx="10972080" cy="3976920"/>
+          </a:xfrm>
+          <a:prstGeom prst="rect">
+            <a:avLst/>
+          </a:prstGeom>
+        </p:spPr>
+        <p:txBody>
+          <a:bodyPr lIns="0" rIns="0" tIns="0" bIns="0">
             <a:normAutofit/>
           </a:bodyPr>
-          <a:lstStyle/>
-          <a:p>
-            <a:endParaRPr lang="en-GB" sz="3200" b="0" strike="noStrike" spc="-1">
+          <a:p>
+            <a:endParaRPr b="0" lang="en-US" sz="2800" spc="-1" strike="noStrike">
+              <a:solidFill>
+                <a:srgbClr val="000000"/>
+              </a:solidFill>
               <a:latin typeface="Arial"/>
             </a:endParaRPr>
           </a:p>
@@ -834,14 +754,11 @@
       </p:sp>
     </p:spTree>
   </p:cSld>
-  <p:clrMapOvr>
-    <a:masterClrMapping/>
-  </p:clrMapOvr>
 </p:sldLayout>
 </file>
 
 <file path=ppt/slideLayouts/slideLayout4.xml><?xml version="1.0" encoding="utf-8"?>
-<p:sldLayout xmlns:a="http://schemas.openxmlformats.org/drawingml/2006/main" xmlns:r="http://schemas.openxmlformats.org/officeDocument/2006/relationships" xmlns:p="http://schemas.openxmlformats.org/presentationml/2006/main" type="twoObj" preserve="1">
+<p:sldLayout xmlns:a="http://schemas.openxmlformats.org/drawingml/2006/main" xmlns:p="http://schemas.openxmlformats.org/presentationml/2006/main" xmlns:r="http://schemas.openxmlformats.org/officeDocument/2006/relationships" xmlns:p14="http://schemas.microsoft.com/office/powerpoint/2010/main" xmlns:p15="http://schemas.microsoft.com/office/powerpoint/2012/main" xmlns:mc="http://schemas.openxmlformats.org/markup-compatibility/2006" type="twoObj" preserve="1">
   <p:cSld name="Title, 2 Content">
     <p:spTree>
       <p:nvGrpSpPr>
@@ -859,7 +776,7 @@
       </p:grpSpPr>
       <p:sp>
         <p:nvSpPr>
-          <p:cNvPr id="5" name="PlaceHolder 1"/>
+          <p:cNvPr id="6" name="PlaceHolder 1"/>
           <p:cNvSpPr>
             <a:spLocks noGrp="1"/>
           </p:cNvSpPr>
@@ -870,26 +787,27 @@
         <p:spPr>
           <a:xfrm>
             <a:off x="1523880" y="1122480"/>
-            <a:ext cx="9143280" cy="2386800"/>
-          </a:xfrm>
-          <a:prstGeom prst="rect">
-            <a:avLst/>
-          </a:prstGeom>
-        </p:spPr>
-        <p:txBody>
-          <a:bodyPr lIns="0" tIns="0" rIns="0" bIns="0" anchor="ctr"/>
-          <a:lstStyle/>
-          <a:p>
-            <a:pPr algn="ctr"/>
-            <a:endParaRPr lang="en-GB" sz="4400" b="0" strike="noStrike" spc="-1">
-              <a:latin typeface="Arial"/>
-            </a:endParaRPr>
-          </a:p>
-        </p:txBody>
-      </p:sp>
-      <p:sp>
-        <p:nvSpPr>
-          <p:cNvPr id="6" name="PlaceHolder 2"/>
+            <a:ext cx="9142920" cy="2386440"/>
+          </a:xfrm>
+          <a:prstGeom prst="rect">
+            <a:avLst/>
+          </a:prstGeom>
+        </p:spPr>
+        <p:txBody>
+          <a:bodyPr lIns="0" rIns="0" tIns="0" bIns="0" anchor="ctr"/>
+          <a:p>
+            <a:endParaRPr b="0" lang="en-US" sz="1800" spc="-1" strike="noStrike">
+              <a:solidFill>
+                <a:srgbClr val="000000"/>
+              </a:solidFill>
+              <a:latin typeface="Arial"/>
+            </a:endParaRPr>
+          </a:p>
+        </p:txBody>
+      </p:sp>
+      <p:sp>
+        <p:nvSpPr>
+          <p:cNvPr id="7" name="PlaceHolder 2"/>
           <p:cNvSpPr>
             <a:spLocks noGrp="1"/>
           </p:cNvSpPr>
@@ -900,27 +818,29 @@
         <p:spPr>
           <a:xfrm>
             <a:off x="609480" y="1604520"/>
-            <a:ext cx="5354280" cy="3977280"/>
-          </a:xfrm>
-          <a:prstGeom prst="rect">
-            <a:avLst/>
-          </a:prstGeom>
-        </p:spPr>
-        <p:txBody>
-          <a:bodyPr lIns="0" tIns="0" rIns="0" bIns="0">
+            <a:ext cx="5354280" cy="3976920"/>
+          </a:xfrm>
+          <a:prstGeom prst="rect">
+            <a:avLst/>
+          </a:prstGeom>
+        </p:spPr>
+        <p:txBody>
+          <a:bodyPr lIns="0" rIns="0" tIns="0" bIns="0">
             <a:normAutofit/>
           </a:bodyPr>
-          <a:lstStyle/>
-          <a:p>
-            <a:endParaRPr lang="en-GB" sz="3200" b="0" strike="noStrike" spc="-1">
-              <a:latin typeface="Arial"/>
-            </a:endParaRPr>
-          </a:p>
-        </p:txBody>
-      </p:sp>
-      <p:sp>
-        <p:nvSpPr>
-          <p:cNvPr id="7" name="PlaceHolder 3"/>
+          <a:p>
+            <a:endParaRPr b="0" lang="en-US" sz="2800" spc="-1" strike="noStrike">
+              <a:solidFill>
+                <a:srgbClr val="000000"/>
+              </a:solidFill>
+              <a:latin typeface="Arial"/>
+            </a:endParaRPr>
+          </a:p>
+        </p:txBody>
+      </p:sp>
+      <p:sp>
+        <p:nvSpPr>
+          <p:cNvPr id="8" name="PlaceHolder 3"/>
           <p:cNvSpPr>
             <a:spLocks noGrp="1"/>
           </p:cNvSpPr>
@@ -931,19 +851,21 @@
         <p:spPr>
           <a:xfrm>
             <a:off x="6231960" y="1604520"/>
-            <a:ext cx="5354280" cy="3977280"/>
-          </a:xfrm>
-          <a:prstGeom prst="rect">
-            <a:avLst/>
-          </a:prstGeom>
-        </p:spPr>
-        <p:txBody>
-          <a:bodyPr lIns="0" tIns="0" rIns="0" bIns="0">
+            <a:ext cx="5354280" cy="3976920"/>
+          </a:xfrm>
+          <a:prstGeom prst="rect">
+            <a:avLst/>
+          </a:prstGeom>
+        </p:spPr>
+        <p:txBody>
+          <a:bodyPr lIns="0" rIns="0" tIns="0" bIns="0">
             <a:normAutofit/>
           </a:bodyPr>
-          <a:lstStyle/>
-          <a:p>
-            <a:endParaRPr lang="en-GB" sz="3200" b="0" strike="noStrike" spc="-1">
+          <a:p>
+            <a:endParaRPr b="0" lang="en-US" sz="2800" spc="-1" strike="noStrike">
+              <a:solidFill>
+                <a:srgbClr val="000000"/>
+              </a:solidFill>
               <a:latin typeface="Arial"/>
             </a:endParaRPr>
           </a:p>
@@ -951,14 +873,11 @@
       </p:sp>
     </p:spTree>
   </p:cSld>
-  <p:clrMapOvr>
-    <a:masterClrMapping/>
-  </p:clrMapOvr>
 </p:sldLayout>
 </file>
 
 <file path=ppt/slideLayouts/slideLayout5.xml><?xml version="1.0" encoding="utf-8"?>
-<p:sldLayout xmlns:a="http://schemas.openxmlformats.org/drawingml/2006/main" xmlns:r="http://schemas.openxmlformats.org/officeDocument/2006/relationships" xmlns:p="http://schemas.openxmlformats.org/presentationml/2006/main" type="titleOnly" preserve="1">
+<p:sldLayout xmlns:a="http://schemas.openxmlformats.org/drawingml/2006/main" xmlns:p="http://schemas.openxmlformats.org/presentationml/2006/main" xmlns:r="http://schemas.openxmlformats.org/officeDocument/2006/relationships" xmlns:p14="http://schemas.microsoft.com/office/powerpoint/2010/main" xmlns:p15="http://schemas.microsoft.com/office/powerpoint/2012/main" xmlns:mc="http://schemas.openxmlformats.org/markup-compatibility/2006" type="titleOnly" preserve="1">
   <p:cSld name="Title Only">
     <p:spTree>
       <p:nvGrpSpPr>
@@ -976,7 +895,7 @@
       </p:grpSpPr>
       <p:sp>
         <p:nvSpPr>
-          <p:cNvPr id="8" name="PlaceHolder 1"/>
+          <p:cNvPr id="9" name="PlaceHolder 1"/>
           <p:cNvSpPr>
             <a:spLocks noGrp="1"/>
           </p:cNvSpPr>
@@ -987,18 +906,19 @@
         <p:spPr>
           <a:xfrm>
             <a:off x="1523880" y="1122480"/>
-            <a:ext cx="9143280" cy="2386800"/>
-          </a:xfrm>
-          <a:prstGeom prst="rect">
-            <a:avLst/>
-          </a:prstGeom>
-        </p:spPr>
-        <p:txBody>
-          <a:bodyPr lIns="0" tIns="0" rIns="0" bIns="0" anchor="ctr"/>
-          <a:lstStyle/>
-          <a:p>
-            <a:pPr algn="ctr"/>
-            <a:endParaRPr lang="en-GB" sz="4400" b="0" strike="noStrike" spc="-1">
+            <a:ext cx="9142920" cy="2386440"/>
+          </a:xfrm>
+          <a:prstGeom prst="rect">
+            <a:avLst/>
+          </a:prstGeom>
+        </p:spPr>
+        <p:txBody>
+          <a:bodyPr lIns="0" rIns="0" tIns="0" bIns="0" anchor="ctr"/>
+          <a:p>
+            <a:endParaRPr b="0" lang="en-US" sz="1800" spc="-1" strike="noStrike">
+              <a:solidFill>
+                <a:srgbClr val="000000"/>
+              </a:solidFill>
               <a:latin typeface="Arial"/>
             </a:endParaRPr>
           </a:p>
@@ -1006,14 +926,11 @@
       </p:sp>
     </p:spTree>
   </p:cSld>
-  <p:clrMapOvr>
-    <a:masterClrMapping/>
-  </p:clrMapOvr>
 </p:sldLayout>
 </file>
 
 <file path=ppt/slideLayouts/slideLayout6.xml><?xml version="1.0" encoding="utf-8"?>
-<p:sldLayout xmlns:a="http://schemas.openxmlformats.org/drawingml/2006/main" xmlns:r="http://schemas.openxmlformats.org/officeDocument/2006/relationships" xmlns:p="http://schemas.openxmlformats.org/presentationml/2006/main" type="objOnly" preserve="1">
+<p:sldLayout xmlns:a="http://schemas.openxmlformats.org/drawingml/2006/main" xmlns:p="http://schemas.openxmlformats.org/presentationml/2006/main" xmlns:r="http://schemas.openxmlformats.org/officeDocument/2006/relationships" xmlns:p14="http://schemas.microsoft.com/office/powerpoint/2010/main" xmlns:p15="http://schemas.microsoft.com/office/powerpoint/2012/main" xmlns:mc="http://schemas.openxmlformats.org/markup-compatibility/2006" type="objOnly" preserve="1">
   <p:cSld name="Centered Text">
     <p:spTree>
       <p:nvGrpSpPr>
@@ -1031,7 +948,7 @@
       </p:grpSpPr>
       <p:sp>
         <p:nvSpPr>
-          <p:cNvPr id="9" name="PlaceHolder 1"/>
+          <p:cNvPr id="10" name="PlaceHolder 1"/>
           <p:cNvSpPr>
             <a:spLocks noGrp="1"/>
           </p:cNvSpPr>
@@ -1042,18 +959,17 @@
         <p:spPr>
           <a:xfrm>
             <a:off x="1523880" y="1122480"/>
-            <a:ext cx="9143280" cy="11064960"/>
-          </a:xfrm>
-          <a:prstGeom prst="rect">
-            <a:avLst/>
-          </a:prstGeom>
-        </p:spPr>
-        <p:txBody>
-          <a:bodyPr lIns="0" tIns="0" rIns="0" bIns="0" anchor="ctr"/>
-          <a:lstStyle/>
+            <a:ext cx="9142920" cy="11063520"/>
+          </a:xfrm>
+          <a:prstGeom prst="rect">
+            <a:avLst/>
+          </a:prstGeom>
+        </p:spPr>
+        <p:txBody>
+          <a:bodyPr lIns="0" rIns="0" tIns="0" bIns="0" anchor="ctr"/>
           <a:p>
             <a:pPr algn="ctr"/>
-            <a:endParaRPr lang="en-GB" sz="3200" b="0" strike="noStrike" spc="-1">
+            <a:endParaRPr b="0" lang="en-GB" sz="3200" spc="-1" strike="noStrike">
               <a:latin typeface="Arial"/>
             </a:endParaRPr>
           </a:p>
@@ -1061,14 +977,11 @@
       </p:sp>
     </p:spTree>
   </p:cSld>
-  <p:clrMapOvr>
-    <a:masterClrMapping/>
-  </p:clrMapOvr>
 </p:sldLayout>
 </file>
 
 <file path=ppt/slideLayouts/slideLayout7.xml><?xml version="1.0" encoding="utf-8"?>
-<p:sldLayout xmlns:a="http://schemas.openxmlformats.org/drawingml/2006/main" xmlns:r="http://schemas.openxmlformats.org/officeDocument/2006/relationships" xmlns:p="http://schemas.openxmlformats.org/presentationml/2006/main" type="twoObjAndObj" preserve="1">
+<p:sldLayout xmlns:a="http://schemas.openxmlformats.org/drawingml/2006/main" xmlns:p="http://schemas.openxmlformats.org/presentationml/2006/main" xmlns:r="http://schemas.openxmlformats.org/officeDocument/2006/relationships" xmlns:p14="http://schemas.microsoft.com/office/powerpoint/2010/main" xmlns:p15="http://schemas.microsoft.com/office/powerpoint/2012/main" xmlns:mc="http://schemas.openxmlformats.org/markup-compatibility/2006" type="twoObjAndObj" preserve="1">
   <p:cSld name="Title, 2 Content and Content">
     <p:spTree>
       <p:nvGrpSpPr>
@@ -1086,7 +999,7 @@
       </p:grpSpPr>
       <p:sp>
         <p:nvSpPr>
-          <p:cNvPr id="10" name="PlaceHolder 1"/>
+          <p:cNvPr id="11" name="PlaceHolder 1"/>
           <p:cNvSpPr>
             <a:spLocks noGrp="1"/>
           </p:cNvSpPr>
@@ -1097,26 +1010,27 @@
         <p:spPr>
           <a:xfrm>
             <a:off x="1523880" y="1122480"/>
-            <a:ext cx="9143280" cy="2386800"/>
-          </a:xfrm>
-          <a:prstGeom prst="rect">
-            <a:avLst/>
-          </a:prstGeom>
-        </p:spPr>
-        <p:txBody>
-          <a:bodyPr lIns="0" tIns="0" rIns="0" bIns="0" anchor="ctr"/>
-          <a:lstStyle/>
-          <a:p>
-            <a:pPr algn="ctr"/>
-            <a:endParaRPr lang="en-GB" sz="4400" b="0" strike="noStrike" spc="-1">
-              <a:latin typeface="Arial"/>
-            </a:endParaRPr>
-          </a:p>
-        </p:txBody>
-      </p:sp>
-      <p:sp>
-        <p:nvSpPr>
-          <p:cNvPr id="11" name="PlaceHolder 2"/>
+            <a:ext cx="9142920" cy="2386440"/>
+          </a:xfrm>
+          <a:prstGeom prst="rect">
+            <a:avLst/>
+          </a:prstGeom>
+        </p:spPr>
+        <p:txBody>
+          <a:bodyPr lIns="0" rIns="0" tIns="0" bIns="0" anchor="ctr"/>
+          <a:p>
+            <a:endParaRPr b="0" lang="en-US" sz="1800" spc="-1" strike="noStrike">
+              <a:solidFill>
+                <a:srgbClr val="000000"/>
+              </a:solidFill>
+              <a:latin typeface="Arial"/>
+            </a:endParaRPr>
+          </a:p>
+        </p:txBody>
+      </p:sp>
+      <p:sp>
+        <p:nvSpPr>
+          <p:cNvPr id="12" name="PlaceHolder 2"/>
           <p:cNvSpPr>
             <a:spLocks noGrp="1"/>
           </p:cNvSpPr>
@@ -1134,20 +1048,22 @@
           </a:prstGeom>
         </p:spPr>
         <p:txBody>
-          <a:bodyPr lIns="0" tIns="0" rIns="0" bIns="0">
+          <a:bodyPr lIns="0" rIns="0" tIns="0" bIns="0">
             <a:normAutofit/>
           </a:bodyPr>
-          <a:lstStyle/>
-          <a:p>
-            <a:endParaRPr lang="en-GB" sz="3200" b="0" strike="noStrike" spc="-1">
-              <a:latin typeface="Arial"/>
-            </a:endParaRPr>
-          </a:p>
-        </p:txBody>
-      </p:sp>
-      <p:sp>
-        <p:nvSpPr>
-          <p:cNvPr id="12" name="PlaceHolder 3"/>
+          <a:p>
+            <a:endParaRPr b="0" lang="en-US" sz="2800" spc="-1" strike="noStrike">
+              <a:solidFill>
+                <a:srgbClr val="000000"/>
+              </a:solidFill>
+              <a:latin typeface="Arial"/>
+            </a:endParaRPr>
+          </a:p>
+        </p:txBody>
+      </p:sp>
+      <p:sp>
+        <p:nvSpPr>
+          <p:cNvPr id="13" name="PlaceHolder 3"/>
           <p:cNvSpPr>
             <a:spLocks noGrp="1"/>
           </p:cNvSpPr>
@@ -1158,27 +1074,29 @@
         <p:spPr>
           <a:xfrm>
             <a:off x="6231960" y="1604520"/>
-            <a:ext cx="5354280" cy="3977280"/>
-          </a:xfrm>
-          <a:prstGeom prst="rect">
-            <a:avLst/>
-          </a:prstGeom>
-        </p:spPr>
-        <p:txBody>
-          <a:bodyPr lIns="0" tIns="0" rIns="0" bIns="0">
+            <a:ext cx="5354280" cy="3976920"/>
+          </a:xfrm>
+          <a:prstGeom prst="rect">
+            <a:avLst/>
+          </a:prstGeom>
+        </p:spPr>
+        <p:txBody>
+          <a:bodyPr lIns="0" rIns="0" tIns="0" bIns="0">
             <a:normAutofit/>
           </a:bodyPr>
-          <a:lstStyle/>
-          <a:p>
-            <a:endParaRPr lang="en-GB" sz="3200" b="0" strike="noStrike" spc="-1">
-              <a:latin typeface="Arial"/>
-            </a:endParaRPr>
-          </a:p>
-        </p:txBody>
-      </p:sp>
-      <p:sp>
-        <p:nvSpPr>
-          <p:cNvPr id="13" name="PlaceHolder 4"/>
+          <a:p>
+            <a:endParaRPr b="0" lang="en-US" sz="2800" spc="-1" strike="noStrike">
+              <a:solidFill>
+                <a:srgbClr val="000000"/>
+              </a:solidFill>
+              <a:latin typeface="Arial"/>
+            </a:endParaRPr>
+          </a:p>
+        </p:txBody>
+      </p:sp>
+      <p:sp>
+        <p:nvSpPr>
+          <p:cNvPr id="14" name="PlaceHolder 4"/>
           <p:cNvSpPr>
             <a:spLocks noGrp="1"/>
           </p:cNvSpPr>
@@ -1196,12 +1114,14 @@
           </a:prstGeom>
         </p:spPr>
         <p:txBody>
-          <a:bodyPr lIns="0" tIns="0" rIns="0" bIns="0">
+          <a:bodyPr lIns="0" rIns="0" tIns="0" bIns="0">
             <a:normAutofit/>
           </a:bodyPr>
-          <a:lstStyle/>
-          <a:p>
-            <a:endParaRPr lang="en-GB" sz="3200" b="0" strike="noStrike" spc="-1">
+          <a:p>
+            <a:endParaRPr b="0" lang="en-US" sz="2800" spc="-1" strike="noStrike">
+              <a:solidFill>
+                <a:srgbClr val="000000"/>
+              </a:solidFill>
               <a:latin typeface="Arial"/>
             </a:endParaRPr>
           </a:p>
@@ -1209,14 +1129,11 @@
       </p:sp>
     </p:spTree>
   </p:cSld>
-  <p:clrMapOvr>
-    <a:masterClrMapping/>
-  </p:clrMapOvr>
 </p:sldLayout>
 </file>
 
 <file path=ppt/slideLayouts/slideLayout8.xml><?xml version="1.0" encoding="utf-8"?>
-<p:sldLayout xmlns:a="http://schemas.openxmlformats.org/drawingml/2006/main" xmlns:r="http://schemas.openxmlformats.org/officeDocument/2006/relationships" xmlns:p="http://schemas.openxmlformats.org/presentationml/2006/main" type="objAndTwoObj" preserve="1">
+<p:sldLayout xmlns:a="http://schemas.openxmlformats.org/drawingml/2006/main" xmlns:p="http://schemas.openxmlformats.org/presentationml/2006/main" xmlns:r="http://schemas.openxmlformats.org/officeDocument/2006/relationships" xmlns:p14="http://schemas.microsoft.com/office/powerpoint/2010/main" xmlns:p15="http://schemas.microsoft.com/office/powerpoint/2012/main" xmlns:mc="http://schemas.openxmlformats.org/markup-compatibility/2006" type="objAndTwoObj" preserve="1">
   <p:cSld name="Title Content and 2 Content">
     <p:spTree>
       <p:nvGrpSpPr>
@@ -1234,7 +1151,7 @@
       </p:grpSpPr>
       <p:sp>
         <p:nvSpPr>
-          <p:cNvPr id="14" name="PlaceHolder 1"/>
+          <p:cNvPr id="15" name="PlaceHolder 1"/>
           <p:cNvSpPr>
             <a:spLocks noGrp="1"/>
           </p:cNvSpPr>
@@ -1245,26 +1162,27 @@
         <p:spPr>
           <a:xfrm>
             <a:off x="1523880" y="1122480"/>
-            <a:ext cx="9143280" cy="2386800"/>
-          </a:xfrm>
-          <a:prstGeom prst="rect">
-            <a:avLst/>
-          </a:prstGeom>
-        </p:spPr>
-        <p:txBody>
-          <a:bodyPr lIns="0" tIns="0" rIns="0" bIns="0" anchor="ctr"/>
-          <a:lstStyle/>
-          <a:p>
-            <a:pPr algn="ctr"/>
-            <a:endParaRPr lang="en-GB" sz="4400" b="0" strike="noStrike" spc="-1">
-              <a:latin typeface="Arial"/>
-            </a:endParaRPr>
-          </a:p>
-        </p:txBody>
-      </p:sp>
-      <p:sp>
-        <p:nvSpPr>
-          <p:cNvPr id="15" name="PlaceHolder 2"/>
+            <a:ext cx="9142920" cy="2386440"/>
+          </a:xfrm>
+          <a:prstGeom prst="rect">
+            <a:avLst/>
+          </a:prstGeom>
+        </p:spPr>
+        <p:txBody>
+          <a:bodyPr lIns="0" rIns="0" tIns="0" bIns="0" anchor="ctr"/>
+          <a:p>
+            <a:endParaRPr b="0" lang="en-US" sz="1800" spc="-1" strike="noStrike">
+              <a:solidFill>
+                <a:srgbClr val="000000"/>
+              </a:solidFill>
+              <a:latin typeface="Arial"/>
+            </a:endParaRPr>
+          </a:p>
+        </p:txBody>
+      </p:sp>
+      <p:sp>
+        <p:nvSpPr>
+          <p:cNvPr id="16" name="PlaceHolder 2"/>
           <p:cNvSpPr>
             <a:spLocks noGrp="1"/>
           </p:cNvSpPr>
@@ -1275,27 +1193,29 @@
         <p:spPr>
           <a:xfrm>
             <a:off x="609480" y="1604520"/>
-            <a:ext cx="5354280" cy="3977280"/>
-          </a:xfrm>
-          <a:prstGeom prst="rect">
-            <a:avLst/>
-          </a:prstGeom>
-        </p:spPr>
-        <p:txBody>
-          <a:bodyPr lIns="0" tIns="0" rIns="0" bIns="0">
+            <a:ext cx="5354280" cy="3976920"/>
+          </a:xfrm>
+          <a:prstGeom prst="rect">
+            <a:avLst/>
+          </a:prstGeom>
+        </p:spPr>
+        <p:txBody>
+          <a:bodyPr lIns="0" rIns="0" tIns="0" bIns="0">
             <a:normAutofit/>
           </a:bodyPr>
-          <a:lstStyle/>
-          <a:p>
-            <a:endParaRPr lang="en-GB" sz="3200" b="0" strike="noStrike" spc="-1">
-              <a:latin typeface="Arial"/>
-            </a:endParaRPr>
-          </a:p>
-        </p:txBody>
-      </p:sp>
-      <p:sp>
-        <p:nvSpPr>
-          <p:cNvPr id="16" name="PlaceHolder 3"/>
+          <a:p>
+            <a:endParaRPr b="0" lang="en-US" sz="2800" spc="-1" strike="noStrike">
+              <a:solidFill>
+                <a:srgbClr val="000000"/>
+              </a:solidFill>
+              <a:latin typeface="Arial"/>
+            </a:endParaRPr>
+          </a:p>
+        </p:txBody>
+      </p:sp>
+      <p:sp>
+        <p:nvSpPr>
+          <p:cNvPr id="17" name="PlaceHolder 3"/>
           <p:cNvSpPr>
             <a:spLocks noGrp="1"/>
           </p:cNvSpPr>
@@ -1313,20 +1233,22 @@
           </a:prstGeom>
         </p:spPr>
         <p:txBody>
-          <a:bodyPr lIns="0" tIns="0" rIns="0" bIns="0">
+          <a:bodyPr lIns="0" rIns="0" tIns="0" bIns="0">
             <a:normAutofit/>
           </a:bodyPr>
-          <a:lstStyle/>
-          <a:p>
-            <a:endParaRPr lang="en-GB" sz="3200" b="0" strike="noStrike" spc="-1">
-              <a:latin typeface="Arial"/>
-            </a:endParaRPr>
-          </a:p>
-        </p:txBody>
-      </p:sp>
-      <p:sp>
-        <p:nvSpPr>
-          <p:cNvPr id="17" name="PlaceHolder 4"/>
+          <a:p>
+            <a:endParaRPr b="0" lang="en-US" sz="2800" spc="-1" strike="noStrike">
+              <a:solidFill>
+                <a:srgbClr val="000000"/>
+              </a:solidFill>
+              <a:latin typeface="Arial"/>
+            </a:endParaRPr>
+          </a:p>
+        </p:txBody>
+      </p:sp>
+      <p:sp>
+        <p:nvSpPr>
+          <p:cNvPr id="18" name="PlaceHolder 4"/>
           <p:cNvSpPr>
             <a:spLocks noGrp="1"/>
           </p:cNvSpPr>
@@ -1344,12 +1266,14 @@
           </a:prstGeom>
         </p:spPr>
         <p:txBody>
-          <a:bodyPr lIns="0" tIns="0" rIns="0" bIns="0">
+          <a:bodyPr lIns="0" rIns="0" tIns="0" bIns="0">
             <a:normAutofit/>
           </a:bodyPr>
-          <a:lstStyle/>
-          <a:p>
-            <a:endParaRPr lang="en-GB" sz="3200" b="0" strike="noStrike" spc="-1">
+          <a:p>
+            <a:endParaRPr b="0" lang="en-US" sz="2800" spc="-1" strike="noStrike">
+              <a:solidFill>
+                <a:srgbClr val="000000"/>
+              </a:solidFill>
               <a:latin typeface="Arial"/>
             </a:endParaRPr>
           </a:p>
@@ -1357,14 +1281,11 @@
       </p:sp>
     </p:spTree>
   </p:cSld>
-  <p:clrMapOvr>
-    <a:masterClrMapping/>
-  </p:clrMapOvr>
 </p:sldLayout>
 </file>
 
 <file path=ppt/slideLayouts/slideLayout9.xml><?xml version="1.0" encoding="utf-8"?>
-<p:sldLayout xmlns:a="http://schemas.openxmlformats.org/drawingml/2006/main" xmlns:r="http://schemas.openxmlformats.org/officeDocument/2006/relationships" xmlns:p="http://schemas.openxmlformats.org/presentationml/2006/main" type="twoObjOverTx" preserve="1">
+<p:sldLayout xmlns:a="http://schemas.openxmlformats.org/drawingml/2006/main" xmlns:p="http://schemas.openxmlformats.org/presentationml/2006/main" xmlns:r="http://schemas.openxmlformats.org/officeDocument/2006/relationships" xmlns:p14="http://schemas.microsoft.com/office/powerpoint/2010/main" xmlns:p15="http://schemas.microsoft.com/office/powerpoint/2012/main" xmlns:mc="http://schemas.openxmlformats.org/markup-compatibility/2006" type="twoObjOverTx" preserve="1">
   <p:cSld name="Title, 2 Content over Content">
     <p:spTree>
       <p:nvGrpSpPr>
@@ -1382,7 +1303,7 @@
       </p:grpSpPr>
       <p:sp>
         <p:nvSpPr>
-          <p:cNvPr id="18" name="PlaceHolder 1"/>
+          <p:cNvPr id="19" name="PlaceHolder 1"/>
           <p:cNvSpPr>
             <a:spLocks noGrp="1"/>
           </p:cNvSpPr>
@@ -1393,26 +1314,27 @@
         <p:spPr>
           <a:xfrm>
             <a:off x="1523880" y="1122480"/>
-            <a:ext cx="9143280" cy="2386800"/>
-          </a:xfrm>
-          <a:prstGeom prst="rect">
-            <a:avLst/>
-          </a:prstGeom>
-        </p:spPr>
-        <p:txBody>
-          <a:bodyPr lIns="0" tIns="0" rIns="0" bIns="0" anchor="ctr"/>
-          <a:lstStyle/>
-          <a:p>
-            <a:pPr algn="ctr"/>
-            <a:endParaRPr lang="en-GB" sz="4400" b="0" strike="noStrike" spc="-1">
-              <a:latin typeface="Arial"/>
-            </a:endParaRPr>
-          </a:p>
-        </p:txBody>
-      </p:sp>
-      <p:sp>
-        <p:nvSpPr>
-          <p:cNvPr id="19" name="PlaceHolder 2"/>
+            <a:ext cx="9142920" cy="2386440"/>
+          </a:xfrm>
+          <a:prstGeom prst="rect">
+            <a:avLst/>
+          </a:prstGeom>
+        </p:spPr>
+        <p:txBody>
+          <a:bodyPr lIns="0" rIns="0" tIns="0" bIns="0" anchor="ctr"/>
+          <a:p>
+            <a:endParaRPr b="0" lang="en-US" sz="1800" spc="-1" strike="noStrike">
+              <a:solidFill>
+                <a:srgbClr val="000000"/>
+              </a:solidFill>
+              <a:latin typeface="Arial"/>
+            </a:endParaRPr>
+          </a:p>
+        </p:txBody>
+      </p:sp>
+      <p:sp>
+        <p:nvSpPr>
+          <p:cNvPr id="20" name="PlaceHolder 2"/>
           <p:cNvSpPr>
             <a:spLocks noGrp="1"/>
           </p:cNvSpPr>
@@ -1430,20 +1352,22 @@
           </a:prstGeom>
         </p:spPr>
         <p:txBody>
-          <a:bodyPr lIns="0" tIns="0" rIns="0" bIns="0">
+          <a:bodyPr lIns="0" rIns="0" tIns="0" bIns="0">
             <a:normAutofit/>
           </a:bodyPr>
-          <a:lstStyle/>
-          <a:p>
-            <a:endParaRPr lang="en-GB" sz="3200" b="0" strike="noStrike" spc="-1">
-              <a:latin typeface="Arial"/>
-            </a:endParaRPr>
-          </a:p>
-        </p:txBody>
-      </p:sp>
-      <p:sp>
-        <p:nvSpPr>
-          <p:cNvPr id="20" name="PlaceHolder 3"/>
+          <a:p>
+            <a:endParaRPr b="0" lang="en-US" sz="2800" spc="-1" strike="noStrike">
+              <a:solidFill>
+                <a:srgbClr val="000000"/>
+              </a:solidFill>
+              <a:latin typeface="Arial"/>
+            </a:endParaRPr>
+          </a:p>
+        </p:txBody>
+      </p:sp>
+      <p:sp>
+        <p:nvSpPr>
+          <p:cNvPr id="21" name="PlaceHolder 3"/>
           <p:cNvSpPr>
             <a:spLocks noGrp="1"/>
           </p:cNvSpPr>
@@ -1461,20 +1385,22 @@
           </a:prstGeom>
         </p:spPr>
         <p:txBody>
-          <a:bodyPr lIns="0" tIns="0" rIns="0" bIns="0">
+          <a:bodyPr lIns="0" rIns="0" tIns="0" bIns="0">
             <a:normAutofit/>
           </a:bodyPr>
-          <a:lstStyle/>
-          <a:p>
-            <a:endParaRPr lang="en-GB" sz="3200" b="0" strike="noStrike" spc="-1">
-              <a:latin typeface="Arial"/>
-            </a:endParaRPr>
-          </a:p>
-        </p:txBody>
-      </p:sp>
-      <p:sp>
-        <p:nvSpPr>
-          <p:cNvPr id="21" name="PlaceHolder 4"/>
+          <a:p>
+            <a:endParaRPr b="0" lang="en-US" sz="2800" spc="-1" strike="noStrike">
+              <a:solidFill>
+                <a:srgbClr val="000000"/>
+              </a:solidFill>
+              <a:latin typeface="Arial"/>
+            </a:endParaRPr>
+          </a:p>
+        </p:txBody>
+      </p:sp>
+      <p:sp>
+        <p:nvSpPr>
+          <p:cNvPr id="22" name="PlaceHolder 4"/>
           <p:cNvSpPr>
             <a:spLocks noGrp="1"/>
           </p:cNvSpPr>
@@ -1485,19 +1411,21 @@
         <p:spPr>
           <a:xfrm>
             <a:off x="609480" y="3682080"/>
-            <a:ext cx="10972440" cy="1896840"/>
-          </a:xfrm>
-          <a:prstGeom prst="rect">
-            <a:avLst/>
-          </a:prstGeom>
-        </p:spPr>
-        <p:txBody>
-          <a:bodyPr lIns="0" tIns="0" rIns="0" bIns="0">
+            <a:ext cx="10972080" cy="1896840"/>
+          </a:xfrm>
+          <a:prstGeom prst="rect">
+            <a:avLst/>
+          </a:prstGeom>
+        </p:spPr>
+        <p:txBody>
+          <a:bodyPr lIns="0" rIns="0" tIns="0" bIns="0">
             <a:normAutofit/>
           </a:bodyPr>
-          <a:lstStyle/>
-          <a:p>
-            <a:endParaRPr lang="en-GB" sz="3200" b="0" strike="noStrike" spc="-1">
+          <a:p>
+            <a:endParaRPr b="0" lang="en-US" sz="2800" spc="-1" strike="noStrike">
+              <a:solidFill>
+                <a:srgbClr val="000000"/>
+              </a:solidFill>
               <a:latin typeface="Arial"/>
             </a:endParaRPr>
           </a:p>
@@ -1505,21 +1433,17 @@
       </p:sp>
     </p:spTree>
   </p:cSld>
-  <p:clrMapOvr>
-    <a:masterClrMapping/>
-  </p:clrMapOvr>
 </p:sldLayout>
 </file>
 
 <file path=ppt/slideMasters/slideMaster1.xml><?xml version="1.0" encoding="utf-8"?>
-<p:sldMaster xmlns:a="http://schemas.openxmlformats.org/drawingml/2006/main" xmlns:r="http://schemas.openxmlformats.org/officeDocument/2006/relationships" xmlns:p="http://schemas.openxmlformats.org/presentationml/2006/main">
+<p:sldMaster xmlns:a="http://schemas.openxmlformats.org/drawingml/2006/main" xmlns:p="http://schemas.openxmlformats.org/presentationml/2006/main" xmlns:r="http://schemas.openxmlformats.org/officeDocument/2006/relationships" xmlns:p14="http://schemas.microsoft.com/office/powerpoint/2010/main" xmlns:p15="http://schemas.microsoft.com/office/powerpoint/2012/main" xmlns:mc="http://schemas.openxmlformats.org/markup-compatibility/2006">
   <p:cSld>
     <p:bg>
       <p:bgPr>
         <a:solidFill>
-          <a:srgbClr val="FFFFFF"/>
+          <a:srgbClr val="ffffff"/>
         </a:solidFill>
-        <a:effectLst/>
       </p:bgPr>
     </p:bg>
     <p:spTree>
@@ -1538,7 +1462,7 @@
       </p:grpSpPr>
       <p:sp>
         <p:nvSpPr>
-          <p:cNvPr id="2" name="PlaceHolder 1"/>
+          <p:cNvPr id="0" name="PlaceHolder 1"/>
           <p:cNvSpPr>
             <a:spLocks noGrp="1"/>
           </p:cNvSpPr>
@@ -1549,327 +1473,276 @@
         <p:spPr>
           <a:xfrm>
             <a:off x="1523880" y="1122480"/>
-            <a:ext cx="9143280" cy="2386800"/>
-          </a:xfrm>
-          <a:prstGeom prst="rect">
-            <a:avLst/>
-          </a:prstGeom>
-        </p:spPr>
-        <p:txBody>
-          <a:bodyPr lIns="0" tIns="0" rIns="0" bIns="0" anchor="ctr"/>
-          <a:lstStyle/>
+            <a:ext cx="9142920" cy="2386440"/>
+          </a:xfrm>
+          <a:prstGeom prst="rect">
+            <a:avLst/>
+          </a:prstGeom>
+        </p:spPr>
+        <p:txBody>
+          <a:bodyPr lIns="0" rIns="0" tIns="0" bIns="0" anchor="ctr"/>
           <a:p>
             <a:r>
-              <a:rPr lang="en-GB" sz="1800" b="0" strike="noStrike" spc="-1">
+              <a:rPr b="0" lang="en-US" sz="4400" spc="-1" strike="noStrike">
+                <a:solidFill>
+                  <a:srgbClr val="000000"/>
+                </a:solidFill>
                 <a:latin typeface="Arial"/>
               </a:rPr>
               <a:t>Click to edit the title text format</a:t>
             </a:r>
+            <a:endParaRPr b="0" lang="en-US" sz="4400" spc="-1" strike="noStrike">
+              <a:solidFill>
+                <a:srgbClr val="000000"/>
+              </a:solidFill>
+              <a:latin typeface="Arial"/>
+            </a:endParaRPr>
+          </a:p>
+        </p:txBody>
+      </p:sp>
+      <p:sp>
+        <p:nvSpPr>
+          <p:cNvPr id="1" name="PlaceHolder 2"/>
+          <p:cNvSpPr>
+            <a:spLocks noGrp="1"/>
+          </p:cNvSpPr>
+          <p:nvPr>
+            <p:ph type="body"/>
+          </p:nvPr>
+        </p:nvSpPr>
+        <p:spPr>
+          <a:xfrm>
+            <a:off x="609480" y="1604520"/>
+            <a:ext cx="10972080" cy="3976920"/>
+          </a:xfrm>
+          <a:prstGeom prst="rect">
+            <a:avLst/>
+          </a:prstGeom>
+        </p:spPr>
+        <p:txBody>
+          <a:bodyPr lIns="0" rIns="0" tIns="0" bIns="0">
+            <a:normAutofit/>
+          </a:bodyPr>
+          <a:p>
+            <a:pPr marL="432000" indent="-324000">
+              <a:spcBef>
+                <a:spcPts val="1417"/>
+              </a:spcBef>
+              <a:buClr>
+                <a:srgbClr val="000000"/>
+              </a:buClr>
+              <a:buSzPct val="45000"/>
+              <a:buFont typeface="Wingdings" charset="2"/>
+              <a:buChar char=""/>
+            </a:pPr>
+            <a:r>
+              <a:rPr b="0" lang="en-US" sz="2800" spc="-1" strike="noStrike">
+                <a:solidFill>
+                  <a:srgbClr val="000000"/>
+                </a:solidFill>
+                <a:latin typeface="Arial"/>
+              </a:rPr>
+              <a:t>Click to edit the outline text format</a:t>
+            </a:r>
+            <a:endParaRPr b="0" lang="en-US" sz="2800" spc="-1" strike="noStrike">
+              <a:solidFill>
+                <a:srgbClr val="000000"/>
+              </a:solidFill>
+              <a:latin typeface="Arial"/>
+            </a:endParaRPr>
+          </a:p>
+          <a:p>
+            <a:pPr lvl="1" marL="864000" indent="-324000">
+              <a:spcBef>
+                <a:spcPts val="1134"/>
+              </a:spcBef>
+              <a:buClr>
+                <a:srgbClr val="000000"/>
+              </a:buClr>
+              <a:buSzPct val="75000"/>
+              <a:buFont typeface="Symbol" charset="2"/>
+              <a:buChar char=""/>
+            </a:pPr>
+            <a:r>
+              <a:rPr b="0" lang="en-US" sz="2800" spc="-1" strike="noStrike">
+                <a:solidFill>
+                  <a:srgbClr val="000000"/>
+                </a:solidFill>
+                <a:latin typeface="Arial"/>
+              </a:rPr>
+              <a:t>Second Outline Level</a:t>
+            </a:r>
+            <a:endParaRPr b="0" lang="en-US" sz="2800" spc="-1" strike="noStrike">
+              <a:solidFill>
+                <a:srgbClr val="000000"/>
+              </a:solidFill>
+              <a:latin typeface="Arial"/>
+            </a:endParaRPr>
+          </a:p>
+          <a:p>
+            <a:pPr lvl="2" marL="1296000" indent="-288000">
+              <a:spcBef>
+                <a:spcPts val="850"/>
+              </a:spcBef>
+              <a:buClr>
+                <a:srgbClr val="000000"/>
+              </a:buClr>
+              <a:buSzPct val="45000"/>
+              <a:buFont typeface="Wingdings" charset="2"/>
+              <a:buChar char=""/>
+            </a:pPr>
+            <a:r>
+              <a:rPr b="0" lang="en-US" sz="2800" spc="-1" strike="noStrike">
+                <a:solidFill>
+                  <a:srgbClr val="000000"/>
+                </a:solidFill>
+                <a:latin typeface="Arial"/>
+              </a:rPr>
+              <a:t>Third Outline Level</a:t>
+            </a:r>
+            <a:endParaRPr b="0" lang="en-US" sz="2800" spc="-1" strike="noStrike">
+              <a:solidFill>
+                <a:srgbClr val="000000"/>
+              </a:solidFill>
+              <a:latin typeface="Arial"/>
+            </a:endParaRPr>
+          </a:p>
+          <a:p>
+            <a:pPr lvl="3" marL="1728000" indent="-216000">
+              <a:spcBef>
+                <a:spcPts val="567"/>
+              </a:spcBef>
+              <a:buClr>
+                <a:srgbClr val="000000"/>
+              </a:buClr>
+              <a:buSzPct val="75000"/>
+              <a:buFont typeface="Symbol" charset="2"/>
+              <a:buChar char=""/>
+            </a:pPr>
+            <a:r>
+              <a:rPr b="0" lang="en-US" sz="2800" spc="-1" strike="noStrike">
+                <a:solidFill>
+                  <a:srgbClr val="000000"/>
+                </a:solidFill>
+                <a:latin typeface="Arial"/>
+              </a:rPr>
+              <a:t>Fourth Outline Level</a:t>
+            </a:r>
+            <a:endParaRPr b="0" lang="en-US" sz="2800" spc="-1" strike="noStrike">
+              <a:solidFill>
+                <a:srgbClr val="000000"/>
+              </a:solidFill>
+              <a:latin typeface="Arial"/>
+            </a:endParaRPr>
+          </a:p>
+          <a:p>
+            <a:pPr lvl="4" marL="2160000" indent="-216000">
+              <a:spcBef>
+                <a:spcPts val="283"/>
+              </a:spcBef>
+              <a:buClr>
+                <a:srgbClr val="000000"/>
+              </a:buClr>
+              <a:buSzPct val="45000"/>
+              <a:buFont typeface="Wingdings" charset="2"/>
+              <a:buChar char=""/>
+            </a:pPr>
+            <a:r>
+              <a:rPr b="0" lang="en-US" sz="2800" spc="-1" strike="noStrike">
+                <a:solidFill>
+                  <a:srgbClr val="000000"/>
+                </a:solidFill>
+                <a:latin typeface="Arial"/>
+              </a:rPr>
+              <a:t>Fifth Outline Level</a:t>
+            </a:r>
+            <a:endParaRPr b="0" lang="en-US" sz="2800" spc="-1" strike="noStrike">
+              <a:solidFill>
+                <a:srgbClr val="000000"/>
+              </a:solidFill>
+              <a:latin typeface="Arial"/>
+            </a:endParaRPr>
+          </a:p>
+          <a:p>
+            <a:pPr lvl="5" marL="2592000" indent="-216000">
+              <a:spcBef>
+                <a:spcPts val="283"/>
+              </a:spcBef>
+              <a:buClr>
+                <a:srgbClr val="000000"/>
+              </a:buClr>
+              <a:buSzPct val="45000"/>
+              <a:buFont typeface="Wingdings" charset="2"/>
+              <a:buChar char=""/>
+            </a:pPr>
+            <a:r>
+              <a:rPr b="0" lang="en-US" sz="2800" spc="-1" strike="noStrike">
+                <a:solidFill>
+                  <a:srgbClr val="000000"/>
+                </a:solidFill>
+                <a:latin typeface="Arial"/>
+              </a:rPr>
+              <a:t>Sixth Outline Level</a:t>
+            </a:r>
+            <a:endParaRPr b="0" lang="en-US" sz="2800" spc="-1" strike="noStrike">
+              <a:solidFill>
+                <a:srgbClr val="000000"/>
+              </a:solidFill>
+              <a:latin typeface="Arial"/>
+            </a:endParaRPr>
+          </a:p>
+          <a:p>
+            <a:pPr lvl="6" marL="3024000" indent="-216000">
+              <a:spcBef>
+                <a:spcPts val="283"/>
+              </a:spcBef>
+              <a:buClr>
+                <a:srgbClr val="000000"/>
+              </a:buClr>
+              <a:buSzPct val="45000"/>
+              <a:buFont typeface="Wingdings" charset="2"/>
+              <a:buChar char=""/>
+            </a:pPr>
+            <a:r>
+              <a:rPr b="0" lang="en-US" sz="2800" spc="-1" strike="noStrike">
+                <a:solidFill>
+                  <a:srgbClr val="000000"/>
+                </a:solidFill>
+                <a:latin typeface="Arial"/>
+              </a:rPr>
+              <a:t>Seventh Outline Level</a:t>
+            </a:r>
+            <a:endParaRPr b="0" lang="en-US" sz="2800" spc="-1" strike="noStrike">
+              <a:solidFill>
+                <a:srgbClr val="000000"/>
+              </a:solidFill>
+              <a:latin typeface="Arial"/>
+            </a:endParaRPr>
           </a:p>
         </p:txBody>
       </p:sp>
     </p:spTree>
   </p:cSld>
-  <p:clrMap bg1="lt1" tx1="dk1" bg2="lt2" tx2="dk2" accent1="accent1" accent2="accent2" accent3="accent3" accent4="accent4" accent5="accent5" accent6="accent6" hlink="hlink" folHlink="folHlink"/>
+  <p:clrMap bg1="lt1" bg2="lt2" tx1="dk1" tx2="dk2" accent1="accent1" accent2="accent2" accent3="accent3" accent4="accent4" accent5="accent5" accent6="accent6" hlink="hlink" folHlink="folHlink"/>
   <p:sldLayoutIdLst>
-    <p:sldLayoutId id="2147483649" r:id="rId1"/>
-    <p:sldLayoutId id="2147483650" r:id="rId2"/>
-    <p:sldLayoutId id="2147483651" r:id="rId3"/>
-    <p:sldLayoutId id="2147483652" r:id="rId4"/>
-    <p:sldLayoutId id="2147483653" r:id="rId5"/>
-    <p:sldLayoutId id="2147483654" r:id="rId6"/>
-    <p:sldLayoutId id="2147483655" r:id="rId7"/>
-    <p:sldLayoutId id="2147483656" r:id="rId8"/>
-    <p:sldLayoutId id="2147483657" r:id="rId9"/>
-    <p:sldLayoutId id="2147483658" r:id="rId10"/>
-    <p:sldLayoutId id="2147483659" r:id="rId11"/>
-    <p:sldLayoutId id="2147483660" r:id="rId12"/>
+    <p:sldLayoutId id="2147483649" r:id="rId2"/>
+    <p:sldLayoutId id="2147483650" r:id="rId3"/>
+    <p:sldLayoutId id="2147483651" r:id="rId4"/>
+    <p:sldLayoutId id="2147483652" r:id="rId5"/>
+    <p:sldLayoutId id="2147483653" r:id="rId6"/>
+    <p:sldLayoutId id="2147483654" r:id="rId7"/>
+    <p:sldLayoutId id="2147483655" r:id="rId8"/>
+    <p:sldLayoutId id="2147483656" r:id="rId9"/>
+    <p:sldLayoutId id="2147483657" r:id="rId10"/>
+    <p:sldLayoutId id="2147483658" r:id="rId11"/>
+    <p:sldLayoutId id="2147483659" r:id="rId12"/>
+    <p:sldLayoutId id="2147483660" r:id="rId13"/>
   </p:sldLayoutIdLst>
-  <p:txStyles>
-    <p:titleStyle>
-      <a:lvl1pPr algn="l" defTabSz="914400" rtl="0" eaLnBrk="1" latinLnBrk="0" hangingPunct="1">
-        <a:lnSpc>
-          <a:spcPct val="90000"/>
-        </a:lnSpc>
-        <a:spcBef>
-          <a:spcPct val="0"/>
-        </a:spcBef>
-        <a:buNone/>
-        <a:defRPr sz="4400" kern="1200">
-          <a:solidFill>
-            <a:schemeClr val="tx1"/>
-          </a:solidFill>
-          <a:latin typeface="+mj-lt"/>
-          <a:ea typeface="+mj-ea"/>
-          <a:cs typeface="+mj-cs"/>
-        </a:defRPr>
-      </a:lvl1pPr>
-    </p:titleStyle>
-    <p:bodyStyle>
-      <a:lvl1pPr marL="228600" indent="-228600" algn="l" defTabSz="914400" rtl="0" eaLnBrk="1" latinLnBrk="0" hangingPunct="1">
-        <a:lnSpc>
-          <a:spcPct val="90000"/>
-        </a:lnSpc>
-        <a:spcBef>
-          <a:spcPts val="1000"/>
-        </a:spcBef>
-        <a:buFont typeface="Arial" panose="020B0604020202020204" pitchFamily="34" charset="0"/>
-        <a:buChar char="•"/>
-        <a:defRPr sz="2800" kern="1200">
-          <a:solidFill>
-            <a:schemeClr val="tx1"/>
-          </a:solidFill>
-          <a:latin typeface="+mn-lt"/>
-          <a:ea typeface="+mn-ea"/>
-          <a:cs typeface="+mn-cs"/>
-        </a:defRPr>
-      </a:lvl1pPr>
-      <a:lvl2pPr marL="685800" indent="-228600" algn="l" defTabSz="914400" rtl="0" eaLnBrk="1" latinLnBrk="0" hangingPunct="1">
-        <a:lnSpc>
-          <a:spcPct val="90000"/>
-        </a:lnSpc>
-        <a:spcBef>
-          <a:spcPts val="500"/>
-        </a:spcBef>
-        <a:buFont typeface="Arial" panose="020B0604020202020204" pitchFamily="34" charset="0"/>
-        <a:buChar char="•"/>
-        <a:defRPr sz="2400" kern="1200">
-          <a:solidFill>
-            <a:schemeClr val="tx1"/>
-          </a:solidFill>
-          <a:latin typeface="+mn-lt"/>
-          <a:ea typeface="+mn-ea"/>
-          <a:cs typeface="+mn-cs"/>
-        </a:defRPr>
-      </a:lvl2pPr>
-      <a:lvl3pPr marL="1143000" indent="-228600" algn="l" defTabSz="914400" rtl="0" eaLnBrk="1" latinLnBrk="0" hangingPunct="1">
-        <a:lnSpc>
-          <a:spcPct val="90000"/>
-        </a:lnSpc>
-        <a:spcBef>
-          <a:spcPts val="500"/>
-        </a:spcBef>
-        <a:buFont typeface="Arial" panose="020B0604020202020204" pitchFamily="34" charset="0"/>
-        <a:buChar char="•"/>
-        <a:defRPr sz="2000" kern="1200">
-          <a:solidFill>
-            <a:schemeClr val="tx1"/>
-          </a:solidFill>
-          <a:latin typeface="+mn-lt"/>
-          <a:ea typeface="+mn-ea"/>
-          <a:cs typeface="+mn-cs"/>
-        </a:defRPr>
-      </a:lvl3pPr>
-      <a:lvl4pPr marL="1600200" indent="-228600" algn="l" defTabSz="914400" rtl="0" eaLnBrk="1" latinLnBrk="0" hangingPunct="1">
-        <a:lnSpc>
-          <a:spcPct val="90000"/>
-        </a:lnSpc>
-        <a:spcBef>
-          <a:spcPts val="500"/>
-        </a:spcBef>
-        <a:buFont typeface="Arial" panose="020B0604020202020204" pitchFamily="34" charset="0"/>
-        <a:buChar char="•"/>
-        <a:defRPr sz="1800" kern="1200">
-          <a:solidFill>
-            <a:schemeClr val="tx1"/>
-          </a:solidFill>
-          <a:latin typeface="+mn-lt"/>
-          <a:ea typeface="+mn-ea"/>
-          <a:cs typeface="+mn-cs"/>
-        </a:defRPr>
-      </a:lvl4pPr>
-      <a:lvl5pPr marL="2057400" indent="-228600" algn="l" defTabSz="914400" rtl="0" eaLnBrk="1" latinLnBrk="0" hangingPunct="1">
-        <a:lnSpc>
-          <a:spcPct val="90000"/>
-        </a:lnSpc>
-        <a:spcBef>
-          <a:spcPts val="500"/>
-        </a:spcBef>
-        <a:buFont typeface="Arial" panose="020B0604020202020204" pitchFamily="34" charset="0"/>
-        <a:buChar char="•"/>
-        <a:defRPr sz="1800" kern="1200">
-          <a:solidFill>
-            <a:schemeClr val="tx1"/>
-          </a:solidFill>
-          <a:latin typeface="+mn-lt"/>
-          <a:ea typeface="+mn-ea"/>
-          <a:cs typeface="+mn-cs"/>
-        </a:defRPr>
-      </a:lvl5pPr>
-      <a:lvl6pPr marL="2514600" indent="-228600" algn="l" defTabSz="914400" rtl="0" eaLnBrk="1" latinLnBrk="0" hangingPunct="1">
-        <a:lnSpc>
-          <a:spcPct val="90000"/>
-        </a:lnSpc>
-        <a:spcBef>
-          <a:spcPts val="500"/>
-        </a:spcBef>
-        <a:buFont typeface="Arial" panose="020B0604020202020204" pitchFamily="34" charset="0"/>
-        <a:buChar char="•"/>
-        <a:defRPr sz="1800" kern="1200">
-          <a:solidFill>
-            <a:schemeClr val="tx1"/>
-          </a:solidFill>
-          <a:latin typeface="+mn-lt"/>
-          <a:ea typeface="+mn-ea"/>
-          <a:cs typeface="+mn-cs"/>
-        </a:defRPr>
-      </a:lvl6pPr>
-      <a:lvl7pPr marL="2971800" indent="-228600" algn="l" defTabSz="914400" rtl="0" eaLnBrk="1" latinLnBrk="0" hangingPunct="1">
-        <a:lnSpc>
-          <a:spcPct val="90000"/>
-        </a:lnSpc>
-        <a:spcBef>
-          <a:spcPts val="500"/>
-        </a:spcBef>
-        <a:buFont typeface="Arial" panose="020B0604020202020204" pitchFamily="34" charset="0"/>
-        <a:buChar char="•"/>
-        <a:defRPr sz="1800" kern="1200">
-          <a:solidFill>
-            <a:schemeClr val="tx1"/>
-          </a:solidFill>
-          <a:latin typeface="+mn-lt"/>
-          <a:ea typeface="+mn-ea"/>
-          <a:cs typeface="+mn-cs"/>
-        </a:defRPr>
-      </a:lvl7pPr>
-      <a:lvl8pPr marL="3429000" indent="-228600" algn="l" defTabSz="914400" rtl="0" eaLnBrk="1" latinLnBrk="0" hangingPunct="1">
-        <a:lnSpc>
-          <a:spcPct val="90000"/>
-        </a:lnSpc>
-        <a:spcBef>
-          <a:spcPts val="500"/>
-        </a:spcBef>
-        <a:buFont typeface="Arial" panose="020B0604020202020204" pitchFamily="34" charset="0"/>
-        <a:buChar char="•"/>
-        <a:defRPr sz="1800" kern="1200">
-          <a:solidFill>
-            <a:schemeClr val="tx1"/>
-          </a:solidFill>
-          <a:latin typeface="+mn-lt"/>
-          <a:ea typeface="+mn-ea"/>
-          <a:cs typeface="+mn-cs"/>
-        </a:defRPr>
-      </a:lvl8pPr>
-      <a:lvl9pPr marL="3886200" indent="-228600" algn="l" defTabSz="914400" rtl="0" eaLnBrk="1" latinLnBrk="0" hangingPunct="1">
-        <a:lnSpc>
-          <a:spcPct val="90000"/>
-        </a:lnSpc>
-        <a:spcBef>
-          <a:spcPts val="500"/>
-        </a:spcBef>
-        <a:buFont typeface="Arial" panose="020B0604020202020204" pitchFamily="34" charset="0"/>
-        <a:buChar char="•"/>
-        <a:defRPr sz="1800" kern="1200">
-          <a:solidFill>
-            <a:schemeClr val="tx1"/>
-          </a:solidFill>
-          <a:latin typeface="+mn-lt"/>
-          <a:ea typeface="+mn-ea"/>
-          <a:cs typeface="+mn-cs"/>
-        </a:defRPr>
-      </a:lvl9pPr>
-    </p:bodyStyle>
-    <p:otherStyle>
-      <a:defPPr>
-        <a:defRPr lang="en-US"/>
-      </a:defPPr>
-      <a:lvl1pPr marL="0" algn="l" defTabSz="914400" rtl="0" eaLnBrk="1" latinLnBrk="0" hangingPunct="1">
-        <a:defRPr sz="1800" kern="1200">
-          <a:solidFill>
-            <a:schemeClr val="tx1"/>
-          </a:solidFill>
-          <a:latin typeface="+mn-lt"/>
-          <a:ea typeface="+mn-ea"/>
-          <a:cs typeface="+mn-cs"/>
-        </a:defRPr>
-      </a:lvl1pPr>
-      <a:lvl2pPr marL="457200" algn="l" defTabSz="914400" rtl="0" eaLnBrk="1" latinLnBrk="0" hangingPunct="1">
-        <a:defRPr sz="1800" kern="1200">
-          <a:solidFill>
-            <a:schemeClr val="tx1"/>
-          </a:solidFill>
-          <a:latin typeface="+mn-lt"/>
-          <a:ea typeface="+mn-ea"/>
-          <a:cs typeface="+mn-cs"/>
-        </a:defRPr>
-      </a:lvl2pPr>
-      <a:lvl3pPr marL="914400" algn="l" defTabSz="914400" rtl="0" eaLnBrk="1" latinLnBrk="0" hangingPunct="1">
-        <a:defRPr sz="1800" kern="1200">
-          <a:solidFill>
-            <a:schemeClr val="tx1"/>
-          </a:solidFill>
-          <a:latin typeface="+mn-lt"/>
-          <a:ea typeface="+mn-ea"/>
-          <a:cs typeface="+mn-cs"/>
-        </a:defRPr>
-      </a:lvl3pPr>
-      <a:lvl4pPr marL="1371600" algn="l" defTabSz="914400" rtl="0" eaLnBrk="1" latinLnBrk="0" hangingPunct="1">
-        <a:defRPr sz="1800" kern="1200">
-          <a:solidFill>
-            <a:schemeClr val="tx1"/>
-          </a:solidFill>
-          <a:latin typeface="+mn-lt"/>
-          <a:ea typeface="+mn-ea"/>
-          <a:cs typeface="+mn-cs"/>
-        </a:defRPr>
-      </a:lvl4pPr>
-      <a:lvl5pPr marL="1828800" algn="l" defTabSz="914400" rtl="0" eaLnBrk="1" latinLnBrk="0" hangingPunct="1">
-        <a:defRPr sz="1800" kern="1200">
-          <a:solidFill>
-            <a:schemeClr val="tx1"/>
-          </a:solidFill>
-          <a:latin typeface="+mn-lt"/>
-          <a:ea typeface="+mn-ea"/>
-          <a:cs typeface="+mn-cs"/>
-        </a:defRPr>
-      </a:lvl5pPr>
-      <a:lvl6pPr marL="2286000" algn="l" defTabSz="914400" rtl="0" eaLnBrk="1" latinLnBrk="0" hangingPunct="1">
-        <a:defRPr sz="1800" kern="1200">
-          <a:solidFill>
-            <a:schemeClr val="tx1"/>
-          </a:solidFill>
-          <a:latin typeface="+mn-lt"/>
-          <a:ea typeface="+mn-ea"/>
-          <a:cs typeface="+mn-cs"/>
-        </a:defRPr>
-      </a:lvl6pPr>
-      <a:lvl7pPr marL="2743200" algn="l" defTabSz="914400" rtl="0" eaLnBrk="1" latinLnBrk="0" hangingPunct="1">
-        <a:defRPr sz="1800" kern="1200">
-          <a:solidFill>
-            <a:schemeClr val="tx1"/>
-          </a:solidFill>
-          <a:latin typeface="+mn-lt"/>
-          <a:ea typeface="+mn-ea"/>
-          <a:cs typeface="+mn-cs"/>
-        </a:defRPr>
-      </a:lvl7pPr>
-      <a:lvl8pPr marL="3200400" algn="l" defTabSz="914400" rtl="0" eaLnBrk="1" latinLnBrk="0" hangingPunct="1">
-        <a:defRPr sz="1800" kern="1200">
-          <a:solidFill>
-            <a:schemeClr val="tx1"/>
-          </a:solidFill>
-          <a:latin typeface="+mn-lt"/>
-          <a:ea typeface="+mn-ea"/>
-          <a:cs typeface="+mn-cs"/>
-        </a:defRPr>
-      </a:lvl8pPr>
-      <a:lvl9pPr marL="3657600" algn="l" defTabSz="914400" rtl="0" eaLnBrk="1" latinLnBrk="0" hangingPunct="1">
-        <a:defRPr sz="1800" kern="1200">
-          <a:solidFill>
-            <a:schemeClr val="tx1"/>
-          </a:solidFill>
-          <a:latin typeface="+mn-lt"/>
-          <a:ea typeface="+mn-ea"/>
-          <a:cs typeface="+mn-cs"/>
-        </a:defRPr>
-      </a:lvl9pPr>
-    </p:otherStyle>
-  </p:txStyles>
 </p:sldMaster>
 </file>
 
 <file path=ppt/slides/slide1.xml><?xml version="1.0" encoding="utf-8"?>
-<p:sld xmlns:a="http://schemas.openxmlformats.org/drawingml/2006/main" xmlns:r="http://schemas.openxmlformats.org/officeDocument/2006/relationships" xmlns:p="http://schemas.openxmlformats.org/presentationml/2006/main">
+<p:sld xmlns:a="http://schemas.openxmlformats.org/drawingml/2006/main" xmlns:p="http://schemas.openxmlformats.org/presentationml/2006/main" xmlns:r="http://schemas.openxmlformats.org/officeDocument/2006/relationships" xmlns:p14="http://schemas.microsoft.com/office/powerpoint/2010/main" xmlns:p15="http://schemas.microsoft.com/office/powerpoint/2012/main" xmlns:mc="http://schemas.openxmlformats.org/markup-compatibility/2006">
   <p:cSld>
     <p:spTree>
       <p:nvGrpSpPr>
@@ -1887,7 +1760,7 @@
       </p:grpSpPr>
       <p:sp>
         <p:nvSpPr>
-          <p:cNvPr id="37" name="Line 1"/>
+          <p:cNvPr id="38" name="Line 1"/>
           <p:cNvSpPr/>
           <p:nvPr/>
         </p:nvSpPr>
@@ -1901,7 +1774,7 @@
           </a:prstGeom>
           <a:ln>
             <a:solidFill>
-              <a:srgbClr val="5597D3"/>
+              <a:srgbClr val="5597d3"/>
             </a:solidFill>
             <a:round/>
           </a:ln>
@@ -1921,7 +1794,7 @@
       </p:sp>
       <p:sp>
         <p:nvSpPr>
-          <p:cNvPr id="38" name="Line 2"/>
+          <p:cNvPr id="39" name="Line 2"/>
           <p:cNvSpPr/>
           <p:nvPr/>
         </p:nvSpPr>
@@ -1935,7 +1808,7 @@
           </a:prstGeom>
           <a:ln>
             <a:solidFill>
-              <a:srgbClr val="5597D3"/>
+              <a:srgbClr val="5597d3"/>
             </a:solidFill>
             <a:round/>
           </a:ln>
@@ -1955,7 +1828,7 @@
       </p:sp>
       <p:sp>
         <p:nvSpPr>
-          <p:cNvPr id="39" name="Line 3"/>
+          <p:cNvPr id="40" name="Line 3"/>
           <p:cNvSpPr/>
           <p:nvPr/>
         </p:nvSpPr>
@@ -1969,7 +1842,7 @@
           </a:prstGeom>
           <a:ln>
             <a:solidFill>
-              <a:srgbClr val="5597D3"/>
+              <a:srgbClr val="5597d3"/>
             </a:solidFill>
             <a:round/>
           </a:ln>
@@ -1989,7 +1862,7 @@
       </p:sp>
       <p:sp>
         <p:nvSpPr>
-          <p:cNvPr id="40" name="Line 4"/>
+          <p:cNvPr id="41" name="Line 4"/>
           <p:cNvSpPr/>
           <p:nvPr/>
         </p:nvSpPr>
@@ -2003,7 +1876,7 @@
           </a:prstGeom>
           <a:ln>
             <a:solidFill>
-              <a:srgbClr val="5597D3"/>
+              <a:srgbClr val="5597d3"/>
             </a:solidFill>
             <a:round/>
           </a:ln>
@@ -2023,14 +1896,14 @@
       </p:sp>
       <p:sp>
         <p:nvSpPr>
-          <p:cNvPr id="41" name="CustomShape 5"/>
+          <p:cNvPr id="42" name="CustomShape 5"/>
           <p:cNvSpPr/>
           <p:nvPr/>
         </p:nvSpPr>
         <p:spPr>
           <a:xfrm>
             <a:off x="488880" y="6047280"/>
-            <a:ext cx="324000" cy="364320"/>
+            <a:ext cx="323640" cy="363960"/>
           </a:xfrm>
           <a:prstGeom prst="rect">
             <a:avLst/>
@@ -2041,20 +1914,13 @@
           </a:ln>
         </p:spPr>
         <p:style>
-          <a:lnRef idx="0">
-            <a:scrgbClr r="0" g="0" b="0"/>
-          </a:lnRef>
-          <a:fillRef idx="0">
-            <a:scrgbClr r="0" g="0" b="0"/>
-          </a:fillRef>
-          <a:effectRef idx="0">
-            <a:scrgbClr r="0" g="0" b="0"/>
-          </a:effectRef>
+          <a:lnRef idx="0"/>
+          <a:fillRef idx="0"/>
+          <a:effectRef idx="0"/>
           <a:fontRef idx="minor"/>
         </p:style>
         <p:txBody>
-          <a:bodyPr wrap="none" lIns="90000" tIns="45000" rIns="90000" bIns="45000"/>
-          <a:lstStyle/>
+          <a:bodyPr wrap="none" lIns="90000" rIns="90000" tIns="45000" bIns="45000"/>
           <a:p>
             <a:pPr>
               <a:lnSpc>
@@ -2062,7 +1928,7 @@
               </a:lnSpc>
             </a:pPr>
             <a:r>
-              <a:rPr lang="en-GB" sz="1800" b="0" strike="noStrike" spc="-1">
+              <a:rPr b="0" lang="en-GB" sz="1800" spc="-1" strike="noStrike">
                 <a:solidFill>
                   <a:srgbClr val="000000"/>
                 </a:solidFill>
@@ -2071,22 +1937,22 @@
               </a:rPr>
               <a:t>0</a:t>
             </a:r>
-            <a:endParaRPr lang="en-GB" sz="1800" b="0" strike="noStrike" spc="-1">
-              <a:latin typeface="Arial"/>
-            </a:endParaRPr>
-          </a:p>
-        </p:txBody>
-      </p:sp>
-      <p:sp>
-        <p:nvSpPr>
-          <p:cNvPr id="42" name="CustomShape 6"/>
+            <a:endParaRPr b="0" lang="en-GB" sz="1800" spc="-1" strike="noStrike">
+              <a:latin typeface="Arial"/>
+            </a:endParaRPr>
+          </a:p>
+        </p:txBody>
+      </p:sp>
+      <p:sp>
+        <p:nvSpPr>
+          <p:cNvPr id="43" name="CustomShape 6"/>
           <p:cNvSpPr/>
           <p:nvPr/>
         </p:nvSpPr>
         <p:spPr>
           <a:xfrm>
             <a:off x="736560" y="798840"/>
-            <a:ext cx="324000" cy="364320"/>
+            <a:ext cx="323640" cy="363960"/>
           </a:xfrm>
           <a:prstGeom prst="rect">
             <a:avLst/>
@@ -2097,20 +1963,13 @@
           </a:ln>
         </p:spPr>
         <p:style>
-          <a:lnRef idx="0">
-            <a:scrgbClr r="0" g="0" b="0"/>
-          </a:lnRef>
-          <a:fillRef idx="0">
-            <a:scrgbClr r="0" g="0" b="0"/>
-          </a:fillRef>
-          <a:effectRef idx="0">
-            <a:scrgbClr r="0" g="0" b="0"/>
-          </a:effectRef>
+          <a:lnRef idx="0"/>
+          <a:fillRef idx="0"/>
+          <a:effectRef idx="0"/>
           <a:fontRef idx="minor"/>
         </p:style>
         <p:txBody>
-          <a:bodyPr wrap="none" lIns="90000" tIns="45000" rIns="90000" bIns="45000"/>
-          <a:lstStyle/>
+          <a:bodyPr wrap="none" lIns="90000" rIns="90000" tIns="45000" bIns="45000"/>
           <a:p>
             <a:pPr>
               <a:lnSpc>
@@ -2118,7 +1977,7 @@
               </a:lnSpc>
             </a:pPr>
             <a:r>
-              <a:rPr lang="en-GB" sz="1800" b="0" strike="noStrike" spc="-1">
+              <a:rPr b="0" lang="en-GB" sz="1800" spc="-1" strike="noStrike">
                 <a:solidFill>
                   <a:srgbClr val="000000"/>
                 </a:solidFill>
@@ -2127,22 +1986,22 @@
               </a:rPr>
               <a:t>6</a:t>
             </a:r>
-            <a:endParaRPr lang="en-GB" sz="1800" b="0" strike="noStrike" spc="-1">
-              <a:latin typeface="Arial"/>
-            </a:endParaRPr>
-          </a:p>
-        </p:txBody>
-      </p:sp>
-      <p:sp>
-        <p:nvSpPr>
-          <p:cNvPr id="43" name="CustomShape 7"/>
+            <a:endParaRPr b="0" lang="en-GB" sz="1800" spc="-1" strike="noStrike">
+              <a:latin typeface="Arial"/>
+            </a:endParaRPr>
+          </a:p>
+        </p:txBody>
+      </p:sp>
+      <p:sp>
+        <p:nvSpPr>
+          <p:cNvPr id="44" name="CustomShape 7"/>
           <p:cNvSpPr/>
           <p:nvPr/>
         </p:nvSpPr>
         <p:spPr>
           <a:xfrm>
             <a:off x="8118000" y="6229440"/>
-            <a:ext cx="324000" cy="364320"/>
+            <a:ext cx="323640" cy="363960"/>
           </a:xfrm>
           <a:prstGeom prst="rect">
             <a:avLst/>
@@ -2153,20 +2012,13 @@
           </a:ln>
         </p:spPr>
         <p:style>
-          <a:lnRef idx="0">
-            <a:scrgbClr r="0" g="0" b="0"/>
-          </a:lnRef>
-          <a:fillRef idx="0">
-            <a:scrgbClr r="0" g="0" b="0"/>
-          </a:fillRef>
-          <a:effectRef idx="0">
-            <a:scrgbClr r="0" g="0" b="0"/>
-          </a:effectRef>
+          <a:lnRef idx="0"/>
+          <a:fillRef idx="0"/>
+          <a:effectRef idx="0"/>
           <a:fontRef idx="minor"/>
         </p:style>
         <p:txBody>
-          <a:bodyPr wrap="none" lIns="90000" tIns="45000" rIns="90000" bIns="45000"/>
-          <a:lstStyle/>
+          <a:bodyPr wrap="none" lIns="90000" rIns="90000" tIns="45000" bIns="45000"/>
           <a:p>
             <a:pPr>
               <a:lnSpc>
@@ -2174,7 +2026,7 @@
               </a:lnSpc>
             </a:pPr>
             <a:r>
-              <a:rPr lang="en-GB" sz="1800" b="0" strike="noStrike" spc="-1" dirty="0">
+              <a:rPr b="0" lang="en-GB" sz="1800" spc="-1" strike="noStrike">
                 <a:solidFill>
                   <a:srgbClr val="000000"/>
                 </a:solidFill>
@@ -2183,22 +2035,22 @@
               </a:rPr>
               <a:t>2</a:t>
             </a:r>
-            <a:endParaRPr lang="en-GB" sz="1800" b="0" strike="noStrike" spc="-1" dirty="0">
-              <a:latin typeface="Arial"/>
-            </a:endParaRPr>
-          </a:p>
-        </p:txBody>
-      </p:sp>
-      <p:sp>
-        <p:nvSpPr>
-          <p:cNvPr id="44" name="CustomShape 8"/>
+            <a:endParaRPr b="0" lang="en-GB" sz="1800" spc="-1" strike="noStrike">
+              <a:latin typeface="Arial"/>
+            </a:endParaRPr>
+          </a:p>
+        </p:txBody>
+      </p:sp>
+      <p:sp>
+        <p:nvSpPr>
+          <p:cNvPr id="45" name="CustomShape 8"/>
           <p:cNvSpPr/>
           <p:nvPr/>
         </p:nvSpPr>
         <p:spPr>
           <a:xfrm>
             <a:off x="11637720" y="497880"/>
-            <a:ext cx="325440" cy="364320"/>
+            <a:ext cx="325080" cy="363960"/>
           </a:xfrm>
           <a:prstGeom prst="rect">
             <a:avLst/>
@@ -2209,20 +2061,13 @@
           </a:ln>
         </p:spPr>
         <p:style>
-          <a:lnRef idx="0">
-            <a:scrgbClr r="0" g="0" b="0"/>
-          </a:lnRef>
-          <a:fillRef idx="0">
-            <a:scrgbClr r="0" g="0" b="0"/>
-          </a:fillRef>
-          <a:effectRef idx="0">
-            <a:scrgbClr r="0" g="0" b="0"/>
-          </a:effectRef>
+          <a:lnRef idx="0"/>
+          <a:fillRef idx="0"/>
+          <a:effectRef idx="0"/>
           <a:fontRef idx="minor"/>
         </p:style>
         <p:txBody>
-          <a:bodyPr wrap="none" lIns="90000" tIns="45000" rIns="90000" bIns="45000"/>
-          <a:lstStyle/>
+          <a:bodyPr wrap="none" lIns="90000" rIns="90000" tIns="45000" bIns="45000"/>
           <a:p>
             <a:pPr>
               <a:lnSpc>
@@ -2230,7 +2075,7 @@
               </a:lnSpc>
             </a:pPr>
             <a:r>
-              <a:rPr lang="en-GB" sz="1800" b="0" strike="noStrike" spc="-1" dirty="0">
+              <a:rPr b="0" lang="en-GB" sz="1800" spc="-1" strike="noStrike">
                 <a:solidFill>
                   <a:srgbClr val="000000"/>
                 </a:solidFill>
@@ -2239,15 +2084,15 @@
               </a:rPr>
               <a:t>9</a:t>
             </a:r>
-            <a:endParaRPr lang="en-GB" sz="1800" b="0" strike="noStrike" spc="-1" dirty="0">
-              <a:latin typeface="Arial"/>
-            </a:endParaRPr>
-          </a:p>
-        </p:txBody>
-      </p:sp>
-      <p:sp>
-        <p:nvSpPr>
-          <p:cNvPr id="45" name="Line 9"/>
+            <a:endParaRPr b="0" lang="en-GB" sz="1800" spc="-1" strike="noStrike">
+              <a:latin typeface="Arial"/>
+            </a:endParaRPr>
+          </a:p>
+        </p:txBody>
+      </p:sp>
+      <p:sp>
+        <p:nvSpPr>
+          <p:cNvPr id="46" name="Line 9"/>
           <p:cNvSpPr/>
           <p:nvPr/>
         </p:nvSpPr>
@@ -2261,7 +2106,7 @@
           </a:prstGeom>
           <a:ln>
             <a:solidFill>
-              <a:srgbClr val="5597D3"/>
+              <a:srgbClr val="5597d3"/>
             </a:solidFill>
             <a:round/>
           </a:ln>
@@ -2281,7 +2126,7 @@
       </p:sp>
       <p:sp>
         <p:nvSpPr>
-          <p:cNvPr id="46" name="Line 10"/>
+          <p:cNvPr id="47" name="Line 10"/>
           <p:cNvSpPr/>
           <p:nvPr/>
         </p:nvSpPr>
@@ -2295,7 +2140,7 @@
           </a:prstGeom>
           <a:ln>
             <a:solidFill>
-              <a:srgbClr val="5597D3"/>
+              <a:srgbClr val="5597d3"/>
             </a:solidFill>
             <a:round/>
           </a:ln>
@@ -2315,14 +2160,14 @@
       </p:sp>
       <p:sp>
         <p:nvSpPr>
-          <p:cNvPr id="48" name="CustomShape 12"/>
+          <p:cNvPr id="48" name="CustomShape 11"/>
           <p:cNvSpPr/>
           <p:nvPr/>
         </p:nvSpPr>
         <p:spPr>
           <a:xfrm>
             <a:off x="3490560" y="772200"/>
-            <a:ext cx="325440" cy="364320"/>
+            <a:ext cx="325080" cy="363960"/>
           </a:xfrm>
           <a:prstGeom prst="rect">
             <a:avLst/>
@@ -2333,20 +2178,13 @@
           </a:ln>
         </p:spPr>
         <p:style>
-          <a:lnRef idx="0">
-            <a:scrgbClr r="0" g="0" b="0"/>
-          </a:lnRef>
-          <a:fillRef idx="0">
-            <a:scrgbClr r="0" g="0" b="0"/>
-          </a:fillRef>
-          <a:effectRef idx="0">
-            <a:scrgbClr r="0" g="0" b="0"/>
-          </a:effectRef>
+          <a:lnRef idx="0"/>
+          <a:fillRef idx="0"/>
+          <a:effectRef idx="0"/>
           <a:fontRef idx="minor"/>
         </p:style>
         <p:txBody>
-          <a:bodyPr wrap="none" lIns="90000" tIns="45000" rIns="90000" bIns="45000"/>
-          <a:lstStyle/>
+          <a:bodyPr wrap="none" lIns="90000" rIns="90000" tIns="45000" bIns="45000"/>
           <a:p>
             <a:pPr>
               <a:lnSpc>
@@ -2354,7 +2192,7 @@
               </a:lnSpc>
             </a:pPr>
             <a:r>
-              <a:rPr lang="en-GB" sz="1800" b="0" strike="noStrike" spc="-1">
+              <a:rPr b="0" lang="en-GB" sz="1800" spc="-1" strike="noStrike">
                 <a:solidFill>
                   <a:srgbClr val="000000"/>
                 </a:solidFill>
@@ -2363,22 +2201,22 @@
               </a:rPr>
               <a:t>7</a:t>
             </a:r>
-            <a:endParaRPr lang="en-GB" sz="1800" b="0" strike="noStrike" spc="-1">
-              <a:latin typeface="Arial"/>
-            </a:endParaRPr>
-          </a:p>
-        </p:txBody>
-      </p:sp>
-      <p:sp>
-        <p:nvSpPr>
-          <p:cNvPr id="49" name="CustomShape 13"/>
+            <a:endParaRPr b="0" lang="en-GB" sz="1800" spc="-1" strike="noStrike">
+              <a:latin typeface="Arial"/>
+            </a:endParaRPr>
+          </a:p>
+        </p:txBody>
+      </p:sp>
+      <p:sp>
+        <p:nvSpPr>
+          <p:cNvPr id="49" name="CustomShape 12"/>
           <p:cNvSpPr/>
           <p:nvPr/>
         </p:nvSpPr>
         <p:spPr>
           <a:xfrm>
             <a:off x="365040" y="3295080"/>
-            <a:ext cx="325440" cy="364320"/>
+            <a:ext cx="325080" cy="363960"/>
           </a:xfrm>
           <a:prstGeom prst="rect">
             <a:avLst/>
@@ -2389,20 +2227,13 @@
           </a:ln>
         </p:spPr>
         <p:style>
-          <a:lnRef idx="0">
-            <a:scrgbClr r="0" g="0" b="0"/>
-          </a:lnRef>
-          <a:fillRef idx="0">
-            <a:scrgbClr r="0" g="0" b="0"/>
-          </a:fillRef>
-          <a:effectRef idx="0">
-            <a:scrgbClr r="0" g="0" b="0"/>
-          </a:effectRef>
+          <a:lnRef idx="0"/>
+          <a:fillRef idx="0"/>
+          <a:effectRef idx="0"/>
           <a:fontRef idx="minor"/>
         </p:style>
         <p:txBody>
-          <a:bodyPr wrap="none" lIns="90000" tIns="45000" rIns="90000" bIns="45000"/>
-          <a:lstStyle/>
+          <a:bodyPr wrap="none" lIns="90000" rIns="90000" tIns="45000" bIns="45000"/>
           <a:p>
             <a:pPr>
               <a:lnSpc>
@@ -2410,7 +2241,7 @@
               </a:lnSpc>
             </a:pPr>
             <a:r>
-              <a:rPr lang="en-GB" sz="1800" b="0" strike="noStrike" spc="-1" dirty="0">
+              <a:rPr b="0" lang="en-GB" sz="1800" spc="-1" strike="noStrike">
                 <a:solidFill>
                   <a:srgbClr val="000000"/>
                 </a:solidFill>
@@ -2419,22 +2250,22 @@
               </a:rPr>
               <a:t>4</a:t>
             </a:r>
-            <a:endParaRPr lang="en-GB" sz="1800" b="0" strike="noStrike" spc="-1" dirty="0">
-              <a:latin typeface="Arial"/>
-            </a:endParaRPr>
-          </a:p>
-        </p:txBody>
-      </p:sp>
-      <p:sp>
-        <p:nvSpPr>
-          <p:cNvPr id="50" name="CustomShape 14"/>
+            <a:endParaRPr b="0" lang="en-GB" sz="1800" spc="-1" strike="noStrike">
+              <a:latin typeface="Arial"/>
+            </a:endParaRPr>
+          </a:p>
+        </p:txBody>
+      </p:sp>
+      <p:sp>
+        <p:nvSpPr>
+          <p:cNvPr id="50" name="CustomShape 13"/>
           <p:cNvSpPr/>
           <p:nvPr/>
         </p:nvSpPr>
         <p:spPr>
           <a:xfrm>
             <a:off x="11331360" y="3306600"/>
-            <a:ext cx="325440" cy="364320"/>
+            <a:ext cx="325080" cy="363960"/>
           </a:xfrm>
           <a:prstGeom prst="rect">
             <a:avLst/>
@@ -2445,20 +2276,13 @@
           </a:ln>
         </p:spPr>
         <p:style>
-          <a:lnRef idx="0">
-            <a:scrgbClr r="0" g="0" b="0"/>
-          </a:lnRef>
-          <a:fillRef idx="0">
-            <a:scrgbClr r="0" g="0" b="0"/>
-          </a:fillRef>
-          <a:effectRef idx="0">
-            <a:scrgbClr r="0" g="0" b="0"/>
-          </a:effectRef>
+          <a:lnRef idx="0"/>
+          <a:fillRef idx="0"/>
+          <a:effectRef idx="0"/>
           <a:fontRef idx="minor"/>
         </p:style>
         <p:txBody>
-          <a:bodyPr wrap="none" lIns="90000" tIns="45000" rIns="90000" bIns="45000"/>
-          <a:lstStyle/>
+          <a:bodyPr wrap="none" lIns="90000" rIns="90000" tIns="45000" bIns="45000"/>
           <a:p>
             <a:pPr>
               <a:lnSpc>
@@ -2466,7 +2290,7 @@
               </a:lnSpc>
             </a:pPr>
             <a:r>
-              <a:rPr lang="en-GB" sz="1800" b="0" strike="noStrike" spc="-1">
+              <a:rPr b="0" lang="en-GB" sz="1800" spc="-1" strike="noStrike">
                 <a:solidFill>
                   <a:srgbClr val="000000"/>
                 </a:solidFill>
@@ -2475,22 +2299,22 @@
               </a:rPr>
               <a:t>5</a:t>
             </a:r>
-            <a:endParaRPr lang="en-GB" sz="1800" b="0" strike="noStrike" spc="-1">
-              <a:latin typeface="Arial"/>
-            </a:endParaRPr>
-          </a:p>
-        </p:txBody>
-      </p:sp>
-      <p:sp>
-        <p:nvSpPr>
-          <p:cNvPr id="51" name="CustomShape 15"/>
+            <a:endParaRPr b="0" lang="en-GB" sz="1800" spc="-1" strike="noStrike">
+              <a:latin typeface="Arial"/>
+            </a:endParaRPr>
+          </a:p>
+        </p:txBody>
+      </p:sp>
+      <p:sp>
+        <p:nvSpPr>
+          <p:cNvPr id="51" name="CustomShape 14"/>
           <p:cNvSpPr/>
           <p:nvPr/>
         </p:nvSpPr>
         <p:spPr>
           <a:xfrm>
             <a:off x="3312000" y="6187680"/>
-            <a:ext cx="324000" cy="364320"/>
+            <a:ext cx="323640" cy="363960"/>
           </a:xfrm>
           <a:prstGeom prst="rect">
             <a:avLst/>
@@ -2501,20 +2325,13 @@
           </a:ln>
         </p:spPr>
         <p:style>
-          <a:lnRef idx="0">
-            <a:scrgbClr r="0" g="0" b="0"/>
-          </a:lnRef>
-          <a:fillRef idx="0">
-            <a:scrgbClr r="0" g="0" b="0"/>
-          </a:fillRef>
-          <a:effectRef idx="0">
-            <a:scrgbClr r="0" g="0" b="0"/>
-          </a:effectRef>
+          <a:lnRef idx="0"/>
+          <a:fillRef idx="0"/>
+          <a:effectRef idx="0"/>
           <a:fontRef idx="minor"/>
         </p:style>
         <p:txBody>
-          <a:bodyPr wrap="none" lIns="90000" tIns="45000" rIns="90000" bIns="45000"/>
-          <a:lstStyle/>
+          <a:bodyPr wrap="none" lIns="90000" rIns="90000" tIns="45000" bIns="45000"/>
           <a:p>
             <a:pPr>
               <a:lnSpc>
@@ -2522,7 +2339,7 @@
               </a:lnSpc>
             </a:pPr>
             <a:r>
-              <a:rPr lang="en-GB" sz="1800" b="0" strike="noStrike" spc="-1">
+              <a:rPr b="0" lang="en-GB" sz="1800" spc="-1" strike="noStrike">
                 <a:solidFill>
                   <a:srgbClr val="000000"/>
                 </a:solidFill>
@@ -2531,22 +2348,22 @@
               </a:rPr>
               <a:t>1</a:t>
             </a:r>
-            <a:endParaRPr lang="en-GB" sz="1800" b="0" strike="noStrike" spc="-1">
-              <a:latin typeface="Arial"/>
-            </a:endParaRPr>
-          </a:p>
-        </p:txBody>
-      </p:sp>
-      <p:sp>
-        <p:nvSpPr>
-          <p:cNvPr id="55" name="CustomShape 19"/>
+            <a:endParaRPr b="0" lang="en-GB" sz="1800" spc="-1" strike="noStrike">
+              <a:latin typeface="Arial"/>
+            </a:endParaRPr>
+          </a:p>
+        </p:txBody>
+      </p:sp>
+      <p:sp>
+        <p:nvSpPr>
+          <p:cNvPr id="52" name="CustomShape 15"/>
           <p:cNvSpPr/>
           <p:nvPr/>
         </p:nvSpPr>
         <p:spPr>
           <a:xfrm>
-            <a:off x="8344801" y="825840"/>
-            <a:ext cx="306720" cy="345960"/>
+            <a:off x="8344800" y="825840"/>
+            <a:ext cx="306360" cy="345600"/>
           </a:xfrm>
           <a:prstGeom prst="rect">
             <a:avLst/>
@@ -2557,20 +2374,13 @@
           </a:ln>
         </p:spPr>
         <p:style>
-          <a:lnRef idx="0">
-            <a:scrgbClr r="0" g="0" b="0"/>
-          </a:lnRef>
-          <a:fillRef idx="0">
-            <a:scrgbClr r="0" g="0" b="0"/>
-          </a:fillRef>
-          <a:effectRef idx="0">
-            <a:scrgbClr r="0" g="0" b="0"/>
-          </a:effectRef>
+          <a:lnRef idx="0"/>
+          <a:fillRef idx="0"/>
+          <a:effectRef idx="0"/>
           <a:fontRef idx="minor"/>
         </p:style>
         <p:txBody>
-          <a:bodyPr lIns="90000" tIns="45000" rIns="90000" bIns="45000"/>
-          <a:lstStyle/>
+          <a:bodyPr lIns="90000" rIns="90000" tIns="45000" bIns="45000"/>
           <a:p>
             <a:pPr>
               <a:lnSpc>
@@ -2578,63 +2388,54 @@
               </a:lnSpc>
             </a:pPr>
             <a:r>
-              <a:rPr lang="en-GB" sz="1800" b="0" strike="noStrike" spc="-1" dirty="0">
+              <a:rPr b="0" lang="en-GB" sz="1800" spc="-1" strike="noStrike">
+                <a:solidFill>
+                  <a:srgbClr val="000000"/>
+                </a:solidFill>
                 <a:latin typeface="Arial"/>
+                <a:ea typeface="DejaVu Sans"/>
               </a:rPr>
               <a:t>8</a:t>
             </a:r>
-          </a:p>
-        </p:txBody>
-      </p:sp>
-      <p:sp>
-        <p:nvSpPr>
-          <p:cNvPr id="56" name="Line 20"/>
+            <a:endParaRPr b="0" lang="en-GB" sz="1800" spc="-1" strike="noStrike">
+              <a:latin typeface="Arial"/>
+            </a:endParaRPr>
+          </a:p>
+        </p:txBody>
+      </p:sp>
+      <p:sp>
+        <p:nvSpPr>
+          <p:cNvPr id="53" name="Line 16"/>
           <p:cNvSpPr/>
           <p:nvPr/>
         </p:nvSpPr>
         <p:spPr>
           <a:xfrm>
             <a:off x="8280000" y="799200"/>
-            <a:ext cx="0" cy="5255640"/>
+            <a:ext cx="360" cy="5255640"/>
           </a:xfrm>
           <a:prstGeom prst="line">
             <a:avLst/>
           </a:prstGeom>
-          <a:ln>
-            <a:solidFill>
-              <a:srgbClr val="000000"/>
-            </a:solidFill>
-          </a:ln>
+          <a:ln/>
         </p:spPr>
         <p:style>
-          <a:lnRef idx="0">
-            <a:scrgbClr r="0" g="0" b="0"/>
-          </a:lnRef>
-          <a:fillRef idx="0">
-            <a:scrgbClr r="0" g="0" b="0"/>
-          </a:fillRef>
-          <a:effectRef idx="0">
-            <a:scrgbClr r="0" g="0" b="0"/>
-          </a:effectRef>
+          <a:lnRef idx="0"/>
+          <a:fillRef idx="0"/>
+          <a:effectRef idx="0"/>
           <a:fontRef idx="minor"/>
         </p:style>
       </p:sp>
       <p:sp>
         <p:nvSpPr>
-          <p:cNvPr id="22" name="CustomShape 7">
-            <a:extLst>
-              <a:ext uri="{FF2B5EF4-FFF2-40B4-BE49-F238E27FC236}">
-                <a16:creationId xmlns:a16="http://schemas.microsoft.com/office/drawing/2014/main" id="{363F5B1C-BE2B-784A-9BFC-29955C32EB32}"/>
-              </a:ext>
-            </a:extLst>
-          </p:cNvPr>
+          <p:cNvPr id="54" name="CustomShape 17"/>
           <p:cNvSpPr/>
           <p:nvPr/>
         </p:nvSpPr>
         <p:spPr>
           <a:xfrm>
-            <a:off x="11421000" y="6172740"/>
-            <a:ext cx="324000" cy="364320"/>
+            <a:off x="11421000" y="6172920"/>
+            <a:ext cx="323640" cy="363960"/>
           </a:xfrm>
           <a:prstGeom prst="rect">
             <a:avLst/>
@@ -2645,20 +2446,13 @@
           </a:ln>
         </p:spPr>
         <p:style>
-          <a:lnRef idx="0">
-            <a:scrgbClr r="0" g="0" b="0"/>
-          </a:lnRef>
-          <a:fillRef idx="0">
-            <a:scrgbClr r="0" g="0" b="0"/>
-          </a:fillRef>
-          <a:effectRef idx="0">
-            <a:scrgbClr r="0" g="0" b="0"/>
-          </a:effectRef>
+          <a:lnRef idx="0"/>
+          <a:fillRef idx="0"/>
+          <a:effectRef idx="0"/>
           <a:fontRef idx="minor"/>
         </p:style>
         <p:txBody>
-          <a:bodyPr wrap="none" lIns="90000" tIns="45000" rIns="90000" bIns="45000"/>
-          <a:lstStyle/>
+          <a:bodyPr wrap="none" lIns="90000" rIns="90000" tIns="45000" bIns="45000"/>
           <a:p>
             <a:pPr>
               <a:lnSpc>
@@ -2666,7 +2460,7 @@
               </a:lnSpc>
             </a:pPr>
             <a:r>
-              <a:rPr lang="en-GB" sz="1800" b="0" strike="noStrike" spc="-1" dirty="0">
+              <a:rPr b="0" lang="en-GB" sz="1800" spc="-1" strike="noStrike">
                 <a:solidFill>
                   <a:srgbClr val="000000"/>
                 </a:solidFill>
@@ -2675,7 +2469,139 @@
               </a:rPr>
               <a:t>3</a:t>
             </a:r>
-            <a:endParaRPr lang="en-GB" sz="1800" b="0" strike="noStrike" spc="-1" dirty="0">
+            <a:endParaRPr b="0" lang="en-GB" sz="1800" spc="-1" strike="noStrike">
+              <a:latin typeface="Arial"/>
+            </a:endParaRPr>
+          </a:p>
+        </p:txBody>
+      </p:sp>
+      <p:sp>
+        <p:nvSpPr>
+          <p:cNvPr id="55" name="Line 18"/>
+          <p:cNvSpPr/>
+          <p:nvPr/>
+        </p:nvSpPr>
+        <p:spPr>
+          <a:xfrm>
+            <a:off x="736560" y="4967640"/>
+            <a:ext cx="10803960" cy="360"/>
+          </a:xfrm>
+          <a:prstGeom prst="line">
+            <a:avLst/>
+          </a:prstGeom>
+          <a:ln>
+            <a:solidFill>
+              <a:srgbClr val="5597d3"/>
+            </a:solidFill>
+            <a:round/>
+          </a:ln>
+        </p:spPr>
+        <p:style>
+          <a:lnRef idx="1">
+            <a:schemeClr val="accent1"/>
+          </a:lnRef>
+          <a:fillRef idx="0">
+            <a:schemeClr val="accent1"/>
+          </a:fillRef>
+          <a:effectRef idx="0">
+            <a:schemeClr val="accent1"/>
+          </a:effectRef>
+          <a:fontRef idx="minor"/>
+        </p:style>
+      </p:sp>
+      <p:sp>
+        <p:nvSpPr>
+          <p:cNvPr id="56" name="CustomShape 19"/>
+          <p:cNvSpPr/>
+          <p:nvPr/>
+        </p:nvSpPr>
+        <p:spPr>
+          <a:xfrm>
+            <a:off x="288000" y="4748040"/>
+            <a:ext cx="325080" cy="363960"/>
+          </a:xfrm>
+          <a:prstGeom prst="rect">
+            <a:avLst/>
+          </a:prstGeom>
+          <a:noFill/>
+          <a:ln>
+            <a:noFill/>
+          </a:ln>
+        </p:spPr>
+        <p:style>
+          <a:lnRef idx="0"/>
+          <a:fillRef idx="0"/>
+          <a:effectRef idx="0"/>
+          <a:fontRef idx="minor"/>
+        </p:style>
+        <p:txBody>
+          <a:bodyPr wrap="none" lIns="90000" rIns="90000" tIns="45000" bIns="45000"/>
+          <a:p>
+            <a:pPr>
+              <a:lnSpc>
+                <a:spcPct val="100000"/>
+              </a:lnSpc>
+            </a:pPr>
+            <a:r>
+              <a:rPr b="0" lang="en-GB" sz="1800" spc="-1" strike="noStrike">
+                <a:solidFill>
+                  <a:srgbClr val="000000"/>
+                </a:solidFill>
+                <a:latin typeface="等线"/>
+                <a:ea typeface="DejaVu Sans"/>
+              </a:rPr>
+              <a:t>10</a:t>
+            </a:r>
+            <a:endParaRPr b="0" lang="en-GB" sz="1800" spc="-1" strike="noStrike">
+              <a:latin typeface="Arial"/>
+            </a:endParaRPr>
+          </a:p>
+        </p:txBody>
+      </p:sp>
+      <p:sp>
+        <p:nvSpPr>
+          <p:cNvPr id="57" name="CustomShape 20"/>
+          <p:cNvSpPr/>
+          <p:nvPr/>
+        </p:nvSpPr>
+        <p:spPr>
+          <a:xfrm>
+            <a:off x="11698920" y="4820040"/>
+            <a:ext cx="325080" cy="363960"/>
+          </a:xfrm>
+          <a:prstGeom prst="rect">
+            <a:avLst/>
+          </a:prstGeom>
+          <a:noFill/>
+          <a:ln>
+            <a:noFill/>
+          </a:ln>
+        </p:spPr>
+        <p:style>
+          <a:lnRef idx="0"/>
+          <a:fillRef idx="0"/>
+          <a:effectRef idx="0"/>
+          <a:fontRef idx="minor"/>
+        </p:style>
+        <p:txBody>
+          <a:bodyPr wrap="none" lIns="90000" rIns="90000" tIns="45000" bIns="45000"/>
+          <a:p>
+            <a:pPr>
+              <a:lnSpc>
+                <a:spcPct val="100000"/>
+              </a:lnSpc>
+            </a:pPr>
+            <a:r>
+              <a:rPr b="0" lang="en-GB" sz="1800" spc="-1" strike="noStrike">
+                <a:solidFill>
+                  <a:srgbClr val="000000"/>
+                </a:solidFill>
+                <a:latin typeface="等线"/>
+                <a:ea typeface="DejaVu Sans"/>
+              </a:rPr>
+              <a:t>11</a:t>
+            </a:r>
+            <a:endParaRPr b="0" lang="en-GB" sz="1800" spc="-1" strike="noStrike">
               <a:latin typeface="Arial"/>
             </a:endParaRPr>
           </a:p>
@@ -2683,9 +2609,6 @@
       </p:sp>
     </p:spTree>
   </p:cSld>
-  <p:clrMapOvr>
-    <a:masterClrMapping/>
-  </p:clrMapOvr>
   <p:timing>
     <p:tnLst>
       <p:par>
@@ -2694,14 +2617,14 @@
             <p:seq>
               <p:cTn id="2" dur="indefinite" nodeType="mainSeq"/>
               <p:prevCondLst>
-                <p:cond evt="onPrev" delay="0">
+                <p:cond delay="0" evt="onPrev">
                   <p:tgtEl>
                     <p:sldTgt/>
                   </p:tgtEl>
                 </p:cond>
               </p:prevCondLst>
               <p:nextCondLst>
-                <p:cond evt="onNext" delay="0">
+                <p:cond delay="0" evt="onNext">
                   <p:tgtEl>
                     <p:sldTgt/>
                   </p:tgtEl>
@@ -2727,34 +2650,34 @@
         <a:sysClr val="window" lastClr="FFFFFF"/>
       </a:lt1>
       <a:dk2>
-        <a:srgbClr val="44546A"/>
+        <a:srgbClr val="44546a"/>
       </a:dk2>
       <a:lt2>
-        <a:srgbClr val="E7E6E6"/>
+        <a:srgbClr val="e7e6e6"/>
       </a:lt2>
       <a:accent1>
-        <a:srgbClr val="5B9BD5"/>
+        <a:srgbClr val="5b9bd5"/>
       </a:accent1>
       <a:accent2>
-        <a:srgbClr val="ED7D31"/>
+        <a:srgbClr val="ed7d31"/>
       </a:accent2>
       <a:accent3>
-        <a:srgbClr val="A5A5A5"/>
+        <a:srgbClr val="a5a5a5"/>
       </a:accent3>
       <a:accent4>
-        <a:srgbClr val="FFC000"/>
+        <a:srgbClr val="ffc000"/>
       </a:accent4>
       <a:accent5>
-        <a:srgbClr val="4472C4"/>
+        <a:srgbClr val="4472c4"/>
       </a:accent5>
       <a:accent6>
-        <a:srgbClr val="70AD47"/>
+        <a:srgbClr val="70ad47"/>
       </a:accent6>
       <a:hlink>
-        <a:srgbClr val="0563C1"/>
+        <a:srgbClr val="0563c1"/>
       </a:hlink>
       <a:folHlink>
-        <a:srgbClr val="954F72"/>
+        <a:srgbClr val="954f72"/>
       </a:folHlink>
     </a:clrScheme>
     <a:fontScheme name="Office">
@@ -2936,7 +2859,5 @@
       </a:bgFillStyleLst>
     </a:fmtScheme>
   </a:themeElements>
-  <a:objectDefaults/>
-  <a:extraClrSchemeLst/>
 </a:theme>
 </file>
--- a/meshdivision.pptx
+++ b/meshdivision.pptx
@@ -1,19 +1,111 @@
 
 <file path=ppt/presentation.xml><?xml version="1.0" encoding="utf-8"?>
-<p:presentation xmlns:a="http://schemas.openxmlformats.org/drawingml/2006/main" xmlns:p="http://schemas.openxmlformats.org/presentationml/2006/main" xmlns:r="http://schemas.openxmlformats.org/officeDocument/2006/relationships" xmlns:p14="http://schemas.microsoft.com/office/powerpoint/2010/main" xmlns:p15="http://schemas.microsoft.com/office/powerpoint/2012/main" xmlns:mc="http://schemas.openxmlformats.org/markup-compatibility/2006">
+<p:presentation xmlns:a="http://schemas.openxmlformats.org/drawingml/2006/main" xmlns:r="http://schemas.openxmlformats.org/officeDocument/2006/relationships" xmlns:p="http://schemas.openxmlformats.org/presentationml/2006/main">
   <p:sldMasterIdLst>
-    <p:sldMasterId id="2147483648" r:id="rId2"/>
+    <p:sldMasterId id="2147483648" r:id="rId1"/>
   </p:sldMasterIdLst>
   <p:sldIdLst>
     <p:sldId id="256" r:id="rId3"/>
   </p:sldIdLst>
   <p:sldSz cx="12192000" cy="6858000"/>
-  <p:notesSz cx="7559675" cy="10691812"/>
+  <p:notesSz cx="7559675" cy="10691495"/>
+  <p:defaultTextStyle>
+    <a:lvl1pPr marL="0" algn="l" defTabSz="914400" rtl="0" eaLnBrk="1" latinLnBrk="0" hangingPunct="1">
+      <a:defRPr sz="1800" kern="1200">
+        <a:solidFill>
+          <a:schemeClr val="tx1"/>
+        </a:solidFill>
+        <a:latin typeface="+mn-lt"/>
+        <a:ea typeface="+mn-ea"/>
+        <a:cs typeface="+mn-cs"/>
+      </a:defRPr>
+    </a:lvl1pPr>
+    <a:lvl2pPr marL="457200" algn="l" defTabSz="914400" rtl="0" eaLnBrk="1" latinLnBrk="0" hangingPunct="1">
+      <a:defRPr sz="1800" kern="1200">
+        <a:solidFill>
+          <a:schemeClr val="tx1"/>
+        </a:solidFill>
+        <a:latin typeface="+mn-lt"/>
+        <a:ea typeface="+mn-ea"/>
+        <a:cs typeface="+mn-cs"/>
+      </a:defRPr>
+    </a:lvl2pPr>
+    <a:lvl3pPr marL="914400" algn="l" defTabSz="914400" rtl="0" eaLnBrk="1" latinLnBrk="0" hangingPunct="1">
+      <a:defRPr sz="1800" kern="1200">
+        <a:solidFill>
+          <a:schemeClr val="tx1"/>
+        </a:solidFill>
+        <a:latin typeface="+mn-lt"/>
+        <a:ea typeface="+mn-ea"/>
+        <a:cs typeface="+mn-cs"/>
+      </a:defRPr>
+    </a:lvl3pPr>
+    <a:lvl4pPr marL="1371600" algn="l" defTabSz="914400" rtl="0" eaLnBrk="1" latinLnBrk="0" hangingPunct="1">
+      <a:defRPr sz="1800" kern="1200">
+        <a:solidFill>
+          <a:schemeClr val="tx1"/>
+        </a:solidFill>
+        <a:latin typeface="+mn-lt"/>
+        <a:ea typeface="+mn-ea"/>
+        <a:cs typeface="+mn-cs"/>
+      </a:defRPr>
+    </a:lvl4pPr>
+    <a:lvl5pPr marL="1828800" algn="l" defTabSz="914400" rtl="0" eaLnBrk="1" latinLnBrk="0" hangingPunct="1">
+      <a:defRPr sz="1800" kern="1200">
+        <a:solidFill>
+          <a:schemeClr val="tx1"/>
+        </a:solidFill>
+        <a:latin typeface="+mn-lt"/>
+        <a:ea typeface="+mn-ea"/>
+        <a:cs typeface="+mn-cs"/>
+      </a:defRPr>
+    </a:lvl5pPr>
+    <a:lvl6pPr marL="2286000" algn="l" defTabSz="914400" rtl="0" eaLnBrk="1" latinLnBrk="0" hangingPunct="1">
+      <a:defRPr sz="1800" kern="1200">
+        <a:solidFill>
+          <a:schemeClr val="tx1"/>
+        </a:solidFill>
+        <a:latin typeface="+mn-lt"/>
+        <a:ea typeface="+mn-ea"/>
+        <a:cs typeface="+mn-cs"/>
+      </a:defRPr>
+    </a:lvl6pPr>
+    <a:lvl7pPr marL="2743200" algn="l" defTabSz="914400" rtl="0" eaLnBrk="1" latinLnBrk="0" hangingPunct="1">
+      <a:defRPr sz="1800" kern="1200">
+        <a:solidFill>
+          <a:schemeClr val="tx1"/>
+        </a:solidFill>
+        <a:latin typeface="+mn-lt"/>
+        <a:ea typeface="+mn-ea"/>
+        <a:cs typeface="+mn-cs"/>
+      </a:defRPr>
+    </a:lvl7pPr>
+    <a:lvl8pPr marL="3200400" algn="l" defTabSz="914400" rtl="0" eaLnBrk="1" latinLnBrk="0" hangingPunct="1">
+      <a:defRPr sz="1800" kern="1200">
+        <a:solidFill>
+          <a:schemeClr val="tx1"/>
+        </a:solidFill>
+        <a:latin typeface="+mn-lt"/>
+        <a:ea typeface="+mn-ea"/>
+        <a:cs typeface="+mn-cs"/>
+      </a:defRPr>
+    </a:lvl8pPr>
+    <a:lvl9pPr marL="3657600" algn="l" defTabSz="914400" rtl="0" eaLnBrk="1" latinLnBrk="0" hangingPunct="1">
+      <a:defRPr sz="1800" kern="1200">
+        <a:solidFill>
+          <a:schemeClr val="tx1"/>
+        </a:solidFill>
+        <a:latin typeface="+mn-lt"/>
+        <a:ea typeface="+mn-ea"/>
+        <a:cs typeface="+mn-cs"/>
+      </a:defRPr>
+    </a:lvl9pPr>
+  </p:defaultTextStyle>
 </p:presentation>
 </file>
 
 <file path=ppt/slideLayouts/slideLayout1.xml><?xml version="1.0" encoding="utf-8"?>
-<p:sldLayout xmlns:a="http://schemas.openxmlformats.org/drawingml/2006/main" xmlns:p="http://schemas.openxmlformats.org/presentationml/2006/main" xmlns:r="http://schemas.openxmlformats.org/officeDocument/2006/relationships" xmlns:p14="http://schemas.microsoft.com/office/powerpoint/2010/main" xmlns:p15="http://schemas.microsoft.com/office/powerpoint/2012/main" xmlns:mc="http://schemas.openxmlformats.org/markup-compatibility/2006" type="blank" preserve="1">
+<p:sldLayout xmlns:a="http://schemas.openxmlformats.org/drawingml/2006/main" xmlns:r="http://schemas.openxmlformats.org/officeDocument/2006/relationships" xmlns:p="http://schemas.openxmlformats.org/presentationml/2006/main" type="blank" preserve="1">
   <p:cSld name="Blank Slide">
     <p:spTree>
       <p:nvGrpSpPr>
@@ -31,11 +123,14 @@
       </p:grpSpPr>
     </p:spTree>
   </p:cSld>
+  <p:clrMapOvr>
+    <a:masterClrMapping/>
+  </p:clrMapOvr>
 </p:sldLayout>
 </file>
 
 <file path=ppt/slideLayouts/slideLayout10.xml><?xml version="1.0" encoding="utf-8"?>
-<p:sldLayout xmlns:a="http://schemas.openxmlformats.org/drawingml/2006/main" xmlns:p="http://schemas.openxmlformats.org/presentationml/2006/main" xmlns:r="http://schemas.openxmlformats.org/officeDocument/2006/relationships" xmlns:p14="http://schemas.microsoft.com/office/powerpoint/2010/main" xmlns:p15="http://schemas.microsoft.com/office/powerpoint/2012/main" xmlns:mc="http://schemas.openxmlformats.org/markup-compatibility/2006" type="objOverTx" preserve="1">
+<p:sldLayout xmlns:a="http://schemas.openxmlformats.org/drawingml/2006/main" xmlns:r="http://schemas.openxmlformats.org/officeDocument/2006/relationships" xmlns:p="http://schemas.openxmlformats.org/presentationml/2006/main" type="objOverTx" preserve="1">
   <p:cSld name="Title, Content over Content">
     <p:spTree>
       <p:nvGrpSpPr>
@@ -55,7 +150,7 @@
         <p:nvSpPr>
           <p:cNvPr id="23" name="PlaceHolder 1"/>
           <p:cNvSpPr>
-            <a:spLocks noGrp="1"/>
+            <a:spLocks noGrp="true"/>
           </p:cNvSpPr>
           <p:nvPr>
             <p:ph type="title"/>
@@ -71,9 +166,9 @@
           </a:prstGeom>
         </p:spPr>
         <p:txBody>
-          <a:bodyPr lIns="0" rIns="0" tIns="0" bIns="0" anchor="ctr"/>
-          <a:p>
-            <a:endParaRPr b="0" lang="en-US" sz="1800" spc="-1" strike="noStrike">
+          <a:bodyPr lIns="0" tIns="0" rIns="0" bIns="0" anchor="ctr"/>
+          <a:p>
+            <a:endParaRPr lang="en-US" sz="1800" b="0" strike="noStrike" spc="-1">
               <a:solidFill>
                 <a:srgbClr val="000000"/>
               </a:solidFill>
@@ -86,7 +181,7 @@
         <p:nvSpPr>
           <p:cNvPr id="24" name="PlaceHolder 2"/>
           <p:cNvSpPr>
-            <a:spLocks noGrp="1"/>
+            <a:spLocks noGrp="true"/>
           </p:cNvSpPr>
           <p:nvPr>
             <p:ph type="body"/>
@@ -102,11 +197,11 @@
           </a:prstGeom>
         </p:spPr>
         <p:txBody>
-          <a:bodyPr lIns="0" rIns="0" tIns="0" bIns="0">
+          <a:bodyPr lIns="0" tIns="0" rIns="0" bIns="0">
             <a:normAutofit/>
           </a:bodyPr>
           <a:p>
-            <a:endParaRPr b="0" lang="en-US" sz="2800" spc="-1" strike="noStrike">
+            <a:endParaRPr lang="en-US" sz="2800" b="0" strike="noStrike" spc="-1">
               <a:solidFill>
                 <a:srgbClr val="000000"/>
               </a:solidFill>
@@ -119,7 +214,7 @@
         <p:nvSpPr>
           <p:cNvPr id="25" name="PlaceHolder 3"/>
           <p:cNvSpPr>
-            <a:spLocks noGrp="1"/>
+            <a:spLocks noGrp="true"/>
           </p:cNvSpPr>
           <p:nvPr>
             <p:ph type="body"/>
@@ -135,11 +230,11 @@
           </a:prstGeom>
         </p:spPr>
         <p:txBody>
-          <a:bodyPr lIns="0" rIns="0" tIns="0" bIns="0">
+          <a:bodyPr lIns="0" tIns="0" rIns="0" bIns="0">
             <a:normAutofit/>
           </a:bodyPr>
           <a:p>
-            <a:endParaRPr b="0" lang="en-US" sz="2800" spc="-1" strike="noStrike">
+            <a:endParaRPr lang="en-US" sz="2800" b="0" strike="noStrike" spc="-1">
               <a:solidFill>
                 <a:srgbClr val="000000"/>
               </a:solidFill>
@@ -150,11 +245,14 @@
       </p:sp>
     </p:spTree>
   </p:cSld>
+  <p:clrMapOvr>
+    <a:masterClrMapping/>
+  </p:clrMapOvr>
 </p:sldLayout>
 </file>
 
 <file path=ppt/slideLayouts/slideLayout11.xml><?xml version="1.0" encoding="utf-8"?>
-<p:sldLayout xmlns:a="http://schemas.openxmlformats.org/drawingml/2006/main" xmlns:p="http://schemas.openxmlformats.org/presentationml/2006/main" xmlns:r="http://schemas.openxmlformats.org/officeDocument/2006/relationships" xmlns:p14="http://schemas.microsoft.com/office/powerpoint/2010/main" xmlns:p15="http://schemas.microsoft.com/office/powerpoint/2012/main" xmlns:mc="http://schemas.openxmlformats.org/markup-compatibility/2006" type="fourObj" preserve="1">
+<p:sldLayout xmlns:a="http://schemas.openxmlformats.org/drawingml/2006/main" xmlns:r="http://schemas.openxmlformats.org/officeDocument/2006/relationships" xmlns:p="http://schemas.openxmlformats.org/presentationml/2006/main" type="fourObj" preserve="1">
   <p:cSld name="Title, 4 Content">
     <p:spTree>
       <p:nvGrpSpPr>
@@ -174,7 +272,7 @@
         <p:nvSpPr>
           <p:cNvPr id="26" name="PlaceHolder 1"/>
           <p:cNvSpPr>
-            <a:spLocks noGrp="1"/>
+            <a:spLocks noGrp="true"/>
           </p:cNvSpPr>
           <p:nvPr>
             <p:ph type="title"/>
@@ -190,9 +288,9 @@
           </a:prstGeom>
         </p:spPr>
         <p:txBody>
-          <a:bodyPr lIns="0" rIns="0" tIns="0" bIns="0" anchor="ctr"/>
-          <a:p>
-            <a:endParaRPr b="0" lang="en-US" sz="1800" spc="-1" strike="noStrike">
+          <a:bodyPr lIns="0" tIns="0" rIns="0" bIns="0" anchor="ctr"/>
+          <a:p>
+            <a:endParaRPr lang="en-US" sz="1800" b="0" strike="noStrike" spc="-1">
               <a:solidFill>
                 <a:srgbClr val="000000"/>
               </a:solidFill>
@@ -205,7 +303,7 @@
         <p:nvSpPr>
           <p:cNvPr id="27" name="PlaceHolder 2"/>
           <p:cNvSpPr>
-            <a:spLocks noGrp="1"/>
+            <a:spLocks noGrp="true"/>
           </p:cNvSpPr>
           <p:nvPr>
             <p:ph type="body"/>
@@ -221,11 +319,11 @@
           </a:prstGeom>
         </p:spPr>
         <p:txBody>
-          <a:bodyPr lIns="0" rIns="0" tIns="0" bIns="0">
+          <a:bodyPr lIns="0" tIns="0" rIns="0" bIns="0">
             <a:normAutofit/>
           </a:bodyPr>
           <a:p>
-            <a:endParaRPr b="0" lang="en-US" sz="2800" spc="-1" strike="noStrike">
+            <a:endParaRPr lang="en-US" sz="2800" b="0" strike="noStrike" spc="-1">
               <a:solidFill>
                 <a:srgbClr val="000000"/>
               </a:solidFill>
@@ -238,7 +336,7 @@
         <p:nvSpPr>
           <p:cNvPr id="28" name="PlaceHolder 3"/>
           <p:cNvSpPr>
-            <a:spLocks noGrp="1"/>
+            <a:spLocks noGrp="true"/>
           </p:cNvSpPr>
           <p:nvPr>
             <p:ph type="body"/>
@@ -254,11 +352,11 @@
           </a:prstGeom>
         </p:spPr>
         <p:txBody>
-          <a:bodyPr lIns="0" rIns="0" tIns="0" bIns="0">
+          <a:bodyPr lIns="0" tIns="0" rIns="0" bIns="0">
             <a:normAutofit/>
           </a:bodyPr>
           <a:p>
-            <a:endParaRPr b="0" lang="en-US" sz="2800" spc="-1" strike="noStrike">
+            <a:endParaRPr lang="en-US" sz="2800" b="0" strike="noStrike" spc="-1">
               <a:solidFill>
                 <a:srgbClr val="000000"/>
               </a:solidFill>
@@ -271,7 +369,7 @@
         <p:nvSpPr>
           <p:cNvPr id="29" name="PlaceHolder 4"/>
           <p:cNvSpPr>
-            <a:spLocks noGrp="1"/>
+            <a:spLocks noGrp="true"/>
           </p:cNvSpPr>
           <p:nvPr>
             <p:ph type="body"/>
@@ -287,11 +385,11 @@
           </a:prstGeom>
         </p:spPr>
         <p:txBody>
-          <a:bodyPr lIns="0" rIns="0" tIns="0" bIns="0">
+          <a:bodyPr lIns="0" tIns="0" rIns="0" bIns="0">
             <a:normAutofit/>
           </a:bodyPr>
           <a:p>
-            <a:endParaRPr b="0" lang="en-US" sz="2800" spc="-1" strike="noStrike">
+            <a:endParaRPr lang="en-US" sz="2800" b="0" strike="noStrike" spc="-1">
               <a:solidFill>
                 <a:srgbClr val="000000"/>
               </a:solidFill>
@@ -304,7 +402,7 @@
         <p:nvSpPr>
           <p:cNvPr id="30" name="PlaceHolder 5"/>
           <p:cNvSpPr>
-            <a:spLocks noGrp="1"/>
+            <a:spLocks noGrp="true"/>
           </p:cNvSpPr>
           <p:nvPr>
             <p:ph type="body"/>
@@ -320,11 +418,11 @@
           </a:prstGeom>
         </p:spPr>
         <p:txBody>
-          <a:bodyPr lIns="0" rIns="0" tIns="0" bIns="0">
+          <a:bodyPr lIns="0" tIns="0" rIns="0" bIns="0">
             <a:normAutofit/>
           </a:bodyPr>
           <a:p>
-            <a:endParaRPr b="0" lang="en-US" sz="2800" spc="-1" strike="noStrike">
+            <a:endParaRPr lang="en-US" sz="2800" b="0" strike="noStrike" spc="-1">
               <a:solidFill>
                 <a:srgbClr val="000000"/>
               </a:solidFill>
@@ -335,11 +433,14 @@
       </p:sp>
     </p:spTree>
   </p:cSld>
+  <p:clrMapOvr>
+    <a:masterClrMapping/>
+  </p:clrMapOvr>
 </p:sldLayout>
 </file>
 
 <file path=ppt/slideLayouts/slideLayout12.xml><?xml version="1.0" encoding="utf-8"?>
-<p:sldLayout xmlns:a="http://schemas.openxmlformats.org/drawingml/2006/main" xmlns:p="http://schemas.openxmlformats.org/presentationml/2006/main" xmlns:r="http://schemas.openxmlformats.org/officeDocument/2006/relationships" xmlns:p14="http://schemas.microsoft.com/office/powerpoint/2010/main" xmlns:p15="http://schemas.microsoft.com/office/powerpoint/2012/main" xmlns:mc="http://schemas.openxmlformats.org/markup-compatibility/2006" type="blank" preserve="1">
+<p:sldLayout xmlns:a="http://schemas.openxmlformats.org/drawingml/2006/main" xmlns:r="http://schemas.openxmlformats.org/officeDocument/2006/relationships" xmlns:p="http://schemas.openxmlformats.org/presentationml/2006/main" type="blank" preserve="1">
   <p:cSld name="Title, 6 Content">
     <p:spTree>
       <p:nvGrpSpPr>
@@ -359,7 +460,7 @@
         <p:nvSpPr>
           <p:cNvPr id="31" name="PlaceHolder 1"/>
           <p:cNvSpPr>
-            <a:spLocks noGrp="1"/>
+            <a:spLocks noGrp="true"/>
           </p:cNvSpPr>
           <p:nvPr>
             <p:ph type="title"/>
@@ -375,9 +476,9 @@
           </a:prstGeom>
         </p:spPr>
         <p:txBody>
-          <a:bodyPr lIns="0" rIns="0" tIns="0" bIns="0" anchor="ctr"/>
-          <a:p>
-            <a:endParaRPr b="0" lang="en-US" sz="1800" spc="-1" strike="noStrike">
+          <a:bodyPr lIns="0" tIns="0" rIns="0" bIns="0" anchor="ctr"/>
+          <a:p>
+            <a:endParaRPr lang="en-US" sz="1800" b="0" strike="noStrike" spc="-1">
               <a:solidFill>
                 <a:srgbClr val="000000"/>
               </a:solidFill>
@@ -390,7 +491,7 @@
         <p:nvSpPr>
           <p:cNvPr id="32" name="PlaceHolder 2"/>
           <p:cNvSpPr>
-            <a:spLocks noGrp="1"/>
+            <a:spLocks noGrp="true"/>
           </p:cNvSpPr>
           <p:nvPr>
             <p:ph type="body"/>
@@ -406,11 +507,11 @@
           </a:prstGeom>
         </p:spPr>
         <p:txBody>
-          <a:bodyPr lIns="0" rIns="0" tIns="0" bIns="0">
+          <a:bodyPr lIns="0" tIns="0" rIns="0" bIns="0">
             <a:normAutofit/>
           </a:bodyPr>
           <a:p>
-            <a:endParaRPr b="0" lang="en-US" sz="2800" spc="-1" strike="noStrike">
+            <a:endParaRPr lang="en-US" sz="2800" b="0" strike="noStrike" spc="-1">
               <a:solidFill>
                 <a:srgbClr val="000000"/>
               </a:solidFill>
@@ -423,7 +524,7 @@
         <p:nvSpPr>
           <p:cNvPr id="33" name="PlaceHolder 3"/>
           <p:cNvSpPr>
-            <a:spLocks noGrp="1"/>
+            <a:spLocks noGrp="true"/>
           </p:cNvSpPr>
           <p:nvPr>
             <p:ph type="body"/>
@@ -439,11 +540,11 @@
           </a:prstGeom>
         </p:spPr>
         <p:txBody>
-          <a:bodyPr lIns="0" rIns="0" tIns="0" bIns="0">
+          <a:bodyPr lIns="0" tIns="0" rIns="0" bIns="0">
             <a:normAutofit/>
           </a:bodyPr>
           <a:p>
-            <a:endParaRPr b="0" lang="en-US" sz="2800" spc="-1" strike="noStrike">
+            <a:endParaRPr lang="en-US" sz="2800" b="0" strike="noStrike" spc="-1">
               <a:solidFill>
                 <a:srgbClr val="000000"/>
               </a:solidFill>
@@ -456,7 +557,7 @@
         <p:nvSpPr>
           <p:cNvPr id="34" name="PlaceHolder 4"/>
           <p:cNvSpPr>
-            <a:spLocks noGrp="1"/>
+            <a:spLocks noGrp="true"/>
           </p:cNvSpPr>
           <p:nvPr>
             <p:ph type="body"/>
@@ -472,11 +573,11 @@
           </a:prstGeom>
         </p:spPr>
         <p:txBody>
-          <a:bodyPr lIns="0" rIns="0" tIns="0" bIns="0">
+          <a:bodyPr lIns="0" tIns="0" rIns="0" bIns="0">
             <a:normAutofit/>
           </a:bodyPr>
           <a:p>
-            <a:endParaRPr b="0" lang="en-US" sz="2800" spc="-1" strike="noStrike">
+            <a:endParaRPr lang="en-US" sz="2800" b="0" strike="noStrike" spc="-1">
               <a:solidFill>
                 <a:srgbClr val="000000"/>
               </a:solidFill>
@@ -489,7 +590,7 @@
         <p:nvSpPr>
           <p:cNvPr id="35" name="PlaceHolder 5"/>
           <p:cNvSpPr>
-            <a:spLocks noGrp="1"/>
+            <a:spLocks noGrp="true"/>
           </p:cNvSpPr>
           <p:nvPr>
             <p:ph type="body"/>
@@ -505,11 +606,11 @@
           </a:prstGeom>
         </p:spPr>
         <p:txBody>
-          <a:bodyPr lIns="0" rIns="0" tIns="0" bIns="0">
+          <a:bodyPr lIns="0" tIns="0" rIns="0" bIns="0">
             <a:normAutofit/>
           </a:bodyPr>
           <a:p>
-            <a:endParaRPr b="0" lang="en-US" sz="2800" spc="-1" strike="noStrike">
+            <a:endParaRPr lang="en-US" sz="2800" b="0" strike="noStrike" spc="-1">
               <a:solidFill>
                 <a:srgbClr val="000000"/>
               </a:solidFill>
@@ -522,7 +623,7 @@
         <p:nvSpPr>
           <p:cNvPr id="36" name="PlaceHolder 6"/>
           <p:cNvSpPr>
-            <a:spLocks noGrp="1"/>
+            <a:spLocks noGrp="true"/>
           </p:cNvSpPr>
           <p:nvPr>
             <p:ph type="body"/>
@@ -538,11 +639,11 @@
           </a:prstGeom>
         </p:spPr>
         <p:txBody>
-          <a:bodyPr lIns="0" rIns="0" tIns="0" bIns="0">
+          <a:bodyPr lIns="0" tIns="0" rIns="0" bIns="0">
             <a:normAutofit/>
           </a:bodyPr>
           <a:p>
-            <a:endParaRPr b="0" lang="en-US" sz="2800" spc="-1" strike="noStrike">
+            <a:endParaRPr lang="en-US" sz="2800" b="0" strike="noStrike" spc="-1">
               <a:solidFill>
                 <a:srgbClr val="000000"/>
               </a:solidFill>
@@ -555,7 +656,7 @@
         <p:nvSpPr>
           <p:cNvPr id="37" name="PlaceHolder 7"/>
           <p:cNvSpPr>
-            <a:spLocks noGrp="1"/>
+            <a:spLocks noGrp="true"/>
           </p:cNvSpPr>
           <p:nvPr>
             <p:ph type="body"/>
@@ -571,11 +672,11 @@
           </a:prstGeom>
         </p:spPr>
         <p:txBody>
-          <a:bodyPr lIns="0" rIns="0" tIns="0" bIns="0">
+          <a:bodyPr lIns="0" tIns="0" rIns="0" bIns="0">
             <a:normAutofit/>
           </a:bodyPr>
           <a:p>
-            <a:endParaRPr b="0" lang="en-US" sz="2800" spc="-1" strike="noStrike">
+            <a:endParaRPr lang="en-US" sz="2800" b="0" strike="noStrike" spc="-1">
               <a:solidFill>
                 <a:srgbClr val="000000"/>
               </a:solidFill>
@@ -586,11 +687,14 @@
       </p:sp>
     </p:spTree>
   </p:cSld>
+  <p:clrMapOvr>
+    <a:masterClrMapping/>
+  </p:clrMapOvr>
 </p:sldLayout>
 </file>
 
 <file path=ppt/slideLayouts/slideLayout2.xml><?xml version="1.0" encoding="utf-8"?>
-<p:sldLayout xmlns:a="http://schemas.openxmlformats.org/drawingml/2006/main" xmlns:p="http://schemas.openxmlformats.org/presentationml/2006/main" xmlns:r="http://schemas.openxmlformats.org/officeDocument/2006/relationships" xmlns:p14="http://schemas.microsoft.com/office/powerpoint/2010/main" xmlns:p15="http://schemas.microsoft.com/office/powerpoint/2012/main" xmlns:mc="http://schemas.openxmlformats.org/markup-compatibility/2006" type="tx" preserve="1">
+<p:sldLayout xmlns:a="http://schemas.openxmlformats.org/drawingml/2006/main" xmlns:r="http://schemas.openxmlformats.org/officeDocument/2006/relationships" xmlns:p="http://schemas.openxmlformats.org/presentationml/2006/main" type="tx" preserve="1">
   <p:cSld name="Title Slide">
     <p:spTree>
       <p:nvGrpSpPr>
@@ -610,7 +714,7 @@
         <p:nvSpPr>
           <p:cNvPr id="2" name="PlaceHolder 1"/>
           <p:cNvSpPr>
-            <a:spLocks noGrp="1"/>
+            <a:spLocks noGrp="true"/>
           </p:cNvSpPr>
           <p:nvPr>
             <p:ph type="title"/>
@@ -626,9 +730,9 @@
           </a:prstGeom>
         </p:spPr>
         <p:txBody>
-          <a:bodyPr lIns="0" rIns="0" tIns="0" bIns="0" anchor="ctr"/>
-          <a:p>
-            <a:endParaRPr b="0" lang="en-US" sz="1800" spc="-1" strike="noStrike">
+          <a:bodyPr lIns="0" tIns="0" rIns="0" bIns="0" anchor="ctr"/>
+          <a:p>
+            <a:endParaRPr lang="en-US" sz="1800" b="0" strike="noStrike" spc="-1">
               <a:solidFill>
                 <a:srgbClr val="000000"/>
               </a:solidFill>
@@ -641,7 +745,7 @@
         <p:nvSpPr>
           <p:cNvPr id="3" name="PlaceHolder 2"/>
           <p:cNvSpPr>
-            <a:spLocks noGrp="1"/>
+            <a:spLocks noGrp="true"/>
           </p:cNvSpPr>
           <p:nvPr>
             <p:ph type="subTitle"/>
@@ -657,10 +761,10 @@
           </a:prstGeom>
         </p:spPr>
         <p:txBody>
-          <a:bodyPr lIns="0" rIns="0" tIns="0" bIns="0" anchor="ctr"/>
+          <a:bodyPr lIns="0" tIns="0" rIns="0" bIns="0" anchor="ctr"/>
           <a:p>
             <a:pPr algn="ctr"/>
-            <a:endParaRPr b="0" lang="en-GB" sz="3200" spc="-1" strike="noStrike">
+            <a:endParaRPr lang="en-GB" sz="3200" b="0" strike="noStrike" spc="-1">
               <a:latin typeface="Arial"/>
             </a:endParaRPr>
           </a:p>
@@ -668,11 +772,14 @@
       </p:sp>
     </p:spTree>
   </p:cSld>
+  <p:clrMapOvr>
+    <a:masterClrMapping/>
+  </p:clrMapOvr>
 </p:sldLayout>
 </file>
 
 <file path=ppt/slideLayouts/slideLayout3.xml><?xml version="1.0" encoding="utf-8"?>
-<p:sldLayout xmlns:a="http://schemas.openxmlformats.org/drawingml/2006/main" xmlns:p="http://schemas.openxmlformats.org/presentationml/2006/main" xmlns:r="http://schemas.openxmlformats.org/officeDocument/2006/relationships" xmlns:p14="http://schemas.microsoft.com/office/powerpoint/2010/main" xmlns:p15="http://schemas.microsoft.com/office/powerpoint/2012/main" xmlns:mc="http://schemas.openxmlformats.org/markup-compatibility/2006" type="obj" preserve="1">
+<p:sldLayout xmlns:a="http://schemas.openxmlformats.org/drawingml/2006/main" xmlns:r="http://schemas.openxmlformats.org/officeDocument/2006/relationships" xmlns:p="http://schemas.openxmlformats.org/presentationml/2006/main" type="obj" preserve="1">
   <p:cSld name="Title, Content">
     <p:spTree>
       <p:nvGrpSpPr>
@@ -692,7 +799,7 @@
         <p:nvSpPr>
           <p:cNvPr id="4" name="PlaceHolder 1"/>
           <p:cNvSpPr>
-            <a:spLocks noGrp="1"/>
+            <a:spLocks noGrp="true"/>
           </p:cNvSpPr>
           <p:nvPr>
             <p:ph type="title"/>
@@ -708,9 +815,9 @@
           </a:prstGeom>
         </p:spPr>
         <p:txBody>
-          <a:bodyPr lIns="0" rIns="0" tIns="0" bIns="0" anchor="ctr"/>
-          <a:p>
-            <a:endParaRPr b="0" lang="en-US" sz="1800" spc="-1" strike="noStrike">
+          <a:bodyPr lIns="0" tIns="0" rIns="0" bIns="0" anchor="ctr"/>
+          <a:p>
+            <a:endParaRPr lang="en-US" sz="1800" b="0" strike="noStrike" spc="-1">
               <a:solidFill>
                 <a:srgbClr val="000000"/>
               </a:solidFill>
@@ -723,7 +830,7 @@
         <p:nvSpPr>
           <p:cNvPr id="5" name="PlaceHolder 2"/>
           <p:cNvSpPr>
-            <a:spLocks noGrp="1"/>
+            <a:spLocks noGrp="true"/>
           </p:cNvSpPr>
           <p:nvPr>
             <p:ph type="body"/>
@@ -739,11 +846,11 @@
           </a:prstGeom>
         </p:spPr>
         <p:txBody>
-          <a:bodyPr lIns="0" rIns="0" tIns="0" bIns="0">
+          <a:bodyPr lIns="0" tIns="0" rIns="0" bIns="0">
             <a:normAutofit/>
           </a:bodyPr>
           <a:p>
-            <a:endParaRPr b="0" lang="en-US" sz="2800" spc="-1" strike="noStrike">
+            <a:endParaRPr lang="en-US" sz="2800" b="0" strike="noStrike" spc="-1">
               <a:solidFill>
                 <a:srgbClr val="000000"/>
               </a:solidFill>
@@ -754,11 +861,14 @@
       </p:sp>
     </p:spTree>
   </p:cSld>
+  <p:clrMapOvr>
+    <a:masterClrMapping/>
+  </p:clrMapOvr>
 </p:sldLayout>
 </file>
 
 <file path=ppt/slideLayouts/slideLayout4.xml><?xml version="1.0" encoding="utf-8"?>
-<p:sldLayout xmlns:a="http://schemas.openxmlformats.org/drawingml/2006/main" xmlns:p="http://schemas.openxmlformats.org/presentationml/2006/main" xmlns:r="http://schemas.openxmlformats.org/officeDocument/2006/relationships" xmlns:p14="http://schemas.microsoft.com/office/powerpoint/2010/main" xmlns:p15="http://schemas.microsoft.com/office/powerpoint/2012/main" xmlns:mc="http://schemas.openxmlformats.org/markup-compatibility/2006" type="twoObj" preserve="1">
+<p:sldLayout xmlns:a="http://schemas.openxmlformats.org/drawingml/2006/main" xmlns:r="http://schemas.openxmlformats.org/officeDocument/2006/relationships" xmlns:p="http://schemas.openxmlformats.org/presentationml/2006/main" type="twoObj" preserve="1">
   <p:cSld name="Title, 2 Content">
     <p:spTree>
       <p:nvGrpSpPr>
@@ -778,7 +888,7 @@
         <p:nvSpPr>
           <p:cNvPr id="6" name="PlaceHolder 1"/>
           <p:cNvSpPr>
-            <a:spLocks noGrp="1"/>
+            <a:spLocks noGrp="true"/>
           </p:cNvSpPr>
           <p:nvPr>
             <p:ph type="title"/>
@@ -794,9 +904,9 @@
           </a:prstGeom>
         </p:spPr>
         <p:txBody>
-          <a:bodyPr lIns="0" rIns="0" tIns="0" bIns="0" anchor="ctr"/>
-          <a:p>
-            <a:endParaRPr b="0" lang="en-US" sz="1800" spc="-1" strike="noStrike">
+          <a:bodyPr lIns="0" tIns="0" rIns="0" bIns="0" anchor="ctr"/>
+          <a:p>
+            <a:endParaRPr lang="en-US" sz="1800" b="0" strike="noStrike" spc="-1">
               <a:solidFill>
                 <a:srgbClr val="000000"/>
               </a:solidFill>
@@ -809,7 +919,7 @@
         <p:nvSpPr>
           <p:cNvPr id="7" name="PlaceHolder 2"/>
           <p:cNvSpPr>
-            <a:spLocks noGrp="1"/>
+            <a:spLocks noGrp="true"/>
           </p:cNvSpPr>
           <p:nvPr>
             <p:ph type="body"/>
@@ -825,11 +935,11 @@
           </a:prstGeom>
         </p:spPr>
         <p:txBody>
-          <a:bodyPr lIns="0" rIns="0" tIns="0" bIns="0">
+          <a:bodyPr lIns="0" tIns="0" rIns="0" bIns="0">
             <a:normAutofit/>
           </a:bodyPr>
           <a:p>
-            <a:endParaRPr b="0" lang="en-US" sz="2800" spc="-1" strike="noStrike">
+            <a:endParaRPr lang="en-US" sz="2800" b="0" strike="noStrike" spc="-1">
               <a:solidFill>
                 <a:srgbClr val="000000"/>
               </a:solidFill>
@@ -842,7 +952,7 @@
         <p:nvSpPr>
           <p:cNvPr id="8" name="PlaceHolder 3"/>
           <p:cNvSpPr>
-            <a:spLocks noGrp="1"/>
+            <a:spLocks noGrp="true"/>
           </p:cNvSpPr>
           <p:nvPr>
             <p:ph type="body"/>
@@ -858,11 +968,11 @@
           </a:prstGeom>
         </p:spPr>
         <p:txBody>
-          <a:bodyPr lIns="0" rIns="0" tIns="0" bIns="0">
+          <a:bodyPr lIns="0" tIns="0" rIns="0" bIns="0">
             <a:normAutofit/>
           </a:bodyPr>
           <a:p>
-            <a:endParaRPr b="0" lang="en-US" sz="2800" spc="-1" strike="noStrike">
+            <a:endParaRPr lang="en-US" sz="2800" b="0" strike="noStrike" spc="-1">
               <a:solidFill>
                 <a:srgbClr val="000000"/>
               </a:solidFill>
@@ -873,11 +983,14 @@
       </p:sp>
     </p:spTree>
   </p:cSld>
+  <p:clrMapOvr>
+    <a:masterClrMapping/>
+  </p:clrMapOvr>
 </p:sldLayout>
 </file>
 
 <file path=ppt/slideLayouts/slideLayout5.xml><?xml version="1.0" encoding="utf-8"?>
-<p:sldLayout xmlns:a="http://schemas.openxmlformats.org/drawingml/2006/main" xmlns:p="http://schemas.openxmlformats.org/presentationml/2006/main" xmlns:r="http://schemas.openxmlformats.org/officeDocument/2006/relationships" xmlns:p14="http://schemas.microsoft.com/office/powerpoint/2010/main" xmlns:p15="http://schemas.microsoft.com/office/powerpoint/2012/main" xmlns:mc="http://schemas.openxmlformats.org/markup-compatibility/2006" type="titleOnly" preserve="1">
+<p:sldLayout xmlns:a="http://schemas.openxmlformats.org/drawingml/2006/main" xmlns:r="http://schemas.openxmlformats.org/officeDocument/2006/relationships" xmlns:p="http://schemas.openxmlformats.org/presentationml/2006/main" type="titleOnly" preserve="1">
   <p:cSld name="Title Only">
     <p:spTree>
       <p:nvGrpSpPr>
@@ -897,7 +1010,7 @@
         <p:nvSpPr>
           <p:cNvPr id="9" name="PlaceHolder 1"/>
           <p:cNvSpPr>
-            <a:spLocks noGrp="1"/>
+            <a:spLocks noGrp="true"/>
           </p:cNvSpPr>
           <p:nvPr>
             <p:ph type="title"/>
@@ -913,9 +1026,9 @@
           </a:prstGeom>
         </p:spPr>
         <p:txBody>
-          <a:bodyPr lIns="0" rIns="0" tIns="0" bIns="0" anchor="ctr"/>
-          <a:p>
-            <a:endParaRPr b="0" lang="en-US" sz="1800" spc="-1" strike="noStrike">
+          <a:bodyPr lIns="0" tIns="0" rIns="0" bIns="0" anchor="ctr"/>
+          <a:p>
+            <a:endParaRPr lang="en-US" sz="1800" b="0" strike="noStrike" spc="-1">
               <a:solidFill>
                 <a:srgbClr val="000000"/>
               </a:solidFill>
@@ -926,11 +1039,14 @@
       </p:sp>
     </p:spTree>
   </p:cSld>
+  <p:clrMapOvr>
+    <a:masterClrMapping/>
+  </p:clrMapOvr>
 </p:sldLayout>
 </file>
 
 <file path=ppt/slideLayouts/slideLayout6.xml><?xml version="1.0" encoding="utf-8"?>
-<p:sldLayout xmlns:a="http://schemas.openxmlformats.org/drawingml/2006/main" xmlns:p="http://schemas.openxmlformats.org/presentationml/2006/main" xmlns:r="http://schemas.openxmlformats.org/officeDocument/2006/relationships" xmlns:p14="http://schemas.microsoft.com/office/powerpoint/2010/main" xmlns:p15="http://schemas.microsoft.com/office/powerpoint/2012/main" xmlns:mc="http://schemas.openxmlformats.org/markup-compatibility/2006" type="objOnly" preserve="1">
+<p:sldLayout xmlns:a="http://schemas.openxmlformats.org/drawingml/2006/main" xmlns:r="http://schemas.openxmlformats.org/officeDocument/2006/relationships" xmlns:p="http://schemas.openxmlformats.org/presentationml/2006/main" type="objOnly" preserve="1">
   <p:cSld name="Centered Text">
     <p:spTree>
       <p:nvGrpSpPr>
@@ -950,7 +1066,7 @@
         <p:nvSpPr>
           <p:cNvPr id="10" name="PlaceHolder 1"/>
           <p:cNvSpPr>
-            <a:spLocks noGrp="1"/>
+            <a:spLocks noGrp="true"/>
           </p:cNvSpPr>
           <p:nvPr>
             <p:ph type="subTitle"/>
@@ -966,10 +1082,10 @@
           </a:prstGeom>
         </p:spPr>
         <p:txBody>
-          <a:bodyPr lIns="0" rIns="0" tIns="0" bIns="0" anchor="ctr"/>
+          <a:bodyPr lIns="0" tIns="0" rIns="0" bIns="0" anchor="ctr"/>
           <a:p>
             <a:pPr algn="ctr"/>
-            <a:endParaRPr b="0" lang="en-GB" sz="3200" spc="-1" strike="noStrike">
+            <a:endParaRPr lang="en-GB" sz="3200" b="0" strike="noStrike" spc="-1">
               <a:latin typeface="Arial"/>
             </a:endParaRPr>
           </a:p>
@@ -977,11 +1093,14 @@
       </p:sp>
     </p:spTree>
   </p:cSld>
+  <p:clrMapOvr>
+    <a:masterClrMapping/>
+  </p:clrMapOvr>
 </p:sldLayout>
 </file>
 
 <file path=ppt/slideLayouts/slideLayout7.xml><?xml version="1.0" encoding="utf-8"?>
-<p:sldLayout xmlns:a="http://schemas.openxmlformats.org/drawingml/2006/main" xmlns:p="http://schemas.openxmlformats.org/presentationml/2006/main" xmlns:r="http://schemas.openxmlformats.org/officeDocument/2006/relationships" xmlns:p14="http://schemas.microsoft.com/office/powerpoint/2010/main" xmlns:p15="http://schemas.microsoft.com/office/powerpoint/2012/main" xmlns:mc="http://schemas.openxmlformats.org/markup-compatibility/2006" type="twoObjAndObj" preserve="1">
+<p:sldLayout xmlns:a="http://schemas.openxmlformats.org/drawingml/2006/main" xmlns:r="http://schemas.openxmlformats.org/officeDocument/2006/relationships" xmlns:p="http://schemas.openxmlformats.org/presentationml/2006/main" type="twoObjAndObj" preserve="1">
   <p:cSld name="Title, 2 Content and Content">
     <p:spTree>
       <p:nvGrpSpPr>
@@ -1001,7 +1120,7 @@
         <p:nvSpPr>
           <p:cNvPr id="11" name="PlaceHolder 1"/>
           <p:cNvSpPr>
-            <a:spLocks noGrp="1"/>
+            <a:spLocks noGrp="true"/>
           </p:cNvSpPr>
           <p:nvPr>
             <p:ph type="title"/>
@@ -1017,9 +1136,9 @@
           </a:prstGeom>
         </p:spPr>
         <p:txBody>
-          <a:bodyPr lIns="0" rIns="0" tIns="0" bIns="0" anchor="ctr"/>
-          <a:p>
-            <a:endParaRPr b="0" lang="en-US" sz="1800" spc="-1" strike="noStrike">
+          <a:bodyPr lIns="0" tIns="0" rIns="0" bIns="0" anchor="ctr"/>
+          <a:p>
+            <a:endParaRPr lang="en-US" sz="1800" b="0" strike="noStrike" spc="-1">
               <a:solidFill>
                 <a:srgbClr val="000000"/>
               </a:solidFill>
@@ -1032,7 +1151,7 @@
         <p:nvSpPr>
           <p:cNvPr id="12" name="PlaceHolder 2"/>
           <p:cNvSpPr>
-            <a:spLocks noGrp="1"/>
+            <a:spLocks noGrp="true"/>
           </p:cNvSpPr>
           <p:nvPr>
             <p:ph type="body"/>
@@ -1048,11 +1167,11 @@
           </a:prstGeom>
         </p:spPr>
         <p:txBody>
-          <a:bodyPr lIns="0" rIns="0" tIns="0" bIns="0">
+          <a:bodyPr lIns="0" tIns="0" rIns="0" bIns="0">
             <a:normAutofit/>
           </a:bodyPr>
           <a:p>
-            <a:endParaRPr b="0" lang="en-US" sz="2800" spc="-1" strike="noStrike">
+            <a:endParaRPr lang="en-US" sz="2800" b="0" strike="noStrike" spc="-1">
               <a:solidFill>
                 <a:srgbClr val="000000"/>
               </a:solidFill>
@@ -1065,7 +1184,7 @@
         <p:nvSpPr>
           <p:cNvPr id="13" name="PlaceHolder 3"/>
           <p:cNvSpPr>
-            <a:spLocks noGrp="1"/>
+            <a:spLocks noGrp="true"/>
           </p:cNvSpPr>
           <p:nvPr>
             <p:ph type="body"/>
@@ -1081,11 +1200,11 @@
           </a:prstGeom>
         </p:spPr>
         <p:txBody>
-          <a:bodyPr lIns="0" rIns="0" tIns="0" bIns="0">
+          <a:bodyPr lIns="0" tIns="0" rIns="0" bIns="0">
             <a:normAutofit/>
           </a:bodyPr>
           <a:p>
-            <a:endParaRPr b="0" lang="en-US" sz="2800" spc="-1" strike="noStrike">
+            <a:endParaRPr lang="en-US" sz="2800" b="0" strike="noStrike" spc="-1">
               <a:solidFill>
                 <a:srgbClr val="000000"/>
               </a:solidFill>
@@ -1098,7 +1217,7 @@
         <p:nvSpPr>
           <p:cNvPr id="14" name="PlaceHolder 4"/>
           <p:cNvSpPr>
-            <a:spLocks noGrp="1"/>
+            <a:spLocks noGrp="true"/>
           </p:cNvSpPr>
           <p:nvPr>
             <p:ph type="body"/>
@@ -1114,11 +1233,11 @@
           </a:prstGeom>
         </p:spPr>
         <p:txBody>
-          <a:bodyPr lIns="0" rIns="0" tIns="0" bIns="0">
+          <a:bodyPr lIns="0" tIns="0" rIns="0" bIns="0">
             <a:normAutofit/>
           </a:bodyPr>
           <a:p>
-            <a:endParaRPr b="0" lang="en-US" sz="2800" spc="-1" strike="noStrike">
+            <a:endParaRPr lang="en-US" sz="2800" b="0" strike="noStrike" spc="-1">
               <a:solidFill>
                 <a:srgbClr val="000000"/>
               </a:solidFill>
@@ -1129,11 +1248,14 @@
       </p:sp>
     </p:spTree>
   </p:cSld>
+  <p:clrMapOvr>
+    <a:masterClrMapping/>
+  </p:clrMapOvr>
 </p:sldLayout>
 </file>
 
 <file path=ppt/slideLayouts/slideLayout8.xml><?xml version="1.0" encoding="utf-8"?>
-<p:sldLayout xmlns:a="http://schemas.openxmlformats.org/drawingml/2006/main" xmlns:p="http://schemas.openxmlformats.org/presentationml/2006/main" xmlns:r="http://schemas.openxmlformats.org/officeDocument/2006/relationships" xmlns:p14="http://schemas.microsoft.com/office/powerpoint/2010/main" xmlns:p15="http://schemas.microsoft.com/office/powerpoint/2012/main" xmlns:mc="http://schemas.openxmlformats.org/markup-compatibility/2006" type="objAndTwoObj" preserve="1">
+<p:sldLayout xmlns:a="http://schemas.openxmlformats.org/drawingml/2006/main" xmlns:r="http://schemas.openxmlformats.org/officeDocument/2006/relationships" xmlns:p="http://schemas.openxmlformats.org/presentationml/2006/main" type="objAndTwoObj" preserve="1">
   <p:cSld name="Title Content and 2 Content">
     <p:spTree>
       <p:nvGrpSpPr>
@@ -1153,7 +1275,7 @@
         <p:nvSpPr>
           <p:cNvPr id="15" name="PlaceHolder 1"/>
           <p:cNvSpPr>
-            <a:spLocks noGrp="1"/>
+            <a:spLocks noGrp="true"/>
           </p:cNvSpPr>
           <p:nvPr>
             <p:ph type="title"/>
@@ -1169,9 +1291,9 @@
           </a:prstGeom>
         </p:spPr>
         <p:txBody>
-          <a:bodyPr lIns="0" rIns="0" tIns="0" bIns="0" anchor="ctr"/>
-          <a:p>
-            <a:endParaRPr b="0" lang="en-US" sz="1800" spc="-1" strike="noStrike">
+          <a:bodyPr lIns="0" tIns="0" rIns="0" bIns="0" anchor="ctr"/>
+          <a:p>
+            <a:endParaRPr lang="en-US" sz="1800" b="0" strike="noStrike" spc="-1">
               <a:solidFill>
                 <a:srgbClr val="000000"/>
               </a:solidFill>
@@ -1184,7 +1306,7 @@
         <p:nvSpPr>
           <p:cNvPr id="16" name="PlaceHolder 2"/>
           <p:cNvSpPr>
-            <a:spLocks noGrp="1"/>
+            <a:spLocks noGrp="true"/>
           </p:cNvSpPr>
           <p:nvPr>
             <p:ph type="body"/>
@@ -1200,11 +1322,11 @@
           </a:prstGeom>
         </p:spPr>
         <p:txBody>
-          <a:bodyPr lIns="0" rIns="0" tIns="0" bIns="0">
+          <a:bodyPr lIns="0" tIns="0" rIns="0" bIns="0">
             <a:normAutofit/>
           </a:bodyPr>
           <a:p>
-            <a:endParaRPr b="0" lang="en-US" sz="2800" spc="-1" strike="noStrike">
+            <a:endParaRPr lang="en-US" sz="2800" b="0" strike="noStrike" spc="-1">
               <a:solidFill>
                 <a:srgbClr val="000000"/>
               </a:solidFill>
@@ -1217,7 +1339,7 @@
         <p:nvSpPr>
           <p:cNvPr id="17" name="PlaceHolder 3"/>
           <p:cNvSpPr>
-            <a:spLocks noGrp="1"/>
+            <a:spLocks noGrp="true"/>
           </p:cNvSpPr>
           <p:nvPr>
             <p:ph type="body"/>
@@ -1233,11 +1355,11 @@
           </a:prstGeom>
         </p:spPr>
         <p:txBody>
-          <a:bodyPr lIns="0" rIns="0" tIns="0" bIns="0">
+          <a:bodyPr lIns="0" tIns="0" rIns="0" bIns="0">
             <a:normAutofit/>
           </a:bodyPr>
           <a:p>
-            <a:endParaRPr b="0" lang="en-US" sz="2800" spc="-1" strike="noStrike">
+            <a:endParaRPr lang="en-US" sz="2800" b="0" strike="noStrike" spc="-1">
               <a:solidFill>
                 <a:srgbClr val="000000"/>
               </a:solidFill>
@@ -1250,7 +1372,7 @@
         <p:nvSpPr>
           <p:cNvPr id="18" name="PlaceHolder 4"/>
           <p:cNvSpPr>
-            <a:spLocks noGrp="1"/>
+            <a:spLocks noGrp="true"/>
           </p:cNvSpPr>
           <p:nvPr>
             <p:ph type="body"/>
@@ -1266,11 +1388,11 @@
           </a:prstGeom>
         </p:spPr>
         <p:txBody>
-          <a:bodyPr lIns="0" rIns="0" tIns="0" bIns="0">
+          <a:bodyPr lIns="0" tIns="0" rIns="0" bIns="0">
             <a:normAutofit/>
           </a:bodyPr>
           <a:p>
-            <a:endParaRPr b="0" lang="en-US" sz="2800" spc="-1" strike="noStrike">
+            <a:endParaRPr lang="en-US" sz="2800" b="0" strike="noStrike" spc="-1">
               <a:solidFill>
                 <a:srgbClr val="000000"/>
               </a:solidFill>
@@ -1281,11 +1403,14 @@
       </p:sp>
     </p:spTree>
   </p:cSld>
+  <p:clrMapOvr>
+    <a:masterClrMapping/>
+  </p:clrMapOvr>
 </p:sldLayout>
 </file>
 
 <file path=ppt/slideLayouts/slideLayout9.xml><?xml version="1.0" encoding="utf-8"?>
-<p:sldLayout xmlns:a="http://schemas.openxmlformats.org/drawingml/2006/main" xmlns:p="http://schemas.openxmlformats.org/presentationml/2006/main" xmlns:r="http://schemas.openxmlformats.org/officeDocument/2006/relationships" xmlns:p14="http://schemas.microsoft.com/office/powerpoint/2010/main" xmlns:p15="http://schemas.microsoft.com/office/powerpoint/2012/main" xmlns:mc="http://schemas.openxmlformats.org/markup-compatibility/2006" type="twoObjOverTx" preserve="1">
+<p:sldLayout xmlns:a="http://schemas.openxmlformats.org/drawingml/2006/main" xmlns:r="http://schemas.openxmlformats.org/officeDocument/2006/relationships" xmlns:p="http://schemas.openxmlformats.org/presentationml/2006/main" type="twoObjOverTx" preserve="1">
   <p:cSld name="Title, 2 Content over Content">
     <p:spTree>
       <p:nvGrpSpPr>
@@ -1305,7 +1430,7 @@
         <p:nvSpPr>
           <p:cNvPr id="19" name="PlaceHolder 1"/>
           <p:cNvSpPr>
-            <a:spLocks noGrp="1"/>
+            <a:spLocks noGrp="true"/>
           </p:cNvSpPr>
           <p:nvPr>
             <p:ph type="title"/>
@@ -1321,9 +1446,9 @@
           </a:prstGeom>
         </p:spPr>
         <p:txBody>
-          <a:bodyPr lIns="0" rIns="0" tIns="0" bIns="0" anchor="ctr"/>
-          <a:p>
-            <a:endParaRPr b="0" lang="en-US" sz="1800" spc="-1" strike="noStrike">
+          <a:bodyPr lIns="0" tIns="0" rIns="0" bIns="0" anchor="ctr"/>
+          <a:p>
+            <a:endParaRPr lang="en-US" sz="1800" b="0" strike="noStrike" spc="-1">
               <a:solidFill>
                 <a:srgbClr val="000000"/>
               </a:solidFill>
@@ -1336,7 +1461,7 @@
         <p:nvSpPr>
           <p:cNvPr id="20" name="PlaceHolder 2"/>
           <p:cNvSpPr>
-            <a:spLocks noGrp="1"/>
+            <a:spLocks noGrp="true"/>
           </p:cNvSpPr>
           <p:nvPr>
             <p:ph type="body"/>
@@ -1352,11 +1477,11 @@
           </a:prstGeom>
         </p:spPr>
         <p:txBody>
-          <a:bodyPr lIns="0" rIns="0" tIns="0" bIns="0">
+          <a:bodyPr lIns="0" tIns="0" rIns="0" bIns="0">
             <a:normAutofit/>
           </a:bodyPr>
           <a:p>
-            <a:endParaRPr b="0" lang="en-US" sz="2800" spc="-1" strike="noStrike">
+            <a:endParaRPr lang="en-US" sz="2800" b="0" strike="noStrike" spc="-1">
               <a:solidFill>
                 <a:srgbClr val="000000"/>
               </a:solidFill>
@@ -1369,7 +1494,7 @@
         <p:nvSpPr>
           <p:cNvPr id="21" name="PlaceHolder 3"/>
           <p:cNvSpPr>
-            <a:spLocks noGrp="1"/>
+            <a:spLocks noGrp="true"/>
           </p:cNvSpPr>
           <p:nvPr>
             <p:ph type="body"/>
@@ -1385,11 +1510,11 @@
           </a:prstGeom>
         </p:spPr>
         <p:txBody>
-          <a:bodyPr lIns="0" rIns="0" tIns="0" bIns="0">
+          <a:bodyPr lIns="0" tIns="0" rIns="0" bIns="0">
             <a:normAutofit/>
           </a:bodyPr>
           <a:p>
-            <a:endParaRPr b="0" lang="en-US" sz="2800" spc="-1" strike="noStrike">
+            <a:endParaRPr lang="en-US" sz="2800" b="0" strike="noStrike" spc="-1">
               <a:solidFill>
                 <a:srgbClr val="000000"/>
               </a:solidFill>
@@ -1402,7 +1527,7 @@
         <p:nvSpPr>
           <p:cNvPr id="22" name="PlaceHolder 4"/>
           <p:cNvSpPr>
-            <a:spLocks noGrp="1"/>
+            <a:spLocks noGrp="true"/>
           </p:cNvSpPr>
           <p:nvPr>
             <p:ph type="body"/>
@@ -1418,11 +1543,11 @@
           </a:prstGeom>
         </p:spPr>
         <p:txBody>
-          <a:bodyPr lIns="0" rIns="0" tIns="0" bIns="0">
+          <a:bodyPr lIns="0" tIns="0" rIns="0" bIns="0">
             <a:normAutofit/>
           </a:bodyPr>
           <a:p>
-            <a:endParaRPr b="0" lang="en-US" sz="2800" spc="-1" strike="noStrike">
+            <a:endParaRPr lang="en-US" sz="2800" b="0" strike="noStrike" spc="-1">
               <a:solidFill>
                 <a:srgbClr val="000000"/>
               </a:solidFill>
@@ -1433,17 +1558,21 @@
       </p:sp>
     </p:spTree>
   </p:cSld>
+  <p:clrMapOvr>
+    <a:masterClrMapping/>
+  </p:clrMapOvr>
 </p:sldLayout>
 </file>
 
 <file path=ppt/slideMasters/slideMaster1.xml><?xml version="1.0" encoding="utf-8"?>
-<p:sldMaster xmlns:a="http://schemas.openxmlformats.org/drawingml/2006/main" xmlns:p="http://schemas.openxmlformats.org/presentationml/2006/main" xmlns:r="http://schemas.openxmlformats.org/officeDocument/2006/relationships" xmlns:p14="http://schemas.microsoft.com/office/powerpoint/2010/main" xmlns:p15="http://schemas.microsoft.com/office/powerpoint/2012/main" xmlns:mc="http://schemas.openxmlformats.org/markup-compatibility/2006">
+<p:sldMaster xmlns:a="http://schemas.openxmlformats.org/drawingml/2006/main" xmlns:r="http://schemas.openxmlformats.org/officeDocument/2006/relationships" xmlns:p="http://schemas.openxmlformats.org/presentationml/2006/main">
   <p:cSld>
     <p:bg>
       <p:bgPr>
         <a:solidFill>
-          <a:srgbClr val="ffffff"/>
+          <a:srgbClr val="FFFFFF"/>
         </a:solidFill>
+        <a:effectLst/>
       </p:bgPr>
     </p:bg>
     <p:spTree>
@@ -1464,7 +1593,7 @@
         <p:nvSpPr>
           <p:cNvPr id="0" name="PlaceHolder 1"/>
           <p:cNvSpPr>
-            <a:spLocks noGrp="1"/>
+            <a:spLocks noGrp="true"/>
           </p:cNvSpPr>
           <p:nvPr>
             <p:ph type="title"/>
@@ -1480,10 +1609,10 @@
           </a:prstGeom>
         </p:spPr>
         <p:txBody>
-          <a:bodyPr lIns="0" rIns="0" tIns="0" bIns="0" anchor="ctr"/>
+          <a:bodyPr lIns="0" tIns="0" rIns="0" bIns="0" anchor="ctr"/>
           <a:p>
             <a:r>
-              <a:rPr b="0" lang="en-US" sz="4400" spc="-1" strike="noStrike">
+              <a:rPr lang="en-US" sz="4400" b="0" strike="noStrike" spc="-1">
                 <a:solidFill>
                   <a:srgbClr val="000000"/>
                 </a:solidFill>
@@ -1491,20 +1620,20 @@
               </a:rPr>
               <a:t>Click to edit the title text format</a:t>
             </a:r>
-            <a:endParaRPr b="0" lang="en-US" sz="4400" spc="-1" strike="noStrike">
-              <a:solidFill>
-                <a:srgbClr val="000000"/>
-              </a:solidFill>
-              <a:latin typeface="Arial"/>
-            </a:endParaRPr>
-          </a:p>
-        </p:txBody>
-      </p:sp>
-      <p:sp>
-        <p:nvSpPr>
-          <p:cNvPr id="1" name="PlaceHolder 2"/>
-          <p:cNvSpPr>
-            <a:spLocks noGrp="1"/>
+            <a:endParaRPr lang="en-US" sz="4400" b="0" strike="noStrike" spc="-1">
+              <a:solidFill>
+                <a:srgbClr val="000000"/>
+              </a:solidFill>
+              <a:latin typeface="Arial"/>
+            </a:endParaRPr>
+          </a:p>
+        </p:txBody>
+      </p:sp>
+      <p:sp>
+        <p:nvSpPr>
+          <p:cNvPr id="2" name="PlaceHolder 2"/>
+          <p:cNvSpPr>
+            <a:spLocks noGrp="true"/>
           </p:cNvSpPr>
           <p:nvPr>
             <p:ph type="body"/>
@@ -1520,23 +1649,23 @@
           </a:prstGeom>
         </p:spPr>
         <p:txBody>
-          <a:bodyPr lIns="0" rIns="0" tIns="0" bIns="0">
+          <a:bodyPr lIns="0" tIns="0" rIns="0" bIns="0">
             <a:normAutofit/>
           </a:bodyPr>
           <a:p>
-            <a:pPr marL="432000" indent="-324000">
+            <a:pPr marL="431800" indent="-323850">
               <a:spcBef>
-                <a:spcPts val="1417"/>
+                <a:spcPts val="1415"/>
               </a:spcBef>
               <a:buClr>
                 <a:srgbClr val="000000"/>
               </a:buClr>
               <a:buSzPct val="45000"/>
-              <a:buFont typeface="Wingdings" charset="2"/>
+              <a:buFont typeface="Wingdings" panose="05000000000000000000" pitchFamily="2" charset="2"/>
               <a:buChar char=""/>
             </a:pPr>
             <a:r>
-              <a:rPr b="0" lang="en-US" sz="2800" spc="-1" strike="noStrike">
+              <a:rPr lang="en-US" sz="2800" b="0" strike="noStrike" spc="-1">
                 <a:solidFill>
                   <a:srgbClr val="000000"/>
                 </a:solidFill>
@@ -1544,17 +1673,17 @@
               </a:rPr>
               <a:t>Click to edit the outline text format</a:t>
             </a:r>
-            <a:endParaRPr b="0" lang="en-US" sz="2800" spc="-1" strike="noStrike">
-              <a:solidFill>
-                <a:srgbClr val="000000"/>
-              </a:solidFill>
-              <a:latin typeface="Arial"/>
-            </a:endParaRPr>
-          </a:p>
-          <a:p>
-            <a:pPr lvl="1" marL="864000" indent="-324000">
+            <a:endParaRPr lang="en-US" sz="2800" b="0" strike="noStrike" spc="-1">
+              <a:solidFill>
+                <a:srgbClr val="000000"/>
+              </a:solidFill>
+              <a:latin typeface="Arial"/>
+            </a:endParaRPr>
+          </a:p>
+          <a:p>
+            <a:pPr marL="864235" lvl="1" indent="-323850">
               <a:spcBef>
-                <a:spcPts val="1134"/>
+                <a:spcPts val="1135"/>
               </a:spcBef>
               <a:buClr>
                 <a:srgbClr val="000000"/>
@@ -1564,7 +1693,7 @@
               <a:buChar char=""/>
             </a:pPr>
             <a:r>
-              <a:rPr b="0" lang="en-US" sz="2800" spc="-1" strike="noStrike">
+              <a:rPr lang="en-US" sz="2800" b="0" strike="noStrike" spc="-1">
                 <a:solidFill>
                   <a:srgbClr val="000000"/>
                 </a:solidFill>
@@ -1572,15 +1701,15 @@
               </a:rPr>
               <a:t>Second Outline Level</a:t>
             </a:r>
-            <a:endParaRPr b="0" lang="en-US" sz="2800" spc="-1" strike="noStrike">
-              <a:solidFill>
-                <a:srgbClr val="000000"/>
-              </a:solidFill>
-              <a:latin typeface="Arial"/>
-            </a:endParaRPr>
-          </a:p>
-          <a:p>
-            <a:pPr lvl="2" marL="1296000" indent="-288000">
+            <a:endParaRPr lang="en-US" sz="2800" b="0" strike="noStrike" spc="-1">
+              <a:solidFill>
+                <a:srgbClr val="000000"/>
+              </a:solidFill>
+              <a:latin typeface="Arial"/>
+            </a:endParaRPr>
+          </a:p>
+          <a:p>
+            <a:pPr marL="1296035" lvl="2" indent="-288290">
               <a:spcBef>
                 <a:spcPts val="850"/>
               </a:spcBef>
@@ -1588,11 +1717,11 @@
                 <a:srgbClr val="000000"/>
               </a:buClr>
               <a:buSzPct val="45000"/>
-              <a:buFont typeface="Wingdings" charset="2"/>
+              <a:buFont typeface="Wingdings" panose="05000000000000000000" pitchFamily="2" charset="2"/>
               <a:buChar char=""/>
             </a:pPr>
             <a:r>
-              <a:rPr b="0" lang="en-US" sz="2800" spc="-1" strike="noStrike">
+              <a:rPr lang="en-US" sz="2800" b="0" strike="noStrike" spc="-1">
                 <a:solidFill>
                   <a:srgbClr val="000000"/>
                 </a:solidFill>
@@ -1600,17 +1729,17 @@
               </a:rPr>
               <a:t>Third Outline Level</a:t>
             </a:r>
-            <a:endParaRPr b="0" lang="en-US" sz="2800" spc="-1" strike="noStrike">
-              <a:solidFill>
-                <a:srgbClr val="000000"/>
-              </a:solidFill>
-              <a:latin typeface="Arial"/>
-            </a:endParaRPr>
-          </a:p>
-          <a:p>
-            <a:pPr lvl="3" marL="1728000" indent="-216000">
+            <a:endParaRPr lang="en-US" sz="2800" b="0" strike="noStrike" spc="-1">
+              <a:solidFill>
+                <a:srgbClr val="000000"/>
+              </a:solidFill>
+              <a:latin typeface="Arial"/>
+            </a:endParaRPr>
+          </a:p>
+          <a:p>
+            <a:pPr marL="1727835" lvl="3" indent="-215900">
               <a:spcBef>
-                <a:spcPts val="567"/>
+                <a:spcPts val="565"/>
               </a:spcBef>
               <a:buClr>
                 <a:srgbClr val="000000"/>
@@ -1620,7 +1749,7 @@
               <a:buChar char=""/>
             </a:pPr>
             <a:r>
-              <a:rPr b="0" lang="en-US" sz="2800" spc="-1" strike="noStrike">
+              <a:rPr lang="en-US" sz="2800" b="0" strike="noStrike" spc="-1">
                 <a:solidFill>
                   <a:srgbClr val="000000"/>
                 </a:solidFill>
@@ -1628,27 +1757,27 @@
               </a:rPr>
               <a:t>Fourth Outline Level</a:t>
             </a:r>
-            <a:endParaRPr b="0" lang="en-US" sz="2800" spc="-1" strike="noStrike">
-              <a:solidFill>
-                <a:srgbClr val="000000"/>
-              </a:solidFill>
-              <a:latin typeface="Arial"/>
-            </a:endParaRPr>
-          </a:p>
-          <a:p>
-            <a:pPr lvl="4" marL="2160000" indent="-216000">
+            <a:endParaRPr lang="en-US" sz="2800" b="0" strike="noStrike" spc="-1">
+              <a:solidFill>
+                <a:srgbClr val="000000"/>
+              </a:solidFill>
+              <a:latin typeface="Arial"/>
+            </a:endParaRPr>
+          </a:p>
+          <a:p>
+            <a:pPr marL="2160270" lvl="4" indent="-215900">
               <a:spcBef>
-                <a:spcPts val="283"/>
+                <a:spcPts val="285"/>
               </a:spcBef>
               <a:buClr>
                 <a:srgbClr val="000000"/>
               </a:buClr>
               <a:buSzPct val="45000"/>
-              <a:buFont typeface="Wingdings" charset="2"/>
+              <a:buFont typeface="Wingdings" panose="05000000000000000000" pitchFamily="2" charset="2"/>
               <a:buChar char=""/>
             </a:pPr>
             <a:r>
-              <a:rPr b="0" lang="en-US" sz="2800" spc="-1" strike="noStrike">
+              <a:rPr lang="en-US" sz="2800" b="0" strike="noStrike" spc="-1">
                 <a:solidFill>
                   <a:srgbClr val="000000"/>
                 </a:solidFill>
@@ -1656,27 +1785,27 @@
               </a:rPr>
               <a:t>Fifth Outline Level</a:t>
             </a:r>
-            <a:endParaRPr b="0" lang="en-US" sz="2800" spc="-1" strike="noStrike">
-              <a:solidFill>
-                <a:srgbClr val="000000"/>
-              </a:solidFill>
-              <a:latin typeface="Arial"/>
-            </a:endParaRPr>
-          </a:p>
-          <a:p>
-            <a:pPr lvl="5" marL="2592000" indent="-216000">
+            <a:endParaRPr lang="en-US" sz="2800" b="0" strike="noStrike" spc="-1">
+              <a:solidFill>
+                <a:srgbClr val="000000"/>
+              </a:solidFill>
+              <a:latin typeface="Arial"/>
+            </a:endParaRPr>
+          </a:p>
+          <a:p>
+            <a:pPr marL="2592070" lvl="5" indent="-215900">
               <a:spcBef>
-                <a:spcPts val="283"/>
+                <a:spcPts val="285"/>
               </a:spcBef>
               <a:buClr>
                 <a:srgbClr val="000000"/>
               </a:buClr>
               <a:buSzPct val="45000"/>
-              <a:buFont typeface="Wingdings" charset="2"/>
+              <a:buFont typeface="Wingdings" panose="05000000000000000000" pitchFamily="2" charset="2"/>
               <a:buChar char=""/>
             </a:pPr>
             <a:r>
-              <a:rPr b="0" lang="en-US" sz="2800" spc="-1" strike="noStrike">
+              <a:rPr lang="en-US" sz="2800" b="0" strike="noStrike" spc="-1">
                 <a:solidFill>
                   <a:srgbClr val="000000"/>
                 </a:solidFill>
@@ -1684,27 +1813,27 @@
               </a:rPr>
               <a:t>Sixth Outline Level</a:t>
             </a:r>
-            <a:endParaRPr b="0" lang="en-US" sz="2800" spc="-1" strike="noStrike">
-              <a:solidFill>
-                <a:srgbClr val="000000"/>
-              </a:solidFill>
-              <a:latin typeface="Arial"/>
-            </a:endParaRPr>
-          </a:p>
-          <a:p>
-            <a:pPr lvl="6" marL="3024000" indent="-216000">
+            <a:endParaRPr lang="en-US" sz="2800" b="0" strike="noStrike" spc="-1">
+              <a:solidFill>
+                <a:srgbClr val="000000"/>
+              </a:solidFill>
+              <a:latin typeface="Arial"/>
+            </a:endParaRPr>
+          </a:p>
+          <a:p>
+            <a:pPr marL="3023870" lvl="6" indent="-215900">
               <a:spcBef>
-                <a:spcPts val="283"/>
+                <a:spcPts val="285"/>
               </a:spcBef>
               <a:buClr>
                 <a:srgbClr val="000000"/>
               </a:buClr>
               <a:buSzPct val="45000"/>
-              <a:buFont typeface="Wingdings" charset="2"/>
+              <a:buFont typeface="Wingdings" panose="05000000000000000000" pitchFamily="2" charset="2"/>
               <a:buChar char=""/>
             </a:pPr>
             <a:r>
-              <a:rPr b="0" lang="en-US" sz="2800" spc="-1" strike="noStrike">
+              <a:rPr lang="en-US" sz="2800" b="0" strike="noStrike" spc="-1">
                 <a:solidFill>
                   <a:srgbClr val="000000"/>
                 </a:solidFill>
@@ -1712,7 +1841,7 @@
               </a:rPr>
               <a:t>Seventh Outline Level</a:t>
             </a:r>
-            <a:endParaRPr b="0" lang="en-US" sz="2800" spc="-1" strike="noStrike">
+            <a:endParaRPr lang="en-US" sz="2800" b="0" strike="noStrike" spc="-1">
               <a:solidFill>
                 <a:srgbClr val="000000"/>
               </a:solidFill>
@@ -1723,26 +1852,31 @@
       </p:sp>
     </p:spTree>
   </p:cSld>
-  <p:clrMap bg1="lt1" bg2="lt2" tx1="dk1" tx2="dk2" accent1="accent1" accent2="accent2" accent3="accent3" accent4="accent4" accent5="accent5" accent6="accent6" hlink="hlink" folHlink="folHlink"/>
+  <p:clrMap bg1="lt1" tx1="dk1" bg2="lt2" tx2="dk2" accent1="accent1" accent2="accent2" accent3="accent3" accent4="accent4" accent5="accent5" accent6="accent6" hlink="hlink" folHlink="folHlink"/>
   <p:sldLayoutIdLst>
-    <p:sldLayoutId id="2147483649" r:id="rId2"/>
-    <p:sldLayoutId id="2147483650" r:id="rId3"/>
-    <p:sldLayoutId id="2147483651" r:id="rId4"/>
-    <p:sldLayoutId id="2147483652" r:id="rId5"/>
-    <p:sldLayoutId id="2147483653" r:id="rId6"/>
-    <p:sldLayoutId id="2147483654" r:id="rId7"/>
-    <p:sldLayoutId id="2147483655" r:id="rId8"/>
-    <p:sldLayoutId id="2147483656" r:id="rId9"/>
-    <p:sldLayoutId id="2147483657" r:id="rId10"/>
-    <p:sldLayoutId id="2147483658" r:id="rId11"/>
-    <p:sldLayoutId id="2147483659" r:id="rId12"/>
-    <p:sldLayoutId id="2147483660" r:id="rId13"/>
+    <p:sldLayoutId id="2147483649" r:id="rId1"/>
+    <p:sldLayoutId id="2147483650" r:id="rId2"/>
+    <p:sldLayoutId id="2147483651" r:id="rId3"/>
+    <p:sldLayoutId id="2147483652" r:id="rId4"/>
+    <p:sldLayoutId id="2147483653" r:id="rId5"/>
+    <p:sldLayoutId id="2147483654" r:id="rId6"/>
+    <p:sldLayoutId id="2147483655" r:id="rId7"/>
+    <p:sldLayoutId id="2147483656" r:id="rId8"/>
+    <p:sldLayoutId id="2147483657" r:id="rId9"/>
+    <p:sldLayoutId id="2147483658" r:id="rId10"/>
+    <p:sldLayoutId id="2147483659" r:id="rId11"/>
+    <p:sldLayoutId id="2147483660" r:id="rId12"/>
   </p:sldLayoutIdLst>
+  <p:txStyles>
+    <p:titleStyle/>
+    <p:bodyStyle/>
+    <p:otherStyle/>
+  </p:txStyles>
 </p:sldMaster>
 </file>
 
 <file path=ppt/slides/slide1.xml><?xml version="1.0" encoding="utf-8"?>
-<p:sld xmlns:a="http://schemas.openxmlformats.org/drawingml/2006/main" xmlns:p="http://schemas.openxmlformats.org/presentationml/2006/main" xmlns:r="http://schemas.openxmlformats.org/officeDocument/2006/relationships" xmlns:p14="http://schemas.microsoft.com/office/powerpoint/2010/main" xmlns:p15="http://schemas.microsoft.com/office/powerpoint/2012/main" xmlns:mc="http://schemas.openxmlformats.org/markup-compatibility/2006">
+<p:sld xmlns:a="http://schemas.openxmlformats.org/drawingml/2006/main" xmlns:r="http://schemas.openxmlformats.org/officeDocument/2006/relationships" xmlns:p="http://schemas.openxmlformats.org/presentationml/2006/main">
   <p:cSld>
     <p:spTree>
       <p:nvGrpSpPr>
@@ -1774,7 +1908,7 @@
           </a:prstGeom>
           <a:ln>
             <a:solidFill>
-              <a:srgbClr val="5597d3"/>
+              <a:srgbClr val="5597D3"/>
             </a:solidFill>
             <a:round/>
           </a:ln>
@@ -1808,7 +1942,7 @@
           </a:prstGeom>
           <a:ln>
             <a:solidFill>
-              <a:srgbClr val="5597d3"/>
+              <a:srgbClr val="5597D3"/>
             </a:solidFill>
             <a:round/>
           </a:ln>
@@ -1842,7 +1976,7 @@
           </a:prstGeom>
           <a:ln>
             <a:solidFill>
-              <a:srgbClr val="5597d3"/>
+              <a:srgbClr val="5597D3"/>
             </a:solidFill>
             <a:round/>
           </a:ln>
@@ -1867,7 +2001,7 @@
           <p:nvPr/>
         </p:nvSpPr>
         <p:spPr>
-          <a:xfrm flipV="1">
+          <a:xfrm flipV="true">
             <a:off x="11549520" y="798840"/>
             <a:ext cx="195480" cy="5255640"/>
           </a:xfrm>
@@ -1876,7 +2010,7 @@
           </a:prstGeom>
           <a:ln>
             <a:solidFill>
-              <a:srgbClr val="5597d3"/>
+              <a:srgbClr val="5597D3"/>
             </a:solidFill>
             <a:round/>
           </a:ln>
@@ -1914,13 +2048,19 @@
           </a:ln>
         </p:spPr>
         <p:style>
-          <a:lnRef idx="0"/>
-          <a:fillRef idx="0"/>
-          <a:effectRef idx="0"/>
+          <a:lnRef idx="0">
+            <a:srgbClr val="FFFFFF"/>
+          </a:lnRef>
+          <a:fillRef idx="0">
+            <a:srgbClr val="FFFFFF"/>
+          </a:fillRef>
+          <a:effectRef idx="0">
+            <a:srgbClr val="FFFFFF"/>
+          </a:effectRef>
           <a:fontRef idx="minor"/>
         </p:style>
         <p:txBody>
-          <a:bodyPr wrap="none" lIns="90000" rIns="90000" tIns="45000" bIns="45000"/>
+          <a:bodyPr wrap="none" lIns="90000" tIns="45000" rIns="90000" bIns="45000"/>
           <a:p>
             <a:pPr>
               <a:lnSpc>
@@ -1928,16 +2068,16 @@
               </a:lnSpc>
             </a:pPr>
             <a:r>
-              <a:rPr b="0" lang="en-GB" sz="1800" spc="-1" strike="noStrike">
+              <a:rPr lang="en-GB" sz="1800" b="0" strike="noStrike" spc="-1">
                 <a:solidFill>
                   <a:srgbClr val="000000"/>
                 </a:solidFill>
                 <a:latin typeface="等线"/>
-                <a:ea typeface="DejaVu Sans"/>
+                <a:ea typeface="DejaVu Sans" panose="020B0603030804020204"/>
               </a:rPr>
               <a:t>0</a:t>
             </a:r>
-            <a:endParaRPr b="0" lang="en-GB" sz="1800" spc="-1" strike="noStrike">
+            <a:endParaRPr lang="en-GB" sz="1800" b="0" strike="noStrike" spc="-1">
               <a:latin typeface="Arial"/>
             </a:endParaRPr>
           </a:p>
@@ -1963,13 +2103,19 @@
           </a:ln>
         </p:spPr>
         <p:style>
-          <a:lnRef idx="0"/>
-          <a:fillRef idx="0"/>
-          <a:effectRef idx="0"/>
+          <a:lnRef idx="0">
+            <a:srgbClr val="FFFFFF"/>
+          </a:lnRef>
+          <a:fillRef idx="0">
+            <a:srgbClr val="FFFFFF"/>
+          </a:fillRef>
+          <a:effectRef idx="0">
+            <a:srgbClr val="FFFFFF"/>
+          </a:effectRef>
           <a:fontRef idx="minor"/>
         </p:style>
         <p:txBody>
-          <a:bodyPr wrap="none" lIns="90000" rIns="90000" tIns="45000" bIns="45000"/>
+          <a:bodyPr wrap="none" lIns="90000" tIns="45000" rIns="90000" bIns="45000"/>
           <a:p>
             <a:pPr>
               <a:lnSpc>
@@ -1977,16 +2123,16 @@
               </a:lnSpc>
             </a:pPr>
             <a:r>
-              <a:rPr b="0" lang="en-GB" sz="1800" spc="-1" strike="noStrike">
+              <a:rPr lang="en-GB" sz="1800" b="0" strike="noStrike" spc="-1">
                 <a:solidFill>
                   <a:srgbClr val="000000"/>
                 </a:solidFill>
                 <a:latin typeface="等线"/>
-                <a:ea typeface="DejaVu Sans"/>
+                <a:ea typeface="DejaVu Sans" panose="020B0603030804020204"/>
               </a:rPr>
               <a:t>6</a:t>
             </a:r>
-            <a:endParaRPr b="0" lang="en-GB" sz="1800" spc="-1" strike="noStrike">
+            <a:endParaRPr lang="en-GB" sz="1800" b="0" strike="noStrike" spc="-1">
               <a:latin typeface="Arial"/>
             </a:endParaRPr>
           </a:p>
@@ -2012,13 +2158,19 @@
           </a:ln>
         </p:spPr>
         <p:style>
-          <a:lnRef idx="0"/>
-          <a:fillRef idx="0"/>
-          <a:effectRef idx="0"/>
+          <a:lnRef idx="0">
+            <a:srgbClr val="FFFFFF"/>
+          </a:lnRef>
+          <a:fillRef idx="0">
+            <a:srgbClr val="FFFFFF"/>
+          </a:fillRef>
+          <a:effectRef idx="0">
+            <a:srgbClr val="FFFFFF"/>
+          </a:effectRef>
           <a:fontRef idx="minor"/>
         </p:style>
         <p:txBody>
-          <a:bodyPr wrap="none" lIns="90000" rIns="90000" tIns="45000" bIns="45000"/>
+          <a:bodyPr wrap="none" lIns="90000" tIns="45000" rIns="90000" bIns="45000"/>
           <a:p>
             <a:pPr>
               <a:lnSpc>
@@ -2026,16 +2178,16 @@
               </a:lnSpc>
             </a:pPr>
             <a:r>
-              <a:rPr b="0" lang="en-GB" sz="1800" spc="-1" strike="noStrike">
+              <a:rPr lang="en-GB" sz="1800" b="0" strike="noStrike" spc="-1">
                 <a:solidFill>
                   <a:srgbClr val="000000"/>
                 </a:solidFill>
                 <a:latin typeface="等线"/>
-                <a:ea typeface="DejaVu Sans"/>
+                <a:ea typeface="DejaVu Sans" panose="020B0603030804020204"/>
               </a:rPr>
               <a:t>2</a:t>
             </a:r>
-            <a:endParaRPr b="0" lang="en-GB" sz="1800" spc="-1" strike="noStrike">
+            <a:endParaRPr lang="en-GB" sz="1800" b="0" strike="noStrike" spc="-1">
               <a:latin typeface="Arial"/>
             </a:endParaRPr>
           </a:p>
@@ -2061,13 +2213,19 @@
           </a:ln>
         </p:spPr>
         <p:style>
-          <a:lnRef idx="0"/>
-          <a:fillRef idx="0"/>
-          <a:effectRef idx="0"/>
+          <a:lnRef idx="0">
+            <a:srgbClr val="FFFFFF"/>
+          </a:lnRef>
+          <a:fillRef idx="0">
+            <a:srgbClr val="FFFFFF"/>
+          </a:fillRef>
+          <a:effectRef idx="0">
+            <a:srgbClr val="FFFFFF"/>
+          </a:effectRef>
           <a:fontRef idx="minor"/>
         </p:style>
         <p:txBody>
-          <a:bodyPr wrap="none" lIns="90000" rIns="90000" tIns="45000" bIns="45000"/>
+          <a:bodyPr wrap="none" lIns="90000" tIns="45000" rIns="90000" bIns="45000"/>
           <a:p>
             <a:pPr>
               <a:lnSpc>
@@ -2075,16 +2233,16 @@
               </a:lnSpc>
             </a:pPr>
             <a:r>
-              <a:rPr b="0" lang="en-GB" sz="1800" spc="-1" strike="noStrike">
+              <a:rPr lang="en-GB" sz="1800" b="0" strike="noStrike" spc="-1">
                 <a:solidFill>
                   <a:srgbClr val="000000"/>
                 </a:solidFill>
                 <a:latin typeface="等线"/>
-                <a:ea typeface="DejaVu Sans"/>
+                <a:ea typeface="DejaVu Sans" panose="020B0603030804020204"/>
               </a:rPr>
               <a:t>9</a:t>
             </a:r>
-            <a:endParaRPr b="0" lang="en-GB" sz="1800" spc="-1" strike="noStrike">
+            <a:endParaRPr lang="en-GB" sz="1800" b="0" strike="noStrike" spc="-1">
               <a:latin typeface="Arial"/>
             </a:endParaRPr>
           </a:p>
@@ -2097,7 +2255,7 @@
           <p:nvPr/>
         </p:nvSpPr>
         <p:spPr>
-          <a:xfrm flipV="1">
+          <a:xfrm flipV="true">
             <a:off x="745560" y="3323520"/>
             <a:ext cx="10928520" cy="99000"/>
           </a:xfrm>
@@ -2106,7 +2264,7 @@
           </a:prstGeom>
           <a:ln>
             <a:solidFill>
-              <a:srgbClr val="5597d3"/>
+              <a:srgbClr val="5597D3"/>
             </a:solidFill>
             <a:round/>
           </a:ln>
@@ -2131,7 +2289,7 @@
           <p:nvPr/>
         </p:nvSpPr>
         <p:spPr>
-          <a:xfrm flipH="1">
+          <a:xfrm flipH="true">
             <a:off x="3484440" y="765720"/>
             <a:ext cx="23760" cy="5289120"/>
           </a:xfrm>
@@ -2140,7 +2298,7 @@
           </a:prstGeom>
           <a:ln>
             <a:solidFill>
-              <a:srgbClr val="5597d3"/>
+              <a:srgbClr val="5597D3"/>
             </a:solidFill>
             <a:round/>
           </a:ln>
@@ -2178,13 +2336,19 @@
           </a:ln>
         </p:spPr>
         <p:style>
-          <a:lnRef idx="0"/>
-          <a:fillRef idx="0"/>
-          <a:effectRef idx="0"/>
+          <a:lnRef idx="0">
+            <a:srgbClr val="FFFFFF"/>
+          </a:lnRef>
+          <a:fillRef idx="0">
+            <a:srgbClr val="FFFFFF"/>
+          </a:fillRef>
+          <a:effectRef idx="0">
+            <a:srgbClr val="FFFFFF"/>
+          </a:effectRef>
           <a:fontRef idx="minor"/>
         </p:style>
         <p:txBody>
-          <a:bodyPr wrap="none" lIns="90000" rIns="90000" tIns="45000" bIns="45000"/>
+          <a:bodyPr wrap="none" lIns="90000" tIns="45000" rIns="90000" bIns="45000"/>
           <a:p>
             <a:pPr>
               <a:lnSpc>
@@ -2192,16 +2356,16 @@
               </a:lnSpc>
             </a:pPr>
             <a:r>
-              <a:rPr b="0" lang="en-GB" sz="1800" spc="-1" strike="noStrike">
+              <a:rPr lang="en-GB" sz="1800" b="0" strike="noStrike" spc="-1">
                 <a:solidFill>
                   <a:srgbClr val="000000"/>
                 </a:solidFill>
                 <a:latin typeface="等线"/>
-                <a:ea typeface="DejaVu Sans"/>
+                <a:ea typeface="DejaVu Sans" panose="020B0603030804020204"/>
               </a:rPr>
               <a:t>7</a:t>
             </a:r>
-            <a:endParaRPr b="0" lang="en-GB" sz="1800" spc="-1" strike="noStrike">
+            <a:endParaRPr lang="en-GB" sz="1800" b="0" strike="noStrike" spc="-1">
               <a:latin typeface="Arial"/>
             </a:endParaRPr>
           </a:p>
@@ -2227,13 +2391,19 @@
           </a:ln>
         </p:spPr>
         <p:style>
-          <a:lnRef idx="0"/>
-          <a:fillRef idx="0"/>
-          <a:effectRef idx="0"/>
+          <a:lnRef idx="0">
+            <a:srgbClr val="FFFFFF"/>
+          </a:lnRef>
+          <a:fillRef idx="0">
+            <a:srgbClr val="FFFFFF"/>
+          </a:fillRef>
+          <a:effectRef idx="0">
+            <a:srgbClr val="FFFFFF"/>
+          </a:effectRef>
           <a:fontRef idx="minor"/>
         </p:style>
         <p:txBody>
-          <a:bodyPr wrap="none" lIns="90000" rIns="90000" tIns="45000" bIns="45000"/>
+          <a:bodyPr wrap="none" lIns="90000" tIns="45000" rIns="90000" bIns="45000"/>
           <a:p>
             <a:pPr>
               <a:lnSpc>
@@ -2241,16 +2411,16 @@
               </a:lnSpc>
             </a:pPr>
             <a:r>
-              <a:rPr b="0" lang="en-GB" sz="1800" spc="-1" strike="noStrike">
+              <a:rPr lang="en-GB" sz="1800" b="0" strike="noStrike" spc="-1">
                 <a:solidFill>
                   <a:srgbClr val="000000"/>
                 </a:solidFill>
                 <a:latin typeface="等线"/>
-                <a:ea typeface="DejaVu Sans"/>
+                <a:ea typeface="DejaVu Sans" panose="020B0603030804020204"/>
               </a:rPr>
               <a:t>4</a:t>
             </a:r>
-            <a:endParaRPr b="0" lang="en-GB" sz="1800" spc="-1" strike="noStrike">
+            <a:endParaRPr lang="en-GB" sz="1800" b="0" strike="noStrike" spc="-1">
               <a:latin typeface="Arial"/>
             </a:endParaRPr>
           </a:p>
@@ -2276,13 +2446,19 @@
           </a:ln>
         </p:spPr>
         <p:style>
-          <a:lnRef idx="0"/>
-          <a:fillRef idx="0"/>
-          <a:effectRef idx="0"/>
+          <a:lnRef idx="0">
+            <a:srgbClr val="FFFFFF"/>
+          </a:lnRef>
+          <a:fillRef idx="0">
+            <a:srgbClr val="FFFFFF"/>
+          </a:fillRef>
+          <a:effectRef idx="0">
+            <a:srgbClr val="FFFFFF"/>
+          </a:effectRef>
           <a:fontRef idx="minor"/>
         </p:style>
         <p:txBody>
-          <a:bodyPr wrap="none" lIns="90000" rIns="90000" tIns="45000" bIns="45000"/>
+          <a:bodyPr wrap="none" lIns="90000" tIns="45000" rIns="90000" bIns="45000"/>
           <a:p>
             <a:pPr>
               <a:lnSpc>
@@ -2290,16 +2466,16 @@
               </a:lnSpc>
             </a:pPr>
             <a:r>
-              <a:rPr b="0" lang="en-GB" sz="1800" spc="-1" strike="noStrike">
+              <a:rPr lang="en-GB" sz="1800" b="0" strike="noStrike" spc="-1">
                 <a:solidFill>
                   <a:srgbClr val="000000"/>
                 </a:solidFill>
                 <a:latin typeface="等线"/>
-                <a:ea typeface="DejaVu Sans"/>
+                <a:ea typeface="DejaVu Sans" panose="020B0603030804020204"/>
               </a:rPr>
               <a:t>5</a:t>
             </a:r>
-            <a:endParaRPr b="0" lang="en-GB" sz="1800" spc="-1" strike="noStrike">
+            <a:endParaRPr lang="en-GB" sz="1800" b="0" strike="noStrike" spc="-1">
               <a:latin typeface="Arial"/>
             </a:endParaRPr>
           </a:p>
@@ -2325,13 +2501,19 @@
           </a:ln>
         </p:spPr>
         <p:style>
-          <a:lnRef idx="0"/>
-          <a:fillRef idx="0"/>
-          <a:effectRef idx="0"/>
+          <a:lnRef idx="0">
+            <a:srgbClr val="FFFFFF"/>
+          </a:lnRef>
+          <a:fillRef idx="0">
+            <a:srgbClr val="FFFFFF"/>
+          </a:fillRef>
+          <a:effectRef idx="0">
+            <a:srgbClr val="FFFFFF"/>
+          </a:effectRef>
           <a:fontRef idx="minor"/>
         </p:style>
         <p:txBody>
-          <a:bodyPr wrap="none" lIns="90000" rIns="90000" tIns="45000" bIns="45000"/>
+          <a:bodyPr wrap="none" lIns="90000" tIns="45000" rIns="90000" bIns="45000"/>
           <a:p>
             <a:pPr>
               <a:lnSpc>
@@ -2339,16 +2521,16 @@
               </a:lnSpc>
             </a:pPr>
             <a:r>
-              <a:rPr b="0" lang="en-GB" sz="1800" spc="-1" strike="noStrike">
+              <a:rPr lang="en-GB" sz="1800" b="0" strike="noStrike" spc="-1">
                 <a:solidFill>
                   <a:srgbClr val="000000"/>
                 </a:solidFill>
                 <a:latin typeface="等线"/>
-                <a:ea typeface="DejaVu Sans"/>
+                <a:ea typeface="DejaVu Sans" panose="020B0603030804020204"/>
               </a:rPr>
               <a:t>1</a:t>
             </a:r>
-            <a:endParaRPr b="0" lang="en-GB" sz="1800" spc="-1" strike="noStrike">
+            <a:endParaRPr lang="en-GB" sz="1800" b="0" strike="noStrike" spc="-1">
               <a:latin typeface="Arial"/>
             </a:endParaRPr>
           </a:p>
@@ -2374,13 +2556,19 @@
           </a:ln>
         </p:spPr>
         <p:style>
-          <a:lnRef idx="0"/>
-          <a:fillRef idx="0"/>
-          <a:effectRef idx="0"/>
+          <a:lnRef idx="0">
+            <a:srgbClr val="FFFFFF"/>
+          </a:lnRef>
+          <a:fillRef idx="0">
+            <a:srgbClr val="FFFFFF"/>
+          </a:fillRef>
+          <a:effectRef idx="0">
+            <a:srgbClr val="FFFFFF"/>
+          </a:effectRef>
           <a:fontRef idx="minor"/>
         </p:style>
         <p:txBody>
-          <a:bodyPr lIns="90000" rIns="90000" tIns="45000" bIns="45000"/>
+          <a:bodyPr lIns="90000" tIns="45000" rIns="90000" bIns="45000"/>
           <a:p>
             <a:pPr>
               <a:lnSpc>
@@ -2388,16 +2576,16 @@
               </a:lnSpc>
             </a:pPr>
             <a:r>
-              <a:rPr b="0" lang="en-GB" sz="1800" spc="-1" strike="noStrike">
+              <a:rPr lang="en-GB" sz="1800" b="0" strike="noStrike" spc="-1">
                 <a:solidFill>
                   <a:srgbClr val="000000"/>
                 </a:solidFill>
                 <a:latin typeface="Arial"/>
-                <a:ea typeface="DejaVu Sans"/>
+                <a:ea typeface="DejaVu Sans" panose="020B0603030804020204"/>
               </a:rPr>
               <a:t>8</a:t>
             </a:r>
-            <a:endParaRPr b="0" lang="en-GB" sz="1800" spc="-1" strike="noStrike">
+            <a:endParaRPr lang="en-GB" sz="1800" b="0" strike="noStrike" spc="-1">
               <a:latin typeface="Arial"/>
             </a:endParaRPr>
           </a:p>
@@ -2417,12 +2605,17 @@
           <a:prstGeom prst="line">
             <a:avLst/>
           </a:prstGeom>
-          <a:ln/>
         </p:spPr>
         <p:style>
-          <a:lnRef idx="0"/>
-          <a:fillRef idx="0"/>
-          <a:effectRef idx="0"/>
+          <a:lnRef idx="0">
+            <a:srgbClr val="FFFFFF"/>
+          </a:lnRef>
+          <a:fillRef idx="0">
+            <a:srgbClr val="FFFFFF"/>
+          </a:fillRef>
+          <a:effectRef idx="0">
+            <a:srgbClr val="FFFFFF"/>
+          </a:effectRef>
           <a:fontRef idx="minor"/>
         </p:style>
       </p:sp>
@@ -2446,13 +2639,19 @@
           </a:ln>
         </p:spPr>
         <p:style>
-          <a:lnRef idx="0"/>
-          <a:fillRef idx="0"/>
-          <a:effectRef idx="0"/>
+          <a:lnRef idx="0">
+            <a:srgbClr val="FFFFFF"/>
+          </a:lnRef>
+          <a:fillRef idx="0">
+            <a:srgbClr val="FFFFFF"/>
+          </a:fillRef>
+          <a:effectRef idx="0">
+            <a:srgbClr val="FFFFFF"/>
+          </a:effectRef>
           <a:fontRef idx="minor"/>
         </p:style>
         <p:txBody>
-          <a:bodyPr wrap="none" lIns="90000" rIns="90000" tIns="45000" bIns="45000"/>
+          <a:bodyPr wrap="none" lIns="90000" tIns="45000" rIns="90000" bIns="45000"/>
           <a:p>
             <a:pPr>
               <a:lnSpc>
@@ -2460,16 +2659,16 @@
               </a:lnSpc>
             </a:pPr>
             <a:r>
-              <a:rPr b="0" lang="en-GB" sz="1800" spc="-1" strike="noStrike">
+              <a:rPr lang="en-GB" sz="1800" b="0" strike="noStrike" spc="-1">
                 <a:solidFill>
                   <a:srgbClr val="000000"/>
                 </a:solidFill>
                 <a:latin typeface="等线"/>
-                <a:ea typeface="DejaVu Sans"/>
+                <a:ea typeface="DejaVu Sans" panose="020B0603030804020204"/>
               </a:rPr>
               <a:t>3</a:t>
             </a:r>
-            <a:endParaRPr b="0" lang="en-GB" sz="1800" spc="-1" strike="noStrike">
+            <a:endParaRPr lang="en-GB" sz="1800" b="0" strike="noStrike" spc="-1">
               <a:latin typeface="Arial"/>
             </a:endParaRPr>
           </a:p>
@@ -2491,7 +2690,7 @@
           </a:prstGeom>
           <a:ln>
             <a:solidFill>
-              <a:srgbClr val="5597d3"/>
+              <a:srgbClr val="5597D3"/>
             </a:solidFill>
             <a:round/>
           </a:ln>
@@ -2529,13 +2728,19 @@
           </a:ln>
         </p:spPr>
         <p:style>
-          <a:lnRef idx="0"/>
-          <a:fillRef idx="0"/>
-          <a:effectRef idx="0"/>
+          <a:lnRef idx="0">
+            <a:srgbClr val="FFFFFF"/>
+          </a:lnRef>
+          <a:fillRef idx="0">
+            <a:srgbClr val="FFFFFF"/>
+          </a:fillRef>
+          <a:effectRef idx="0">
+            <a:srgbClr val="FFFFFF"/>
+          </a:effectRef>
           <a:fontRef idx="minor"/>
         </p:style>
         <p:txBody>
-          <a:bodyPr wrap="none" lIns="90000" rIns="90000" tIns="45000" bIns="45000"/>
+          <a:bodyPr wrap="none" lIns="90000" tIns="45000" rIns="90000" bIns="45000"/>
           <a:p>
             <a:pPr>
               <a:lnSpc>
@@ -2543,16 +2748,16 @@
               </a:lnSpc>
             </a:pPr>
             <a:r>
-              <a:rPr b="0" lang="en-GB" sz="1800" spc="-1" strike="noStrike">
+              <a:rPr lang="en-GB" sz="1800" b="0" strike="noStrike" spc="-1">
                 <a:solidFill>
                   <a:srgbClr val="000000"/>
                 </a:solidFill>
                 <a:latin typeface="等线"/>
-                <a:ea typeface="DejaVu Sans"/>
+                <a:ea typeface="DejaVu Sans" panose="020B0603030804020204"/>
               </a:rPr>
               <a:t>10</a:t>
             </a:r>
-            <a:endParaRPr b="0" lang="en-GB" sz="1800" spc="-1" strike="noStrike">
+            <a:endParaRPr lang="en-GB" sz="1800" b="0" strike="noStrike" spc="-1">
               <a:latin typeface="Arial"/>
             </a:endParaRPr>
           </a:p>
@@ -2578,13 +2783,19 @@
           </a:ln>
         </p:spPr>
         <p:style>
-          <a:lnRef idx="0"/>
-          <a:fillRef idx="0"/>
-          <a:effectRef idx="0"/>
+          <a:lnRef idx="0">
+            <a:srgbClr val="FFFFFF"/>
+          </a:lnRef>
+          <a:fillRef idx="0">
+            <a:srgbClr val="FFFFFF"/>
+          </a:fillRef>
+          <a:effectRef idx="0">
+            <a:srgbClr val="FFFFFF"/>
+          </a:effectRef>
           <a:fontRef idx="minor"/>
         </p:style>
         <p:txBody>
-          <a:bodyPr wrap="none" lIns="90000" rIns="90000" tIns="45000" bIns="45000"/>
+          <a:bodyPr wrap="none" lIns="90000" tIns="45000" rIns="90000" bIns="45000"/>
           <a:p>
             <a:pPr>
               <a:lnSpc>
@@ -2592,47 +2803,64 @@
               </a:lnSpc>
             </a:pPr>
             <a:r>
-              <a:rPr b="0" lang="en-GB" sz="1800" spc="-1" strike="noStrike">
+              <a:rPr lang="en-GB" sz="1800" b="0" strike="noStrike" spc="-1">
                 <a:solidFill>
                   <a:srgbClr val="000000"/>
                 </a:solidFill>
                 <a:latin typeface="等线"/>
-                <a:ea typeface="DejaVu Sans"/>
+                <a:ea typeface="DejaVu Sans" panose="020B0603030804020204"/>
               </a:rPr>
               <a:t>11</a:t>
             </a:r>
-            <a:endParaRPr b="0" lang="en-GB" sz="1800" spc="-1" strike="noStrike">
-              <a:latin typeface="Arial"/>
-            </a:endParaRPr>
-          </a:p>
-        </p:txBody>
+            <a:endParaRPr lang="en-GB" sz="1800" b="0" strike="noStrike" spc="-1">
+              <a:latin typeface="Arial"/>
+            </a:endParaRPr>
+          </a:p>
+        </p:txBody>
+      </p:sp>
+      <p:sp>
+        <p:nvSpPr>
+          <p:cNvPr id="2" name="Line 10"/>
+          <p:cNvSpPr/>
+          <p:nvPr/>
+        </p:nvSpPr>
+        <p:spPr>
+          <a:xfrm flipH="true">
+            <a:off x="8256465" y="758100"/>
+            <a:ext cx="23760" cy="5289120"/>
+          </a:xfrm>
+          <a:prstGeom prst="line">
+            <a:avLst/>
+          </a:prstGeom>
+          <a:ln>
+            <a:solidFill>
+              <a:srgbClr val="5597D3"/>
+            </a:solidFill>
+            <a:round/>
+          </a:ln>
+        </p:spPr>
+        <p:style>
+          <a:lnRef idx="1">
+            <a:schemeClr val="accent1"/>
+          </a:lnRef>
+          <a:fillRef idx="0">
+            <a:schemeClr val="accent1"/>
+          </a:fillRef>
+          <a:effectRef idx="0">
+            <a:schemeClr val="accent1"/>
+          </a:effectRef>
+          <a:fontRef idx="minor"/>
+        </p:style>
       </p:sp>
     </p:spTree>
   </p:cSld>
+  <p:clrMapOvr>
+    <a:masterClrMapping/>
+  </p:clrMapOvr>
   <p:timing>
     <p:tnLst>
       <p:par>
-        <p:cTn id="1" dur="indefinite" restart="never" nodeType="tmRoot">
-          <p:childTnLst>
-            <p:seq>
-              <p:cTn id="2" dur="indefinite" nodeType="mainSeq"/>
-              <p:prevCondLst>
-                <p:cond delay="0" evt="onPrev">
-                  <p:tgtEl>
-                    <p:sldTgt/>
-                  </p:tgtEl>
-                </p:cond>
-              </p:prevCondLst>
-              <p:nextCondLst>
-                <p:cond delay="0" evt="onNext">
-                  <p:tgtEl>
-                    <p:sldTgt/>
-                  </p:tgtEl>
-                </p:cond>
-              </p:nextCondLst>
-            </p:seq>
-          </p:childTnLst>
-        </p:cTn>
+        <p:cTn id="1" dur="indefinite" restart="never" nodeType="tmRoot"/>
       </p:par>
     </p:tnLst>
   </p:timing>
@@ -2650,34 +2878,34 @@
         <a:sysClr val="window" lastClr="FFFFFF"/>
       </a:lt1>
       <a:dk2>
-        <a:srgbClr val="44546a"/>
+        <a:srgbClr val="44546A"/>
       </a:dk2>
       <a:lt2>
-        <a:srgbClr val="e7e6e6"/>
+        <a:srgbClr val="E7E6E6"/>
       </a:lt2>
       <a:accent1>
-        <a:srgbClr val="5b9bd5"/>
+        <a:srgbClr val="5B9BD5"/>
       </a:accent1>
       <a:accent2>
-        <a:srgbClr val="ed7d31"/>
+        <a:srgbClr val="ED7D31"/>
       </a:accent2>
       <a:accent3>
-        <a:srgbClr val="a5a5a5"/>
+        <a:srgbClr val="A5A5A5"/>
       </a:accent3>
       <a:accent4>
-        <a:srgbClr val="ffc000"/>
+        <a:srgbClr val="FFC000"/>
       </a:accent4>
       <a:accent5>
-        <a:srgbClr val="4472c4"/>
+        <a:srgbClr val="4472C4"/>
       </a:accent5>
       <a:accent6>
-        <a:srgbClr val="70ad47"/>
+        <a:srgbClr val="70AD47"/>
       </a:accent6>
       <a:hlink>
-        <a:srgbClr val="0563c1"/>
+        <a:srgbClr val="0563C1"/>
       </a:hlink>
       <a:folHlink>
-        <a:srgbClr val="954f72"/>
+        <a:srgbClr val="954F72"/>
       </a:folHlink>
     </a:clrScheme>
     <a:fontScheme name="Office">
@@ -2697,7 +2925,7 @@
         <a:solidFill>
           <a:schemeClr val="phClr"/>
         </a:solidFill>
-        <a:gradFill rotWithShape="1">
+        <a:gradFill rotWithShape="true">
           <a:gsLst>
             <a:gs pos="0">
               <a:schemeClr val="phClr">
@@ -2718,9 +2946,9 @@
               </a:schemeClr>
             </a:gs>
           </a:gsLst>
-          <a:lin ang="16200000" scaled="1"/>
+          <a:lin ang="16200000" scaled="true"/>
         </a:gradFill>
-        <a:gradFill rotWithShape="1">
+        <a:gradFill rotWithShape="true">
           <a:gsLst>
             <a:gs pos="0">
               <a:schemeClr val="phClr">
@@ -2741,7 +2969,7 @@
               </a:schemeClr>
             </a:gs>
           </a:gsLst>
-          <a:lin ang="16200000" scaled="0"/>
+          <a:lin ang="16200000" scaled="false"/>
         </a:gradFill>
       </a:fillStyleLst>
       <a:lnStyleLst>
@@ -2811,7 +3039,7 @@
         <a:solidFill>
           <a:schemeClr val="phClr"/>
         </a:solidFill>
-        <a:gradFill rotWithShape="1">
+        <a:gradFill rotWithShape="true">
           <a:gsLst>
             <a:gs pos="0">
               <a:schemeClr val="phClr">
@@ -2837,7 +3065,7 @@
             <a:fillToRect l="50000" t="-80000" r="50000" b="180000"/>
           </a:path>
         </a:gradFill>
-        <a:gradFill rotWithShape="1">
+        <a:gradFill rotWithShape="true">
           <a:gsLst>
             <a:gs pos="0">
               <a:schemeClr val="phClr">
@@ -2859,5 +3087,10 @@
       </a:bgFillStyleLst>
     </a:fmtScheme>
   </a:themeElements>
+  <a:extLst>
+    <a:ext uri="{05A4C25C-085E-4340-85A3-A5531E510DB2}">
+      <thm15:themeFamily xmlns:thm15="http://schemas.microsoft.com/office/thememl/2012/main" name="Office Theme" id="{62F939B6-93AF-4DB8-9C6B-D6C7DFDC589F}" vid="{4A3C46E8-61CC-4603-A589-7422A47A8E4A}"/>
+    </a:ext>
+  </a:extLst>
 </a:theme>
 </file>
--- a/meshdivision.pptx
+++ b/meshdivision.pptx
@@ -3610,14 +3610,14 @@
           <a:lstStyle/>
           <a:p>
             <a:r>
-              <a:rPr lang="" altLang="en-US" dirty="0">
+              <a:rPr lang="en-US" altLang="en-US" dirty="0">
                 <a:solidFill>
                   <a:srgbClr val="FF0000"/>
                 </a:solidFill>
               </a:rPr>
               <a:t>2</a:t>
             </a:r>
-            <a:endParaRPr lang="" altLang="en-US" dirty="0">
+            <a:endParaRPr lang="en-US" altLang="en-US" dirty="0">
               <a:solidFill>
                 <a:srgbClr val="FF0000"/>
               </a:solidFill>

--- a/meshdivision.pptx
+++ b/meshdivision.pptx
@@ -1,111 +1,19 @@
 
 <file path=ppt/presentation.xml><?xml version="1.0" encoding="utf-8"?>
-<p:presentation xmlns:a="http://schemas.openxmlformats.org/drawingml/2006/main" xmlns:r="http://schemas.openxmlformats.org/officeDocument/2006/relationships" xmlns:p="http://schemas.openxmlformats.org/presentationml/2006/main">
+<p:presentation xmlns:a="http://schemas.openxmlformats.org/drawingml/2006/main" xmlns:p="http://schemas.openxmlformats.org/presentationml/2006/main" xmlns:r="http://schemas.openxmlformats.org/officeDocument/2006/relationships" xmlns:p14="http://schemas.microsoft.com/office/powerpoint/2010/main" xmlns:p15="http://schemas.microsoft.com/office/powerpoint/2012/main" xmlns:mc="http://schemas.openxmlformats.org/markup-compatibility/2006">
   <p:sldMasterIdLst>
-    <p:sldMasterId id="2147483648" r:id="rId1"/>
+    <p:sldMasterId id="2147483648" r:id="rId2"/>
   </p:sldMasterIdLst>
   <p:sldIdLst>
     <p:sldId id="256" r:id="rId3"/>
   </p:sldIdLst>
   <p:sldSz cx="12192000" cy="6858000"/>
-  <p:notesSz cx="7559675" cy="10691495"/>
-  <p:defaultTextStyle>
-    <a:lvl1pPr marL="0" algn="l" defTabSz="914400" rtl="0" eaLnBrk="1" latinLnBrk="0" hangingPunct="1">
-      <a:defRPr sz="1800" kern="1200">
-        <a:solidFill>
-          <a:schemeClr val="tx1"/>
-        </a:solidFill>
-        <a:latin typeface="+mn-lt"/>
-        <a:ea typeface="+mn-ea"/>
-        <a:cs typeface="+mn-cs"/>
-      </a:defRPr>
-    </a:lvl1pPr>
-    <a:lvl2pPr marL="457200" algn="l" defTabSz="914400" rtl="0" eaLnBrk="1" latinLnBrk="0" hangingPunct="1">
-      <a:defRPr sz="1800" kern="1200">
-        <a:solidFill>
-          <a:schemeClr val="tx1"/>
-        </a:solidFill>
-        <a:latin typeface="+mn-lt"/>
-        <a:ea typeface="+mn-ea"/>
-        <a:cs typeface="+mn-cs"/>
-      </a:defRPr>
-    </a:lvl2pPr>
-    <a:lvl3pPr marL="914400" algn="l" defTabSz="914400" rtl="0" eaLnBrk="1" latinLnBrk="0" hangingPunct="1">
-      <a:defRPr sz="1800" kern="1200">
-        <a:solidFill>
-          <a:schemeClr val="tx1"/>
-        </a:solidFill>
-        <a:latin typeface="+mn-lt"/>
-        <a:ea typeface="+mn-ea"/>
-        <a:cs typeface="+mn-cs"/>
-      </a:defRPr>
-    </a:lvl3pPr>
-    <a:lvl4pPr marL="1371600" algn="l" defTabSz="914400" rtl="0" eaLnBrk="1" latinLnBrk="0" hangingPunct="1">
-      <a:defRPr sz="1800" kern="1200">
-        <a:solidFill>
-          <a:schemeClr val="tx1"/>
-        </a:solidFill>
-        <a:latin typeface="+mn-lt"/>
-        <a:ea typeface="+mn-ea"/>
-        <a:cs typeface="+mn-cs"/>
-      </a:defRPr>
-    </a:lvl4pPr>
-    <a:lvl5pPr marL="1828800" algn="l" defTabSz="914400" rtl="0" eaLnBrk="1" latinLnBrk="0" hangingPunct="1">
-      <a:defRPr sz="1800" kern="1200">
-        <a:solidFill>
-          <a:schemeClr val="tx1"/>
-        </a:solidFill>
-        <a:latin typeface="+mn-lt"/>
-        <a:ea typeface="+mn-ea"/>
-        <a:cs typeface="+mn-cs"/>
-      </a:defRPr>
-    </a:lvl5pPr>
-    <a:lvl6pPr marL="2286000" algn="l" defTabSz="914400" rtl="0" eaLnBrk="1" latinLnBrk="0" hangingPunct="1">
-      <a:defRPr sz="1800" kern="1200">
-        <a:solidFill>
-          <a:schemeClr val="tx1"/>
-        </a:solidFill>
-        <a:latin typeface="+mn-lt"/>
-        <a:ea typeface="+mn-ea"/>
-        <a:cs typeface="+mn-cs"/>
-      </a:defRPr>
-    </a:lvl6pPr>
-    <a:lvl7pPr marL="2743200" algn="l" defTabSz="914400" rtl="0" eaLnBrk="1" latinLnBrk="0" hangingPunct="1">
-      <a:defRPr sz="1800" kern="1200">
-        <a:solidFill>
-          <a:schemeClr val="tx1"/>
-        </a:solidFill>
-        <a:latin typeface="+mn-lt"/>
-        <a:ea typeface="+mn-ea"/>
-        <a:cs typeface="+mn-cs"/>
-      </a:defRPr>
-    </a:lvl7pPr>
-    <a:lvl8pPr marL="3200400" algn="l" defTabSz="914400" rtl="0" eaLnBrk="1" latinLnBrk="0" hangingPunct="1">
-      <a:defRPr sz="1800" kern="1200">
-        <a:solidFill>
-          <a:schemeClr val="tx1"/>
-        </a:solidFill>
-        <a:latin typeface="+mn-lt"/>
-        <a:ea typeface="+mn-ea"/>
-        <a:cs typeface="+mn-cs"/>
-      </a:defRPr>
-    </a:lvl8pPr>
-    <a:lvl9pPr marL="3657600" algn="l" defTabSz="914400" rtl="0" eaLnBrk="1" latinLnBrk="0" hangingPunct="1">
-      <a:defRPr sz="1800" kern="1200">
-        <a:solidFill>
-          <a:schemeClr val="tx1"/>
-        </a:solidFill>
-        <a:latin typeface="+mn-lt"/>
-        <a:ea typeface="+mn-ea"/>
-        <a:cs typeface="+mn-cs"/>
-      </a:defRPr>
-    </a:lvl9pPr>
-  </p:defaultTextStyle>
+  <p:notesSz cx="7559675" cy="10691812"/>
 </p:presentation>
 </file>
 
 <file path=ppt/slideLayouts/slideLayout1.xml><?xml version="1.0" encoding="utf-8"?>
-<p:sldLayout xmlns:a="http://schemas.openxmlformats.org/drawingml/2006/main" xmlns:r="http://schemas.openxmlformats.org/officeDocument/2006/relationships" xmlns:p="http://schemas.openxmlformats.org/presentationml/2006/main" type="blank" preserve="1">
+<p:sldLayout xmlns:a="http://schemas.openxmlformats.org/drawingml/2006/main" xmlns:p="http://schemas.openxmlformats.org/presentationml/2006/main" xmlns:r="http://schemas.openxmlformats.org/officeDocument/2006/relationships" xmlns:p14="http://schemas.microsoft.com/office/powerpoint/2010/main" xmlns:p15="http://schemas.microsoft.com/office/powerpoint/2012/main" xmlns:mc="http://schemas.openxmlformats.org/markup-compatibility/2006" type="blank" preserve="1">
   <p:cSld name="Blank Slide">
     <p:spTree>
       <p:nvGrpSpPr>
@@ -123,14 +31,11 @@
       </p:grpSpPr>
     </p:spTree>
   </p:cSld>
-  <p:clrMapOvr>
-    <a:masterClrMapping/>
-  </p:clrMapOvr>
 </p:sldLayout>
 </file>
 
 <file path=ppt/slideLayouts/slideLayout10.xml><?xml version="1.0" encoding="utf-8"?>
-<p:sldLayout xmlns:a="http://schemas.openxmlformats.org/drawingml/2006/main" xmlns:r="http://schemas.openxmlformats.org/officeDocument/2006/relationships" xmlns:p="http://schemas.openxmlformats.org/presentationml/2006/main" type="objOverTx" preserve="1">
+<p:sldLayout xmlns:a="http://schemas.openxmlformats.org/drawingml/2006/main" xmlns:p="http://schemas.openxmlformats.org/presentationml/2006/main" xmlns:r="http://schemas.openxmlformats.org/officeDocument/2006/relationships" xmlns:p14="http://schemas.microsoft.com/office/powerpoint/2010/main" xmlns:p15="http://schemas.microsoft.com/office/powerpoint/2012/main" xmlns:mc="http://schemas.openxmlformats.org/markup-compatibility/2006" type="objOverTx" preserve="1">
   <p:cSld name="Title, Content over Content">
     <p:spTree>
       <p:nvGrpSpPr>
@@ -150,7 +55,7 @@
         <p:nvSpPr>
           <p:cNvPr id="23" name="PlaceHolder 1"/>
           <p:cNvSpPr>
-            <a:spLocks noGrp="true"/>
+            <a:spLocks noGrp="1"/>
           </p:cNvSpPr>
           <p:nvPr>
             <p:ph type="title"/>
@@ -158,17 +63,19 @@
         </p:nvSpPr>
         <p:spPr>
           <a:xfrm>
-            <a:off x="1523880" y="1122480"/>
-            <a:ext cx="9142920" cy="2386440"/>
-          </a:xfrm>
-          <a:prstGeom prst="rect">
-            <a:avLst/>
-          </a:prstGeom>
-        </p:spPr>
-        <p:txBody>
-          <a:bodyPr lIns="0" tIns="0" rIns="0" bIns="0" anchor="ctr"/>
-          <a:p>
-            <a:endParaRPr lang="en-US" sz="1800" b="0" strike="noStrike" spc="-1">
+            <a:off x="609480" y="273600"/>
+            <a:ext cx="10972440" cy="1144800"/>
+          </a:xfrm>
+          <a:prstGeom prst="rect">
+            <a:avLst/>
+          </a:prstGeom>
+        </p:spPr>
+        <p:txBody>
+          <a:bodyPr lIns="0" rIns="0" tIns="0" bIns="0" anchor="ctr">
+            <a:noAutofit/>
+          </a:bodyPr>
+          <a:p>
+            <a:endParaRPr b="0" lang="en-US" sz="1800" spc="-1" strike="noStrike">
               <a:solidFill>
                 <a:srgbClr val="000000"/>
               </a:solidFill>
@@ -181,7 +88,7 @@
         <p:nvSpPr>
           <p:cNvPr id="24" name="PlaceHolder 2"/>
           <p:cNvSpPr>
-            <a:spLocks noGrp="true"/>
+            <a:spLocks noGrp="1"/>
           </p:cNvSpPr>
           <p:nvPr>
             <p:ph type="body"/>
@@ -190,18 +97,18 @@
         <p:spPr>
           <a:xfrm>
             <a:off x="609480" y="1604520"/>
-            <a:ext cx="10972080" cy="1896840"/>
-          </a:xfrm>
-          <a:prstGeom prst="rect">
-            <a:avLst/>
-          </a:prstGeom>
-        </p:spPr>
-        <p:txBody>
-          <a:bodyPr lIns="0" tIns="0" rIns="0" bIns="0">
+            <a:ext cx="10972440" cy="1896840"/>
+          </a:xfrm>
+          <a:prstGeom prst="rect">
+            <a:avLst/>
+          </a:prstGeom>
+        </p:spPr>
+        <p:txBody>
+          <a:bodyPr lIns="0" rIns="0" tIns="0" bIns="0">
             <a:normAutofit/>
           </a:bodyPr>
           <a:p>
-            <a:endParaRPr lang="en-US" sz="2800" b="0" strike="noStrike" spc="-1">
+            <a:endParaRPr b="0" lang="en-US" sz="1800" spc="-1" strike="noStrike">
               <a:solidFill>
                 <a:srgbClr val="000000"/>
               </a:solidFill>
@@ -214,7 +121,7 @@
         <p:nvSpPr>
           <p:cNvPr id="25" name="PlaceHolder 3"/>
           <p:cNvSpPr>
-            <a:spLocks noGrp="true"/>
+            <a:spLocks noGrp="1"/>
           </p:cNvSpPr>
           <p:nvPr>
             <p:ph type="body"/>
@@ -223,18 +130,18 @@
         <p:spPr>
           <a:xfrm>
             <a:off x="609480" y="3682080"/>
-            <a:ext cx="10972080" cy="1896840"/>
-          </a:xfrm>
-          <a:prstGeom prst="rect">
-            <a:avLst/>
-          </a:prstGeom>
-        </p:spPr>
-        <p:txBody>
-          <a:bodyPr lIns="0" tIns="0" rIns="0" bIns="0">
+            <a:ext cx="10972440" cy="1896840"/>
+          </a:xfrm>
+          <a:prstGeom prst="rect">
+            <a:avLst/>
+          </a:prstGeom>
+        </p:spPr>
+        <p:txBody>
+          <a:bodyPr lIns="0" rIns="0" tIns="0" bIns="0">
             <a:normAutofit/>
           </a:bodyPr>
           <a:p>
-            <a:endParaRPr lang="en-US" sz="2800" b="0" strike="noStrike" spc="-1">
+            <a:endParaRPr b="0" lang="en-US" sz="1800" spc="-1" strike="noStrike">
               <a:solidFill>
                 <a:srgbClr val="000000"/>
               </a:solidFill>
@@ -245,14 +152,11 @@
       </p:sp>
     </p:spTree>
   </p:cSld>
-  <p:clrMapOvr>
-    <a:masterClrMapping/>
-  </p:clrMapOvr>
 </p:sldLayout>
 </file>
 
 <file path=ppt/slideLayouts/slideLayout11.xml><?xml version="1.0" encoding="utf-8"?>
-<p:sldLayout xmlns:a="http://schemas.openxmlformats.org/drawingml/2006/main" xmlns:r="http://schemas.openxmlformats.org/officeDocument/2006/relationships" xmlns:p="http://schemas.openxmlformats.org/presentationml/2006/main" type="fourObj" preserve="1">
+<p:sldLayout xmlns:a="http://schemas.openxmlformats.org/drawingml/2006/main" xmlns:p="http://schemas.openxmlformats.org/presentationml/2006/main" xmlns:r="http://schemas.openxmlformats.org/officeDocument/2006/relationships" xmlns:p14="http://schemas.microsoft.com/office/powerpoint/2010/main" xmlns:p15="http://schemas.microsoft.com/office/powerpoint/2012/main" xmlns:mc="http://schemas.openxmlformats.org/markup-compatibility/2006" type="fourObj" preserve="1">
   <p:cSld name="Title, 4 Content">
     <p:spTree>
       <p:nvGrpSpPr>
@@ -272,7 +176,7 @@
         <p:nvSpPr>
           <p:cNvPr id="26" name="PlaceHolder 1"/>
           <p:cNvSpPr>
-            <a:spLocks noGrp="true"/>
+            <a:spLocks noGrp="1"/>
           </p:cNvSpPr>
           <p:nvPr>
             <p:ph type="title"/>
@@ -280,17 +184,19 @@
         </p:nvSpPr>
         <p:spPr>
           <a:xfrm>
-            <a:off x="1523880" y="1122480"/>
-            <a:ext cx="9142920" cy="2386440"/>
-          </a:xfrm>
-          <a:prstGeom prst="rect">
-            <a:avLst/>
-          </a:prstGeom>
-        </p:spPr>
-        <p:txBody>
-          <a:bodyPr lIns="0" tIns="0" rIns="0" bIns="0" anchor="ctr"/>
-          <a:p>
-            <a:endParaRPr lang="en-US" sz="1800" b="0" strike="noStrike" spc="-1">
+            <a:off x="609480" y="273600"/>
+            <a:ext cx="10972440" cy="1144800"/>
+          </a:xfrm>
+          <a:prstGeom prst="rect">
+            <a:avLst/>
+          </a:prstGeom>
+        </p:spPr>
+        <p:txBody>
+          <a:bodyPr lIns="0" rIns="0" tIns="0" bIns="0" anchor="ctr">
+            <a:noAutofit/>
+          </a:bodyPr>
+          <a:p>
+            <a:endParaRPr b="0" lang="en-US" sz="1800" spc="-1" strike="noStrike">
               <a:solidFill>
                 <a:srgbClr val="000000"/>
               </a:solidFill>
@@ -303,7 +209,7 @@
         <p:nvSpPr>
           <p:cNvPr id="27" name="PlaceHolder 2"/>
           <p:cNvSpPr>
-            <a:spLocks noGrp="true"/>
+            <a:spLocks noGrp="1"/>
           </p:cNvSpPr>
           <p:nvPr>
             <p:ph type="body"/>
@@ -319,11 +225,11 @@
           </a:prstGeom>
         </p:spPr>
         <p:txBody>
-          <a:bodyPr lIns="0" tIns="0" rIns="0" bIns="0">
+          <a:bodyPr lIns="0" rIns="0" tIns="0" bIns="0">
             <a:normAutofit/>
           </a:bodyPr>
           <a:p>
-            <a:endParaRPr lang="en-US" sz="2800" b="0" strike="noStrike" spc="-1">
+            <a:endParaRPr b="0" lang="en-US" sz="1800" spc="-1" strike="noStrike">
               <a:solidFill>
                 <a:srgbClr val="000000"/>
               </a:solidFill>
@@ -336,7 +242,7 @@
         <p:nvSpPr>
           <p:cNvPr id="28" name="PlaceHolder 3"/>
           <p:cNvSpPr>
-            <a:spLocks noGrp="true"/>
+            <a:spLocks noGrp="1"/>
           </p:cNvSpPr>
           <p:nvPr>
             <p:ph type="body"/>
@@ -352,11 +258,11 @@
           </a:prstGeom>
         </p:spPr>
         <p:txBody>
-          <a:bodyPr lIns="0" tIns="0" rIns="0" bIns="0">
+          <a:bodyPr lIns="0" rIns="0" tIns="0" bIns="0">
             <a:normAutofit/>
           </a:bodyPr>
           <a:p>
-            <a:endParaRPr lang="en-US" sz="2800" b="0" strike="noStrike" spc="-1">
+            <a:endParaRPr b="0" lang="en-US" sz="1800" spc="-1" strike="noStrike">
               <a:solidFill>
                 <a:srgbClr val="000000"/>
               </a:solidFill>
@@ -369,7 +275,7 @@
         <p:nvSpPr>
           <p:cNvPr id="29" name="PlaceHolder 4"/>
           <p:cNvSpPr>
-            <a:spLocks noGrp="true"/>
+            <a:spLocks noGrp="1"/>
           </p:cNvSpPr>
           <p:nvPr>
             <p:ph type="body"/>
@@ -385,11 +291,11 @@
           </a:prstGeom>
         </p:spPr>
         <p:txBody>
-          <a:bodyPr lIns="0" tIns="0" rIns="0" bIns="0">
+          <a:bodyPr lIns="0" rIns="0" tIns="0" bIns="0">
             <a:normAutofit/>
           </a:bodyPr>
           <a:p>
-            <a:endParaRPr lang="en-US" sz="2800" b="0" strike="noStrike" spc="-1">
+            <a:endParaRPr b="0" lang="en-US" sz="1800" spc="-1" strike="noStrike">
               <a:solidFill>
                 <a:srgbClr val="000000"/>
               </a:solidFill>
@@ -402,7 +308,7 @@
         <p:nvSpPr>
           <p:cNvPr id="30" name="PlaceHolder 5"/>
           <p:cNvSpPr>
-            <a:spLocks noGrp="true"/>
+            <a:spLocks noGrp="1"/>
           </p:cNvSpPr>
           <p:nvPr>
             <p:ph type="body"/>
@@ -418,11 +324,11 @@
           </a:prstGeom>
         </p:spPr>
         <p:txBody>
-          <a:bodyPr lIns="0" tIns="0" rIns="0" bIns="0">
+          <a:bodyPr lIns="0" rIns="0" tIns="0" bIns="0">
             <a:normAutofit/>
           </a:bodyPr>
           <a:p>
-            <a:endParaRPr lang="en-US" sz="2800" b="0" strike="noStrike" spc="-1">
+            <a:endParaRPr b="0" lang="en-US" sz="1800" spc="-1" strike="noStrike">
               <a:solidFill>
                 <a:srgbClr val="000000"/>
               </a:solidFill>
@@ -433,14 +339,11 @@
       </p:sp>
     </p:spTree>
   </p:cSld>
-  <p:clrMapOvr>
-    <a:masterClrMapping/>
-  </p:clrMapOvr>
 </p:sldLayout>
 </file>
 
 <file path=ppt/slideLayouts/slideLayout12.xml><?xml version="1.0" encoding="utf-8"?>
-<p:sldLayout xmlns:a="http://schemas.openxmlformats.org/drawingml/2006/main" xmlns:r="http://schemas.openxmlformats.org/officeDocument/2006/relationships" xmlns:p="http://schemas.openxmlformats.org/presentationml/2006/main" type="blank" preserve="1">
+<p:sldLayout xmlns:a="http://schemas.openxmlformats.org/drawingml/2006/main" xmlns:p="http://schemas.openxmlformats.org/presentationml/2006/main" xmlns:r="http://schemas.openxmlformats.org/officeDocument/2006/relationships" xmlns:p14="http://schemas.microsoft.com/office/powerpoint/2010/main" xmlns:p15="http://schemas.microsoft.com/office/powerpoint/2012/main" xmlns:mc="http://schemas.openxmlformats.org/markup-compatibility/2006" type="blank" preserve="1">
   <p:cSld name="Title, 6 Content">
     <p:spTree>
       <p:nvGrpSpPr>
@@ -460,7 +363,7 @@
         <p:nvSpPr>
           <p:cNvPr id="31" name="PlaceHolder 1"/>
           <p:cNvSpPr>
-            <a:spLocks noGrp="true"/>
+            <a:spLocks noGrp="1"/>
           </p:cNvSpPr>
           <p:nvPr>
             <p:ph type="title"/>
@@ -468,17 +371,19 @@
         </p:nvSpPr>
         <p:spPr>
           <a:xfrm>
-            <a:off x="1523880" y="1122480"/>
-            <a:ext cx="9142920" cy="2386440"/>
-          </a:xfrm>
-          <a:prstGeom prst="rect">
-            <a:avLst/>
-          </a:prstGeom>
-        </p:spPr>
-        <p:txBody>
-          <a:bodyPr lIns="0" tIns="0" rIns="0" bIns="0" anchor="ctr"/>
-          <a:p>
-            <a:endParaRPr lang="en-US" sz="1800" b="0" strike="noStrike" spc="-1">
+            <a:off x="609480" y="273600"/>
+            <a:ext cx="10972440" cy="1144800"/>
+          </a:xfrm>
+          <a:prstGeom prst="rect">
+            <a:avLst/>
+          </a:prstGeom>
+        </p:spPr>
+        <p:txBody>
+          <a:bodyPr lIns="0" rIns="0" tIns="0" bIns="0" anchor="ctr">
+            <a:noAutofit/>
+          </a:bodyPr>
+          <a:p>
+            <a:endParaRPr b="0" lang="en-US" sz="1800" spc="-1" strike="noStrike">
               <a:solidFill>
                 <a:srgbClr val="000000"/>
               </a:solidFill>
@@ -491,7 +396,7 @@
         <p:nvSpPr>
           <p:cNvPr id="32" name="PlaceHolder 2"/>
           <p:cNvSpPr>
-            <a:spLocks noGrp="true"/>
+            <a:spLocks noGrp="1"/>
           </p:cNvSpPr>
           <p:nvPr>
             <p:ph type="body"/>
@@ -500,18 +405,18 @@
         <p:spPr>
           <a:xfrm>
             <a:off x="609480" y="1604520"/>
-            <a:ext cx="3532680" cy="1896840"/>
-          </a:xfrm>
-          <a:prstGeom prst="rect">
-            <a:avLst/>
-          </a:prstGeom>
-        </p:spPr>
-        <p:txBody>
-          <a:bodyPr lIns="0" tIns="0" rIns="0" bIns="0">
+            <a:ext cx="3533040" cy="1896840"/>
+          </a:xfrm>
+          <a:prstGeom prst="rect">
+            <a:avLst/>
+          </a:prstGeom>
+        </p:spPr>
+        <p:txBody>
+          <a:bodyPr lIns="0" rIns="0" tIns="0" bIns="0">
             <a:normAutofit/>
           </a:bodyPr>
           <a:p>
-            <a:endParaRPr lang="en-US" sz="2800" b="0" strike="noStrike" spc="-1">
+            <a:endParaRPr b="0" lang="en-US" sz="1800" spc="-1" strike="noStrike">
               <a:solidFill>
                 <a:srgbClr val="000000"/>
               </a:solidFill>
@@ -524,7 +429,7 @@
         <p:nvSpPr>
           <p:cNvPr id="33" name="PlaceHolder 3"/>
           <p:cNvSpPr>
-            <a:spLocks noGrp="true"/>
+            <a:spLocks noGrp="1"/>
           </p:cNvSpPr>
           <p:nvPr>
             <p:ph type="body"/>
@@ -532,19 +437,19 @@
         </p:nvSpPr>
         <p:spPr>
           <a:xfrm>
-            <a:off x="4319280" y="1604520"/>
-            <a:ext cx="3532680" cy="1896840"/>
-          </a:xfrm>
-          <a:prstGeom prst="rect">
-            <a:avLst/>
-          </a:prstGeom>
-        </p:spPr>
-        <p:txBody>
-          <a:bodyPr lIns="0" tIns="0" rIns="0" bIns="0">
+            <a:off x="4319640" y="1604520"/>
+            <a:ext cx="3533040" cy="1896840"/>
+          </a:xfrm>
+          <a:prstGeom prst="rect">
+            <a:avLst/>
+          </a:prstGeom>
+        </p:spPr>
+        <p:txBody>
+          <a:bodyPr lIns="0" rIns="0" tIns="0" bIns="0">
             <a:normAutofit/>
           </a:bodyPr>
           <a:p>
-            <a:endParaRPr lang="en-US" sz="2800" b="0" strike="noStrike" spc="-1">
+            <a:endParaRPr b="0" lang="en-US" sz="1800" spc="-1" strike="noStrike">
               <a:solidFill>
                 <a:srgbClr val="000000"/>
               </a:solidFill>
@@ -557,7 +462,7 @@
         <p:nvSpPr>
           <p:cNvPr id="34" name="PlaceHolder 4"/>
           <p:cNvSpPr>
-            <a:spLocks noGrp="true"/>
+            <a:spLocks noGrp="1"/>
           </p:cNvSpPr>
           <p:nvPr>
             <p:ph type="body"/>
@@ -565,19 +470,19 @@
         </p:nvSpPr>
         <p:spPr>
           <a:xfrm>
-            <a:off x="8028720" y="1604520"/>
-            <a:ext cx="3532680" cy="1896840"/>
-          </a:xfrm>
-          <a:prstGeom prst="rect">
-            <a:avLst/>
-          </a:prstGeom>
-        </p:spPr>
-        <p:txBody>
-          <a:bodyPr lIns="0" tIns="0" rIns="0" bIns="0">
+            <a:off x="8029800" y="1604520"/>
+            <a:ext cx="3533040" cy="1896840"/>
+          </a:xfrm>
+          <a:prstGeom prst="rect">
+            <a:avLst/>
+          </a:prstGeom>
+        </p:spPr>
+        <p:txBody>
+          <a:bodyPr lIns="0" rIns="0" tIns="0" bIns="0">
             <a:normAutofit/>
           </a:bodyPr>
           <a:p>
-            <a:endParaRPr lang="en-US" sz="2800" b="0" strike="noStrike" spc="-1">
+            <a:endParaRPr b="0" lang="en-US" sz="1800" spc="-1" strike="noStrike">
               <a:solidFill>
                 <a:srgbClr val="000000"/>
               </a:solidFill>
@@ -590,7 +495,7 @@
         <p:nvSpPr>
           <p:cNvPr id="35" name="PlaceHolder 5"/>
           <p:cNvSpPr>
-            <a:spLocks noGrp="true"/>
+            <a:spLocks noGrp="1"/>
           </p:cNvSpPr>
           <p:nvPr>
             <p:ph type="body"/>
@@ -599,18 +504,18 @@
         <p:spPr>
           <a:xfrm>
             <a:off x="609480" y="3682080"/>
-            <a:ext cx="3532680" cy="1896840"/>
-          </a:xfrm>
-          <a:prstGeom prst="rect">
-            <a:avLst/>
-          </a:prstGeom>
-        </p:spPr>
-        <p:txBody>
-          <a:bodyPr lIns="0" tIns="0" rIns="0" bIns="0">
+            <a:ext cx="3533040" cy="1896840"/>
+          </a:xfrm>
+          <a:prstGeom prst="rect">
+            <a:avLst/>
+          </a:prstGeom>
+        </p:spPr>
+        <p:txBody>
+          <a:bodyPr lIns="0" rIns="0" tIns="0" bIns="0">
             <a:normAutofit/>
           </a:bodyPr>
           <a:p>
-            <a:endParaRPr lang="en-US" sz="2800" b="0" strike="noStrike" spc="-1">
+            <a:endParaRPr b="0" lang="en-US" sz="1800" spc="-1" strike="noStrike">
               <a:solidFill>
                 <a:srgbClr val="000000"/>
               </a:solidFill>
@@ -623,7 +528,7 @@
         <p:nvSpPr>
           <p:cNvPr id="36" name="PlaceHolder 6"/>
           <p:cNvSpPr>
-            <a:spLocks noGrp="true"/>
+            <a:spLocks noGrp="1"/>
           </p:cNvSpPr>
           <p:nvPr>
             <p:ph type="body"/>
@@ -631,19 +536,19 @@
         </p:nvSpPr>
         <p:spPr>
           <a:xfrm>
-            <a:off x="4319280" y="3682080"/>
-            <a:ext cx="3532680" cy="1896840"/>
-          </a:xfrm>
-          <a:prstGeom prst="rect">
-            <a:avLst/>
-          </a:prstGeom>
-        </p:spPr>
-        <p:txBody>
-          <a:bodyPr lIns="0" tIns="0" rIns="0" bIns="0">
+            <a:off x="4319640" y="3682080"/>
+            <a:ext cx="3533040" cy="1896840"/>
+          </a:xfrm>
+          <a:prstGeom prst="rect">
+            <a:avLst/>
+          </a:prstGeom>
+        </p:spPr>
+        <p:txBody>
+          <a:bodyPr lIns="0" rIns="0" tIns="0" bIns="0">
             <a:normAutofit/>
           </a:bodyPr>
           <a:p>
-            <a:endParaRPr lang="en-US" sz="2800" b="0" strike="noStrike" spc="-1">
+            <a:endParaRPr b="0" lang="en-US" sz="1800" spc="-1" strike="noStrike">
               <a:solidFill>
                 <a:srgbClr val="000000"/>
               </a:solidFill>
@@ -656,7 +561,7 @@
         <p:nvSpPr>
           <p:cNvPr id="37" name="PlaceHolder 7"/>
           <p:cNvSpPr>
-            <a:spLocks noGrp="true"/>
+            <a:spLocks noGrp="1"/>
           </p:cNvSpPr>
           <p:nvPr>
             <p:ph type="body"/>
@@ -664,19 +569,19 @@
         </p:nvSpPr>
         <p:spPr>
           <a:xfrm>
-            <a:off x="8028720" y="3682080"/>
-            <a:ext cx="3532680" cy="1896840"/>
-          </a:xfrm>
-          <a:prstGeom prst="rect">
-            <a:avLst/>
-          </a:prstGeom>
-        </p:spPr>
-        <p:txBody>
-          <a:bodyPr lIns="0" tIns="0" rIns="0" bIns="0">
+            <a:off x="8029800" y="3682080"/>
+            <a:ext cx="3533040" cy="1896840"/>
+          </a:xfrm>
+          <a:prstGeom prst="rect">
+            <a:avLst/>
+          </a:prstGeom>
+        </p:spPr>
+        <p:txBody>
+          <a:bodyPr lIns="0" rIns="0" tIns="0" bIns="0">
             <a:normAutofit/>
           </a:bodyPr>
           <a:p>
-            <a:endParaRPr lang="en-US" sz="2800" b="0" strike="noStrike" spc="-1">
+            <a:endParaRPr b="0" lang="en-US" sz="1800" spc="-1" strike="noStrike">
               <a:solidFill>
                 <a:srgbClr val="000000"/>
               </a:solidFill>
@@ -687,14 +592,11 @@
       </p:sp>
     </p:spTree>
   </p:cSld>
-  <p:clrMapOvr>
-    <a:masterClrMapping/>
-  </p:clrMapOvr>
 </p:sldLayout>
 </file>
 
 <file path=ppt/slideLayouts/slideLayout2.xml><?xml version="1.0" encoding="utf-8"?>
-<p:sldLayout xmlns:a="http://schemas.openxmlformats.org/drawingml/2006/main" xmlns:r="http://schemas.openxmlformats.org/officeDocument/2006/relationships" xmlns:p="http://schemas.openxmlformats.org/presentationml/2006/main" type="tx" preserve="1">
+<p:sldLayout xmlns:a="http://schemas.openxmlformats.org/drawingml/2006/main" xmlns:p="http://schemas.openxmlformats.org/presentationml/2006/main" xmlns:r="http://schemas.openxmlformats.org/officeDocument/2006/relationships" xmlns:p14="http://schemas.microsoft.com/office/powerpoint/2010/main" xmlns:p15="http://schemas.microsoft.com/office/powerpoint/2012/main" xmlns:mc="http://schemas.openxmlformats.org/markup-compatibility/2006" type="tx" preserve="1">
   <p:cSld name="Title Slide">
     <p:spTree>
       <p:nvGrpSpPr>
@@ -714,7 +616,7 @@
         <p:nvSpPr>
           <p:cNvPr id="2" name="PlaceHolder 1"/>
           <p:cNvSpPr>
-            <a:spLocks noGrp="true"/>
+            <a:spLocks noGrp="1"/>
           </p:cNvSpPr>
           <p:nvPr>
             <p:ph type="title"/>
@@ -722,17 +624,19 @@
         </p:nvSpPr>
         <p:spPr>
           <a:xfrm>
-            <a:off x="1523880" y="1122480"/>
-            <a:ext cx="9142920" cy="2386440"/>
-          </a:xfrm>
-          <a:prstGeom prst="rect">
-            <a:avLst/>
-          </a:prstGeom>
-        </p:spPr>
-        <p:txBody>
-          <a:bodyPr lIns="0" tIns="0" rIns="0" bIns="0" anchor="ctr"/>
-          <a:p>
-            <a:endParaRPr lang="en-US" sz="1800" b="0" strike="noStrike" spc="-1">
+            <a:off x="609480" y="273600"/>
+            <a:ext cx="10972440" cy="1144800"/>
+          </a:xfrm>
+          <a:prstGeom prst="rect">
+            <a:avLst/>
+          </a:prstGeom>
+        </p:spPr>
+        <p:txBody>
+          <a:bodyPr lIns="0" rIns="0" tIns="0" bIns="0" anchor="ctr">
+            <a:noAutofit/>
+          </a:bodyPr>
+          <a:p>
+            <a:endParaRPr b="0" lang="en-US" sz="1800" spc="-1" strike="noStrike">
               <a:solidFill>
                 <a:srgbClr val="000000"/>
               </a:solidFill>
@@ -745,7 +649,7 @@
         <p:nvSpPr>
           <p:cNvPr id="3" name="PlaceHolder 2"/>
           <p:cNvSpPr>
-            <a:spLocks noGrp="true"/>
+            <a:spLocks noGrp="1"/>
           </p:cNvSpPr>
           <p:nvPr>
             <p:ph type="subTitle"/>
@@ -754,17 +658,19 @@
         <p:spPr>
           <a:xfrm>
             <a:off x="609480" y="1604520"/>
-            <a:ext cx="10972080" cy="3976920"/>
-          </a:xfrm>
-          <a:prstGeom prst="rect">
-            <a:avLst/>
-          </a:prstGeom>
-        </p:spPr>
-        <p:txBody>
-          <a:bodyPr lIns="0" tIns="0" rIns="0" bIns="0" anchor="ctr"/>
+            <a:ext cx="10972440" cy="3977280"/>
+          </a:xfrm>
+          <a:prstGeom prst="rect">
+            <a:avLst/>
+          </a:prstGeom>
+        </p:spPr>
+        <p:txBody>
+          <a:bodyPr lIns="0" rIns="0" tIns="0" bIns="0" anchor="ctr">
+            <a:noAutofit/>
+          </a:bodyPr>
           <a:p>
             <a:pPr algn="ctr"/>
-            <a:endParaRPr lang="en-GB" sz="3200" b="0" strike="noStrike" spc="-1">
+            <a:endParaRPr b="0" lang="en-US" sz="3200" spc="-1" strike="noStrike">
               <a:latin typeface="Arial"/>
             </a:endParaRPr>
           </a:p>
@@ -772,14 +678,11 @@
       </p:sp>
     </p:spTree>
   </p:cSld>
-  <p:clrMapOvr>
-    <a:masterClrMapping/>
-  </p:clrMapOvr>
 </p:sldLayout>
 </file>
 
 <file path=ppt/slideLayouts/slideLayout3.xml><?xml version="1.0" encoding="utf-8"?>
-<p:sldLayout xmlns:a="http://schemas.openxmlformats.org/drawingml/2006/main" xmlns:r="http://schemas.openxmlformats.org/officeDocument/2006/relationships" xmlns:p="http://schemas.openxmlformats.org/presentationml/2006/main" type="obj" preserve="1">
+<p:sldLayout xmlns:a="http://schemas.openxmlformats.org/drawingml/2006/main" xmlns:p="http://schemas.openxmlformats.org/presentationml/2006/main" xmlns:r="http://schemas.openxmlformats.org/officeDocument/2006/relationships" xmlns:p14="http://schemas.microsoft.com/office/powerpoint/2010/main" xmlns:p15="http://schemas.microsoft.com/office/powerpoint/2012/main" xmlns:mc="http://schemas.openxmlformats.org/markup-compatibility/2006" type="obj" preserve="1">
   <p:cSld name="Title, Content">
     <p:spTree>
       <p:nvGrpSpPr>
@@ -799,7 +702,7 @@
         <p:nvSpPr>
           <p:cNvPr id="4" name="PlaceHolder 1"/>
           <p:cNvSpPr>
-            <a:spLocks noGrp="true"/>
+            <a:spLocks noGrp="1"/>
           </p:cNvSpPr>
           <p:nvPr>
             <p:ph type="title"/>
@@ -807,17 +710,19 @@
         </p:nvSpPr>
         <p:spPr>
           <a:xfrm>
-            <a:off x="1523880" y="1122480"/>
-            <a:ext cx="9142920" cy="2386440"/>
-          </a:xfrm>
-          <a:prstGeom prst="rect">
-            <a:avLst/>
-          </a:prstGeom>
-        </p:spPr>
-        <p:txBody>
-          <a:bodyPr lIns="0" tIns="0" rIns="0" bIns="0" anchor="ctr"/>
-          <a:p>
-            <a:endParaRPr lang="en-US" sz="1800" b="0" strike="noStrike" spc="-1">
+            <a:off x="609480" y="273600"/>
+            <a:ext cx="10972440" cy="1144800"/>
+          </a:xfrm>
+          <a:prstGeom prst="rect">
+            <a:avLst/>
+          </a:prstGeom>
+        </p:spPr>
+        <p:txBody>
+          <a:bodyPr lIns="0" rIns="0" tIns="0" bIns="0" anchor="ctr">
+            <a:noAutofit/>
+          </a:bodyPr>
+          <a:p>
+            <a:endParaRPr b="0" lang="en-US" sz="1800" spc="-1" strike="noStrike">
               <a:solidFill>
                 <a:srgbClr val="000000"/>
               </a:solidFill>
@@ -830,7 +735,7 @@
         <p:nvSpPr>
           <p:cNvPr id="5" name="PlaceHolder 2"/>
           <p:cNvSpPr>
-            <a:spLocks noGrp="true"/>
+            <a:spLocks noGrp="1"/>
           </p:cNvSpPr>
           <p:nvPr>
             <p:ph type="body"/>
@@ -839,18 +744,18 @@
         <p:spPr>
           <a:xfrm>
             <a:off x="609480" y="1604520"/>
-            <a:ext cx="10972080" cy="3976920"/>
-          </a:xfrm>
-          <a:prstGeom prst="rect">
-            <a:avLst/>
-          </a:prstGeom>
-        </p:spPr>
-        <p:txBody>
-          <a:bodyPr lIns="0" tIns="0" rIns="0" bIns="0">
+            <a:ext cx="10972440" cy="3977280"/>
+          </a:xfrm>
+          <a:prstGeom prst="rect">
+            <a:avLst/>
+          </a:prstGeom>
+        </p:spPr>
+        <p:txBody>
+          <a:bodyPr lIns="0" rIns="0" tIns="0" bIns="0">
             <a:normAutofit/>
           </a:bodyPr>
           <a:p>
-            <a:endParaRPr lang="en-US" sz="2800" b="0" strike="noStrike" spc="-1">
+            <a:endParaRPr b="0" lang="en-US" sz="1800" spc="-1" strike="noStrike">
               <a:solidFill>
                 <a:srgbClr val="000000"/>
               </a:solidFill>
@@ -861,14 +766,11 @@
       </p:sp>
     </p:spTree>
   </p:cSld>
-  <p:clrMapOvr>
-    <a:masterClrMapping/>
-  </p:clrMapOvr>
 </p:sldLayout>
 </file>
 
 <file path=ppt/slideLayouts/slideLayout4.xml><?xml version="1.0" encoding="utf-8"?>
-<p:sldLayout xmlns:a="http://schemas.openxmlformats.org/drawingml/2006/main" xmlns:r="http://schemas.openxmlformats.org/officeDocument/2006/relationships" xmlns:p="http://schemas.openxmlformats.org/presentationml/2006/main" type="twoObj" preserve="1">
+<p:sldLayout xmlns:a="http://schemas.openxmlformats.org/drawingml/2006/main" xmlns:p="http://schemas.openxmlformats.org/presentationml/2006/main" xmlns:r="http://schemas.openxmlformats.org/officeDocument/2006/relationships" xmlns:p14="http://schemas.microsoft.com/office/powerpoint/2010/main" xmlns:p15="http://schemas.microsoft.com/office/powerpoint/2012/main" xmlns:mc="http://schemas.openxmlformats.org/markup-compatibility/2006" type="twoObj" preserve="1">
   <p:cSld name="Title, 2 Content">
     <p:spTree>
       <p:nvGrpSpPr>
@@ -888,7 +790,7 @@
         <p:nvSpPr>
           <p:cNvPr id="6" name="PlaceHolder 1"/>
           <p:cNvSpPr>
-            <a:spLocks noGrp="true"/>
+            <a:spLocks noGrp="1"/>
           </p:cNvSpPr>
           <p:nvPr>
             <p:ph type="title"/>
@@ -896,17 +798,19 @@
         </p:nvSpPr>
         <p:spPr>
           <a:xfrm>
-            <a:off x="1523880" y="1122480"/>
-            <a:ext cx="9142920" cy="2386440"/>
-          </a:xfrm>
-          <a:prstGeom prst="rect">
-            <a:avLst/>
-          </a:prstGeom>
-        </p:spPr>
-        <p:txBody>
-          <a:bodyPr lIns="0" tIns="0" rIns="0" bIns="0" anchor="ctr"/>
-          <a:p>
-            <a:endParaRPr lang="en-US" sz="1800" b="0" strike="noStrike" spc="-1">
+            <a:off x="609480" y="273600"/>
+            <a:ext cx="10972440" cy="1144800"/>
+          </a:xfrm>
+          <a:prstGeom prst="rect">
+            <a:avLst/>
+          </a:prstGeom>
+        </p:spPr>
+        <p:txBody>
+          <a:bodyPr lIns="0" rIns="0" tIns="0" bIns="0" anchor="ctr">
+            <a:noAutofit/>
+          </a:bodyPr>
+          <a:p>
+            <a:endParaRPr b="0" lang="en-US" sz="1800" spc="-1" strike="noStrike">
               <a:solidFill>
                 <a:srgbClr val="000000"/>
               </a:solidFill>
@@ -919,7 +823,7 @@
         <p:nvSpPr>
           <p:cNvPr id="7" name="PlaceHolder 2"/>
           <p:cNvSpPr>
-            <a:spLocks noGrp="true"/>
+            <a:spLocks noGrp="1"/>
           </p:cNvSpPr>
           <p:nvPr>
             <p:ph type="body"/>
@@ -928,18 +832,18 @@
         <p:spPr>
           <a:xfrm>
             <a:off x="609480" y="1604520"/>
-            <a:ext cx="5354280" cy="3976920"/>
-          </a:xfrm>
-          <a:prstGeom prst="rect">
-            <a:avLst/>
-          </a:prstGeom>
-        </p:spPr>
-        <p:txBody>
-          <a:bodyPr lIns="0" tIns="0" rIns="0" bIns="0">
+            <a:ext cx="5354280" cy="3977280"/>
+          </a:xfrm>
+          <a:prstGeom prst="rect">
+            <a:avLst/>
+          </a:prstGeom>
+        </p:spPr>
+        <p:txBody>
+          <a:bodyPr lIns="0" rIns="0" tIns="0" bIns="0">
             <a:normAutofit/>
           </a:bodyPr>
           <a:p>
-            <a:endParaRPr lang="en-US" sz="2800" b="0" strike="noStrike" spc="-1">
+            <a:endParaRPr b="0" lang="en-US" sz="1800" spc="-1" strike="noStrike">
               <a:solidFill>
                 <a:srgbClr val="000000"/>
               </a:solidFill>
@@ -952,7 +856,7 @@
         <p:nvSpPr>
           <p:cNvPr id="8" name="PlaceHolder 3"/>
           <p:cNvSpPr>
-            <a:spLocks noGrp="true"/>
+            <a:spLocks noGrp="1"/>
           </p:cNvSpPr>
           <p:nvPr>
             <p:ph type="body"/>
@@ -961,18 +865,18 @@
         <p:spPr>
           <a:xfrm>
             <a:off x="6231960" y="1604520"/>
-            <a:ext cx="5354280" cy="3976920"/>
-          </a:xfrm>
-          <a:prstGeom prst="rect">
-            <a:avLst/>
-          </a:prstGeom>
-        </p:spPr>
-        <p:txBody>
-          <a:bodyPr lIns="0" tIns="0" rIns="0" bIns="0">
+            <a:ext cx="5354280" cy="3977280"/>
+          </a:xfrm>
+          <a:prstGeom prst="rect">
+            <a:avLst/>
+          </a:prstGeom>
+        </p:spPr>
+        <p:txBody>
+          <a:bodyPr lIns="0" rIns="0" tIns="0" bIns="0">
             <a:normAutofit/>
           </a:bodyPr>
           <a:p>
-            <a:endParaRPr lang="en-US" sz="2800" b="0" strike="noStrike" spc="-1">
+            <a:endParaRPr b="0" lang="en-US" sz="1800" spc="-1" strike="noStrike">
               <a:solidFill>
                 <a:srgbClr val="000000"/>
               </a:solidFill>
@@ -983,14 +887,11 @@
       </p:sp>
     </p:spTree>
   </p:cSld>
-  <p:clrMapOvr>
-    <a:masterClrMapping/>
-  </p:clrMapOvr>
 </p:sldLayout>
 </file>
 
 <file path=ppt/slideLayouts/slideLayout5.xml><?xml version="1.0" encoding="utf-8"?>
-<p:sldLayout xmlns:a="http://schemas.openxmlformats.org/drawingml/2006/main" xmlns:r="http://schemas.openxmlformats.org/officeDocument/2006/relationships" xmlns:p="http://schemas.openxmlformats.org/presentationml/2006/main" type="titleOnly" preserve="1">
+<p:sldLayout xmlns:a="http://schemas.openxmlformats.org/drawingml/2006/main" xmlns:p="http://schemas.openxmlformats.org/presentationml/2006/main" xmlns:r="http://schemas.openxmlformats.org/officeDocument/2006/relationships" xmlns:p14="http://schemas.microsoft.com/office/powerpoint/2010/main" xmlns:p15="http://schemas.microsoft.com/office/powerpoint/2012/main" xmlns:mc="http://schemas.openxmlformats.org/markup-compatibility/2006" type="titleOnly" preserve="1">
   <p:cSld name="Title Only">
     <p:spTree>
       <p:nvGrpSpPr>
@@ -1010,7 +911,7 @@
         <p:nvSpPr>
           <p:cNvPr id="9" name="PlaceHolder 1"/>
           <p:cNvSpPr>
-            <a:spLocks noGrp="true"/>
+            <a:spLocks noGrp="1"/>
           </p:cNvSpPr>
           <p:nvPr>
             <p:ph type="title"/>
@@ -1018,17 +919,19 @@
         </p:nvSpPr>
         <p:spPr>
           <a:xfrm>
-            <a:off x="1523880" y="1122480"/>
-            <a:ext cx="9142920" cy="2386440"/>
-          </a:xfrm>
-          <a:prstGeom prst="rect">
-            <a:avLst/>
-          </a:prstGeom>
-        </p:spPr>
-        <p:txBody>
-          <a:bodyPr lIns="0" tIns="0" rIns="0" bIns="0" anchor="ctr"/>
-          <a:p>
-            <a:endParaRPr lang="en-US" sz="1800" b="0" strike="noStrike" spc="-1">
+            <a:off x="609480" y="273600"/>
+            <a:ext cx="10972440" cy="1144800"/>
+          </a:xfrm>
+          <a:prstGeom prst="rect">
+            <a:avLst/>
+          </a:prstGeom>
+        </p:spPr>
+        <p:txBody>
+          <a:bodyPr lIns="0" rIns="0" tIns="0" bIns="0" anchor="ctr">
+            <a:noAutofit/>
+          </a:bodyPr>
+          <a:p>
+            <a:endParaRPr b="0" lang="en-US" sz="1800" spc="-1" strike="noStrike">
               <a:solidFill>
                 <a:srgbClr val="000000"/>
               </a:solidFill>
@@ -1039,14 +942,11 @@
       </p:sp>
     </p:spTree>
   </p:cSld>
-  <p:clrMapOvr>
-    <a:masterClrMapping/>
-  </p:clrMapOvr>
 </p:sldLayout>
 </file>
 
 <file path=ppt/slideLayouts/slideLayout6.xml><?xml version="1.0" encoding="utf-8"?>
-<p:sldLayout xmlns:a="http://schemas.openxmlformats.org/drawingml/2006/main" xmlns:r="http://schemas.openxmlformats.org/officeDocument/2006/relationships" xmlns:p="http://schemas.openxmlformats.org/presentationml/2006/main" type="objOnly" preserve="1">
+<p:sldLayout xmlns:a="http://schemas.openxmlformats.org/drawingml/2006/main" xmlns:p="http://schemas.openxmlformats.org/presentationml/2006/main" xmlns:r="http://schemas.openxmlformats.org/officeDocument/2006/relationships" xmlns:p14="http://schemas.microsoft.com/office/powerpoint/2010/main" xmlns:p15="http://schemas.microsoft.com/office/powerpoint/2012/main" xmlns:mc="http://schemas.openxmlformats.org/markup-compatibility/2006" type="objOnly" preserve="1">
   <p:cSld name="Centered Text">
     <p:spTree>
       <p:nvGrpSpPr>
@@ -1066,7 +966,7 @@
         <p:nvSpPr>
           <p:cNvPr id="10" name="PlaceHolder 1"/>
           <p:cNvSpPr>
-            <a:spLocks noGrp="true"/>
+            <a:spLocks noGrp="1"/>
           </p:cNvSpPr>
           <p:nvPr>
             <p:ph type="subTitle"/>
@@ -1074,18 +974,20 @@
         </p:nvSpPr>
         <p:spPr>
           <a:xfrm>
-            <a:off x="1523880" y="1122480"/>
-            <a:ext cx="9142920" cy="11063520"/>
-          </a:xfrm>
-          <a:prstGeom prst="rect">
-            <a:avLst/>
-          </a:prstGeom>
-        </p:spPr>
-        <p:txBody>
-          <a:bodyPr lIns="0" tIns="0" rIns="0" bIns="0" anchor="ctr"/>
+            <a:off x="609480" y="273600"/>
+            <a:ext cx="10972440" cy="5307840"/>
+          </a:xfrm>
+          <a:prstGeom prst="rect">
+            <a:avLst/>
+          </a:prstGeom>
+        </p:spPr>
+        <p:txBody>
+          <a:bodyPr lIns="0" rIns="0" tIns="0" bIns="0" anchor="ctr">
+            <a:noAutofit/>
+          </a:bodyPr>
           <a:p>
             <a:pPr algn="ctr"/>
-            <a:endParaRPr lang="en-GB" sz="3200" b="0" strike="noStrike" spc="-1">
+            <a:endParaRPr b="0" lang="en-US" sz="3200" spc="-1" strike="noStrike">
               <a:latin typeface="Arial"/>
             </a:endParaRPr>
           </a:p>
@@ -1093,14 +995,11 @@
       </p:sp>
     </p:spTree>
   </p:cSld>
-  <p:clrMapOvr>
-    <a:masterClrMapping/>
-  </p:clrMapOvr>
 </p:sldLayout>
 </file>
 
 <file path=ppt/slideLayouts/slideLayout7.xml><?xml version="1.0" encoding="utf-8"?>
-<p:sldLayout xmlns:a="http://schemas.openxmlformats.org/drawingml/2006/main" xmlns:r="http://schemas.openxmlformats.org/officeDocument/2006/relationships" xmlns:p="http://schemas.openxmlformats.org/presentationml/2006/main" type="twoObjAndObj" preserve="1">
+<p:sldLayout xmlns:a="http://schemas.openxmlformats.org/drawingml/2006/main" xmlns:p="http://schemas.openxmlformats.org/presentationml/2006/main" xmlns:r="http://schemas.openxmlformats.org/officeDocument/2006/relationships" xmlns:p14="http://schemas.microsoft.com/office/powerpoint/2010/main" xmlns:p15="http://schemas.microsoft.com/office/powerpoint/2012/main" xmlns:mc="http://schemas.openxmlformats.org/markup-compatibility/2006" type="twoObjAndObj" preserve="1">
   <p:cSld name="Title, 2 Content and Content">
     <p:spTree>
       <p:nvGrpSpPr>
@@ -1120,7 +1019,7 @@
         <p:nvSpPr>
           <p:cNvPr id="11" name="PlaceHolder 1"/>
           <p:cNvSpPr>
-            <a:spLocks noGrp="true"/>
+            <a:spLocks noGrp="1"/>
           </p:cNvSpPr>
           <p:nvPr>
             <p:ph type="title"/>
@@ -1128,17 +1027,19 @@
         </p:nvSpPr>
         <p:spPr>
           <a:xfrm>
-            <a:off x="1523880" y="1122480"/>
-            <a:ext cx="9142920" cy="2386440"/>
-          </a:xfrm>
-          <a:prstGeom prst="rect">
-            <a:avLst/>
-          </a:prstGeom>
-        </p:spPr>
-        <p:txBody>
-          <a:bodyPr lIns="0" tIns="0" rIns="0" bIns="0" anchor="ctr"/>
-          <a:p>
-            <a:endParaRPr lang="en-US" sz="1800" b="0" strike="noStrike" spc="-1">
+            <a:off x="609480" y="273600"/>
+            <a:ext cx="10972440" cy="1144800"/>
+          </a:xfrm>
+          <a:prstGeom prst="rect">
+            <a:avLst/>
+          </a:prstGeom>
+        </p:spPr>
+        <p:txBody>
+          <a:bodyPr lIns="0" rIns="0" tIns="0" bIns="0" anchor="ctr">
+            <a:noAutofit/>
+          </a:bodyPr>
+          <a:p>
+            <a:endParaRPr b="0" lang="en-US" sz="1800" spc="-1" strike="noStrike">
               <a:solidFill>
                 <a:srgbClr val="000000"/>
               </a:solidFill>
@@ -1151,7 +1052,7 @@
         <p:nvSpPr>
           <p:cNvPr id="12" name="PlaceHolder 2"/>
           <p:cNvSpPr>
-            <a:spLocks noGrp="true"/>
+            <a:spLocks noGrp="1"/>
           </p:cNvSpPr>
           <p:nvPr>
             <p:ph type="body"/>
@@ -1167,11 +1068,11 @@
           </a:prstGeom>
         </p:spPr>
         <p:txBody>
-          <a:bodyPr lIns="0" tIns="0" rIns="0" bIns="0">
+          <a:bodyPr lIns="0" rIns="0" tIns="0" bIns="0">
             <a:normAutofit/>
           </a:bodyPr>
           <a:p>
-            <a:endParaRPr lang="en-US" sz="2800" b="0" strike="noStrike" spc="-1">
+            <a:endParaRPr b="0" lang="en-US" sz="1800" spc="-1" strike="noStrike">
               <a:solidFill>
                 <a:srgbClr val="000000"/>
               </a:solidFill>
@@ -1184,7 +1085,7 @@
         <p:nvSpPr>
           <p:cNvPr id="13" name="PlaceHolder 3"/>
           <p:cNvSpPr>
-            <a:spLocks noGrp="true"/>
+            <a:spLocks noGrp="1"/>
           </p:cNvSpPr>
           <p:nvPr>
             <p:ph type="body"/>
@@ -1193,18 +1094,18 @@
         <p:spPr>
           <a:xfrm>
             <a:off x="6231960" y="1604520"/>
-            <a:ext cx="5354280" cy="3976920"/>
-          </a:xfrm>
-          <a:prstGeom prst="rect">
-            <a:avLst/>
-          </a:prstGeom>
-        </p:spPr>
-        <p:txBody>
-          <a:bodyPr lIns="0" tIns="0" rIns="0" bIns="0">
+            <a:ext cx="5354280" cy="3977280"/>
+          </a:xfrm>
+          <a:prstGeom prst="rect">
+            <a:avLst/>
+          </a:prstGeom>
+        </p:spPr>
+        <p:txBody>
+          <a:bodyPr lIns="0" rIns="0" tIns="0" bIns="0">
             <a:normAutofit/>
           </a:bodyPr>
           <a:p>
-            <a:endParaRPr lang="en-US" sz="2800" b="0" strike="noStrike" spc="-1">
+            <a:endParaRPr b="0" lang="en-US" sz="1800" spc="-1" strike="noStrike">
               <a:solidFill>
                 <a:srgbClr val="000000"/>
               </a:solidFill>
@@ -1217,7 +1118,7 @@
         <p:nvSpPr>
           <p:cNvPr id="14" name="PlaceHolder 4"/>
           <p:cNvSpPr>
-            <a:spLocks noGrp="true"/>
+            <a:spLocks noGrp="1"/>
           </p:cNvSpPr>
           <p:nvPr>
             <p:ph type="body"/>
@@ -1233,11 +1134,11 @@
           </a:prstGeom>
         </p:spPr>
         <p:txBody>
-          <a:bodyPr lIns="0" tIns="0" rIns="0" bIns="0">
+          <a:bodyPr lIns="0" rIns="0" tIns="0" bIns="0">
             <a:normAutofit/>
           </a:bodyPr>
           <a:p>
-            <a:endParaRPr lang="en-US" sz="2800" b="0" strike="noStrike" spc="-1">
+            <a:endParaRPr b="0" lang="en-US" sz="1800" spc="-1" strike="noStrike">
               <a:solidFill>
                 <a:srgbClr val="000000"/>
               </a:solidFill>
@@ -1248,14 +1149,11 @@
       </p:sp>
     </p:spTree>
   </p:cSld>
-  <p:clrMapOvr>
-    <a:masterClrMapping/>
-  </p:clrMapOvr>
 </p:sldLayout>
 </file>
 
 <file path=ppt/slideLayouts/slideLayout8.xml><?xml version="1.0" encoding="utf-8"?>
-<p:sldLayout xmlns:a="http://schemas.openxmlformats.org/drawingml/2006/main" xmlns:r="http://schemas.openxmlformats.org/officeDocument/2006/relationships" xmlns:p="http://schemas.openxmlformats.org/presentationml/2006/main" type="objAndTwoObj" preserve="1">
+<p:sldLayout xmlns:a="http://schemas.openxmlformats.org/drawingml/2006/main" xmlns:p="http://schemas.openxmlformats.org/presentationml/2006/main" xmlns:r="http://schemas.openxmlformats.org/officeDocument/2006/relationships" xmlns:p14="http://schemas.microsoft.com/office/powerpoint/2010/main" xmlns:p15="http://schemas.microsoft.com/office/powerpoint/2012/main" xmlns:mc="http://schemas.openxmlformats.org/markup-compatibility/2006" type="objAndTwoObj" preserve="1">
   <p:cSld name="Title Content and 2 Content">
     <p:spTree>
       <p:nvGrpSpPr>
@@ -1275,7 +1173,7 @@
         <p:nvSpPr>
           <p:cNvPr id="15" name="PlaceHolder 1"/>
           <p:cNvSpPr>
-            <a:spLocks noGrp="true"/>
+            <a:spLocks noGrp="1"/>
           </p:cNvSpPr>
           <p:nvPr>
             <p:ph type="title"/>
@@ -1283,17 +1181,19 @@
         </p:nvSpPr>
         <p:spPr>
           <a:xfrm>
-            <a:off x="1523880" y="1122480"/>
-            <a:ext cx="9142920" cy="2386440"/>
-          </a:xfrm>
-          <a:prstGeom prst="rect">
-            <a:avLst/>
-          </a:prstGeom>
-        </p:spPr>
-        <p:txBody>
-          <a:bodyPr lIns="0" tIns="0" rIns="0" bIns="0" anchor="ctr"/>
-          <a:p>
-            <a:endParaRPr lang="en-US" sz="1800" b="0" strike="noStrike" spc="-1">
+            <a:off x="609480" y="273600"/>
+            <a:ext cx="10972440" cy="1144800"/>
+          </a:xfrm>
+          <a:prstGeom prst="rect">
+            <a:avLst/>
+          </a:prstGeom>
+        </p:spPr>
+        <p:txBody>
+          <a:bodyPr lIns="0" rIns="0" tIns="0" bIns="0" anchor="ctr">
+            <a:noAutofit/>
+          </a:bodyPr>
+          <a:p>
+            <a:endParaRPr b="0" lang="en-US" sz="1800" spc="-1" strike="noStrike">
               <a:solidFill>
                 <a:srgbClr val="000000"/>
               </a:solidFill>
@@ -1306,7 +1206,7 @@
         <p:nvSpPr>
           <p:cNvPr id="16" name="PlaceHolder 2"/>
           <p:cNvSpPr>
-            <a:spLocks noGrp="true"/>
+            <a:spLocks noGrp="1"/>
           </p:cNvSpPr>
           <p:nvPr>
             <p:ph type="body"/>
@@ -1315,18 +1215,18 @@
         <p:spPr>
           <a:xfrm>
             <a:off x="609480" y="1604520"/>
-            <a:ext cx="5354280" cy="3976920"/>
-          </a:xfrm>
-          <a:prstGeom prst="rect">
-            <a:avLst/>
-          </a:prstGeom>
-        </p:spPr>
-        <p:txBody>
-          <a:bodyPr lIns="0" tIns="0" rIns="0" bIns="0">
+            <a:ext cx="5354280" cy="3977280"/>
+          </a:xfrm>
+          <a:prstGeom prst="rect">
+            <a:avLst/>
+          </a:prstGeom>
+        </p:spPr>
+        <p:txBody>
+          <a:bodyPr lIns="0" rIns="0" tIns="0" bIns="0">
             <a:normAutofit/>
           </a:bodyPr>
           <a:p>
-            <a:endParaRPr lang="en-US" sz="2800" b="0" strike="noStrike" spc="-1">
+            <a:endParaRPr b="0" lang="en-US" sz="1800" spc="-1" strike="noStrike">
               <a:solidFill>
                 <a:srgbClr val="000000"/>
               </a:solidFill>
@@ -1339,7 +1239,7 @@
         <p:nvSpPr>
           <p:cNvPr id="17" name="PlaceHolder 3"/>
           <p:cNvSpPr>
-            <a:spLocks noGrp="true"/>
+            <a:spLocks noGrp="1"/>
           </p:cNvSpPr>
           <p:nvPr>
             <p:ph type="body"/>
@@ -1355,11 +1255,11 @@
           </a:prstGeom>
         </p:spPr>
         <p:txBody>
-          <a:bodyPr lIns="0" tIns="0" rIns="0" bIns="0">
+          <a:bodyPr lIns="0" rIns="0" tIns="0" bIns="0">
             <a:normAutofit/>
           </a:bodyPr>
           <a:p>
-            <a:endParaRPr lang="en-US" sz="2800" b="0" strike="noStrike" spc="-1">
+            <a:endParaRPr b="0" lang="en-US" sz="1800" spc="-1" strike="noStrike">
               <a:solidFill>
                 <a:srgbClr val="000000"/>
               </a:solidFill>
@@ -1372,7 +1272,7 @@
         <p:nvSpPr>
           <p:cNvPr id="18" name="PlaceHolder 4"/>
           <p:cNvSpPr>
-            <a:spLocks noGrp="true"/>
+            <a:spLocks noGrp="1"/>
           </p:cNvSpPr>
           <p:nvPr>
             <p:ph type="body"/>
@@ -1388,11 +1288,11 @@
           </a:prstGeom>
         </p:spPr>
         <p:txBody>
-          <a:bodyPr lIns="0" tIns="0" rIns="0" bIns="0">
+          <a:bodyPr lIns="0" rIns="0" tIns="0" bIns="0">
             <a:normAutofit/>
           </a:bodyPr>
           <a:p>
-            <a:endParaRPr lang="en-US" sz="2800" b="0" strike="noStrike" spc="-1">
+            <a:endParaRPr b="0" lang="en-US" sz="1800" spc="-1" strike="noStrike">
               <a:solidFill>
                 <a:srgbClr val="000000"/>
               </a:solidFill>
@@ -1403,14 +1303,11 @@
       </p:sp>
     </p:spTree>
   </p:cSld>
-  <p:clrMapOvr>
-    <a:masterClrMapping/>
-  </p:clrMapOvr>
 </p:sldLayout>
 </file>
 
 <file path=ppt/slideLayouts/slideLayout9.xml><?xml version="1.0" encoding="utf-8"?>
-<p:sldLayout xmlns:a="http://schemas.openxmlformats.org/drawingml/2006/main" xmlns:r="http://schemas.openxmlformats.org/officeDocument/2006/relationships" xmlns:p="http://schemas.openxmlformats.org/presentationml/2006/main" type="twoObjOverTx" preserve="1">
+<p:sldLayout xmlns:a="http://schemas.openxmlformats.org/drawingml/2006/main" xmlns:p="http://schemas.openxmlformats.org/presentationml/2006/main" xmlns:r="http://schemas.openxmlformats.org/officeDocument/2006/relationships" xmlns:p14="http://schemas.microsoft.com/office/powerpoint/2010/main" xmlns:p15="http://schemas.microsoft.com/office/powerpoint/2012/main" xmlns:mc="http://schemas.openxmlformats.org/markup-compatibility/2006" type="twoObjOverTx" preserve="1">
   <p:cSld name="Title, 2 Content over Content">
     <p:spTree>
       <p:nvGrpSpPr>
@@ -1430,7 +1327,7 @@
         <p:nvSpPr>
           <p:cNvPr id="19" name="PlaceHolder 1"/>
           <p:cNvSpPr>
-            <a:spLocks noGrp="true"/>
+            <a:spLocks noGrp="1"/>
           </p:cNvSpPr>
           <p:nvPr>
             <p:ph type="title"/>
@@ -1438,17 +1335,19 @@
         </p:nvSpPr>
         <p:spPr>
           <a:xfrm>
-            <a:off x="1523880" y="1122480"/>
-            <a:ext cx="9142920" cy="2386440"/>
-          </a:xfrm>
-          <a:prstGeom prst="rect">
-            <a:avLst/>
-          </a:prstGeom>
-        </p:spPr>
-        <p:txBody>
-          <a:bodyPr lIns="0" tIns="0" rIns="0" bIns="0" anchor="ctr"/>
-          <a:p>
-            <a:endParaRPr lang="en-US" sz="1800" b="0" strike="noStrike" spc="-1">
+            <a:off x="609480" y="273600"/>
+            <a:ext cx="10972440" cy="1144800"/>
+          </a:xfrm>
+          <a:prstGeom prst="rect">
+            <a:avLst/>
+          </a:prstGeom>
+        </p:spPr>
+        <p:txBody>
+          <a:bodyPr lIns="0" rIns="0" tIns="0" bIns="0" anchor="ctr">
+            <a:noAutofit/>
+          </a:bodyPr>
+          <a:p>
+            <a:endParaRPr b="0" lang="en-US" sz="1800" spc="-1" strike="noStrike">
               <a:solidFill>
                 <a:srgbClr val="000000"/>
               </a:solidFill>
@@ -1461,7 +1360,7 @@
         <p:nvSpPr>
           <p:cNvPr id="20" name="PlaceHolder 2"/>
           <p:cNvSpPr>
-            <a:spLocks noGrp="true"/>
+            <a:spLocks noGrp="1"/>
           </p:cNvSpPr>
           <p:nvPr>
             <p:ph type="body"/>
@@ -1477,11 +1376,11 @@
           </a:prstGeom>
         </p:spPr>
         <p:txBody>
-          <a:bodyPr lIns="0" tIns="0" rIns="0" bIns="0">
+          <a:bodyPr lIns="0" rIns="0" tIns="0" bIns="0">
             <a:normAutofit/>
           </a:bodyPr>
           <a:p>
-            <a:endParaRPr lang="en-US" sz="2800" b="0" strike="noStrike" spc="-1">
+            <a:endParaRPr b="0" lang="en-US" sz="1800" spc="-1" strike="noStrike">
               <a:solidFill>
                 <a:srgbClr val="000000"/>
               </a:solidFill>
@@ -1494,7 +1393,7 @@
         <p:nvSpPr>
           <p:cNvPr id="21" name="PlaceHolder 3"/>
           <p:cNvSpPr>
-            <a:spLocks noGrp="true"/>
+            <a:spLocks noGrp="1"/>
           </p:cNvSpPr>
           <p:nvPr>
             <p:ph type="body"/>
@@ -1510,11 +1409,11 @@
           </a:prstGeom>
         </p:spPr>
         <p:txBody>
-          <a:bodyPr lIns="0" tIns="0" rIns="0" bIns="0">
+          <a:bodyPr lIns="0" rIns="0" tIns="0" bIns="0">
             <a:normAutofit/>
           </a:bodyPr>
           <a:p>
-            <a:endParaRPr lang="en-US" sz="2800" b="0" strike="noStrike" spc="-1">
+            <a:endParaRPr b="0" lang="en-US" sz="1800" spc="-1" strike="noStrike">
               <a:solidFill>
                 <a:srgbClr val="000000"/>
               </a:solidFill>
@@ -1527,7 +1426,7 @@
         <p:nvSpPr>
           <p:cNvPr id="22" name="PlaceHolder 4"/>
           <p:cNvSpPr>
-            <a:spLocks noGrp="true"/>
+            <a:spLocks noGrp="1"/>
           </p:cNvSpPr>
           <p:nvPr>
             <p:ph type="body"/>
@@ -1536,18 +1435,18 @@
         <p:spPr>
           <a:xfrm>
             <a:off x="609480" y="3682080"/>
-            <a:ext cx="10972080" cy="1896840"/>
-          </a:xfrm>
-          <a:prstGeom prst="rect">
-            <a:avLst/>
-          </a:prstGeom>
-        </p:spPr>
-        <p:txBody>
-          <a:bodyPr lIns="0" tIns="0" rIns="0" bIns="0">
+            <a:ext cx="10972440" cy="1896840"/>
+          </a:xfrm>
+          <a:prstGeom prst="rect">
+            <a:avLst/>
+          </a:prstGeom>
+        </p:spPr>
+        <p:txBody>
+          <a:bodyPr lIns="0" rIns="0" tIns="0" bIns="0">
             <a:normAutofit/>
           </a:bodyPr>
           <a:p>
-            <a:endParaRPr lang="en-US" sz="2800" b="0" strike="noStrike" spc="-1">
+            <a:endParaRPr b="0" lang="en-US" sz="1800" spc="-1" strike="noStrike">
               <a:solidFill>
                 <a:srgbClr val="000000"/>
               </a:solidFill>
@@ -1558,21 +1457,17 @@
       </p:sp>
     </p:spTree>
   </p:cSld>
-  <p:clrMapOvr>
-    <a:masterClrMapping/>
-  </p:clrMapOvr>
 </p:sldLayout>
 </file>
 
 <file path=ppt/slideMasters/slideMaster1.xml><?xml version="1.0" encoding="utf-8"?>
-<p:sldMaster xmlns:a="http://schemas.openxmlformats.org/drawingml/2006/main" xmlns:r="http://schemas.openxmlformats.org/officeDocument/2006/relationships" xmlns:p="http://schemas.openxmlformats.org/presentationml/2006/main">
+<p:sldMaster xmlns:a="http://schemas.openxmlformats.org/drawingml/2006/main" xmlns:p="http://schemas.openxmlformats.org/presentationml/2006/main" xmlns:r="http://schemas.openxmlformats.org/officeDocument/2006/relationships" xmlns:p14="http://schemas.microsoft.com/office/powerpoint/2010/main" xmlns:p15="http://schemas.microsoft.com/office/powerpoint/2012/main" xmlns:mc="http://schemas.openxmlformats.org/markup-compatibility/2006">
   <p:cSld>
     <p:bg>
       <p:bgPr>
         <a:solidFill>
-          <a:srgbClr val="FFFFFF"/>
+          <a:srgbClr val="ffffff"/>
         </a:solidFill>
-        <a:effectLst/>
       </p:bgPr>
     </p:bg>
     <p:spTree>
@@ -1593,7 +1488,7 @@
         <p:nvSpPr>
           <p:cNvPr id="0" name="PlaceHolder 1"/>
           <p:cNvSpPr>
-            <a:spLocks noGrp="true"/>
+            <a:spLocks noGrp="1"/>
           </p:cNvSpPr>
           <p:nvPr>
             <p:ph type="title"/>
@@ -1601,18 +1496,20 @@
         </p:nvSpPr>
         <p:spPr>
           <a:xfrm>
-            <a:off x="1523880" y="1122480"/>
-            <a:ext cx="9142920" cy="2386440"/>
-          </a:xfrm>
-          <a:prstGeom prst="rect">
-            <a:avLst/>
-          </a:prstGeom>
-        </p:spPr>
-        <p:txBody>
-          <a:bodyPr lIns="0" tIns="0" rIns="0" bIns="0" anchor="ctr"/>
+            <a:off x="609480" y="273600"/>
+            <a:ext cx="10972440" cy="1144800"/>
+          </a:xfrm>
+          <a:prstGeom prst="rect">
+            <a:avLst/>
+          </a:prstGeom>
+        </p:spPr>
+        <p:txBody>
+          <a:bodyPr lIns="0" rIns="0" tIns="0" bIns="0" anchor="ctr">
+            <a:noAutofit/>
+          </a:bodyPr>
           <a:p>
             <a:r>
-              <a:rPr lang="en-US" sz="4400" b="0" strike="noStrike" spc="-1">
+              <a:rPr b="0" lang="en-US" sz="1800" spc="-1" strike="noStrike">
                 <a:solidFill>
                   <a:srgbClr val="000000"/>
                 </a:solidFill>
@@ -1620,20 +1517,20 @@
               </a:rPr>
               <a:t>Click to edit the title text format</a:t>
             </a:r>
-            <a:endParaRPr lang="en-US" sz="4400" b="0" strike="noStrike" spc="-1">
-              <a:solidFill>
-                <a:srgbClr val="000000"/>
-              </a:solidFill>
-              <a:latin typeface="Arial"/>
-            </a:endParaRPr>
-          </a:p>
-        </p:txBody>
-      </p:sp>
-      <p:sp>
-        <p:nvSpPr>
-          <p:cNvPr id="2" name="PlaceHolder 2"/>
-          <p:cNvSpPr>
-            <a:spLocks noGrp="true"/>
+            <a:endParaRPr b="0" lang="en-US" sz="1800" spc="-1" strike="noStrike">
+              <a:solidFill>
+                <a:srgbClr val="000000"/>
+              </a:solidFill>
+              <a:latin typeface="Arial"/>
+            </a:endParaRPr>
+          </a:p>
+        </p:txBody>
+      </p:sp>
+      <p:sp>
+        <p:nvSpPr>
+          <p:cNvPr id="1" name="PlaceHolder 2"/>
+          <p:cNvSpPr>
+            <a:spLocks noGrp="1"/>
           </p:cNvSpPr>
           <p:nvPr>
             <p:ph type="body"/>
@@ -1642,30 +1539,30 @@
         <p:spPr>
           <a:xfrm>
             <a:off x="609480" y="1604520"/>
-            <a:ext cx="10972080" cy="3976920"/>
-          </a:xfrm>
-          <a:prstGeom prst="rect">
-            <a:avLst/>
-          </a:prstGeom>
-        </p:spPr>
-        <p:txBody>
-          <a:bodyPr lIns="0" tIns="0" rIns="0" bIns="0">
+            <a:ext cx="10972440" cy="3977280"/>
+          </a:xfrm>
+          <a:prstGeom prst="rect">
+            <a:avLst/>
+          </a:prstGeom>
+        </p:spPr>
+        <p:txBody>
+          <a:bodyPr lIns="0" rIns="0" tIns="0" bIns="0">
             <a:normAutofit/>
           </a:bodyPr>
           <a:p>
-            <a:pPr marL="431800" indent="-323850">
+            <a:pPr marL="432000" indent="-324000">
               <a:spcBef>
-                <a:spcPts val="1415"/>
+                <a:spcPts val="1417"/>
               </a:spcBef>
               <a:buClr>
                 <a:srgbClr val="000000"/>
               </a:buClr>
               <a:buSzPct val="45000"/>
-              <a:buFont typeface="Wingdings" panose="05000000000000000000" pitchFamily="2" charset="2"/>
+              <a:buFont typeface="Wingdings" charset="2"/>
               <a:buChar char=""/>
             </a:pPr>
             <a:r>
-              <a:rPr lang="en-US" sz="2800" b="0" strike="noStrike" spc="-1">
+              <a:rPr b="0" lang="en-US" sz="1800" spc="-1" strike="noStrike">
                 <a:solidFill>
                   <a:srgbClr val="000000"/>
                 </a:solidFill>
@@ -1673,17 +1570,17 @@
               </a:rPr>
               <a:t>Click to edit the outline text format</a:t>
             </a:r>
-            <a:endParaRPr lang="en-US" sz="2800" b="0" strike="noStrike" spc="-1">
-              <a:solidFill>
-                <a:srgbClr val="000000"/>
-              </a:solidFill>
-              <a:latin typeface="Arial"/>
-            </a:endParaRPr>
-          </a:p>
-          <a:p>
-            <a:pPr marL="864235" lvl="1" indent="-323850">
+            <a:endParaRPr b="0" lang="en-US" sz="1800" spc="-1" strike="noStrike">
+              <a:solidFill>
+                <a:srgbClr val="000000"/>
+              </a:solidFill>
+              <a:latin typeface="Arial"/>
+            </a:endParaRPr>
+          </a:p>
+          <a:p>
+            <a:pPr lvl="1" marL="864000" indent="-324000">
               <a:spcBef>
-                <a:spcPts val="1135"/>
+                <a:spcPts val="1134"/>
               </a:spcBef>
               <a:buClr>
                 <a:srgbClr val="000000"/>
@@ -1693,7 +1590,7 @@
               <a:buChar char=""/>
             </a:pPr>
             <a:r>
-              <a:rPr lang="en-US" sz="2800" b="0" strike="noStrike" spc="-1">
+              <a:rPr b="0" lang="en-US" sz="1800" spc="-1" strike="noStrike">
                 <a:solidFill>
                   <a:srgbClr val="000000"/>
                 </a:solidFill>
@@ -1701,15 +1598,15 @@
               </a:rPr>
               <a:t>Second Outline Level</a:t>
             </a:r>
-            <a:endParaRPr lang="en-US" sz="2800" b="0" strike="noStrike" spc="-1">
-              <a:solidFill>
-                <a:srgbClr val="000000"/>
-              </a:solidFill>
-              <a:latin typeface="Arial"/>
-            </a:endParaRPr>
-          </a:p>
-          <a:p>
-            <a:pPr marL="1296035" lvl="2" indent="-288290">
+            <a:endParaRPr b="0" lang="en-US" sz="1800" spc="-1" strike="noStrike">
+              <a:solidFill>
+                <a:srgbClr val="000000"/>
+              </a:solidFill>
+              <a:latin typeface="Arial"/>
+            </a:endParaRPr>
+          </a:p>
+          <a:p>
+            <a:pPr lvl="2" marL="1296000" indent="-288000">
               <a:spcBef>
                 <a:spcPts val="850"/>
               </a:spcBef>
@@ -1717,11 +1614,11 @@
                 <a:srgbClr val="000000"/>
               </a:buClr>
               <a:buSzPct val="45000"/>
-              <a:buFont typeface="Wingdings" panose="05000000000000000000" pitchFamily="2" charset="2"/>
+              <a:buFont typeface="Wingdings" charset="2"/>
               <a:buChar char=""/>
             </a:pPr>
             <a:r>
-              <a:rPr lang="en-US" sz="2800" b="0" strike="noStrike" spc="-1">
+              <a:rPr b="0" lang="en-US" sz="1800" spc="-1" strike="noStrike">
                 <a:solidFill>
                   <a:srgbClr val="000000"/>
                 </a:solidFill>
@@ -1729,17 +1626,17 @@
               </a:rPr>
               <a:t>Third Outline Level</a:t>
             </a:r>
-            <a:endParaRPr lang="en-US" sz="2800" b="0" strike="noStrike" spc="-1">
-              <a:solidFill>
-                <a:srgbClr val="000000"/>
-              </a:solidFill>
-              <a:latin typeface="Arial"/>
-            </a:endParaRPr>
-          </a:p>
-          <a:p>
-            <a:pPr marL="1727835" lvl="3" indent="-215900">
+            <a:endParaRPr b="0" lang="en-US" sz="1800" spc="-1" strike="noStrike">
+              <a:solidFill>
+                <a:srgbClr val="000000"/>
+              </a:solidFill>
+              <a:latin typeface="Arial"/>
+            </a:endParaRPr>
+          </a:p>
+          <a:p>
+            <a:pPr lvl="3" marL="1728000" indent="-216000">
               <a:spcBef>
-                <a:spcPts val="565"/>
+                <a:spcPts val="567"/>
               </a:spcBef>
               <a:buClr>
                 <a:srgbClr val="000000"/>
@@ -1749,7 +1646,7 @@
               <a:buChar char=""/>
             </a:pPr>
             <a:r>
-              <a:rPr lang="en-US" sz="2800" b="0" strike="noStrike" spc="-1">
+              <a:rPr b="0" lang="en-US" sz="1800" spc="-1" strike="noStrike">
                 <a:solidFill>
                   <a:srgbClr val="000000"/>
                 </a:solidFill>
@@ -1757,27 +1654,27 @@
               </a:rPr>
               <a:t>Fourth Outline Level</a:t>
             </a:r>
-            <a:endParaRPr lang="en-US" sz="2800" b="0" strike="noStrike" spc="-1">
-              <a:solidFill>
-                <a:srgbClr val="000000"/>
-              </a:solidFill>
-              <a:latin typeface="Arial"/>
-            </a:endParaRPr>
-          </a:p>
-          <a:p>
-            <a:pPr marL="2160270" lvl="4" indent="-215900">
+            <a:endParaRPr b="0" lang="en-US" sz="1800" spc="-1" strike="noStrike">
+              <a:solidFill>
+                <a:srgbClr val="000000"/>
+              </a:solidFill>
+              <a:latin typeface="Arial"/>
+            </a:endParaRPr>
+          </a:p>
+          <a:p>
+            <a:pPr lvl="4" marL="2160000" indent="-216000">
               <a:spcBef>
-                <a:spcPts val="285"/>
+                <a:spcPts val="283"/>
               </a:spcBef>
               <a:buClr>
                 <a:srgbClr val="000000"/>
               </a:buClr>
               <a:buSzPct val="45000"/>
-              <a:buFont typeface="Wingdings" panose="05000000000000000000" pitchFamily="2" charset="2"/>
+              <a:buFont typeface="Wingdings" charset="2"/>
               <a:buChar char=""/>
             </a:pPr>
             <a:r>
-              <a:rPr lang="en-US" sz="2800" b="0" strike="noStrike" spc="-1">
+              <a:rPr b="0" lang="en-US" sz="2000" spc="-1" strike="noStrike">
                 <a:solidFill>
                   <a:srgbClr val="000000"/>
                 </a:solidFill>
@@ -1785,27 +1682,27 @@
               </a:rPr>
               <a:t>Fifth Outline Level</a:t>
             </a:r>
-            <a:endParaRPr lang="en-US" sz="2800" b="0" strike="noStrike" spc="-1">
-              <a:solidFill>
-                <a:srgbClr val="000000"/>
-              </a:solidFill>
-              <a:latin typeface="Arial"/>
-            </a:endParaRPr>
-          </a:p>
-          <a:p>
-            <a:pPr marL="2592070" lvl="5" indent="-215900">
+            <a:endParaRPr b="0" lang="en-US" sz="2000" spc="-1" strike="noStrike">
+              <a:solidFill>
+                <a:srgbClr val="000000"/>
+              </a:solidFill>
+              <a:latin typeface="Arial"/>
+            </a:endParaRPr>
+          </a:p>
+          <a:p>
+            <a:pPr lvl="5" marL="2592000" indent="-216000">
               <a:spcBef>
-                <a:spcPts val="285"/>
+                <a:spcPts val="283"/>
               </a:spcBef>
               <a:buClr>
                 <a:srgbClr val="000000"/>
               </a:buClr>
               <a:buSzPct val="45000"/>
-              <a:buFont typeface="Wingdings" panose="05000000000000000000" pitchFamily="2" charset="2"/>
+              <a:buFont typeface="Wingdings" charset="2"/>
               <a:buChar char=""/>
             </a:pPr>
             <a:r>
-              <a:rPr lang="en-US" sz="2800" b="0" strike="noStrike" spc="-1">
+              <a:rPr b="0" lang="en-US" sz="2000" spc="-1" strike="noStrike">
                 <a:solidFill>
                   <a:srgbClr val="000000"/>
                 </a:solidFill>
@@ -1813,27 +1710,27 @@
               </a:rPr>
               <a:t>Sixth Outline Level</a:t>
             </a:r>
-            <a:endParaRPr lang="en-US" sz="2800" b="0" strike="noStrike" spc="-1">
-              <a:solidFill>
-                <a:srgbClr val="000000"/>
-              </a:solidFill>
-              <a:latin typeface="Arial"/>
-            </a:endParaRPr>
-          </a:p>
-          <a:p>
-            <a:pPr marL="3023870" lvl="6" indent="-215900">
+            <a:endParaRPr b="0" lang="en-US" sz="2000" spc="-1" strike="noStrike">
+              <a:solidFill>
+                <a:srgbClr val="000000"/>
+              </a:solidFill>
+              <a:latin typeface="Arial"/>
+            </a:endParaRPr>
+          </a:p>
+          <a:p>
+            <a:pPr lvl="6" marL="3024000" indent="-216000">
               <a:spcBef>
-                <a:spcPts val="285"/>
+                <a:spcPts val="283"/>
               </a:spcBef>
               <a:buClr>
                 <a:srgbClr val="000000"/>
               </a:buClr>
               <a:buSzPct val="45000"/>
-              <a:buFont typeface="Wingdings" panose="05000000000000000000" pitchFamily="2" charset="2"/>
+              <a:buFont typeface="Wingdings" charset="2"/>
               <a:buChar char=""/>
             </a:pPr>
             <a:r>
-              <a:rPr lang="en-US" sz="2800" b="0" strike="noStrike" spc="-1">
+              <a:rPr b="0" lang="en-US" sz="2000" spc="-1" strike="noStrike">
                 <a:solidFill>
                   <a:srgbClr val="000000"/>
                 </a:solidFill>
@@ -1841,7 +1738,7 @@
               </a:rPr>
               <a:t>Seventh Outline Level</a:t>
             </a:r>
-            <a:endParaRPr lang="en-US" sz="2800" b="0" strike="noStrike" spc="-1">
+            <a:endParaRPr b="0" lang="en-US" sz="2000" spc="-1" strike="noStrike">
               <a:solidFill>
                 <a:srgbClr val="000000"/>
               </a:solidFill>
@@ -1852,31 +1749,26 @@
       </p:sp>
     </p:spTree>
   </p:cSld>
-  <p:clrMap bg1="lt1" tx1="dk1" bg2="lt2" tx2="dk2" accent1="accent1" accent2="accent2" accent3="accent3" accent4="accent4" accent5="accent5" accent6="accent6" hlink="hlink" folHlink="folHlink"/>
+  <p:clrMap bg1="lt1" bg2="lt2" tx1="dk1" tx2="dk2" accent1="accent1" accent2="accent2" accent3="accent3" accent4="accent4" accent5="accent5" accent6="accent6" hlink="hlink" folHlink="folHlink"/>
   <p:sldLayoutIdLst>
-    <p:sldLayoutId id="2147483649" r:id="rId1"/>
-    <p:sldLayoutId id="2147483650" r:id="rId2"/>
-    <p:sldLayoutId id="2147483651" r:id="rId3"/>
-    <p:sldLayoutId id="2147483652" r:id="rId4"/>
-    <p:sldLayoutId id="2147483653" r:id="rId5"/>
-    <p:sldLayoutId id="2147483654" r:id="rId6"/>
-    <p:sldLayoutId id="2147483655" r:id="rId7"/>
-    <p:sldLayoutId id="2147483656" r:id="rId8"/>
-    <p:sldLayoutId id="2147483657" r:id="rId9"/>
-    <p:sldLayoutId id="2147483658" r:id="rId10"/>
-    <p:sldLayoutId id="2147483659" r:id="rId11"/>
-    <p:sldLayoutId id="2147483660" r:id="rId12"/>
+    <p:sldLayoutId id="2147483649" r:id="rId2"/>
+    <p:sldLayoutId id="2147483650" r:id="rId3"/>
+    <p:sldLayoutId id="2147483651" r:id="rId4"/>
+    <p:sldLayoutId id="2147483652" r:id="rId5"/>
+    <p:sldLayoutId id="2147483653" r:id="rId6"/>
+    <p:sldLayoutId id="2147483654" r:id="rId7"/>
+    <p:sldLayoutId id="2147483655" r:id="rId8"/>
+    <p:sldLayoutId id="2147483656" r:id="rId9"/>
+    <p:sldLayoutId id="2147483657" r:id="rId10"/>
+    <p:sldLayoutId id="2147483658" r:id="rId11"/>
+    <p:sldLayoutId id="2147483659" r:id="rId12"/>
+    <p:sldLayoutId id="2147483660" r:id="rId13"/>
   </p:sldLayoutIdLst>
-  <p:txStyles>
-    <p:titleStyle/>
-    <p:bodyStyle/>
-    <p:otherStyle/>
-  </p:txStyles>
 </p:sldMaster>
 </file>
 
 <file path=ppt/slides/slide1.xml><?xml version="1.0" encoding="utf-8"?>
-<p:sld xmlns:a="http://schemas.openxmlformats.org/drawingml/2006/main" xmlns:r="http://schemas.openxmlformats.org/officeDocument/2006/relationships" xmlns:p="http://schemas.openxmlformats.org/presentationml/2006/main">
+<p:sld xmlns:a="http://schemas.openxmlformats.org/drawingml/2006/main" xmlns:p="http://schemas.openxmlformats.org/presentationml/2006/main" xmlns:r="http://schemas.openxmlformats.org/officeDocument/2006/relationships" xmlns:p14="http://schemas.microsoft.com/office/powerpoint/2010/main" xmlns:p15="http://schemas.microsoft.com/office/powerpoint/2012/main" xmlns:mc="http://schemas.openxmlformats.org/markup-compatibility/2006">
   <p:cSld>
     <p:spTree>
       <p:nvGrpSpPr>
@@ -1908,7 +1800,7 @@
           </a:prstGeom>
           <a:ln>
             <a:solidFill>
-              <a:srgbClr val="5597D3"/>
+              <a:srgbClr val="5597d3"/>
             </a:solidFill>
             <a:round/>
           </a:ln>
@@ -1942,7 +1834,7 @@
           </a:prstGeom>
           <a:ln>
             <a:solidFill>
-              <a:srgbClr val="5597D3"/>
+              <a:srgbClr val="5597d3"/>
             </a:solidFill>
             <a:round/>
           </a:ln>
@@ -1976,7 +1868,7 @@
           </a:prstGeom>
           <a:ln>
             <a:solidFill>
-              <a:srgbClr val="5597D3"/>
+              <a:srgbClr val="5597d3"/>
             </a:solidFill>
             <a:round/>
           </a:ln>
@@ -2001,7 +1893,7 @@
           <p:nvPr/>
         </p:nvSpPr>
         <p:spPr>
-          <a:xfrm flipV="true">
+          <a:xfrm flipV="1">
             <a:off x="11549520" y="798840"/>
             <a:ext cx="195480" cy="5255640"/>
           </a:xfrm>
@@ -2010,7 +1902,7 @@
           </a:prstGeom>
           <a:ln>
             <a:solidFill>
-              <a:srgbClr val="5597D3"/>
+              <a:srgbClr val="5597d3"/>
             </a:solidFill>
             <a:round/>
           </a:ln>
@@ -2037,7 +1929,7 @@
         <p:spPr>
           <a:xfrm>
             <a:off x="488880" y="6047280"/>
-            <a:ext cx="323640" cy="363960"/>
+            <a:ext cx="323280" cy="363600"/>
           </a:xfrm>
           <a:prstGeom prst="rect">
             <a:avLst/>
@@ -2048,19 +1940,15 @@
           </a:ln>
         </p:spPr>
         <p:style>
-          <a:lnRef idx="0">
-            <a:srgbClr val="FFFFFF"/>
-          </a:lnRef>
-          <a:fillRef idx="0">
-            <a:srgbClr val="FFFFFF"/>
-          </a:fillRef>
-          <a:effectRef idx="0">
-            <a:srgbClr val="FFFFFF"/>
-          </a:effectRef>
+          <a:lnRef idx="0"/>
+          <a:fillRef idx="0"/>
+          <a:effectRef idx="0"/>
           <a:fontRef idx="minor"/>
         </p:style>
         <p:txBody>
-          <a:bodyPr wrap="none" lIns="90000" tIns="45000" rIns="90000" bIns="45000"/>
+          <a:bodyPr wrap="none" lIns="90000" rIns="90000" tIns="45000" bIns="45000">
+            <a:noAutofit/>
+          </a:bodyPr>
           <a:p>
             <a:pPr>
               <a:lnSpc>
@@ -2068,16 +1956,16 @@
               </a:lnSpc>
             </a:pPr>
             <a:r>
-              <a:rPr lang="en-GB" sz="1800" b="0" strike="noStrike" spc="-1">
+              <a:rPr b="0" lang="en-GB" sz="1800" spc="-1" strike="noStrike">
                 <a:solidFill>
                   <a:srgbClr val="000000"/>
                 </a:solidFill>
                 <a:latin typeface="等线"/>
-                <a:ea typeface="DejaVu Sans" panose="020B0603030804020204"/>
+                <a:ea typeface="DejaVu Sans"/>
               </a:rPr>
               <a:t>0</a:t>
             </a:r>
-            <a:endParaRPr lang="en-GB" sz="1800" b="0" strike="noStrike" spc="-1">
+            <a:endParaRPr b="0" lang="en-US" sz="1800" spc="-1" strike="noStrike">
               <a:latin typeface="Arial"/>
             </a:endParaRPr>
           </a:p>
@@ -2092,7 +1980,7 @@
         <p:spPr>
           <a:xfrm>
             <a:off x="736560" y="798840"/>
-            <a:ext cx="323640" cy="363960"/>
+            <a:ext cx="323280" cy="363600"/>
           </a:xfrm>
           <a:prstGeom prst="rect">
             <a:avLst/>
@@ -2103,19 +1991,15 @@
           </a:ln>
         </p:spPr>
         <p:style>
-          <a:lnRef idx="0">
-            <a:srgbClr val="FFFFFF"/>
-          </a:lnRef>
-          <a:fillRef idx="0">
-            <a:srgbClr val="FFFFFF"/>
-          </a:fillRef>
-          <a:effectRef idx="0">
-            <a:srgbClr val="FFFFFF"/>
-          </a:effectRef>
+          <a:lnRef idx="0"/>
+          <a:fillRef idx="0"/>
+          <a:effectRef idx="0"/>
           <a:fontRef idx="minor"/>
         </p:style>
         <p:txBody>
-          <a:bodyPr wrap="none" lIns="90000" tIns="45000" rIns="90000" bIns="45000"/>
+          <a:bodyPr wrap="none" lIns="90000" rIns="90000" tIns="45000" bIns="45000">
+            <a:noAutofit/>
+          </a:bodyPr>
           <a:p>
             <a:pPr>
               <a:lnSpc>
@@ -2123,16 +2007,16 @@
               </a:lnSpc>
             </a:pPr>
             <a:r>
-              <a:rPr lang="en-GB" sz="1800" b="0" strike="noStrike" spc="-1">
+              <a:rPr b="0" lang="en-GB" sz="1800" spc="-1" strike="noStrike">
                 <a:solidFill>
                   <a:srgbClr val="000000"/>
                 </a:solidFill>
                 <a:latin typeface="等线"/>
-                <a:ea typeface="DejaVu Sans" panose="020B0603030804020204"/>
+                <a:ea typeface="DejaVu Sans"/>
               </a:rPr>
               <a:t>6</a:t>
             </a:r>
-            <a:endParaRPr lang="en-GB" sz="1800" b="0" strike="noStrike" spc="-1">
+            <a:endParaRPr b="0" lang="en-US" sz="1800" spc="-1" strike="noStrike">
               <a:latin typeface="Arial"/>
             </a:endParaRPr>
           </a:p>
@@ -2147,7 +2031,7 @@
         <p:spPr>
           <a:xfrm>
             <a:off x="8118000" y="6229440"/>
-            <a:ext cx="323640" cy="363960"/>
+            <a:ext cx="323280" cy="363600"/>
           </a:xfrm>
           <a:prstGeom prst="rect">
             <a:avLst/>
@@ -2158,19 +2042,15 @@
           </a:ln>
         </p:spPr>
         <p:style>
-          <a:lnRef idx="0">
-            <a:srgbClr val="FFFFFF"/>
-          </a:lnRef>
-          <a:fillRef idx="0">
-            <a:srgbClr val="FFFFFF"/>
-          </a:fillRef>
-          <a:effectRef idx="0">
-            <a:srgbClr val="FFFFFF"/>
-          </a:effectRef>
+          <a:lnRef idx="0"/>
+          <a:fillRef idx="0"/>
+          <a:effectRef idx="0"/>
           <a:fontRef idx="minor"/>
         </p:style>
         <p:txBody>
-          <a:bodyPr wrap="none" lIns="90000" tIns="45000" rIns="90000" bIns="45000"/>
+          <a:bodyPr wrap="none" lIns="90000" rIns="90000" tIns="45000" bIns="45000">
+            <a:noAutofit/>
+          </a:bodyPr>
           <a:p>
             <a:pPr>
               <a:lnSpc>
@@ -2178,16 +2058,16 @@
               </a:lnSpc>
             </a:pPr>
             <a:r>
-              <a:rPr lang="en-GB" sz="1800" b="0" strike="noStrike" spc="-1">
+              <a:rPr b="0" lang="en-GB" sz="1800" spc="-1" strike="noStrike">
                 <a:solidFill>
                   <a:srgbClr val="000000"/>
                 </a:solidFill>
                 <a:latin typeface="等线"/>
-                <a:ea typeface="DejaVu Sans" panose="020B0603030804020204"/>
+                <a:ea typeface="DejaVu Sans"/>
               </a:rPr>
               <a:t>2</a:t>
             </a:r>
-            <a:endParaRPr lang="en-GB" sz="1800" b="0" strike="noStrike" spc="-1">
+            <a:endParaRPr b="0" lang="en-US" sz="1800" spc="-1" strike="noStrike">
               <a:latin typeface="Arial"/>
             </a:endParaRPr>
           </a:p>
@@ -2202,7 +2082,7 @@
         <p:spPr>
           <a:xfrm>
             <a:off x="11637720" y="497880"/>
-            <a:ext cx="325080" cy="363960"/>
+            <a:ext cx="324720" cy="363600"/>
           </a:xfrm>
           <a:prstGeom prst="rect">
             <a:avLst/>
@@ -2213,19 +2093,15 @@
           </a:ln>
         </p:spPr>
         <p:style>
-          <a:lnRef idx="0">
-            <a:srgbClr val="FFFFFF"/>
-          </a:lnRef>
-          <a:fillRef idx="0">
-            <a:srgbClr val="FFFFFF"/>
-          </a:fillRef>
-          <a:effectRef idx="0">
-            <a:srgbClr val="FFFFFF"/>
-          </a:effectRef>
+          <a:lnRef idx="0"/>
+          <a:fillRef idx="0"/>
+          <a:effectRef idx="0"/>
           <a:fontRef idx="minor"/>
         </p:style>
         <p:txBody>
-          <a:bodyPr wrap="none" lIns="90000" tIns="45000" rIns="90000" bIns="45000"/>
+          <a:bodyPr wrap="none" lIns="90000" rIns="90000" tIns="45000" bIns="45000">
+            <a:noAutofit/>
+          </a:bodyPr>
           <a:p>
             <a:pPr>
               <a:lnSpc>
@@ -2233,16 +2109,16 @@
               </a:lnSpc>
             </a:pPr>
             <a:r>
-              <a:rPr lang="en-GB" sz="1800" b="0" strike="noStrike" spc="-1">
+              <a:rPr b="0" lang="en-GB" sz="1800" spc="-1" strike="noStrike">
                 <a:solidFill>
                   <a:srgbClr val="000000"/>
                 </a:solidFill>
                 <a:latin typeface="等线"/>
-                <a:ea typeface="DejaVu Sans" panose="020B0603030804020204"/>
+                <a:ea typeface="DejaVu Sans"/>
               </a:rPr>
               <a:t>9</a:t>
             </a:r>
-            <a:endParaRPr lang="en-GB" sz="1800" b="0" strike="noStrike" spc="-1">
+            <a:endParaRPr b="0" lang="en-US" sz="1800" spc="-1" strike="noStrike">
               <a:latin typeface="Arial"/>
             </a:endParaRPr>
           </a:p>
@@ -2255,7 +2131,7 @@
           <p:nvPr/>
         </p:nvSpPr>
         <p:spPr>
-          <a:xfrm flipV="true">
+          <a:xfrm flipV="1">
             <a:off x="745560" y="3323520"/>
             <a:ext cx="10928520" cy="99000"/>
           </a:xfrm>
@@ -2264,7 +2140,7 @@
           </a:prstGeom>
           <a:ln>
             <a:solidFill>
-              <a:srgbClr val="5597D3"/>
+              <a:srgbClr val="5597d3"/>
             </a:solidFill>
             <a:round/>
           </a:ln>
@@ -2289,7 +2165,7 @@
           <p:nvPr/>
         </p:nvSpPr>
         <p:spPr>
-          <a:xfrm flipH="true">
+          <a:xfrm flipH="1">
             <a:off x="3484440" y="765720"/>
             <a:ext cx="23760" cy="5289120"/>
           </a:xfrm>
@@ -2298,7 +2174,7 @@
           </a:prstGeom>
           <a:ln>
             <a:solidFill>
-              <a:srgbClr val="5597D3"/>
+              <a:srgbClr val="5597d3"/>
             </a:solidFill>
             <a:round/>
           </a:ln>
@@ -2325,7 +2201,7 @@
         <p:spPr>
           <a:xfrm>
             <a:off x="3490560" y="772200"/>
-            <a:ext cx="325080" cy="363960"/>
+            <a:ext cx="324720" cy="363600"/>
           </a:xfrm>
           <a:prstGeom prst="rect">
             <a:avLst/>
@@ -2336,19 +2212,15 @@
           </a:ln>
         </p:spPr>
         <p:style>
-          <a:lnRef idx="0">
-            <a:srgbClr val="FFFFFF"/>
-          </a:lnRef>
-          <a:fillRef idx="0">
-            <a:srgbClr val="FFFFFF"/>
-          </a:fillRef>
-          <a:effectRef idx="0">
-            <a:srgbClr val="FFFFFF"/>
-          </a:effectRef>
+          <a:lnRef idx="0"/>
+          <a:fillRef idx="0"/>
+          <a:effectRef idx="0"/>
           <a:fontRef idx="minor"/>
         </p:style>
         <p:txBody>
-          <a:bodyPr wrap="none" lIns="90000" tIns="45000" rIns="90000" bIns="45000"/>
+          <a:bodyPr wrap="none" lIns="90000" rIns="90000" tIns="45000" bIns="45000">
+            <a:noAutofit/>
+          </a:bodyPr>
           <a:p>
             <a:pPr>
               <a:lnSpc>
@@ -2356,16 +2228,16 @@
               </a:lnSpc>
             </a:pPr>
             <a:r>
-              <a:rPr lang="en-GB" sz="1800" b="0" strike="noStrike" spc="-1">
+              <a:rPr b="0" lang="en-GB" sz="1800" spc="-1" strike="noStrike">
                 <a:solidFill>
                   <a:srgbClr val="000000"/>
                 </a:solidFill>
                 <a:latin typeface="等线"/>
-                <a:ea typeface="DejaVu Sans" panose="020B0603030804020204"/>
+                <a:ea typeface="DejaVu Sans"/>
               </a:rPr>
               <a:t>7</a:t>
             </a:r>
-            <a:endParaRPr lang="en-GB" sz="1800" b="0" strike="noStrike" spc="-1">
+            <a:endParaRPr b="0" lang="en-US" sz="1800" spc="-1" strike="noStrike">
               <a:latin typeface="Arial"/>
             </a:endParaRPr>
           </a:p>
@@ -2380,7 +2252,7 @@
         <p:spPr>
           <a:xfrm>
             <a:off x="365040" y="3295080"/>
-            <a:ext cx="325080" cy="363960"/>
+            <a:ext cx="324720" cy="363600"/>
           </a:xfrm>
           <a:prstGeom prst="rect">
             <a:avLst/>
@@ -2391,19 +2263,15 @@
           </a:ln>
         </p:spPr>
         <p:style>
-          <a:lnRef idx="0">
-            <a:srgbClr val="FFFFFF"/>
-          </a:lnRef>
-          <a:fillRef idx="0">
-            <a:srgbClr val="FFFFFF"/>
-          </a:fillRef>
-          <a:effectRef idx="0">
-            <a:srgbClr val="FFFFFF"/>
-          </a:effectRef>
+          <a:lnRef idx="0"/>
+          <a:fillRef idx="0"/>
+          <a:effectRef idx="0"/>
           <a:fontRef idx="minor"/>
         </p:style>
         <p:txBody>
-          <a:bodyPr wrap="none" lIns="90000" tIns="45000" rIns="90000" bIns="45000"/>
+          <a:bodyPr wrap="none" lIns="90000" rIns="90000" tIns="45000" bIns="45000">
+            <a:noAutofit/>
+          </a:bodyPr>
           <a:p>
             <a:pPr>
               <a:lnSpc>
@@ -2411,16 +2279,16 @@
               </a:lnSpc>
             </a:pPr>
             <a:r>
-              <a:rPr lang="en-GB" sz="1800" b="0" strike="noStrike" spc="-1">
+              <a:rPr b="0" lang="en-GB" sz="1800" spc="-1" strike="noStrike">
                 <a:solidFill>
                   <a:srgbClr val="000000"/>
                 </a:solidFill>
                 <a:latin typeface="等线"/>
-                <a:ea typeface="DejaVu Sans" panose="020B0603030804020204"/>
+                <a:ea typeface="DejaVu Sans"/>
               </a:rPr>
               <a:t>4</a:t>
             </a:r>
-            <a:endParaRPr lang="en-GB" sz="1800" b="0" strike="noStrike" spc="-1">
+            <a:endParaRPr b="0" lang="en-US" sz="1800" spc="-1" strike="noStrike">
               <a:latin typeface="Arial"/>
             </a:endParaRPr>
           </a:p>
@@ -2435,7 +2303,7 @@
         <p:spPr>
           <a:xfrm>
             <a:off x="11331360" y="3306600"/>
-            <a:ext cx="325080" cy="363960"/>
+            <a:ext cx="324720" cy="363600"/>
           </a:xfrm>
           <a:prstGeom prst="rect">
             <a:avLst/>
@@ -2446,19 +2314,15 @@
           </a:ln>
         </p:spPr>
         <p:style>
-          <a:lnRef idx="0">
-            <a:srgbClr val="FFFFFF"/>
-          </a:lnRef>
-          <a:fillRef idx="0">
-            <a:srgbClr val="FFFFFF"/>
-          </a:fillRef>
-          <a:effectRef idx="0">
-            <a:srgbClr val="FFFFFF"/>
-          </a:effectRef>
+          <a:lnRef idx="0"/>
+          <a:fillRef idx="0"/>
+          <a:effectRef idx="0"/>
           <a:fontRef idx="minor"/>
         </p:style>
         <p:txBody>
-          <a:bodyPr wrap="none" lIns="90000" tIns="45000" rIns="90000" bIns="45000"/>
+          <a:bodyPr wrap="none" lIns="90000" rIns="90000" tIns="45000" bIns="45000">
+            <a:noAutofit/>
+          </a:bodyPr>
           <a:p>
             <a:pPr>
               <a:lnSpc>
@@ -2466,16 +2330,16 @@
               </a:lnSpc>
             </a:pPr>
             <a:r>
-              <a:rPr lang="en-GB" sz="1800" b="0" strike="noStrike" spc="-1">
+              <a:rPr b="0" lang="en-GB" sz="1800" spc="-1" strike="noStrike">
                 <a:solidFill>
                   <a:srgbClr val="000000"/>
                 </a:solidFill>
                 <a:latin typeface="等线"/>
-                <a:ea typeface="DejaVu Sans" panose="020B0603030804020204"/>
+                <a:ea typeface="DejaVu Sans"/>
               </a:rPr>
               <a:t>5</a:t>
             </a:r>
-            <a:endParaRPr lang="en-GB" sz="1800" b="0" strike="noStrike" spc="-1">
+            <a:endParaRPr b="0" lang="en-US" sz="1800" spc="-1" strike="noStrike">
               <a:latin typeface="Arial"/>
             </a:endParaRPr>
           </a:p>
@@ -2490,7 +2354,7 @@
         <p:spPr>
           <a:xfrm>
             <a:off x="3312000" y="6187680"/>
-            <a:ext cx="323640" cy="363960"/>
+            <a:ext cx="323280" cy="363600"/>
           </a:xfrm>
           <a:prstGeom prst="rect">
             <a:avLst/>
@@ -2501,19 +2365,15 @@
           </a:ln>
         </p:spPr>
         <p:style>
-          <a:lnRef idx="0">
-            <a:srgbClr val="FFFFFF"/>
-          </a:lnRef>
-          <a:fillRef idx="0">
-            <a:srgbClr val="FFFFFF"/>
-          </a:fillRef>
-          <a:effectRef idx="0">
-            <a:srgbClr val="FFFFFF"/>
-          </a:effectRef>
+          <a:lnRef idx="0"/>
+          <a:fillRef idx="0"/>
+          <a:effectRef idx="0"/>
           <a:fontRef idx="minor"/>
         </p:style>
         <p:txBody>
-          <a:bodyPr wrap="none" lIns="90000" tIns="45000" rIns="90000" bIns="45000"/>
+          <a:bodyPr wrap="none" lIns="90000" rIns="90000" tIns="45000" bIns="45000">
+            <a:noAutofit/>
+          </a:bodyPr>
           <a:p>
             <a:pPr>
               <a:lnSpc>
@@ -2521,16 +2381,16 @@
               </a:lnSpc>
             </a:pPr>
             <a:r>
-              <a:rPr lang="en-GB" sz="1800" b="0" strike="noStrike" spc="-1">
+              <a:rPr b="0" lang="en-GB" sz="1800" spc="-1" strike="noStrike">
                 <a:solidFill>
                   <a:srgbClr val="000000"/>
                 </a:solidFill>
                 <a:latin typeface="等线"/>
-                <a:ea typeface="DejaVu Sans" panose="020B0603030804020204"/>
+                <a:ea typeface="DejaVu Sans"/>
               </a:rPr>
               <a:t>1</a:t>
             </a:r>
-            <a:endParaRPr lang="en-GB" sz="1800" b="0" strike="noStrike" spc="-1">
+            <a:endParaRPr b="0" lang="en-US" sz="1800" spc="-1" strike="noStrike">
               <a:latin typeface="Arial"/>
             </a:endParaRPr>
           </a:p>
@@ -2545,7 +2405,7 @@
         <p:spPr>
           <a:xfrm>
             <a:off x="8344800" y="825840"/>
-            <a:ext cx="306360" cy="345600"/>
+            <a:ext cx="306000" cy="345240"/>
           </a:xfrm>
           <a:prstGeom prst="rect">
             <a:avLst/>
@@ -2556,19 +2416,15 @@
           </a:ln>
         </p:spPr>
         <p:style>
-          <a:lnRef idx="0">
-            <a:srgbClr val="FFFFFF"/>
-          </a:lnRef>
-          <a:fillRef idx="0">
-            <a:srgbClr val="FFFFFF"/>
-          </a:fillRef>
-          <a:effectRef idx="0">
-            <a:srgbClr val="FFFFFF"/>
-          </a:effectRef>
+          <a:lnRef idx="0"/>
+          <a:fillRef idx="0"/>
+          <a:effectRef idx="0"/>
           <a:fontRef idx="minor"/>
         </p:style>
         <p:txBody>
-          <a:bodyPr lIns="90000" tIns="45000" rIns="90000" bIns="45000"/>
+          <a:bodyPr lIns="90000" rIns="90000" tIns="45000" bIns="45000">
+            <a:noAutofit/>
+          </a:bodyPr>
           <a:p>
             <a:pPr>
               <a:lnSpc>
@@ -2576,16 +2432,16 @@
               </a:lnSpc>
             </a:pPr>
             <a:r>
-              <a:rPr lang="en-GB" sz="1800" b="0" strike="noStrike" spc="-1">
+              <a:rPr b="0" lang="en-GB" sz="1800" spc="-1" strike="noStrike">
                 <a:solidFill>
                   <a:srgbClr val="000000"/>
                 </a:solidFill>
                 <a:latin typeface="Arial"/>
-                <a:ea typeface="DejaVu Sans" panose="020B0603030804020204"/>
+                <a:ea typeface="DejaVu Sans"/>
               </a:rPr>
               <a:t>8</a:t>
             </a:r>
-            <a:endParaRPr lang="en-GB" sz="1800" b="0" strike="noStrike" spc="-1">
+            <a:endParaRPr b="0" lang="en-US" sz="1800" spc="-1" strike="noStrike">
               <a:latin typeface="Arial"/>
             </a:endParaRPr>
           </a:p>
@@ -2605,17 +2461,14 @@
           <a:prstGeom prst="line">
             <a:avLst/>
           </a:prstGeom>
+          <a:ln>
+            <a:noFill/>
+          </a:ln>
         </p:spPr>
         <p:style>
-          <a:lnRef idx="0">
-            <a:srgbClr val="FFFFFF"/>
-          </a:lnRef>
-          <a:fillRef idx="0">
-            <a:srgbClr val="FFFFFF"/>
-          </a:fillRef>
-          <a:effectRef idx="0">
-            <a:srgbClr val="FFFFFF"/>
-          </a:effectRef>
+          <a:lnRef idx="0"/>
+          <a:fillRef idx="0"/>
+          <a:effectRef idx="0"/>
           <a:fontRef idx="minor"/>
         </p:style>
       </p:sp>
@@ -2628,7 +2481,7 @@
         <p:spPr>
           <a:xfrm>
             <a:off x="11421000" y="6172920"/>
-            <a:ext cx="323640" cy="363960"/>
+            <a:ext cx="323280" cy="363600"/>
           </a:xfrm>
           <a:prstGeom prst="rect">
             <a:avLst/>
@@ -2639,19 +2492,15 @@
           </a:ln>
         </p:spPr>
         <p:style>
-          <a:lnRef idx="0">
-            <a:srgbClr val="FFFFFF"/>
-          </a:lnRef>
-          <a:fillRef idx="0">
-            <a:srgbClr val="FFFFFF"/>
-          </a:fillRef>
-          <a:effectRef idx="0">
-            <a:srgbClr val="FFFFFF"/>
-          </a:effectRef>
+          <a:lnRef idx="0"/>
+          <a:fillRef idx="0"/>
+          <a:effectRef idx="0"/>
           <a:fontRef idx="minor"/>
         </p:style>
         <p:txBody>
-          <a:bodyPr wrap="none" lIns="90000" tIns="45000" rIns="90000" bIns="45000"/>
+          <a:bodyPr wrap="none" lIns="90000" rIns="90000" tIns="45000" bIns="45000">
+            <a:noAutofit/>
+          </a:bodyPr>
           <a:p>
             <a:pPr>
               <a:lnSpc>
@@ -2659,16 +2508,16 @@
               </a:lnSpc>
             </a:pPr>
             <a:r>
-              <a:rPr lang="en-GB" sz="1800" b="0" strike="noStrike" spc="-1">
+              <a:rPr b="0" lang="en-GB" sz="1800" spc="-1" strike="noStrike">
                 <a:solidFill>
                   <a:srgbClr val="000000"/>
                 </a:solidFill>
                 <a:latin typeface="等线"/>
-                <a:ea typeface="DejaVu Sans" panose="020B0603030804020204"/>
+                <a:ea typeface="DejaVu Sans"/>
               </a:rPr>
               <a:t>3</a:t>
             </a:r>
-            <a:endParaRPr lang="en-GB" sz="1800" b="0" strike="noStrike" spc="-1">
+            <a:endParaRPr b="0" lang="en-US" sz="1800" spc="-1" strike="noStrike">
               <a:latin typeface="Arial"/>
             </a:endParaRPr>
           </a:p>
@@ -2690,7 +2539,7 @@
           </a:prstGeom>
           <a:ln>
             <a:solidFill>
-              <a:srgbClr val="5597D3"/>
+              <a:srgbClr val="5597d3"/>
             </a:solidFill>
             <a:round/>
           </a:ln>
@@ -2717,7 +2566,7 @@
         <p:spPr>
           <a:xfrm>
             <a:off x="288000" y="4748040"/>
-            <a:ext cx="325080" cy="363960"/>
+            <a:ext cx="324720" cy="363600"/>
           </a:xfrm>
           <a:prstGeom prst="rect">
             <a:avLst/>
@@ -2728,19 +2577,15 @@
           </a:ln>
         </p:spPr>
         <p:style>
-          <a:lnRef idx="0">
-            <a:srgbClr val="FFFFFF"/>
-          </a:lnRef>
-          <a:fillRef idx="0">
-            <a:srgbClr val="FFFFFF"/>
-          </a:fillRef>
-          <a:effectRef idx="0">
-            <a:srgbClr val="FFFFFF"/>
-          </a:effectRef>
+          <a:lnRef idx="0"/>
+          <a:fillRef idx="0"/>
+          <a:effectRef idx="0"/>
           <a:fontRef idx="minor"/>
         </p:style>
         <p:txBody>
-          <a:bodyPr wrap="none" lIns="90000" tIns="45000" rIns="90000" bIns="45000"/>
+          <a:bodyPr wrap="none" lIns="90000" rIns="90000" tIns="45000" bIns="45000">
+            <a:noAutofit/>
+          </a:bodyPr>
           <a:p>
             <a:pPr>
               <a:lnSpc>
@@ -2748,16 +2593,16 @@
               </a:lnSpc>
             </a:pPr>
             <a:r>
-              <a:rPr lang="en-GB" sz="1800" b="0" strike="noStrike" spc="-1">
+              <a:rPr b="0" lang="en-GB" sz="1800" spc="-1" strike="noStrike">
                 <a:solidFill>
                   <a:srgbClr val="000000"/>
                 </a:solidFill>
                 <a:latin typeface="等线"/>
-                <a:ea typeface="DejaVu Sans" panose="020B0603030804020204"/>
+                <a:ea typeface="DejaVu Sans"/>
               </a:rPr>
               <a:t>10</a:t>
             </a:r>
-            <a:endParaRPr lang="en-GB" sz="1800" b="0" strike="noStrike" spc="-1">
+            <a:endParaRPr b="0" lang="en-US" sz="1800" spc="-1" strike="noStrike">
               <a:latin typeface="Arial"/>
             </a:endParaRPr>
           </a:p>
@@ -2772,7 +2617,7 @@
         <p:spPr>
           <a:xfrm>
             <a:off x="11698920" y="4820040"/>
-            <a:ext cx="325080" cy="363960"/>
+            <a:ext cx="324720" cy="363600"/>
           </a:xfrm>
           <a:prstGeom prst="rect">
             <a:avLst/>
@@ -2783,19 +2628,15 @@
           </a:ln>
         </p:spPr>
         <p:style>
-          <a:lnRef idx="0">
-            <a:srgbClr val="FFFFFF"/>
-          </a:lnRef>
-          <a:fillRef idx="0">
-            <a:srgbClr val="FFFFFF"/>
-          </a:fillRef>
-          <a:effectRef idx="0">
-            <a:srgbClr val="FFFFFF"/>
-          </a:effectRef>
+          <a:lnRef idx="0"/>
+          <a:fillRef idx="0"/>
+          <a:effectRef idx="0"/>
           <a:fontRef idx="minor"/>
         </p:style>
         <p:txBody>
-          <a:bodyPr wrap="none" lIns="90000" tIns="45000" rIns="90000" bIns="45000"/>
+          <a:bodyPr wrap="none" lIns="90000" rIns="90000" tIns="45000" bIns="45000">
+            <a:noAutofit/>
+          </a:bodyPr>
           <a:p>
             <a:pPr>
               <a:lnSpc>
@@ -2803,30 +2644,30 @@
               </a:lnSpc>
             </a:pPr>
             <a:r>
-              <a:rPr lang="en-GB" sz="1800" b="0" strike="noStrike" spc="-1">
+              <a:rPr b="0" lang="en-GB" sz="1800" spc="-1" strike="noStrike">
                 <a:solidFill>
                   <a:srgbClr val="000000"/>
                 </a:solidFill>
                 <a:latin typeface="等线"/>
-                <a:ea typeface="DejaVu Sans" panose="020B0603030804020204"/>
+                <a:ea typeface="DejaVu Sans"/>
               </a:rPr>
               <a:t>11</a:t>
             </a:r>
-            <a:endParaRPr lang="en-GB" sz="1800" b="0" strike="noStrike" spc="-1">
-              <a:latin typeface="Arial"/>
-            </a:endParaRPr>
-          </a:p>
-        </p:txBody>
-      </p:sp>
-      <p:sp>
-        <p:nvSpPr>
-          <p:cNvPr id="2" name="Line 10"/>
+            <a:endParaRPr b="0" lang="en-US" sz="1800" spc="-1" strike="noStrike">
+              <a:latin typeface="Arial"/>
+            </a:endParaRPr>
+          </a:p>
+        </p:txBody>
+      </p:sp>
+      <p:sp>
+        <p:nvSpPr>
+          <p:cNvPr id="58" name="Line 21"/>
           <p:cNvSpPr/>
           <p:nvPr/>
         </p:nvSpPr>
         <p:spPr>
-          <a:xfrm flipH="true">
-            <a:off x="8256465" y="758100"/>
+          <a:xfrm flipH="1">
+            <a:off x="8256240" y="757800"/>
             <a:ext cx="23760" cy="5289120"/>
           </a:xfrm>
           <a:prstGeom prst="line">
@@ -2834,7 +2675,7 @@
           </a:prstGeom>
           <a:ln>
             <a:solidFill>
-              <a:srgbClr val="5597D3"/>
+              <a:srgbClr val="5597d3"/>
             </a:solidFill>
             <a:round/>
           </a:ln>
@@ -2852,18 +2693,196 @@
           <a:fontRef idx="minor"/>
         </p:style>
       </p:sp>
+      <p:sp>
+        <p:nvSpPr>
+          <p:cNvPr id="59" name="TextShape 22"/>
+          <p:cNvSpPr txBox="1"/>
+          <p:nvPr/>
+        </p:nvSpPr>
+        <p:spPr>
+          <a:xfrm>
+            <a:off x="3566160" y="5120640"/>
+            <a:ext cx="433800" cy="346320"/>
+          </a:xfrm>
+          <a:prstGeom prst="rect">
+            <a:avLst/>
+          </a:prstGeom>
+          <a:noFill/>
+          <a:ln>
+            <a:noFill/>
+          </a:ln>
+        </p:spPr>
+        <p:txBody>
+          <a:bodyPr lIns="90000" rIns="90000" tIns="45000" bIns="45000">
+            <a:noAutofit/>
+          </a:bodyPr>
+          <a:p>
+            <a:r>
+              <a:rPr b="0" lang="en-US" sz="1800" spc="-1" strike="noStrike">
+                <a:latin typeface="Arial"/>
+              </a:rPr>
+              <a:t>12</a:t>
+            </a:r>
+            <a:endParaRPr b="0" lang="en-US" sz="1800" spc="-1" strike="noStrike">
+              <a:latin typeface="Arial"/>
+            </a:endParaRPr>
+          </a:p>
+        </p:txBody>
+      </p:sp>
+      <p:sp>
+        <p:nvSpPr>
+          <p:cNvPr id="60" name="TextShape 23"/>
+          <p:cNvSpPr txBox="1"/>
+          <p:nvPr/>
+        </p:nvSpPr>
+        <p:spPr>
+          <a:xfrm>
+            <a:off x="8412480" y="5120640"/>
+            <a:ext cx="433800" cy="346320"/>
+          </a:xfrm>
+          <a:prstGeom prst="rect">
+            <a:avLst/>
+          </a:prstGeom>
+          <a:noFill/>
+          <a:ln>
+            <a:noFill/>
+          </a:ln>
+        </p:spPr>
+        <p:txBody>
+          <a:bodyPr lIns="90000" rIns="90000" tIns="45000" bIns="45000">
+            <a:noAutofit/>
+          </a:bodyPr>
+          <a:p>
+            <a:r>
+              <a:rPr b="0" lang="en-US" sz="1800" spc="-1" strike="noStrike">
+                <a:latin typeface="Arial"/>
+              </a:rPr>
+              <a:t>13</a:t>
+            </a:r>
+            <a:endParaRPr b="0" lang="en-US" sz="1800" spc="-1" strike="noStrike">
+              <a:latin typeface="Arial"/>
+            </a:endParaRPr>
+          </a:p>
+        </p:txBody>
+      </p:sp>
+      <p:sp>
+        <p:nvSpPr>
+          <p:cNvPr id="61" name="TextShape 24"/>
+          <p:cNvSpPr txBox="1"/>
+          <p:nvPr/>
+        </p:nvSpPr>
+        <p:spPr>
+          <a:xfrm>
+            <a:off x="3566160" y="3474720"/>
+            <a:ext cx="433800" cy="346320"/>
+          </a:xfrm>
+          <a:prstGeom prst="rect">
+            <a:avLst/>
+          </a:prstGeom>
+          <a:noFill/>
+          <a:ln>
+            <a:noFill/>
+          </a:ln>
+        </p:spPr>
+        <p:txBody>
+          <a:bodyPr lIns="90000" rIns="90000" tIns="45000" bIns="45000">
+            <a:noAutofit/>
+          </a:bodyPr>
+          <a:p>
+            <a:r>
+              <a:rPr b="0" lang="en-US" sz="1800" spc="-1" strike="noStrike">
+                <a:latin typeface="Arial"/>
+              </a:rPr>
+              <a:t>14</a:t>
+            </a:r>
+            <a:endParaRPr b="0" lang="en-US" sz="1800" spc="-1" strike="noStrike">
+              <a:latin typeface="Arial"/>
+            </a:endParaRPr>
+          </a:p>
+        </p:txBody>
+      </p:sp>
+      <p:sp>
+        <p:nvSpPr>
+          <p:cNvPr id="62" name="TextShape 25"/>
+          <p:cNvSpPr txBox="1"/>
+          <p:nvPr/>
+        </p:nvSpPr>
+        <p:spPr>
+          <a:xfrm>
+            <a:off x="8412480" y="3474720"/>
+            <a:ext cx="433800" cy="346320"/>
+          </a:xfrm>
+          <a:prstGeom prst="rect">
+            <a:avLst/>
+          </a:prstGeom>
+          <a:noFill/>
+          <a:ln>
+            <a:noFill/>
+          </a:ln>
+        </p:spPr>
+        <p:txBody>
+          <a:bodyPr lIns="90000" rIns="90000" tIns="45000" bIns="45000">
+            <a:noAutofit/>
+          </a:bodyPr>
+          <a:p>
+            <a:r>
+              <a:rPr b="0" lang="en-US" sz="1800" spc="-1" strike="noStrike">
+                <a:latin typeface="Arial"/>
+              </a:rPr>
+              <a:t>15</a:t>
+            </a:r>
+            <a:endParaRPr b="0" lang="en-US" sz="1800" spc="-1" strike="noStrike">
+              <a:latin typeface="Arial"/>
+            </a:endParaRPr>
+          </a:p>
+        </p:txBody>
+      </p:sp>
+      <p:sp>
+        <p:nvSpPr>
+          <p:cNvPr id="63" name="TextShape 26"/>
+          <p:cNvSpPr txBox="1"/>
+          <p:nvPr/>
+        </p:nvSpPr>
+        <p:spPr>
+          <a:xfrm>
+            <a:off x="4754880" y="3931920"/>
+            <a:ext cx="674640" cy="346320"/>
+          </a:xfrm>
+          <a:prstGeom prst="rect">
+            <a:avLst/>
+          </a:prstGeom>
+          <a:noFill/>
+          <a:ln>
+            <a:noFill/>
+          </a:ln>
+        </p:spPr>
+        <p:txBody>
+          <a:bodyPr lIns="90000" rIns="90000" tIns="45000" bIns="45000">
+            <a:noAutofit/>
+          </a:bodyPr>
+          <a:p>
+            <a:r>
+              <a:rPr b="0" lang="en-US" sz="1800" spc="-1" strike="noStrike">
+                <a:latin typeface="Arial"/>
+              </a:rPr>
+              <a:t>plate</a:t>
+            </a:r>
+            <a:endParaRPr b="0" lang="en-US" sz="1800" spc="-1" strike="noStrike">
+              <a:latin typeface="Arial"/>
+            </a:endParaRPr>
+          </a:p>
+        </p:txBody>
+      </p:sp>
     </p:spTree>
   </p:cSld>
-  <p:clrMapOvr>
-    <a:masterClrMapping/>
-  </p:clrMapOvr>
-  <p:timing>
-    <p:tnLst>
-      <p:par>
-        <p:cTn id="1" dur="indefinite" restart="never" nodeType="tmRoot"/>
-      </p:par>
-    </p:tnLst>
-  </p:timing>
+  <mc:AlternateContent>
+    <mc:Choice Requires="p14">
+      <p:transition spd="slow" p14:dur="2000"/>
+    </mc:Choice>
+    <mc:Fallback>
+      <p:transition spd="slow"/>
+    </mc:Fallback>
+  </mc:AlternateContent>
 </p:sld>
 </file>
 
@@ -2878,34 +2897,34 @@
         <a:sysClr val="window" lastClr="FFFFFF"/>
       </a:lt1>
       <a:dk2>
-        <a:srgbClr val="44546A"/>
+        <a:srgbClr val="44546a"/>
       </a:dk2>
       <a:lt2>
-        <a:srgbClr val="E7E6E6"/>
+        <a:srgbClr val="e7e6e6"/>
       </a:lt2>
       <a:accent1>
-        <a:srgbClr val="5B9BD5"/>
+        <a:srgbClr val="5b9bd5"/>
       </a:accent1>
       <a:accent2>
-        <a:srgbClr val="ED7D31"/>
+        <a:srgbClr val="ed7d31"/>
       </a:accent2>
       <a:accent3>
-        <a:srgbClr val="A5A5A5"/>
+        <a:srgbClr val="a5a5a5"/>
       </a:accent3>
       <a:accent4>
-        <a:srgbClr val="FFC000"/>
+        <a:srgbClr val="ffc000"/>
       </a:accent4>
       <a:accent5>
-        <a:srgbClr val="4472C4"/>
+        <a:srgbClr val="4472c4"/>
       </a:accent5>
       <a:accent6>
-        <a:srgbClr val="70AD47"/>
+        <a:srgbClr val="70ad47"/>
       </a:accent6>
       <a:hlink>
-        <a:srgbClr val="0563C1"/>
+        <a:srgbClr val="0563c1"/>
       </a:hlink>
       <a:folHlink>
-        <a:srgbClr val="954F72"/>
+        <a:srgbClr val="954f72"/>
       </a:folHlink>
     </a:clrScheme>
     <a:fontScheme name="Office">
@@ -2925,7 +2944,7 @@
         <a:solidFill>
           <a:schemeClr val="phClr"/>
         </a:solidFill>
-        <a:gradFill rotWithShape="true">
+        <a:gradFill rotWithShape="1">
           <a:gsLst>
             <a:gs pos="0">
               <a:schemeClr val="phClr">
@@ -2946,9 +2965,9 @@
               </a:schemeClr>
             </a:gs>
           </a:gsLst>
-          <a:lin ang="16200000" scaled="true"/>
+          <a:lin ang="16200000" scaled="1"/>
         </a:gradFill>
-        <a:gradFill rotWithShape="true">
+        <a:gradFill rotWithShape="1">
           <a:gsLst>
             <a:gs pos="0">
               <a:schemeClr val="phClr">
@@ -2969,7 +2988,7 @@
               </a:schemeClr>
             </a:gs>
           </a:gsLst>
-          <a:lin ang="16200000" scaled="false"/>
+          <a:lin ang="16200000" scaled="0"/>
         </a:gradFill>
       </a:fillStyleLst>
       <a:lnStyleLst>
@@ -2981,18 +3000,21 @@
             </a:schemeClr>
           </a:solidFill>
           <a:prstDash val="solid"/>
+          <a:miter/>
         </a:ln>
         <a:ln w="25400" cap="flat" cmpd="sng" algn="ctr">
           <a:solidFill>
             <a:schemeClr val="phClr"/>
           </a:solidFill>
           <a:prstDash val="solid"/>
+          <a:miter/>
         </a:ln>
         <a:ln w="38100" cap="flat" cmpd="sng" algn="ctr">
           <a:solidFill>
             <a:schemeClr val="phClr"/>
           </a:solidFill>
           <a:prstDash val="solid"/>
+          <a:miter/>
         </a:ln>
       </a:lnStyleLst>
       <a:effectStyleLst>
@@ -3039,7 +3061,7 @@
         <a:solidFill>
           <a:schemeClr val="phClr"/>
         </a:solidFill>
-        <a:gradFill rotWithShape="true">
+        <a:gradFill rotWithShape="1">
           <a:gsLst>
             <a:gs pos="0">
               <a:schemeClr val="phClr">
@@ -3065,7 +3087,7 @@
             <a:fillToRect l="50000" t="-80000" r="50000" b="180000"/>
           </a:path>
         </a:gradFill>
-        <a:gradFill rotWithShape="true">
+        <a:gradFill rotWithShape="1">
           <a:gsLst>
             <a:gs pos="0">
               <a:schemeClr val="phClr">
@@ -3087,10 +3109,5 @@
       </a:bgFillStyleLst>
     </a:fmtScheme>
   </a:themeElements>
-  <a:extLst>
-    <a:ext uri="{05A4C25C-085E-4340-85A3-A5531E510DB2}">
-      <thm15:themeFamily xmlns:thm15="http://schemas.microsoft.com/office/thememl/2012/main" name="Office Theme" id="{62F939B6-93AF-4DB8-9C6B-D6C7DFDC589F}" vid="{4A3C46E8-61CC-4603-A589-7422A47A8E4A}"/>
-    </a:ext>
-  </a:extLst>
 </a:theme>
 </file>
--- a/meshdivision.pptx
+++ b/meshdivision.pptx
@@ -1,19 +1,114 @@
 
 <file path=ppt/presentation.xml><?xml version="1.0" encoding="utf-8"?>
-<p:presentation xmlns:a="http://schemas.openxmlformats.org/drawingml/2006/main" xmlns:p="http://schemas.openxmlformats.org/presentationml/2006/main" xmlns:r="http://schemas.openxmlformats.org/officeDocument/2006/relationships" xmlns:p14="http://schemas.microsoft.com/office/powerpoint/2010/main" xmlns:p15="http://schemas.microsoft.com/office/powerpoint/2012/main" xmlns:mc="http://schemas.openxmlformats.org/markup-compatibility/2006">
+<p:presentation xmlns:a="http://schemas.openxmlformats.org/drawingml/2006/main" xmlns:r="http://schemas.openxmlformats.org/officeDocument/2006/relationships" xmlns:p="http://schemas.openxmlformats.org/presentationml/2006/main">
   <p:sldMasterIdLst>
-    <p:sldMasterId id="2147483648" r:id="rId2"/>
+    <p:sldMasterId id="2147483648" r:id="rId1"/>
   </p:sldMasterIdLst>
   <p:sldIdLst>
-    <p:sldId id="256" r:id="rId3"/>
+    <p:sldId id="256" r:id="rId2"/>
   </p:sldIdLst>
   <p:sldSz cx="12192000" cy="6858000"/>
-  <p:notesSz cx="7559675" cy="10691812"/>
+  <p:notesSz cx="7559675" cy="10691813"/>
+  <p:defaultTextStyle>
+    <a:defPPr>
+      <a:defRPr lang="en-US"/>
+    </a:defPPr>
+    <a:lvl1pPr marL="0" algn="l" defTabSz="914400" rtl="0" eaLnBrk="1" latinLnBrk="0" hangingPunct="1">
+      <a:defRPr sz="1800" kern="1200">
+        <a:solidFill>
+          <a:schemeClr val="tx1"/>
+        </a:solidFill>
+        <a:latin typeface="+mn-lt"/>
+        <a:ea typeface="+mn-ea"/>
+        <a:cs typeface="+mn-cs"/>
+      </a:defRPr>
+    </a:lvl1pPr>
+    <a:lvl2pPr marL="457200" algn="l" defTabSz="914400" rtl="0" eaLnBrk="1" latinLnBrk="0" hangingPunct="1">
+      <a:defRPr sz="1800" kern="1200">
+        <a:solidFill>
+          <a:schemeClr val="tx1"/>
+        </a:solidFill>
+        <a:latin typeface="+mn-lt"/>
+        <a:ea typeface="+mn-ea"/>
+        <a:cs typeface="+mn-cs"/>
+      </a:defRPr>
+    </a:lvl2pPr>
+    <a:lvl3pPr marL="914400" algn="l" defTabSz="914400" rtl="0" eaLnBrk="1" latinLnBrk="0" hangingPunct="1">
+      <a:defRPr sz="1800" kern="1200">
+        <a:solidFill>
+          <a:schemeClr val="tx1"/>
+        </a:solidFill>
+        <a:latin typeface="+mn-lt"/>
+        <a:ea typeface="+mn-ea"/>
+        <a:cs typeface="+mn-cs"/>
+      </a:defRPr>
+    </a:lvl3pPr>
+    <a:lvl4pPr marL="1371600" algn="l" defTabSz="914400" rtl="0" eaLnBrk="1" latinLnBrk="0" hangingPunct="1">
+      <a:defRPr sz="1800" kern="1200">
+        <a:solidFill>
+          <a:schemeClr val="tx1"/>
+        </a:solidFill>
+        <a:latin typeface="+mn-lt"/>
+        <a:ea typeface="+mn-ea"/>
+        <a:cs typeface="+mn-cs"/>
+      </a:defRPr>
+    </a:lvl4pPr>
+    <a:lvl5pPr marL="1828800" algn="l" defTabSz="914400" rtl="0" eaLnBrk="1" latinLnBrk="0" hangingPunct="1">
+      <a:defRPr sz="1800" kern="1200">
+        <a:solidFill>
+          <a:schemeClr val="tx1"/>
+        </a:solidFill>
+        <a:latin typeface="+mn-lt"/>
+        <a:ea typeface="+mn-ea"/>
+        <a:cs typeface="+mn-cs"/>
+      </a:defRPr>
+    </a:lvl5pPr>
+    <a:lvl6pPr marL="2286000" algn="l" defTabSz="914400" rtl="0" eaLnBrk="1" latinLnBrk="0" hangingPunct="1">
+      <a:defRPr sz="1800" kern="1200">
+        <a:solidFill>
+          <a:schemeClr val="tx1"/>
+        </a:solidFill>
+        <a:latin typeface="+mn-lt"/>
+        <a:ea typeface="+mn-ea"/>
+        <a:cs typeface="+mn-cs"/>
+      </a:defRPr>
+    </a:lvl6pPr>
+    <a:lvl7pPr marL="2743200" algn="l" defTabSz="914400" rtl="0" eaLnBrk="1" latinLnBrk="0" hangingPunct="1">
+      <a:defRPr sz="1800" kern="1200">
+        <a:solidFill>
+          <a:schemeClr val="tx1"/>
+        </a:solidFill>
+        <a:latin typeface="+mn-lt"/>
+        <a:ea typeface="+mn-ea"/>
+        <a:cs typeface="+mn-cs"/>
+      </a:defRPr>
+    </a:lvl7pPr>
+    <a:lvl8pPr marL="3200400" algn="l" defTabSz="914400" rtl="0" eaLnBrk="1" latinLnBrk="0" hangingPunct="1">
+      <a:defRPr sz="1800" kern="1200">
+        <a:solidFill>
+          <a:schemeClr val="tx1"/>
+        </a:solidFill>
+        <a:latin typeface="+mn-lt"/>
+        <a:ea typeface="+mn-ea"/>
+        <a:cs typeface="+mn-cs"/>
+      </a:defRPr>
+    </a:lvl8pPr>
+    <a:lvl9pPr marL="3657600" algn="l" defTabSz="914400" rtl="0" eaLnBrk="1" latinLnBrk="0" hangingPunct="1">
+      <a:defRPr sz="1800" kern="1200">
+        <a:solidFill>
+          <a:schemeClr val="tx1"/>
+        </a:solidFill>
+        <a:latin typeface="+mn-lt"/>
+        <a:ea typeface="+mn-ea"/>
+        <a:cs typeface="+mn-cs"/>
+      </a:defRPr>
+    </a:lvl9pPr>
+  </p:defaultTextStyle>
 </p:presentation>
 </file>
 
 <file path=ppt/slideLayouts/slideLayout1.xml><?xml version="1.0" encoding="utf-8"?>
-<p:sldLayout xmlns:a="http://schemas.openxmlformats.org/drawingml/2006/main" xmlns:p="http://schemas.openxmlformats.org/presentationml/2006/main" xmlns:r="http://schemas.openxmlformats.org/officeDocument/2006/relationships" xmlns:p14="http://schemas.microsoft.com/office/powerpoint/2010/main" xmlns:p15="http://schemas.microsoft.com/office/powerpoint/2012/main" xmlns:mc="http://schemas.openxmlformats.org/markup-compatibility/2006" type="blank" preserve="1">
+<p:sldLayout xmlns:a="http://schemas.openxmlformats.org/drawingml/2006/main" xmlns:r="http://schemas.openxmlformats.org/officeDocument/2006/relationships" xmlns:p="http://schemas.openxmlformats.org/presentationml/2006/main" type="blank" preserve="1">
   <p:cSld name="Blank Slide">
     <p:spTree>
       <p:nvGrpSpPr>
@@ -31,11 +126,14 @@
       </p:grpSpPr>
     </p:spTree>
   </p:cSld>
+  <p:clrMapOvr>
+    <a:masterClrMapping/>
+  </p:clrMapOvr>
 </p:sldLayout>
 </file>
 
 <file path=ppt/slideLayouts/slideLayout10.xml><?xml version="1.0" encoding="utf-8"?>
-<p:sldLayout xmlns:a="http://schemas.openxmlformats.org/drawingml/2006/main" xmlns:p="http://schemas.openxmlformats.org/presentationml/2006/main" xmlns:r="http://schemas.openxmlformats.org/officeDocument/2006/relationships" xmlns:p14="http://schemas.microsoft.com/office/powerpoint/2010/main" xmlns:p15="http://schemas.microsoft.com/office/powerpoint/2012/main" xmlns:mc="http://schemas.openxmlformats.org/markup-compatibility/2006" type="objOverTx" preserve="1">
+<p:sldLayout xmlns:a="http://schemas.openxmlformats.org/drawingml/2006/main" xmlns:r="http://schemas.openxmlformats.org/officeDocument/2006/relationships" xmlns:p="http://schemas.openxmlformats.org/presentationml/2006/main" type="objOverTx" preserve="1">
   <p:cSld name="Title, Content over Content">
     <p:spTree>
       <p:nvGrpSpPr>
@@ -71,11 +169,12 @@
           </a:prstGeom>
         </p:spPr>
         <p:txBody>
-          <a:bodyPr lIns="0" rIns="0" tIns="0" bIns="0" anchor="ctr">
+          <a:bodyPr lIns="0" tIns="0" rIns="0" bIns="0" anchor="ctr">
             <a:noAutofit/>
           </a:bodyPr>
-          <a:p>
-            <a:endParaRPr b="0" lang="en-US" sz="1800" spc="-1" strike="noStrike">
+          <a:lstStyle/>
+          <a:p>
+            <a:endParaRPr lang="en-US" sz="1800" b="0" strike="noStrike" spc="-1">
               <a:solidFill>
                 <a:srgbClr val="000000"/>
               </a:solidFill>
@@ -104,11 +203,12 @@
           </a:prstGeom>
         </p:spPr>
         <p:txBody>
-          <a:bodyPr lIns="0" rIns="0" tIns="0" bIns="0">
+          <a:bodyPr lIns="0" tIns="0" rIns="0" bIns="0">
             <a:normAutofit/>
           </a:bodyPr>
-          <a:p>
-            <a:endParaRPr b="0" lang="en-US" sz="1800" spc="-1" strike="noStrike">
+          <a:lstStyle/>
+          <a:p>
+            <a:endParaRPr lang="en-US" sz="1800" b="0" strike="noStrike" spc="-1">
               <a:solidFill>
                 <a:srgbClr val="000000"/>
               </a:solidFill>
@@ -137,11 +237,12 @@
           </a:prstGeom>
         </p:spPr>
         <p:txBody>
-          <a:bodyPr lIns="0" rIns="0" tIns="0" bIns="0">
+          <a:bodyPr lIns="0" tIns="0" rIns="0" bIns="0">
             <a:normAutofit/>
           </a:bodyPr>
-          <a:p>
-            <a:endParaRPr b="0" lang="en-US" sz="1800" spc="-1" strike="noStrike">
+          <a:lstStyle/>
+          <a:p>
+            <a:endParaRPr lang="en-US" sz="1800" b="0" strike="noStrike" spc="-1">
               <a:solidFill>
                 <a:srgbClr val="000000"/>
               </a:solidFill>
@@ -152,11 +253,14 @@
       </p:sp>
     </p:spTree>
   </p:cSld>
+  <p:clrMapOvr>
+    <a:masterClrMapping/>
+  </p:clrMapOvr>
 </p:sldLayout>
 </file>
 
 <file path=ppt/slideLayouts/slideLayout11.xml><?xml version="1.0" encoding="utf-8"?>
-<p:sldLayout xmlns:a="http://schemas.openxmlformats.org/drawingml/2006/main" xmlns:p="http://schemas.openxmlformats.org/presentationml/2006/main" xmlns:r="http://schemas.openxmlformats.org/officeDocument/2006/relationships" xmlns:p14="http://schemas.microsoft.com/office/powerpoint/2010/main" xmlns:p15="http://schemas.microsoft.com/office/powerpoint/2012/main" xmlns:mc="http://schemas.openxmlformats.org/markup-compatibility/2006" type="fourObj" preserve="1">
+<p:sldLayout xmlns:a="http://schemas.openxmlformats.org/drawingml/2006/main" xmlns:r="http://schemas.openxmlformats.org/officeDocument/2006/relationships" xmlns:p="http://schemas.openxmlformats.org/presentationml/2006/main" type="fourObj" preserve="1">
   <p:cSld name="Title, 4 Content">
     <p:spTree>
       <p:nvGrpSpPr>
@@ -192,11 +296,12 @@
           </a:prstGeom>
         </p:spPr>
         <p:txBody>
-          <a:bodyPr lIns="0" rIns="0" tIns="0" bIns="0" anchor="ctr">
+          <a:bodyPr lIns="0" tIns="0" rIns="0" bIns="0" anchor="ctr">
             <a:noAutofit/>
           </a:bodyPr>
-          <a:p>
-            <a:endParaRPr b="0" lang="en-US" sz="1800" spc="-1" strike="noStrike">
+          <a:lstStyle/>
+          <a:p>
+            <a:endParaRPr lang="en-US" sz="1800" b="0" strike="noStrike" spc="-1">
               <a:solidFill>
                 <a:srgbClr val="000000"/>
               </a:solidFill>
@@ -225,11 +330,12 @@
           </a:prstGeom>
         </p:spPr>
         <p:txBody>
-          <a:bodyPr lIns="0" rIns="0" tIns="0" bIns="0">
+          <a:bodyPr lIns="0" tIns="0" rIns="0" bIns="0">
             <a:normAutofit/>
           </a:bodyPr>
-          <a:p>
-            <a:endParaRPr b="0" lang="en-US" sz="1800" spc="-1" strike="noStrike">
+          <a:lstStyle/>
+          <a:p>
+            <a:endParaRPr lang="en-US" sz="1800" b="0" strike="noStrike" spc="-1">
               <a:solidFill>
                 <a:srgbClr val="000000"/>
               </a:solidFill>
@@ -258,11 +364,12 @@
           </a:prstGeom>
         </p:spPr>
         <p:txBody>
-          <a:bodyPr lIns="0" rIns="0" tIns="0" bIns="0">
+          <a:bodyPr lIns="0" tIns="0" rIns="0" bIns="0">
             <a:normAutofit/>
           </a:bodyPr>
-          <a:p>
-            <a:endParaRPr b="0" lang="en-US" sz="1800" spc="-1" strike="noStrike">
+          <a:lstStyle/>
+          <a:p>
+            <a:endParaRPr lang="en-US" sz="1800" b="0" strike="noStrike" spc="-1">
               <a:solidFill>
                 <a:srgbClr val="000000"/>
               </a:solidFill>
@@ -291,11 +398,12 @@
           </a:prstGeom>
         </p:spPr>
         <p:txBody>
-          <a:bodyPr lIns="0" rIns="0" tIns="0" bIns="0">
+          <a:bodyPr lIns="0" tIns="0" rIns="0" bIns="0">
             <a:normAutofit/>
           </a:bodyPr>
-          <a:p>
-            <a:endParaRPr b="0" lang="en-US" sz="1800" spc="-1" strike="noStrike">
+          <a:lstStyle/>
+          <a:p>
+            <a:endParaRPr lang="en-US" sz="1800" b="0" strike="noStrike" spc="-1">
               <a:solidFill>
                 <a:srgbClr val="000000"/>
               </a:solidFill>
@@ -324,11 +432,12 @@
           </a:prstGeom>
         </p:spPr>
         <p:txBody>
-          <a:bodyPr lIns="0" rIns="0" tIns="0" bIns="0">
+          <a:bodyPr lIns="0" tIns="0" rIns="0" bIns="0">
             <a:normAutofit/>
           </a:bodyPr>
-          <a:p>
-            <a:endParaRPr b="0" lang="en-US" sz="1800" spc="-1" strike="noStrike">
+          <a:lstStyle/>
+          <a:p>
+            <a:endParaRPr lang="en-US" sz="1800" b="0" strike="noStrike" spc="-1">
               <a:solidFill>
                 <a:srgbClr val="000000"/>
               </a:solidFill>
@@ -339,11 +448,14 @@
       </p:sp>
     </p:spTree>
   </p:cSld>
+  <p:clrMapOvr>
+    <a:masterClrMapping/>
+  </p:clrMapOvr>
 </p:sldLayout>
 </file>
 
 <file path=ppt/slideLayouts/slideLayout12.xml><?xml version="1.0" encoding="utf-8"?>
-<p:sldLayout xmlns:a="http://schemas.openxmlformats.org/drawingml/2006/main" xmlns:p="http://schemas.openxmlformats.org/presentationml/2006/main" xmlns:r="http://schemas.openxmlformats.org/officeDocument/2006/relationships" xmlns:p14="http://schemas.microsoft.com/office/powerpoint/2010/main" xmlns:p15="http://schemas.microsoft.com/office/powerpoint/2012/main" xmlns:mc="http://schemas.openxmlformats.org/markup-compatibility/2006" type="blank" preserve="1">
+<p:sldLayout xmlns:a="http://schemas.openxmlformats.org/drawingml/2006/main" xmlns:r="http://schemas.openxmlformats.org/officeDocument/2006/relationships" xmlns:p="http://schemas.openxmlformats.org/presentationml/2006/main" type="blank" preserve="1">
   <p:cSld name="Title, 6 Content">
     <p:spTree>
       <p:nvGrpSpPr>
@@ -379,11 +491,12 @@
           </a:prstGeom>
         </p:spPr>
         <p:txBody>
-          <a:bodyPr lIns="0" rIns="0" tIns="0" bIns="0" anchor="ctr">
+          <a:bodyPr lIns="0" tIns="0" rIns="0" bIns="0" anchor="ctr">
             <a:noAutofit/>
           </a:bodyPr>
-          <a:p>
-            <a:endParaRPr b="0" lang="en-US" sz="1800" spc="-1" strike="noStrike">
+          <a:lstStyle/>
+          <a:p>
+            <a:endParaRPr lang="en-US" sz="1800" b="0" strike="noStrike" spc="-1">
               <a:solidFill>
                 <a:srgbClr val="000000"/>
               </a:solidFill>
@@ -412,11 +525,12 @@
           </a:prstGeom>
         </p:spPr>
         <p:txBody>
-          <a:bodyPr lIns="0" rIns="0" tIns="0" bIns="0">
+          <a:bodyPr lIns="0" tIns="0" rIns="0" bIns="0">
             <a:normAutofit/>
           </a:bodyPr>
-          <a:p>
-            <a:endParaRPr b="0" lang="en-US" sz="1800" spc="-1" strike="noStrike">
+          <a:lstStyle/>
+          <a:p>
+            <a:endParaRPr lang="en-US" sz="1800" b="0" strike="noStrike" spc="-1">
               <a:solidFill>
                 <a:srgbClr val="000000"/>
               </a:solidFill>
@@ -445,11 +559,12 @@
           </a:prstGeom>
         </p:spPr>
         <p:txBody>
-          <a:bodyPr lIns="0" rIns="0" tIns="0" bIns="0">
+          <a:bodyPr lIns="0" tIns="0" rIns="0" bIns="0">
             <a:normAutofit/>
           </a:bodyPr>
-          <a:p>
-            <a:endParaRPr b="0" lang="en-US" sz="1800" spc="-1" strike="noStrike">
+          <a:lstStyle/>
+          <a:p>
+            <a:endParaRPr lang="en-US" sz="1800" b="0" strike="noStrike" spc="-1">
               <a:solidFill>
                 <a:srgbClr val="000000"/>
               </a:solidFill>
@@ -478,11 +593,12 @@
           </a:prstGeom>
         </p:spPr>
         <p:txBody>
-          <a:bodyPr lIns="0" rIns="0" tIns="0" bIns="0">
+          <a:bodyPr lIns="0" tIns="0" rIns="0" bIns="0">
             <a:normAutofit/>
           </a:bodyPr>
-          <a:p>
-            <a:endParaRPr b="0" lang="en-US" sz="1800" spc="-1" strike="noStrike">
+          <a:lstStyle/>
+          <a:p>
+            <a:endParaRPr lang="en-US" sz="1800" b="0" strike="noStrike" spc="-1">
               <a:solidFill>
                 <a:srgbClr val="000000"/>
               </a:solidFill>
@@ -511,11 +627,12 @@
           </a:prstGeom>
         </p:spPr>
         <p:txBody>
-          <a:bodyPr lIns="0" rIns="0" tIns="0" bIns="0">
+          <a:bodyPr lIns="0" tIns="0" rIns="0" bIns="0">
             <a:normAutofit/>
           </a:bodyPr>
-          <a:p>
-            <a:endParaRPr b="0" lang="en-US" sz="1800" spc="-1" strike="noStrike">
+          <a:lstStyle/>
+          <a:p>
+            <a:endParaRPr lang="en-US" sz="1800" b="0" strike="noStrike" spc="-1">
               <a:solidFill>
                 <a:srgbClr val="000000"/>
               </a:solidFill>
@@ -544,11 +661,12 @@
           </a:prstGeom>
         </p:spPr>
         <p:txBody>
-          <a:bodyPr lIns="0" rIns="0" tIns="0" bIns="0">
+          <a:bodyPr lIns="0" tIns="0" rIns="0" bIns="0">
             <a:normAutofit/>
           </a:bodyPr>
-          <a:p>
-            <a:endParaRPr b="0" lang="en-US" sz="1800" spc="-1" strike="noStrike">
+          <a:lstStyle/>
+          <a:p>
+            <a:endParaRPr lang="en-US" sz="1800" b="0" strike="noStrike" spc="-1">
               <a:solidFill>
                 <a:srgbClr val="000000"/>
               </a:solidFill>
@@ -577,11 +695,12 @@
           </a:prstGeom>
         </p:spPr>
         <p:txBody>
-          <a:bodyPr lIns="0" rIns="0" tIns="0" bIns="0">
+          <a:bodyPr lIns="0" tIns="0" rIns="0" bIns="0">
             <a:normAutofit/>
           </a:bodyPr>
-          <a:p>
-            <a:endParaRPr b="0" lang="en-US" sz="1800" spc="-1" strike="noStrike">
+          <a:lstStyle/>
+          <a:p>
+            <a:endParaRPr lang="en-US" sz="1800" b="0" strike="noStrike" spc="-1">
               <a:solidFill>
                 <a:srgbClr val="000000"/>
               </a:solidFill>
@@ -592,11 +711,14 @@
       </p:sp>
     </p:spTree>
   </p:cSld>
+  <p:clrMapOvr>
+    <a:masterClrMapping/>
+  </p:clrMapOvr>
 </p:sldLayout>
 </file>
 
 <file path=ppt/slideLayouts/slideLayout2.xml><?xml version="1.0" encoding="utf-8"?>
-<p:sldLayout xmlns:a="http://schemas.openxmlformats.org/drawingml/2006/main" xmlns:p="http://schemas.openxmlformats.org/presentationml/2006/main" xmlns:r="http://schemas.openxmlformats.org/officeDocument/2006/relationships" xmlns:p14="http://schemas.microsoft.com/office/powerpoint/2010/main" xmlns:p15="http://schemas.microsoft.com/office/powerpoint/2012/main" xmlns:mc="http://schemas.openxmlformats.org/markup-compatibility/2006" type="tx" preserve="1">
+<p:sldLayout xmlns:a="http://schemas.openxmlformats.org/drawingml/2006/main" xmlns:r="http://schemas.openxmlformats.org/officeDocument/2006/relationships" xmlns:p="http://schemas.openxmlformats.org/presentationml/2006/main" type="tx" preserve="1">
   <p:cSld name="Title Slide">
     <p:spTree>
       <p:nvGrpSpPr>
@@ -632,11 +754,12 @@
           </a:prstGeom>
         </p:spPr>
         <p:txBody>
-          <a:bodyPr lIns="0" rIns="0" tIns="0" bIns="0" anchor="ctr">
+          <a:bodyPr lIns="0" tIns="0" rIns="0" bIns="0" anchor="ctr">
             <a:noAutofit/>
           </a:bodyPr>
-          <a:p>
-            <a:endParaRPr b="0" lang="en-US" sz="1800" spc="-1" strike="noStrike">
+          <a:lstStyle/>
+          <a:p>
+            <a:endParaRPr lang="en-US" sz="1800" b="0" strike="noStrike" spc="-1">
               <a:solidFill>
                 <a:srgbClr val="000000"/>
               </a:solidFill>
@@ -665,12 +788,13 @@
           </a:prstGeom>
         </p:spPr>
         <p:txBody>
-          <a:bodyPr lIns="0" rIns="0" tIns="0" bIns="0" anchor="ctr">
+          <a:bodyPr lIns="0" tIns="0" rIns="0" bIns="0" anchor="ctr">
             <a:noAutofit/>
           </a:bodyPr>
+          <a:lstStyle/>
           <a:p>
             <a:pPr algn="ctr"/>
-            <a:endParaRPr b="0" lang="en-US" sz="3200" spc="-1" strike="noStrike">
+            <a:endParaRPr lang="en-US" sz="3200" b="0" strike="noStrike" spc="-1">
               <a:latin typeface="Arial"/>
             </a:endParaRPr>
           </a:p>
@@ -678,11 +802,14 @@
       </p:sp>
     </p:spTree>
   </p:cSld>
+  <p:clrMapOvr>
+    <a:masterClrMapping/>
+  </p:clrMapOvr>
 </p:sldLayout>
 </file>
 
 <file path=ppt/slideLayouts/slideLayout3.xml><?xml version="1.0" encoding="utf-8"?>
-<p:sldLayout xmlns:a="http://schemas.openxmlformats.org/drawingml/2006/main" xmlns:p="http://schemas.openxmlformats.org/presentationml/2006/main" xmlns:r="http://schemas.openxmlformats.org/officeDocument/2006/relationships" xmlns:p14="http://schemas.microsoft.com/office/powerpoint/2010/main" xmlns:p15="http://schemas.microsoft.com/office/powerpoint/2012/main" xmlns:mc="http://schemas.openxmlformats.org/markup-compatibility/2006" type="obj" preserve="1">
+<p:sldLayout xmlns:a="http://schemas.openxmlformats.org/drawingml/2006/main" xmlns:r="http://schemas.openxmlformats.org/officeDocument/2006/relationships" xmlns:p="http://schemas.openxmlformats.org/presentationml/2006/main" type="obj" preserve="1">
   <p:cSld name="Title, Content">
     <p:spTree>
       <p:nvGrpSpPr>
@@ -718,11 +845,12 @@
           </a:prstGeom>
         </p:spPr>
         <p:txBody>
-          <a:bodyPr lIns="0" rIns="0" tIns="0" bIns="0" anchor="ctr">
+          <a:bodyPr lIns="0" tIns="0" rIns="0" bIns="0" anchor="ctr">
             <a:noAutofit/>
           </a:bodyPr>
-          <a:p>
-            <a:endParaRPr b="0" lang="en-US" sz="1800" spc="-1" strike="noStrike">
+          <a:lstStyle/>
+          <a:p>
+            <a:endParaRPr lang="en-US" sz="1800" b="0" strike="noStrike" spc="-1">
               <a:solidFill>
                 <a:srgbClr val="000000"/>
               </a:solidFill>
@@ -751,11 +879,12 @@
           </a:prstGeom>
         </p:spPr>
         <p:txBody>
-          <a:bodyPr lIns="0" rIns="0" tIns="0" bIns="0">
+          <a:bodyPr lIns="0" tIns="0" rIns="0" bIns="0">
             <a:normAutofit/>
           </a:bodyPr>
-          <a:p>
-            <a:endParaRPr b="0" lang="en-US" sz="1800" spc="-1" strike="noStrike">
+          <a:lstStyle/>
+          <a:p>
+            <a:endParaRPr lang="en-US" sz="1800" b="0" strike="noStrike" spc="-1">
               <a:solidFill>
                 <a:srgbClr val="000000"/>
               </a:solidFill>
@@ -766,11 +895,14 @@
       </p:sp>
     </p:spTree>
   </p:cSld>
+  <p:clrMapOvr>
+    <a:masterClrMapping/>
+  </p:clrMapOvr>
 </p:sldLayout>
 </file>
 
 <file path=ppt/slideLayouts/slideLayout4.xml><?xml version="1.0" encoding="utf-8"?>
-<p:sldLayout xmlns:a="http://schemas.openxmlformats.org/drawingml/2006/main" xmlns:p="http://schemas.openxmlformats.org/presentationml/2006/main" xmlns:r="http://schemas.openxmlformats.org/officeDocument/2006/relationships" xmlns:p14="http://schemas.microsoft.com/office/powerpoint/2010/main" xmlns:p15="http://schemas.microsoft.com/office/powerpoint/2012/main" xmlns:mc="http://schemas.openxmlformats.org/markup-compatibility/2006" type="twoObj" preserve="1">
+<p:sldLayout xmlns:a="http://schemas.openxmlformats.org/drawingml/2006/main" xmlns:r="http://schemas.openxmlformats.org/officeDocument/2006/relationships" xmlns:p="http://schemas.openxmlformats.org/presentationml/2006/main" type="twoObj" preserve="1">
   <p:cSld name="Title, 2 Content">
     <p:spTree>
       <p:nvGrpSpPr>
@@ -806,11 +938,12 @@
           </a:prstGeom>
         </p:spPr>
         <p:txBody>
-          <a:bodyPr lIns="0" rIns="0" tIns="0" bIns="0" anchor="ctr">
+          <a:bodyPr lIns="0" tIns="0" rIns="0" bIns="0" anchor="ctr">
             <a:noAutofit/>
           </a:bodyPr>
-          <a:p>
-            <a:endParaRPr b="0" lang="en-US" sz="1800" spc="-1" strike="noStrike">
+          <a:lstStyle/>
+          <a:p>
+            <a:endParaRPr lang="en-US" sz="1800" b="0" strike="noStrike" spc="-1">
               <a:solidFill>
                 <a:srgbClr val="000000"/>
               </a:solidFill>
@@ -839,11 +972,12 @@
           </a:prstGeom>
         </p:spPr>
         <p:txBody>
-          <a:bodyPr lIns="0" rIns="0" tIns="0" bIns="0">
+          <a:bodyPr lIns="0" tIns="0" rIns="0" bIns="0">
             <a:normAutofit/>
           </a:bodyPr>
-          <a:p>
-            <a:endParaRPr b="0" lang="en-US" sz="1800" spc="-1" strike="noStrike">
+          <a:lstStyle/>
+          <a:p>
+            <a:endParaRPr lang="en-US" sz="1800" b="0" strike="noStrike" spc="-1">
               <a:solidFill>
                 <a:srgbClr val="000000"/>
               </a:solidFill>
@@ -872,11 +1006,12 @@
           </a:prstGeom>
         </p:spPr>
         <p:txBody>
-          <a:bodyPr lIns="0" rIns="0" tIns="0" bIns="0">
+          <a:bodyPr lIns="0" tIns="0" rIns="0" bIns="0">
             <a:normAutofit/>
           </a:bodyPr>
-          <a:p>
-            <a:endParaRPr b="0" lang="en-US" sz="1800" spc="-1" strike="noStrike">
+          <a:lstStyle/>
+          <a:p>
+            <a:endParaRPr lang="en-US" sz="1800" b="0" strike="noStrike" spc="-1">
               <a:solidFill>
                 <a:srgbClr val="000000"/>
               </a:solidFill>
@@ -887,11 +1022,14 @@
       </p:sp>
     </p:spTree>
   </p:cSld>
+  <p:clrMapOvr>
+    <a:masterClrMapping/>
+  </p:clrMapOvr>
 </p:sldLayout>
 </file>
 
 <file path=ppt/slideLayouts/slideLayout5.xml><?xml version="1.0" encoding="utf-8"?>
-<p:sldLayout xmlns:a="http://schemas.openxmlformats.org/drawingml/2006/main" xmlns:p="http://schemas.openxmlformats.org/presentationml/2006/main" xmlns:r="http://schemas.openxmlformats.org/officeDocument/2006/relationships" xmlns:p14="http://schemas.microsoft.com/office/powerpoint/2010/main" xmlns:p15="http://schemas.microsoft.com/office/powerpoint/2012/main" xmlns:mc="http://schemas.openxmlformats.org/markup-compatibility/2006" type="titleOnly" preserve="1">
+<p:sldLayout xmlns:a="http://schemas.openxmlformats.org/drawingml/2006/main" xmlns:r="http://schemas.openxmlformats.org/officeDocument/2006/relationships" xmlns:p="http://schemas.openxmlformats.org/presentationml/2006/main" type="titleOnly" preserve="1">
   <p:cSld name="Title Only">
     <p:spTree>
       <p:nvGrpSpPr>
@@ -927,11 +1065,12 @@
           </a:prstGeom>
         </p:spPr>
         <p:txBody>
-          <a:bodyPr lIns="0" rIns="0" tIns="0" bIns="0" anchor="ctr">
+          <a:bodyPr lIns="0" tIns="0" rIns="0" bIns="0" anchor="ctr">
             <a:noAutofit/>
           </a:bodyPr>
-          <a:p>
-            <a:endParaRPr b="0" lang="en-US" sz="1800" spc="-1" strike="noStrike">
+          <a:lstStyle/>
+          <a:p>
+            <a:endParaRPr lang="en-US" sz="1800" b="0" strike="noStrike" spc="-1">
               <a:solidFill>
                 <a:srgbClr val="000000"/>
               </a:solidFill>
@@ -942,11 +1081,14 @@
       </p:sp>
     </p:spTree>
   </p:cSld>
+  <p:clrMapOvr>
+    <a:masterClrMapping/>
+  </p:clrMapOvr>
 </p:sldLayout>
 </file>
 
 <file path=ppt/slideLayouts/slideLayout6.xml><?xml version="1.0" encoding="utf-8"?>
-<p:sldLayout xmlns:a="http://schemas.openxmlformats.org/drawingml/2006/main" xmlns:p="http://schemas.openxmlformats.org/presentationml/2006/main" xmlns:r="http://schemas.openxmlformats.org/officeDocument/2006/relationships" xmlns:p14="http://schemas.microsoft.com/office/powerpoint/2010/main" xmlns:p15="http://schemas.microsoft.com/office/powerpoint/2012/main" xmlns:mc="http://schemas.openxmlformats.org/markup-compatibility/2006" type="objOnly" preserve="1">
+<p:sldLayout xmlns:a="http://schemas.openxmlformats.org/drawingml/2006/main" xmlns:r="http://schemas.openxmlformats.org/officeDocument/2006/relationships" xmlns:p="http://schemas.openxmlformats.org/presentationml/2006/main" type="objOnly" preserve="1">
   <p:cSld name="Centered Text">
     <p:spTree>
       <p:nvGrpSpPr>
@@ -982,12 +1124,13 @@
           </a:prstGeom>
         </p:spPr>
         <p:txBody>
-          <a:bodyPr lIns="0" rIns="0" tIns="0" bIns="0" anchor="ctr">
+          <a:bodyPr lIns="0" tIns="0" rIns="0" bIns="0" anchor="ctr">
             <a:noAutofit/>
           </a:bodyPr>
+          <a:lstStyle/>
           <a:p>
             <a:pPr algn="ctr"/>
-            <a:endParaRPr b="0" lang="en-US" sz="3200" spc="-1" strike="noStrike">
+            <a:endParaRPr lang="en-US" sz="3200" b="0" strike="noStrike" spc="-1">
               <a:latin typeface="Arial"/>
             </a:endParaRPr>
           </a:p>
@@ -995,11 +1138,14 @@
       </p:sp>
     </p:spTree>
   </p:cSld>
+  <p:clrMapOvr>
+    <a:masterClrMapping/>
+  </p:clrMapOvr>
 </p:sldLayout>
 </file>
 
 <file path=ppt/slideLayouts/slideLayout7.xml><?xml version="1.0" encoding="utf-8"?>
-<p:sldLayout xmlns:a="http://schemas.openxmlformats.org/drawingml/2006/main" xmlns:p="http://schemas.openxmlformats.org/presentationml/2006/main" xmlns:r="http://schemas.openxmlformats.org/officeDocument/2006/relationships" xmlns:p14="http://schemas.microsoft.com/office/powerpoint/2010/main" xmlns:p15="http://schemas.microsoft.com/office/powerpoint/2012/main" xmlns:mc="http://schemas.openxmlformats.org/markup-compatibility/2006" type="twoObjAndObj" preserve="1">
+<p:sldLayout xmlns:a="http://schemas.openxmlformats.org/drawingml/2006/main" xmlns:r="http://schemas.openxmlformats.org/officeDocument/2006/relationships" xmlns:p="http://schemas.openxmlformats.org/presentationml/2006/main" type="twoObjAndObj" preserve="1">
   <p:cSld name="Title, 2 Content and Content">
     <p:spTree>
       <p:nvGrpSpPr>
@@ -1035,11 +1181,12 @@
           </a:prstGeom>
         </p:spPr>
         <p:txBody>
-          <a:bodyPr lIns="0" rIns="0" tIns="0" bIns="0" anchor="ctr">
+          <a:bodyPr lIns="0" tIns="0" rIns="0" bIns="0" anchor="ctr">
             <a:noAutofit/>
           </a:bodyPr>
-          <a:p>
-            <a:endParaRPr b="0" lang="en-US" sz="1800" spc="-1" strike="noStrike">
+          <a:lstStyle/>
+          <a:p>
+            <a:endParaRPr lang="en-US" sz="1800" b="0" strike="noStrike" spc="-1">
               <a:solidFill>
                 <a:srgbClr val="000000"/>
               </a:solidFill>
@@ -1068,11 +1215,12 @@
           </a:prstGeom>
         </p:spPr>
         <p:txBody>
-          <a:bodyPr lIns="0" rIns="0" tIns="0" bIns="0">
+          <a:bodyPr lIns="0" tIns="0" rIns="0" bIns="0">
             <a:normAutofit/>
           </a:bodyPr>
-          <a:p>
-            <a:endParaRPr b="0" lang="en-US" sz="1800" spc="-1" strike="noStrike">
+          <a:lstStyle/>
+          <a:p>
+            <a:endParaRPr lang="en-US" sz="1800" b="0" strike="noStrike" spc="-1">
               <a:solidFill>
                 <a:srgbClr val="000000"/>
               </a:solidFill>
@@ -1101,11 +1249,12 @@
           </a:prstGeom>
         </p:spPr>
         <p:txBody>
-          <a:bodyPr lIns="0" rIns="0" tIns="0" bIns="0">
+          <a:bodyPr lIns="0" tIns="0" rIns="0" bIns="0">
             <a:normAutofit/>
           </a:bodyPr>
-          <a:p>
-            <a:endParaRPr b="0" lang="en-US" sz="1800" spc="-1" strike="noStrike">
+          <a:lstStyle/>
+          <a:p>
+            <a:endParaRPr lang="en-US" sz="1800" b="0" strike="noStrike" spc="-1">
               <a:solidFill>
                 <a:srgbClr val="000000"/>
               </a:solidFill>
@@ -1134,11 +1283,12 @@
           </a:prstGeom>
         </p:spPr>
         <p:txBody>
-          <a:bodyPr lIns="0" rIns="0" tIns="0" bIns="0">
+          <a:bodyPr lIns="0" tIns="0" rIns="0" bIns="0">
             <a:normAutofit/>
           </a:bodyPr>
-          <a:p>
-            <a:endParaRPr b="0" lang="en-US" sz="1800" spc="-1" strike="noStrike">
+          <a:lstStyle/>
+          <a:p>
+            <a:endParaRPr lang="en-US" sz="1800" b="0" strike="noStrike" spc="-1">
               <a:solidFill>
                 <a:srgbClr val="000000"/>
               </a:solidFill>
@@ -1149,11 +1299,14 @@
       </p:sp>
     </p:spTree>
   </p:cSld>
+  <p:clrMapOvr>
+    <a:masterClrMapping/>
+  </p:clrMapOvr>
 </p:sldLayout>
 </file>
 
 <file path=ppt/slideLayouts/slideLayout8.xml><?xml version="1.0" encoding="utf-8"?>
-<p:sldLayout xmlns:a="http://schemas.openxmlformats.org/drawingml/2006/main" xmlns:p="http://schemas.openxmlformats.org/presentationml/2006/main" xmlns:r="http://schemas.openxmlformats.org/officeDocument/2006/relationships" xmlns:p14="http://schemas.microsoft.com/office/powerpoint/2010/main" xmlns:p15="http://schemas.microsoft.com/office/powerpoint/2012/main" xmlns:mc="http://schemas.openxmlformats.org/markup-compatibility/2006" type="objAndTwoObj" preserve="1">
+<p:sldLayout xmlns:a="http://schemas.openxmlformats.org/drawingml/2006/main" xmlns:r="http://schemas.openxmlformats.org/officeDocument/2006/relationships" xmlns:p="http://schemas.openxmlformats.org/presentationml/2006/main" type="objAndTwoObj" preserve="1">
   <p:cSld name="Title Content and 2 Content">
     <p:spTree>
       <p:nvGrpSpPr>
@@ -1189,11 +1342,12 @@
           </a:prstGeom>
         </p:spPr>
         <p:txBody>
-          <a:bodyPr lIns="0" rIns="0" tIns="0" bIns="0" anchor="ctr">
+          <a:bodyPr lIns="0" tIns="0" rIns="0" bIns="0" anchor="ctr">
             <a:noAutofit/>
           </a:bodyPr>
-          <a:p>
-            <a:endParaRPr b="0" lang="en-US" sz="1800" spc="-1" strike="noStrike">
+          <a:lstStyle/>
+          <a:p>
+            <a:endParaRPr lang="en-US" sz="1800" b="0" strike="noStrike" spc="-1">
               <a:solidFill>
                 <a:srgbClr val="000000"/>
               </a:solidFill>
@@ -1222,11 +1376,12 @@
           </a:prstGeom>
         </p:spPr>
         <p:txBody>
-          <a:bodyPr lIns="0" rIns="0" tIns="0" bIns="0">
+          <a:bodyPr lIns="0" tIns="0" rIns="0" bIns="0">
             <a:normAutofit/>
           </a:bodyPr>
-          <a:p>
-            <a:endParaRPr b="0" lang="en-US" sz="1800" spc="-1" strike="noStrike">
+          <a:lstStyle/>
+          <a:p>
+            <a:endParaRPr lang="en-US" sz="1800" b="0" strike="noStrike" spc="-1">
               <a:solidFill>
                 <a:srgbClr val="000000"/>
               </a:solidFill>
@@ -1255,11 +1410,12 @@
           </a:prstGeom>
         </p:spPr>
         <p:txBody>
-          <a:bodyPr lIns="0" rIns="0" tIns="0" bIns="0">
+          <a:bodyPr lIns="0" tIns="0" rIns="0" bIns="0">
             <a:normAutofit/>
           </a:bodyPr>
-          <a:p>
-            <a:endParaRPr b="0" lang="en-US" sz="1800" spc="-1" strike="noStrike">
+          <a:lstStyle/>
+          <a:p>
+            <a:endParaRPr lang="en-US" sz="1800" b="0" strike="noStrike" spc="-1">
               <a:solidFill>
                 <a:srgbClr val="000000"/>
               </a:solidFill>
@@ -1288,11 +1444,12 @@
           </a:prstGeom>
         </p:spPr>
         <p:txBody>
-          <a:bodyPr lIns="0" rIns="0" tIns="0" bIns="0">
+          <a:bodyPr lIns="0" tIns="0" rIns="0" bIns="0">
             <a:normAutofit/>
           </a:bodyPr>
-          <a:p>
-            <a:endParaRPr b="0" lang="en-US" sz="1800" spc="-1" strike="noStrike">
+          <a:lstStyle/>
+          <a:p>
+            <a:endParaRPr lang="en-US" sz="1800" b="0" strike="noStrike" spc="-1">
               <a:solidFill>
                 <a:srgbClr val="000000"/>
               </a:solidFill>
@@ -1303,11 +1460,14 @@
       </p:sp>
     </p:spTree>
   </p:cSld>
+  <p:clrMapOvr>
+    <a:masterClrMapping/>
+  </p:clrMapOvr>
 </p:sldLayout>
 </file>
 
 <file path=ppt/slideLayouts/slideLayout9.xml><?xml version="1.0" encoding="utf-8"?>
-<p:sldLayout xmlns:a="http://schemas.openxmlformats.org/drawingml/2006/main" xmlns:p="http://schemas.openxmlformats.org/presentationml/2006/main" xmlns:r="http://schemas.openxmlformats.org/officeDocument/2006/relationships" xmlns:p14="http://schemas.microsoft.com/office/powerpoint/2010/main" xmlns:p15="http://schemas.microsoft.com/office/powerpoint/2012/main" xmlns:mc="http://schemas.openxmlformats.org/markup-compatibility/2006" type="twoObjOverTx" preserve="1">
+<p:sldLayout xmlns:a="http://schemas.openxmlformats.org/drawingml/2006/main" xmlns:r="http://schemas.openxmlformats.org/officeDocument/2006/relationships" xmlns:p="http://schemas.openxmlformats.org/presentationml/2006/main" type="twoObjOverTx" preserve="1">
   <p:cSld name="Title, 2 Content over Content">
     <p:spTree>
       <p:nvGrpSpPr>
@@ -1343,11 +1503,12 @@
           </a:prstGeom>
         </p:spPr>
         <p:txBody>
-          <a:bodyPr lIns="0" rIns="0" tIns="0" bIns="0" anchor="ctr">
+          <a:bodyPr lIns="0" tIns="0" rIns="0" bIns="0" anchor="ctr">
             <a:noAutofit/>
           </a:bodyPr>
-          <a:p>
-            <a:endParaRPr b="0" lang="en-US" sz="1800" spc="-1" strike="noStrike">
+          <a:lstStyle/>
+          <a:p>
+            <a:endParaRPr lang="en-US" sz="1800" b="0" strike="noStrike" spc="-1">
               <a:solidFill>
                 <a:srgbClr val="000000"/>
               </a:solidFill>
@@ -1376,11 +1537,12 @@
           </a:prstGeom>
         </p:spPr>
         <p:txBody>
-          <a:bodyPr lIns="0" rIns="0" tIns="0" bIns="0">
+          <a:bodyPr lIns="0" tIns="0" rIns="0" bIns="0">
             <a:normAutofit/>
           </a:bodyPr>
-          <a:p>
-            <a:endParaRPr b="0" lang="en-US" sz="1800" spc="-1" strike="noStrike">
+          <a:lstStyle/>
+          <a:p>
+            <a:endParaRPr lang="en-US" sz="1800" b="0" strike="noStrike" spc="-1">
               <a:solidFill>
                 <a:srgbClr val="000000"/>
               </a:solidFill>
@@ -1409,11 +1571,12 @@
           </a:prstGeom>
         </p:spPr>
         <p:txBody>
-          <a:bodyPr lIns="0" rIns="0" tIns="0" bIns="0">
+          <a:bodyPr lIns="0" tIns="0" rIns="0" bIns="0">
             <a:normAutofit/>
           </a:bodyPr>
-          <a:p>
-            <a:endParaRPr b="0" lang="en-US" sz="1800" spc="-1" strike="noStrike">
+          <a:lstStyle/>
+          <a:p>
+            <a:endParaRPr lang="en-US" sz="1800" b="0" strike="noStrike" spc="-1">
               <a:solidFill>
                 <a:srgbClr val="000000"/>
               </a:solidFill>
@@ -1442,11 +1605,12 @@
           </a:prstGeom>
         </p:spPr>
         <p:txBody>
-          <a:bodyPr lIns="0" rIns="0" tIns="0" bIns="0">
+          <a:bodyPr lIns="0" tIns="0" rIns="0" bIns="0">
             <a:normAutofit/>
           </a:bodyPr>
-          <a:p>
-            <a:endParaRPr b="0" lang="en-US" sz="1800" spc="-1" strike="noStrike">
+          <a:lstStyle/>
+          <a:p>
+            <a:endParaRPr lang="en-US" sz="1800" b="0" strike="noStrike" spc="-1">
               <a:solidFill>
                 <a:srgbClr val="000000"/>
               </a:solidFill>
@@ -1457,17 +1621,21 @@
       </p:sp>
     </p:spTree>
   </p:cSld>
+  <p:clrMapOvr>
+    <a:masterClrMapping/>
+  </p:clrMapOvr>
 </p:sldLayout>
 </file>
 
 <file path=ppt/slideMasters/slideMaster1.xml><?xml version="1.0" encoding="utf-8"?>
-<p:sldMaster xmlns:a="http://schemas.openxmlformats.org/drawingml/2006/main" xmlns:p="http://schemas.openxmlformats.org/presentationml/2006/main" xmlns:r="http://schemas.openxmlformats.org/officeDocument/2006/relationships" xmlns:p14="http://schemas.microsoft.com/office/powerpoint/2010/main" xmlns:p15="http://schemas.microsoft.com/office/powerpoint/2012/main" xmlns:mc="http://schemas.openxmlformats.org/markup-compatibility/2006">
+<p:sldMaster xmlns:a="http://schemas.openxmlformats.org/drawingml/2006/main" xmlns:r="http://schemas.openxmlformats.org/officeDocument/2006/relationships" xmlns:p="http://schemas.openxmlformats.org/presentationml/2006/main">
   <p:cSld>
     <p:bg>
       <p:bgPr>
         <a:solidFill>
-          <a:srgbClr val="ffffff"/>
+          <a:srgbClr val="FFFFFF"/>
         </a:solidFill>
+        <a:effectLst/>
       </p:bgPr>
     </p:bg>
     <p:spTree>
@@ -1486,7 +1654,7 @@
       </p:grpSpPr>
       <p:sp>
         <p:nvSpPr>
-          <p:cNvPr id="0" name="PlaceHolder 1"/>
+          <p:cNvPr id="2" name="PlaceHolder 1"/>
           <p:cNvSpPr>
             <a:spLocks noGrp="1"/>
           </p:cNvSpPr>
@@ -1504,12 +1672,13 @@
           </a:prstGeom>
         </p:spPr>
         <p:txBody>
-          <a:bodyPr lIns="0" rIns="0" tIns="0" bIns="0" anchor="ctr">
+          <a:bodyPr lIns="0" tIns="0" rIns="0" bIns="0" anchor="ctr">
             <a:noAutofit/>
           </a:bodyPr>
+          <a:lstStyle/>
           <a:p>
             <a:r>
-              <a:rPr b="0" lang="en-US" sz="1800" spc="-1" strike="noStrike">
+              <a:rPr lang="en-US" sz="1800" b="0" strike="noStrike" spc="-1">
                 <a:solidFill>
                   <a:srgbClr val="000000"/>
                 </a:solidFill>
@@ -1517,18 +1686,12 @@
               </a:rPr>
               <a:t>Click to edit the title text format</a:t>
             </a:r>
-            <a:endParaRPr b="0" lang="en-US" sz="1800" spc="-1" strike="noStrike">
-              <a:solidFill>
-                <a:srgbClr val="000000"/>
-              </a:solidFill>
-              <a:latin typeface="Arial"/>
-            </a:endParaRPr>
-          </a:p>
-        </p:txBody>
-      </p:sp>
-      <p:sp>
-        <p:nvSpPr>
-          <p:cNvPr id="1" name="PlaceHolder 2"/>
+          </a:p>
+        </p:txBody>
+      </p:sp>
+      <p:sp>
+        <p:nvSpPr>
+          <p:cNvPr id="3" name="PlaceHolder 2"/>
           <p:cNvSpPr>
             <a:spLocks noGrp="1"/>
           </p:cNvSpPr>
@@ -1546,9 +1709,10 @@
           </a:prstGeom>
         </p:spPr>
         <p:txBody>
-          <a:bodyPr lIns="0" rIns="0" tIns="0" bIns="0">
+          <a:bodyPr lIns="0" tIns="0" rIns="0" bIns="0">
             <a:normAutofit/>
           </a:bodyPr>
+          <a:lstStyle/>
           <a:p>
             <a:pPr marL="432000" indent="-324000">
               <a:spcBef>
@@ -1562,7 +1726,7 @@
               <a:buChar char=""/>
             </a:pPr>
             <a:r>
-              <a:rPr b="0" lang="en-US" sz="1800" spc="-1" strike="noStrike">
+              <a:rPr lang="en-US" sz="1800" b="0" strike="noStrike" spc="-1">
                 <a:solidFill>
                   <a:srgbClr val="000000"/>
                 </a:solidFill>
@@ -1570,15 +1734,9 @@
               </a:rPr>
               <a:t>Click to edit the outline text format</a:t>
             </a:r>
-            <a:endParaRPr b="0" lang="en-US" sz="1800" spc="-1" strike="noStrike">
-              <a:solidFill>
-                <a:srgbClr val="000000"/>
-              </a:solidFill>
-              <a:latin typeface="Arial"/>
-            </a:endParaRPr>
-          </a:p>
-          <a:p>
-            <a:pPr lvl="1" marL="864000" indent="-324000">
+          </a:p>
+          <a:p>
+            <a:pPr marL="864000" lvl="1" indent="-324000">
               <a:spcBef>
                 <a:spcPts val="1134"/>
               </a:spcBef>
@@ -1590,7 +1748,7 @@
               <a:buChar char=""/>
             </a:pPr>
             <a:r>
-              <a:rPr b="0" lang="en-US" sz="1800" spc="-1" strike="noStrike">
+              <a:rPr lang="en-US" sz="1800" b="0" strike="noStrike" spc="-1">
                 <a:solidFill>
                   <a:srgbClr val="000000"/>
                 </a:solidFill>
@@ -1598,15 +1756,9 @@
               </a:rPr>
               <a:t>Second Outline Level</a:t>
             </a:r>
-            <a:endParaRPr b="0" lang="en-US" sz="1800" spc="-1" strike="noStrike">
-              <a:solidFill>
-                <a:srgbClr val="000000"/>
-              </a:solidFill>
-              <a:latin typeface="Arial"/>
-            </a:endParaRPr>
-          </a:p>
-          <a:p>
-            <a:pPr lvl="2" marL="1296000" indent="-288000">
+          </a:p>
+          <a:p>
+            <a:pPr marL="1296000" lvl="2" indent="-288000">
               <a:spcBef>
                 <a:spcPts val="850"/>
               </a:spcBef>
@@ -1618,7 +1770,7 @@
               <a:buChar char=""/>
             </a:pPr>
             <a:r>
-              <a:rPr b="0" lang="en-US" sz="1800" spc="-1" strike="noStrike">
+              <a:rPr lang="en-US" sz="1800" b="0" strike="noStrike" spc="-1">
                 <a:solidFill>
                   <a:srgbClr val="000000"/>
                 </a:solidFill>
@@ -1626,15 +1778,9 @@
               </a:rPr>
               <a:t>Third Outline Level</a:t>
             </a:r>
-            <a:endParaRPr b="0" lang="en-US" sz="1800" spc="-1" strike="noStrike">
-              <a:solidFill>
-                <a:srgbClr val="000000"/>
-              </a:solidFill>
-              <a:latin typeface="Arial"/>
-            </a:endParaRPr>
-          </a:p>
-          <a:p>
-            <a:pPr lvl="3" marL="1728000" indent="-216000">
+          </a:p>
+          <a:p>
+            <a:pPr marL="1728000" lvl="3" indent="-216000">
               <a:spcBef>
                 <a:spcPts val="567"/>
               </a:spcBef>
@@ -1646,7 +1792,7 @@
               <a:buChar char=""/>
             </a:pPr>
             <a:r>
-              <a:rPr b="0" lang="en-US" sz="1800" spc="-1" strike="noStrike">
+              <a:rPr lang="en-US" sz="1800" b="0" strike="noStrike" spc="-1">
                 <a:solidFill>
                   <a:srgbClr val="000000"/>
                 </a:solidFill>
@@ -1654,15 +1800,9 @@
               </a:rPr>
               <a:t>Fourth Outline Level</a:t>
             </a:r>
-            <a:endParaRPr b="0" lang="en-US" sz="1800" spc="-1" strike="noStrike">
-              <a:solidFill>
-                <a:srgbClr val="000000"/>
-              </a:solidFill>
-              <a:latin typeface="Arial"/>
-            </a:endParaRPr>
-          </a:p>
-          <a:p>
-            <a:pPr lvl="4" marL="2160000" indent="-216000">
+          </a:p>
+          <a:p>
+            <a:pPr marL="2160000" lvl="4" indent="-216000">
               <a:spcBef>
                 <a:spcPts val="283"/>
               </a:spcBef>
@@ -1674,7 +1814,7 @@
               <a:buChar char=""/>
             </a:pPr>
             <a:r>
-              <a:rPr b="0" lang="en-US" sz="2000" spc="-1" strike="noStrike">
+              <a:rPr lang="en-US" sz="2000" b="0" strike="noStrike" spc="-1">
                 <a:solidFill>
                   <a:srgbClr val="000000"/>
                 </a:solidFill>
@@ -1682,15 +1822,9 @@
               </a:rPr>
               <a:t>Fifth Outline Level</a:t>
             </a:r>
-            <a:endParaRPr b="0" lang="en-US" sz="2000" spc="-1" strike="noStrike">
-              <a:solidFill>
-                <a:srgbClr val="000000"/>
-              </a:solidFill>
-              <a:latin typeface="Arial"/>
-            </a:endParaRPr>
-          </a:p>
-          <a:p>
-            <a:pPr lvl="5" marL="2592000" indent="-216000">
+          </a:p>
+          <a:p>
+            <a:pPr marL="2592000" lvl="5" indent="-216000">
               <a:spcBef>
                 <a:spcPts val="283"/>
               </a:spcBef>
@@ -1702,7 +1836,7 @@
               <a:buChar char=""/>
             </a:pPr>
             <a:r>
-              <a:rPr b="0" lang="en-US" sz="2000" spc="-1" strike="noStrike">
+              <a:rPr lang="en-US" sz="2000" b="0" strike="noStrike" spc="-1">
                 <a:solidFill>
                   <a:srgbClr val="000000"/>
                 </a:solidFill>
@@ -1710,15 +1844,9 @@
               </a:rPr>
               <a:t>Sixth Outline Level</a:t>
             </a:r>
-            <a:endParaRPr b="0" lang="en-US" sz="2000" spc="-1" strike="noStrike">
-              <a:solidFill>
-                <a:srgbClr val="000000"/>
-              </a:solidFill>
-              <a:latin typeface="Arial"/>
-            </a:endParaRPr>
-          </a:p>
-          <a:p>
-            <a:pPr lvl="6" marL="3024000" indent="-216000">
+          </a:p>
+          <a:p>
+            <a:pPr marL="3024000" lvl="6" indent="-216000">
               <a:spcBef>
                 <a:spcPts val="283"/>
               </a:spcBef>
@@ -1730,7 +1858,7 @@
               <a:buChar char=""/>
             </a:pPr>
             <a:r>
-              <a:rPr b="0" lang="en-US" sz="2000" spc="-1" strike="noStrike">
+              <a:rPr lang="en-US" sz="2000" b="0" strike="noStrike" spc="-1">
                 <a:solidFill>
                   <a:srgbClr val="000000"/>
                 </a:solidFill>
@@ -1738,37 +1866,311 @@
               </a:rPr>
               <a:t>Seventh Outline Level</a:t>
             </a:r>
-            <a:endParaRPr b="0" lang="en-US" sz="2000" spc="-1" strike="noStrike">
-              <a:solidFill>
-                <a:srgbClr val="000000"/>
-              </a:solidFill>
-              <a:latin typeface="Arial"/>
-            </a:endParaRPr>
           </a:p>
         </p:txBody>
       </p:sp>
     </p:spTree>
   </p:cSld>
-  <p:clrMap bg1="lt1" bg2="lt2" tx1="dk1" tx2="dk2" accent1="accent1" accent2="accent2" accent3="accent3" accent4="accent4" accent5="accent5" accent6="accent6" hlink="hlink" folHlink="folHlink"/>
+  <p:clrMap bg1="lt1" tx1="dk1" bg2="lt2" tx2="dk2" accent1="accent1" accent2="accent2" accent3="accent3" accent4="accent4" accent5="accent5" accent6="accent6" hlink="hlink" folHlink="folHlink"/>
   <p:sldLayoutIdLst>
-    <p:sldLayoutId id="2147483649" r:id="rId2"/>
-    <p:sldLayoutId id="2147483650" r:id="rId3"/>
-    <p:sldLayoutId id="2147483651" r:id="rId4"/>
-    <p:sldLayoutId id="2147483652" r:id="rId5"/>
-    <p:sldLayoutId id="2147483653" r:id="rId6"/>
-    <p:sldLayoutId id="2147483654" r:id="rId7"/>
-    <p:sldLayoutId id="2147483655" r:id="rId8"/>
-    <p:sldLayoutId id="2147483656" r:id="rId9"/>
-    <p:sldLayoutId id="2147483657" r:id="rId10"/>
-    <p:sldLayoutId id="2147483658" r:id="rId11"/>
-    <p:sldLayoutId id="2147483659" r:id="rId12"/>
-    <p:sldLayoutId id="2147483660" r:id="rId13"/>
+    <p:sldLayoutId id="2147483649" r:id="rId1"/>
+    <p:sldLayoutId id="2147483650" r:id="rId2"/>
+    <p:sldLayoutId id="2147483651" r:id="rId3"/>
+    <p:sldLayoutId id="2147483652" r:id="rId4"/>
+    <p:sldLayoutId id="2147483653" r:id="rId5"/>
+    <p:sldLayoutId id="2147483654" r:id="rId6"/>
+    <p:sldLayoutId id="2147483655" r:id="rId7"/>
+    <p:sldLayoutId id="2147483656" r:id="rId8"/>
+    <p:sldLayoutId id="2147483657" r:id="rId9"/>
+    <p:sldLayoutId id="2147483658" r:id="rId10"/>
+    <p:sldLayoutId id="2147483659" r:id="rId11"/>
+    <p:sldLayoutId id="2147483660" r:id="rId12"/>
   </p:sldLayoutIdLst>
+  <p:txStyles>
+    <p:titleStyle>
+      <a:lvl1pPr algn="l" defTabSz="914400" rtl="0" eaLnBrk="1" latinLnBrk="0" hangingPunct="1">
+        <a:lnSpc>
+          <a:spcPct val="90000"/>
+        </a:lnSpc>
+        <a:spcBef>
+          <a:spcPct val="0"/>
+        </a:spcBef>
+        <a:buNone/>
+        <a:defRPr sz="4400" kern="1200">
+          <a:solidFill>
+            <a:schemeClr val="tx1"/>
+          </a:solidFill>
+          <a:latin typeface="+mj-lt"/>
+          <a:ea typeface="+mj-ea"/>
+          <a:cs typeface="+mj-cs"/>
+        </a:defRPr>
+      </a:lvl1pPr>
+    </p:titleStyle>
+    <p:bodyStyle>
+      <a:lvl1pPr marL="228600" indent="-228600" algn="l" defTabSz="914400" rtl="0" eaLnBrk="1" latinLnBrk="0" hangingPunct="1">
+        <a:lnSpc>
+          <a:spcPct val="90000"/>
+        </a:lnSpc>
+        <a:spcBef>
+          <a:spcPts val="1000"/>
+        </a:spcBef>
+        <a:buFont typeface="Arial" panose="020B0604020202020204" pitchFamily="34" charset="0"/>
+        <a:buChar char="•"/>
+        <a:defRPr sz="2800" kern="1200">
+          <a:solidFill>
+            <a:schemeClr val="tx1"/>
+          </a:solidFill>
+          <a:latin typeface="+mn-lt"/>
+          <a:ea typeface="+mn-ea"/>
+          <a:cs typeface="+mn-cs"/>
+        </a:defRPr>
+      </a:lvl1pPr>
+      <a:lvl2pPr marL="685800" indent="-228600" algn="l" defTabSz="914400" rtl="0" eaLnBrk="1" latinLnBrk="0" hangingPunct="1">
+        <a:lnSpc>
+          <a:spcPct val="90000"/>
+        </a:lnSpc>
+        <a:spcBef>
+          <a:spcPts val="500"/>
+        </a:spcBef>
+        <a:buFont typeface="Arial" panose="020B0604020202020204" pitchFamily="34" charset="0"/>
+        <a:buChar char="•"/>
+        <a:defRPr sz="2400" kern="1200">
+          <a:solidFill>
+            <a:schemeClr val="tx1"/>
+          </a:solidFill>
+          <a:latin typeface="+mn-lt"/>
+          <a:ea typeface="+mn-ea"/>
+          <a:cs typeface="+mn-cs"/>
+        </a:defRPr>
+      </a:lvl2pPr>
+      <a:lvl3pPr marL="1143000" indent="-228600" algn="l" defTabSz="914400" rtl="0" eaLnBrk="1" latinLnBrk="0" hangingPunct="1">
+        <a:lnSpc>
+          <a:spcPct val="90000"/>
+        </a:lnSpc>
+        <a:spcBef>
+          <a:spcPts val="500"/>
+        </a:spcBef>
+        <a:buFont typeface="Arial" panose="020B0604020202020204" pitchFamily="34" charset="0"/>
+        <a:buChar char="•"/>
+        <a:defRPr sz="2000" kern="1200">
+          <a:solidFill>
+            <a:schemeClr val="tx1"/>
+          </a:solidFill>
+          <a:latin typeface="+mn-lt"/>
+          <a:ea typeface="+mn-ea"/>
+          <a:cs typeface="+mn-cs"/>
+        </a:defRPr>
+      </a:lvl3pPr>
+      <a:lvl4pPr marL="1600200" indent="-228600" algn="l" defTabSz="914400" rtl="0" eaLnBrk="1" latinLnBrk="0" hangingPunct="1">
+        <a:lnSpc>
+          <a:spcPct val="90000"/>
+        </a:lnSpc>
+        <a:spcBef>
+          <a:spcPts val="500"/>
+        </a:spcBef>
+        <a:buFont typeface="Arial" panose="020B0604020202020204" pitchFamily="34" charset="0"/>
+        <a:buChar char="•"/>
+        <a:defRPr sz="1800" kern="1200">
+          <a:solidFill>
+            <a:schemeClr val="tx1"/>
+          </a:solidFill>
+          <a:latin typeface="+mn-lt"/>
+          <a:ea typeface="+mn-ea"/>
+          <a:cs typeface="+mn-cs"/>
+        </a:defRPr>
+      </a:lvl4pPr>
+      <a:lvl5pPr marL="2057400" indent="-228600" algn="l" defTabSz="914400" rtl="0" eaLnBrk="1" latinLnBrk="0" hangingPunct="1">
+        <a:lnSpc>
+          <a:spcPct val="90000"/>
+        </a:lnSpc>
+        <a:spcBef>
+          <a:spcPts val="500"/>
+        </a:spcBef>
+        <a:buFont typeface="Arial" panose="020B0604020202020204" pitchFamily="34" charset="0"/>
+        <a:buChar char="•"/>
+        <a:defRPr sz="1800" kern="1200">
+          <a:solidFill>
+            <a:schemeClr val="tx1"/>
+          </a:solidFill>
+          <a:latin typeface="+mn-lt"/>
+          <a:ea typeface="+mn-ea"/>
+          <a:cs typeface="+mn-cs"/>
+        </a:defRPr>
+      </a:lvl5pPr>
+      <a:lvl6pPr marL="2514600" indent="-228600" algn="l" defTabSz="914400" rtl="0" eaLnBrk="1" latinLnBrk="0" hangingPunct="1">
+        <a:lnSpc>
+          <a:spcPct val="90000"/>
+        </a:lnSpc>
+        <a:spcBef>
+          <a:spcPts val="500"/>
+        </a:spcBef>
+        <a:buFont typeface="Arial" panose="020B0604020202020204" pitchFamily="34" charset="0"/>
+        <a:buChar char="•"/>
+        <a:defRPr sz="1800" kern="1200">
+          <a:solidFill>
+            <a:schemeClr val="tx1"/>
+          </a:solidFill>
+          <a:latin typeface="+mn-lt"/>
+          <a:ea typeface="+mn-ea"/>
+          <a:cs typeface="+mn-cs"/>
+        </a:defRPr>
+      </a:lvl6pPr>
+      <a:lvl7pPr marL="2971800" indent="-228600" algn="l" defTabSz="914400" rtl="0" eaLnBrk="1" latinLnBrk="0" hangingPunct="1">
+        <a:lnSpc>
+          <a:spcPct val="90000"/>
+        </a:lnSpc>
+        <a:spcBef>
+          <a:spcPts val="500"/>
+        </a:spcBef>
+        <a:buFont typeface="Arial" panose="020B0604020202020204" pitchFamily="34" charset="0"/>
+        <a:buChar char="•"/>
+        <a:defRPr sz="1800" kern="1200">
+          <a:solidFill>
+            <a:schemeClr val="tx1"/>
+          </a:solidFill>
+          <a:latin typeface="+mn-lt"/>
+          <a:ea typeface="+mn-ea"/>
+          <a:cs typeface="+mn-cs"/>
+        </a:defRPr>
+      </a:lvl7pPr>
+      <a:lvl8pPr marL="3429000" indent="-228600" algn="l" defTabSz="914400" rtl="0" eaLnBrk="1" latinLnBrk="0" hangingPunct="1">
+        <a:lnSpc>
+          <a:spcPct val="90000"/>
+        </a:lnSpc>
+        <a:spcBef>
+          <a:spcPts val="500"/>
+        </a:spcBef>
+        <a:buFont typeface="Arial" panose="020B0604020202020204" pitchFamily="34" charset="0"/>
+        <a:buChar char="•"/>
+        <a:defRPr sz="1800" kern="1200">
+          <a:solidFill>
+            <a:schemeClr val="tx1"/>
+          </a:solidFill>
+          <a:latin typeface="+mn-lt"/>
+          <a:ea typeface="+mn-ea"/>
+          <a:cs typeface="+mn-cs"/>
+        </a:defRPr>
+      </a:lvl8pPr>
+      <a:lvl9pPr marL="3886200" indent="-228600" algn="l" defTabSz="914400" rtl="0" eaLnBrk="1" latinLnBrk="0" hangingPunct="1">
+        <a:lnSpc>
+          <a:spcPct val="90000"/>
+        </a:lnSpc>
+        <a:spcBef>
+          <a:spcPts val="500"/>
+        </a:spcBef>
+        <a:buFont typeface="Arial" panose="020B0604020202020204" pitchFamily="34" charset="0"/>
+        <a:buChar char="•"/>
+        <a:defRPr sz="1800" kern="1200">
+          <a:solidFill>
+            <a:schemeClr val="tx1"/>
+          </a:solidFill>
+          <a:latin typeface="+mn-lt"/>
+          <a:ea typeface="+mn-ea"/>
+          <a:cs typeface="+mn-cs"/>
+        </a:defRPr>
+      </a:lvl9pPr>
+    </p:bodyStyle>
+    <p:otherStyle>
+      <a:defPPr>
+        <a:defRPr lang="en-US"/>
+      </a:defPPr>
+      <a:lvl1pPr marL="0" algn="l" defTabSz="914400" rtl="0" eaLnBrk="1" latinLnBrk="0" hangingPunct="1">
+        <a:defRPr sz="1800" kern="1200">
+          <a:solidFill>
+            <a:schemeClr val="tx1"/>
+          </a:solidFill>
+          <a:latin typeface="+mn-lt"/>
+          <a:ea typeface="+mn-ea"/>
+          <a:cs typeface="+mn-cs"/>
+        </a:defRPr>
+      </a:lvl1pPr>
+      <a:lvl2pPr marL="457200" algn="l" defTabSz="914400" rtl="0" eaLnBrk="1" latinLnBrk="0" hangingPunct="1">
+        <a:defRPr sz="1800" kern="1200">
+          <a:solidFill>
+            <a:schemeClr val="tx1"/>
+          </a:solidFill>
+          <a:latin typeface="+mn-lt"/>
+          <a:ea typeface="+mn-ea"/>
+          <a:cs typeface="+mn-cs"/>
+        </a:defRPr>
+      </a:lvl2pPr>
+      <a:lvl3pPr marL="914400" algn="l" defTabSz="914400" rtl="0" eaLnBrk="1" latinLnBrk="0" hangingPunct="1">
+        <a:defRPr sz="1800" kern="1200">
+          <a:solidFill>
+            <a:schemeClr val="tx1"/>
+          </a:solidFill>
+          <a:latin typeface="+mn-lt"/>
+          <a:ea typeface="+mn-ea"/>
+          <a:cs typeface="+mn-cs"/>
+        </a:defRPr>
+      </a:lvl3pPr>
+      <a:lvl4pPr marL="1371600" algn="l" defTabSz="914400" rtl="0" eaLnBrk="1" latinLnBrk="0" hangingPunct="1">
+        <a:defRPr sz="1800" kern="1200">
+          <a:solidFill>
+            <a:schemeClr val="tx1"/>
+          </a:solidFill>
+          <a:latin typeface="+mn-lt"/>
+          <a:ea typeface="+mn-ea"/>
+          <a:cs typeface="+mn-cs"/>
+        </a:defRPr>
+      </a:lvl4pPr>
+      <a:lvl5pPr marL="1828800" algn="l" defTabSz="914400" rtl="0" eaLnBrk="1" latinLnBrk="0" hangingPunct="1">
+        <a:defRPr sz="1800" kern="1200">
+          <a:solidFill>
+            <a:schemeClr val="tx1"/>
+          </a:solidFill>
+          <a:latin typeface="+mn-lt"/>
+          <a:ea typeface="+mn-ea"/>
+          <a:cs typeface="+mn-cs"/>
+        </a:defRPr>
+      </a:lvl5pPr>
+      <a:lvl6pPr marL="2286000" algn="l" defTabSz="914400" rtl="0" eaLnBrk="1" latinLnBrk="0" hangingPunct="1">
+        <a:defRPr sz="1800" kern="1200">
+          <a:solidFill>
+            <a:schemeClr val="tx1"/>
+          </a:solidFill>
+          <a:latin typeface="+mn-lt"/>
+          <a:ea typeface="+mn-ea"/>
+          <a:cs typeface="+mn-cs"/>
+        </a:defRPr>
+      </a:lvl6pPr>
+      <a:lvl7pPr marL="2743200" algn="l" defTabSz="914400" rtl="0" eaLnBrk="1" latinLnBrk="0" hangingPunct="1">
+        <a:defRPr sz="1800" kern="1200">
+          <a:solidFill>
+            <a:schemeClr val="tx1"/>
+          </a:solidFill>
+          <a:latin typeface="+mn-lt"/>
+          <a:ea typeface="+mn-ea"/>
+          <a:cs typeface="+mn-cs"/>
+        </a:defRPr>
+      </a:lvl7pPr>
+      <a:lvl8pPr marL="3200400" algn="l" defTabSz="914400" rtl="0" eaLnBrk="1" latinLnBrk="0" hangingPunct="1">
+        <a:defRPr sz="1800" kern="1200">
+          <a:solidFill>
+            <a:schemeClr val="tx1"/>
+          </a:solidFill>
+          <a:latin typeface="+mn-lt"/>
+          <a:ea typeface="+mn-ea"/>
+          <a:cs typeface="+mn-cs"/>
+        </a:defRPr>
+      </a:lvl8pPr>
+      <a:lvl9pPr marL="3657600" algn="l" defTabSz="914400" rtl="0" eaLnBrk="1" latinLnBrk="0" hangingPunct="1">
+        <a:defRPr sz="1800" kern="1200">
+          <a:solidFill>
+            <a:schemeClr val="tx1"/>
+          </a:solidFill>
+          <a:latin typeface="+mn-lt"/>
+          <a:ea typeface="+mn-ea"/>
+          <a:cs typeface="+mn-cs"/>
+        </a:defRPr>
+      </a:lvl9pPr>
+    </p:otherStyle>
+  </p:txStyles>
 </p:sldMaster>
 </file>
 
 <file path=ppt/slides/slide1.xml><?xml version="1.0" encoding="utf-8"?>
-<p:sld xmlns:a="http://schemas.openxmlformats.org/drawingml/2006/main" xmlns:p="http://schemas.openxmlformats.org/presentationml/2006/main" xmlns:r="http://schemas.openxmlformats.org/officeDocument/2006/relationships" xmlns:p14="http://schemas.microsoft.com/office/powerpoint/2010/main" xmlns:p15="http://schemas.microsoft.com/office/powerpoint/2012/main" xmlns:mc="http://schemas.openxmlformats.org/markup-compatibility/2006">
+<p:sld xmlns:a="http://schemas.openxmlformats.org/drawingml/2006/main" xmlns:r="http://schemas.openxmlformats.org/officeDocument/2006/relationships" xmlns:p="http://schemas.openxmlformats.org/presentationml/2006/main">
   <p:cSld>
     <p:spTree>
       <p:nvGrpSpPr>
@@ -1800,7 +2202,7 @@
           </a:prstGeom>
           <a:ln>
             <a:solidFill>
-              <a:srgbClr val="5597d3"/>
+              <a:srgbClr val="5597D3"/>
             </a:solidFill>
             <a:round/>
           </a:ln>
@@ -1834,7 +2236,7 @@
           </a:prstGeom>
           <a:ln>
             <a:solidFill>
-              <a:srgbClr val="5597d3"/>
+              <a:srgbClr val="5597D3"/>
             </a:solidFill>
             <a:round/>
           </a:ln>
@@ -1868,7 +2270,7 @@
           </a:prstGeom>
           <a:ln>
             <a:solidFill>
-              <a:srgbClr val="5597d3"/>
+              <a:srgbClr val="5597D3"/>
             </a:solidFill>
             <a:round/>
           </a:ln>
@@ -1902,7 +2304,7 @@
           </a:prstGeom>
           <a:ln>
             <a:solidFill>
-              <a:srgbClr val="5597d3"/>
+              <a:srgbClr val="5597D3"/>
             </a:solidFill>
             <a:round/>
           </a:ln>
@@ -1940,15 +2342,22 @@
           </a:ln>
         </p:spPr>
         <p:style>
-          <a:lnRef idx="0"/>
-          <a:fillRef idx="0"/>
-          <a:effectRef idx="0"/>
+          <a:lnRef idx="0">
+            <a:scrgbClr r="0" g="0" b="0"/>
+          </a:lnRef>
+          <a:fillRef idx="0">
+            <a:scrgbClr r="0" g="0" b="0"/>
+          </a:fillRef>
+          <a:effectRef idx="0">
+            <a:scrgbClr r="0" g="0" b="0"/>
+          </a:effectRef>
           <a:fontRef idx="minor"/>
         </p:style>
         <p:txBody>
-          <a:bodyPr wrap="none" lIns="90000" rIns="90000" tIns="45000" bIns="45000">
+          <a:bodyPr wrap="none" lIns="90000" tIns="45000" rIns="90000" bIns="45000">
             <a:noAutofit/>
           </a:bodyPr>
+          <a:lstStyle/>
           <a:p>
             <a:pPr>
               <a:lnSpc>
@@ -1956,7 +2365,7 @@
               </a:lnSpc>
             </a:pPr>
             <a:r>
-              <a:rPr b="0" lang="en-GB" sz="1800" spc="-1" strike="noStrike">
+              <a:rPr lang="en-GB" sz="1800" b="0" strike="noStrike" spc="-1">
                 <a:solidFill>
                   <a:srgbClr val="000000"/>
                 </a:solidFill>
@@ -1965,7 +2374,7 @@
               </a:rPr>
               <a:t>0</a:t>
             </a:r>
-            <a:endParaRPr b="0" lang="en-US" sz="1800" spc="-1" strike="noStrike">
+            <a:endParaRPr lang="en-US" sz="1800" b="0" strike="noStrike" spc="-1">
               <a:latin typeface="Arial"/>
             </a:endParaRPr>
           </a:p>
@@ -1991,15 +2400,22 @@
           </a:ln>
         </p:spPr>
         <p:style>
-          <a:lnRef idx="0"/>
-          <a:fillRef idx="0"/>
-          <a:effectRef idx="0"/>
+          <a:lnRef idx="0">
+            <a:scrgbClr r="0" g="0" b="0"/>
+          </a:lnRef>
+          <a:fillRef idx="0">
+            <a:scrgbClr r="0" g="0" b="0"/>
+          </a:fillRef>
+          <a:effectRef idx="0">
+            <a:scrgbClr r="0" g="0" b="0"/>
+          </a:effectRef>
           <a:fontRef idx="minor"/>
         </p:style>
         <p:txBody>
-          <a:bodyPr wrap="none" lIns="90000" rIns="90000" tIns="45000" bIns="45000">
+          <a:bodyPr wrap="none" lIns="90000" tIns="45000" rIns="90000" bIns="45000">
             <a:noAutofit/>
           </a:bodyPr>
+          <a:lstStyle/>
           <a:p>
             <a:pPr>
               <a:lnSpc>
@@ -2007,7 +2423,7 @@
               </a:lnSpc>
             </a:pPr>
             <a:r>
-              <a:rPr b="0" lang="en-GB" sz="1800" spc="-1" strike="noStrike">
+              <a:rPr lang="en-GB" sz="1800" b="0" strike="noStrike" spc="-1">
                 <a:solidFill>
                   <a:srgbClr val="000000"/>
                 </a:solidFill>
@@ -2016,7 +2432,7 @@
               </a:rPr>
               <a:t>6</a:t>
             </a:r>
-            <a:endParaRPr b="0" lang="en-US" sz="1800" spc="-1" strike="noStrike">
+            <a:endParaRPr lang="en-US" sz="1800" b="0" strike="noStrike" spc="-1">
               <a:latin typeface="Arial"/>
             </a:endParaRPr>
           </a:p>
@@ -2042,15 +2458,22 @@
           </a:ln>
         </p:spPr>
         <p:style>
-          <a:lnRef idx="0"/>
-          <a:fillRef idx="0"/>
-          <a:effectRef idx="0"/>
+          <a:lnRef idx="0">
+            <a:scrgbClr r="0" g="0" b="0"/>
+          </a:lnRef>
+          <a:fillRef idx="0">
+            <a:scrgbClr r="0" g="0" b="0"/>
+          </a:fillRef>
+          <a:effectRef idx="0">
+            <a:scrgbClr r="0" g="0" b="0"/>
+          </a:effectRef>
           <a:fontRef idx="minor"/>
         </p:style>
         <p:txBody>
-          <a:bodyPr wrap="none" lIns="90000" rIns="90000" tIns="45000" bIns="45000">
+          <a:bodyPr wrap="none" lIns="90000" tIns="45000" rIns="90000" bIns="45000">
             <a:noAutofit/>
           </a:bodyPr>
+          <a:lstStyle/>
           <a:p>
             <a:pPr>
               <a:lnSpc>
@@ -2058,7 +2481,7 @@
               </a:lnSpc>
             </a:pPr>
             <a:r>
-              <a:rPr b="0" lang="en-GB" sz="1800" spc="-1" strike="noStrike">
+              <a:rPr lang="en-GB" sz="1800" b="0" strike="noStrike" spc="-1">
                 <a:solidFill>
                   <a:srgbClr val="000000"/>
                 </a:solidFill>
@@ -2067,7 +2490,7 @@
               </a:rPr>
               <a:t>2</a:t>
             </a:r>
-            <a:endParaRPr b="0" lang="en-US" sz="1800" spc="-1" strike="noStrike">
+            <a:endParaRPr lang="en-US" sz="1800" b="0" strike="noStrike" spc="-1">
               <a:latin typeface="Arial"/>
             </a:endParaRPr>
           </a:p>
@@ -2093,15 +2516,22 @@
           </a:ln>
         </p:spPr>
         <p:style>
-          <a:lnRef idx="0"/>
-          <a:fillRef idx="0"/>
-          <a:effectRef idx="0"/>
+          <a:lnRef idx="0">
+            <a:scrgbClr r="0" g="0" b="0"/>
+          </a:lnRef>
+          <a:fillRef idx="0">
+            <a:scrgbClr r="0" g="0" b="0"/>
+          </a:fillRef>
+          <a:effectRef idx="0">
+            <a:scrgbClr r="0" g="0" b="0"/>
+          </a:effectRef>
           <a:fontRef idx="minor"/>
         </p:style>
         <p:txBody>
-          <a:bodyPr wrap="none" lIns="90000" rIns="90000" tIns="45000" bIns="45000">
+          <a:bodyPr wrap="none" lIns="90000" tIns="45000" rIns="90000" bIns="45000">
             <a:noAutofit/>
           </a:bodyPr>
+          <a:lstStyle/>
           <a:p>
             <a:pPr>
               <a:lnSpc>
@@ -2109,7 +2539,7 @@
               </a:lnSpc>
             </a:pPr>
             <a:r>
-              <a:rPr b="0" lang="en-GB" sz="1800" spc="-1" strike="noStrike">
+              <a:rPr lang="en-GB" sz="1800" b="0" strike="noStrike" spc="-1">
                 <a:solidFill>
                   <a:srgbClr val="000000"/>
                 </a:solidFill>
@@ -2118,7 +2548,7 @@
               </a:rPr>
               <a:t>9</a:t>
             </a:r>
-            <a:endParaRPr b="0" lang="en-US" sz="1800" spc="-1" strike="noStrike">
+            <a:endParaRPr lang="en-US" sz="1800" b="0" strike="noStrike" spc="-1">
               <a:latin typeface="Arial"/>
             </a:endParaRPr>
           </a:p>
@@ -2140,7 +2570,7 @@
           </a:prstGeom>
           <a:ln>
             <a:solidFill>
-              <a:srgbClr val="5597d3"/>
+              <a:srgbClr val="5597D3"/>
             </a:solidFill>
             <a:round/>
           </a:ln>
@@ -2174,7 +2604,7 @@
           </a:prstGeom>
           <a:ln>
             <a:solidFill>
-              <a:srgbClr val="5597d3"/>
+              <a:srgbClr val="5597D3"/>
             </a:solidFill>
             <a:round/>
           </a:ln>
@@ -2212,15 +2642,22 @@
           </a:ln>
         </p:spPr>
         <p:style>
-          <a:lnRef idx="0"/>
-          <a:fillRef idx="0"/>
-          <a:effectRef idx="0"/>
+          <a:lnRef idx="0">
+            <a:scrgbClr r="0" g="0" b="0"/>
+          </a:lnRef>
+          <a:fillRef idx="0">
+            <a:scrgbClr r="0" g="0" b="0"/>
+          </a:fillRef>
+          <a:effectRef idx="0">
+            <a:scrgbClr r="0" g="0" b="0"/>
+          </a:effectRef>
           <a:fontRef idx="minor"/>
         </p:style>
         <p:txBody>
-          <a:bodyPr wrap="none" lIns="90000" rIns="90000" tIns="45000" bIns="45000">
+          <a:bodyPr wrap="none" lIns="90000" tIns="45000" rIns="90000" bIns="45000">
             <a:noAutofit/>
           </a:bodyPr>
+          <a:lstStyle/>
           <a:p>
             <a:pPr>
               <a:lnSpc>
@@ -2228,7 +2665,7 @@
               </a:lnSpc>
             </a:pPr>
             <a:r>
-              <a:rPr b="0" lang="en-GB" sz="1800" spc="-1" strike="noStrike">
+              <a:rPr lang="en-GB" sz="1800" b="0" strike="noStrike" spc="-1">
                 <a:solidFill>
                   <a:srgbClr val="000000"/>
                 </a:solidFill>
@@ -2237,7 +2674,7 @@
               </a:rPr>
               <a:t>7</a:t>
             </a:r>
-            <a:endParaRPr b="0" lang="en-US" sz="1800" spc="-1" strike="noStrike">
+            <a:endParaRPr lang="en-US" sz="1800" b="0" strike="noStrike" spc="-1">
               <a:latin typeface="Arial"/>
             </a:endParaRPr>
           </a:p>
@@ -2263,15 +2700,22 @@
           </a:ln>
         </p:spPr>
         <p:style>
-          <a:lnRef idx="0"/>
-          <a:fillRef idx="0"/>
-          <a:effectRef idx="0"/>
+          <a:lnRef idx="0">
+            <a:scrgbClr r="0" g="0" b="0"/>
+          </a:lnRef>
+          <a:fillRef idx="0">
+            <a:scrgbClr r="0" g="0" b="0"/>
+          </a:fillRef>
+          <a:effectRef idx="0">
+            <a:scrgbClr r="0" g="0" b="0"/>
+          </a:effectRef>
           <a:fontRef idx="minor"/>
         </p:style>
         <p:txBody>
-          <a:bodyPr wrap="none" lIns="90000" rIns="90000" tIns="45000" bIns="45000">
+          <a:bodyPr wrap="none" lIns="90000" tIns="45000" rIns="90000" bIns="45000">
             <a:noAutofit/>
           </a:bodyPr>
+          <a:lstStyle/>
           <a:p>
             <a:pPr>
               <a:lnSpc>
@@ -2279,7 +2723,7 @@
               </a:lnSpc>
             </a:pPr>
             <a:r>
-              <a:rPr b="0" lang="en-GB" sz="1800" spc="-1" strike="noStrike">
+              <a:rPr lang="en-GB" sz="1800" b="0" strike="noStrike" spc="-1">
                 <a:solidFill>
                   <a:srgbClr val="000000"/>
                 </a:solidFill>
@@ -2288,7 +2732,7 @@
               </a:rPr>
               <a:t>4</a:t>
             </a:r>
-            <a:endParaRPr b="0" lang="en-US" sz="1800" spc="-1" strike="noStrike">
+            <a:endParaRPr lang="en-US" sz="1800" b="0" strike="noStrike" spc="-1">
               <a:latin typeface="Arial"/>
             </a:endParaRPr>
           </a:p>
@@ -2314,15 +2758,22 @@
           </a:ln>
         </p:spPr>
         <p:style>
-          <a:lnRef idx="0"/>
-          <a:fillRef idx="0"/>
-          <a:effectRef idx="0"/>
+          <a:lnRef idx="0">
+            <a:scrgbClr r="0" g="0" b="0"/>
+          </a:lnRef>
+          <a:fillRef idx="0">
+            <a:scrgbClr r="0" g="0" b="0"/>
+          </a:fillRef>
+          <a:effectRef idx="0">
+            <a:scrgbClr r="0" g="0" b="0"/>
+          </a:effectRef>
           <a:fontRef idx="minor"/>
         </p:style>
         <p:txBody>
-          <a:bodyPr wrap="none" lIns="90000" rIns="90000" tIns="45000" bIns="45000">
+          <a:bodyPr wrap="none" lIns="90000" tIns="45000" rIns="90000" bIns="45000">
             <a:noAutofit/>
           </a:bodyPr>
+          <a:lstStyle/>
           <a:p>
             <a:pPr>
               <a:lnSpc>
@@ -2330,7 +2781,7 @@
               </a:lnSpc>
             </a:pPr>
             <a:r>
-              <a:rPr b="0" lang="en-GB" sz="1800" spc="-1" strike="noStrike">
+              <a:rPr lang="en-GB" sz="1800" b="0" strike="noStrike" spc="-1">
                 <a:solidFill>
                   <a:srgbClr val="000000"/>
                 </a:solidFill>
@@ -2339,7 +2790,7 @@
               </a:rPr>
               <a:t>5</a:t>
             </a:r>
-            <a:endParaRPr b="0" lang="en-US" sz="1800" spc="-1" strike="noStrike">
+            <a:endParaRPr lang="en-US" sz="1800" b="0" strike="noStrike" spc="-1">
               <a:latin typeface="Arial"/>
             </a:endParaRPr>
           </a:p>
@@ -2365,15 +2816,22 @@
           </a:ln>
         </p:spPr>
         <p:style>
-          <a:lnRef idx="0"/>
-          <a:fillRef idx="0"/>
-          <a:effectRef idx="0"/>
+          <a:lnRef idx="0">
+            <a:scrgbClr r="0" g="0" b="0"/>
+          </a:lnRef>
+          <a:fillRef idx="0">
+            <a:scrgbClr r="0" g="0" b="0"/>
+          </a:fillRef>
+          <a:effectRef idx="0">
+            <a:scrgbClr r="0" g="0" b="0"/>
+          </a:effectRef>
           <a:fontRef idx="minor"/>
         </p:style>
         <p:txBody>
-          <a:bodyPr wrap="none" lIns="90000" rIns="90000" tIns="45000" bIns="45000">
+          <a:bodyPr wrap="none" lIns="90000" tIns="45000" rIns="90000" bIns="45000">
             <a:noAutofit/>
           </a:bodyPr>
+          <a:lstStyle/>
           <a:p>
             <a:pPr>
               <a:lnSpc>
@@ -2381,7 +2839,7 @@
               </a:lnSpc>
             </a:pPr>
             <a:r>
-              <a:rPr b="0" lang="en-GB" sz="1800" spc="-1" strike="noStrike">
+              <a:rPr lang="en-GB" sz="1800" b="0" strike="noStrike" spc="-1">
                 <a:solidFill>
                   <a:srgbClr val="000000"/>
                 </a:solidFill>
@@ -2390,7 +2848,7 @@
               </a:rPr>
               <a:t>1</a:t>
             </a:r>
-            <a:endParaRPr b="0" lang="en-US" sz="1800" spc="-1" strike="noStrike">
+            <a:endParaRPr lang="en-US" sz="1800" b="0" strike="noStrike" spc="-1">
               <a:latin typeface="Arial"/>
             </a:endParaRPr>
           </a:p>
@@ -2416,15 +2874,22 @@
           </a:ln>
         </p:spPr>
         <p:style>
-          <a:lnRef idx="0"/>
-          <a:fillRef idx="0"/>
-          <a:effectRef idx="0"/>
+          <a:lnRef idx="0">
+            <a:scrgbClr r="0" g="0" b="0"/>
+          </a:lnRef>
+          <a:fillRef idx="0">
+            <a:scrgbClr r="0" g="0" b="0"/>
+          </a:fillRef>
+          <a:effectRef idx="0">
+            <a:scrgbClr r="0" g="0" b="0"/>
+          </a:effectRef>
           <a:fontRef idx="minor"/>
         </p:style>
         <p:txBody>
-          <a:bodyPr lIns="90000" rIns="90000" tIns="45000" bIns="45000">
+          <a:bodyPr lIns="90000" tIns="45000" rIns="90000" bIns="45000">
             <a:noAutofit/>
           </a:bodyPr>
+          <a:lstStyle/>
           <a:p>
             <a:pPr>
               <a:lnSpc>
@@ -2432,7 +2897,7 @@
               </a:lnSpc>
             </a:pPr>
             <a:r>
-              <a:rPr b="0" lang="en-GB" sz="1800" spc="-1" strike="noStrike">
+              <a:rPr lang="en-GB" sz="1800" b="0" strike="noStrike" spc="-1">
                 <a:solidFill>
                   <a:srgbClr val="000000"/>
                 </a:solidFill>
@@ -2441,7 +2906,7 @@
               </a:rPr>
               <a:t>8</a:t>
             </a:r>
-            <a:endParaRPr b="0" lang="en-US" sz="1800" spc="-1" strike="noStrike">
+            <a:endParaRPr lang="en-US" sz="1800" b="0" strike="noStrike" spc="-1">
               <a:latin typeface="Arial"/>
             </a:endParaRPr>
           </a:p>
@@ -2466,9 +2931,15 @@
           </a:ln>
         </p:spPr>
         <p:style>
-          <a:lnRef idx="0"/>
-          <a:fillRef idx="0"/>
-          <a:effectRef idx="0"/>
+          <a:lnRef idx="0">
+            <a:scrgbClr r="0" g="0" b="0"/>
+          </a:lnRef>
+          <a:fillRef idx="0">
+            <a:scrgbClr r="0" g="0" b="0"/>
+          </a:fillRef>
+          <a:effectRef idx="0">
+            <a:scrgbClr r="0" g="0" b="0"/>
+          </a:effectRef>
           <a:fontRef idx="minor"/>
         </p:style>
       </p:sp>
@@ -2492,15 +2963,22 @@
           </a:ln>
         </p:spPr>
         <p:style>
-          <a:lnRef idx="0"/>
-          <a:fillRef idx="0"/>
-          <a:effectRef idx="0"/>
+          <a:lnRef idx="0">
+            <a:scrgbClr r="0" g="0" b="0"/>
+          </a:lnRef>
+          <a:fillRef idx="0">
+            <a:scrgbClr r="0" g="0" b="0"/>
+          </a:fillRef>
+          <a:effectRef idx="0">
+            <a:scrgbClr r="0" g="0" b="0"/>
+          </a:effectRef>
           <a:fontRef idx="minor"/>
         </p:style>
         <p:txBody>
-          <a:bodyPr wrap="none" lIns="90000" rIns="90000" tIns="45000" bIns="45000">
+          <a:bodyPr wrap="none" lIns="90000" tIns="45000" rIns="90000" bIns="45000">
             <a:noAutofit/>
           </a:bodyPr>
+          <a:lstStyle/>
           <a:p>
             <a:pPr>
               <a:lnSpc>
@@ -2508,7 +2986,7 @@
               </a:lnSpc>
             </a:pPr>
             <a:r>
-              <a:rPr b="0" lang="en-GB" sz="1800" spc="-1" strike="noStrike">
+              <a:rPr lang="en-GB" sz="1800" b="0" strike="noStrike" spc="-1">
                 <a:solidFill>
                   <a:srgbClr val="000000"/>
                 </a:solidFill>
@@ -2517,7 +2995,7 @@
               </a:rPr>
               <a:t>3</a:t>
             </a:r>
-            <a:endParaRPr b="0" lang="en-US" sz="1800" spc="-1" strike="noStrike">
+            <a:endParaRPr lang="en-US" sz="1800" b="0" strike="noStrike" spc="-1">
               <a:latin typeface="Arial"/>
             </a:endParaRPr>
           </a:p>
@@ -2539,7 +3017,7 @@
           </a:prstGeom>
           <a:ln>
             <a:solidFill>
-              <a:srgbClr val="5597d3"/>
+              <a:srgbClr val="5597D3"/>
             </a:solidFill>
             <a:round/>
           </a:ln>
@@ -2577,15 +3055,22 @@
           </a:ln>
         </p:spPr>
         <p:style>
-          <a:lnRef idx="0"/>
-          <a:fillRef idx="0"/>
-          <a:effectRef idx="0"/>
+          <a:lnRef idx="0">
+            <a:scrgbClr r="0" g="0" b="0"/>
+          </a:lnRef>
+          <a:fillRef idx="0">
+            <a:scrgbClr r="0" g="0" b="0"/>
+          </a:fillRef>
+          <a:effectRef idx="0">
+            <a:scrgbClr r="0" g="0" b="0"/>
+          </a:effectRef>
           <a:fontRef idx="minor"/>
         </p:style>
         <p:txBody>
-          <a:bodyPr wrap="none" lIns="90000" rIns="90000" tIns="45000" bIns="45000">
+          <a:bodyPr wrap="none" lIns="90000" tIns="45000" rIns="90000" bIns="45000">
             <a:noAutofit/>
           </a:bodyPr>
+          <a:lstStyle/>
           <a:p>
             <a:pPr>
               <a:lnSpc>
@@ -2593,7 +3078,7 @@
               </a:lnSpc>
             </a:pPr>
             <a:r>
-              <a:rPr b="0" lang="en-GB" sz="1800" spc="-1" strike="noStrike">
+              <a:rPr lang="en-GB" sz="1800" b="0" strike="noStrike" spc="-1">
                 <a:solidFill>
                   <a:srgbClr val="000000"/>
                 </a:solidFill>
@@ -2602,7 +3087,7 @@
               </a:rPr>
               <a:t>10</a:t>
             </a:r>
-            <a:endParaRPr b="0" lang="en-US" sz="1800" spc="-1" strike="noStrike">
+            <a:endParaRPr lang="en-US" sz="1800" b="0" strike="noStrike" spc="-1">
               <a:latin typeface="Arial"/>
             </a:endParaRPr>
           </a:p>
@@ -2628,15 +3113,22 @@
           </a:ln>
         </p:spPr>
         <p:style>
-          <a:lnRef idx="0"/>
-          <a:fillRef idx="0"/>
-          <a:effectRef idx="0"/>
+          <a:lnRef idx="0">
+            <a:scrgbClr r="0" g="0" b="0"/>
+          </a:lnRef>
+          <a:fillRef idx="0">
+            <a:scrgbClr r="0" g="0" b="0"/>
+          </a:fillRef>
+          <a:effectRef idx="0">
+            <a:scrgbClr r="0" g="0" b="0"/>
+          </a:effectRef>
           <a:fontRef idx="minor"/>
         </p:style>
         <p:txBody>
-          <a:bodyPr wrap="none" lIns="90000" rIns="90000" tIns="45000" bIns="45000">
+          <a:bodyPr wrap="none" lIns="90000" tIns="45000" rIns="90000" bIns="45000">
             <a:noAutofit/>
           </a:bodyPr>
+          <a:lstStyle/>
           <a:p>
             <a:pPr>
               <a:lnSpc>
@@ -2644,7 +3136,7 @@
               </a:lnSpc>
             </a:pPr>
             <a:r>
-              <a:rPr b="0" lang="en-GB" sz="1800" spc="-1" strike="noStrike">
+              <a:rPr lang="en-GB" sz="1800" b="0" strike="noStrike" spc="-1">
                 <a:solidFill>
                   <a:srgbClr val="000000"/>
                 </a:solidFill>
@@ -2653,7 +3145,7 @@
               </a:rPr>
               <a:t>11</a:t>
             </a:r>
-            <a:endParaRPr b="0" lang="en-US" sz="1800" spc="-1" strike="noStrike">
+            <a:endParaRPr lang="en-US" sz="1800" b="0" strike="noStrike" spc="-1">
               <a:latin typeface="Arial"/>
             </a:endParaRPr>
           </a:p>
@@ -2675,7 +3167,7 @@
           </a:prstGeom>
           <a:ln>
             <a:solidFill>
-              <a:srgbClr val="5597d3"/>
+              <a:srgbClr val="5597D3"/>
             </a:solidFill>
             <a:round/>
           </a:ln>
@@ -2702,7 +3194,7 @@
         <p:spPr>
           <a:xfrm>
             <a:off x="3566160" y="5120640"/>
-            <a:ext cx="433800" cy="346320"/>
+            <a:ext cx="635850" cy="346320"/>
           </a:xfrm>
           <a:prstGeom prst="rect">
             <a:avLst/>
@@ -2713,19 +3205,17 @@
           </a:ln>
         </p:spPr>
         <p:txBody>
-          <a:bodyPr lIns="90000" rIns="90000" tIns="45000" bIns="45000">
+          <a:bodyPr lIns="90000" tIns="45000" rIns="90000" bIns="45000">
             <a:noAutofit/>
           </a:bodyPr>
+          <a:lstStyle/>
           <a:p>
             <a:r>
-              <a:rPr b="0" lang="en-US" sz="1800" spc="-1" strike="noStrike">
+              <a:rPr lang="en-US" sz="1800" b="0" strike="noStrike" spc="-1" dirty="0">
                 <a:latin typeface="Arial"/>
               </a:rPr>
               <a:t>12</a:t>
             </a:r>
-            <a:endParaRPr b="0" lang="en-US" sz="1800" spc="-1" strike="noStrike">
-              <a:latin typeface="Arial"/>
-            </a:endParaRPr>
           </a:p>
         </p:txBody>
       </p:sp>
@@ -2738,7 +3228,7 @@
         <p:spPr>
           <a:xfrm>
             <a:off x="8412480" y="5120640"/>
-            <a:ext cx="433800" cy="346320"/>
+            <a:ext cx="624988" cy="346320"/>
           </a:xfrm>
           <a:prstGeom prst="rect">
             <a:avLst/>
@@ -2749,19 +3239,17 @@
           </a:ln>
         </p:spPr>
         <p:txBody>
-          <a:bodyPr lIns="90000" rIns="90000" tIns="45000" bIns="45000">
+          <a:bodyPr lIns="90000" tIns="45000" rIns="90000" bIns="45000">
             <a:noAutofit/>
           </a:bodyPr>
+          <a:lstStyle/>
           <a:p>
             <a:r>
-              <a:rPr b="0" lang="en-US" sz="1800" spc="-1" strike="noStrike">
+              <a:rPr lang="en-US" sz="1800" b="0" strike="noStrike" spc="-1" dirty="0">
                 <a:latin typeface="Arial"/>
               </a:rPr>
               <a:t>13</a:t>
             </a:r>
-            <a:endParaRPr b="0" lang="en-US" sz="1800" spc="-1" strike="noStrike">
-              <a:latin typeface="Arial"/>
-            </a:endParaRPr>
           </a:p>
         </p:txBody>
       </p:sp>
@@ -2774,7 +3262,7 @@
         <p:spPr>
           <a:xfrm>
             <a:off x="3566160" y="3474720"/>
-            <a:ext cx="433800" cy="346320"/>
+            <a:ext cx="529318" cy="346320"/>
           </a:xfrm>
           <a:prstGeom prst="rect">
             <a:avLst/>
@@ -2785,19 +3273,17 @@
           </a:ln>
         </p:spPr>
         <p:txBody>
-          <a:bodyPr lIns="90000" rIns="90000" tIns="45000" bIns="45000">
+          <a:bodyPr lIns="90000" tIns="45000" rIns="90000" bIns="45000">
             <a:noAutofit/>
           </a:bodyPr>
+          <a:lstStyle/>
           <a:p>
             <a:r>
-              <a:rPr b="0" lang="en-US" sz="1800" spc="-1" strike="noStrike">
+              <a:rPr lang="en-US" sz="1800" b="0" strike="noStrike" spc="-1" dirty="0">
                 <a:latin typeface="Arial"/>
               </a:rPr>
               <a:t>14</a:t>
             </a:r>
-            <a:endParaRPr b="0" lang="en-US" sz="1800" spc="-1" strike="noStrike">
-              <a:latin typeface="Arial"/>
-            </a:endParaRPr>
           </a:p>
         </p:txBody>
       </p:sp>
@@ -2810,7 +3296,7 @@
         <p:spPr>
           <a:xfrm>
             <a:off x="8412480" y="3474720"/>
-            <a:ext cx="433800" cy="346320"/>
+            <a:ext cx="518456" cy="346320"/>
           </a:xfrm>
           <a:prstGeom prst="rect">
             <a:avLst/>
@@ -2821,19 +3307,17 @@
           </a:ln>
         </p:spPr>
         <p:txBody>
-          <a:bodyPr lIns="90000" rIns="90000" tIns="45000" bIns="45000">
+          <a:bodyPr lIns="90000" tIns="45000" rIns="90000" bIns="45000">
             <a:noAutofit/>
           </a:bodyPr>
+          <a:lstStyle/>
           <a:p>
             <a:r>
-              <a:rPr b="0" lang="en-US" sz="1800" spc="-1" strike="noStrike">
+              <a:rPr lang="en-US" sz="1800" b="0" strike="noStrike" spc="-1">
                 <a:latin typeface="Arial"/>
               </a:rPr>
               <a:t>15</a:t>
             </a:r>
-            <a:endParaRPr b="0" lang="en-US" sz="1800" spc="-1" strike="noStrike">
-              <a:latin typeface="Arial"/>
-            </a:endParaRPr>
           </a:p>
         </p:txBody>
       </p:sp>
@@ -2846,7 +3330,7 @@
         <p:spPr>
           <a:xfrm>
             <a:off x="4754880" y="3931920"/>
-            <a:ext cx="674640" cy="346320"/>
+            <a:ext cx="965212" cy="346320"/>
           </a:xfrm>
           <a:prstGeom prst="rect">
             <a:avLst/>
@@ -2857,32 +3341,209 @@
           </a:ln>
         </p:spPr>
         <p:txBody>
-          <a:bodyPr lIns="90000" rIns="90000" tIns="45000" bIns="45000">
+          <a:bodyPr lIns="90000" tIns="45000" rIns="90000" bIns="45000">
             <a:noAutofit/>
           </a:bodyPr>
+          <a:lstStyle/>
           <a:p>
             <a:r>
-              <a:rPr b="0" lang="en-US" sz="1800" spc="-1" strike="noStrike">
+              <a:rPr lang="en-US" sz="1800" b="0" strike="noStrike" spc="-1" dirty="0">
                 <a:latin typeface="Arial"/>
               </a:rPr>
               <a:t>plate</a:t>
             </a:r>
-            <a:endParaRPr b="0" lang="en-US" sz="1800" spc="-1" strike="noStrike">
-              <a:latin typeface="Arial"/>
-            </a:endParaRPr>
+          </a:p>
+        </p:txBody>
+      </p:sp>
+      <p:sp>
+        <p:nvSpPr>
+          <p:cNvPr id="2" name="矩形 1">
+            <a:extLst>
+              <a:ext uri="{FF2B5EF4-FFF2-40B4-BE49-F238E27FC236}">
+                <a16:creationId xmlns:a16="http://schemas.microsoft.com/office/drawing/2014/main" id="{EAFBF7E0-E12B-47D8-AC4D-AD484F2A64D4}"/>
+              </a:ext>
+            </a:extLst>
+          </p:cNvPr>
+          <p:cNvSpPr/>
+          <p:nvPr/>
+        </p:nvSpPr>
+        <p:spPr>
+          <a:xfrm>
+            <a:off x="2572838" y="5575680"/>
+            <a:ext cx="6742349" cy="213508"/>
+          </a:xfrm>
+          <a:prstGeom prst="rect">
+            <a:avLst/>
+          </a:prstGeom>
+        </p:spPr>
+        <p:style>
+          <a:lnRef idx="2">
+            <a:schemeClr val="accent1">
+              <a:shade val="50000"/>
+            </a:schemeClr>
+          </a:lnRef>
+          <a:fillRef idx="1">
+            <a:schemeClr val="accent1"/>
+          </a:fillRef>
+          <a:effectRef idx="0">
+            <a:schemeClr val="accent1"/>
+          </a:effectRef>
+          <a:fontRef idx="minor">
+            <a:schemeClr val="lt1"/>
+          </a:fontRef>
+        </p:style>
+        <p:txBody>
+          <a:bodyPr rtlCol="0" anchor="ctr"/>
+          <a:lstStyle/>
+          <a:p>
+            <a:pPr algn="ctr"/>
+            <a:endParaRPr lang="en-GB"/>
+          </a:p>
+        </p:txBody>
+      </p:sp>
+      <p:sp>
+        <p:nvSpPr>
+          <p:cNvPr id="3" name="矩形 2">
+            <a:extLst>
+              <a:ext uri="{FF2B5EF4-FFF2-40B4-BE49-F238E27FC236}">
+                <a16:creationId xmlns:a16="http://schemas.microsoft.com/office/drawing/2014/main" id="{E989D20C-6F83-47BA-9809-1606AD26B1E5}"/>
+              </a:ext>
+            </a:extLst>
+          </p:cNvPr>
+          <p:cNvSpPr/>
+          <p:nvPr/>
+        </p:nvSpPr>
+        <p:spPr>
+          <a:xfrm>
+            <a:off x="2325949" y="1995798"/>
+            <a:ext cx="7021877" cy="440322"/>
+          </a:xfrm>
+          <a:prstGeom prst="rect">
+            <a:avLst/>
+          </a:prstGeom>
+        </p:spPr>
+        <p:style>
+          <a:lnRef idx="2">
+            <a:schemeClr val="accent1">
+              <a:shade val="50000"/>
+            </a:schemeClr>
+          </a:lnRef>
+          <a:fillRef idx="1">
+            <a:schemeClr val="accent1"/>
+          </a:fillRef>
+          <a:effectRef idx="0">
+            <a:schemeClr val="accent1"/>
+          </a:effectRef>
+          <a:fontRef idx="minor">
+            <a:schemeClr val="lt1"/>
+          </a:fontRef>
+        </p:style>
+        <p:txBody>
+          <a:bodyPr rtlCol="0" anchor="ctr"/>
+          <a:lstStyle/>
+          <a:p>
+            <a:pPr algn="ctr"/>
+            <a:endParaRPr lang="en-GB"/>
+          </a:p>
+        </p:txBody>
+      </p:sp>
+      <p:sp>
+        <p:nvSpPr>
+          <p:cNvPr id="4" name="矩形 3">
+            <a:extLst>
+              <a:ext uri="{FF2B5EF4-FFF2-40B4-BE49-F238E27FC236}">
+                <a16:creationId xmlns:a16="http://schemas.microsoft.com/office/drawing/2014/main" id="{996001D2-4220-41F0-B5BE-F6845F8997E1}"/>
+              </a:ext>
+            </a:extLst>
+          </p:cNvPr>
+          <p:cNvSpPr/>
+          <p:nvPr/>
+        </p:nvSpPr>
+        <p:spPr>
+          <a:xfrm>
+            <a:off x="1713390" y="3931920"/>
+            <a:ext cx="523650" cy="341280"/>
+          </a:xfrm>
+          <a:prstGeom prst="rect">
+            <a:avLst/>
+          </a:prstGeom>
+        </p:spPr>
+        <p:style>
+          <a:lnRef idx="2">
+            <a:schemeClr val="accent1">
+              <a:shade val="50000"/>
+            </a:schemeClr>
+          </a:lnRef>
+          <a:fillRef idx="1">
+            <a:schemeClr val="accent1"/>
+          </a:fillRef>
+          <a:effectRef idx="0">
+            <a:schemeClr val="accent1"/>
+          </a:effectRef>
+          <a:fontRef idx="minor">
+            <a:schemeClr val="lt1"/>
+          </a:fontRef>
+        </p:style>
+        <p:txBody>
+          <a:bodyPr rtlCol="0" anchor="ctr"/>
+          <a:lstStyle/>
+          <a:p>
+            <a:pPr algn="ctr"/>
+            <a:endParaRPr lang="en-GB"/>
+          </a:p>
+        </p:txBody>
+      </p:sp>
+      <p:sp>
+        <p:nvSpPr>
+          <p:cNvPr id="5" name="矩形 4">
+            <a:extLst>
+              <a:ext uri="{FF2B5EF4-FFF2-40B4-BE49-F238E27FC236}">
+                <a16:creationId xmlns:a16="http://schemas.microsoft.com/office/drawing/2014/main" id="{885252DE-B292-4C35-97AC-94DDD01DB652}"/>
+              </a:ext>
+            </a:extLst>
+          </p:cNvPr>
+          <p:cNvSpPr/>
+          <p:nvPr/>
+        </p:nvSpPr>
+        <p:spPr>
+          <a:xfrm>
+            <a:off x="9641150" y="4030462"/>
+            <a:ext cx="646629" cy="278018"/>
+          </a:xfrm>
+          <a:prstGeom prst="rect">
+            <a:avLst/>
+          </a:prstGeom>
+        </p:spPr>
+        <p:style>
+          <a:lnRef idx="2">
+            <a:schemeClr val="accent1">
+              <a:shade val="50000"/>
+            </a:schemeClr>
+          </a:lnRef>
+          <a:fillRef idx="1">
+            <a:schemeClr val="accent1"/>
+          </a:fillRef>
+          <a:effectRef idx="0">
+            <a:schemeClr val="accent1"/>
+          </a:effectRef>
+          <a:fontRef idx="minor">
+            <a:schemeClr val="lt1"/>
+          </a:fontRef>
+        </p:style>
+        <p:txBody>
+          <a:bodyPr rtlCol="0" anchor="ctr"/>
+          <a:lstStyle/>
+          <a:p>
+            <a:pPr algn="ctr"/>
+            <a:endParaRPr lang="en-GB"/>
           </a:p>
         </p:txBody>
       </p:sp>
     </p:spTree>
   </p:cSld>
-  <mc:AlternateContent>
-    <mc:Choice Requires="p14">
-      <p:transition spd="slow" p14:dur="2000"/>
-    </mc:Choice>
-    <mc:Fallback>
-      <p:transition spd="slow"/>
-    </mc:Fallback>
-  </mc:AlternateContent>
+  <p:clrMapOvr>
+    <a:masterClrMapping/>
+  </p:clrMapOvr>
 </p:sld>
 </file>
 
@@ -2894,37 +3555,37 @@
         <a:sysClr val="windowText" lastClr="000000"/>
       </a:dk1>
       <a:lt1>
-        <a:sysClr val="window" lastClr="FFFFFF"/>
+        <a:sysClr val="window" lastClr="CAEACE"/>
       </a:lt1>
       <a:dk2>
-        <a:srgbClr val="44546a"/>
+        <a:srgbClr val="44546A"/>
       </a:dk2>
       <a:lt2>
-        <a:srgbClr val="e7e6e6"/>
+        <a:srgbClr val="E7E6E6"/>
       </a:lt2>
       <a:accent1>
-        <a:srgbClr val="5b9bd5"/>
+        <a:srgbClr val="5B9BD5"/>
       </a:accent1>
       <a:accent2>
-        <a:srgbClr val="ed7d31"/>
+        <a:srgbClr val="ED7D31"/>
       </a:accent2>
       <a:accent3>
-        <a:srgbClr val="a5a5a5"/>
+        <a:srgbClr val="A5A5A5"/>
       </a:accent3>
       <a:accent4>
-        <a:srgbClr val="ffc000"/>
+        <a:srgbClr val="FFC000"/>
       </a:accent4>
       <a:accent5>
-        <a:srgbClr val="4472c4"/>
+        <a:srgbClr val="4472C4"/>
       </a:accent5>
       <a:accent6>
-        <a:srgbClr val="70ad47"/>
+        <a:srgbClr val="70AD47"/>
       </a:accent6>
       <a:hlink>
-        <a:srgbClr val="0563c1"/>
+        <a:srgbClr val="0563C1"/>
       </a:hlink>
       <a:folHlink>
-        <a:srgbClr val="954f72"/>
+        <a:srgbClr val="954F72"/>
       </a:folHlink>
     </a:clrScheme>
     <a:fontScheme name="Office">
@@ -3109,5 +3770,7 @@
       </a:bgFillStyleLst>
     </a:fmtScheme>
   </a:themeElements>
+  <a:objectDefaults/>
+  <a:extraClrSchemeLst/>
 </a:theme>
 </file>
--- a/meshdivision.pptx
+++ b/meshdivision.pptx
@@ -104,6 +104,11 @@
       </a:defRPr>
     </a:lvl9pPr>
   </p:defaultTextStyle>
+  <p:extLst>
+    <p:ext uri="{EFAFB233-063F-42B5-8137-9DF3F51BA10A}">
+      <p15:sldGuideLst xmlns:p15="http://schemas.microsoft.com/office/powerpoint/2012/main"/>
+    </p:ext>
+  </p:extLst>
 </p:presentation>
 </file>
 

--- a/meshdivision.pptx
+++ b/meshdivision.pptx
@@ -39,7 +39,7 @@
             <a:spLocks noGrp="1"/>
           </p:cNvSpPr>
           <p:nvPr>
-            <p:ph type="ftr" idx="2"/>
+            <p:ph type="ftr" idx="1"/>
           </p:nvPr>
         </p:nvSpPr>
         <p:spPr/>
@@ -59,14 +59,14 @@
             <a:spLocks noGrp="1"/>
           </p:cNvSpPr>
           <p:nvPr>
-            <p:ph type="sldNum" idx="3"/>
+            <p:ph type="sldNum" idx="2"/>
           </p:nvPr>
         </p:nvSpPr>
         <p:spPr/>
         <p:txBody>
           <a:bodyPr/>
           <a:p>
-            <a:fld id="{E4F69BD9-BE35-4669-A00B-92B583D3F661}" type="slidenum">
+            <a:fld id="{5226F6B3-2EEA-4C32-860D-6EAE8F22BE29}" type="slidenum">
               <a:t>&lt;#&gt;</a:t>
             </a:fld>
           </a:p>
@@ -79,7 +79,7 @@
             <a:spLocks noGrp="1"/>
           </p:cNvSpPr>
           <p:nvPr>
-            <p:ph type="dt" idx="1"/>
+            <p:ph type="dt" idx="3"/>
           </p:nvPr>
         </p:nvSpPr>
         <p:spPr/>
@@ -128,7 +128,7 @@
         <p:spPr>
           <a:xfrm>
             <a:off x="1523880" y="1122480"/>
-            <a:ext cx="9143640" cy="2387160"/>
+            <a:ext cx="9143280" cy="2386800"/>
           </a:xfrm>
           <a:prstGeom prst="rect">
             <a:avLst/>
@@ -143,11 +143,11 @@
             <a:noAutofit/>
           </a:bodyPr>
           <a:p>
-            <a:endParaRPr b="0" lang="en-US" sz="1800" spc="-1" strike="noStrike">
-              <a:solidFill>
-                <a:srgbClr val="000000"/>
-              </a:solidFill>
-              <a:latin typeface="等线"/>
+            <a:pPr algn="ctr">
+              <a:buNone/>
+            </a:pPr>
+            <a:endParaRPr b="0" lang="en-US" sz="4400" spc="-1" strike="noStrike">
+              <a:latin typeface="Arial"/>
             </a:endParaRPr>
           </a:p>
         </p:txBody>
@@ -180,20 +180,8 @@
             <a:normAutofit/>
           </a:bodyPr>
           <a:p>
-            <a:pPr>
-              <a:lnSpc>
-                <a:spcPct val="90000"/>
-              </a:lnSpc>
-              <a:spcBef>
-                <a:spcPts val="1417"/>
-              </a:spcBef>
-              <a:buNone/>
-            </a:pPr>
-            <a:endParaRPr b="0" lang="en-US" sz="2800" spc="-1" strike="noStrike">
-              <a:solidFill>
-                <a:srgbClr val="000000"/>
-              </a:solidFill>
-              <a:latin typeface="等线"/>
+            <a:endParaRPr b="0" lang="en-US" sz="3200" spc="-1" strike="noStrike">
+              <a:latin typeface="Arial"/>
             </a:endParaRPr>
           </a:p>
         </p:txBody>
@@ -226,20 +214,8 @@
             <a:normAutofit/>
           </a:bodyPr>
           <a:p>
-            <a:pPr>
-              <a:lnSpc>
-                <a:spcPct val="90000"/>
-              </a:lnSpc>
-              <a:spcBef>
-                <a:spcPts val="1417"/>
-              </a:spcBef>
-              <a:buNone/>
-            </a:pPr>
-            <a:endParaRPr b="0" lang="en-US" sz="2800" spc="-1" strike="noStrike">
-              <a:solidFill>
-                <a:srgbClr val="000000"/>
-              </a:solidFill>
-              <a:latin typeface="等线"/>
+            <a:endParaRPr b="0" lang="en-US" sz="3200" spc="-1" strike="noStrike">
+              <a:latin typeface="Arial"/>
             </a:endParaRPr>
           </a:p>
         </p:txBody>
@@ -251,7 +227,7 @@
             <a:spLocks noGrp="1"/>
           </p:cNvSpPr>
           <p:nvPr>
-            <p:ph type="ftr" idx="2"/>
+            <p:ph type="ftr" idx="1"/>
           </p:nvPr>
         </p:nvSpPr>
         <p:spPr/>
@@ -271,14 +247,14 @@
             <a:spLocks noGrp="1"/>
           </p:cNvSpPr>
           <p:nvPr>
-            <p:ph type="sldNum" idx="3"/>
+            <p:ph type="sldNum" idx="2"/>
           </p:nvPr>
         </p:nvSpPr>
         <p:spPr/>
         <p:txBody>
           <a:bodyPr/>
           <a:p>
-            <a:fld id="{97F8CCEB-641C-43E1-8971-4D67EB3D248F}" type="slidenum">
+            <a:fld id="{6446EAD8-0C9A-4D42-A4C0-7C3D8B3123CD}" type="slidenum">
               <a:t>&lt;#&gt;</a:t>
             </a:fld>
           </a:p>
@@ -291,7 +267,7 @@
             <a:spLocks noGrp="1"/>
           </p:cNvSpPr>
           <p:nvPr>
-            <p:ph type="dt" idx="1"/>
+            <p:ph type="dt" idx="3"/>
           </p:nvPr>
         </p:nvSpPr>
         <p:spPr/>
@@ -340,7 +316,7 @@
         <p:spPr>
           <a:xfrm>
             <a:off x="1523880" y="1122480"/>
-            <a:ext cx="9143640" cy="2387160"/>
+            <a:ext cx="9143280" cy="2386800"/>
           </a:xfrm>
           <a:prstGeom prst="rect">
             <a:avLst/>
@@ -355,11 +331,11 @@
             <a:noAutofit/>
           </a:bodyPr>
           <a:p>
-            <a:endParaRPr b="0" lang="en-US" sz="1800" spc="-1" strike="noStrike">
-              <a:solidFill>
-                <a:srgbClr val="000000"/>
-              </a:solidFill>
-              <a:latin typeface="等线"/>
+            <a:pPr algn="ctr">
+              <a:buNone/>
+            </a:pPr>
+            <a:endParaRPr b="0" lang="en-US" sz="4400" spc="-1" strike="noStrike">
+              <a:latin typeface="Arial"/>
             </a:endParaRPr>
           </a:p>
         </p:txBody>
@@ -392,20 +368,8 @@
             <a:normAutofit/>
           </a:bodyPr>
           <a:p>
-            <a:pPr>
-              <a:lnSpc>
-                <a:spcPct val="90000"/>
-              </a:lnSpc>
-              <a:spcBef>
-                <a:spcPts val="1417"/>
-              </a:spcBef>
-              <a:buNone/>
-            </a:pPr>
-            <a:endParaRPr b="0" lang="en-US" sz="2800" spc="-1" strike="noStrike">
-              <a:solidFill>
-                <a:srgbClr val="000000"/>
-              </a:solidFill>
-              <a:latin typeface="等线"/>
+            <a:endParaRPr b="0" lang="en-US" sz="3200" spc="-1" strike="noStrike">
+              <a:latin typeface="Arial"/>
             </a:endParaRPr>
           </a:p>
         </p:txBody>
@@ -438,20 +402,8 @@
             <a:normAutofit/>
           </a:bodyPr>
           <a:p>
-            <a:pPr>
-              <a:lnSpc>
-                <a:spcPct val="90000"/>
-              </a:lnSpc>
-              <a:spcBef>
-                <a:spcPts val="1417"/>
-              </a:spcBef>
-              <a:buNone/>
-            </a:pPr>
-            <a:endParaRPr b="0" lang="en-US" sz="2800" spc="-1" strike="noStrike">
-              <a:solidFill>
-                <a:srgbClr val="000000"/>
-              </a:solidFill>
-              <a:latin typeface="等线"/>
+            <a:endParaRPr b="0" lang="en-US" sz="3200" spc="-1" strike="noStrike">
+              <a:latin typeface="Arial"/>
             </a:endParaRPr>
           </a:p>
         </p:txBody>
@@ -484,20 +436,8 @@
             <a:normAutofit/>
           </a:bodyPr>
           <a:p>
-            <a:pPr>
-              <a:lnSpc>
-                <a:spcPct val="90000"/>
-              </a:lnSpc>
-              <a:spcBef>
-                <a:spcPts val="1417"/>
-              </a:spcBef>
-              <a:buNone/>
-            </a:pPr>
-            <a:endParaRPr b="0" lang="en-US" sz="2800" spc="-1" strike="noStrike">
-              <a:solidFill>
-                <a:srgbClr val="000000"/>
-              </a:solidFill>
-              <a:latin typeface="等线"/>
+            <a:endParaRPr b="0" lang="en-US" sz="3200" spc="-1" strike="noStrike">
+              <a:latin typeface="Arial"/>
             </a:endParaRPr>
           </a:p>
         </p:txBody>
@@ -530,20 +470,8 @@
             <a:normAutofit/>
           </a:bodyPr>
           <a:p>
-            <a:pPr>
-              <a:lnSpc>
-                <a:spcPct val="90000"/>
-              </a:lnSpc>
-              <a:spcBef>
-                <a:spcPts val="1417"/>
-              </a:spcBef>
-              <a:buNone/>
-            </a:pPr>
-            <a:endParaRPr b="0" lang="en-US" sz="2800" spc="-1" strike="noStrike">
-              <a:solidFill>
-                <a:srgbClr val="000000"/>
-              </a:solidFill>
-              <a:latin typeface="等线"/>
+            <a:endParaRPr b="0" lang="en-US" sz="3200" spc="-1" strike="noStrike">
+              <a:latin typeface="Arial"/>
             </a:endParaRPr>
           </a:p>
         </p:txBody>
@@ -555,7 +483,7 @@
             <a:spLocks noGrp="1"/>
           </p:cNvSpPr>
           <p:nvPr>
-            <p:ph type="ftr" idx="2"/>
+            <p:ph type="ftr" idx="1"/>
           </p:nvPr>
         </p:nvSpPr>
         <p:spPr/>
@@ -575,14 +503,14 @@
             <a:spLocks noGrp="1"/>
           </p:cNvSpPr>
           <p:nvPr>
-            <p:ph type="sldNum" idx="3"/>
+            <p:ph type="sldNum" idx="2"/>
           </p:nvPr>
         </p:nvSpPr>
         <p:spPr/>
         <p:txBody>
           <a:bodyPr/>
           <a:p>
-            <a:fld id="{8974B1B9-EE9A-4A14-B9DA-8839D5285B46}" type="slidenum">
+            <a:fld id="{E5207EF2-F8F6-4439-B592-62A23D5C4295}" type="slidenum">
               <a:t>&lt;#&gt;</a:t>
             </a:fld>
           </a:p>
@@ -595,7 +523,7 @@
             <a:spLocks noGrp="1"/>
           </p:cNvSpPr>
           <p:nvPr>
-            <p:ph type="dt" idx="1"/>
+            <p:ph type="dt" idx="3"/>
           </p:nvPr>
         </p:nvSpPr>
         <p:spPr/>
@@ -644,7 +572,7 @@
         <p:spPr>
           <a:xfrm>
             <a:off x="1523880" y="1122480"/>
-            <a:ext cx="9143640" cy="2387160"/>
+            <a:ext cx="9143280" cy="2386800"/>
           </a:xfrm>
           <a:prstGeom prst="rect">
             <a:avLst/>
@@ -659,11 +587,11 @@
             <a:noAutofit/>
           </a:bodyPr>
           <a:p>
-            <a:endParaRPr b="0" lang="en-US" sz="1800" spc="-1" strike="noStrike">
-              <a:solidFill>
-                <a:srgbClr val="000000"/>
-              </a:solidFill>
-              <a:latin typeface="等线"/>
+            <a:pPr algn="ctr">
+              <a:buNone/>
+            </a:pPr>
+            <a:endParaRPr b="0" lang="en-US" sz="4400" spc="-1" strike="noStrike">
+              <a:latin typeface="Arial"/>
             </a:endParaRPr>
           </a:p>
         </p:txBody>
@@ -696,20 +624,8 @@
             <a:normAutofit/>
           </a:bodyPr>
           <a:p>
-            <a:pPr>
-              <a:lnSpc>
-                <a:spcPct val="90000"/>
-              </a:lnSpc>
-              <a:spcBef>
-                <a:spcPts val="1417"/>
-              </a:spcBef>
-              <a:buNone/>
-            </a:pPr>
-            <a:endParaRPr b="0" lang="en-US" sz="2800" spc="-1" strike="noStrike">
-              <a:solidFill>
-                <a:srgbClr val="000000"/>
-              </a:solidFill>
-              <a:latin typeface="等线"/>
+            <a:endParaRPr b="0" lang="en-US" sz="3200" spc="-1" strike="noStrike">
+              <a:latin typeface="Arial"/>
             </a:endParaRPr>
           </a:p>
         </p:txBody>
@@ -742,20 +658,8 @@
             <a:normAutofit/>
           </a:bodyPr>
           <a:p>
-            <a:pPr>
-              <a:lnSpc>
-                <a:spcPct val="90000"/>
-              </a:lnSpc>
-              <a:spcBef>
-                <a:spcPts val="1417"/>
-              </a:spcBef>
-              <a:buNone/>
-            </a:pPr>
-            <a:endParaRPr b="0" lang="en-US" sz="2800" spc="-1" strike="noStrike">
-              <a:solidFill>
-                <a:srgbClr val="000000"/>
-              </a:solidFill>
-              <a:latin typeface="等线"/>
+            <a:endParaRPr b="0" lang="en-US" sz="3200" spc="-1" strike="noStrike">
+              <a:latin typeface="Arial"/>
             </a:endParaRPr>
           </a:p>
         </p:txBody>
@@ -788,20 +692,8 @@
             <a:normAutofit/>
           </a:bodyPr>
           <a:p>
-            <a:pPr>
-              <a:lnSpc>
-                <a:spcPct val="90000"/>
-              </a:lnSpc>
-              <a:spcBef>
-                <a:spcPts val="1417"/>
-              </a:spcBef>
-              <a:buNone/>
-            </a:pPr>
-            <a:endParaRPr b="0" lang="en-US" sz="2800" spc="-1" strike="noStrike">
-              <a:solidFill>
-                <a:srgbClr val="000000"/>
-              </a:solidFill>
-              <a:latin typeface="等线"/>
+            <a:endParaRPr b="0" lang="en-US" sz="3200" spc="-1" strike="noStrike">
+              <a:latin typeface="Arial"/>
             </a:endParaRPr>
           </a:p>
         </p:txBody>
@@ -834,20 +726,8 @@
             <a:normAutofit/>
           </a:bodyPr>
           <a:p>
-            <a:pPr>
-              <a:lnSpc>
-                <a:spcPct val="90000"/>
-              </a:lnSpc>
-              <a:spcBef>
-                <a:spcPts val="1417"/>
-              </a:spcBef>
-              <a:buNone/>
-            </a:pPr>
-            <a:endParaRPr b="0" lang="en-US" sz="2800" spc="-1" strike="noStrike">
-              <a:solidFill>
-                <a:srgbClr val="000000"/>
-              </a:solidFill>
-              <a:latin typeface="等线"/>
+            <a:endParaRPr b="0" lang="en-US" sz="3200" spc="-1" strike="noStrike">
+              <a:latin typeface="Arial"/>
             </a:endParaRPr>
           </a:p>
         </p:txBody>
@@ -880,20 +760,8 @@
             <a:normAutofit/>
           </a:bodyPr>
           <a:p>
-            <a:pPr>
-              <a:lnSpc>
-                <a:spcPct val="90000"/>
-              </a:lnSpc>
-              <a:spcBef>
-                <a:spcPts val="1417"/>
-              </a:spcBef>
-              <a:buNone/>
-            </a:pPr>
-            <a:endParaRPr b="0" lang="en-US" sz="2800" spc="-1" strike="noStrike">
-              <a:solidFill>
-                <a:srgbClr val="000000"/>
-              </a:solidFill>
-              <a:latin typeface="等线"/>
+            <a:endParaRPr b="0" lang="en-US" sz="3200" spc="-1" strike="noStrike">
+              <a:latin typeface="Arial"/>
             </a:endParaRPr>
           </a:p>
         </p:txBody>
@@ -926,20 +794,8 @@
             <a:normAutofit/>
           </a:bodyPr>
           <a:p>
-            <a:pPr>
-              <a:lnSpc>
-                <a:spcPct val="90000"/>
-              </a:lnSpc>
-              <a:spcBef>
-                <a:spcPts val="1417"/>
-              </a:spcBef>
-              <a:buNone/>
-            </a:pPr>
-            <a:endParaRPr b="0" lang="en-US" sz="2800" spc="-1" strike="noStrike">
-              <a:solidFill>
-                <a:srgbClr val="000000"/>
-              </a:solidFill>
-              <a:latin typeface="等线"/>
+            <a:endParaRPr b="0" lang="en-US" sz="3200" spc="-1" strike="noStrike">
+              <a:latin typeface="Arial"/>
             </a:endParaRPr>
           </a:p>
         </p:txBody>
@@ -951,7 +807,7 @@
             <a:spLocks noGrp="1"/>
           </p:cNvSpPr>
           <p:nvPr>
-            <p:ph type="ftr" idx="2"/>
+            <p:ph type="ftr" idx="1"/>
           </p:nvPr>
         </p:nvSpPr>
         <p:spPr/>
@@ -971,14 +827,14 @@
             <a:spLocks noGrp="1"/>
           </p:cNvSpPr>
           <p:nvPr>
-            <p:ph type="sldNum" idx="3"/>
+            <p:ph type="sldNum" idx="2"/>
           </p:nvPr>
         </p:nvSpPr>
         <p:spPr/>
         <p:txBody>
           <a:bodyPr/>
           <a:p>
-            <a:fld id="{B1B9042C-02D7-4144-893F-CB7D8EABA69B}" type="slidenum">
+            <a:fld id="{CB76B4CD-3509-4304-9956-C777FE648DED}" type="slidenum">
               <a:t>&lt;#&gt;</a:t>
             </a:fld>
           </a:p>
@@ -991,7 +847,7 @@
             <a:spLocks noGrp="1"/>
           </p:cNvSpPr>
           <p:nvPr>
-            <p:ph type="dt" idx="1"/>
+            <p:ph type="dt" idx="3"/>
           </p:nvPr>
         </p:nvSpPr>
         <p:spPr/>
@@ -1040,7 +896,7 @@
         <p:spPr>
           <a:xfrm>
             <a:off x="1523880" y="1122480"/>
-            <a:ext cx="9143640" cy="2387160"/>
+            <a:ext cx="9143280" cy="2386800"/>
           </a:xfrm>
           <a:prstGeom prst="rect">
             <a:avLst/>
@@ -1055,11 +911,11 @@
             <a:noAutofit/>
           </a:bodyPr>
           <a:p>
-            <a:endParaRPr b="0" lang="en-US" sz="1800" spc="-1" strike="noStrike">
-              <a:solidFill>
-                <a:srgbClr val="000000"/>
-              </a:solidFill>
-              <a:latin typeface="等线"/>
+            <a:pPr algn="ctr">
+              <a:buNone/>
+            </a:pPr>
+            <a:endParaRPr b="0" lang="en-US" sz="4400" spc="-1" strike="noStrike">
+              <a:latin typeface="Arial"/>
             </a:endParaRPr>
           </a:p>
         </p:txBody>
@@ -1108,7 +964,7 @@
             <a:spLocks noGrp="1"/>
           </p:cNvSpPr>
           <p:nvPr>
-            <p:ph type="ftr" idx="2"/>
+            <p:ph type="ftr" idx="1"/>
           </p:nvPr>
         </p:nvSpPr>
         <p:spPr/>
@@ -1128,14 +984,14 @@
             <a:spLocks noGrp="1"/>
           </p:cNvSpPr>
           <p:nvPr>
-            <p:ph type="sldNum" idx="3"/>
+            <p:ph type="sldNum" idx="2"/>
           </p:nvPr>
         </p:nvSpPr>
         <p:spPr/>
         <p:txBody>
           <a:bodyPr/>
           <a:p>
-            <a:fld id="{D5C2048E-AC41-49C3-B29C-5B90CC645F5B}" type="slidenum">
+            <a:fld id="{793C61C9-DD66-4556-A6F7-0474D5CF1AE8}" type="slidenum">
               <a:t>&lt;#&gt;</a:t>
             </a:fld>
           </a:p>
@@ -1148,7 +1004,7 @@
             <a:spLocks noGrp="1"/>
           </p:cNvSpPr>
           <p:nvPr>
-            <p:ph type="dt" idx="1"/>
+            <p:ph type="dt" idx="3"/>
           </p:nvPr>
         </p:nvSpPr>
         <p:spPr/>
@@ -1197,7 +1053,7 @@
         <p:spPr>
           <a:xfrm>
             <a:off x="1523880" y="1122480"/>
-            <a:ext cx="9143640" cy="2387160"/>
+            <a:ext cx="9143280" cy="2386800"/>
           </a:xfrm>
           <a:prstGeom prst="rect">
             <a:avLst/>
@@ -1212,11 +1068,11 @@
             <a:noAutofit/>
           </a:bodyPr>
           <a:p>
-            <a:endParaRPr b="0" lang="en-US" sz="1800" spc="-1" strike="noStrike">
-              <a:solidFill>
-                <a:srgbClr val="000000"/>
-              </a:solidFill>
-              <a:latin typeface="等线"/>
+            <a:pPr algn="ctr">
+              <a:buNone/>
+            </a:pPr>
+            <a:endParaRPr b="0" lang="en-US" sz="4400" spc="-1" strike="noStrike">
+              <a:latin typeface="Arial"/>
             </a:endParaRPr>
           </a:p>
         </p:txBody>
@@ -1249,20 +1105,8 @@
             <a:normAutofit/>
           </a:bodyPr>
           <a:p>
-            <a:pPr>
-              <a:lnSpc>
-                <a:spcPct val="90000"/>
-              </a:lnSpc>
-              <a:spcBef>
-                <a:spcPts val="1417"/>
-              </a:spcBef>
-              <a:buNone/>
-            </a:pPr>
-            <a:endParaRPr b="0" lang="en-US" sz="2800" spc="-1" strike="noStrike">
-              <a:solidFill>
-                <a:srgbClr val="000000"/>
-              </a:solidFill>
-              <a:latin typeface="等线"/>
+            <a:endParaRPr b="0" lang="en-US" sz="3200" spc="-1" strike="noStrike">
+              <a:latin typeface="Arial"/>
             </a:endParaRPr>
           </a:p>
         </p:txBody>
@@ -1274,7 +1118,7 @@
             <a:spLocks noGrp="1"/>
           </p:cNvSpPr>
           <p:nvPr>
-            <p:ph type="ftr" idx="2"/>
+            <p:ph type="ftr" idx="1"/>
           </p:nvPr>
         </p:nvSpPr>
         <p:spPr/>
@@ -1294,14 +1138,14 @@
             <a:spLocks noGrp="1"/>
           </p:cNvSpPr>
           <p:nvPr>
-            <p:ph type="sldNum" idx="3"/>
+            <p:ph type="sldNum" idx="2"/>
           </p:nvPr>
         </p:nvSpPr>
         <p:spPr/>
         <p:txBody>
           <a:bodyPr/>
           <a:p>
-            <a:fld id="{D8AA588C-4D38-48DD-A6A6-5043D9F69820}" type="slidenum">
+            <a:fld id="{84A888E8-1D12-4321-9F04-18E6EFA8858D}" type="slidenum">
               <a:t>&lt;#&gt;</a:t>
             </a:fld>
           </a:p>
@@ -1314,7 +1158,7 @@
             <a:spLocks noGrp="1"/>
           </p:cNvSpPr>
           <p:nvPr>
-            <p:ph type="dt" idx="1"/>
+            <p:ph type="dt" idx="3"/>
           </p:nvPr>
         </p:nvSpPr>
         <p:spPr/>
@@ -1363,7 +1207,7 @@
         <p:spPr>
           <a:xfrm>
             <a:off x="1523880" y="1122480"/>
-            <a:ext cx="9143640" cy="2387160"/>
+            <a:ext cx="9143280" cy="2386800"/>
           </a:xfrm>
           <a:prstGeom prst="rect">
             <a:avLst/>
@@ -1378,11 +1222,11 @@
             <a:noAutofit/>
           </a:bodyPr>
           <a:p>
-            <a:endParaRPr b="0" lang="en-US" sz="1800" spc="-1" strike="noStrike">
-              <a:solidFill>
-                <a:srgbClr val="000000"/>
-              </a:solidFill>
-              <a:latin typeface="等线"/>
+            <a:pPr algn="ctr">
+              <a:buNone/>
+            </a:pPr>
+            <a:endParaRPr b="0" lang="en-US" sz="4400" spc="-1" strike="noStrike">
+              <a:latin typeface="Arial"/>
             </a:endParaRPr>
           </a:p>
         </p:txBody>
@@ -1415,20 +1259,8 @@
             <a:normAutofit/>
           </a:bodyPr>
           <a:p>
-            <a:pPr>
-              <a:lnSpc>
-                <a:spcPct val="90000"/>
-              </a:lnSpc>
-              <a:spcBef>
-                <a:spcPts val="1417"/>
-              </a:spcBef>
-              <a:buNone/>
-            </a:pPr>
-            <a:endParaRPr b="0" lang="en-US" sz="2800" spc="-1" strike="noStrike">
-              <a:solidFill>
-                <a:srgbClr val="000000"/>
-              </a:solidFill>
-              <a:latin typeface="等线"/>
+            <a:endParaRPr b="0" lang="en-US" sz="3200" spc="-1" strike="noStrike">
+              <a:latin typeface="Arial"/>
             </a:endParaRPr>
           </a:p>
         </p:txBody>
@@ -1461,20 +1293,8 @@
             <a:normAutofit/>
           </a:bodyPr>
           <a:p>
-            <a:pPr>
-              <a:lnSpc>
-                <a:spcPct val="90000"/>
-              </a:lnSpc>
-              <a:spcBef>
-                <a:spcPts val="1417"/>
-              </a:spcBef>
-              <a:buNone/>
-            </a:pPr>
-            <a:endParaRPr b="0" lang="en-US" sz="2800" spc="-1" strike="noStrike">
-              <a:solidFill>
-                <a:srgbClr val="000000"/>
-              </a:solidFill>
-              <a:latin typeface="等线"/>
+            <a:endParaRPr b="0" lang="en-US" sz="3200" spc="-1" strike="noStrike">
+              <a:latin typeface="Arial"/>
             </a:endParaRPr>
           </a:p>
         </p:txBody>
@@ -1486,7 +1306,7 @@
             <a:spLocks noGrp="1"/>
           </p:cNvSpPr>
           <p:nvPr>
-            <p:ph type="ftr" idx="2"/>
+            <p:ph type="ftr" idx="1"/>
           </p:nvPr>
         </p:nvSpPr>
         <p:spPr/>
@@ -1506,14 +1326,14 @@
             <a:spLocks noGrp="1"/>
           </p:cNvSpPr>
           <p:nvPr>
-            <p:ph type="sldNum" idx="3"/>
+            <p:ph type="sldNum" idx="2"/>
           </p:nvPr>
         </p:nvSpPr>
         <p:spPr/>
         <p:txBody>
           <a:bodyPr/>
           <a:p>
-            <a:fld id="{EDDB0E40-1022-49AA-85C0-D31BF087086E}" type="slidenum">
+            <a:fld id="{DE3DA718-DC3F-4E50-8EC0-E452BB486F89}" type="slidenum">
               <a:t>&lt;#&gt;</a:t>
             </a:fld>
           </a:p>
@@ -1526,7 +1346,7 @@
             <a:spLocks noGrp="1"/>
           </p:cNvSpPr>
           <p:nvPr>
-            <p:ph type="dt" idx="1"/>
+            <p:ph type="dt" idx="3"/>
           </p:nvPr>
         </p:nvSpPr>
         <p:spPr/>
@@ -1575,7 +1395,7 @@
         <p:spPr>
           <a:xfrm>
             <a:off x="1523880" y="1122480"/>
-            <a:ext cx="9143640" cy="2387160"/>
+            <a:ext cx="9143280" cy="2386800"/>
           </a:xfrm>
           <a:prstGeom prst="rect">
             <a:avLst/>
@@ -1590,11 +1410,11 @@
             <a:noAutofit/>
           </a:bodyPr>
           <a:p>
-            <a:endParaRPr b="0" lang="en-US" sz="1800" spc="-1" strike="noStrike">
-              <a:solidFill>
-                <a:srgbClr val="000000"/>
-              </a:solidFill>
-              <a:latin typeface="等线"/>
+            <a:pPr algn="ctr">
+              <a:buNone/>
+            </a:pPr>
+            <a:endParaRPr b="0" lang="en-US" sz="4400" spc="-1" strike="noStrike">
+              <a:latin typeface="Arial"/>
             </a:endParaRPr>
           </a:p>
         </p:txBody>
@@ -1606,7 +1426,7 @@
             <a:spLocks noGrp="1"/>
           </p:cNvSpPr>
           <p:nvPr>
-            <p:ph type="ftr" idx="2"/>
+            <p:ph type="ftr" idx="1"/>
           </p:nvPr>
         </p:nvSpPr>
         <p:spPr/>
@@ -1626,14 +1446,14 @@
             <a:spLocks noGrp="1"/>
           </p:cNvSpPr>
           <p:nvPr>
-            <p:ph type="sldNum" idx="3"/>
+            <p:ph type="sldNum" idx="2"/>
           </p:nvPr>
         </p:nvSpPr>
         <p:spPr/>
         <p:txBody>
           <a:bodyPr/>
           <a:p>
-            <a:fld id="{EC4B7516-CD1B-4B2E-AA13-9364AE228776}" type="slidenum">
+            <a:fld id="{CD133299-A2F2-425D-9123-6D7BCE12F799}" type="slidenum">
               <a:t>&lt;#&gt;</a:t>
             </a:fld>
           </a:p>
@@ -1646,7 +1466,7 @@
             <a:spLocks noGrp="1"/>
           </p:cNvSpPr>
           <p:nvPr>
-            <p:ph type="dt" idx="1"/>
+            <p:ph type="dt" idx="3"/>
           </p:nvPr>
         </p:nvSpPr>
         <p:spPr/>
@@ -1695,7 +1515,7 @@
         <p:spPr>
           <a:xfrm>
             <a:off x="1523880" y="1122480"/>
-            <a:ext cx="9143640" cy="11066760"/>
+            <a:ext cx="9143280" cy="11064960"/>
           </a:xfrm>
           <a:prstGeom prst="rect">
             <a:avLst/>
@@ -1726,7 +1546,7 @@
             <a:spLocks noGrp="1"/>
           </p:cNvSpPr>
           <p:nvPr>
-            <p:ph type="ftr" idx="2"/>
+            <p:ph type="ftr" idx="1"/>
           </p:nvPr>
         </p:nvSpPr>
         <p:spPr/>
@@ -1746,14 +1566,14 @@
             <a:spLocks noGrp="1"/>
           </p:cNvSpPr>
           <p:nvPr>
-            <p:ph type="sldNum" idx="3"/>
+            <p:ph type="sldNum" idx="2"/>
           </p:nvPr>
         </p:nvSpPr>
         <p:spPr/>
         <p:txBody>
           <a:bodyPr/>
           <a:p>
-            <a:fld id="{6BA40905-F4EF-4FCE-8AEF-125AACAADD95}" type="slidenum">
+            <a:fld id="{60D72FEE-3070-4BBE-BBDD-02C77A9981E5}" type="slidenum">
               <a:t>&lt;#&gt;</a:t>
             </a:fld>
           </a:p>
@@ -1766,7 +1586,7 @@
             <a:spLocks noGrp="1"/>
           </p:cNvSpPr>
           <p:nvPr>
-            <p:ph type="dt" idx="1"/>
+            <p:ph type="dt" idx="3"/>
           </p:nvPr>
         </p:nvSpPr>
         <p:spPr/>
@@ -1815,7 +1635,7 @@
         <p:spPr>
           <a:xfrm>
             <a:off x="1523880" y="1122480"/>
-            <a:ext cx="9143640" cy="2387160"/>
+            <a:ext cx="9143280" cy="2386800"/>
           </a:xfrm>
           <a:prstGeom prst="rect">
             <a:avLst/>
@@ -1830,11 +1650,11 @@
             <a:noAutofit/>
           </a:bodyPr>
           <a:p>
-            <a:endParaRPr b="0" lang="en-US" sz="1800" spc="-1" strike="noStrike">
-              <a:solidFill>
-                <a:srgbClr val="000000"/>
-              </a:solidFill>
-              <a:latin typeface="等线"/>
+            <a:pPr algn="ctr">
+              <a:buNone/>
+            </a:pPr>
+            <a:endParaRPr b="0" lang="en-US" sz="4400" spc="-1" strike="noStrike">
+              <a:latin typeface="Arial"/>
             </a:endParaRPr>
           </a:p>
         </p:txBody>
@@ -1867,20 +1687,8 @@
             <a:normAutofit/>
           </a:bodyPr>
           <a:p>
-            <a:pPr>
-              <a:lnSpc>
-                <a:spcPct val="90000"/>
-              </a:lnSpc>
-              <a:spcBef>
-                <a:spcPts val="1417"/>
-              </a:spcBef>
-              <a:buNone/>
-            </a:pPr>
-            <a:endParaRPr b="0" lang="en-US" sz="2800" spc="-1" strike="noStrike">
-              <a:solidFill>
-                <a:srgbClr val="000000"/>
-              </a:solidFill>
-              <a:latin typeface="等线"/>
+            <a:endParaRPr b="0" lang="en-US" sz="3200" spc="-1" strike="noStrike">
+              <a:latin typeface="Arial"/>
             </a:endParaRPr>
           </a:p>
         </p:txBody>
@@ -1913,20 +1721,8 @@
             <a:normAutofit/>
           </a:bodyPr>
           <a:p>
-            <a:pPr>
-              <a:lnSpc>
-                <a:spcPct val="90000"/>
-              </a:lnSpc>
-              <a:spcBef>
-                <a:spcPts val="1417"/>
-              </a:spcBef>
-              <a:buNone/>
-            </a:pPr>
-            <a:endParaRPr b="0" lang="en-US" sz="2800" spc="-1" strike="noStrike">
-              <a:solidFill>
-                <a:srgbClr val="000000"/>
-              </a:solidFill>
-              <a:latin typeface="等线"/>
+            <a:endParaRPr b="0" lang="en-US" sz="3200" spc="-1" strike="noStrike">
+              <a:latin typeface="Arial"/>
             </a:endParaRPr>
           </a:p>
         </p:txBody>
@@ -1959,20 +1755,8 @@
             <a:normAutofit/>
           </a:bodyPr>
           <a:p>
-            <a:pPr>
-              <a:lnSpc>
-                <a:spcPct val="90000"/>
-              </a:lnSpc>
-              <a:spcBef>
-                <a:spcPts val="1417"/>
-              </a:spcBef>
-              <a:buNone/>
-            </a:pPr>
-            <a:endParaRPr b="0" lang="en-US" sz="2800" spc="-1" strike="noStrike">
-              <a:solidFill>
-                <a:srgbClr val="000000"/>
-              </a:solidFill>
-              <a:latin typeface="等线"/>
+            <a:endParaRPr b="0" lang="en-US" sz="3200" spc="-1" strike="noStrike">
+              <a:latin typeface="Arial"/>
             </a:endParaRPr>
           </a:p>
         </p:txBody>
@@ -1984,7 +1768,7 @@
             <a:spLocks noGrp="1"/>
           </p:cNvSpPr>
           <p:nvPr>
-            <p:ph type="ftr" idx="2"/>
+            <p:ph type="ftr" idx="1"/>
           </p:nvPr>
         </p:nvSpPr>
         <p:spPr/>
@@ -2004,14 +1788,14 @@
             <a:spLocks noGrp="1"/>
           </p:cNvSpPr>
           <p:nvPr>
-            <p:ph type="sldNum" idx="3"/>
+            <p:ph type="sldNum" idx="2"/>
           </p:nvPr>
         </p:nvSpPr>
         <p:spPr/>
         <p:txBody>
           <a:bodyPr/>
           <a:p>
-            <a:fld id="{5FB48F37-22F2-49F7-86AD-B7AE401E33F3}" type="slidenum">
+            <a:fld id="{133F52FE-009D-4A2F-B001-BB664CEF6257}" type="slidenum">
               <a:t>&lt;#&gt;</a:t>
             </a:fld>
           </a:p>
@@ -2024,7 +1808,7 @@
             <a:spLocks noGrp="1"/>
           </p:cNvSpPr>
           <p:nvPr>
-            <p:ph type="dt" idx="1"/>
+            <p:ph type="dt" idx="3"/>
           </p:nvPr>
         </p:nvSpPr>
         <p:spPr/>
@@ -2073,7 +1857,7 @@
         <p:spPr>
           <a:xfrm>
             <a:off x="1523880" y="1122480"/>
-            <a:ext cx="9143640" cy="2387160"/>
+            <a:ext cx="9143280" cy="2386800"/>
           </a:xfrm>
           <a:prstGeom prst="rect">
             <a:avLst/>
@@ -2088,11 +1872,11 @@
             <a:noAutofit/>
           </a:bodyPr>
           <a:p>
-            <a:endParaRPr b="0" lang="en-US" sz="1800" spc="-1" strike="noStrike">
-              <a:solidFill>
-                <a:srgbClr val="000000"/>
-              </a:solidFill>
-              <a:latin typeface="等线"/>
+            <a:pPr algn="ctr">
+              <a:buNone/>
+            </a:pPr>
+            <a:endParaRPr b="0" lang="en-US" sz="4400" spc="-1" strike="noStrike">
+              <a:latin typeface="Arial"/>
             </a:endParaRPr>
           </a:p>
         </p:txBody>
@@ -2125,20 +1909,8 @@
             <a:normAutofit/>
           </a:bodyPr>
           <a:p>
-            <a:pPr>
-              <a:lnSpc>
-                <a:spcPct val="90000"/>
-              </a:lnSpc>
-              <a:spcBef>
-                <a:spcPts val="1417"/>
-              </a:spcBef>
-              <a:buNone/>
-            </a:pPr>
-            <a:endParaRPr b="0" lang="en-US" sz="2800" spc="-1" strike="noStrike">
-              <a:solidFill>
-                <a:srgbClr val="000000"/>
-              </a:solidFill>
-              <a:latin typeface="等线"/>
+            <a:endParaRPr b="0" lang="en-US" sz="3200" spc="-1" strike="noStrike">
+              <a:latin typeface="Arial"/>
             </a:endParaRPr>
           </a:p>
         </p:txBody>
@@ -2171,20 +1943,8 @@
             <a:normAutofit/>
           </a:bodyPr>
           <a:p>
-            <a:pPr>
-              <a:lnSpc>
-                <a:spcPct val="90000"/>
-              </a:lnSpc>
-              <a:spcBef>
-                <a:spcPts val="1417"/>
-              </a:spcBef>
-              <a:buNone/>
-            </a:pPr>
-            <a:endParaRPr b="0" lang="en-US" sz="2800" spc="-1" strike="noStrike">
-              <a:solidFill>
-                <a:srgbClr val="000000"/>
-              </a:solidFill>
-              <a:latin typeface="等线"/>
+            <a:endParaRPr b="0" lang="en-US" sz="3200" spc="-1" strike="noStrike">
+              <a:latin typeface="Arial"/>
             </a:endParaRPr>
           </a:p>
         </p:txBody>
@@ -2217,20 +1977,8 @@
             <a:normAutofit/>
           </a:bodyPr>
           <a:p>
-            <a:pPr>
-              <a:lnSpc>
-                <a:spcPct val="90000"/>
-              </a:lnSpc>
-              <a:spcBef>
-                <a:spcPts val="1417"/>
-              </a:spcBef>
-              <a:buNone/>
-            </a:pPr>
-            <a:endParaRPr b="0" lang="en-US" sz="2800" spc="-1" strike="noStrike">
-              <a:solidFill>
-                <a:srgbClr val="000000"/>
-              </a:solidFill>
-              <a:latin typeface="等线"/>
+            <a:endParaRPr b="0" lang="en-US" sz="3200" spc="-1" strike="noStrike">
+              <a:latin typeface="Arial"/>
             </a:endParaRPr>
           </a:p>
         </p:txBody>
@@ -2242,7 +1990,7 @@
             <a:spLocks noGrp="1"/>
           </p:cNvSpPr>
           <p:nvPr>
-            <p:ph type="ftr" idx="2"/>
+            <p:ph type="ftr" idx="1"/>
           </p:nvPr>
         </p:nvSpPr>
         <p:spPr/>
@@ -2262,14 +2010,14 @@
             <a:spLocks noGrp="1"/>
           </p:cNvSpPr>
           <p:nvPr>
-            <p:ph type="sldNum" idx="3"/>
+            <p:ph type="sldNum" idx="2"/>
           </p:nvPr>
         </p:nvSpPr>
         <p:spPr/>
         <p:txBody>
           <a:bodyPr/>
           <a:p>
-            <a:fld id="{8389900C-6407-4BAA-A1B0-E4AAF2FB18A3}" type="slidenum">
+            <a:fld id="{288D2496-A293-403B-92E6-D091E0A304AF}" type="slidenum">
               <a:t>&lt;#&gt;</a:t>
             </a:fld>
           </a:p>
@@ -2282,7 +2030,7 @@
             <a:spLocks noGrp="1"/>
           </p:cNvSpPr>
           <p:nvPr>
-            <p:ph type="dt" idx="1"/>
+            <p:ph type="dt" idx="3"/>
           </p:nvPr>
         </p:nvSpPr>
         <p:spPr/>
@@ -2331,7 +2079,7 @@
         <p:spPr>
           <a:xfrm>
             <a:off x="1523880" y="1122480"/>
-            <a:ext cx="9143640" cy="2387160"/>
+            <a:ext cx="9143280" cy="2386800"/>
           </a:xfrm>
           <a:prstGeom prst="rect">
             <a:avLst/>
@@ -2346,11 +2094,11 @@
             <a:noAutofit/>
           </a:bodyPr>
           <a:p>
-            <a:endParaRPr b="0" lang="en-US" sz="1800" spc="-1" strike="noStrike">
-              <a:solidFill>
-                <a:srgbClr val="000000"/>
-              </a:solidFill>
-              <a:latin typeface="等线"/>
+            <a:pPr algn="ctr">
+              <a:buNone/>
+            </a:pPr>
+            <a:endParaRPr b="0" lang="en-US" sz="4400" spc="-1" strike="noStrike">
+              <a:latin typeface="Arial"/>
             </a:endParaRPr>
           </a:p>
         </p:txBody>
@@ -2383,20 +2131,8 @@
             <a:normAutofit/>
           </a:bodyPr>
           <a:p>
-            <a:pPr>
-              <a:lnSpc>
-                <a:spcPct val="90000"/>
-              </a:lnSpc>
-              <a:spcBef>
-                <a:spcPts val="1417"/>
-              </a:spcBef>
-              <a:buNone/>
-            </a:pPr>
-            <a:endParaRPr b="0" lang="en-US" sz="2800" spc="-1" strike="noStrike">
-              <a:solidFill>
-                <a:srgbClr val="000000"/>
-              </a:solidFill>
-              <a:latin typeface="等线"/>
+            <a:endParaRPr b="0" lang="en-US" sz="3200" spc="-1" strike="noStrike">
+              <a:latin typeface="Arial"/>
             </a:endParaRPr>
           </a:p>
         </p:txBody>
@@ -2429,20 +2165,8 @@
             <a:normAutofit/>
           </a:bodyPr>
           <a:p>
-            <a:pPr>
-              <a:lnSpc>
-                <a:spcPct val="90000"/>
-              </a:lnSpc>
-              <a:spcBef>
-                <a:spcPts val="1417"/>
-              </a:spcBef>
-              <a:buNone/>
-            </a:pPr>
-            <a:endParaRPr b="0" lang="en-US" sz="2800" spc="-1" strike="noStrike">
-              <a:solidFill>
-                <a:srgbClr val="000000"/>
-              </a:solidFill>
-              <a:latin typeface="等线"/>
+            <a:endParaRPr b="0" lang="en-US" sz="3200" spc="-1" strike="noStrike">
+              <a:latin typeface="Arial"/>
             </a:endParaRPr>
           </a:p>
         </p:txBody>
@@ -2475,20 +2199,8 @@
             <a:normAutofit/>
           </a:bodyPr>
           <a:p>
-            <a:pPr>
-              <a:lnSpc>
-                <a:spcPct val="90000"/>
-              </a:lnSpc>
-              <a:spcBef>
-                <a:spcPts val="1417"/>
-              </a:spcBef>
-              <a:buNone/>
-            </a:pPr>
-            <a:endParaRPr b="0" lang="en-US" sz="2800" spc="-1" strike="noStrike">
-              <a:solidFill>
-                <a:srgbClr val="000000"/>
-              </a:solidFill>
-              <a:latin typeface="等线"/>
+            <a:endParaRPr b="0" lang="en-US" sz="3200" spc="-1" strike="noStrike">
+              <a:latin typeface="Arial"/>
             </a:endParaRPr>
           </a:p>
         </p:txBody>
@@ -2500,7 +2212,7 @@
             <a:spLocks noGrp="1"/>
           </p:cNvSpPr>
           <p:nvPr>
-            <p:ph type="ftr" idx="2"/>
+            <p:ph type="ftr" idx="1"/>
           </p:nvPr>
         </p:nvSpPr>
         <p:spPr/>
@@ -2520,14 +2232,14 @@
             <a:spLocks noGrp="1"/>
           </p:cNvSpPr>
           <p:nvPr>
-            <p:ph type="sldNum" idx="3"/>
+            <p:ph type="sldNum" idx="2"/>
           </p:nvPr>
         </p:nvSpPr>
         <p:spPr/>
         <p:txBody>
           <a:bodyPr/>
           <a:p>
-            <a:fld id="{AFC71001-26A3-4FEB-B4C3-F63F213DF2F0}" type="slidenum">
+            <a:fld id="{7FFE1B09-2962-4297-8650-AC687FF6A98C}" type="slidenum">
               <a:t>&lt;#&gt;</a:t>
             </a:fld>
           </a:p>
@@ -2540,7 +2252,7 @@
             <a:spLocks noGrp="1"/>
           </p:cNvSpPr>
           <p:nvPr>
-            <p:ph type="dt" idx="1"/>
+            <p:ph type="dt" idx="3"/>
           </p:nvPr>
         </p:nvSpPr>
         <p:spPr/>
@@ -2596,320 +2308,233 @@
         <p:spPr>
           <a:xfrm>
             <a:off x="1523880" y="1122480"/>
-            <a:ext cx="9143640" cy="2387160"/>
-          </a:xfrm>
-          <a:prstGeom prst="rect">
-            <a:avLst/>
-          </a:prstGeom>
-          <a:noFill/>
-          <a:ln w="0">
-            <a:noFill/>
-          </a:ln>
-        </p:spPr>
-        <p:txBody>
-          <a:bodyPr anchor="b">
+            <a:ext cx="9143280" cy="2386800"/>
+          </a:xfrm>
+          <a:prstGeom prst="rect">
+            <a:avLst/>
+          </a:prstGeom>
+          <a:noFill/>
+          <a:ln w="0">
+            <a:noFill/>
+          </a:ln>
+        </p:spPr>
+        <p:txBody>
+          <a:bodyPr lIns="0" rIns="0" tIns="0" bIns="0" anchor="ctr">
             <a:noAutofit/>
           </a:bodyPr>
           <a:p>
-            <a:pPr algn="ctr">
-              <a:lnSpc>
-                <a:spcPct val="90000"/>
-              </a:lnSpc>
-              <a:buNone/>
-            </a:pPr>
-            <a:r>
-              <a:rPr b="0" lang="en-US" sz="6000" spc="-1" strike="noStrike">
-                <a:solidFill>
-                  <a:srgbClr val="000000"/>
-                </a:solidFill>
-                <a:latin typeface="等线 Light"/>
+            <a:r>
+              <a:rPr b="0" lang="en-US" sz="1800" spc="-1" strike="noStrike">
+                <a:latin typeface="Arial"/>
               </a:rPr>
               <a:t>C</a:t>
             </a:r>
             <a:r>
-              <a:rPr b="0" lang="en-US" sz="6000" spc="-1" strike="noStrike">
-                <a:solidFill>
-                  <a:srgbClr val="000000"/>
-                </a:solidFill>
-                <a:latin typeface="等线 Light"/>
+              <a:rPr b="0" lang="en-US" sz="1800" spc="-1" strike="noStrike">
+                <a:latin typeface="Arial"/>
               </a:rPr>
               <a:t>l</a:t>
             </a:r>
             <a:r>
-              <a:rPr b="0" lang="en-US" sz="6000" spc="-1" strike="noStrike">
-                <a:solidFill>
-                  <a:srgbClr val="000000"/>
-                </a:solidFill>
-                <a:latin typeface="等线 Light"/>
+              <a:rPr b="0" lang="en-US" sz="1800" spc="-1" strike="noStrike">
+                <a:latin typeface="Arial"/>
               </a:rPr>
               <a:t>i</a:t>
             </a:r>
             <a:r>
-              <a:rPr b="0" lang="en-US" sz="6000" spc="-1" strike="noStrike">
-                <a:solidFill>
-                  <a:srgbClr val="000000"/>
-                </a:solidFill>
-                <a:latin typeface="等线 Light"/>
+              <a:rPr b="0" lang="en-US" sz="1800" spc="-1" strike="noStrike">
+                <a:latin typeface="Arial"/>
               </a:rPr>
               <a:t>c</a:t>
             </a:r>
             <a:r>
-              <a:rPr b="0" lang="en-US" sz="6000" spc="-1" strike="noStrike">
-                <a:solidFill>
-                  <a:srgbClr val="000000"/>
-                </a:solidFill>
-                <a:latin typeface="等线 Light"/>
+              <a:rPr b="0" lang="en-US" sz="1800" spc="-1" strike="noStrike">
+                <a:latin typeface="Arial"/>
               </a:rPr>
               <a:t>k</a:t>
             </a:r>
             <a:r>
-              <a:rPr b="0" lang="en-US" sz="6000" spc="-1" strike="noStrike">
-                <a:solidFill>
-                  <a:srgbClr val="000000"/>
-                </a:solidFill>
-                <a:latin typeface="等线 Light"/>
+              <a:rPr b="0" lang="en-US" sz="1800" spc="-1" strike="noStrike">
+                <a:latin typeface="Arial"/>
               </a:rPr>
               <a:t> </a:t>
             </a:r>
             <a:r>
-              <a:rPr b="0" lang="en-US" sz="6000" spc="-1" strike="noStrike">
-                <a:solidFill>
-                  <a:srgbClr val="000000"/>
-                </a:solidFill>
-                <a:latin typeface="等线 Light"/>
+              <a:rPr b="0" lang="en-US" sz="1800" spc="-1" strike="noStrike">
+                <a:latin typeface="Arial"/>
               </a:rPr>
               <a:t>t</a:t>
             </a:r>
             <a:r>
-              <a:rPr b="0" lang="en-US" sz="6000" spc="-1" strike="noStrike">
-                <a:solidFill>
-                  <a:srgbClr val="000000"/>
-                </a:solidFill>
-                <a:latin typeface="等线 Light"/>
+              <a:rPr b="0" lang="en-US" sz="1800" spc="-1" strike="noStrike">
+                <a:latin typeface="Arial"/>
               </a:rPr>
               <a:t>o</a:t>
             </a:r>
             <a:r>
-              <a:rPr b="0" lang="en-US" sz="6000" spc="-1" strike="noStrike">
-                <a:solidFill>
-                  <a:srgbClr val="000000"/>
-                </a:solidFill>
-                <a:latin typeface="等线 Light"/>
+              <a:rPr b="0" lang="en-US" sz="1800" spc="-1" strike="noStrike">
+                <a:latin typeface="Arial"/>
               </a:rPr>
               <a:t> </a:t>
             </a:r>
             <a:r>
-              <a:rPr b="0" lang="en-US" sz="6000" spc="-1" strike="noStrike">
-                <a:solidFill>
-                  <a:srgbClr val="000000"/>
-                </a:solidFill>
-                <a:latin typeface="等线 Light"/>
+              <a:rPr b="0" lang="en-US" sz="1800" spc="-1" strike="noStrike">
+                <a:latin typeface="Arial"/>
               </a:rPr>
               <a:t>e</a:t>
             </a:r>
             <a:r>
-              <a:rPr b="0" lang="en-US" sz="6000" spc="-1" strike="noStrike">
-                <a:solidFill>
-                  <a:srgbClr val="000000"/>
-                </a:solidFill>
-                <a:latin typeface="等线 Light"/>
+              <a:rPr b="0" lang="en-US" sz="1800" spc="-1" strike="noStrike">
+                <a:latin typeface="Arial"/>
               </a:rPr>
               <a:t>d</a:t>
             </a:r>
             <a:r>
-              <a:rPr b="0" lang="en-US" sz="6000" spc="-1" strike="noStrike">
-                <a:solidFill>
-                  <a:srgbClr val="000000"/>
-                </a:solidFill>
-                <a:latin typeface="等线 Light"/>
+              <a:rPr b="0" lang="en-US" sz="1800" spc="-1" strike="noStrike">
+                <a:latin typeface="Arial"/>
               </a:rPr>
               <a:t>i</a:t>
             </a:r>
             <a:r>
-              <a:rPr b="0" lang="en-US" sz="6000" spc="-1" strike="noStrike">
-                <a:solidFill>
-                  <a:srgbClr val="000000"/>
-                </a:solidFill>
-                <a:latin typeface="等线 Light"/>
+              <a:rPr b="0" lang="en-US" sz="1800" spc="-1" strike="noStrike">
+                <a:latin typeface="Arial"/>
               </a:rPr>
               <a:t>t</a:t>
             </a:r>
             <a:r>
-              <a:rPr b="0" lang="en-US" sz="6000" spc="-1" strike="noStrike">
-                <a:solidFill>
-                  <a:srgbClr val="000000"/>
-                </a:solidFill>
-                <a:latin typeface="等线 Light"/>
+              <a:rPr b="0" lang="en-US" sz="1800" spc="-1" strike="noStrike">
+                <a:latin typeface="Arial"/>
               </a:rPr>
               <a:t> </a:t>
             </a:r>
             <a:r>
-              <a:rPr b="0" lang="en-US" sz="6000" spc="-1" strike="noStrike">
-                <a:solidFill>
-                  <a:srgbClr val="000000"/>
-                </a:solidFill>
-                <a:latin typeface="等线 Light"/>
-              </a:rPr>
-              <a:t>M</a:t>
-            </a:r>
-            <a:r>
-              <a:rPr b="0" lang="en-US" sz="6000" spc="-1" strike="noStrike">
-                <a:solidFill>
-                  <a:srgbClr val="000000"/>
-                </a:solidFill>
-                <a:latin typeface="等线 Light"/>
+              <a:rPr b="0" lang="en-US" sz="1800" spc="-1" strike="noStrike">
+                <a:latin typeface="Arial"/>
+              </a:rPr>
+              <a:t>t</a:t>
+            </a:r>
+            <a:r>
+              <a:rPr b="0" lang="en-US" sz="1800" spc="-1" strike="noStrike">
+                <a:latin typeface="Arial"/>
+              </a:rPr>
+              <a:t>h</a:t>
+            </a:r>
+            <a:r>
+              <a:rPr b="0" lang="en-US" sz="1800" spc="-1" strike="noStrike">
+                <a:latin typeface="Arial"/>
+              </a:rPr>
+              <a:t>e</a:t>
+            </a:r>
+            <a:r>
+              <a:rPr b="0" lang="en-US" sz="1800" spc="-1" strike="noStrike">
+                <a:latin typeface="Arial"/>
+              </a:rPr>
+              <a:t> </a:t>
+            </a:r>
+            <a:r>
+              <a:rPr b="0" lang="en-US" sz="1800" spc="-1" strike="noStrike">
+                <a:latin typeface="Arial"/>
+              </a:rPr>
+              <a:t>t</a:t>
+            </a:r>
+            <a:r>
+              <a:rPr b="0" lang="en-US" sz="1800" spc="-1" strike="noStrike">
+                <a:latin typeface="Arial"/>
+              </a:rPr>
+              <a:t>i</a:t>
+            </a:r>
+            <a:r>
+              <a:rPr b="0" lang="en-US" sz="1800" spc="-1" strike="noStrike">
+                <a:latin typeface="Arial"/>
+              </a:rPr>
+              <a:t>t</a:t>
+            </a:r>
+            <a:r>
+              <a:rPr b="0" lang="en-US" sz="1800" spc="-1" strike="noStrike">
+                <a:latin typeface="Arial"/>
+              </a:rPr>
+              <a:t>l</a:t>
+            </a:r>
+            <a:r>
+              <a:rPr b="0" lang="en-US" sz="1800" spc="-1" strike="noStrike">
+                <a:latin typeface="Arial"/>
+              </a:rPr>
+              <a:t>e</a:t>
+            </a:r>
+            <a:r>
+              <a:rPr b="0" lang="en-US" sz="1800" spc="-1" strike="noStrike">
+                <a:latin typeface="Arial"/>
+              </a:rPr>
+              <a:t> </a:t>
+            </a:r>
+            <a:r>
+              <a:rPr b="0" lang="en-US" sz="1800" spc="-1" strike="noStrike">
+                <a:latin typeface="Arial"/>
+              </a:rPr>
+              <a:t>t</a:t>
+            </a:r>
+            <a:r>
+              <a:rPr b="0" lang="en-US" sz="1800" spc="-1" strike="noStrike">
+                <a:latin typeface="Arial"/>
+              </a:rPr>
+              <a:t>e</a:t>
+            </a:r>
+            <a:r>
+              <a:rPr b="0" lang="en-US" sz="1800" spc="-1" strike="noStrike">
+                <a:latin typeface="Arial"/>
+              </a:rPr>
+              <a:t>x</a:t>
+            </a:r>
+            <a:r>
+              <a:rPr b="0" lang="en-US" sz="1800" spc="-1" strike="noStrike">
+                <a:latin typeface="Arial"/>
+              </a:rPr>
+              <a:t>t</a:t>
+            </a:r>
+            <a:r>
+              <a:rPr b="0" lang="en-US" sz="1800" spc="-1" strike="noStrike">
+                <a:latin typeface="Arial"/>
+              </a:rPr>
+              <a:t> </a:t>
+            </a:r>
+            <a:r>
+              <a:rPr b="0" lang="en-US" sz="1800" spc="-1" strike="noStrike">
+                <a:latin typeface="Arial"/>
+              </a:rPr>
+              <a:t>f</a:t>
+            </a:r>
+            <a:r>
+              <a:rPr b="0" lang="en-US" sz="1800" spc="-1" strike="noStrike">
+                <a:latin typeface="Arial"/>
+              </a:rPr>
+              <a:t>o</a:t>
+            </a:r>
+            <a:r>
+              <a:rPr b="0" lang="en-US" sz="1800" spc="-1" strike="noStrike">
+                <a:latin typeface="Arial"/>
+              </a:rPr>
+              <a:t>r</a:t>
+            </a:r>
+            <a:r>
+              <a:rPr b="0" lang="en-US" sz="1800" spc="-1" strike="noStrike">
+                <a:latin typeface="Arial"/>
+              </a:rPr>
+              <a:t>m</a:t>
+            </a:r>
+            <a:r>
+              <a:rPr b="0" lang="en-US" sz="1800" spc="-1" strike="noStrike">
+                <a:latin typeface="Arial"/>
               </a:rPr>
               <a:t>a</a:t>
             </a:r>
             <a:r>
-              <a:rPr b="0" lang="en-US" sz="6000" spc="-1" strike="noStrike">
-                <a:solidFill>
-                  <a:srgbClr val="000000"/>
-                </a:solidFill>
-                <a:latin typeface="等线 Light"/>
-              </a:rPr>
-              <a:t>s</a:t>
-            </a:r>
-            <a:r>
-              <a:rPr b="0" lang="en-US" sz="6000" spc="-1" strike="noStrike">
-                <a:solidFill>
-                  <a:srgbClr val="000000"/>
-                </a:solidFill>
-                <a:latin typeface="等线 Light"/>
+              <a:rPr b="0" lang="en-US" sz="1800" spc="-1" strike="noStrike">
+                <a:latin typeface="Arial"/>
               </a:rPr>
               <a:t>t</a:t>
             </a:r>
-            <a:r>
-              <a:rPr b="0" lang="en-US" sz="6000" spc="-1" strike="noStrike">
-                <a:solidFill>
-                  <a:srgbClr val="000000"/>
-                </a:solidFill>
-                <a:latin typeface="等线 Light"/>
-              </a:rPr>
-              <a:t>e</a:t>
-            </a:r>
-            <a:r>
-              <a:rPr b="0" lang="en-US" sz="6000" spc="-1" strike="noStrike">
-                <a:solidFill>
-                  <a:srgbClr val="000000"/>
-                </a:solidFill>
-                <a:latin typeface="等线 Light"/>
-              </a:rPr>
-              <a:t>r</a:t>
-            </a:r>
-            <a:r>
-              <a:rPr b="0" lang="en-US" sz="6000" spc="-1" strike="noStrike">
-                <a:solidFill>
-                  <a:srgbClr val="000000"/>
-                </a:solidFill>
-                <a:latin typeface="等线 Light"/>
-              </a:rPr>
-              <a:t> </a:t>
-            </a:r>
-            <a:r>
-              <a:rPr b="0" lang="en-US" sz="6000" spc="-1" strike="noStrike">
-                <a:solidFill>
-                  <a:srgbClr val="000000"/>
-                </a:solidFill>
-                <a:latin typeface="等线 Light"/>
-              </a:rPr>
-              <a:t>t</a:t>
-            </a:r>
-            <a:r>
-              <a:rPr b="0" lang="en-US" sz="6000" spc="-1" strike="noStrike">
-                <a:solidFill>
-                  <a:srgbClr val="000000"/>
-                </a:solidFill>
-                <a:latin typeface="等线 Light"/>
-              </a:rPr>
-              <a:t>i</a:t>
-            </a:r>
-            <a:r>
-              <a:rPr b="0" lang="en-US" sz="6000" spc="-1" strike="noStrike">
-                <a:solidFill>
-                  <a:srgbClr val="000000"/>
-                </a:solidFill>
-                <a:latin typeface="等线 Light"/>
-              </a:rPr>
-              <a:t>t</a:t>
-            </a:r>
-            <a:r>
-              <a:rPr b="0" lang="en-US" sz="6000" spc="-1" strike="noStrike">
-                <a:solidFill>
-                  <a:srgbClr val="000000"/>
-                </a:solidFill>
-                <a:latin typeface="等线 Light"/>
-              </a:rPr>
-              <a:t>l</a:t>
-            </a:r>
-            <a:r>
-              <a:rPr b="0" lang="en-US" sz="6000" spc="-1" strike="noStrike">
-                <a:solidFill>
-                  <a:srgbClr val="000000"/>
-                </a:solidFill>
-                <a:latin typeface="等线 Light"/>
-              </a:rPr>
-              <a:t>e</a:t>
-            </a:r>
-            <a:r>
-              <a:rPr b="0" lang="en-US" sz="6000" spc="-1" strike="noStrike">
-                <a:solidFill>
-                  <a:srgbClr val="000000"/>
-                </a:solidFill>
-                <a:latin typeface="等线 Light"/>
-              </a:rPr>
-              <a:t> </a:t>
-            </a:r>
-            <a:r>
-              <a:rPr b="0" lang="en-US" sz="6000" spc="-1" strike="noStrike">
-                <a:solidFill>
-                  <a:srgbClr val="000000"/>
-                </a:solidFill>
-                <a:latin typeface="等线 Light"/>
-              </a:rPr>
-              <a:t>s</a:t>
-            </a:r>
-            <a:r>
-              <a:rPr b="0" lang="en-US" sz="6000" spc="-1" strike="noStrike">
-                <a:solidFill>
-                  <a:srgbClr val="000000"/>
-                </a:solidFill>
-                <a:latin typeface="等线 Light"/>
-              </a:rPr>
-              <a:t>t</a:t>
-            </a:r>
-            <a:r>
-              <a:rPr b="0" lang="en-US" sz="6000" spc="-1" strike="noStrike">
-                <a:solidFill>
-                  <a:srgbClr val="000000"/>
-                </a:solidFill>
-                <a:latin typeface="等线 Light"/>
-              </a:rPr>
-              <a:t>y</a:t>
-            </a:r>
-            <a:r>
-              <a:rPr b="0" lang="en-US" sz="6000" spc="-1" strike="noStrike">
-                <a:solidFill>
-                  <a:srgbClr val="000000"/>
-                </a:solidFill>
-                <a:latin typeface="等线 Light"/>
-              </a:rPr>
-              <a:t>l</a:t>
-            </a:r>
-            <a:r>
-              <a:rPr b="0" lang="en-US" sz="6000" spc="-1" strike="noStrike">
-                <a:solidFill>
-                  <a:srgbClr val="000000"/>
-                </a:solidFill>
-                <a:latin typeface="等线 Light"/>
-              </a:rPr>
-              <a:t>e</a:t>
-            </a:r>
-            <a:endParaRPr b="0" lang="en-US" sz="6000" spc="-1" strike="noStrike">
-              <a:solidFill>
-                <a:srgbClr val="000000"/>
-              </a:solidFill>
-              <a:latin typeface="等线"/>
+            <a:endParaRPr b="0" lang="en-US" sz="1800" spc="-1" strike="noStrike">
+              <a:latin typeface="Arial"/>
             </a:endParaRPr>
           </a:p>
         </p:txBody>
@@ -2921,28 +2546,85 @@
             <a:spLocks noGrp="1"/>
           </p:cNvSpPr>
           <p:nvPr>
-            <p:ph type="dt" idx="1"/>
+            <p:ph type="ftr" idx="1"/>
           </p:nvPr>
         </p:nvSpPr>
         <p:spPr>
           <a:xfrm>
-            <a:off x="838080" y="6356520"/>
-            <a:ext cx="2742840" cy="364680"/>
-          </a:xfrm>
-          <a:prstGeom prst="rect">
-            <a:avLst/>
-          </a:prstGeom>
-          <a:noFill/>
-          <a:ln w="0">
-            <a:noFill/>
-          </a:ln>
-        </p:spPr>
-        <p:txBody>
-          <a:bodyPr anchor="ctr">
+            <a:off x="4038480" y="6356520"/>
+            <a:ext cx="4114080" cy="364320"/>
+          </a:xfrm>
+          <a:prstGeom prst="rect">
+            <a:avLst/>
+          </a:prstGeom>
+          <a:noFill/>
+          <a:ln w="0">
+            <a:noFill/>
+          </a:ln>
+        </p:spPr>
+        <p:txBody>
+          <a:bodyPr lIns="90000" rIns="90000" tIns="45000" bIns="45000" anchor="ctr">
             <a:noAutofit/>
           </a:bodyPr>
           <a:lstStyle>
-            <a:lvl1pPr>
+            <a:lvl1pPr algn="ctr">
+              <a:lnSpc>
+                <a:spcPct val="100000"/>
+              </a:lnSpc>
+              <a:buNone/>
+              <a:defRPr b="0" lang="en-US" sz="1400" spc="-1" strike="noStrike">
+                <a:latin typeface="Times New Roman"/>
+              </a:defRPr>
+            </a:lvl1pPr>
+          </a:lstStyle>
+          <a:p>
+            <a:pPr algn="ctr">
+              <a:lnSpc>
+                <a:spcPct val="100000"/>
+              </a:lnSpc>
+              <a:buNone/>
+            </a:pPr>
+            <a:r>
+              <a:rPr b="0" lang="en-US" sz="1400" spc="-1" strike="noStrike">
+                <a:latin typeface="Times New Roman"/>
+              </a:rPr>
+              <a:t>&lt;footer&gt;</a:t>
+            </a:r>
+            <a:endParaRPr b="0" lang="en-US" sz="1400" spc="-1" strike="noStrike">
+              <a:latin typeface="Times New Roman"/>
+            </a:endParaRPr>
+          </a:p>
+        </p:txBody>
+      </p:sp>
+      <p:sp>
+        <p:nvSpPr>
+          <p:cNvPr id="2" name="PlaceHolder 3"/>
+          <p:cNvSpPr>
+            <a:spLocks noGrp="1"/>
+          </p:cNvSpPr>
+          <p:nvPr>
+            <p:ph type="sldNum" idx="2"/>
+          </p:nvPr>
+        </p:nvSpPr>
+        <p:spPr>
+          <a:xfrm>
+            <a:off x="8610480" y="6356520"/>
+            <a:ext cx="2742480" cy="364320"/>
+          </a:xfrm>
+          <a:prstGeom prst="rect">
+            <a:avLst/>
+          </a:prstGeom>
+          <a:noFill/>
+          <a:ln w="0">
+            <a:noFill/>
+          </a:ln>
+        </p:spPr>
+        <p:txBody>
+          <a:bodyPr lIns="90000" rIns="90000" tIns="45000" bIns="45000" anchor="ctr">
+            <a:noAutofit/>
+          </a:bodyPr>
+          <a:lstStyle>
+            <a:lvl1pPr algn="r">
               <a:lnSpc>
                 <a:spcPct val="100000"/>
               </a:lnSpc>
@@ -2956,21 +2638,21 @@
             </a:lvl1pPr>
           </a:lstStyle>
           <a:p>
-            <a:pPr>
+            <a:pPr algn="r">
               <a:lnSpc>
                 <a:spcPct val="100000"/>
               </a:lnSpc>
               <a:buNone/>
             </a:pPr>
-            <a:r>
+            <a:fld id="{97F9CF48-9C61-4172-9DB4-56B2571BA707}" type="slidenum">
               <a:rPr b="0" lang="en-US" sz="1200" spc="-1" strike="noStrike">
                 <a:solidFill>
                   <a:srgbClr val="8b8b8b"/>
                 </a:solidFill>
                 <a:latin typeface="等线"/>
               </a:rPr>
-              <a:t>&lt;date/time&gt;</a:t>
-            </a:r>
+              <a:t>&lt;number&gt;</a:t>
+            </a:fld>
             <a:endParaRPr b="0" lang="en-US" sz="1200" spc="-1" strike="noStrike">
               <a:latin typeface="Times New Roman"/>
             </a:endParaRPr>
@@ -2979,113 +2661,46 @@
       </p:sp>
       <p:sp>
         <p:nvSpPr>
-          <p:cNvPr id="2" name="PlaceHolder 3"/>
+          <p:cNvPr id="3" name="PlaceHolder 4"/>
           <p:cNvSpPr>
             <a:spLocks noGrp="1"/>
           </p:cNvSpPr>
           <p:nvPr>
-            <p:ph type="ftr" idx="2"/>
+            <p:ph type="dt" idx="3"/>
           </p:nvPr>
         </p:nvSpPr>
         <p:spPr>
           <a:xfrm>
-            <a:off x="4038480" y="6356520"/>
-            <a:ext cx="4114440" cy="364680"/>
-          </a:xfrm>
-          <a:prstGeom prst="rect">
-            <a:avLst/>
-          </a:prstGeom>
-          <a:noFill/>
-          <a:ln w="0">
-            <a:noFill/>
-          </a:ln>
-        </p:spPr>
-        <p:txBody>
-          <a:bodyPr anchor="ctr">
+            <a:off x="838080" y="6356520"/>
+            <a:ext cx="2742480" cy="364320"/>
+          </a:xfrm>
+          <a:prstGeom prst="rect">
+            <a:avLst/>
+          </a:prstGeom>
+          <a:noFill/>
+          <a:ln w="0">
+            <a:noFill/>
+          </a:ln>
+        </p:spPr>
+        <p:txBody>
+          <a:bodyPr lIns="90000" rIns="90000" tIns="45000" bIns="45000" anchor="ctr">
             <a:noAutofit/>
           </a:bodyPr>
           <a:lstStyle>
-            <a:lvl1pPr algn="ctr">
-              <a:buNone/>
+            <a:lvl1pPr>
               <a:defRPr b="0" lang="en-US" sz="1400" spc="-1" strike="noStrike">
                 <a:latin typeface="Times New Roman"/>
               </a:defRPr>
             </a:lvl1pPr>
           </a:lstStyle>
           <a:p>
-            <a:pPr algn="ctr">
-              <a:buNone/>
-            </a:pPr>
             <a:r>
               <a:rPr b="0" lang="en-US" sz="1400" spc="-1" strike="noStrike">
                 <a:latin typeface="Times New Roman"/>
               </a:rPr>
-              <a:t>&lt;footer&gt;</a:t>
+              <a:t>&lt;date/time&gt;</a:t>
             </a:r>
             <a:endParaRPr b="0" lang="en-US" sz="1400" spc="-1" strike="noStrike">
-              <a:latin typeface="Times New Roman"/>
-            </a:endParaRPr>
-          </a:p>
-        </p:txBody>
-      </p:sp>
-      <p:sp>
-        <p:nvSpPr>
-          <p:cNvPr id="3" name="PlaceHolder 4"/>
-          <p:cNvSpPr>
-            <a:spLocks noGrp="1"/>
-          </p:cNvSpPr>
-          <p:nvPr>
-            <p:ph type="sldNum" idx="3"/>
-          </p:nvPr>
-        </p:nvSpPr>
-        <p:spPr>
-          <a:xfrm>
-            <a:off x="8610480" y="6356520"/>
-            <a:ext cx="2742840" cy="364680"/>
-          </a:xfrm>
-          <a:prstGeom prst="rect">
-            <a:avLst/>
-          </a:prstGeom>
-          <a:noFill/>
-          <a:ln w="0">
-            <a:noFill/>
-          </a:ln>
-        </p:spPr>
-        <p:txBody>
-          <a:bodyPr anchor="ctr">
-            <a:noAutofit/>
-          </a:bodyPr>
-          <a:lstStyle>
-            <a:lvl1pPr algn="r">
-              <a:lnSpc>
-                <a:spcPct val="100000"/>
-              </a:lnSpc>
-              <a:buNone/>
-              <a:defRPr b="0" lang="en-US" sz="1200" spc="-1" strike="noStrike">
-                <a:solidFill>
-                  <a:srgbClr val="8b8b8b"/>
-                </a:solidFill>
-                <a:latin typeface="等线"/>
-              </a:defRPr>
-            </a:lvl1pPr>
-          </a:lstStyle>
-          <a:p>
-            <a:pPr algn="r">
-              <a:lnSpc>
-                <a:spcPct val="100000"/>
-              </a:lnSpc>
-              <a:buNone/>
-            </a:pPr>
-            <a:fld id="{43583108-04AF-49D5-B423-825E6670042B}" type="slidenum">
-              <a:rPr b="0" lang="en-US" sz="1200" spc="-1" strike="noStrike">
-                <a:solidFill>
-                  <a:srgbClr val="8b8b8b"/>
-                </a:solidFill>
-                <a:latin typeface="等线"/>
-              </a:rPr>
-              <a:t>&lt;number&gt;</a:t>
-            </a:fld>
-            <a:endParaRPr b="0" lang="en-US" sz="1200" spc="-1" strike="noStrike">
               <a:latin typeface="Times New Roman"/>
             </a:endParaRPr>
           </a:p>
@@ -3120,9 +2735,6 @@
           </a:bodyPr>
           <a:p>
             <a:pPr marL="432000" indent="-324000">
-              <a:lnSpc>
-                <a:spcPct val="90000"/>
-              </a:lnSpc>
               <a:spcBef>
                 <a:spcPts val="1417"/>
               </a:spcBef>
@@ -3134,26 +2746,17 @@
               <a:buChar char=""/>
             </a:pPr>
             <a:r>
-              <a:rPr b="0" lang="en-US" sz="2800" spc="-1" strike="noStrike">
-                <a:solidFill>
-                  <a:srgbClr val="000000"/>
-                </a:solidFill>
-                <a:latin typeface="等线"/>
+              <a:rPr b="0" lang="en-US" sz="3200" spc="-1" strike="noStrike">
+                <a:latin typeface="Arial"/>
               </a:rPr>
               <a:t>Click to edit the outline text format</a:t>
             </a:r>
-            <a:endParaRPr b="0" lang="en-US" sz="2800" spc="-1" strike="noStrike">
-              <a:solidFill>
-                <a:srgbClr val="000000"/>
-              </a:solidFill>
-              <a:latin typeface="等线"/>
+            <a:endParaRPr b="0" lang="en-US" sz="3200" spc="-1" strike="noStrike">
+              <a:latin typeface="Arial"/>
             </a:endParaRPr>
           </a:p>
           <a:p>
             <a:pPr lvl="1" marL="864000" indent="-324000">
-              <a:lnSpc>
-                <a:spcPct val="90000"/>
-              </a:lnSpc>
               <a:spcBef>
                 <a:spcPts val="1134"/>
               </a:spcBef>
@@ -3165,26 +2768,17 @@
               <a:buChar char=""/>
             </a:pPr>
             <a:r>
-              <a:rPr b="0" lang="en-US" sz="2000" spc="-1" strike="noStrike">
-                <a:solidFill>
-                  <a:srgbClr val="000000"/>
-                </a:solidFill>
-                <a:latin typeface="等线"/>
+              <a:rPr b="0" lang="en-US" sz="2800" spc="-1" strike="noStrike">
+                <a:latin typeface="Arial"/>
               </a:rPr>
               <a:t>Second Outline Level</a:t>
             </a:r>
-            <a:endParaRPr b="0" lang="en-US" sz="2000" spc="-1" strike="noStrike">
-              <a:solidFill>
-                <a:srgbClr val="000000"/>
-              </a:solidFill>
-              <a:latin typeface="等线"/>
+            <a:endParaRPr b="0" lang="en-US" sz="2800" spc="-1" strike="noStrike">
+              <a:latin typeface="Arial"/>
             </a:endParaRPr>
           </a:p>
           <a:p>
             <a:pPr lvl="2" marL="1296000" indent="-288000">
-              <a:lnSpc>
-                <a:spcPct val="90000"/>
-              </a:lnSpc>
               <a:spcBef>
                 <a:spcPts val="850"/>
               </a:spcBef>
@@ -3196,26 +2790,17 @@
               <a:buChar char=""/>
             </a:pPr>
             <a:r>
-              <a:rPr b="0" lang="en-US" sz="1800" spc="-1" strike="noStrike">
-                <a:solidFill>
-                  <a:srgbClr val="000000"/>
-                </a:solidFill>
-                <a:latin typeface="等线"/>
+              <a:rPr b="0" lang="en-US" sz="2400" spc="-1" strike="noStrike">
+                <a:latin typeface="Arial"/>
               </a:rPr>
               <a:t>Third Outline Level</a:t>
             </a:r>
-            <a:endParaRPr b="0" lang="en-US" sz="1800" spc="-1" strike="noStrike">
-              <a:solidFill>
-                <a:srgbClr val="000000"/>
-              </a:solidFill>
-              <a:latin typeface="等线"/>
+            <a:endParaRPr b="0" lang="en-US" sz="2400" spc="-1" strike="noStrike">
+              <a:latin typeface="Arial"/>
             </a:endParaRPr>
           </a:p>
           <a:p>
             <a:pPr lvl="3" marL="1728000" indent="-216000">
-              <a:lnSpc>
-                <a:spcPct val="90000"/>
-              </a:lnSpc>
               <a:spcBef>
                 <a:spcPts val="567"/>
               </a:spcBef>
@@ -3227,26 +2812,17 @@
               <a:buChar char=""/>
             </a:pPr>
             <a:r>
-              <a:rPr b="0" lang="en-US" sz="1800" spc="-1" strike="noStrike">
-                <a:solidFill>
-                  <a:srgbClr val="000000"/>
-                </a:solidFill>
-                <a:latin typeface="等线"/>
+              <a:rPr b="0" lang="en-US" sz="2000" spc="-1" strike="noStrike">
+                <a:latin typeface="Arial"/>
               </a:rPr>
               <a:t>Fourth Outline Level</a:t>
             </a:r>
-            <a:endParaRPr b="0" lang="en-US" sz="1800" spc="-1" strike="noStrike">
-              <a:solidFill>
-                <a:srgbClr val="000000"/>
-              </a:solidFill>
-              <a:latin typeface="等线"/>
+            <a:endParaRPr b="0" lang="en-US" sz="2000" spc="-1" strike="noStrike">
+              <a:latin typeface="Arial"/>
             </a:endParaRPr>
           </a:p>
           <a:p>
             <a:pPr lvl="4" marL="2160000" indent="-216000">
-              <a:lnSpc>
-                <a:spcPct val="90000"/>
-              </a:lnSpc>
               <a:spcBef>
                 <a:spcPts val="283"/>
               </a:spcBef>
@@ -3259,25 +2835,16 @@
             </a:pPr>
             <a:r>
               <a:rPr b="0" lang="en-US" sz="2000" spc="-1" strike="noStrike">
-                <a:solidFill>
-                  <a:srgbClr val="000000"/>
-                </a:solidFill>
-                <a:latin typeface="等线"/>
+                <a:latin typeface="Arial"/>
               </a:rPr>
               <a:t>Fifth Outline Level</a:t>
             </a:r>
             <a:endParaRPr b="0" lang="en-US" sz="2000" spc="-1" strike="noStrike">
-              <a:solidFill>
-                <a:srgbClr val="000000"/>
-              </a:solidFill>
-              <a:latin typeface="等线"/>
+              <a:latin typeface="Arial"/>
             </a:endParaRPr>
           </a:p>
           <a:p>
             <a:pPr lvl="5" marL="2592000" indent="-216000">
-              <a:lnSpc>
-                <a:spcPct val="90000"/>
-              </a:lnSpc>
               <a:spcBef>
                 <a:spcPts val="283"/>
               </a:spcBef>
@@ -3290,25 +2857,16 @@
             </a:pPr>
             <a:r>
               <a:rPr b="0" lang="en-US" sz="2000" spc="-1" strike="noStrike">
-                <a:solidFill>
-                  <a:srgbClr val="000000"/>
-                </a:solidFill>
-                <a:latin typeface="等线"/>
+                <a:latin typeface="Arial"/>
               </a:rPr>
               <a:t>Sixth Outline Level</a:t>
             </a:r>
             <a:endParaRPr b="0" lang="en-US" sz="2000" spc="-1" strike="noStrike">
-              <a:solidFill>
-                <a:srgbClr val="000000"/>
-              </a:solidFill>
-              <a:latin typeface="等线"/>
+              <a:latin typeface="Arial"/>
             </a:endParaRPr>
           </a:p>
           <a:p>
             <a:pPr lvl="6" marL="3024000" indent="-216000">
-              <a:lnSpc>
-                <a:spcPct val="90000"/>
-              </a:lnSpc>
               <a:spcBef>
                 <a:spcPts val="283"/>
               </a:spcBef>
@@ -3321,18 +2879,12 @@
             </a:pPr>
             <a:r>
               <a:rPr b="0" lang="en-US" sz="2000" spc="-1" strike="noStrike">
-                <a:solidFill>
-                  <a:srgbClr val="000000"/>
-                </a:solidFill>
-                <a:latin typeface="等线"/>
+                <a:latin typeface="Arial"/>
               </a:rPr>
               <a:t>Seventh Outline Level</a:t>
             </a:r>
             <a:endParaRPr b="0" lang="en-US" sz="2000" spc="-1" strike="noStrike">
-              <a:solidFill>
-                <a:srgbClr val="000000"/>
-              </a:solidFill>
-              <a:latin typeface="等线"/>
+              <a:latin typeface="Arial"/>
             </a:endParaRPr>
           </a:p>
         </p:txBody>
@@ -3383,7 +2935,7 @@
         <p:spPr>
           <a:xfrm>
             <a:off x="2514600" y="1600200"/>
-            <a:ext cx="6858000" cy="0"/>
+            <a:ext cx="6858000" cy="360"/>
           </a:xfrm>
           <a:prstGeom prst="line">
             <a:avLst/>
@@ -3449,6 +3001,7 @@
                   <a:srgbClr val="000000"/>
                 </a:solidFill>
                 <a:latin typeface="等线"/>
+                <a:ea typeface="DejaVu Sans"/>
               </a:rPr>
               <a:t>2</a:t>
             </a:r>
@@ -3500,6 +3053,7 @@
                   <a:srgbClr val="000000"/>
                 </a:solidFill>
                 <a:latin typeface="等线"/>
+                <a:ea typeface="DejaVu Sans"/>
               </a:rPr>
               <a:t>3</a:t>
             </a:r>
@@ -3551,6 +3105,7 @@
                   <a:srgbClr val="ff0000"/>
                 </a:solidFill>
                 <a:latin typeface="等线"/>
+                <a:ea typeface="DejaVu Sans"/>
               </a:rPr>
               <a:t>2</a:t>
             </a:r>
@@ -3602,7 +3157,7 @@
         <p:spPr>
           <a:xfrm>
             <a:off x="2514600" y="5257800"/>
-            <a:ext cx="6838200" cy="0"/>
+            <a:ext cx="6838200" cy="360"/>
           </a:xfrm>
           <a:prstGeom prst="line">
             <a:avLst/>
@@ -3668,7 +3223,7 @@
         <p:spPr>
           <a:xfrm>
             <a:off x="1960200" y="5351040"/>
-            <a:ext cx="325800" cy="363960"/>
+            <a:ext cx="325440" cy="363960"/>
           </a:xfrm>
           <a:prstGeom prst="rect">
             <a:avLst/>
@@ -3701,6 +3256,7 @@
                   <a:srgbClr val="000000"/>
                 </a:solidFill>
                 <a:latin typeface="等线"/>
+                <a:ea typeface="DejaVu Sans"/>
               </a:rPr>
               <a:t>0</a:t>
             </a:r>
@@ -3719,7 +3275,7 @@
         <p:spPr>
           <a:xfrm>
             <a:off x="9660960" y="5257800"/>
-            <a:ext cx="325800" cy="363960"/>
+            <a:ext cx="325440" cy="363960"/>
           </a:xfrm>
           <a:prstGeom prst="rect">
             <a:avLst/>
@@ -3752,6 +3308,7 @@
                   <a:srgbClr val="000000"/>
                 </a:solidFill>
                 <a:latin typeface="等线"/>
+                <a:ea typeface="DejaVu Sans"/>
               </a:rPr>
               <a:t>1</a:t>
             </a:r>
@@ -3769,8 +3326,8 @@
         </p:nvSpPr>
         <p:spPr>
           <a:xfrm>
-            <a:off x="1671840" y="3429000"/>
-            <a:ext cx="325800" cy="363960"/>
+            <a:off x="2057400" y="3200400"/>
+            <a:ext cx="325440" cy="363960"/>
           </a:xfrm>
           <a:prstGeom prst="rect">
             <a:avLst/>
@@ -3803,6 +3360,7 @@
                   <a:srgbClr val="ff0000"/>
                 </a:solidFill>
                 <a:latin typeface="等线"/>
+                <a:ea typeface="DejaVu Sans"/>
               </a:rPr>
               <a:t>3</a:t>
             </a:r>
@@ -3821,7 +3379,7 @@
         <p:spPr>
           <a:xfrm>
             <a:off x="5558040" y="5486400"/>
-            <a:ext cx="325800" cy="363960"/>
+            <a:ext cx="325440" cy="363960"/>
           </a:xfrm>
           <a:prstGeom prst="rect">
             <a:avLst/>
@@ -3854,6 +3412,7 @@
                   <a:srgbClr val="ff0000"/>
                 </a:solidFill>
                 <a:latin typeface="等线"/>
+                <a:ea typeface="DejaVu Sans"/>
               </a:rPr>
               <a:t>0</a:t>
             </a:r>
@@ -3871,8 +3430,8 @@
         </p:nvSpPr>
         <p:spPr>
           <a:xfrm>
-            <a:off x="9889560" y="3200400"/>
-            <a:ext cx="325800" cy="363960"/>
+            <a:off x="9601200" y="3065040"/>
+            <a:ext cx="325440" cy="363960"/>
           </a:xfrm>
           <a:prstGeom prst="rect">
             <a:avLst/>
@@ -3905,6 +3464,7 @@
                   <a:srgbClr val="ff0000"/>
                 </a:solidFill>
                 <a:latin typeface="等线"/>
+                <a:ea typeface="DejaVu Sans"/>
               </a:rPr>
               <a:t>1</a:t>
             </a:r>
@@ -4031,7 +3591,7 @@
         <p:spPr>
           <a:xfrm>
             <a:off x="6172200" y="3293640"/>
-            <a:ext cx="325800" cy="363960"/>
+            <a:ext cx="325440" cy="363960"/>
           </a:xfrm>
           <a:prstGeom prst="rect">
             <a:avLst/>
@@ -4064,6 +3624,7 @@
                   <a:srgbClr val="000000"/>
                 </a:solidFill>
                 <a:latin typeface="等线"/>
+                <a:ea typeface="DejaVu Sans"/>
               </a:rPr>
               <a:t>4</a:t>
             </a:r>
@@ -4082,7 +3643,7 @@
         <p:spPr>
           <a:xfrm>
             <a:off x="6629400" y="3750840"/>
-            <a:ext cx="325800" cy="363960"/>
+            <a:ext cx="325440" cy="363960"/>
           </a:xfrm>
           <a:prstGeom prst="rect">
             <a:avLst/>
@@ -4115,6 +3676,7 @@
                   <a:srgbClr val="ff0000"/>
                 </a:solidFill>
                 <a:latin typeface="等线"/>
+                <a:ea typeface="DejaVu Sans"/>
               </a:rPr>
               <a:t>4</a:t>
             </a:r>
@@ -4133,7 +3695,7 @@
         <p:spPr>
           <a:xfrm>
             <a:off x="7446600" y="1828800"/>
-            <a:ext cx="325800" cy="363960"/>
+            <a:ext cx="325440" cy="363960"/>
           </a:xfrm>
           <a:prstGeom prst="rect">
             <a:avLst/>
@@ -4166,6 +3728,7 @@
                   <a:srgbClr val="000000"/>
                 </a:solidFill>
                 <a:latin typeface="等线"/>
+                <a:ea typeface="DejaVu Sans"/>
               </a:rPr>
               <a:t>7</a:t>
             </a:r>
@@ -4184,7 +3747,7 @@
         <p:spPr>
           <a:xfrm>
             <a:off x="8361000" y="2607840"/>
-            <a:ext cx="325800" cy="363960"/>
+            <a:ext cx="325440" cy="363960"/>
           </a:xfrm>
           <a:prstGeom prst="rect">
             <a:avLst/>
@@ -4217,6 +3780,7 @@
                   <a:srgbClr val="000000"/>
                 </a:solidFill>
                 <a:latin typeface="等线"/>
+                <a:ea typeface="DejaVu Sans"/>
               </a:rPr>
               <a:t>6</a:t>
             </a:r>
@@ -4235,7 +3799,7 @@
         <p:spPr>
           <a:xfrm>
             <a:off x="7218000" y="3979440"/>
-            <a:ext cx="325800" cy="363960"/>
+            <a:ext cx="325440" cy="363960"/>
           </a:xfrm>
           <a:prstGeom prst="rect">
             <a:avLst/>
@@ -4268,6 +3832,7 @@
                   <a:srgbClr val="000000"/>
                 </a:solidFill>
                 <a:latin typeface="等线"/>
+                <a:ea typeface="DejaVu Sans"/>
               </a:rPr>
               <a:t>5</a:t>
             </a:r>
@@ -4286,7 +3851,7 @@
         <p:spPr>
           <a:xfrm>
             <a:off x="6629400" y="2379240"/>
-            <a:ext cx="325800" cy="363960"/>
+            <a:ext cx="325440" cy="363960"/>
           </a:xfrm>
           <a:prstGeom prst="rect">
             <a:avLst/>
@@ -4319,6 +3884,7 @@
                   <a:srgbClr val="ff0000"/>
                 </a:solidFill>
                 <a:latin typeface="等线"/>
+                <a:ea typeface="DejaVu Sans"/>
               </a:rPr>
               <a:t>7</a:t>
             </a:r>
@@ -4337,7 +3903,7 @@
         <p:spPr>
           <a:xfrm>
             <a:off x="7903800" y="2057400"/>
-            <a:ext cx="325800" cy="363960"/>
+            <a:ext cx="325440" cy="363960"/>
           </a:xfrm>
           <a:prstGeom prst="rect">
             <a:avLst/>
@@ -4370,6 +3936,7 @@
                   <a:srgbClr val="ff0000"/>
                 </a:solidFill>
                 <a:latin typeface="等线"/>
+                <a:ea typeface="DejaVu Sans"/>
               </a:rPr>
               <a:t>6</a:t>
             </a:r>
@@ -4388,7 +3955,7 @@
         <p:spPr>
           <a:xfrm>
             <a:off x="8001000" y="3293640"/>
-            <a:ext cx="325800" cy="363960"/>
+            <a:ext cx="325440" cy="363960"/>
           </a:xfrm>
           <a:prstGeom prst="rect">
             <a:avLst/>
@@ -4421,8 +3988,192 @@
                   <a:srgbClr val="ff0000"/>
                 </a:solidFill>
                 <a:latin typeface="等线"/>
+                <a:ea typeface="DejaVu Sans"/>
               </a:rPr>
               <a:t>5</a:t>
+            </a:r>
+            <a:endParaRPr b="0" lang="en-US" sz="1800" spc="-1" strike="noStrike">
+              <a:latin typeface="Arial"/>
+            </a:endParaRPr>
+          </a:p>
+        </p:txBody>
+      </p:sp>
+      <p:sp>
+        <p:nvSpPr>
+          <p:cNvPr id="65" name=""/>
+          <p:cNvSpPr/>
+          <p:nvPr/>
+        </p:nvSpPr>
+        <p:spPr>
+          <a:xfrm>
+            <a:off x="2514600" y="4572000"/>
+            <a:ext cx="6858000" cy="0"/>
+          </a:xfrm>
+          <a:prstGeom prst="line">
+            <a:avLst/>
+          </a:prstGeom>
+          <a:ln w="0">
+            <a:solidFill>
+              <a:srgbClr val="3465a4"/>
+            </a:solidFill>
+          </a:ln>
+        </p:spPr>
+        <p:style>
+          <a:lnRef idx="0"/>
+          <a:fillRef idx="0"/>
+          <a:effectRef idx="0"/>
+          <a:fontRef idx="minor"/>
+        </p:style>
+      </p:sp>
+      <p:sp>
+        <p:nvSpPr>
+          <p:cNvPr id="66" name="TextBox 9"/>
+          <p:cNvSpPr/>
+          <p:nvPr/>
+        </p:nvSpPr>
+        <p:spPr>
+          <a:xfrm>
+            <a:off x="5550840" y="4572000"/>
+            <a:ext cx="460080" cy="363960"/>
+          </a:xfrm>
+          <a:prstGeom prst="rect">
+            <a:avLst/>
+          </a:prstGeom>
+          <a:noFill/>
+          <a:ln w="0">
+            <a:noFill/>
+          </a:ln>
+        </p:spPr>
+        <p:style>
+          <a:lnRef idx="0"/>
+          <a:fillRef idx="0"/>
+          <a:effectRef idx="0"/>
+          <a:fontRef idx="minor"/>
+        </p:style>
+        <p:txBody>
+          <a:bodyPr wrap="none" lIns="90000" rIns="90000" tIns="45000" bIns="45000" anchor="t">
+            <a:spAutoFit/>
+          </a:bodyPr>
+          <a:p>
+            <a:pPr>
+              <a:lnSpc>
+                <a:spcPct val="100000"/>
+              </a:lnSpc>
+              <a:buNone/>
+            </a:pPr>
+            <a:r>
+              <a:rPr b="0" lang="en-US" sz="1800" spc="-1" strike="noStrike">
+                <a:solidFill>
+                  <a:srgbClr val="ff0000"/>
+                </a:solidFill>
+                <a:latin typeface="等线"/>
+                <a:ea typeface="DejaVu Sans"/>
+              </a:rPr>
+              <a:t>v0</a:t>
+            </a:r>
+            <a:endParaRPr b="0" lang="en-US" sz="1800" spc="-1" strike="noStrike">
+              <a:latin typeface="Arial"/>
+            </a:endParaRPr>
+          </a:p>
+        </p:txBody>
+      </p:sp>
+      <p:sp>
+        <p:nvSpPr>
+          <p:cNvPr id="67" name="TextBox 10"/>
+          <p:cNvSpPr/>
+          <p:nvPr/>
+        </p:nvSpPr>
+        <p:spPr>
+          <a:xfrm>
+            <a:off x="9437040" y="4436640"/>
+            <a:ext cx="460080" cy="363960"/>
+          </a:xfrm>
+          <a:prstGeom prst="rect">
+            <a:avLst/>
+          </a:prstGeom>
+          <a:noFill/>
+          <a:ln w="0">
+            <a:noFill/>
+          </a:ln>
+        </p:spPr>
+        <p:style>
+          <a:lnRef idx="0"/>
+          <a:fillRef idx="0"/>
+          <a:effectRef idx="0"/>
+          <a:fontRef idx="minor"/>
+        </p:style>
+        <p:txBody>
+          <a:bodyPr wrap="none" lIns="90000" rIns="90000" tIns="45000" bIns="45000" anchor="t">
+            <a:spAutoFit/>
+          </a:bodyPr>
+          <a:p>
+            <a:pPr>
+              <a:lnSpc>
+                <a:spcPct val="100000"/>
+              </a:lnSpc>
+              <a:buNone/>
+            </a:pPr>
+            <a:r>
+              <a:rPr b="0" lang="en-US" sz="1800" spc="-1" strike="noStrike">
+                <a:solidFill>
+                  <a:srgbClr val="000000"/>
+                </a:solidFill>
+                <a:latin typeface="等线"/>
+                <a:ea typeface="DejaVu Sans"/>
+              </a:rPr>
+              <a:t>v1</a:t>
+            </a:r>
+            <a:endParaRPr b="0" lang="en-US" sz="1800" spc="-1" strike="noStrike">
+              <a:latin typeface="Arial"/>
+            </a:endParaRPr>
+          </a:p>
+        </p:txBody>
+      </p:sp>
+      <p:sp>
+        <p:nvSpPr>
+          <p:cNvPr id="68" name="TextBox 11"/>
+          <p:cNvSpPr/>
+          <p:nvPr/>
+        </p:nvSpPr>
+        <p:spPr>
+          <a:xfrm>
+            <a:off x="1893600" y="4436640"/>
+            <a:ext cx="460080" cy="363960"/>
+          </a:xfrm>
+          <a:prstGeom prst="rect">
+            <a:avLst/>
+          </a:prstGeom>
+          <a:noFill/>
+          <a:ln w="0">
+            <a:noFill/>
+          </a:ln>
+        </p:spPr>
+        <p:style>
+          <a:lnRef idx="0"/>
+          <a:fillRef idx="0"/>
+          <a:effectRef idx="0"/>
+          <a:fontRef idx="minor"/>
+        </p:style>
+        <p:txBody>
+          <a:bodyPr wrap="none" lIns="90000" rIns="90000" tIns="45000" bIns="45000" anchor="t">
+            <a:spAutoFit/>
+          </a:bodyPr>
+          <a:p>
+            <a:pPr>
+              <a:lnSpc>
+                <a:spcPct val="100000"/>
+              </a:lnSpc>
+              <a:buNone/>
+            </a:pPr>
+            <a:r>
+              <a:rPr b="0" lang="en-US" sz="1800" spc="-1" strike="noStrike">
+                <a:solidFill>
+                  <a:srgbClr val="000000"/>
+                </a:solidFill>
+                <a:latin typeface="等线"/>
+                <a:ea typeface="DejaVu Sans"/>
+              </a:rPr>
+              <a:t>v0</a:t>
             </a:r>
             <a:endParaRPr b="0" lang="en-US" sz="1800" spc="-1" strike="noStrike">
               <a:latin typeface="Arial"/>
@@ -4462,7 +4213,7 @@
       </p:grpSpPr>
       <p:sp>
         <p:nvSpPr>
-          <p:cNvPr id="65" name="Straight Connector 26"/>
+          <p:cNvPr id="69" name="Straight Connector 26"/>
           <p:cNvSpPr/>
           <p:nvPr/>
         </p:nvSpPr>
@@ -4495,7 +4246,7 @@
       </p:sp>
       <p:sp>
         <p:nvSpPr>
-          <p:cNvPr id="66" name="Straight Connector 27"/>
+          <p:cNvPr id="70" name="Straight Connector 27"/>
           <p:cNvSpPr/>
           <p:nvPr/>
         </p:nvSpPr>
@@ -4528,7 +4279,7 @@
       </p:sp>
       <p:sp>
         <p:nvSpPr>
-          <p:cNvPr id="67" name="Straight Connector 29"/>
+          <p:cNvPr id="71" name="Straight Connector 29"/>
           <p:cNvSpPr/>
           <p:nvPr/>
         </p:nvSpPr>
@@ -4561,7 +4312,7 @@
       </p:sp>
       <p:sp>
         <p:nvSpPr>
-          <p:cNvPr id="68" name="Straight Connector 31"/>
+          <p:cNvPr id="72" name="Straight Connector 31"/>
           <p:cNvSpPr/>
           <p:nvPr/>
         </p:nvSpPr>
@@ -4594,14 +4345,14 @@
       </p:sp>
       <p:sp>
         <p:nvSpPr>
-          <p:cNvPr id="69" name="Freeform 32"/>
+          <p:cNvPr id="73" name="Freeform 32"/>
           <p:cNvSpPr/>
           <p:nvPr/>
         </p:nvSpPr>
         <p:spPr>
           <a:xfrm>
             <a:off x="433440" y="2637720"/>
-            <a:ext cx="598680" cy="1322280"/>
+            <a:ext cx="598320" cy="1321920"/>
           </a:xfrm>
           <a:custGeom>
             <a:avLst/>
@@ -4658,7 +4409,7 @@
       </p:sp>
       <p:sp>
         <p:nvSpPr>
-          <p:cNvPr id="70" name="Straight Connector 34"/>
+          <p:cNvPr id="74" name="Straight Connector 34"/>
           <p:cNvSpPr/>
           <p:nvPr/>
         </p:nvSpPr>
@@ -4691,7 +4442,7 @@
       </p:sp>
       <p:sp>
         <p:nvSpPr>
-          <p:cNvPr id="71" name="Straight Connector 36"/>
+          <p:cNvPr id="75" name="Straight Connector 36"/>
           <p:cNvSpPr/>
           <p:nvPr/>
         </p:nvSpPr>
@@ -4724,7 +4475,7 @@
       </p:sp>
       <p:sp>
         <p:nvSpPr>
-          <p:cNvPr id="72" name="Straight Connector 38"/>
+          <p:cNvPr id="76" name="Straight Connector 38"/>
           <p:cNvSpPr/>
           <p:nvPr/>
         </p:nvSpPr>
@@ -4757,7 +4508,7 @@
       </p:sp>
       <p:sp>
         <p:nvSpPr>
-          <p:cNvPr id="73" name="Straight Connector 40"/>
+          <p:cNvPr id="77" name="Straight Connector 40"/>
           <p:cNvSpPr/>
           <p:nvPr/>
         </p:nvSpPr>
@@ -4790,7 +4541,7 @@
       </p:sp>
       <p:sp>
         <p:nvSpPr>
-          <p:cNvPr id="74" name="TextBox 50"/>
+          <p:cNvPr id="78" name="TextBox 50"/>
           <p:cNvSpPr/>
           <p:nvPr/>
         </p:nvSpPr>
@@ -4830,6 +4581,7 @@
                   <a:srgbClr val="000000"/>
                 </a:solidFill>
                 <a:latin typeface="等线"/>
+                <a:ea typeface="DejaVu Sans"/>
               </a:rPr>
               <a:t>0</a:t>
             </a:r>
@@ -4841,7 +4593,7 @@
       </p:sp>
       <p:sp>
         <p:nvSpPr>
-          <p:cNvPr id="75" name="TextBox 51"/>
+          <p:cNvPr id="79" name="TextBox 51"/>
           <p:cNvSpPr/>
           <p:nvPr/>
         </p:nvSpPr>
@@ -4881,6 +4633,7 @@
                   <a:srgbClr val="000000"/>
                 </a:solidFill>
                 <a:latin typeface="等线"/>
+                <a:ea typeface="DejaVu Sans"/>
               </a:rPr>
               <a:t>1</a:t>
             </a:r>
@@ -4892,7 +4645,7 @@
       </p:sp>
       <p:sp>
         <p:nvSpPr>
-          <p:cNvPr id="76" name="TextBox 52"/>
+          <p:cNvPr id="80" name="TextBox 52"/>
           <p:cNvSpPr/>
           <p:nvPr/>
         </p:nvSpPr>
@@ -4932,6 +4685,7 @@
                   <a:srgbClr val="000000"/>
                 </a:solidFill>
                 <a:latin typeface="等线"/>
+                <a:ea typeface="DejaVu Sans"/>
               </a:rPr>
               <a:t>7</a:t>
             </a:r>
@@ -4943,7 +4697,7 @@
       </p:sp>
       <p:sp>
         <p:nvSpPr>
-          <p:cNvPr id="77" name="TextBox 53"/>
+          <p:cNvPr id="81" name="TextBox 53"/>
           <p:cNvSpPr/>
           <p:nvPr/>
         </p:nvSpPr>
@@ -4983,6 +4737,7 @@
                   <a:srgbClr val="000000"/>
                 </a:solidFill>
                 <a:latin typeface="等线"/>
+                <a:ea typeface="DejaVu Sans"/>
               </a:rPr>
               <a:t>6</a:t>
             </a:r>
@@ -4994,7 +4749,7 @@
       </p:sp>
       <p:sp>
         <p:nvSpPr>
-          <p:cNvPr id="78" name="TextBox 54"/>
+          <p:cNvPr id="82" name="TextBox 54"/>
           <p:cNvSpPr/>
           <p:nvPr/>
         </p:nvSpPr>
@@ -5034,6 +4789,7 @@
                   <a:srgbClr val="000000"/>
                 </a:solidFill>
                 <a:latin typeface="等线"/>
+                <a:ea typeface="DejaVu Sans"/>
               </a:rPr>
               <a:t>2</a:t>
             </a:r>
@@ -5045,7 +4801,7 @@
       </p:sp>
       <p:sp>
         <p:nvSpPr>
-          <p:cNvPr id="79" name="TextBox 55"/>
+          <p:cNvPr id="83" name="TextBox 55"/>
           <p:cNvSpPr/>
           <p:nvPr/>
         </p:nvSpPr>
@@ -5085,6 +4841,7 @@
                   <a:srgbClr val="000000"/>
                 </a:solidFill>
                 <a:latin typeface="等线"/>
+                <a:ea typeface="DejaVu Sans"/>
               </a:rPr>
               <a:t>3</a:t>
             </a:r>
@@ -5096,7 +4853,7 @@
       </p:sp>
       <p:sp>
         <p:nvSpPr>
-          <p:cNvPr id="80" name="TextBox 56"/>
+          <p:cNvPr id="84" name="TextBox 56"/>
           <p:cNvSpPr/>
           <p:nvPr/>
         </p:nvSpPr>
@@ -5136,6 +4893,7 @@
                   <a:srgbClr val="000000"/>
                 </a:solidFill>
                 <a:latin typeface="等线"/>
+                <a:ea typeface="DejaVu Sans"/>
               </a:rPr>
               <a:t>5</a:t>
             </a:r>
@@ -5147,7 +4905,7 @@
       </p:sp>
       <p:sp>
         <p:nvSpPr>
-          <p:cNvPr id="81" name="TextBox 57"/>
+          <p:cNvPr id="85" name="TextBox 57"/>
           <p:cNvSpPr/>
           <p:nvPr/>
         </p:nvSpPr>
@@ -5187,6 +4945,7 @@
                   <a:srgbClr val="000000"/>
                 </a:solidFill>
                 <a:latin typeface="等线"/>
+                <a:ea typeface="DejaVu Sans"/>
               </a:rPr>
               <a:t>4</a:t>
             </a:r>
@@ -5198,7 +4957,7 @@
       </p:sp>
       <p:sp>
         <p:nvSpPr>
-          <p:cNvPr id="82" name="TextBox 62"/>
+          <p:cNvPr id="86" name="TextBox 62"/>
           <p:cNvSpPr/>
           <p:nvPr/>
         </p:nvSpPr>
@@ -5238,6 +4997,7 @@
                   <a:srgbClr val="ff0000"/>
                 </a:solidFill>
                 <a:latin typeface="等线"/>
+                <a:ea typeface="DejaVu Sans"/>
               </a:rPr>
               <a:t>0</a:t>
             </a:r>
@@ -5249,7 +5009,7 @@
       </p:sp>
       <p:sp>
         <p:nvSpPr>
-          <p:cNvPr id="83" name="TextBox 63"/>
+          <p:cNvPr id="87" name="TextBox 63"/>
           <p:cNvSpPr/>
           <p:nvPr/>
         </p:nvSpPr>
@@ -5289,6 +5049,7 @@
                   <a:srgbClr val="ff0000"/>
                 </a:solidFill>
                 <a:latin typeface="等线"/>
+                <a:ea typeface="DejaVu Sans"/>
               </a:rPr>
               <a:t>1</a:t>
             </a:r>
@@ -5300,7 +5061,7 @@
       </p:sp>
       <p:sp>
         <p:nvSpPr>
-          <p:cNvPr id="84" name="TextBox 64"/>
+          <p:cNvPr id="88" name="TextBox 64"/>
           <p:cNvSpPr/>
           <p:nvPr/>
         </p:nvSpPr>
@@ -5340,6 +5101,7 @@
                   <a:srgbClr val="ff0000"/>
                 </a:solidFill>
                 <a:latin typeface="等线"/>
+                <a:ea typeface="DejaVu Sans"/>
               </a:rPr>
               <a:t>2</a:t>
             </a:r>
@@ -5351,7 +5113,7 @@
       </p:sp>
       <p:sp>
         <p:nvSpPr>
-          <p:cNvPr id="85" name="TextBox 65"/>
+          <p:cNvPr id="89" name="TextBox 65"/>
           <p:cNvSpPr/>
           <p:nvPr/>
         </p:nvSpPr>
@@ -5391,6 +5153,7 @@
                   <a:srgbClr val="ff0000"/>
                 </a:solidFill>
                 <a:latin typeface="等线"/>
+                <a:ea typeface="DejaVu Sans"/>
               </a:rPr>
               <a:t>3</a:t>
             </a:r>
@@ -5402,7 +5165,7 @@
       </p:sp>
       <p:sp>
         <p:nvSpPr>
-          <p:cNvPr id="86" name="TextBox 66"/>
+          <p:cNvPr id="90" name="TextBox 66"/>
           <p:cNvSpPr/>
           <p:nvPr/>
         </p:nvSpPr>
@@ -5442,6 +5205,7 @@
                   <a:srgbClr val="ff0000"/>
                 </a:solidFill>
                 <a:latin typeface="等线"/>
+                <a:ea typeface="DejaVu Sans"/>
               </a:rPr>
               <a:t>5</a:t>
             </a:r>
@@ -5453,7 +5217,7 @@
       </p:sp>
       <p:sp>
         <p:nvSpPr>
-          <p:cNvPr id="87" name="TextBox 67"/>
+          <p:cNvPr id="91" name="TextBox 67"/>
           <p:cNvSpPr/>
           <p:nvPr/>
         </p:nvSpPr>
@@ -5493,6 +5257,7 @@
                   <a:srgbClr val="ff0000"/>
                 </a:solidFill>
                 <a:latin typeface="等线"/>
+                <a:ea typeface="DejaVu Sans"/>
               </a:rPr>
               <a:t>4</a:t>
             </a:r>
@@ -5504,7 +5269,7 @@
       </p:sp>
       <p:sp>
         <p:nvSpPr>
-          <p:cNvPr id="88" name="TextBox 68"/>
+          <p:cNvPr id="92" name="TextBox 68"/>
           <p:cNvSpPr/>
           <p:nvPr/>
         </p:nvSpPr>
@@ -5544,6 +5309,7 @@
                   <a:srgbClr val="ff0000"/>
                 </a:solidFill>
                 <a:latin typeface="等线"/>
+                <a:ea typeface="DejaVu Sans"/>
               </a:rPr>
               <a:t>18</a:t>
             </a:r>
@@ -5555,7 +5321,7 @@
       </p:sp>
       <p:sp>
         <p:nvSpPr>
-          <p:cNvPr id="89" name="TextBox 69"/>
+          <p:cNvPr id="93" name="TextBox 69"/>
           <p:cNvSpPr/>
           <p:nvPr/>
         </p:nvSpPr>
@@ -5595,6 +5361,7 @@
                   <a:srgbClr val="ff0000"/>
                 </a:solidFill>
                 <a:latin typeface="等线"/>
+                <a:ea typeface="DejaVu Sans"/>
               </a:rPr>
               <a:t>6</a:t>
             </a:r>
@@ -5606,7 +5373,7 @@
       </p:sp>
       <p:sp>
         <p:nvSpPr>
-          <p:cNvPr id="90" name="TextBox 70"/>
+          <p:cNvPr id="94" name="TextBox 70"/>
           <p:cNvSpPr/>
           <p:nvPr/>
         </p:nvSpPr>
@@ -5646,6 +5413,7 @@
                   <a:srgbClr val="ff0000"/>
                 </a:solidFill>
                 <a:latin typeface="等线"/>
+                <a:ea typeface="DejaVu Sans"/>
               </a:rPr>
               <a:t>8</a:t>
             </a:r>
@@ -5657,7 +5425,7 @@
       </p:sp>
       <p:sp>
         <p:nvSpPr>
-          <p:cNvPr id="91" name="Straight Connector 2"/>
+          <p:cNvPr id="95" name="Straight Connector 2"/>
           <p:cNvSpPr/>
           <p:nvPr/>
         </p:nvSpPr>
@@ -5690,7 +5458,7 @@
       </p:sp>
       <p:sp>
         <p:nvSpPr>
-          <p:cNvPr id="92" name="Straight Connector 4"/>
+          <p:cNvPr id="96" name="Straight Connector 4"/>
           <p:cNvSpPr/>
           <p:nvPr/>
         </p:nvSpPr>
@@ -5723,7 +5491,7 @@
       </p:sp>
       <p:sp>
         <p:nvSpPr>
-          <p:cNvPr id="93" name="Straight Connector 6"/>
+          <p:cNvPr id="97" name="Straight Connector 6"/>
           <p:cNvSpPr/>
           <p:nvPr/>
         </p:nvSpPr>
@@ -5756,7 +5524,7 @@
       </p:sp>
       <p:sp>
         <p:nvSpPr>
-          <p:cNvPr id="94" name="Straight Connector 8"/>
+          <p:cNvPr id="98" name="Straight Connector 8"/>
           <p:cNvSpPr/>
           <p:nvPr/>
         </p:nvSpPr>
@@ -5789,7 +5557,7 @@
       </p:sp>
       <p:sp>
         <p:nvSpPr>
-          <p:cNvPr id="95" name="Straight Connector 10"/>
+          <p:cNvPr id="99" name="Straight Connector 10"/>
           <p:cNvSpPr/>
           <p:nvPr/>
         </p:nvSpPr>
@@ -5822,7 +5590,7 @@
       </p:sp>
       <p:sp>
         <p:nvSpPr>
-          <p:cNvPr id="96" name="Straight Connector 12"/>
+          <p:cNvPr id="100" name="Straight Connector 12"/>
           <p:cNvSpPr/>
           <p:nvPr/>
         </p:nvSpPr>
@@ -5855,7 +5623,7 @@
       </p:sp>
       <p:sp>
         <p:nvSpPr>
-          <p:cNvPr id="97" name="TextBox 75"/>
+          <p:cNvPr id="101" name="TextBox 75"/>
           <p:cNvSpPr/>
           <p:nvPr/>
         </p:nvSpPr>
@@ -5898,6 +5666,7 @@
                   <a:srgbClr val="ffff00"/>
                 </a:highlight>
                 <a:latin typeface="等线"/>
+                <a:ea typeface="DejaVu Sans"/>
               </a:rPr>
               <a:t>12</a:t>
             </a:r>
@@ -5909,7 +5678,7 @@
       </p:sp>
       <p:sp>
         <p:nvSpPr>
-          <p:cNvPr id="98" name="TextBox 76"/>
+          <p:cNvPr id="102" name="TextBox 76"/>
           <p:cNvSpPr/>
           <p:nvPr/>
         </p:nvSpPr>
@@ -5952,6 +5721,7 @@
                   <a:srgbClr val="ffff00"/>
                 </a:highlight>
                 <a:latin typeface="等线"/>
+                <a:ea typeface="DejaVu Sans"/>
               </a:rPr>
               <a:t>15</a:t>
             </a:r>
@@ -5963,7 +5733,7 @@
       </p:sp>
       <p:sp>
         <p:nvSpPr>
-          <p:cNvPr id="99" name="TextBox 77"/>
+          <p:cNvPr id="103" name="TextBox 77"/>
           <p:cNvSpPr/>
           <p:nvPr/>
         </p:nvSpPr>
@@ -6003,6 +5773,7 @@
                   <a:srgbClr val="000000"/>
                 </a:solidFill>
                 <a:latin typeface="等线"/>
+                <a:ea typeface="DejaVu Sans"/>
               </a:rPr>
               <a:t>13</a:t>
             </a:r>
@@ -6014,7 +5785,7 @@
       </p:sp>
       <p:sp>
         <p:nvSpPr>
-          <p:cNvPr id="100" name="TextBox 78"/>
+          <p:cNvPr id="104" name="TextBox 78"/>
           <p:cNvSpPr/>
           <p:nvPr/>
         </p:nvSpPr>
@@ -6054,6 +5825,7 @@
                   <a:srgbClr val="000000"/>
                 </a:solidFill>
                 <a:latin typeface="等线"/>
+                <a:ea typeface="DejaVu Sans"/>
               </a:rPr>
               <a:t>14</a:t>
             </a:r>
@@ -6065,7 +5837,7 @@
       </p:sp>
       <p:sp>
         <p:nvSpPr>
-          <p:cNvPr id="101" name="TextBox 79"/>
+          <p:cNvPr id="105" name="TextBox 79"/>
           <p:cNvSpPr/>
           <p:nvPr/>
         </p:nvSpPr>
@@ -6105,6 +5877,7 @@
                   <a:srgbClr val="ff0000"/>
                 </a:solidFill>
                 <a:latin typeface="等线"/>
+                <a:ea typeface="DejaVu Sans"/>
               </a:rPr>
               <a:t>7</a:t>
             </a:r>
@@ -6116,7 +5889,7 @@
       </p:sp>
       <p:sp>
         <p:nvSpPr>
-          <p:cNvPr id="102" name="TextBox 80"/>
+          <p:cNvPr id="106" name="TextBox 80"/>
           <p:cNvSpPr/>
           <p:nvPr/>
         </p:nvSpPr>
@@ -6156,6 +5929,7 @@
                   <a:srgbClr val="ff0000"/>
                 </a:solidFill>
                 <a:latin typeface="等线"/>
+                <a:ea typeface="DejaVu Sans"/>
               </a:rPr>
               <a:t>16</a:t>
             </a:r>
@@ -6167,7 +5941,7 @@
       </p:sp>
       <p:sp>
         <p:nvSpPr>
-          <p:cNvPr id="103" name="TextBox 81"/>
+          <p:cNvPr id="107" name="TextBox 81"/>
           <p:cNvSpPr/>
           <p:nvPr/>
         </p:nvSpPr>
@@ -6207,6 +5981,7 @@
                   <a:srgbClr val="ff0000"/>
                 </a:solidFill>
                 <a:latin typeface="等线"/>
+                <a:ea typeface="DejaVu Sans"/>
               </a:rPr>
               <a:t>17</a:t>
             </a:r>
@@ -6218,7 +5993,7 @@
       </p:sp>
       <p:sp>
         <p:nvSpPr>
-          <p:cNvPr id="104" name="TextBox 82"/>
+          <p:cNvPr id="108" name="TextBox 82"/>
           <p:cNvSpPr/>
           <p:nvPr/>
         </p:nvSpPr>
@@ -6258,6 +6033,7 @@
                   <a:srgbClr val="ff0000"/>
                 </a:solidFill>
                 <a:latin typeface="等线"/>
+                <a:ea typeface="DejaVu Sans"/>
               </a:rPr>
               <a:t>13</a:t>
             </a:r>
@@ -6269,7 +6045,7 @@
       </p:sp>
       <p:sp>
         <p:nvSpPr>
-          <p:cNvPr id="105" name="TextBox 83"/>
+          <p:cNvPr id="109" name="TextBox 83"/>
           <p:cNvSpPr/>
           <p:nvPr/>
         </p:nvSpPr>
@@ -6309,6 +6085,7 @@
                   <a:srgbClr val="ff0000"/>
                 </a:solidFill>
                 <a:latin typeface="等线"/>
+                <a:ea typeface="DejaVu Sans"/>
               </a:rPr>
               <a:t>14</a:t>
             </a:r>
@@ -6320,7 +6097,7 @@
       </p:sp>
       <p:sp>
         <p:nvSpPr>
-          <p:cNvPr id="106" name="TextBox 84"/>
+          <p:cNvPr id="110" name="TextBox 84"/>
           <p:cNvSpPr/>
           <p:nvPr/>
         </p:nvSpPr>
@@ -6360,6 +6137,7 @@
                   <a:srgbClr val="ff0000"/>
                 </a:solidFill>
                 <a:latin typeface="等线"/>
+                <a:ea typeface="DejaVu Sans"/>
               </a:rPr>
               <a:t>15</a:t>
             </a:r>
@@ -6371,7 +6149,7 @@
       </p:sp>
       <p:sp>
         <p:nvSpPr>
-          <p:cNvPr id="107" name="Straight Connector 3"/>
+          <p:cNvPr id="111" name="Straight Connector 3"/>
           <p:cNvSpPr/>
           <p:nvPr/>
         </p:nvSpPr>
@@ -6404,7 +6182,7 @@
       </p:sp>
       <p:sp>
         <p:nvSpPr>
-          <p:cNvPr id="108" name="Straight Connector 7"/>
+          <p:cNvPr id="112" name="Straight Connector 7"/>
           <p:cNvSpPr/>
           <p:nvPr/>
         </p:nvSpPr>
@@ -6437,7 +6215,7 @@
       </p:sp>
       <p:sp>
         <p:nvSpPr>
-          <p:cNvPr id="109" name="Straight Connector 11"/>
+          <p:cNvPr id="113" name="Straight Connector 11"/>
           <p:cNvSpPr/>
           <p:nvPr/>
         </p:nvSpPr>
@@ -6470,7 +6248,7 @@
       </p:sp>
       <p:sp>
         <p:nvSpPr>
-          <p:cNvPr id="110" name="Straight Connector 14"/>
+          <p:cNvPr id="114" name="Straight Connector 14"/>
           <p:cNvSpPr/>
           <p:nvPr/>
         </p:nvSpPr>
@@ -6503,7 +6281,7 @@
       </p:sp>
       <p:sp>
         <p:nvSpPr>
-          <p:cNvPr id="111" name="TextBox 85"/>
+          <p:cNvPr id="115" name="TextBox 85"/>
           <p:cNvSpPr/>
           <p:nvPr/>
         </p:nvSpPr>
@@ -6543,6 +6321,7 @@
                   <a:srgbClr val="000000"/>
                 </a:solidFill>
                 <a:latin typeface="等线"/>
+                <a:ea typeface="DejaVu Sans"/>
               </a:rPr>
               <a:t>18</a:t>
             </a:r>
@@ -6554,7 +6333,7 @@
       </p:sp>
       <p:sp>
         <p:nvSpPr>
-          <p:cNvPr id="112" name="TextBox 86"/>
+          <p:cNvPr id="116" name="TextBox 86"/>
           <p:cNvSpPr/>
           <p:nvPr/>
         </p:nvSpPr>
@@ -6594,6 +6373,7 @@
                   <a:srgbClr val="000000"/>
                 </a:solidFill>
                 <a:latin typeface="等线"/>
+                <a:ea typeface="DejaVu Sans"/>
               </a:rPr>
               <a:t>17</a:t>
             </a:r>
@@ -6605,7 +6385,7 @@
       </p:sp>
       <p:sp>
         <p:nvSpPr>
-          <p:cNvPr id="113" name="TextBox 87"/>
+          <p:cNvPr id="117" name="TextBox 87"/>
           <p:cNvSpPr/>
           <p:nvPr/>
         </p:nvSpPr>
@@ -6645,6 +6425,7 @@
                   <a:srgbClr val="000000"/>
                 </a:solidFill>
                 <a:latin typeface="等线"/>
+                <a:ea typeface="DejaVu Sans"/>
               </a:rPr>
               <a:t>19</a:t>
             </a:r>
@@ -6656,7 +6437,7 @@
       </p:sp>
       <p:sp>
         <p:nvSpPr>
-          <p:cNvPr id="114" name="TextBox 88"/>
+          <p:cNvPr id="118" name="TextBox 88"/>
           <p:cNvSpPr/>
           <p:nvPr/>
         </p:nvSpPr>
@@ -6696,6 +6477,7 @@
                   <a:srgbClr val="000000"/>
                 </a:solidFill>
                 <a:latin typeface="等线"/>
+                <a:ea typeface="DejaVu Sans"/>
               </a:rPr>
               <a:t>16</a:t>
             </a:r>
@@ -6707,7 +6489,7 @@
       </p:sp>
       <p:sp>
         <p:nvSpPr>
-          <p:cNvPr id="115" name="TextBox 89"/>
+          <p:cNvPr id="119" name="TextBox 89"/>
           <p:cNvSpPr/>
           <p:nvPr/>
         </p:nvSpPr>
@@ -6747,6 +6529,7 @@
                   <a:srgbClr val="ff0000"/>
                 </a:solidFill>
                 <a:latin typeface="等线"/>
+                <a:ea typeface="DejaVu Sans"/>
               </a:rPr>
               <a:t>22</a:t>
             </a:r>
@@ -6758,7 +6541,7 @@
       </p:sp>
       <p:sp>
         <p:nvSpPr>
-          <p:cNvPr id="116" name="TextBox 90"/>
+          <p:cNvPr id="120" name="TextBox 90"/>
           <p:cNvSpPr/>
           <p:nvPr/>
         </p:nvSpPr>
@@ -6798,6 +6581,7 @@
                   <a:srgbClr val="ff0000"/>
                 </a:solidFill>
                 <a:latin typeface="等线"/>
+                <a:ea typeface="DejaVu Sans"/>
               </a:rPr>
               <a:t>21</a:t>
             </a:r>
@@ -6809,7 +6593,7 @@
       </p:sp>
       <p:sp>
         <p:nvSpPr>
-          <p:cNvPr id="117" name="TextBox 91"/>
+          <p:cNvPr id="121" name="TextBox 91"/>
           <p:cNvSpPr/>
           <p:nvPr/>
         </p:nvSpPr>
@@ -6849,6 +6633,7 @@
                   <a:srgbClr val="ff0000"/>
                 </a:solidFill>
                 <a:latin typeface="等线"/>
+                <a:ea typeface="DejaVu Sans"/>
               </a:rPr>
               <a:t>20</a:t>
             </a:r>
@@ -6860,7 +6645,7 @@
       </p:sp>
       <p:sp>
         <p:nvSpPr>
-          <p:cNvPr id="118" name="TextBox 92"/>
+          <p:cNvPr id="122" name="TextBox 92"/>
           <p:cNvSpPr/>
           <p:nvPr/>
         </p:nvSpPr>
@@ -6900,6 +6685,7 @@
                   <a:srgbClr val="ff0000"/>
                 </a:solidFill>
                 <a:latin typeface="等线"/>
+                <a:ea typeface="DejaVu Sans"/>
               </a:rPr>
               <a:t>19</a:t>
             </a:r>
@@ -6941,7 +6727,7 @@
       </p:grpSpPr>
       <p:pic>
         <p:nvPicPr>
-          <p:cNvPr id="119" name="Picture 19" descr=""/>
+          <p:cNvPr id="123" name="Picture 19" descr=""/>
           <p:cNvPicPr/>
           <p:nvPr/>
         </p:nvPicPr>
@@ -6952,7 +6738,7 @@
         <p:spPr>
           <a:xfrm>
             <a:off x="275040" y="223920"/>
-            <a:ext cx="3034800" cy="1621440"/>
+            <a:ext cx="3034440" cy="1621080"/>
           </a:xfrm>
           <a:prstGeom prst="rect">
             <a:avLst/>
@@ -6964,7 +6750,7 @@
       </p:pic>
       <p:sp>
         <p:nvSpPr>
-          <p:cNvPr id="120" name="Straight Connector 21"/>
+          <p:cNvPr id="124" name="Straight Connector 21"/>
           <p:cNvSpPr/>
           <p:nvPr/>
         </p:nvSpPr>
@@ -6997,7 +6783,7 @@
       </p:sp>
       <p:sp>
         <p:nvSpPr>
-          <p:cNvPr id="121" name="Straight Connector 23"/>
+          <p:cNvPr id="125" name="Straight Connector 23"/>
           <p:cNvSpPr/>
           <p:nvPr/>
         </p:nvSpPr>
@@ -7030,7 +6816,7 @@
       </p:sp>
       <p:sp>
         <p:nvSpPr>
-          <p:cNvPr id="122" name="Straight Connector 25"/>
+          <p:cNvPr id="126" name="Straight Connector 25"/>
           <p:cNvSpPr/>
           <p:nvPr/>
         </p:nvSpPr>
@@ -7063,7 +6849,7 @@
       </p:sp>
       <p:sp>
         <p:nvSpPr>
-          <p:cNvPr id="123" name="Straight Connector 30"/>
+          <p:cNvPr id="127" name="Straight Connector 30"/>
           <p:cNvSpPr/>
           <p:nvPr/>
         </p:nvSpPr>
@@ -7096,7 +6882,7 @@
       </p:sp>
       <p:sp>
         <p:nvSpPr>
-          <p:cNvPr id="124" name="Straight Connector 35"/>
+          <p:cNvPr id="128" name="Straight Connector 35"/>
           <p:cNvSpPr/>
           <p:nvPr/>
         </p:nvSpPr>
@@ -7129,7 +6915,7 @@
       </p:sp>
       <p:sp>
         <p:nvSpPr>
-          <p:cNvPr id="125" name="Straight Connector 39"/>
+          <p:cNvPr id="129" name="Straight Connector 39"/>
           <p:cNvSpPr/>
           <p:nvPr/>
         </p:nvSpPr>
@@ -7162,7 +6948,7 @@
       </p:sp>
       <p:sp>
         <p:nvSpPr>
-          <p:cNvPr id="126" name="Straight Connector 43"/>
+          <p:cNvPr id="130" name="Straight Connector 43"/>
           <p:cNvSpPr/>
           <p:nvPr/>
         </p:nvSpPr>
@@ -7195,7 +6981,7 @@
       </p:sp>
       <p:sp>
         <p:nvSpPr>
-          <p:cNvPr id="127" name="Straight Connector 47"/>
+          <p:cNvPr id="131" name="Straight Connector 47"/>
           <p:cNvSpPr/>
           <p:nvPr/>
         </p:nvSpPr>
@@ -7228,7 +7014,7 @@
       </p:sp>
       <p:sp>
         <p:nvSpPr>
-          <p:cNvPr id="128" name="Straight Connector 127"/>
+          <p:cNvPr id="132" name="Straight Connector 127"/>
           <p:cNvSpPr/>
           <p:nvPr/>
         </p:nvSpPr>
@@ -7261,7 +7047,7 @@
       </p:sp>
       <p:sp>
         <p:nvSpPr>
-          <p:cNvPr id="129" name="Straight Connector 129"/>
+          <p:cNvPr id="133" name="Straight Connector 129"/>
           <p:cNvSpPr/>
           <p:nvPr/>
         </p:nvSpPr>
@@ -7294,7 +7080,7 @@
       </p:sp>
       <p:sp>
         <p:nvSpPr>
-          <p:cNvPr id="130" name="TextBox 130"/>
+          <p:cNvPr id="134" name="TextBox 130"/>
           <p:cNvSpPr/>
           <p:nvPr/>
         </p:nvSpPr>
@@ -7334,6 +7120,7 @@
                   <a:srgbClr val="000000"/>
                 </a:solidFill>
                 <a:latin typeface="等线"/>
+                <a:ea typeface="DejaVu Sans"/>
               </a:rPr>
               <a:t>7</a:t>
             </a:r>
@@ -7345,7 +7132,7 @@
       </p:sp>
       <p:sp>
         <p:nvSpPr>
-          <p:cNvPr id="131" name="TextBox 131"/>
+          <p:cNvPr id="135" name="TextBox 131"/>
           <p:cNvSpPr/>
           <p:nvPr/>
         </p:nvSpPr>
@@ -7385,6 +7172,7 @@
                   <a:srgbClr val="000000"/>
                 </a:solidFill>
                 <a:latin typeface="等线"/>
+                <a:ea typeface="DejaVu Sans"/>
               </a:rPr>
               <a:t>2</a:t>
             </a:r>
@@ -7396,7 +7184,7 @@
       </p:sp>
       <p:sp>
         <p:nvSpPr>
-          <p:cNvPr id="132" name="TextBox 132"/>
+          <p:cNvPr id="136" name="TextBox 132"/>
           <p:cNvSpPr/>
           <p:nvPr/>
         </p:nvSpPr>
@@ -7436,6 +7224,7 @@
                   <a:srgbClr val="000000"/>
                 </a:solidFill>
                 <a:latin typeface="等线"/>
+                <a:ea typeface="DejaVu Sans"/>
               </a:rPr>
               <a:t>b7</a:t>
             </a:r>
@@ -7447,7 +7236,7 @@
       </p:sp>
       <p:sp>
         <p:nvSpPr>
-          <p:cNvPr id="133" name="TextBox 133"/>
+          <p:cNvPr id="137" name="TextBox 133"/>
           <p:cNvSpPr/>
           <p:nvPr/>
         </p:nvSpPr>
@@ -7487,6 +7276,7 @@
                   <a:srgbClr val="000000"/>
                 </a:solidFill>
                 <a:latin typeface="等线"/>
+                <a:ea typeface="DejaVu Sans"/>
               </a:rPr>
               <a:t>b2</a:t>
             </a:r>
@@ -7498,7 +7288,7 @@
       </p:sp>
       <p:sp>
         <p:nvSpPr>
-          <p:cNvPr id="134" name="TextBox 134"/>
+          <p:cNvPr id="138" name="TextBox 134"/>
           <p:cNvSpPr/>
           <p:nvPr/>
         </p:nvSpPr>
@@ -7538,6 +7328,7 @@
                   <a:srgbClr val="ff0000"/>
                 </a:solidFill>
                 <a:latin typeface="等线"/>
+                <a:ea typeface="DejaVu Sans"/>
               </a:rPr>
               <a:t>8</a:t>
             </a:r>
@@ -7579,7 +7370,7 @@
       </p:grpSpPr>
       <p:sp>
         <p:nvSpPr>
-          <p:cNvPr id="135" name="Straight Connector 42"/>
+          <p:cNvPr id="139" name="Straight Connector 42"/>
           <p:cNvSpPr/>
           <p:nvPr/>
         </p:nvSpPr>
@@ -7612,7 +7403,7 @@
       </p:sp>
       <p:sp>
         <p:nvSpPr>
-          <p:cNvPr id="136" name="Straight Connector 44"/>
+          <p:cNvPr id="140" name="Straight Connector 44"/>
           <p:cNvSpPr/>
           <p:nvPr/>
         </p:nvSpPr>
@@ -7645,7 +7436,7 @@
       </p:sp>
       <p:sp>
         <p:nvSpPr>
-          <p:cNvPr id="137" name="Straight Connector 46"/>
+          <p:cNvPr id="141" name="Straight Connector 46"/>
           <p:cNvSpPr/>
           <p:nvPr/>
         </p:nvSpPr>
@@ -7678,7 +7469,7 @@
       </p:sp>
       <p:sp>
         <p:nvSpPr>
-          <p:cNvPr id="138" name="Straight Connector 48"/>
+          <p:cNvPr id="142" name="Straight Connector 48"/>
           <p:cNvSpPr/>
           <p:nvPr/>
         </p:nvSpPr>
@@ -7711,7 +7502,7 @@
       </p:sp>
       <p:sp>
         <p:nvSpPr>
-          <p:cNvPr id="139" name="TextBox 58"/>
+          <p:cNvPr id="143" name="TextBox 58"/>
           <p:cNvSpPr/>
           <p:nvPr/>
         </p:nvSpPr>
@@ -7751,6 +7542,7 @@
                   <a:srgbClr val="000000"/>
                 </a:solidFill>
                 <a:latin typeface="等线"/>
+                <a:ea typeface="DejaVu Sans"/>
               </a:rPr>
               <a:t>11</a:t>
             </a:r>
@@ -7762,7 +7554,7 @@
       </p:sp>
       <p:sp>
         <p:nvSpPr>
-          <p:cNvPr id="140" name="TextBox 59"/>
+          <p:cNvPr id="144" name="TextBox 59"/>
           <p:cNvSpPr/>
           <p:nvPr/>
         </p:nvSpPr>
@@ -7802,6 +7594,7 @@
                   <a:srgbClr val="000000"/>
                 </a:solidFill>
                 <a:latin typeface="等线"/>
+                <a:ea typeface="DejaVu Sans"/>
               </a:rPr>
               <a:t>10</a:t>
             </a:r>
@@ -7813,7 +7606,7 @@
       </p:sp>
       <p:sp>
         <p:nvSpPr>
-          <p:cNvPr id="141" name="TextBox 60"/>
+          <p:cNvPr id="145" name="TextBox 60"/>
           <p:cNvSpPr/>
           <p:nvPr/>
         </p:nvSpPr>
@@ -7853,6 +7646,7 @@
                   <a:srgbClr val="000000"/>
                 </a:solidFill>
                 <a:latin typeface="等线"/>
+                <a:ea typeface="DejaVu Sans"/>
               </a:rPr>
               <a:t>8</a:t>
             </a:r>
@@ -7864,7 +7658,7 @@
       </p:sp>
       <p:sp>
         <p:nvSpPr>
-          <p:cNvPr id="142" name="TextBox 61"/>
+          <p:cNvPr id="146" name="TextBox 61"/>
           <p:cNvSpPr/>
           <p:nvPr/>
         </p:nvSpPr>
@@ -7904,6 +7698,7 @@
                   <a:srgbClr val="000000"/>
                 </a:solidFill>
                 <a:latin typeface="等线"/>
+                <a:ea typeface="DejaVu Sans"/>
               </a:rPr>
               <a:t>9</a:t>
             </a:r>
@@ -7915,7 +7710,7 @@
       </p:sp>
       <p:sp>
         <p:nvSpPr>
-          <p:cNvPr id="143" name="TextBox 71"/>
+          <p:cNvPr id="147" name="TextBox 71"/>
           <p:cNvSpPr/>
           <p:nvPr/>
         </p:nvSpPr>
@@ -7955,6 +7750,7 @@
                   <a:srgbClr val="ff0000"/>
                 </a:solidFill>
                 <a:latin typeface="等线"/>
+                <a:ea typeface="DejaVu Sans"/>
               </a:rPr>
               <a:t>11</a:t>
             </a:r>
@@ -7966,7 +7762,7 @@
       </p:sp>
       <p:sp>
         <p:nvSpPr>
-          <p:cNvPr id="144" name="TextBox 72"/>
+          <p:cNvPr id="148" name="TextBox 72"/>
           <p:cNvSpPr/>
           <p:nvPr/>
         </p:nvSpPr>
@@ -8006,6 +7802,7 @@
                   <a:srgbClr val="ff0000"/>
                 </a:solidFill>
                 <a:latin typeface="等线"/>
+                <a:ea typeface="DejaVu Sans"/>
               </a:rPr>
               <a:t>12</a:t>
             </a:r>
@@ -8017,7 +7814,7 @@
       </p:sp>
       <p:sp>
         <p:nvSpPr>
-          <p:cNvPr id="145" name="TextBox 73"/>
+          <p:cNvPr id="149" name="TextBox 73"/>
           <p:cNvSpPr/>
           <p:nvPr/>
         </p:nvSpPr>
@@ -8057,6 +7854,7 @@
                   <a:srgbClr val="ff0000"/>
                 </a:solidFill>
                 <a:latin typeface="等线"/>
+                <a:ea typeface="DejaVu Sans"/>
               </a:rPr>
               <a:t>10</a:t>
             </a:r>
@@ -8068,7 +7866,7 @@
       </p:sp>
       <p:sp>
         <p:nvSpPr>
-          <p:cNvPr id="146" name="TextBox 74"/>
+          <p:cNvPr id="150" name="TextBox 74"/>
           <p:cNvSpPr/>
           <p:nvPr/>
         </p:nvSpPr>
@@ -8108,6 +7906,7 @@
                   <a:srgbClr val="ff0000"/>
                 </a:solidFill>
                 <a:latin typeface="等线"/>
+                <a:ea typeface="DejaVu Sans"/>
               </a:rPr>
               <a:t>9</a:t>
             </a:r>
@@ -8119,7 +7918,7 @@
       </p:sp>
       <p:sp>
         <p:nvSpPr>
-          <p:cNvPr id="147" name="Straight Connector 3"/>
+          <p:cNvPr id="151" name="Straight Connector 3"/>
           <p:cNvSpPr/>
           <p:nvPr/>
         </p:nvSpPr>
@@ -8152,7 +7951,7 @@
       </p:sp>
       <p:sp>
         <p:nvSpPr>
-          <p:cNvPr id="148" name="Straight Connector 7"/>
+          <p:cNvPr id="152" name="Straight Connector 7"/>
           <p:cNvSpPr/>
           <p:nvPr/>
         </p:nvSpPr>
@@ -8185,7 +7984,7 @@
       </p:sp>
       <p:sp>
         <p:nvSpPr>
-          <p:cNvPr id="149" name="Straight Connector 11"/>
+          <p:cNvPr id="153" name="Straight Connector 11"/>
           <p:cNvSpPr/>
           <p:nvPr/>
         </p:nvSpPr>
@@ -8218,7 +8017,7 @@
       </p:sp>
       <p:sp>
         <p:nvSpPr>
-          <p:cNvPr id="150" name="Straight Connector 15"/>
+          <p:cNvPr id="154" name="Straight Connector 15"/>
           <p:cNvSpPr/>
           <p:nvPr/>
         </p:nvSpPr>
@@ -8251,7 +8050,7 @@
       </p:sp>
       <p:sp>
         <p:nvSpPr>
-          <p:cNvPr id="151" name="TextBox 16"/>
+          <p:cNvPr id="155" name="TextBox 16"/>
           <p:cNvSpPr/>
           <p:nvPr/>
         </p:nvSpPr>
@@ -8291,6 +8090,7 @@
                   <a:srgbClr val="000000"/>
                 </a:solidFill>
                 <a:latin typeface="等线"/>
+                <a:ea typeface="DejaVu Sans"/>
               </a:rPr>
               <a:t>A</a:t>
             </a:r>
@@ -8302,7 +8102,7 @@
       </p:sp>
       <p:sp>
         <p:nvSpPr>
-          <p:cNvPr id="152" name="TextBox 17"/>
+          <p:cNvPr id="156" name="TextBox 17"/>
           <p:cNvSpPr/>
           <p:nvPr/>
         </p:nvSpPr>
@@ -8342,6 +8142,7 @@
                   <a:srgbClr val="000000"/>
                 </a:solidFill>
                 <a:latin typeface="等线"/>
+                <a:ea typeface="DejaVu Sans"/>
               </a:rPr>
               <a:t>B</a:t>
             </a:r>
@@ -8353,7 +8154,7 @@
       </p:sp>
       <p:sp>
         <p:nvSpPr>
-          <p:cNvPr id="153" name="TextBox 18"/>
+          <p:cNvPr id="157" name="TextBox 18"/>
           <p:cNvSpPr/>
           <p:nvPr/>
         </p:nvSpPr>
@@ -8393,6 +8194,7 @@
                   <a:srgbClr val="000000"/>
                 </a:solidFill>
                 <a:latin typeface="等线"/>
+                <a:ea typeface="DejaVu Sans"/>
               </a:rPr>
               <a:t>C</a:t>
             </a:r>
@@ -8404,7 +8206,7 @@
       </p:sp>
       <p:sp>
         <p:nvSpPr>
-          <p:cNvPr id="154" name="TextBox 19"/>
+          <p:cNvPr id="158" name="TextBox 19"/>
           <p:cNvSpPr/>
           <p:nvPr/>
         </p:nvSpPr>
@@ -8444,6 +8246,7 @@
                   <a:srgbClr val="000000"/>
                 </a:solidFill>
                 <a:latin typeface="等线"/>
+                <a:ea typeface="DejaVu Sans"/>
               </a:rPr>
               <a:t>D</a:t>
             </a:r>
@@ -8455,7 +8258,7 @@
       </p:sp>
       <p:sp>
         <p:nvSpPr>
-          <p:cNvPr id="155" name="TextBox 20"/>
+          <p:cNvPr id="159" name="TextBox 20"/>
           <p:cNvSpPr/>
           <p:nvPr/>
         </p:nvSpPr>
@@ -8495,6 +8298,7 @@
                   <a:srgbClr val="000000"/>
                 </a:solidFill>
                 <a:latin typeface="等线"/>
+                <a:ea typeface="DejaVu Sans"/>
               </a:rPr>
               <a:t>E</a:t>
             </a:r>
@@ -8506,7 +8310,7 @@
       </p:sp>
       <p:sp>
         <p:nvSpPr>
-          <p:cNvPr id="156" name="TextBox 21"/>
+          <p:cNvPr id="160" name="TextBox 21"/>
           <p:cNvSpPr/>
           <p:nvPr/>
         </p:nvSpPr>
@@ -8546,6 +8350,7 @@
                   <a:srgbClr val="000000"/>
                 </a:solidFill>
                 <a:latin typeface="等线"/>
+                <a:ea typeface="DejaVu Sans"/>
               </a:rPr>
               <a:t>F</a:t>
             </a:r>
@@ -8557,7 +8362,7 @@
       </p:sp>
       <p:sp>
         <p:nvSpPr>
-          <p:cNvPr id="157" name="TextBox 22"/>
+          <p:cNvPr id="161" name="TextBox 22"/>
           <p:cNvSpPr/>
           <p:nvPr/>
         </p:nvSpPr>
@@ -8597,6 +8402,7 @@
                   <a:srgbClr val="000000"/>
                 </a:solidFill>
                 <a:latin typeface="等线"/>
+                <a:ea typeface="DejaVu Sans"/>
               </a:rPr>
               <a:t>G</a:t>
             </a:r>
@@ -8608,7 +8414,7 @@
       </p:sp>
       <p:sp>
         <p:nvSpPr>
-          <p:cNvPr id="158" name="TextBox 23"/>
+          <p:cNvPr id="162" name="TextBox 23"/>
           <p:cNvSpPr/>
           <p:nvPr/>
         </p:nvSpPr>
@@ -8648,6 +8454,7 @@
                   <a:srgbClr val="000000"/>
                 </a:solidFill>
                 <a:latin typeface="等线"/>
+                <a:ea typeface="DejaVu Sans"/>
               </a:rPr>
               <a:t>H</a:t>
             </a:r>

--- a/meshdivision.pptx
+++ b/meshdivision.pptx
@@ -105,6 +105,11 @@
       </a:defRPr>
     </a:lvl9pPr>
   </p:defaultTextStyle>
+  <p:extLst>
+    <p:ext uri="{EFAFB233-063F-42B5-8137-9DF3F51BA10A}">
+      <p15:sldGuideLst xmlns:p15="http://schemas.microsoft.com/office/powerpoint/2012/main"/>
+    </p:ext>
+  </p:extLst>
 </p:presentation>
 </file>
 
@@ -257,7 +262,7 @@
           <a:p>
             <a:fld id="{03164FCF-B41B-2A40-A279-0695F92D9BA0}" type="datetimeFigureOut">
               <a:rPr lang="en-US" smtClean="0"/>
-              <a:t>8/2/23</a:t>
+              <a:t>8/3/2023</a:t>
             </a:fld>
             <a:endParaRPr lang="en-US"/>
           </a:p>
@@ -457,7 +462,7 @@
           <a:p>
             <a:fld id="{03164FCF-B41B-2A40-A279-0695F92D9BA0}" type="datetimeFigureOut">
               <a:rPr lang="en-US" smtClean="0"/>
-              <a:t>8/2/23</a:t>
+              <a:t>8/3/2023</a:t>
             </a:fld>
             <a:endParaRPr lang="en-US"/>
           </a:p>
@@ -667,7 +672,7 @@
           <a:p>
             <a:fld id="{03164FCF-B41B-2A40-A279-0695F92D9BA0}" type="datetimeFigureOut">
               <a:rPr lang="en-US" smtClean="0"/>
-              <a:t>8/2/23</a:t>
+              <a:t>8/3/2023</a:t>
             </a:fld>
             <a:endParaRPr lang="en-US"/>
           </a:p>
@@ -867,7 +872,7 @@
           <a:p>
             <a:fld id="{03164FCF-B41B-2A40-A279-0695F92D9BA0}" type="datetimeFigureOut">
               <a:rPr lang="en-US" smtClean="0"/>
-              <a:t>8/2/23</a:t>
+              <a:t>8/3/2023</a:t>
             </a:fld>
             <a:endParaRPr lang="en-US"/>
           </a:p>
@@ -1143,7 +1148,7 @@
           <a:p>
             <a:fld id="{03164FCF-B41B-2A40-A279-0695F92D9BA0}" type="datetimeFigureOut">
               <a:rPr lang="en-US" smtClean="0"/>
-              <a:t>8/2/23</a:t>
+              <a:t>8/3/2023</a:t>
             </a:fld>
             <a:endParaRPr lang="en-US"/>
           </a:p>
@@ -1411,7 +1416,7 @@
           <a:p>
             <a:fld id="{03164FCF-B41B-2A40-A279-0695F92D9BA0}" type="datetimeFigureOut">
               <a:rPr lang="en-US" smtClean="0"/>
-              <a:t>8/2/23</a:t>
+              <a:t>8/3/2023</a:t>
             </a:fld>
             <a:endParaRPr lang="en-US"/>
           </a:p>
@@ -1826,7 +1831,7 @@
           <a:p>
             <a:fld id="{03164FCF-B41B-2A40-A279-0695F92D9BA0}" type="datetimeFigureOut">
               <a:rPr lang="en-US" smtClean="0"/>
-              <a:t>8/2/23</a:t>
+              <a:t>8/3/2023</a:t>
             </a:fld>
             <a:endParaRPr lang="en-US"/>
           </a:p>
@@ -1968,7 +1973,7 @@
           <a:p>
             <a:fld id="{03164FCF-B41B-2A40-A279-0695F92D9BA0}" type="datetimeFigureOut">
               <a:rPr lang="en-US" smtClean="0"/>
-              <a:t>8/2/23</a:t>
+              <a:t>8/3/2023</a:t>
             </a:fld>
             <a:endParaRPr lang="en-US"/>
           </a:p>
@@ -2081,7 +2086,7 @@
           <a:p>
             <a:fld id="{03164FCF-B41B-2A40-A279-0695F92D9BA0}" type="datetimeFigureOut">
               <a:rPr lang="en-US" smtClean="0"/>
-              <a:t>8/2/23</a:t>
+              <a:t>8/3/2023</a:t>
             </a:fld>
             <a:endParaRPr lang="en-US"/>
           </a:p>
@@ -2394,7 +2399,7 @@
           <a:p>
             <a:fld id="{03164FCF-B41B-2A40-A279-0695F92D9BA0}" type="datetimeFigureOut">
               <a:rPr lang="en-US" smtClean="0"/>
-              <a:t>8/2/23</a:t>
+              <a:t>8/3/2023</a:t>
             </a:fld>
             <a:endParaRPr lang="en-US"/>
           </a:p>
@@ -2683,7 +2688,7 @@
           <a:p>
             <a:fld id="{03164FCF-B41B-2A40-A279-0695F92D9BA0}" type="datetimeFigureOut">
               <a:rPr lang="en-US" smtClean="0"/>
-              <a:t>8/2/23</a:t>
+              <a:t>8/3/2023</a:t>
             </a:fld>
             <a:endParaRPr lang="en-US"/>
           </a:p>
@@ -2926,7 +2931,7 @@
           <a:p>
             <a:fld id="{03164FCF-B41B-2A40-A279-0695F92D9BA0}" type="datetimeFigureOut">
               <a:rPr lang="en-US" smtClean="0"/>
-              <a:t>8/2/23</a:t>
+              <a:t>8/3/2023</a:t>
             </a:fld>
             <a:endParaRPr lang="en-US"/>
           </a:p>
@@ -13937,7 +13942,7 @@
         <p:spPr>
           <a:xfrm>
             <a:off x="1251705" y="1358283"/>
-            <a:ext cx="8029720" cy="1171853"/>
+            <a:ext cx="8029188" cy="1171853"/>
           </a:xfrm>
           <a:custGeom>
             <a:avLst/>
@@ -14467,7 +14472,7 @@
           <a:lstStyle/>
           <a:p>
             <a:pPr algn="ctr"/>
-            <a:endParaRPr lang="en-US"/>
+            <a:endParaRPr lang="en-US" dirty="0"/>
           </a:p>
         </p:txBody>
       </p:sp>
@@ -14812,6 +14817,419 @@
           </a:p>
         </p:txBody>
       </p:sp>
+      <p:sp>
+        <p:nvSpPr>
+          <p:cNvPr id="3" name="任意多边形: 形状 2">
+            <a:extLst>
+              <a:ext uri="{FF2B5EF4-FFF2-40B4-BE49-F238E27FC236}">
+                <a16:creationId xmlns:a16="http://schemas.microsoft.com/office/drawing/2014/main" id="{5FF21870-51FD-40A1-BA90-E63869E8876F}"/>
+              </a:ext>
+            </a:extLst>
+          </p:cNvPr>
+          <p:cNvSpPr/>
+          <p:nvPr/>
+        </p:nvSpPr>
+        <p:spPr>
+          <a:xfrm>
+            <a:off x="1268660" y="168676"/>
+            <a:ext cx="8009102" cy="1846555"/>
+          </a:xfrm>
+          <a:custGeom>
+            <a:avLst/>
+            <a:gdLst>
+              <a:gd name="connsiteX0" fmla="*/ 18602 w 8009102"/>
+              <a:gd name="connsiteY0" fmla="*/ 1180730 h 1846555"/>
+              <a:gd name="connsiteX1" fmla="*/ 18602 w 8009102"/>
+              <a:gd name="connsiteY1" fmla="*/ 754602 h 1846555"/>
+              <a:gd name="connsiteX2" fmla="*/ 27480 w 8009102"/>
+              <a:gd name="connsiteY2" fmla="*/ 692458 h 1846555"/>
+              <a:gd name="connsiteX3" fmla="*/ 80746 w 8009102"/>
+              <a:gd name="connsiteY3" fmla="*/ 497149 h 1846555"/>
+              <a:gd name="connsiteX4" fmla="*/ 107379 w 8009102"/>
+              <a:gd name="connsiteY4" fmla="*/ 399495 h 1846555"/>
+              <a:gd name="connsiteX5" fmla="*/ 125134 w 8009102"/>
+              <a:gd name="connsiteY5" fmla="*/ 284085 h 1846555"/>
+              <a:gd name="connsiteX6" fmla="*/ 134012 w 8009102"/>
+              <a:gd name="connsiteY6" fmla="*/ 204186 h 1846555"/>
+              <a:gd name="connsiteX7" fmla="*/ 151767 w 8009102"/>
+              <a:gd name="connsiteY7" fmla="*/ 106532 h 1846555"/>
+              <a:gd name="connsiteX8" fmla="*/ 160645 w 8009102"/>
+              <a:gd name="connsiteY8" fmla="*/ 0 h 1846555"/>
+              <a:gd name="connsiteX9" fmla="*/ 515752 w 8009102"/>
+              <a:gd name="connsiteY9" fmla="*/ 44388 h 1846555"/>
+              <a:gd name="connsiteX10" fmla="*/ 933002 w 8009102"/>
+              <a:gd name="connsiteY10" fmla="*/ 115409 h 1846555"/>
+              <a:gd name="connsiteX11" fmla="*/ 1634338 w 8009102"/>
+              <a:gd name="connsiteY11" fmla="*/ 177553 h 1846555"/>
+              <a:gd name="connsiteX12" fmla="*/ 2078222 w 8009102"/>
+              <a:gd name="connsiteY12" fmla="*/ 213064 h 1846555"/>
+              <a:gd name="connsiteX13" fmla="*/ 3090276 w 8009102"/>
+              <a:gd name="connsiteY13" fmla="*/ 310718 h 1846555"/>
+              <a:gd name="connsiteX14" fmla="*/ 3720590 w 8009102"/>
+              <a:gd name="connsiteY14" fmla="*/ 372862 h 1846555"/>
+              <a:gd name="connsiteX15" fmla="*/ 5753577 w 8009102"/>
+              <a:gd name="connsiteY15" fmla="*/ 355107 h 1846555"/>
+              <a:gd name="connsiteX16" fmla="*/ 6099806 w 8009102"/>
+              <a:gd name="connsiteY16" fmla="*/ 328474 h 1846555"/>
+              <a:gd name="connsiteX17" fmla="*/ 6783387 w 8009102"/>
+              <a:gd name="connsiteY17" fmla="*/ 301841 h 1846555"/>
+              <a:gd name="connsiteX18" fmla="*/ 6987573 w 8009102"/>
+              <a:gd name="connsiteY18" fmla="*/ 292963 h 1846555"/>
+              <a:gd name="connsiteX19" fmla="*/ 7218392 w 8009102"/>
+              <a:gd name="connsiteY19" fmla="*/ 266330 h 1846555"/>
+              <a:gd name="connsiteX20" fmla="*/ 7813196 w 8009102"/>
+              <a:gd name="connsiteY20" fmla="*/ 248574 h 1846555"/>
+              <a:gd name="connsiteX21" fmla="*/ 7884218 w 8009102"/>
+              <a:gd name="connsiteY21" fmla="*/ 230819 h 1846555"/>
+              <a:gd name="connsiteX22" fmla="*/ 7946361 w 8009102"/>
+              <a:gd name="connsiteY22" fmla="*/ 213064 h 1846555"/>
+              <a:gd name="connsiteX23" fmla="*/ 7893095 w 8009102"/>
+              <a:gd name="connsiteY23" fmla="*/ 559293 h 1846555"/>
+              <a:gd name="connsiteX24" fmla="*/ 7857585 w 8009102"/>
+              <a:gd name="connsiteY24" fmla="*/ 772357 h 1846555"/>
+              <a:gd name="connsiteX25" fmla="*/ 7866462 w 8009102"/>
+              <a:gd name="connsiteY25" fmla="*/ 1225118 h 1846555"/>
+              <a:gd name="connsiteX26" fmla="*/ 7910851 w 8009102"/>
+              <a:gd name="connsiteY26" fmla="*/ 1367161 h 1846555"/>
+              <a:gd name="connsiteX27" fmla="*/ 7955239 w 8009102"/>
+              <a:gd name="connsiteY27" fmla="*/ 1535837 h 1846555"/>
+              <a:gd name="connsiteX28" fmla="*/ 7999627 w 8009102"/>
+              <a:gd name="connsiteY28" fmla="*/ 1677879 h 1846555"/>
+              <a:gd name="connsiteX29" fmla="*/ 8008505 w 8009102"/>
+              <a:gd name="connsiteY29" fmla="*/ 1846555 h 1846555"/>
+            </a:gdLst>
+            <a:ahLst/>
+            <a:cxnLst>
+              <a:cxn ang="0">
+                <a:pos x="connsiteX0" y="connsiteY0"/>
+              </a:cxn>
+              <a:cxn ang="0">
+                <a:pos x="connsiteX1" y="connsiteY1"/>
+              </a:cxn>
+              <a:cxn ang="0">
+                <a:pos x="connsiteX2" y="connsiteY2"/>
+              </a:cxn>
+              <a:cxn ang="0">
+                <a:pos x="connsiteX3" y="connsiteY3"/>
+              </a:cxn>
+              <a:cxn ang="0">
+                <a:pos x="connsiteX4" y="connsiteY4"/>
+              </a:cxn>
+              <a:cxn ang="0">
+                <a:pos x="connsiteX5" y="connsiteY5"/>
+              </a:cxn>
+              <a:cxn ang="0">
+                <a:pos x="connsiteX6" y="connsiteY6"/>
+              </a:cxn>
+              <a:cxn ang="0">
+                <a:pos x="connsiteX7" y="connsiteY7"/>
+              </a:cxn>
+              <a:cxn ang="0">
+                <a:pos x="connsiteX8" y="connsiteY8"/>
+              </a:cxn>
+              <a:cxn ang="0">
+                <a:pos x="connsiteX9" y="connsiteY9"/>
+              </a:cxn>
+              <a:cxn ang="0">
+                <a:pos x="connsiteX10" y="connsiteY10"/>
+              </a:cxn>
+              <a:cxn ang="0">
+                <a:pos x="connsiteX11" y="connsiteY11"/>
+              </a:cxn>
+              <a:cxn ang="0">
+                <a:pos x="connsiteX12" y="connsiteY12"/>
+              </a:cxn>
+              <a:cxn ang="0">
+                <a:pos x="connsiteX13" y="connsiteY13"/>
+              </a:cxn>
+              <a:cxn ang="0">
+                <a:pos x="connsiteX14" y="connsiteY14"/>
+              </a:cxn>
+              <a:cxn ang="0">
+                <a:pos x="connsiteX15" y="connsiteY15"/>
+              </a:cxn>
+              <a:cxn ang="0">
+                <a:pos x="connsiteX16" y="connsiteY16"/>
+              </a:cxn>
+              <a:cxn ang="0">
+                <a:pos x="connsiteX17" y="connsiteY17"/>
+              </a:cxn>
+              <a:cxn ang="0">
+                <a:pos x="connsiteX18" y="connsiteY18"/>
+              </a:cxn>
+              <a:cxn ang="0">
+                <a:pos x="connsiteX19" y="connsiteY19"/>
+              </a:cxn>
+              <a:cxn ang="0">
+                <a:pos x="connsiteX20" y="connsiteY20"/>
+              </a:cxn>
+              <a:cxn ang="0">
+                <a:pos x="connsiteX21" y="connsiteY21"/>
+              </a:cxn>
+              <a:cxn ang="0">
+                <a:pos x="connsiteX22" y="connsiteY22"/>
+              </a:cxn>
+              <a:cxn ang="0">
+                <a:pos x="connsiteX23" y="connsiteY23"/>
+              </a:cxn>
+              <a:cxn ang="0">
+                <a:pos x="connsiteX24" y="connsiteY24"/>
+              </a:cxn>
+              <a:cxn ang="0">
+                <a:pos x="connsiteX25" y="connsiteY25"/>
+              </a:cxn>
+              <a:cxn ang="0">
+                <a:pos x="connsiteX26" y="connsiteY26"/>
+              </a:cxn>
+              <a:cxn ang="0">
+                <a:pos x="connsiteX27" y="connsiteY27"/>
+              </a:cxn>
+              <a:cxn ang="0">
+                <a:pos x="connsiteX28" y="connsiteY28"/>
+              </a:cxn>
+              <a:cxn ang="0">
+                <a:pos x="connsiteX29" y="connsiteY29"/>
+              </a:cxn>
+            </a:cxnLst>
+            <a:rect l="l" t="t" r="r" b="b"/>
+            <a:pathLst>
+              <a:path w="8009102" h="1846555">
+                <a:moveTo>
+                  <a:pt x="18602" y="1180730"/>
+                </a:moveTo>
+                <a:cubicBezTo>
+                  <a:pt x="-14582" y="1014814"/>
+                  <a:pt x="3836" y="1123741"/>
+                  <a:pt x="18602" y="754602"/>
+                </a:cubicBezTo>
+                <a:cubicBezTo>
+                  <a:pt x="19438" y="733694"/>
+                  <a:pt x="22570" y="712799"/>
+                  <a:pt x="27480" y="692458"/>
+                </a:cubicBezTo>
+                <a:cubicBezTo>
+                  <a:pt x="43314" y="626861"/>
+                  <a:pt x="62991" y="562252"/>
+                  <a:pt x="80746" y="497149"/>
+                </a:cubicBezTo>
+                <a:cubicBezTo>
+                  <a:pt x="89624" y="464598"/>
+                  <a:pt x="102249" y="432843"/>
+                  <a:pt x="107379" y="399495"/>
+                </a:cubicBezTo>
+                <a:cubicBezTo>
+                  <a:pt x="113297" y="361025"/>
+                  <a:pt x="119875" y="322651"/>
+                  <a:pt x="125134" y="284085"/>
+                </a:cubicBezTo>
+                <a:cubicBezTo>
+                  <a:pt x="128755" y="257534"/>
+                  <a:pt x="130222" y="230714"/>
+                  <a:pt x="134012" y="204186"/>
+                </a:cubicBezTo>
+                <a:cubicBezTo>
+                  <a:pt x="144549" y="130429"/>
+                  <a:pt x="142642" y="188660"/>
+                  <a:pt x="151767" y="106532"/>
+                </a:cubicBezTo>
+                <a:cubicBezTo>
+                  <a:pt x="155702" y="71116"/>
+                  <a:pt x="157686" y="35511"/>
+                  <a:pt x="160645" y="0"/>
+                </a:cubicBezTo>
+                <a:cubicBezTo>
+                  <a:pt x="311988" y="13757"/>
+                  <a:pt x="312286" y="12262"/>
+                  <a:pt x="515752" y="44388"/>
+                </a:cubicBezTo>
+                <a:cubicBezTo>
+                  <a:pt x="655109" y="66392"/>
+                  <a:pt x="793405" y="94980"/>
+                  <a:pt x="933002" y="115409"/>
+                </a:cubicBezTo>
+                <a:cubicBezTo>
+                  <a:pt x="1211535" y="156170"/>
+                  <a:pt x="1342336" y="155808"/>
+                  <a:pt x="1634338" y="177553"/>
+                </a:cubicBezTo>
+                <a:lnTo>
+                  <a:pt x="2078222" y="213064"/>
+                </a:lnTo>
+                <a:lnTo>
+                  <a:pt x="3090276" y="310718"/>
+                </a:lnTo>
+                <a:lnTo>
+                  <a:pt x="3720590" y="372862"/>
+                </a:lnTo>
+                <a:lnTo>
+                  <a:pt x="5753577" y="355107"/>
+                </a:lnTo>
+                <a:cubicBezTo>
+                  <a:pt x="5869307" y="352948"/>
+                  <a:pt x="5984270" y="335519"/>
+                  <a:pt x="6099806" y="328474"/>
+                </a:cubicBezTo>
+                <a:cubicBezTo>
+                  <a:pt x="6431771" y="308232"/>
+                  <a:pt x="6473001" y="312732"/>
+                  <a:pt x="6783387" y="301841"/>
+                </a:cubicBezTo>
+                <a:lnTo>
+                  <a:pt x="6987573" y="292963"/>
+                </a:lnTo>
+                <a:cubicBezTo>
+                  <a:pt x="7064513" y="284085"/>
+                  <a:pt x="7141179" y="272386"/>
+                  <a:pt x="7218392" y="266330"/>
+                </a:cubicBezTo>
+                <a:cubicBezTo>
+                  <a:pt x="7321003" y="258282"/>
+                  <a:pt x="7775275" y="249477"/>
+                  <a:pt x="7813196" y="248574"/>
+                </a:cubicBezTo>
+                <a:lnTo>
+                  <a:pt x="7884218" y="230819"/>
+                </a:lnTo>
+                <a:cubicBezTo>
+                  <a:pt x="7905034" y="225268"/>
+                  <a:pt x="7945779" y="191529"/>
+                  <a:pt x="7946361" y="213064"/>
+                </a:cubicBezTo>
+                <a:cubicBezTo>
+                  <a:pt x="7949515" y="329789"/>
+                  <a:pt x="7915995" y="444793"/>
+                  <a:pt x="7893095" y="559293"/>
+                </a:cubicBezTo>
+                <a:cubicBezTo>
+                  <a:pt x="7861207" y="718734"/>
+                  <a:pt x="7871461" y="647467"/>
+                  <a:pt x="7857585" y="772357"/>
+                </a:cubicBezTo>
+                <a:cubicBezTo>
+                  <a:pt x="7860544" y="923277"/>
+                  <a:pt x="7858797" y="1074363"/>
+                  <a:pt x="7866462" y="1225118"/>
+                </a:cubicBezTo>
+                <a:cubicBezTo>
+                  <a:pt x="7868824" y="1271563"/>
+                  <a:pt x="7897953" y="1324169"/>
+                  <a:pt x="7910851" y="1367161"/>
+                </a:cubicBezTo>
+                <a:cubicBezTo>
+                  <a:pt x="7975620" y="1583057"/>
+                  <a:pt x="7908058" y="1386431"/>
+                  <a:pt x="7955239" y="1535837"/>
+                </a:cubicBezTo>
+                <a:cubicBezTo>
+                  <a:pt x="7958045" y="1544722"/>
+                  <a:pt x="7993590" y="1641656"/>
+                  <a:pt x="7999627" y="1677879"/>
+                </a:cubicBezTo>
+                <a:cubicBezTo>
+                  <a:pt x="8012543" y="1755374"/>
+                  <a:pt x="8008505" y="1760280"/>
+                  <a:pt x="8008505" y="1846555"/>
+                </a:cubicBezTo>
+              </a:path>
+            </a:pathLst>
+          </a:custGeom>
+          <a:noFill/>
+        </p:spPr>
+        <p:style>
+          <a:lnRef idx="2">
+            <a:schemeClr val="accent1">
+              <a:shade val="50000"/>
+            </a:schemeClr>
+          </a:lnRef>
+          <a:fillRef idx="1">
+            <a:schemeClr val="accent1"/>
+          </a:fillRef>
+          <a:effectRef idx="0">
+            <a:schemeClr val="accent1"/>
+          </a:effectRef>
+          <a:fontRef idx="minor">
+            <a:schemeClr val="lt1"/>
+          </a:fontRef>
+        </p:style>
+        <p:txBody>
+          <a:bodyPr rtlCol="0" anchor="ctr"/>
+          <a:lstStyle/>
+          <a:p>
+            <a:pPr algn="ctr"/>
+            <a:endParaRPr lang="en-GB"/>
+          </a:p>
+        </p:txBody>
+      </p:sp>
+      <p:sp>
+        <p:nvSpPr>
+          <p:cNvPr id="7" name="文本框 6">
+            <a:extLst>
+              <a:ext uri="{FF2B5EF4-FFF2-40B4-BE49-F238E27FC236}">
+                <a16:creationId xmlns:a16="http://schemas.microsoft.com/office/drawing/2014/main" id="{9A9DDBA1-30A7-4552-89EC-A010543B54A9}"/>
+              </a:ext>
+            </a:extLst>
+          </p:cNvPr>
+          <p:cNvSpPr txBox="1"/>
+          <p:nvPr/>
+        </p:nvSpPr>
+        <p:spPr>
+          <a:xfrm>
+            <a:off x="9315102" y="284085"/>
+            <a:ext cx="301686" cy="369332"/>
+          </a:xfrm>
+          <a:prstGeom prst="rect">
+            <a:avLst/>
+          </a:prstGeom>
+          <a:noFill/>
+        </p:spPr>
+        <p:txBody>
+          <a:bodyPr wrap="none" rtlCol="0">
+            <a:spAutoFit/>
+          </a:bodyPr>
+          <a:lstStyle/>
+          <a:p>
+            <a:r>
+              <a:rPr lang="en-GB" dirty="0"/>
+              <a:t>6</a:t>
+            </a:r>
+          </a:p>
+        </p:txBody>
+      </p:sp>
+      <p:sp>
+        <p:nvSpPr>
+          <p:cNvPr id="8" name="文本框 7">
+            <a:extLst>
+              <a:ext uri="{FF2B5EF4-FFF2-40B4-BE49-F238E27FC236}">
+                <a16:creationId xmlns:a16="http://schemas.microsoft.com/office/drawing/2014/main" id="{76559037-835E-4424-B619-F17579B6EF31}"/>
+              </a:ext>
+            </a:extLst>
+          </p:cNvPr>
+          <p:cNvSpPr txBox="1"/>
+          <p:nvPr/>
+        </p:nvSpPr>
+        <p:spPr>
+          <a:xfrm>
+            <a:off x="1206800" y="97654"/>
+            <a:ext cx="301686" cy="369332"/>
+          </a:xfrm>
+          <a:prstGeom prst="rect">
+            <a:avLst/>
+          </a:prstGeom>
+          <a:noFill/>
+        </p:spPr>
+        <p:txBody>
+          <a:bodyPr wrap="none" rtlCol="0">
+            <a:spAutoFit/>
+          </a:bodyPr>
+          <a:lstStyle/>
+          <a:p>
+            <a:r>
+              <a:rPr lang="en-GB" dirty="0"/>
+              <a:t>7</a:t>
+            </a:r>
+          </a:p>
+        </p:txBody>
+      </p:sp>
     </p:spTree>
     <p:extLst>
       <p:ext uri="{BB962C8B-B14F-4D97-AF65-F5344CB8AC3E}">

--- a/meshdivision.pptx
+++ b/meshdivision.pptx
@@ -1735,14 +1735,14 @@
                 <a:spcPct val="100000"/>
               </a:lnSpc>
             </a:pPr>
-            <a:fld id="{4FAF97C4-278B-4DB4-A00B-CEE59B640092}" type="datetime">
+            <a:fld id="{4F4ED46C-6A2E-44C0-92E4-FC8E799F856C}" type="datetime">
               <a:rPr b="0" lang="en-US" sz="1200" spc="-1" strike="noStrike">
                 <a:solidFill>
                   <a:srgbClr val="8b8b8b"/>
                 </a:solidFill>
                 <a:latin typeface="Calibri"/>
               </a:rPr>
-              <a:t>2/15/24</a:t>
+              <a:t>2/16/24</a:t>
             </a:fld>
             <a:endParaRPr b="0" lang="en-US" sz="1200" spc="-1" strike="noStrike">
               <a:latin typeface="Times New Roman"/>
@@ -1809,7 +1809,7 @@
                 <a:spcPct val="100000"/>
               </a:lnSpc>
             </a:pPr>
-            <a:fld id="{6BD23B12-CCFD-4F55-AB03-FB8DC4F4ABD6}" type="slidenum">
+            <a:fld id="{194A1E78-2D32-468E-9418-474171AAAC4F}" type="slidenum">
               <a:rPr b="0" lang="en-US" sz="1200" spc="-1" strike="noStrike">
                 <a:solidFill>
                   <a:srgbClr val="8b8b8b"/>
@@ -2153,7 +2153,7 @@
         </p:nvSpPr>
         <p:spPr>
           <a:xfrm>
-            <a:off x="4343400" y="1482480"/>
+            <a:off x="5943600" y="2971800"/>
             <a:ext cx="307080" cy="346320"/>
           </a:xfrm>
           <a:prstGeom prst="rect">
@@ -2180,6 +2180,34 @@
             </a:endParaRPr>
           </a:p>
         </p:txBody>
+      </p:sp>
+      <p:sp>
+        <p:nvSpPr>
+          <p:cNvPr id="51" name="CustomShape 11"/>
+          <p:cNvSpPr/>
+          <p:nvPr/>
+        </p:nvSpPr>
+        <p:spPr>
+          <a:xfrm>
+            <a:off x="5715000" y="2743200"/>
+            <a:ext cx="1371600" cy="1600200"/>
+          </a:xfrm>
+          <a:prstGeom prst="ellipse">
+            <a:avLst/>
+          </a:prstGeom>
+          <a:noFill/>
+          <a:ln w="0">
+            <a:solidFill>
+              <a:srgbClr val="3465a4"/>
+            </a:solidFill>
+          </a:ln>
+        </p:spPr>
+        <p:style>
+          <a:lnRef idx="0"/>
+          <a:fillRef idx="0"/>
+          <a:effectRef idx="0"/>
+          <a:fontRef idx="minor"/>
+        </p:style>
       </p:sp>
     </p:spTree>
   </p:cSld>

--- a/meshdivision.pptx
+++ b/meshdivision.pptx
@@ -53,7 +53,7 @@
       </p:grpSpPr>
       <p:sp>
         <p:nvSpPr>
-          <p:cNvPr id="26" name="PlaceHolder 1"/>
+          <p:cNvPr id="23" name="PlaceHolder 1"/>
           <p:cNvSpPr>
             <a:spLocks noGrp="1"/>
           </p:cNvSpPr>
@@ -63,8 +63,8 @@
         </p:nvSpPr>
         <p:spPr>
           <a:xfrm>
-            <a:off x="838080" y="365040"/>
-            <a:ext cx="10515240" cy="1325160"/>
+            <a:off x="609480" y="273600"/>
+            <a:ext cx="10972440" cy="1144800"/>
           </a:xfrm>
           <a:prstGeom prst="rect">
             <a:avLst/>
@@ -75,77 +75,69 @@
             <a:noAutofit/>
           </a:bodyPr>
           <a:p>
-            <a:endParaRPr b="0" lang="en-US" sz="1800" spc="-1" strike="noStrike">
-              <a:solidFill>
-                <a:srgbClr val="000000"/>
-              </a:solidFill>
-              <a:latin typeface="Calibri"/>
-            </a:endParaRPr>
-          </a:p>
-        </p:txBody>
-      </p:sp>
-      <p:sp>
-        <p:nvSpPr>
-          <p:cNvPr id="27" name="PlaceHolder 2"/>
-          <p:cNvSpPr>
-            <a:spLocks noGrp="1"/>
-          </p:cNvSpPr>
-          <p:nvPr>
-            <p:ph type="body"/>
-          </p:nvPr>
-        </p:nvSpPr>
-        <p:spPr>
-          <a:xfrm>
-            <a:off x="838080" y="1825560"/>
-            <a:ext cx="10515240" cy="2075040"/>
-          </a:xfrm>
-          <a:prstGeom prst="rect">
-            <a:avLst/>
-          </a:prstGeom>
-        </p:spPr>
-        <p:txBody>
-          <a:bodyPr lIns="0" rIns="0" tIns="0" bIns="0">
-            <a:normAutofit/>
-          </a:bodyPr>
-          <a:p>
-            <a:endParaRPr b="0" lang="en-US" sz="2800" spc="-1" strike="noStrike">
-              <a:solidFill>
-                <a:srgbClr val="000000"/>
-              </a:solidFill>
-              <a:latin typeface="Calibri"/>
-            </a:endParaRPr>
-          </a:p>
-        </p:txBody>
-      </p:sp>
-      <p:sp>
-        <p:nvSpPr>
-          <p:cNvPr id="28" name="PlaceHolder 3"/>
-          <p:cNvSpPr>
-            <a:spLocks noGrp="1"/>
-          </p:cNvSpPr>
-          <p:nvPr>
-            <p:ph type="body"/>
-          </p:nvPr>
-        </p:nvSpPr>
-        <p:spPr>
-          <a:xfrm>
-            <a:off x="838080" y="4098240"/>
-            <a:ext cx="10515240" cy="2075040"/>
-          </a:xfrm>
-          <a:prstGeom prst="rect">
-            <a:avLst/>
-          </a:prstGeom>
-        </p:spPr>
-        <p:txBody>
-          <a:bodyPr lIns="0" rIns="0" tIns="0" bIns="0">
-            <a:normAutofit/>
-          </a:bodyPr>
-          <a:p>
-            <a:endParaRPr b="0" lang="en-US" sz="2800" spc="-1" strike="noStrike">
-              <a:solidFill>
-                <a:srgbClr val="000000"/>
-              </a:solidFill>
-              <a:latin typeface="Calibri"/>
+            <a:pPr algn="ctr"/>
+            <a:endParaRPr b="0" lang="en-US" sz="4400" spc="-1" strike="noStrike">
+              <a:latin typeface="Arial"/>
+            </a:endParaRPr>
+          </a:p>
+        </p:txBody>
+      </p:sp>
+      <p:sp>
+        <p:nvSpPr>
+          <p:cNvPr id="24" name="PlaceHolder 2"/>
+          <p:cNvSpPr>
+            <a:spLocks noGrp="1"/>
+          </p:cNvSpPr>
+          <p:nvPr>
+            <p:ph type="body"/>
+          </p:nvPr>
+        </p:nvSpPr>
+        <p:spPr>
+          <a:xfrm>
+            <a:off x="609480" y="1604520"/>
+            <a:ext cx="10972440" cy="1896840"/>
+          </a:xfrm>
+          <a:prstGeom prst="rect">
+            <a:avLst/>
+          </a:prstGeom>
+        </p:spPr>
+        <p:txBody>
+          <a:bodyPr lIns="0" rIns="0" tIns="0" bIns="0">
+            <a:normAutofit/>
+          </a:bodyPr>
+          <a:p>
+            <a:endParaRPr b="0" lang="en-US" sz="3200" spc="-1" strike="noStrike">
+              <a:latin typeface="Arial"/>
+            </a:endParaRPr>
+          </a:p>
+        </p:txBody>
+      </p:sp>
+      <p:sp>
+        <p:nvSpPr>
+          <p:cNvPr id="25" name="PlaceHolder 3"/>
+          <p:cNvSpPr>
+            <a:spLocks noGrp="1"/>
+          </p:cNvSpPr>
+          <p:nvPr>
+            <p:ph type="body"/>
+          </p:nvPr>
+        </p:nvSpPr>
+        <p:spPr>
+          <a:xfrm>
+            <a:off x="609480" y="3682080"/>
+            <a:ext cx="10972440" cy="1896840"/>
+          </a:xfrm>
+          <a:prstGeom prst="rect">
+            <a:avLst/>
+          </a:prstGeom>
+        </p:spPr>
+        <p:txBody>
+          <a:bodyPr lIns="0" rIns="0" tIns="0" bIns="0">
+            <a:normAutofit/>
+          </a:bodyPr>
+          <a:p>
+            <a:endParaRPr b="0" lang="en-US" sz="3200" spc="-1" strike="noStrike">
+              <a:latin typeface="Arial"/>
             </a:endParaRPr>
           </a:p>
         </p:txBody>
@@ -174,7 +166,7 @@
       </p:grpSpPr>
       <p:sp>
         <p:nvSpPr>
-          <p:cNvPr id="29" name="PlaceHolder 1"/>
+          <p:cNvPr id="26" name="PlaceHolder 1"/>
           <p:cNvSpPr>
             <a:spLocks noGrp="1"/>
           </p:cNvSpPr>
@@ -184,8 +176,8 @@
         </p:nvSpPr>
         <p:spPr>
           <a:xfrm>
-            <a:off x="838080" y="365040"/>
-            <a:ext cx="10515240" cy="1325160"/>
+            <a:off x="609480" y="273600"/>
+            <a:ext cx="10972440" cy="1144800"/>
           </a:xfrm>
           <a:prstGeom prst="rect">
             <a:avLst/>
@@ -196,143 +188,129 @@
             <a:noAutofit/>
           </a:bodyPr>
           <a:p>
-            <a:endParaRPr b="0" lang="en-US" sz="1800" spc="-1" strike="noStrike">
-              <a:solidFill>
-                <a:srgbClr val="000000"/>
-              </a:solidFill>
-              <a:latin typeface="Calibri"/>
-            </a:endParaRPr>
-          </a:p>
-        </p:txBody>
-      </p:sp>
-      <p:sp>
-        <p:nvSpPr>
-          <p:cNvPr id="30" name="PlaceHolder 2"/>
-          <p:cNvSpPr>
-            <a:spLocks noGrp="1"/>
-          </p:cNvSpPr>
-          <p:nvPr>
-            <p:ph type="body"/>
-          </p:nvPr>
-        </p:nvSpPr>
-        <p:spPr>
-          <a:xfrm>
-            <a:off x="838080" y="1825560"/>
-            <a:ext cx="5131080" cy="2075040"/>
-          </a:xfrm>
-          <a:prstGeom prst="rect">
-            <a:avLst/>
-          </a:prstGeom>
-        </p:spPr>
-        <p:txBody>
-          <a:bodyPr lIns="0" rIns="0" tIns="0" bIns="0">
-            <a:normAutofit/>
-          </a:bodyPr>
-          <a:p>
-            <a:endParaRPr b="0" lang="en-US" sz="2800" spc="-1" strike="noStrike">
-              <a:solidFill>
-                <a:srgbClr val="000000"/>
-              </a:solidFill>
-              <a:latin typeface="Calibri"/>
-            </a:endParaRPr>
-          </a:p>
-        </p:txBody>
-      </p:sp>
-      <p:sp>
-        <p:nvSpPr>
-          <p:cNvPr id="31" name="PlaceHolder 3"/>
-          <p:cNvSpPr>
-            <a:spLocks noGrp="1"/>
-          </p:cNvSpPr>
-          <p:nvPr>
-            <p:ph type="body"/>
-          </p:nvPr>
-        </p:nvSpPr>
-        <p:spPr>
-          <a:xfrm>
-            <a:off x="6226200" y="1825560"/>
-            <a:ext cx="5131080" cy="2075040"/>
-          </a:xfrm>
-          <a:prstGeom prst="rect">
-            <a:avLst/>
-          </a:prstGeom>
-        </p:spPr>
-        <p:txBody>
-          <a:bodyPr lIns="0" rIns="0" tIns="0" bIns="0">
-            <a:normAutofit/>
-          </a:bodyPr>
-          <a:p>
-            <a:endParaRPr b="0" lang="en-US" sz="2800" spc="-1" strike="noStrike">
-              <a:solidFill>
-                <a:srgbClr val="000000"/>
-              </a:solidFill>
-              <a:latin typeface="Calibri"/>
-            </a:endParaRPr>
-          </a:p>
-        </p:txBody>
-      </p:sp>
-      <p:sp>
-        <p:nvSpPr>
-          <p:cNvPr id="32" name="PlaceHolder 4"/>
-          <p:cNvSpPr>
-            <a:spLocks noGrp="1"/>
-          </p:cNvSpPr>
-          <p:nvPr>
-            <p:ph type="body"/>
-          </p:nvPr>
-        </p:nvSpPr>
-        <p:spPr>
-          <a:xfrm>
-            <a:off x="838080" y="4098240"/>
-            <a:ext cx="5131080" cy="2075040"/>
-          </a:xfrm>
-          <a:prstGeom prst="rect">
-            <a:avLst/>
-          </a:prstGeom>
-        </p:spPr>
-        <p:txBody>
-          <a:bodyPr lIns="0" rIns="0" tIns="0" bIns="0">
-            <a:normAutofit/>
-          </a:bodyPr>
-          <a:p>
-            <a:endParaRPr b="0" lang="en-US" sz="2800" spc="-1" strike="noStrike">
-              <a:solidFill>
-                <a:srgbClr val="000000"/>
-              </a:solidFill>
-              <a:latin typeface="Calibri"/>
-            </a:endParaRPr>
-          </a:p>
-        </p:txBody>
-      </p:sp>
-      <p:sp>
-        <p:nvSpPr>
-          <p:cNvPr id="33" name="PlaceHolder 5"/>
-          <p:cNvSpPr>
-            <a:spLocks noGrp="1"/>
-          </p:cNvSpPr>
-          <p:nvPr>
-            <p:ph type="body"/>
-          </p:nvPr>
-        </p:nvSpPr>
-        <p:spPr>
-          <a:xfrm>
-            <a:off x="6226200" y="4098240"/>
-            <a:ext cx="5131080" cy="2075040"/>
-          </a:xfrm>
-          <a:prstGeom prst="rect">
-            <a:avLst/>
-          </a:prstGeom>
-        </p:spPr>
-        <p:txBody>
-          <a:bodyPr lIns="0" rIns="0" tIns="0" bIns="0">
-            <a:normAutofit/>
-          </a:bodyPr>
-          <a:p>
-            <a:endParaRPr b="0" lang="en-US" sz="2800" spc="-1" strike="noStrike">
-              <a:solidFill>
-                <a:srgbClr val="000000"/>
-              </a:solidFill>
-              <a:latin typeface="Calibri"/>
+            <a:pPr algn="ctr"/>
+            <a:endParaRPr b="0" lang="en-US" sz="4400" spc="-1" strike="noStrike">
+              <a:latin typeface="Arial"/>
+            </a:endParaRPr>
+          </a:p>
+        </p:txBody>
+      </p:sp>
+      <p:sp>
+        <p:nvSpPr>
+          <p:cNvPr id="27" name="PlaceHolder 2"/>
+          <p:cNvSpPr>
+            <a:spLocks noGrp="1"/>
+          </p:cNvSpPr>
+          <p:nvPr>
+            <p:ph type="body"/>
+          </p:nvPr>
+        </p:nvSpPr>
+        <p:spPr>
+          <a:xfrm>
+            <a:off x="609480" y="1604520"/>
+            <a:ext cx="5354280" cy="1896840"/>
+          </a:xfrm>
+          <a:prstGeom prst="rect">
+            <a:avLst/>
+          </a:prstGeom>
+        </p:spPr>
+        <p:txBody>
+          <a:bodyPr lIns="0" rIns="0" tIns="0" bIns="0">
+            <a:normAutofit/>
+          </a:bodyPr>
+          <a:p>
+            <a:endParaRPr b="0" lang="en-US" sz="3200" spc="-1" strike="noStrike">
+              <a:latin typeface="Arial"/>
+            </a:endParaRPr>
+          </a:p>
+        </p:txBody>
+      </p:sp>
+      <p:sp>
+        <p:nvSpPr>
+          <p:cNvPr id="28" name="PlaceHolder 3"/>
+          <p:cNvSpPr>
+            <a:spLocks noGrp="1"/>
+          </p:cNvSpPr>
+          <p:nvPr>
+            <p:ph type="body"/>
+          </p:nvPr>
+        </p:nvSpPr>
+        <p:spPr>
+          <a:xfrm>
+            <a:off x="6231960" y="1604520"/>
+            <a:ext cx="5354280" cy="1896840"/>
+          </a:xfrm>
+          <a:prstGeom prst="rect">
+            <a:avLst/>
+          </a:prstGeom>
+        </p:spPr>
+        <p:txBody>
+          <a:bodyPr lIns="0" rIns="0" tIns="0" bIns="0">
+            <a:normAutofit/>
+          </a:bodyPr>
+          <a:p>
+            <a:endParaRPr b="0" lang="en-US" sz="3200" spc="-1" strike="noStrike">
+              <a:latin typeface="Arial"/>
+            </a:endParaRPr>
+          </a:p>
+        </p:txBody>
+      </p:sp>
+      <p:sp>
+        <p:nvSpPr>
+          <p:cNvPr id="29" name="PlaceHolder 4"/>
+          <p:cNvSpPr>
+            <a:spLocks noGrp="1"/>
+          </p:cNvSpPr>
+          <p:nvPr>
+            <p:ph type="body"/>
+          </p:nvPr>
+        </p:nvSpPr>
+        <p:spPr>
+          <a:xfrm>
+            <a:off x="609480" y="3682080"/>
+            <a:ext cx="5354280" cy="1896840"/>
+          </a:xfrm>
+          <a:prstGeom prst="rect">
+            <a:avLst/>
+          </a:prstGeom>
+        </p:spPr>
+        <p:txBody>
+          <a:bodyPr lIns="0" rIns="0" tIns="0" bIns="0">
+            <a:normAutofit/>
+          </a:bodyPr>
+          <a:p>
+            <a:endParaRPr b="0" lang="en-US" sz="3200" spc="-1" strike="noStrike">
+              <a:latin typeface="Arial"/>
+            </a:endParaRPr>
+          </a:p>
+        </p:txBody>
+      </p:sp>
+      <p:sp>
+        <p:nvSpPr>
+          <p:cNvPr id="30" name="PlaceHolder 5"/>
+          <p:cNvSpPr>
+            <a:spLocks noGrp="1"/>
+          </p:cNvSpPr>
+          <p:nvPr>
+            <p:ph type="body"/>
+          </p:nvPr>
+        </p:nvSpPr>
+        <p:spPr>
+          <a:xfrm>
+            <a:off x="6231960" y="3682080"/>
+            <a:ext cx="5354280" cy="1896840"/>
+          </a:xfrm>
+          <a:prstGeom prst="rect">
+            <a:avLst/>
+          </a:prstGeom>
+        </p:spPr>
+        <p:txBody>
+          <a:bodyPr lIns="0" rIns="0" tIns="0" bIns="0">
+            <a:normAutofit/>
+          </a:bodyPr>
+          <a:p>
+            <a:endParaRPr b="0" lang="en-US" sz="3200" spc="-1" strike="noStrike">
+              <a:latin typeface="Arial"/>
             </a:endParaRPr>
           </a:p>
         </p:txBody>
@@ -361,7 +339,7 @@
       </p:grpSpPr>
       <p:sp>
         <p:nvSpPr>
-          <p:cNvPr id="34" name="PlaceHolder 1"/>
+          <p:cNvPr id="31" name="PlaceHolder 1"/>
           <p:cNvSpPr>
             <a:spLocks noGrp="1"/>
           </p:cNvSpPr>
@@ -371,8 +349,8 @@
         </p:nvSpPr>
         <p:spPr>
           <a:xfrm>
-            <a:off x="838080" y="365040"/>
-            <a:ext cx="10515240" cy="1325160"/>
+            <a:off x="609480" y="273600"/>
+            <a:ext cx="10972440" cy="1144800"/>
           </a:xfrm>
           <a:prstGeom prst="rect">
             <a:avLst/>
@@ -383,209 +361,189 @@
             <a:noAutofit/>
           </a:bodyPr>
           <a:p>
-            <a:endParaRPr b="0" lang="en-US" sz="1800" spc="-1" strike="noStrike">
-              <a:solidFill>
-                <a:srgbClr val="000000"/>
-              </a:solidFill>
-              <a:latin typeface="Calibri"/>
-            </a:endParaRPr>
-          </a:p>
-        </p:txBody>
-      </p:sp>
-      <p:sp>
-        <p:nvSpPr>
-          <p:cNvPr id="35" name="PlaceHolder 2"/>
-          <p:cNvSpPr>
-            <a:spLocks noGrp="1"/>
-          </p:cNvSpPr>
-          <p:nvPr>
-            <p:ph type="body"/>
-          </p:nvPr>
-        </p:nvSpPr>
-        <p:spPr>
-          <a:xfrm>
-            <a:off x="838080" y="1825560"/>
-            <a:ext cx="3385800" cy="2075040"/>
-          </a:xfrm>
-          <a:prstGeom prst="rect">
-            <a:avLst/>
-          </a:prstGeom>
-        </p:spPr>
-        <p:txBody>
-          <a:bodyPr lIns="0" rIns="0" tIns="0" bIns="0">
-            <a:normAutofit/>
-          </a:bodyPr>
-          <a:p>
-            <a:endParaRPr b="0" lang="en-US" sz="2800" spc="-1" strike="noStrike">
-              <a:solidFill>
-                <a:srgbClr val="000000"/>
-              </a:solidFill>
-              <a:latin typeface="Calibri"/>
-            </a:endParaRPr>
-          </a:p>
-        </p:txBody>
-      </p:sp>
-      <p:sp>
-        <p:nvSpPr>
-          <p:cNvPr id="36" name="PlaceHolder 3"/>
-          <p:cNvSpPr>
-            <a:spLocks noGrp="1"/>
-          </p:cNvSpPr>
-          <p:nvPr>
-            <p:ph type="body"/>
-          </p:nvPr>
-        </p:nvSpPr>
-        <p:spPr>
-          <a:xfrm>
-            <a:off x="4393440" y="1825560"/>
-            <a:ext cx="3385800" cy="2075040"/>
-          </a:xfrm>
-          <a:prstGeom prst="rect">
-            <a:avLst/>
-          </a:prstGeom>
-        </p:spPr>
-        <p:txBody>
-          <a:bodyPr lIns="0" rIns="0" tIns="0" bIns="0">
-            <a:normAutofit/>
-          </a:bodyPr>
-          <a:p>
-            <a:endParaRPr b="0" lang="en-US" sz="2800" spc="-1" strike="noStrike">
-              <a:solidFill>
-                <a:srgbClr val="000000"/>
-              </a:solidFill>
-              <a:latin typeface="Calibri"/>
-            </a:endParaRPr>
-          </a:p>
-        </p:txBody>
-      </p:sp>
-      <p:sp>
-        <p:nvSpPr>
-          <p:cNvPr id="37" name="PlaceHolder 4"/>
-          <p:cNvSpPr>
-            <a:spLocks noGrp="1"/>
-          </p:cNvSpPr>
-          <p:nvPr>
-            <p:ph type="body"/>
-          </p:nvPr>
-        </p:nvSpPr>
-        <p:spPr>
-          <a:xfrm>
-            <a:off x="7949160" y="1825560"/>
-            <a:ext cx="3385800" cy="2075040"/>
-          </a:xfrm>
-          <a:prstGeom prst="rect">
-            <a:avLst/>
-          </a:prstGeom>
-        </p:spPr>
-        <p:txBody>
-          <a:bodyPr lIns="0" rIns="0" tIns="0" bIns="0">
-            <a:normAutofit/>
-          </a:bodyPr>
-          <a:p>
-            <a:endParaRPr b="0" lang="en-US" sz="2800" spc="-1" strike="noStrike">
-              <a:solidFill>
-                <a:srgbClr val="000000"/>
-              </a:solidFill>
-              <a:latin typeface="Calibri"/>
-            </a:endParaRPr>
-          </a:p>
-        </p:txBody>
-      </p:sp>
-      <p:sp>
-        <p:nvSpPr>
-          <p:cNvPr id="38" name="PlaceHolder 5"/>
-          <p:cNvSpPr>
-            <a:spLocks noGrp="1"/>
-          </p:cNvSpPr>
-          <p:nvPr>
-            <p:ph type="body"/>
-          </p:nvPr>
-        </p:nvSpPr>
-        <p:spPr>
-          <a:xfrm>
-            <a:off x="838080" y="4098240"/>
-            <a:ext cx="3385800" cy="2075040"/>
-          </a:xfrm>
-          <a:prstGeom prst="rect">
-            <a:avLst/>
-          </a:prstGeom>
-        </p:spPr>
-        <p:txBody>
-          <a:bodyPr lIns="0" rIns="0" tIns="0" bIns="0">
-            <a:normAutofit/>
-          </a:bodyPr>
-          <a:p>
-            <a:endParaRPr b="0" lang="en-US" sz="2800" spc="-1" strike="noStrike">
-              <a:solidFill>
-                <a:srgbClr val="000000"/>
-              </a:solidFill>
-              <a:latin typeface="Calibri"/>
-            </a:endParaRPr>
-          </a:p>
-        </p:txBody>
-      </p:sp>
-      <p:sp>
-        <p:nvSpPr>
-          <p:cNvPr id="39" name="PlaceHolder 6"/>
-          <p:cNvSpPr>
-            <a:spLocks noGrp="1"/>
-          </p:cNvSpPr>
-          <p:nvPr>
-            <p:ph type="body"/>
-          </p:nvPr>
-        </p:nvSpPr>
-        <p:spPr>
-          <a:xfrm>
-            <a:off x="4393440" y="4098240"/>
-            <a:ext cx="3385800" cy="2075040"/>
-          </a:xfrm>
-          <a:prstGeom prst="rect">
-            <a:avLst/>
-          </a:prstGeom>
-        </p:spPr>
-        <p:txBody>
-          <a:bodyPr lIns="0" rIns="0" tIns="0" bIns="0">
-            <a:normAutofit/>
-          </a:bodyPr>
-          <a:p>
-            <a:endParaRPr b="0" lang="en-US" sz="2800" spc="-1" strike="noStrike">
-              <a:solidFill>
-                <a:srgbClr val="000000"/>
-              </a:solidFill>
-              <a:latin typeface="Calibri"/>
-            </a:endParaRPr>
-          </a:p>
-        </p:txBody>
-      </p:sp>
-      <p:sp>
-        <p:nvSpPr>
-          <p:cNvPr id="40" name="PlaceHolder 7"/>
-          <p:cNvSpPr>
-            <a:spLocks noGrp="1"/>
-          </p:cNvSpPr>
-          <p:nvPr>
-            <p:ph type="body"/>
-          </p:nvPr>
-        </p:nvSpPr>
-        <p:spPr>
-          <a:xfrm>
-            <a:off x="7949160" y="4098240"/>
-            <a:ext cx="3385800" cy="2075040"/>
-          </a:xfrm>
-          <a:prstGeom prst="rect">
-            <a:avLst/>
-          </a:prstGeom>
-        </p:spPr>
-        <p:txBody>
-          <a:bodyPr lIns="0" rIns="0" tIns="0" bIns="0">
-            <a:normAutofit/>
-          </a:bodyPr>
-          <a:p>
-            <a:endParaRPr b="0" lang="en-US" sz="2800" spc="-1" strike="noStrike">
-              <a:solidFill>
-                <a:srgbClr val="000000"/>
-              </a:solidFill>
-              <a:latin typeface="Calibri"/>
+            <a:pPr algn="ctr"/>
+            <a:endParaRPr b="0" lang="en-US" sz="4400" spc="-1" strike="noStrike">
+              <a:latin typeface="Arial"/>
+            </a:endParaRPr>
+          </a:p>
+        </p:txBody>
+      </p:sp>
+      <p:sp>
+        <p:nvSpPr>
+          <p:cNvPr id="32" name="PlaceHolder 2"/>
+          <p:cNvSpPr>
+            <a:spLocks noGrp="1"/>
+          </p:cNvSpPr>
+          <p:nvPr>
+            <p:ph type="body"/>
+          </p:nvPr>
+        </p:nvSpPr>
+        <p:spPr>
+          <a:xfrm>
+            <a:off x="609480" y="1604520"/>
+            <a:ext cx="3533040" cy="1896840"/>
+          </a:xfrm>
+          <a:prstGeom prst="rect">
+            <a:avLst/>
+          </a:prstGeom>
+        </p:spPr>
+        <p:txBody>
+          <a:bodyPr lIns="0" rIns="0" tIns="0" bIns="0">
+            <a:normAutofit/>
+          </a:bodyPr>
+          <a:p>
+            <a:endParaRPr b="0" lang="en-US" sz="3200" spc="-1" strike="noStrike">
+              <a:latin typeface="Arial"/>
+            </a:endParaRPr>
+          </a:p>
+        </p:txBody>
+      </p:sp>
+      <p:sp>
+        <p:nvSpPr>
+          <p:cNvPr id="33" name="PlaceHolder 3"/>
+          <p:cNvSpPr>
+            <a:spLocks noGrp="1"/>
+          </p:cNvSpPr>
+          <p:nvPr>
+            <p:ph type="body"/>
+          </p:nvPr>
+        </p:nvSpPr>
+        <p:spPr>
+          <a:xfrm>
+            <a:off x="4319640" y="1604520"/>
+            <a:ext cx="3533040" cy="1896840"/>
+          </a:xfrm>
+          <a:prstGeom prst="rect">
+            <a:avLst/>
+          </a:prstGeom>
+        </p:spPr>
+        <p:txBody>
+          <a:bodyPr lIns="0" rIns="0" tIns="0" bIns="0">
+            <a:normAutofit/>
+          </a:bodyPr>
+          <a:p>
+            <a:endParaRPr b="0" lang="en-US" sz="3200" spc="-1" strike="noStrike">
+              <a:latin typeface="Arial"/>
+            </a:endParaRPr>
+          </a:p>
+        </p:txBody>
+      </p:sp>
+      <p:sp>
+        <p:nvSpPr>
+          <p:cNvPr id="34" name="PlaceHolder 4"/>
+          <p:cNvSpPr>
+            <a:spLocks noGrp="1"/>
+          </p:cNvSpPr>
+          <p:nvPr>
+            <p:ph type="body"/>
+          </p:nvPr>
+        </p:nvSpPr>
+        <p:spPr>
+          <a:xfrm>
+            <a:off x="8029800" y="1604520"/>
+            <a:ext cx="3533040" cy="1896840"/>
+          </a:xfrm>
+          <a:prstGeom prst="rect">
+            <a:avLst/>
+          </a:prstGeom>
+        </p:spPr>
+        <p:txBody>
+          <a:bodyPr lIns="0" rIns="0" tIns="0" bIns="0">
+            <a:normAutofit/>
+          </a:bodyPr>
+          <a:p>
+            <a:endParaRPr b="0" lang="en-US" sz="3200" spc="-1" strike="noStrike">
+              <a:latin typeface="Arial"/>
+            </a:endParaRPr>
+          </a:p>
+        </p:txBody>
+      </p:sp>
+      <p:sp>
+        <p:nvSpPr>
+          <p:cNvPr id="35" name="PlaceHolder 5"/>
+          <p:cNvSpPr>
+            <a:spLocks noGrp="1"/>
+          </p:cNvSpPr>
+          <p:nvPr>
+            <p:ph type="body"/>
+          </p:nvPr>
+        </p:nvSpPr>
+        <p:spPr>
+          <a:xfrm>
+            <a:off x="609480" y="3682080"/>
+            <a:ext cx="3533040" cy="1896840"/>
+          </a:xfrm>
+          <a:prstGeom prst="rect">
+            <a:avLst/>
+          </a:prstGeom>
+        </p:spPr>
+        <p:txBody>
+          <a:bodyPr lIns="0" rIns="0" tIns="0" bIns="0">
+            <a:normAutofit/>
+          </a:bodyPr>
+          <a:p>
+            <a:endParaRPr b="0" lang="en-US" sz="3200" spc="-1" strike="noStrike">
+              <a:latin typeface="Arial"/>
+            </a:endParaRPr>
+          </a:p>
+        </p:txBody>
+      </p:sp>
+      <p:sp>
+        <p:nvSpPr>
+          <p:cNvPr id="36" name="PlaceHolder 6"/>
+          <p:cNvSpPr>
+            <a:spLocks noGrp="1"/>
+          </p:cNvSpPr>
+          <p:nvPr>
+            <p:ph type="body"/>
+          </p:nvPr>
+        </p:nvSpPr>
+        <p:spPr>
+          <a:xfrm>
+            <a:off x="4319640" y="3682080"/>
+            <a:ext cx="3533040" cy="1896840"/>
+          </a:xfrm>
+          <a:prstGeom prst="rect">
+            <a:avLst/>
+          </a:prstGeom>
+        </p:spPr>
+        <p:txBody>
+          <a:bodyPr lIns="0" rIns="0" tIns="0" bIns="0">
+            <a:normAutofit/>
+          </a:bodyPr>
+          <a:p>
+            <a:endParaRPr b="0" lang="en-US" sz="3200" spc="-1" strike="noStrike">
+              <a:latin typeface="Arial"/>
+            </a:endParaRPr>
+          </a:p>
+        </p:txBody>
+      </p:sp>
+      <p:sp>
+        <p:nvSpPr>
+          <p:cNvPr id="37" name="PlaceHolder 7"/>
+          <p:cNvSpPr>
+            <a:spLocks noGrp="1"/>
+          </p:cNvSpPr>
+          <p:nvPr>
+            <p:ph type="body"/>
+          </p:nvPr>
+        </p:nvSpPr>
+        <p:spPr>
+          <a:xfrm>
+            <a:off x="8029800" y="3682080"/>
+            <a:ext cx="3533040" cy="1896840"/>
+          </a:xfrm>
+          <a:prstGeom prst="rect">
+            <a:avLst/>
+          </a:prstGeom>
+        </p:spPr>
+        <p:txBody>
+          <a:bodyPr lIns="0" rIns="0" tIns="0" bIns="0">
+            <a:normAutofit/>
+          </a:bodyPr>
+          <a:p>
+            <a:endParaRPr b="0" lang="en-US" sz="3200" spc="-1" strike="noStrike">
+              <a:latin typeface="Arial"/>
             </a:endParaRPr>
           </a:p>
         </p:txBody>
@@ -614,7 +572,7 @@
       </p:grpSpPr>
       <p:sp>
         <p:nvSpPr>
-          <p:cNvPr id="5" name="PlaceHolder 1"/>
+          <p:cNvPr id="2" name="PlaceHolder 1"/>
           <p:cNvSpPr>
             <a:spLocks noGrp="1"/>
           </p:cNvSpPr>
@@ -624,8 +582,8 @@
         </p:nvSpPr>
         <p:spPr>
           <a:xfrm>
-            <a:off x="838080" y="365040"/>
-            <a:ext cx="10515240" cy="1325160"/>
+            <a:off x="609480" y="273600"/>
+            <a:ext cx="10972440" cy="1144800"/>
           </a:xfrm>
           <a:prstGeom prst="rect">
             <a:avLst/>
@@ -636,18 +594,16 @@
             <a:noAutofit/>
           </a:bodyPr>
           <a:p>
-            <a:endParaRPr b="0" lang="en-US" sz="1800" spc="-1" strike="noStrike">
-              <a:solidFill>
-                <a:srgbClr val="000000"/>
-              </a:solidFill>
-              <a:latin typeface="Calibri"/>
-            </a:endParaRPr>
-          </a:p>
-        </p:txBody>
-      </p:sp>
-      <p:sp>
-        <p:nvSpPr>
-          <p:cNvPr id="6" name="PlaceHolder 2"/>
+            <a:pPr algn="ctr"/>
+            <a:endParaRPr b="0" lang="en-US" sz="4400" spc="-1" strike="noStrike">
+              <a:latin typeface="Arial"/>
+            </a:endParaRPr>
+          </a:p>
+        </p:txBody>
+      </p:sp>
+      <p:sp>
+        <p:nvSpPr>
+          <p:cNvPr id="3" name="PlaceHolder 2"/>
           <p:cNvSpPr>
             <a:spLocks noGrp="1"/>
           </p:cNvSpPr>
@@ -657,8 +613,8 @@
         </p:nvSpPr>
         <p:spPr>
           <a:xfrm>
-            <a:off x="838080" y="1825560"/>
-            <a:ext cx="10515240" cy="4350960"/>
+            <a:off x="609480" y="1604520"/>
+            <a:ext cx="10972440" cy="3977280"/>
           </a:xfrm>
           <a:prstGeom prst="rect">
             <a:avLst/>
@@ -700,7 +656,7 @@
       </p:grpSpPr>
       <p:sp>
         <p:nvSpPr>
-          <p:cNvPr id="7" name="PlaceHolder 1"/>
+          <p:cNvPr id="4" name="PlaceHolder 1"/>
           <p:cNvSpPr>
             <a:spLocks noGrp="1"/>
           </p:cNvSpPr>
@@ -710,8 +666,8 @@
         </p:nvSpPr>
         <p:spPr>
           <a:xfrm>
-            <a:off x="838080" y="365040"/>
-            <a:ext cx="10515240" cy="1325160"/>
+            <a:off x="609480" y="273600"/>
+            <a:ext cx="10972440" cy="1144800"/>
           </a:xfrm>
           <a:prstGeom prst="rect">
             <a:avLst/>
@@ -722,44 +678,39 @@
             <a:noAutofit/>
           </a:bodyPr>
           <a:p>
-            <a:endParaRPr b="0" lang="en-US" sz="1800" spc="-1" strike="noStrike">
-              <a:solidFill>
-                <a:srgbClr val="000000"/>
-              </a:solidFill>
-              <a:latin typeface="Calibri"/>
-            </a:endParaRPr>
-          </a:p>
-        </p:txBody>
-      </p:sp>
-      <p:sp>
-        <p:nvSpPr>
-          <p:cNvPr id="8" name="PlaceHolder 2"/>
-          <p:cNvSpPr>
-            <a:spLocks noGrp="1"/>
-          </p:cNvSpPr>
-          <p:nvPr>
-            <p:ph type="body"/>
-          </p:nvPr>
-        </p:nvSpPr>
-        <p:spPr>
-          <a:xfrm>
-            <a:off x="838080" y="1825560"/>
-            <a:ext cx="10515240" cy="4350960"/>
-          </a:xfrm>
-          <a:prstGeom prst="rect">
-            <a:avLst/>
-          </a:prstGeom>
-        </p:spPr>
-        <p:txBody>
-          <a:bodyPr lIns="0" rIns="0" tIns="0" bIns="0">
-            <a:normAutofit/>
-          </a:bodyPr>
-          <a:p>
-            <a:endParaRPr b="0" lang="en-US" sz="2800" spc="-1" strike="noStrike">
-              <a:solidFill>
-                <a:srgbClr val="000000"/>
-              </a:solidFill>
-              <a:latin typeface="Calibri"/>
+            <a:pPr algn="ctr"/>
+            <a:endParaRPr b="0" lang="en-US" sz="4400" spc="-1" strike="noStrike">
+              <a:latin typeface="Arial"/>
+            </a:endParaRPr>
+          </a:p>
+        </p:txBody>
+      </p:sp>
+      <p:sp>
+        <p:nvSpPr>
+          <p:cNvPr id="5" name="PlaceHolder 2"/>
+          <p:cNvSpPr>
+            <a:spLocks noGrp="1"/>
+          </p:cNvSpPr>
+          <p:nvPr>
+            <p:ph type="body"/>
+          </p:nvPr>
+        </p:nvSpPr>
+        <p:spPr>
+          <a:xfrm>
+            <a:off x="609480" y="1604520"/>
+            <a:ext cx="10972440" cy="3977280"/>
+          </a:xfrm>
+          <a:prstGeom prst="rect">
+            <a:avLst/>
+          </a:prstGeom>
+        </p:spPr>
+        <p:txBody>
+          <a:bodyPr lIns="0" rIns="0" tIns="0" bIns="0">
+            <a:normAutofit/>
+          </a:bodyPr>
+          <a:p>
+            <a:endParaRPr b="0" lang="en-US" sz="3200" spc="-1" strike="noStrike">
+              <a:latin typeface="Arial"/>
             </a:endParaRPr>
           </a:p>
         </p:txBody>
@@ -788,7 +739,7 @@
       </p:grpSpPr>
       <p:sp>
         <p:nvSpPr>
-          <p:cNvPr id="9" name="PlaceHolder 1"/>
+          <p:cNvPr id="6" name="PlaceHolder 1"/>
           <p:cNvSpPr>
             <a:spLocks noGrp="1"/>
           </p:cNvSpPr>
@@ -798,8 +749,8 @@
         </p:nvSpPr>
         <p:spPr>
           <a:xfrm>
-            <a:off x="838080" y="365040"/>
-            <a:ext cx="10515240" cy="1325160"/>
+            <a:off x="609480" y="273600"/>
+            <a:ext cx="10972440" cy="1144800"/>
           </a:xfrm>
           <a:prstGeom prst="rect">
             <a:avLst/>
@@ -810,77 +761,69 @@
             <a:noAutofit/>
           </a:bodyPr>
           <a:p>
-            <a:endParaRPr b="0" lang="en-US" sz="1800" spc="-1" strike="noStrike">
-              <a:solidFill>
-                <a:srgbClr val="000000"/>
-              </a:solidFill>
-              <a:latin typeface="Calibri"/>
-            </a:endParaRPr>
-          </a:p>
-        </p:txBody>
-      </p:sp>
-      <p:sp>
-        <p:nvSpPr>
-          <p:cNvPr id="10" name="PlaceHolder 2"/>
-          <p:cNvSpPr>
-            <a:spLocks noGrp="1"/>
-          </p:cNvSpPr>
-          <p:nvPr>
-            <p:ph type="body"/>
-          </p:nvPr>
-        </p:nvSpPr>
-        <p:spPr>
-          <a:xfrm>
-            <a:off x="838080" y="1825560"/>
-            <a:ext cx="5131080" cy="4350960"/>
-          </a:xfrm>
-          <a:prstGeom prst="rect">
-            <a:avLst/>
-          </a:prstGeom>
-        </p:spPr>
-        <p:txBody>
-          <a:bodyPr lIns="0" rIns="0" tIns="0" bIns="0">
-            <a:normAutofit/>
-          </a:bodyPr>
-          <a:p>
-            <a:endParaRPr b="0" lang="en-US" sz="2800" spc="-1" strike="noStrike">
-              <a:solidFill>
-                <a:srgbClr val="000000"/>
-              </a:solidFill>
-              <a:latin typeface="Calibri"/>
-            </a:endParaRPr>
-          </a:p>
-        </p:txBody>
-      </p:sp>
-      <p:sp>
-        <p:nvSpPr>
-          <p:cNvPr id="11" name="PlaceHolder 3"/>
-          <p:cNvSpPr>
-            <a:spLocks noGrp="1"/>
-          </p:cNvSpPr>
-          <p:nvPr>
-            <p:ph type="body"/>
-          </p:nvPr>
-        </p:nvSpPr>
-        <p:spPr>
-          <a:xfrm>
-            <a:off x="6226200" y="1825560"/>
-            <a:ext cx="5131080" cy="4350960"/>
-          </a:xfrm>
-          <a:prstGeom prst="rect">
-            <a:avLst/>
-          </a:prstGeom>
-        </p:spPr>
-        <p:txBody>
-          <a:bodyPr lIns="0" rIns="0" tIns="0" bIns="0">
-            <a:normAutofit/>
-          </a:bodyPr>
-          <a:p>
-            <a:endParaRPr b="0" lang="en-US" sz="2800" spc="-1" strike="noStrike">
-              <a:solidFill>
-                <a:srgbClr val="000000"/>
-              </a:solidFill>
-              <a:latin typeface="Calibri"/>
+            <a:pPr algn="ctr"/>
+            <a:endParaRPr b="0" lang="en-US" sz="4400" spc="-1" strike="noStrike">
+              <a:latin typeface="Arial"/>
+            </a:endParaRPr>
+          </a:p>
+        </p:txBody>
+      </p:sp>
+      <p:sp>
+        <p:nvSpPr>
+          <p:cNvPr id="7" name="PlaceHolder 2"/>
+          <p:cNvSpPr>
+            <a:spLocks noGrp="1"/>
+          </p:cNvSpPr>
+          <p:nvPr>
+            <p:ph type="body"/>
+          </p:nvPr>
+        </p:nvSpPr>
+        <p:spPr>
+          <a:xfrm>
+            <a:off x="609480" y="1604520"/>
+            <a:ext cx="5354280" cy="3977280"/>
+          </a:xfrm>
+          <a:prstGeom prst="rect">
+            <a:avLst/>
+          </a:prstGeom>
+        </p:spPr>
+        <p:txBody>
+          <a:bodyPr lIns="0" rIns="0" tIns="0" bIns="0">
+            <a:normAutofit/>
+          </a:bodyPr>
+          <a:p>
+            <a:endParaRPr b="0" lang="en-US" sz="3200" spc="-1" strike="noStrike">
+              <a:latin typeface="Arial"/>
+            </a:endParaRPr>
+          </a:p>
+        </p:txBody>
+      </p:sp>
+      <p:sp>
+        <p:nvSpPr>
+          <p:cNvPr id="8" name="PlaceHolder 3"/>
+          <p:cNvSpPr>
+            <a:spLocks noGrp="1"/>
+          </p:cNvSpPr>
+          <p:nvPr>
+            <p:ph type="body"/>
+          </p:nvPr>
+        </p:nvSpPr>
+        <p:spPr>
+          <a:xfrm>
+            <a:off x="6231960" y="1604520"/>
+            <a:ext cx="5354280" cy="3977280"/>
+          </a:xfrm>
+          <a:prstGeom prst="rect">
+            <a:avLst/>
+          </a:prstGeom>
+        </p:spPr>
+        <p:txBody>
+          <a:bodyPr lIns="0" rIns="0" tIns="0" bIns="0">
+            <a:normAutofit/>
+          </a:bodyPr>
+          <a:p>
+            <a:endParaRPr b="0" lang="en-US" sz="3200" spc="-1" strike="noStrike">
+              <a:latin typeface="Arial"/>
             </a:endParaRPr>
           </a:p>
         </p:txBody>
@@ -909,7 +852,7 @@
       </p:grpSpPr>
       <p:sp>
         <p:nvSpPr>
-          <p:cNvPr id="12" name="PlaceHolder 1"/>
+          <p:cNvPr id="9" name="PlaceHolder 1"/>
           <p:cNvSpPr>
             <a:spLocks noGrp="1"/>
           </p:cNvSpPr>
@@ -919,8 +862,8 @@
         </p:nvSpPr>
         <p:spPr>
           <a:xfrm>
-            <a:off x="838080" y="365040"/>
-            <a:ext cx="10515240" cy="1325160"/>
+            <a:off x="609480" y="273600"/>
+            <a:ext cx="10972440" cy="1144800"/>
           </a:xfrm>
           <a:prstGeom prst="rect">
             <a:avLst/>
@@ -931,11 +874,9 @@
             <a:noAutofit/>
           </a:bodyPr>
           <a:p>
-            <a:endParaRPr b="0" lang="en-US" sz="1800" spc="-1" strike="noStrike">
-              <a:solidFill>
-                <a:srgbClr val="000000"/>
-              </a:solidFill>
-              <a:latin typeface="Calibri"/>
+            <a:pPr algn="ctr"/>
+            <a:endParaRPr b="0" lang="en-US" sz="4400" spc="-1" strike="noStrike">
+              <a:latin typeface="Arial"/>
             </a:endParaRPr>
           </a:p>
         </p:txBody>
@@ -964,7 +905,7 @@
       </p:grpSpPr>
       <p:sp>
         <p:nvSpPr>
-          <p:cNvPr id="13" name="PlaceHolder 1"/>
+          <p:cNvPr id="10" name="PlaceHolder 1"/>
           <p:cNvSpPr>
             <a:spLocks noGrp="1"/>
           </p:cNvSpPr>
@@ -974,8 +915,8 @@
         </p:nvSpPr>
         <p:spPr>
           <a:xfrm>
-            <a:off x="838080" y="365040"/>
-            <a:ext cx="10515240" cy="6144120"/>
+            <a:off x="609480" y="273600"/>
+            <a:ext cx="10972440" cy="5307840"/>
           </a:xfrm>
           <a:prstGeom prst="rect">
             <a:avLst/>
@@ -1017,7 +958,7 @@
       </p:grpSpPr>
       <p:sp>
         <p:nvSpPr>
-          <p:cNvPr id="14" name="PlaceHolder 1"/>
+          <p:cNvPr id="11" name="PlaceHolder 1"/>
           <p:cNvSpPr>
             <a:spLocks noGrp="1"/>
           </p:cNvSpPr>
@@ -1027,8 +968,8 @@
         </p:nvSpPr>
         <p:spPr>
           <a:xfrm>
-            <a:off x="838080" y="365040"/>
-            <a:ext cx="10515240" cy="1325160"/>
+            <a:off x="609480" y="273600"/>
+            <a:ext cx="10972440" cy="1144800"/>
           </a:xfrm>
           <a:prstGeom prst="rect">
             <a:avLst/>
@@ -1039,110 +980,99 @@
             <a:noAutofit/>
           </a:bodyPr>
           <a:p>
-            <a:endParaRPr b="0" lang="en-US" sz="1800" spc="-1" strike="noStrike">
-              <a:solidFill>
-                <a:srgbClr val="000000"/>
-              </a:solidFill>
-              <a:latin typeface="Calibri"/>
-            </a:endParaRPr>
-          </a:p>
-        </p:txBody>
-      </p:sp>
-      <p:sp>
-        <p:nvSpPr>
-          <p:cNvPr id="15" name="PlaceHolder 2"/>
-          <p:cNvSpPr>
-            <a:spLocks noGrp="1"/>
-          </p:cNvSpPr>
-          <p:nvPr>
-            <p:ph type="body"/>
-          </p:nvPr>
-        </p:nvSpPr>
-        <p:spPr>
-          <a:xfrm>
-            <a:off x="838080" y="1825560"/>
-            <a:ext cx="5131080" cy="2075040"/>
-          </a:xfrm>
-          <a:prstGeom prst="rect">
-            <a:avLst/>
-          </a:prstGeom>
-        </p:spPr>
-        <p:txBody>
-          <a:bodyPr lIns="0" rIns="0" tIns="0" bIns="0">
-            <a:normAutofit/>
-          </a:bodyPr>
-          <a:p>
-            <a:endParaRPr b="0" lang="en-US" sz="2800" spc="-1" strike="noStrike">
-              <a:solidFill>
-                <a:srgbClr val="000000"/>
-              </a:solidFill>
-              <a:latin typeface="Calibri"/>
-            </a:endParaRPr>
-          </a:p>
-        </p:txBody>
-      </p:sp>
-      <p:sp>
-        <p:nvSpPr>
-          <p:cNvPr id="16" name="PlaceHolder 3"/>
-          <p:cNvSpPr>
-            <a:spLocks noGrp="1"/>
-          </p:cNvSpPr>
-          <p:nvPr>
-            <p:ph type="body"/>
-          </p:nvPr>
-        </p:nvSpPr>
-        <p:spPr>
-          <a:xfrm>
-            <a:off x="6226200" y="1825560"/>
-            <a:ext cx="5131080" cy="4350960"/>
-          </a:xfrm>
-          <a:prstGeom prst="rect">
-            <a:avLst/>
-          </a:prstGeom>
-        </p:spPr>
-        <p:txBody>
-          <a:bodyPr lIns="0" rIns="0" tIns="0" bIns="0">
-            <a:normAutofit/>
-          </a:bodyPr>
-          <a:p>
-            <a:endParaRPr b="0" lang="en-US" sz="2800" spc="-1" strike="noStrike">
-              <a:solidFill>
-                <a:srgbClr val="000000"/>
-              </a:solidFill>
-              <a:latin typeface="Calibri"/>
-            </a:endParaRPr>
-          </a:p>
-        </p:txBody>
-      </p:sp>
-      <p:sp>
-        <p:nvSpPr>
-          <p:cNvPr id="17" name="PlaceHolder 4"/>
-          <p:cNvSpPr>
-            <a:spLocks noGrp="1"/>
-          </p:cNvSpPr>
-          <p:nvPr>
-            <p:ph type="body"/>
-          </p:nvPr>
-        </p:nvSpPr>
-        <p:spPr>
-          <a:xfrm>
-            <a:off x="838080" y="4098240"/>
-            <a:ext cx="5131080" cy="2075040"/>
-          </a:xfrm>
-          <a:prstGeom prst="rect">
-            <a:avLst/>
-          </a:prstGeom>
-        </p:spPr>
-        <p:txBody>
-          <a:bodyPr lIns="0" rIns="0" tIns="0" bIns="0">
-            <a:normAutofit/>
-          </a:bodyPr>
-          <a:p>
-            <a:endParaRPr b="0" lang="en-US" sz="2800" spc="-1" strike="noStrike">
-              <a:solidFill>
-                <a:srgbClr val="000000"/>
-              </a:solidFill>
-              <a:latin typeface="Calibri"/>
+            <a:pPr algn="ctr"/>
+            <a:endParaRPr b="0" lang="en-US" sz="4400" spc="-1" strike="noStrike">
+              <a:latin typeface="Arial"/>
+            </a:endParaRPr>
+          </a:p>
+        </p:txBody>
+      </p:sp>
+      <p:sp>
+        <p:nvSpPr>
+          <p:cNvPr id="12" name="PlaceHolder 2"/>
+          <p:cNvSpPr>
+            <a:spLocks noGrp="1"/>
+          </p:cNvSpPr>
+          <p:nvPr>
+            <p:ph type="body"/>
+          </p:nvPr>
+        </p:nvSpPr>
+        <p:spPr>
+          <a:xfrm>
+            <a:off x="609480" y="1604520"/>
+            <a:ext cx="5354280" cy="1896840"/>
+          </a:xfrm>
+          <a:prstGeom prst="rect">
+            <a:avLst/>
+          </a:prstGeom>
+        </p:spPr>
+        <p:txBody>
+          <a:bodyPr lIns="0" rIns="0" tIns="0" bIns="0">
+            <a:normAutofit/>
+          </a:bodyPr>
+          <a:p>
+            <a:endParaRPr b="0" lang="en-US" sz="3200" spc="-1" strike="noStrike">
+              <a:latin typeface="Arial"/>
+            </a:endParaRPr>
+          </a:p>
+        </p:txBody>
+      </p:sp>
+      <p:sp>
+        <p:nvSpPr>
+          <p:cNvPr id="13" name="PlaceHolder 3"/>
+          <p:cNvSpPr>
+            <a:spLocks noGrp="1"/>
+          </p:cNvSpPr>
+          <p:nvPr>
+            <p:ph type="body"/>
+          </p:nvPr>
+        </p:nvSpPr>
+        <p:spPr>
+          <a:xfrm>
+            <a:off x="6231960" y="1604520"/>
+            <a:ext cx="5354280" cy="3977280"/>
+          </a:xfrm>
+          <a:prstGeom prst="rect">
+            <a:avLst/>
+          </a:prstGeom>
+        </p:spPr>
+        <p:txBody>
+          <a:bodyPr lIns="0" rIns="0" tIns="0" bIns="0">
+            <a:normAutofit/>
+          </a:bodyPr>
+          <a:p>
+            <a:endParaRPr b="0" lang="en-US" sz="3200" spc="-1" strike="noStrike">
+              <a:latin typeface="Arial"/>
+            </a:endParaRPr>
+          </a:p>
+        </p:txBody>
+      </p:sp>
+      <p:sp>
+        <p:nvSpPr>
+          <p:cNvPr id="14" name="PlaceHolder 4"/>
+          <p:cNvSpPr>
+            <a:spLocks noGrp="1"/>
+          </p:cNvSpPr>
+          <p:nvPr>
+            <p:ph type="body"/>
+          </p:nvPr>
+        </p:nvSpPr>
+        <p:spPr>
+          <a:xfrm>
+            <a:off x="609480" y="3682080"/>
+            <a:ext cx="5354280" cy="1896840"/>
+          </a:xfrm>
+          <a:prstGeom prst="rect">
+            <a:avLst/>
+          </a:prstGeom>
+        </p:spPr>
+        <p:txBody>
+          <a:bodyPr lIns="0" rIns="0" tIns="0" bIns="0">
+            <a:normAutofit/>
+          </a:bodyPr>
+          <a:p>
+            <a:endParaRPr b="0" lang="en-US" sz="3200" spc="-1" strike="noStrike">
+              <a:latin typeface="Arial"/>
             </a:endParaRPr>
           </a:p>
         </p:txBody>
@@ -1171,7 +1101,7 @@
       </p:grpSpPr>
       <p:sp>
         <p:nvSpPr>
-          <p:cNvPr id="18" name="PlaceHolder 1"/>
+          <p:cNvPr id="15" name="PlaceHolder 1"/>
           <p:cNvSpPr>
             <a:spLocks noGrp="1"/>
           </p:cNvSpPr>
@@ -1181,8 +1111,8 @@
         </p:nvSpPr>
         <p:spPr>
           <a:xfrm>
-            <a:off x="838080" y="365040"/>
-            <a:ext cx="10515240" cy="1325160"/>
+            <a:off x="609480" y="273600"/>
+            <a:ext cx="10972440" cy="1144800"/>
           </a:xfrm>
           <a:prstGeom prst="rect">
             <a:avLst/>
@@ -1193,110 +1123,99 @@
             <a:noAutofit/>
           </a:bodyPr>
           <a:p>
-            <a:endParaRPr b="0" lang="en-US" sz="1800" spc="-1" strike="noStrike">
-              <a:solidFill>
-                <a:srgbClr val="000000"/>
-              </a:solidFill>
-              <a:latin typeface="Calibri"/>
-            </a:endParaRPr>
-          </a:p>
-        </p:txBody>
-      </p:sp>
-      <p:sp>
-        <p:nvSpPr>
-          <p:cNvPr id="19" name="PlaceHolder 2"/>
-          <p:cNvSpPr>
-            <a:spLocks noGrp="1"/>
-          </p:cNvSpPr>
-          <p:nvPr>
-            <p:ph type="body"/>
-          </p:nvPr>
-        </p:nvSpPr>
-        <p:spPr>
-          <a:xfrm>
-            <a:off x="838080" y="1825560"/>
-            <a:ext cx="5131080" cy="4350960"/>
-          </a:xfrm>
-          <a:prstGeom prst="rect">
-            <a:avLst/>
-          </a:prstGeom>
-        </p:spPr>
-        <p:txBody>
-          <a:bodyPr lIns="0" rIns="0" tIns="0" bIns="0">
-            <a:normAutofit/>
-          </a:bodyPr>
-          <a:p>
-            <a:endParaRPr b="0" lang="en-US" sz="2800" spc="-1" strike="noStrike">
-              <a:solidFill>
-                <a:srgbClr val="000000"/>
-              </a:solidFill>
-              <a:latin typeface="Calibri"/>
-            </a:endParaRPr>
-          </a:p>
-        </p:txBody>
-      </p:sp>
-      <p:sp>
-        <p:nvSpPr>
-          <p:cNvPr id="20" name="PlaceHolder 3"/>
-          <p:cNvSpPr>
-            <a:spLocks noGrp="1"/>
-          </p:cNvSpPr>
-          <p:nvPr>
-            <p:ph type="body"/>
-          </p:nvPr>
-        </p:nvSpPr>
-        <p:spPr>
-          <a:xfrm>
-            <a:off x="6226200" y="1825560"/>
-            <a:ext cx="5131080" cy="2075040"/>
-          </a:xfrm>
-          <a:prstGeom prst="rect">
-            <a:avLst/>
-          </a:prstGeom>
-        </p:spPr>
-        <p:txBody>
-          <a:bodyPr lIns="0" rIns="0" tIns="0" bIns="0">
-            <a:normAutofit/>
-          </a:bodyPr>
-          <a:p>
-            <a:endParaRPr b="0" lang="en-US" sz="2800" spc="-1" strike="noStrike">
-              <a:solidFill>
-                <a:srgbClr val="000000"/>
-              </a:solidFill>
-              <a:latin typeface="Calibri"/>
-            </a:endParaRPr>
-          </a:p>
-        </p:txBody>
-      </p:sp>
-      <p:sp>
-        <p:nvSpPr>
-          <p:cNvPr id="21" name="PlaceHolder 4"/>
-          <p:cNvSpPr>
-            <a:spLocks noGrp="1"/>
-          </p:cNvSpPr>
-          <p:nvPr>
-            <p:ph type="body"/>
-          </p:nvPr>
-        </p:nvSpPr>
-        <p:spPr>
-          <a:xfrm>
-            <a:off x="6226200" y="4098240"/>
-            <a:ext cx="5131080" cy="2075040"/>
-          </a:xfrm>
-          <a:prstGeom prst="rect">
-            <a:avLst/>
-          </a:prstGeom>
-        </p:spPr>
-        <p:txBody>
-          <a:bodyPr lIns="0" rIns="0" tIns="0" bIns="0">
-            <a:normAutofit/>
-          </a:bodyPr>
-          <a:p>
-            <a:endParaRPr b="0" lang="en-US" sz="2800" spc="-1" strike="noStrike">
-              <a:solidFill>
-                <a:srgbClr val="000000"/>
-              </a:solidFill>
-              <a:latin typeface="Calibri"/>
+            <a:pPr algn="ctr"/>
+            <a:endParaRPr b="0" lang="en-US" sz="4400" spc="-1" strike="noStrike">
+              <a:latin typeface="Arial"/>
+            </a:endParaRPr>
+          </a:p>
+        </p:txBody>
+      </p:sp>
+      <p:sp>
+        <p:nvSpPr>
+          <p:cNvPr id="16" name="PlaceHolder 2"/>
+          <p:cNvSpPr>
+            <a:spLocks noGrp="1"/>
+          </p:cNvSpPr>
+          <p:nvPr>
+            <p:ph type="body"/>
+          </p:nvPr>
+        </p:nvSpPr>
+        <p:spPr>
+          <a:xfrm>
+            <a:off x="609480" y="1604520"/>
+            <a:ext cx="5354280" cy="3977280"/>
+          </a:xfrm>
+          <a:prstGeom prst="rect">
+            <a:avLst/>
+          </a:prstGeom>
+        </p:spPr>
+        <p:txBody>
+          <a:bodyPr lIns="0" rIns="0" tIns="0" bIns="0">
+            <a:normAutofit/>
+          </a:bodyPr>
+          <a:p>
+            <a:endParaRPr b="0" lang="en-US" sz="3200" spc="-1" strike="noStrike">
+              <a:latin typeface="Arial"/>
+            </a:endParaRPr>
+          </a:p>
+        </p:txBody>
+      </p:sp>
+      <p:sp>
+        <p:nvSpPr>
+          <p:cNvPr id="17" name="PlaceHolder 3"/>
+          <p:cNvSpPr>
+            <a:spLocks noGrp="1"/>
+          </p:cNvSpPr>
+          <p:nvPr>
+            <p:ph type="body"/>
+          </p:nvPr>
+        </p:nvSpPr>
+        <p:spPr>
+          <a:xfrm>
+            <a:off x="6231960" y="1604520"/>
+            <a:ext cx="5354280" cy="1896840"/>
+          </a:xfrm>
+          <a:prstGeom prst="rect">
+            <a:avLst/>
+          </a:prstGeom>
+        </p:spPr>
+        <p:txBody>
+          <a:bodyPr lIns="0" rIns="0" tIns="0" bIns="0">
+            <a:normAutofit/>
+          </a:bodyPr>
+          <a:p>
+            <a:endParaRPr b="0" lang="en-US" sz="3200" spc="-1" strike="noStrike">
+              <a:latin typeface="Arial"/>
+            </a:endParaRPr>
+          </a:p>
+        </p:txBody>
+      </p:sp>
+      <p:sp>
+        <p:nvSpPr>
+          <p:cNvPr id="18" name="PlaceHolder 4"/>
+          <p:cNvSpPr>
+            <a:spLocks noGrp="1"/>
+          </p:cNvSpPr>
+          <p:nvPr>
+            <p:ph type="body"/>
+          </p:nvPr>
+        </p:nvSpPr>
+        <p:spPr>
+          <a:xfrm>
+            <a:off x="6231960" y="3682080"/>
+            <a:ext cx="5354280" cy="1896840"/>
+          </a:xfrm>
+          <a:prstGeom prst="rect">
+            <a:avLst/>
+          </a:prstGeom>
+        </p:spPr>
+        <p:txBody>
+          <a:bodyPr lIns="0" rIns="0" tIns="0" bIns="0">
+            <a:normAutofit/>
+          </a:bodyPr>
+          <a:p>
+            <a:endParaRPr b="0" lang="en-US" sz="3200" spc="-1" strike="noStrike">
+              <a:latin typeface="Arial"/>
             </a:endParaRPr>
           </a:p>
         </p:txBody>
@@ -1325,7 +1244,7 @@
       </p:grpSpPr>
       <p:sp>
         <p:nvSpPr>
-          <p:cNvPr id="22" name="PlaceHolder 1"/>
+          <p:cNvPr id="19" name="PlaceHolder 1"/>
           <p:cNvSpPr>
             <a:spLocks noGrp="1"/>
           </p:cNvSpPr>
@@ -1335,8 +1254,8 @@
         </p:nvSpPr>
         <p:spPr>
           <a:xfrm>
-            <a:off x="838080" y="365040"/>
-            <a:ext cx="10515240" cy="1325160"/>
+            <a:off x="609480" y="273600"/>
+            <a:ext cx="10972440" cy="1144800"/>
           </a:xfrm>
           <a:prstGeom prst="rect">
             <a:avLst/>
@@ -1347,110 +1266,99 @@
             <a:noAutofit/>
           </a:bodyPr>
           <a:p>
-            <a:endParaRPr b="0" lang="en-US" sz="1800" spc="-1" strike="noStrike">
-              <a:solidFill>
-                <a:srgbClr val="000000"/>
-              </a:solidFill>
-              <a:latin typeface="Calibri"/>
-            </a:endParaRPr>
-          </a:p>
-        </p:txBody>
-      </p:sp>
-      <p:sp>
-        <p:nvSpPr>
-          <p:cNvPr id="23" name="PlaceHolder 2"/>
-          <p:cNvSpPr>
-            <a:spLocks noGrp="1"/>
-          </p:cNvSpPr>
-          <p:nvPr>
-            <p:ph type="body"/>
-          </p:nvPr>
-        </p:nvSpPr>
-        <p:spPr>
-          <a:xfrm>
-            <a:off x="838080" y="1825560"/>
-            <a:ext cx="5131080" cy="2075040"/>
-          </a:xfrm>
-          <a:prstGeom prst="rect">
-            <a:avLst/>
-          </a:prstGeom>
-        </p:spPr>
-        <p:txBody>
-          <a:bodyPr lIns="0" rIns="0" tIns="0" bIns="0">
-            <a:normAutofit/>
-          </a:bodyPr>
-          <a:p>
-            <a:endParaRPr b="0" lang="en-US" sz="2800" spc="-1" strike="noStrike">
-              <a:solidFill>
-                <a:srgbClr val="000000"/>
-              </a:solidFill>
-              <a:latin typeface="Calibri"/>
-            </a:endParaRPr>
-          </a:p>
-        </p:txBody>
-      </p:sp>
-      <p:sp>
-        <p:nvSpPr>
-          <p:cNvPr id="24" name="PlaceHolder 3"/>
-          <p:cNvSpPr>
-            <a:spLocks noGrp="1"/>
-          </p:cNvSpPr>
-          <p:nvPr>
-            <p:ph type="body"/>
-          </p:nvPr>
-        </p:nvSpPr>
-        <p:spPr>
-          <a:xfrm>
-            <a:off x="6226200" y="1825560"/>
-            <a:ext cx="5131080" cy="2075040"/>
-          </a:xfrm>
-          <a:prstGeom prst="rect">
-            <a:avLst/>
-          </a:prstGeom>
-        </p:spPr>
-        <p:txBody>
-          <a:bodyPr lIns="0" rIns="0" tIns="0" bIns="0">
-            <a:normAutofit/>
-          </a:bodyPr>
-          <a:p>
-            <a:endParaRPr b="0" lang="en-US" sz="2800" spc="-1" strike="noStrike">
-              <a:solidFill>
-                <a:srgbClr val="000000"/>
-              </a:solidFill>
-              <a:latin typeface="Calibri"/>
-            </a:endParaRPr>
-          </a:p>
-        </p:txBody>
-      </p:sp>
-      <p:sp>
-        <p:nvSpPr>
-          <p:cNvPr id="25" name="PlaceHolder 4"/>
-          <p:cNvSpPr>
-            <a:spLocks noGrp="1"/>
-          </p:cNvSpPr>
-          <p:nvPr>
-            <p:ph type="body"/>
-          </p:nvPr>
-        </p:nvSpPr>
-        <p:spPr>
-          <a:xfrm>
-            <a:off x="838080" y="4098240"/>
-            <a:ext cx="10515240" cy="2075040"/>
-          </a:xfrm>
-          <a:prstGeom prst="rect">
-            <a:avLst/>
-          </a:prstGeom>
-        </p:spPr>
-        <p:txBody>
-          <a:bodyPr lIns="0" rIns="0" tIns="0" bIns="0">
-            <a:normAutofit/>
-          </a:bodyPr>
-          <a:p>
-            <a:endParaRPr b="0" lang="en-US" sz="2800" spc="-1" strike="noStrike">
-              <a:solidFill>
-                <a:srgbClr val="000000"/>
-              </a:solidFill>
-              <a:latin typeface="Calibri"/>
+            <a:pPr algn="ctr"/>
+            <a:endParaRPr b="0" lang="en-US" sz="4400" spc="-1" strike="noStrike">
+              <a:latin typeface="Arial"/>
+            </a:endParaRPr>
+          </a:p>
+        </p:txBody>
+      </p:sp>
+      <p:sp>
+        <p:nvSpPr>
+          <p:cNvPr id="20" name="PlaceHolder 2"/>
+          <p:cNvSpPr>
+            <a:spLocks noGrp="1"/>
+          </p:cNvSpPr>
+          <p:nvPr>
+            <p:ph type="body"/>
+          </p:nvPr>
+        </p:nvSpPr>
+        <p:spPr>
+          <a:xfrm>
+            <a:off x="609480" y="1604520"/>
+            <a:ext cx="5354280" cy="1896840"/>
+          </a:xfrm>
+          <a:prstGeom prst="rect">
+            <a:avLst/>
+          </a:prstGeom>
+        </p:spPr>
+        <p:txBody>
+          <a:bodyPr lIns="0" rIns="0" tIns="0" bIns="0">
+            <a:normAutofit/>
+          </a:bodyPr>
+          <a:p>
+            <a:endParaRPr b="0" lang="en-US" sz="3200" spc="-1" strike="noStrike">
+              <a:latin typeface="Arial"/>
+            </a:endParaRPr>
+          </a:p>
+        </p:txBody>
+      </p:sp>
+      <p:sp>
+        <p:nvSpPr>
+          <p:cNvPr id="21" name="PlaceHolder 3"/>
+          <p:cNvSpPr>
+            <a:spLocks noGrp="1"/>
+          </p:cNvSpPr>
+          <p:nvPr>
+            <p:ph type="body"/>
+          </p:nvPr>
+        </p:nvSpPr>
+        <p:spPr>
+          <a:xfrm>
+            <a:off x="6231960" y="1604520"/>
+            <a:ext cx="5354280" cy="1896840"/>
+          </a:xfrm>
+          <a:prstGeom prst="rect">
+            <a:avLst/>
+          </a:prstGeom>
+        </p:spPr>
+        <p:txBody>
+          <a:bodyPr lIns="0" rIns="0" tIns="0" bIns="0">
+            <a:normAutofit/>
+          </a:bodyPr>
+          <a:p>
+            <a:endParaRPr b="0" lang="en-US" sz="3200" spc="-1" strike="noStrike">
+              <a:latin typeface="Arial"/>
+            </a:endParaRPr>
+          </a:p>
+        </p:txBody>
+      </p:sp>
+      <p:sp>
+        <p:nvSpPr>
+          <p:cNvPr id="22" name="PlaceHolder 4"/>
+          <p:cNvSpPr>
+            <a:spLocks noGrp="1"/>
+          </p:cNvSpPr>
+          <p:nvPr>
+            <p:ph type="body"/>
+          </p:nvPr>
+        </p:nvSpPr>
+        <p:spPr>
+          <a:xfrm>
+            <a:off x="609480" y="3682080"/>
+            <a:ext cx="10972440" cy="1896840"/>
+          </a:xfrm>
+          <a:prstGeom prst="rect">
+            <a:avLst/>
+          </a:prstGeom>
+        </p:spPr>
+        <p:txBody>
+          <a:bodyPr lIns="0" rIns="0" tIns="0" bIns="0">
+            <a:normAutofit/>
+          </a:bodyPr>
+          <a:p>
+            <a:endParaRPr b="0" lang="en-US" sz="3200" spc="-1" strike="noStrike">
+              <a:latin typeface="Arial"/>
             </a:endParaRPr>
           </a:p>
         </p:txBody>
@@ -1496,37 +1404,27 @@
         </p:nvSpPr>
         <p:spPr>
           <a:xfrm>
-            <a:off x="838080" y="365040"/>
-            <a:ext cx="10515240" cy="1325160"/>
-          </a:xfrm>
-          <a:prstGeom prst="rect">
-            <a:avLst/>
-          </a:prstGeom>
-        </p:spPr>
-        <p:txBody>
-          <a:bodyPr anchor="ctr">
+            <a:off x="609480" y="273600"/>
+            <a:ext cx="10972440" cy="1144800"/>
+          </a:xfrm>
+          <a:prstGeom prst="rect">
+            <a:avLst/>
+          </a:prstGeom>
+        </p:spPr>
+        <p:txBody>
+          <a:bodyPr lIns="0" rIns="0" tIns="0" bIns="0" anchor="ctr">
             <a:noAutofit/>
           </a:bodyPr>
           <a:p>
-            <a:pPr>
-              <a:lnSpc>
-                <a:spcPct val="90000"/>
-              </a:lnSpc>
-            </a:pPr>
+            <a:pPr algn="ctr"/>
             <a:r>
-              <a:rPr b="0" lang="en-GB" sz="4400" spc="-1" strike="noStrike">
-                <a:solidFill>
-                  <a:srgbClr val="000000"/>
-                </a:solidFill>
-                <a:latin typeface="Calibri Light"/>
+              <a:rPr b="0" lang="en-US" sz="4400" spc="-1" strike="noStrike">
+                <a:latin typeface="Arial"/>
               </a:rPr>
-              <a:t>Click to edit Master title style</a:t>
+              <a:t>Click to edit the title text format</a:t>
             </a:r>
             <a:endParaRPr b="0" lang="en-US" sz="4400" spc="-1" strike="noStrike">
-              <a:solidFill>
-                <a:srgbClr val="000000"/>
-              </a:solidFill>
-              <a:latin typeface="Calibri"/>
+              <a:latin typeface="Arial"/>
             </a:endParaRPr>
           </a:p>
         </p:txBody>
@@ -1543,283 +1441,169 @@
         </p:nvSpPr>
         <p:spPr>
           <a:xfrm>
-            <a:off x="838080" y="1825560"/>
-            <a:ext cx="10515240" cy="4350960"/>
-          </a:xfrm>
-          <a:prstGeom prst="rect">
-            <a:avLst/>
-          </a:prstGeom>
-        </p:spPr>
-        <p:txBody>
-          <a:bodyPr>
-            <a:noAutofit/>
-          </a:bodyPr>
-          <a:p>
-            <a:pPr marL="228600" indent="-228240">
-              <a:lnSpc>
-                <a:spcPct val="90000"/>
-              </a:lnSpc>
+            <a:off x="609480" y="1604520"/>
+            <a:ext cx="10972440" cy="3977280"/>
+          </a:xfrm>
+          <a:prstGeom prst="rect">
+            <a:avLst/>
+          </a:prstGeom>
+        </p:spPr>
+        <p:txBody>
+          <a:bodyPr lIns="0" rIns="0" tIns="0" bIns="0">
+            <a:normAutofit/>
+          </a:bodyPr>
+          <a:p>
+            <a:pPr marL="432000" indent="-324000">
               <a:spcBef>
-                <a:spcPts val="1001"/>
+                <a:spcPts val="1417"/>
               </a:spcBef>
               <a:buClr>
                 <a:srgbClr val="000000"/>
               </a:buClr>
-              <a:buFont typeface="Arial"/>
-              <a:buChar char="•"/>
+              <a:buSzPct val="45000"/>
+              <a:buFont typeface="Wingdings" charset="2"/>
+              <a:buChar char=""/>
             </a:pPr>
             <a:r>
-              <a:rPr b="0" lang="en-GB" sz="2800" spc="-1" strike="noStrike">
-                <a:solidFill>
-                  <a:srgbClr val="000000"/>
-                </a:solidFill>
-                <a:latin typeface="Calibri"/>
+              <a:rPr b="0" lang="en-US" sz="3200" spc="-1" strike="noStrike">
+                <a:latin typeface="Arial"/>
               </a:rPr>
-              <a:t>Click to edit Master text styles</a:t>
+              <a:t>Click to edit the outline text format</a:t>
             </a:r>
-            <a:endParaRPr b="0" lang="en-US" sz="2800" spc="-1" strike="noStrike">
-              <a:solidFill>
-                <a:srgbClr val="000000"/>
-              </a:solidFill>
-              <a:latin typeface="Calibri"/>
-            </a:endParaRPr>
-          </a:p>
-          <a:p>
-            <a:pPr lvl="1" marL="685800" indent="-228240">
-              <a:lnSpc>
-                <a:spcPct val="90000"/>
-              </a:lnSpc>
+            <a:endParaRPr b="0" lang="en-US" sz="3200" spc="-1" strike="noStrike">
+              <a:latin typeface="Arial"/>
+            </a:endParaRPr>
+          </a:p>
+          <a:p>
+            <a:pPr lvl="1" marL="864000" indent="-324000">
               <a:spcBef>
-                <a:spcPts val="499"/>
+                <a:spcPts val="1134"/>
               </a:spcBef>
               <a:buClr>
                 <a:srgbClr val="000000"/>
               </a:buClr>
-              <a:buFont typeface="Arial"/>
-              <a:buChar char="•"/>
+              <a:buSzPct val="75000"/>
+              <a:buFont typeface="Symbol" charset="2"/>
+              <a:buChar char=""/>
             </a:pPr>
             <a:r>
-              <a:rPr b="0" lang="en-GB" sz="2400" spc="-1" strike="noStrike">
-                <a:solidFill>
-                  <a:srgbClr val="000000"/>
-                </a:solidFill>
-                <a:latin typeface="Calibri"/>
+              <a:rPr b="0" lang="en-US" sz="2800" spc="-1" strike="noStrike">
+                <a:latin typeface="Arial"/>
               </a:rPr>
-              <a:t>Second level</a:t>
+              <a:t>Second Outline Level</a:t>
             </a:r>
-            <a:endParaRPr b="0" lang="en-US" sz="2400" spc="-1" strike="noStrike">
-              <a:solidFill>
-                <a:srgbClr val="000000"/>
-              </a:solidFill>
-              <a:latin typeface="Calibri"/>
-            </a:endParaRPr>
-          </a:p>
-          <a:p>
-            <a:pPr lvl="2" marL="1143000" indent="-228240">
-              <a:lnSpc>
-                <a:spcPct val="90000"/>
-              </a:lnSpc>
+            <a:endParaRPr b="0" lang="en-US" sz="2800" spc="-1" strike="noStrike">
+              <a:latin typeface="Arial"/>
+            </a:endParaRPr>
+          </a:p>
+          <a:p>
+            <a:pPr lvl="2" marL="1296000" indent="-288000">
               <a:spcBef>
-                <a:spcPts val="499"/>
+                <a:spcPts val="850"/>
               </a:spcBef>
               <a:buClr>
                 <a:srgbClr val="000000"/>
               </a:buClr>
-              <a:buFont typeface="Arial"/>
-              <a:buChar char="•"/>
+              <a:buSzPct val="45000"/>
+              <a:buFont typeface="Wingdings" charset="2"/>
+              <a:buChar char=""/>
             </a:pPr>
             <a:r>
-              <a:rPr b="0" lang="en-GB" sz="2000" spc="-1" strike="noStrike">
-                <a:solidFill>
-                  <a:srgbClr val="000000"/>
-                </a:solidFill>
-                <a:latin typeface="Calibri"/>
+              <a:rPr b="0" lang="en-US" sz="2400" spc="-1" strike="noStrike">
+                <a:latin typeface="Arial"/>
               </a:rPr>
-              <a:t>Third level</a:t>
+              <a:t>Third Outline Level</a:t>
             </a:r>
-            <a:endParaRPr b="0" lang="en-US" sz="2000" spc="-1" strike="noStrike">
-              <a:solidFill>
-                <a:srgbClr val="000000"/>
-              </a:solidFill>
-              <a:latin typeface="Calibri"/>
-            </a:endParaRPr>
-          </a:p>
-          <a:p>
-            <a:pPr lvl="3" marL="1600200" indent="-228240">
-              <a:lnSpc>
-                <a:spcPct val="90000"/>
-              </a:lnSpc>
+            <a:endParaRPr b="0" lang="en-US" sz="2400" spc="-1" strike="noStrike">
+              <a:latin typeface="Arial"/>
+            </a:endParaRPr>
+          </a:p>
+          <a:p>
+            <a:pPr lvl="3" marL="1728000" indent="-216000">
               <a:spcBef>
-                <a:spcPts val="499"/>
+                <a:spcPts val="567"/>
               </a:spcBef>
               <a:buClr>
                 <a:srgbClr val="000000"/>
               </a:buClr>
-              <a:buFont typeface="Arial"/>
-              <a:buChar char="•"/>
+              <a:buSzPct val="75000"/>
+              <a:buFont typeface="Symbol" charset="2"/>
+              <a:buChar char=""/>
             </a:pPr>
             <a:r>
-              <a:rPr b="0" lang="en-GB" sz="1800" spc="-1" strike="noStrike">
-                <a:solidFill>
-                  <a:srgbClr val="000000"/>
-                </a:solidFill>
-                <a:latin typeface="Calibri"/>
+              <a:rPr b="0" lang="en-US" sz="2000" spc="-1" strike="noStrike">
+                <a:latin typeface="Arial"/>
               </a:rPr>
-              <a:t>Fourth level</a:t>
+              <a:t>Fourth Outline Level</a:t>
             </a:r>
-            <a:endParaRPr b="0" lang="en-US" sz="1800" spc="-1" strike="noStrike">
-              <a:solidFill>
-                <a:srgbClr val="000000"/>
-              </a:solidFill>
-              <a:latin typeface="Calibri"/>
-            </a:endParaRPr>
-          </a:p>
-          <a:p>
-            <a:pPr lvl="4" marL="2057400" indent="-228240">
-              <a:lnSpc>
-                <a:spcPct val="90000"/>
-              </a:lnSpc>
+            <a:endParaRPr b="0" lang="en-US" sz="2000" spc="-1" strike="noStrike">
+              <a:latin typeface="Arial"/>
+            </a:endParaRPr>
+          </a:p>
+          <a:p>
+            <a:pPr lvl="4" marL="2160000" indent="-216000">
               <a:spcBef>
-                <a:spcPts val="499"/>
+                <a:spcPts val="283"/>
               </a:spcBef>
               <a:buClr>
                 <a:srgbClr val="000000"/>
               </a:buClr>
-              <a:buFont typeface="Arial"/>
-              <a:buChar char="•"/>
+              <a:buSzPct val="45000"/>
+              <a:buFont typeface="Wingdings" charset="2"/>
+              <a:buChar char=""/>
             </a:pPr>
             <a:r>
-              <a:rPr b="0" lang="en-GB" sz="1800" spc="-1" strike="noStrike">
-                <a:solidFill>
-                  <a:srgbClr val="000000"/>
-                </a:solidFill>
-                <a:latin typeface="Calibri"/>
+              <a:rPr b="0" lang="en-US" sz="2000" spc="-1" strike="noStrike">
+                <a:latin typeface="Arial"/>
               </a:rPr>
-              <a:t>Fifth level</a:t>
+              <a:t>Fifth Outline Level</a:t>
             </a:r>
-            <a:endParaRPr b="0" lang="en-US" sz="1800" spc="-1" strike="noStrike">
-              <a:solidFill>
+            <a:endParaRPr b="0" lang="en-US" sz="2000" spc="-1" strike="noStrike">
+              <a:latin typeface="Arial"/>
+            </a:endParaRPr>
+          </a:p>
+          <a:p>
+            <a:pPr lvl="5" marL="2592000" indent="-216000">
+              <a:spcBef>
+                <a:spcPts val="283"/>
+              </a:spcBef>
+              <a:buClr>
                 <a:srgbClr val="000000"/>
-              </a:solidFill>
-              <a:latin typeface="Calibri"/>
-            </a:endParaRPr>
-          </a:p>
-        </p:txBody>
-      </p:sp>
-      <p:sp>
-        <p:nvSpPr>
-          <p:cNvPr id="2" name="PlaceHolder 3"/>
-          <p:cNvSpPr>
-            <a:spLocks noGrp="1"/>
-          </p:cNvSpPr>
-          <p:nvPr>
-            <p:ph type="dt"/>
-          </p:nvPr>
-        </p:nvSpPr>
-        <p:spPr>
-          <a:xfrm>
-            <a:off x="838080" y="6356520"/>
-            <a:ext cx="2742840" cy="364680"/>
-          </a:xfrm>
-          <a:prstGeom prst="rect">
-            <a:avLst/>
-          </a:prstGeom>
-        </p:spPr>
-        <p:txBody>
-          <a:bodyPr anchor="ctr">
-            <a:noAutofit/>
-          </a:bodyPr>
-          <a:p>
-            <a:pPr>
-              <a:lnSpc>
-                <a:spcPct val="100000"/>
-              </a:lnSpc>
+              </a:buClr>
+              <a:buSzPct val="45000"/>
+              <a:buFont typeface="Wingdings" charset="2"/>
+              <a:buChar char=""/>
             </a:pPr>
-            <a:fld id="{4F4ED46C-6A2E-44C0-92E4-FC8E799F856C}" type="datetime">
-              <a:rPr b="0" lang="en-US" sz="1200" spc="-1" strike="noStrike">
-                <a:solidFill>
-                  <a:srgbClr val="8b8b8b"/>
-                </a:solidFill>
-                <a:latin typeface="Calibri"/>
+            <a:r>
+              <a:rPr b="0" lang="en-US" sz="2000" spc="-1" strike="noStrike">
+                <a:latin typeface="Arial"/>
               </a:rPr>
-              <a:t>2/16/24</a:t>
-            </a:fld>
-            <a:endParaRPr b="0" lang="en-US" sz="1200" spc="-1" strike="noStrike">
-              <a:latin typeface="Times New Roman"/>
-            </a:endParaRPr>
-          </a:p>
-        </p:txBody>
-      </p:sp>
-      <p:sp>
-        <p:nvSpPr>
-          <p:cNvPr id="3" name="PlaceHolder 4"/>
-          <p:cNvSpPr>
-            <a:spLocks noGrp="1"/>
-          </p:cNvSpPr>
-          <p:nvPr>
-            <p:ph type="ftr"/>
-          </p:nvPr>
-        </p:nvSpPr>
-        <p:spPr>
-          <a:xfrm>
-            <a:off x="4038480" y="6356520"/>
-            <a:ext cx="4114440" cy="364680"/>
-          </a:xfrm>
-          <a:prstGeom prst="rect">
-            <a:avLst/>
-          </a:prstGeom>
-        </p:spPr>
-        <p:txBody>
-          <a:bodyPr anchor="ctr">
-            <a:noAutofit/>
-          </a:bodyPr>
-          <a:p>
-            <a:endParaRPr b="0" lang="en-US" sz="2400" spc="-1" strike="noStrike">
-              <a:latin typeface="Times New Roman"/>
-            </a:endParaRPr>
-          </a:p>
-        </p:txBody>
-      </p:sp>
-      <p:sp>
-        <p:nvSpPr>
-          <p:cNvPr id="4" name="PlaceHolder 5"/>
-          <p:cNvSpPr>
-            <a:spLocks noGrp="1"/>
-          </p:cNvSpPr>
-          <p:nvPr>
-            <p:ph type="sldNum"/>
-          </p:nvPr>
-        </p:nvSpPr>
-        <p:spPr>
-          <a:xfrm>
-            <a:off x="8610480" y="6356520"/>
-            <a:ext cx="2742840" cy="364680"/>
-          </a:xfrm>
-          <a:prstGeom prst="rect">
-            <a:avLst/>
-          </a:prstGeom>
-        </p:spPr>
-        <p:txBody>
-          <a:bodyPr anchor="ctr">
-            <a:noAutofit/>
-          </a:bodyPr>
-          <a:p>
-            <a:pPr algn="r">
-              <a:lnSpc>
-                <a:spcPct val="100000"/>
-              </a:lnSpc>
+              <a:t>Sixth Outline Level</a:t>
+            </a:r>
+            <a:endParaRPr b="0" lang="en-US" sz="2000" spc="-1" strike="noStrike">
+              <a:latin typeface="Arial"/>
+            </a:endParaRPr>
+          </a:p>
+          <a:p>
+            <a:pPr lvl="6" marL="3024000" indent="-216000">
+              <a:spcBef>
+                <a:spcPts val="283"/>
+              </a:spcBef>
+              <a:buClr>
+                <a:srgbClr val="000000"/>
+              </a:buClr>
+              <a:buSzPct val="45000"/>
+              <a:buFont typeface="Wingdings" charset="2"/>
+              <a:buChar char=""/>
             </a:pPr>
-            <a:fld id="{194A1E78-2D32-468E-9418-474171AAAC4F}" type="slidenum">
-              <a:rPr b="0" lang="en-US" sz="1200" spc="-1" strike="noStrike">
-                <a:solidFill>
-                  <a:srgbClr val="8b8b8b"/>
-                </a:solidFill>
-                <a:latin typeface="Calibri"/>
+            <a:r>
+              <a:rPr b="0" lang="en-US" sz="2000" spc="-1" strike="noStrike">
+                <a:latin typeface="Arial"/>
               </a:rPr>
-              <a:t>&lt;number&gt;</a:t>
-            </a:fld>
-            <a:endParaRPr b="0" lang="en-US" sz="1200" spc="-1" strike="noStrike">
-              <a:latin typeface="Times New Roman"/>
+              <a:t>Seventh Outline Level</a:t>
+            </a:r>
+            <a:endParaRPr b="0" lang="en-US" sz="2000" spc="-1" strike="noStrike">
+              <a:latin typeface="Arial"/>
             </a:endParaRPr>
           </a:p>
         </p:txBody>
@@ -1863,14 +1647,14 @@
       </p:grpSpPr>
       <p:sp>
         <p:nvSpPr>
-          <p:cNvPr id="41" name="CustomShape 1"/>
+          <p:cNvPr id="38" name="CustomShape 1"/>
           <p:cNvSpPr/>
           <p:nvPr/>
         </p:nvSpPr>
         <p:spPr>
           <a:xfrm>
             <a:off x="4343400" y="3428640"/>
-            <a:ext cx="1143000" cy="228600"/>
+            <a:ext cx="1142640" cy="228240"/>
           </a:xfrm>
           <a:prstGeom prst="ellipse">
             <a:avLst/>
@@ -1891,14 +1675,14 @@
       </p:sp>
       <p:sp>
         <p:nvSpPr>
-          <p:cNvPr id="42" name="TextShape 2"/>
-          <p:cNvSpPr txBox="1"/>
+          <p:cNvPr id="39" name="CustomShape 2"/>
+          <p:cNvSpPr/>
           <p:nvPr/>
         </p:nvSpPr>
         <p:spPr>
           <a:xfrm>
             <a:off x="4800600" y="3082320"/>
-            <a:ext cx="307080" cy="346320"/>
+            <a:ext cx="306720" cy="345960"/>
           </a:xfrm>
           <a:prstGeom prst="rect">
             <a:avLst/>
@@ -1908,11 +1692,22 @@
             <a:noFill/>
           </a:ln>
         </p:spPr>
+        <p:style>
+          <a:lnRef idx="0"/>
+          <a:fillRef idx="0"/>
+          <a:effectRef idx="0"/>
+          <a:fontRef idx="minor"/>
+        </p:style>
         <p:txBody>
           <a:bodyPr lIns="90000" rIns="90000" tIns="45000" bIns="45000">
             <a:noAutofit/>
           </a:bodyPr>
           <a:p>
+            <a:pPr>
+              <a:lnSpc>
+                <a:spcPct val="100000"/>
+              </a:lnSpc>
+            </a:pPr>
             <a:r>
               <a:rPr b="0" lang="en-US" sz="1800" spc="-1" strike="noStrike">
                 <a:latin typeface="Arial"/>
@@ -1927,14 +1722,14 @@
       </p:sp>
       <p:sp>
         <p:nvSpPr>
-          <p:cNvPr id="43" name="CustomShape 3"/>
+          <p:cNvPr id="40" name="CustomShape 3"/>
           <p:cNvSpPr/>
           <p:nvPr/>
         </p:nvSpPr>
         <p:spPr>
           <a:xfrm>
             <a:off x="1600200" y="228600"/>
-            <a:ext cx="9601200" cy="6400800"/>
+            <a:ext cx="9600840" cy="6400440"/>
           </a:xfrm>
           <a:prstGeom prst="ellipse">
             <a:avLst/>
@@ -1955,14 +1750,14 @@
       </p:sp>
       <p:sp>
         <p:nvSpPr>
-          <p:cNvPr id="44" name="TextShape 4"/>
-          <p:cNvSpPr txBox="1"/>
+          <p:cNvPr id="41" name="CustomShape 4"/>
+          <p:cNvSpPr/>
           <p:nvPr/>
         </p:nvSpPr>
         <p:spPr>
           <a:xfrm>
             <a:off x="2743200" y="1482480"/>
-            <a:ext cx="307080" cy="346320"/>
+            <a:ext cx="306720" cy="345960"/>
           </a:xfrm>
           <a:prstGeom prst="rect">
             <a:avLst/>
@@ -1972,11 +1767,22 @@
             <a:noFill/>
           </a:ln>
         </p:spPr>
+        <p:style>
+          <a:lnRef idx="0"/>
+          <a:fillRef idx="0"/>
+          <a:effectRef idx="0"/>
+          <a:fontRef idx="minor"/>
+        </p:style>
         <p:txBody>
           <a:bodyPr lIns="90000" rIns="90000" tIns="45000" bIns="45000">
             <a:noAutofit/>
           </a:bodyPr>
           <a:p>
+            <a:pPr>
+              <a:lnSpc>
+                <a:spcPct val="100000"/>
+              </a:lnSpc>
+            </a:pPr>
             <a:r>
               <a:rPr b="0" lang="en-US" sz="1800" spc="-1" strike="noStrike">
                 <a:latin typeface="Arial"/>
@@ -1991,14 +1797,14 @@
       </p:sp>
       <p:sp>
         <p:nvSpPr>
-          <p:cNvPr id="45" name="CustomShape 5"/>
+          <p:cNvPr id="42" name="CustomShape 5"/>
           <p:cNvSpPr/>
           <p:nvPr/>
         </p:nvSpPr>
         <p:spPr>
           <a:xfrm>
             <a:off x="5486400" y="2057400"/>
-            <a:ext cx="1143000" cy="228600"/>
+            <a:ext cx="1142640" cy="228240"/>
           </a:xfrm>
           <a:prstGeom prst="ellipse">
             <a:avLst/>
@@ -2019,14 +1825,14 @@
       </p:sp>
       <p:sp>
         <p:nvSpPr>
-          <p:cNvPr id="46" name="TextShape 6"/>
-          <p:cNvSpPr txBox="1"/>
+          <p:cNvPr id="43" name="CustomShape 6"/>
+          <p:cNvSpPr/>
           <p:nvPr/>
         </p:nvSpPr>
         <p:spPr>
           <a:xfrm>
             <a:off x="5715000" y="1600200"/>
-            <a:ext cx="307080" cy="346320"/>
+            <a:ext cx="306720" cy="345960"/>
           </a:xfrm>
           <a:prstGeom prst="rect">
             <a:avLst/>
@@ -2036,11 +1842,22 @@
             <a:noFill/>
           </a:ln>
         </p:spPr>
+        <p:style>
+          <a:lnRef idx="0"/>
+          <a:fillRef idx="0"/>
+          <a:effectRef idx="0"/>
+          <a:fontRef idx="minor"/>
+        </p:style>
         <p:txBody>
           <a:bodyPr lIns="90000" rIns="90000" tIns="45000" bIns="45000">
             <a:noAutofit/>
           </a:bodyPr>
           <a:p>
+            <a:pPr>
+              <a:lnSpc>
+                <a:spcPct val="100000"/>
+              </a:lnSpc>
+            </a:pPr>
             <a:r>
               <a:rPr b="0" lang="en-US" sz="1800" spc="-1" strike="noStrike">
                 <a:latin typeface="Arial"/>
@@ -2055,14 +1872,14 @@
       </p:sp>
       <p:sp>
         <p:nvSpPr>
-          <p:cNvPr id="47" name="CustomShape 7"/>
+          <p:cNvPr id="44" name="CustomShape 7"/>
           <p:cNvSpPr/>
           <p:nvPr/>
         </p:nvSpPr>
         <p:spPr>
           <a:xfrm>
             <a:off x="7315200" y="3318120"/>
-            <a:ext cx="1143000" cy="228600"/>
+            <a:ext cx="1142640" cy="228240"/>
           </a:xfrm>
           <a:prstGeom prst="ellipse">
             <a:avLst/>
@@ -2083,14 +1900,14 @@
       </p:sp>
       <p:sp>
         <p:nvSpPr>
-          <p:cNvPr id="48" name="TextShape 8"/>
-          <p:cNvSpPr txBox="1"/>
+          <p:cNvPr id="45" name="CustomShape 8"/>
+          <p:cNvSpPr/>
           <p:nvPr/>
         </p:nvSpPr>
         <p:spPr>
           <a:xfrm>
             <a:off x="7772400" y="2971800"/>
-            <a:ext cx="307080" cy="346320"/>
+            <a:ext cx="306720" cy="345960"/>
           </a:xfrm>
           <a:prstGeom prst="rect">
             <a:avLst/>
@@ -2100,11 +1917,22 @@
             <a:noFill/>
           </a:ln>
         </p:spPr>
+        <p:style>
+          <a:lnRef idx="0"/>
+          <a:fillRef idx="0"/>
+          <a:effectRef idx="0"/>
+          <a:fontRef idx="minor"/>
+        </p:style>
         <p:txBody>
           <a:bodyPr lIns="90000" rIns="90000" tIns="45000" bIns="45000">
             <a:noAutofit/>
           </a:bodyPr>
           <a:p>
+            <a:pPr>
+              <a:lnSpc>
+                <a:spcPct val="100000"/>
+              </a:lnSpc>
+            </a:pPr>
             <a:r>
               <a:rPr b="0" lang="en-US" sz="1800" spc="-1" strike="noStrike">
                 <a:latin typeface="Arial"/>
@@ -2119,14 +1947,14 @@
       </p:sp>
       <p:sp>
         <p:nvSpPr>
-          <p:cNvPr id="49" name="CustomShape 9"/>
+          <p:cNvPr id="46" name="CustomShape 9"/>
           <p:cNvSpPr/>
           <p:nvPr/>
         </p:nvSpPr>
         <p:spPr>
           <a:xfrm>
             <a:off x="3886200" y="1371600"/>
-            <a:ext cx="4800600" cy="4114800"/>
+            <a:ext cx="4800240" cy="4114440"/>
           </a:xfrm>
           <a:prstGeom prst="ellipse">
             <a:avLst/>
@@ -2147,14 +1975,14 @@
       </p:sp>
       <p:sp>
         <p:nvSpPr>
-          <p:cNvPr id="50" name="TextShape 10"/>
-          <p:cNvSpPr txBox="1"/>
+          <p:cNvPr id="47" name="CustomShape 10"/>
+          <p:cNvSpPr/>
           <p:nvPr/>
         </p:nvSpPr>
         <p:spPr>
           <a:xfrm>
             <a:off x="5943600" y="2971800"/>
-            <a:ext cx="307080" cy="346320"/>
+            <a:ext cx="306720" cy="345960"/>
           </a:xfrm>
           <a:prstGeom prst="rect">
             <a:avLst/>
@@ -2164,11 +1992,22 @@
             <a:noFill/>
           </a:ln>
         </p:spPr>
+        <p:style>
+          <a:lnRef idx="0"/>
+          <a:fillRef idx="0"/>
+          <a:effectRef idx="0"/>
+          <a:fontRef idx="minor"/>
+        </p:style>
         <p:txBody>
           <a:bodyPr lIns="90000" rIns="90000" tIns="45000" bIns="45000">
             <a:noAutofit/>
           </a:bodyPr>
           <a:p>
+            <a:pPr>
+              <a:lnSpc>
+                <a:spcPct val="100000"/>
+              </a:lnSpc>
+            </a:pPr>
             <a:r>
               <a:rPr b="0" lang="en-US" sz="1800" spc="-1" strike="noStrike">
                 <a:latin typeface="Arial"/>
@@ -2183,14 +2022,14 @@
       </p:sp>
       <p:sp>
         <p:nvSpPr>
-          <p:cNvPr id="51" name="CustomShape 11"/>
+          <p:cNvPr id="48" name="CustomShape 11"/>
           <p:cNvSpPr/>
           <p:nvPr/>
         </p:nvSpPr>
         <p:spPr>
           <a:xfrm>
             <a:off x="5715000" y="2743200"/>
-            <a:ext cx="1371600" cy="1600200"/>
+            <a:ext cx="1371240" cy="1599840"/>
           </a:xfrm>
           <a:prstGeom prst="ellipse">
             <a:avLst/>
@@ -2208,6 +2047,65 @@
           <a:effectRef idx="0"/>
           <a:fontRef idx="minor"/>
         </p:style>
+      </p:sp>
+      <p:sp>
+        <p:nvSpPr>
+          <p:cNvPr id="49" name="CustomShape 12"/>
+          <p:cNvSpPr/>
+          <p:nvPr/>
+        </p:nvSpPr>
+        <p:spPr>
+          <a:xfrm>
+            <a:off x="6172200" y="3429000"/>
+            <a:ext cx="457200" cy="457200"/>
+          </a:xfrm>
+          <a:prstGeom prst="rect">
+            <a:avLst/>
+          </a:prstGeom>
+          <a:solidFill>
+            <a:srgbClr val="729fcf"/>
+          </a:solidFill>
+          <a:ln w="0">
+            <a:solidFill>
+              <a:srgbClr val="3465a4"/>
+            </a:solidFill>
+          </a:ln>
+        </p:spPr>
+        <p:style>
+          <a:lnRef idx="0"/>
+          <a:fillRef idx="0"/>
+          <a:effectRef idx="0"/>
+          <a:fontRef idx="minor"/>
+        </p:style>
+        <p:txBody>
+          <a:bodyPr wrap="none" lIns="90000" rIns="90000" tIns="45000" bIns="45000" anchor="ctr">
+            <a:noAutofit/>
+          </a:bodyPr>
+          <a:p>
+            <a:pPr algn="ctr"/>
+            <a:r>
+              <a:rPr b="0" lang="en-US" sz="1800" spc="-1" strike="noStrike">
+                <a:latin typeface="Arial"/>
+              </a:rPr>
+              <a:t>10</a:t>
+            </a:r>
+            <a:endParaRPr b="0" lang="en-US" sz="1800" spc="-1" strike="noStrike">
+              <a:latin typeface="Arial"/>
+            </a:endParaRPr>
+          </a:p>
+          <a:p>
+            <a:pPr algn="ctr"/>
+            <a:r>
+              <a:rPr b="0" lang="en-US" sz="1800" spc="-1" strike="noStrike">
+                <a:latin typeface="Arial"/>
+              </a:rPr>
+              <a:t>hub</a:t>
+            </a:r>
+            <a:endParaRPr b="0" lang="en-US" sz="1800" spc="-1" strike="noStrike">
+              <a:latin typeface="Arial"/>
+            </a:endParaRPr>
+          </a:p>
+        </p:txBody>
       </p:sp>
     </p:spTree>
   </p:cSld>

--- a/meshdivision.pptx
+++ b/meshdivision.pptx
@@ -1,21 +1,117 @@
 
 <file path=ppt/presentation.xml><?xml version="1.0" encoding="utf-8"?>
-<p:presentation xmlns:a="http://schemas.openxmlformats.org/drawingml/2006/main" xmlns:p="http://schemas.openxmlformats.org/presentationml/2006/main" xmlns:r="http://schemas.openxmlformats.org/officeDocument/2006/relationships" xmlns:p14="http://schemas.microsoft.com/office/powerpoint/2010/main" xmlns:p15="http://schemas.microsoft.com/office/powerpoint/2012/main" xmlns:mc="http://schemas.openxmlformats.org/markup-compatibility/2006">
+<p:presentation xmlns:a="http://schemas.openxmlformats.org/drawingml/2006/main" xmlns:r="http://schemas.openxmlformats.org/officeDocument/2006/relationships" xmlns:p="http://schemas.openxmlformats.org/presentationml/2006/main">
   <p:sldMasterIdLst>
-    <p:sldMasterId id="2147483648" r:id="rId2"/>
+    <p:sldMasterId id="2147483648" r:id="rId1"/>
   </p:sldMasterIdLst>
   <p:sldIdLst>
-    <p:sldId id="256" r:id="rId3"/>
-    <p:sldId id="257" r:id="rId4"/>
-    <p:sldId id="258" r:id="rId5"/>
+    <p:sldId id="256" r:id="rId2"/>
+    <p:sldId id="257" r:id="rId3"/>
+    <p:sldId id="258" r:id="rId4"/>
+    <p:sldId id="259" r:id="rId5"/>
   </p:sldIdLst>
   <p:sldSz cx="12192000" cy="6858000"/>
-  <p:notesSz cx="7559675" cy="10691812"/>
+  <p:notesSz cx="7559675" cy="10691813"/>
+  <p:defaultTextStyle>
+    <a:defPPr>
+      <a:defRPr lang="zh-CN"/>
+    </a:defPPr>
+    <a:lvl1pPr marL="0" algn="l" defTabSz="914400" rtl="0" eaLnBrk="1" latinLnBrk="0" hangingPunct="1">
+      <a:defRPr sz="1800" kern="1200">
+        <a:solidFill>
+          <a:schemeClr val="tx1"/>
+        </a:solidFill>
+        <a:latin typeface="+mn-lt"/>
+        <a:ea typeface="+mn-ea"/>
+        <a:cs typeface="+mn-cs"/>
+      </a:defRPr>
+    </a:lvl1pPr>
+    <a:lvl2pPr marL="457200" algn="l" defTabSz="914400" rtl="0" eaLnBrk="1" latinLnBrk="0" hangingPunct="1">
+      <a:defRPr sz="1800" kern="1200">
+        <a:solidFill>
+          <a:schemeClr val="tx1"/>
+        </a:solidFill>
+        <a:latin typeface="+mn-lt"/>
+        <a:ea typeface="+mn-ea"/>
+        <a:cs typeface="+mn-cs"/>
+      </a:defRPr>
+    </a:lvl2pPr>
+    <a:lvl3pPr marL="914400" algn="l" defTabSz="914400" rtl="0" eaLnBrk="1" latinLnBrk="0" hangingPunct="1">
+      <a:defRPr sz="1800" kern="1200">
+        <a:solidFill>
+          <a:schemeClr val="tx1"/>
+        </a:solidFill>
+        <a:latin typeface="+mn-lt"/>
+        <a:ea typeface="+mn-ea"/>
+        <a:cs typeface="+mn-cs"/>
+      </a:defRPr>
+    </a:lvl3pPr>
+    <a:lvl4pPr marL="1371600" algn="l" defTabSz="914400" rtl="0" eaLnBrk="1" latinLnBrk="0" hangingPunct="1">
+      <a:defRPr sz="1800" kern="1200">
+        <a:solidFill>
+          <a:schemeClr val="tx1"/>
+        </a:solidFill>
+        <a:latin typeface="+mn-lt"/>
+        <a:ea typeface="+mn-ea"/>
+        <a:cs typeface="+mn-cs"/>
+      </a:defRPr>
+    </a:lvl4pPr>
+    <a:lvl5pPr marL="1828800" algn="l" defTabSz="914400" rtl="0" eaLnBrk="1" latinLnBrk="0" hangingPunct="1">
+      <a:defRPr sz="1800" kern="1200">
+        <a:solidFill>
+          <a:schemeClr val="tx1"/>
+        </a:solidFill>
+        <a:latin typeface="+mn-lt"/>
+        <a:ea typeface="+mn-ea"/>
+        <a:cs typeface="+mn-cs"/>
+      </a:defRPr>
+    </a:lvl5pPr>
+    <a:lvl6pPr marL="2286000" algn="l" defTabSz="914400" rtl="0" eaLnBrk="1" latinLnBrk="0" hangingPunct="1">
+      <a:defRPr sz="1800" kern="1200">
+        <a:solidFill>
+          <a:schemeClr val="tx1"/>
+        </a:solidFill>
+        <a:latin typeface="+mn-lt"/>
+        <a:ea typeface="+mn-ea"/>
+        <a:cs typeface="+mn-cs"/>
+      </a:defRPr>
+    </a:lvl6pPr>
+    <a:lvl7pPr marL="2743200" algn="l" defTabSz="914400" rtl="0" eaLnBrk="1" latinLnBrk="0" hangingPunct="1">
+      <a:defRPr sz="1800" kern="1200">
+        <a:solidFill>
+          <a:schemeClr val="tx1"/>
+        </a:solidFill>
+        <a:latin typeface="+mn-lt"/>
+        <a:ea typeface="+mn-ea"/>
+        <a:cs typeface="+mn-cs"/>
+      </a:defRPr>
+    </a:lvl7pPr>
+    <a:lvl8pPr marL="3200400" algn="l" defTabSz="914400" rtl="0" eaLnBrk="1" latinLnBrk="0" hangingPunct="1">
+      <a:defRPr sz="1800" kern="1200">
+        <a:solidFill>
+          <a:schemeClr val="tx1"/>
+        </a:solidFill>
+        <a:latin typeface="+mn-lt"/>
+        <a:ea typeface="+mn-ea"/>
+        <a:cs typeface="+mn-cs"/>
+      </a:defRPr>
+    </a:lvl8pPr>
+    <a:lvl9pPr marL="3657600" algn="l" defTabSz="914400" rtl="0" eaLnBrk="1" latinLnBrk="0" hangingPunct="1">
+      <a:defRPr sz="1800" kern="1200">
+        <a:solidFill>
+          <a:schemeClr val="tx1"/>
+        </a:solidFill>
+        <a:latin typeface="+mn-lt"/>
+        <a:ea typeface="+mn-ea"/>
+        <a:cs typeface="+mn-cs"/>
+      </a:defRPr>
+    </a:lvl9pPr>
+  </p:defaultTextStyle>
 </p:presentation>
 </file>
 
 <file path=ppt/slideLayouts/slideLayout1.xml><?xml version="1.0" encoding="utf-8"?>
-<p:sldLayout xmlns:a="http://schemas.openxmlformats.org/drawingml/2006/main" xmlns:p="http://schemas.openxmlformats.org/presentationml/2006/main" xmlns:r="http://schemas.openxmlformats.org/officeDocument/2006/relationships" xmlns:p14="http://schemas.microsoft.com/office/powerpoint/2010/main" xmlns:p15="http://schemas.microsoft.com/office/powerpoint/2012/main" xmlns:mc="http://schemas.openxmlformats.org/markup-compatibility/2006" type="blank" preserve="1">
+<p:sldLayout xmlns:a="http://schemas.openxmlformats.org/drawingml/2006/main" xmlns:r="http://schemas.openxmlformats.org/officeDocument/2006/relationships" xmlns:p="http://schemas.openxmlformats.org/presentationml/2006/main" type="blank" preserve="1">
   <p:cSld name="Blank Slide">
     <p:spTree>
       <p:nvGrpSpPr>
@@ -33,11 +129,14 @@
       </p:grpSpPr>
     </p:spTree>
   </p:cSld>
+  <p:clrMapOvr>
+    <a:masterClrMapping/>
+  </p:clrMapOvr>
 </p:sldLayout>
 </file>
 
 <file path=ppt/slideLayouts/slideLayout10.xml><?xml version="1.0" encoding="utf-8"?>
-<p:sldLayout xmlns:a="http://schemas.openxmlformats.org/drawingml/2006/main" xmlns:p="http://schemas.openxmlformats.org/presentationml/2006/main" xmlns:r="http://schemas.openxmlformats.org/officeDocument/2006/relationships" xmlns:p14="http://schemas.microsoft.com/office/powerpoint/2010/main" xmlns:p15="http://schemas.microsoft.com/office/powerpoint/2012/main" xmlns:mc="http://schemas.openxmlformats.org/markup-compatibility/2006" type="objOverTx" preserve="1">
+<p:sldLayout xmlns:a="http://schemas.openxmlformats.org/drawingml/2006/main" xmlns:r="http://schemas.openxmlformats.org/officeDocument/2006/relationships" xmlns:p="http://schemas.openxmlformats.org/presentationml/2006/main" type="objOverTx" preserve="1">
   <p:cSld name="Title, Content over Content">
     <p:spTree>
       <p:nvGrpSpPr>
@@ -73,11 +172,12 @@
           </a:prstGeom>
         </p:spPr>
         <p:txBody>
-          <a:bodyPr lIns="0" rIns="0" tIns="0" bIns="0" anchor="ctr">
+          <a:bodyPr lIns="0" tIns="0" rIns="0" bIns="0" anchor="ctr">
             <a:noAutofit/>
           </a:bodyPr>
-          <a:p>
-            <a:endParaRPr b="0" lang="en-US" sz="1800" spc="-1" strike="noStrike">
+          <a:lstStyle/>
+          <a:p>
+            <a:endParaRPr lang="en-US" sz="1800" b="0" strike="noStrike" spc="-1">
               <a:solidFill>
                 <a:srgbClr val="000000"/>
               </a:solidFill>
@@ -106,11 +206,12 @@
           </a:prstGeom>
         </p:spPr>
         <p:txBody>
-          <a:bodyPr lIns="0" rIns="0" tIns="0" bIns="0">
+          <a:bodyPr lIns="0" tIns="0" rIns="0" bIns="0">
             <a:normAutofit/>
           </a:bodyPr>
-          <a:p>
-            <a:endParaRPr b="0" lang="en-US" sz="2800" spc="-1" strike="noStrike">
+          <a:lstStyle/>
+          <a:p>
+            <a:endParaRPr lang="en-US" sz="2800" b="0" strike="noStrike" spc="-1">
               <a:solidFill>
                 <a:srgbClr val="000000"/>
               </a:solidFill>
@@ -139,11 +240,12 @@
           </a:prstGeom>
         </p:spPr>
         <p:txBody>
-          <a:bodyPr lIns="0" rIns="0" tIns="0" bIns="0">
+          <a:bodyPr lIns="0" tIns="0" rIns="0" bIns="0">
             <a:normAutofit/>
           </a:bodyPr>
-          <a:p>
-            <a:endParaRPr b="0" lang="en-US" sz="2800" spc="-1" strike="noStrike">
+          <a:lstStyle/>
+          <a:p>
+            <a:endParaRPr lang="en-US" sz="2800" b="0" strike="noStrike" spc="-1">
               <a:solidFill>
                 <a:srgbClr val="000000"/>
               </a:solidFill>
@@ -154,11 +256,14 @@
       </p:sp>
     </p:spTree>
   </p:cSld>
+  <p:clrMapOvr>
+    <a:masterClrMapping/>
+  </p:clrMapOvr>
 </p:sldLayout>
 </file>
 
 <file path=ppt/slideLayouts/slideLayout11.xml><?xml version="1.0" encoding="utf-8"?>
-<p:sldLayout xmlns:a="http://schemas.openxmlformats.org/drawingml/2006/main" xmlns:p="http://schemas.openxmlformats.org/presentationml/2006/main" xmlns:r="http://schemas.openxmlformats.org/officeDocument/2006/relationships" xmlns:p14="http://schemas.microsoft.com/office/powerpoint/2010/main" xmlns:p15="http://schemas.microsoft.com/office/powerpoint/2012/main" xmlns:mc="http://schemas.openxmlformats.org/markup-compatibility/2006" type="fourObj" preserve="1">
+<p:sldLayout xmlns:a="http://schemas.openxmlformats.org/drawingml/2006/main" xmlns:r="http://schemas.openxmlformats.org/officeDocument/2006/relationships" xmlns:p="http://schemas.openxmlformats.org/presentationml/2006/main" type="fourObj" preserve="1">
   <p:cSld name="Title, 4 Content">
     <p:spTree>
       <p:nvGrpSpPr>
@@ -194,11 +299,12 @@
           </a:prstGeom>
         </p:spPr>
         <p:txBody>
-          <a:bodyPr lIns="0" rIns="0" tIns="0" bIns="0" anchor="ctr">
+          <a:bodyPr lIns="0" tIns="0" rIns="0" bIns="0" anchor="ctr">
             <a:noAutofit/>
           </a:bodyPr>
-          <a:p>
-            <a:endParaRPr b="0" lang="en-US" sz="1800" spc="-1" strike="noStrike">
+          <a:lstStyle/>
+          <a:p>
+            <a:endParaRPr lang="en-US" sz="1800" b="0" strike="noStrike" spc="-1">
               <a:solidFill>
                 <a:srgbClr val="000000"/>
               </a:solidFill>
@@ -227,11 +333,12 @@
           </a:prstGeom>
         </p:spPr>
         <p:txBody>
-          <a:bodyPr lIns="0" rIns="0" tIns="0" bIns="0">
+          <a:bodyPr lIns="0" tIns="0" rIns="0" bIns="0">
             <a:normAutofit/>
           </a:bodyPr>
-          <a:p>
-            <a:endParaRPr b="0" lang="en-US" sz="2800" spc="-1" strike="noStrike">
+          <a:lstStyle/>
+          <a:p>
+            <a:endParaRPr lang="en-US" sz="2800" b="0" strike="noStrike" spc="-1">
               <a:solidFill>
                 <a:srgbClr val="000000"/>
               </a:solidFill>
@@ -260,11 +367,12 @@
           </a:prstGeom>
         </p:spPr>
         <p:txBody>
-          <a:bodyPr lIns="0" rIns="0" tIns="0" bIns="0">
+          <a:bodyPr lIns="0" tIns="0" rIns="0" bIns="0">
             <a:normAutofit/>
           </a:bodyPr>
-          <a:p>
-            <a:endParaRPr b="0" lang="en-US" sz="2800" spc="-1" strike="noStrike">
+          <a:lstStyle/>
+          <a:p>
+            <a:endParaRPr lang="en-US" sz="2800" b="0" strike="noStrike" spc="-1">
               <a:solidFill>
                 <a:srgbClr val="000000"/>
               </a:solidFill>
@@ -293,11 +401,12 @@
           </a:prstGeom>
         </p:spPr>
         <p:txBody>
-          <a:bodyPr lIns="0" rIns="0" tIns="0" bIns="0">
+          <a:bodyPr lIns="0" tIns="0" rIns="0" bIns="0">
             <a:normAutofit/>
           </a:bodyPr>
-          <a:p>
-            <a:endParaRPr b="0" lang="en-US" sz="2800" spc="-1" strike="noStrike">
+          <a:lstStyle/>
+          <a:p>
+            <a:endParaRPr lang="en-US" sz="2800" b="0" strike="noStrike" spc="-1">
               <a:solidFill>
                 <a:srgbClr val="000000"/>
               </a:solidFill>
@@ -326,11 +435,12 @@
           </a:prstGeom>
         </p:spPr>
         <p:txBody>
-          <a:bodyPr lIns="0" rIns="0" tIns="0" bIns="0">
+          <a:bodyPr lIns="0" tIns="0" rIns="0" bIns="0">
             <a:normAutofit/>
           </a:bodyPr>
-          <a:p>
-            <a:endParaRPr b="0" lang="en-US" sz="2800" spc="-1" strike="noStrike">
+          <a:lstStyle/>
+          <a:p>
+            <a:endParaRPr lang="en-US" sz="2800" b="0" strike="noStrike" spc="-1">
               <a:solidFill>
                 <a:srgbClr val="000000"/>
               </a:solidFill>
@@ -341,11 +451,14 @@
       </p:sp>
     </p:spTree>
   </p:cSld>
+  <p:clrMapOvr>
+    <a:masterClrMapping/>
+  </p:clrMapOvr>
 </p:sldLayout>
 </file>
 
 <file path=ppt/slideLayouts/slideLayout12.xml><?xml version="1.0" encoding="utf-8"?>
-<p:sldLayout xmlns:a="http://schemas.openxmlformats.org/drawingml/2006/main" xmlns:p="http://schemas.openxmlformats.org/presentationml/2006/main" xmlns:r="http://schemas.openxmlformats.org/officeDocument/2006/relationships" xmlns:p14="http://schemas.microsoft.com/office/powerpoint/2010/main" xmlns:p15="http://schemas.microsoft.com/office/powerpoint/2012/main" xmlns:mc="http://schemas.openxmlformats.org/markup-compatibility/2006" type="blank" preserve="1">
+<p:sldLayout xmlns:a="http://schemas.openxmlformats.org/drawingml/2006/main" xmlns:r="http://schemas.openxmlformats.org/officeDocument/2006/relationships" xmlns:p="http://schemas.openxmlformats.org/presentationml/2006/main" type="blank" preserve="1">
   <p:cSld name="Title, 6 Content">
     <p:spTree>
       <p:nvGrpSpPr>
@@ -381,11 +494,12 @@
           </a:prstGeom>
         </p:spPr>
         <p:txBody>
-          <a:bodyPr lIns="0" rIns="0" tIns="0" bIns="0" anchor="ctr">
+          <a:bodyPr lIns="0" tIns="0" rIns="0" bIns="0" anchor="ctr">
             <a:noAutofit/>
           </a:bodyPr>
-          <a:p>
-            <a:endParaRPr b="0" lang="en-US" sz="1800" spc="-1" strike="noStrike">
+          <a:lstStyle/>
+          <a:p>
+            <a:endParaRPr lang="en-US" sz="1800" b="0" strike="noStrike" spc="-1">
               <a:solidFill>
                 <a:srgbClr val="000000"/>
               </a:solidFill>
@@ -414,11 +528,12 @@
           </a:prstGeom>
         </p:spPr>
         <p:txBody>
-          <a:bodyPr lIns="0" rIns="0" tIns="0" bIns="0">
+          <a:bodyPr lIns="0" tIns="0" rIns="0" bIns="0">
             <a:normAutofit/>
           </a:bodyPr>
-          <a:p>
-            <a:endParaRPr b="0" lang="en-US" sz="2800" spc="-1" strike="noStrike">
+          <a:lstStyle/>
+          <a:p>
+            <a:endParaRPr lang="en-US" sz="2800" b="0" strike="noStrike" spc="-1">
               <a:solidFill>
                 <a:srgbClr val="000000"/>
               </a:solidFill>
@@ -447,11 +562,12 @@
           </a:prstGeom>
         </p:spPr>
         <p:txBody>
-          <a:bodyPr lIns="0" rIns="0" tIns="0" bIns="0">
+          <a:bodyPr lIns="0" tIns="0" rIns="0" bIns="0">
             <a:normAutofit/>
           </a:bodyPr>
-          <a:p>
-            <a:endParaRPr b="0" lang="en-US" sz="2800" spc="-1" strike="noStrike">
+          <a:lstStyle/>
+          <a:p>
+            <a:endParaRPr lang="en-US" sz="2800" b="0" strike="noStrike" spc="-1">
               <a:solidFill>
                 <a:srgbClr val="000000"/>
               </a:solidFill>
@@ -480,11 +596,12 @@
           </a:prstGeom>
         </p:spPr>
         <p:txBody>
-          <a:bodyPr lIns="0" rIns="0" tIns="0" bIns="0">
+          <a:bodyPr lIns="0" tIns="0" rIns="0" bIns="0">
             <a:normAutofit/>
           </a:bodyPr>
-          <a:p>
-            <a:endParaRPr b="0" lang="en-US" sz="2800" spc="-1" strike="noStrike">
+          <a:lstStyle/>
+          <a:p>
+            <a:endParaRPr lang="en-US" sz="2800" b="0" strike="noStrike" spc="-1">
               <a:solidFill>
                 <a:srgbClr val="000000"/>
               </a:solidFill>
@@ -513,11 +630,12 @@
           </a:prstGeom>
         </p:spPr>
         <p:txBody>
-          <a:bodyPr lIns="0" rIns="0" tIns="0" bIns="0">
+          <a:bodyPr lIns="0" tIns="0" rIns="0" bIns="0">
             <a:normAutofit/>
           </a:bodyPr>
-          <a:p>
-            <a:endParaRPr b="0" lang="en-US" sz="2800" spc="-1" strike="noStrike">
+          <a:lstStyle/>
+          <a:p>
+            <a:endParaRPr lang="en-US" sz="2800" b="0" strike="noStrike" spc="-1">
               <a:solidFill>
                 <a:srgbClr val="000000"/>
               </a:solidFill>
@@ -546,11 +664,12 @@
           </a:prstGeom>
         </p:spPr>
         <p:txBody>
-          <a:bodyPr lIns="0" rIns="0" tIns="0" bIns="0">
+          <a:bodyPr lIns="0" tIns="0" rIns="0" bIns="0">
             <a:normAutofit/>
           </a:bodyPr>
-          <a:p>
-            <a:endParaRPr b="0" lang="en-US" sz="2800" spc="-1" strike="noStrike">
+          <a:lstStyle/>
+          <a:p>
+            <a:endParaRPr lang="en-US" sz="2800" b="0" strike="noStrike" spc="-1">
               <a:solidFill>
                 <a:srgbClr val="000000"/>
               </a:solidFill>
@@ -579,11 +698,12 @@
           </a:prstGeom>
         </p:spPr>
         <p:txBody>
-          <a:bodyPr lIns="0" rIns="0" tIns="0" bIns="0">
+          <a:bodyPr lIns="0" tIns="0" rIns="0" bIns="0">
             <a:normAutofit/>
           </a:bodyPr>
-          <a:p>
-            <a:endParaRPr b="0" lang="en-US" sz="2800" spc="-1" strike="noStrike">
+          <a:lstStyle/>
+          <a:p>
+            <a:endParaRPr lang="en-US" sz="2800" b="0" strike="noStrike" spc="-1">
               <a:solidFill>
                 <a:srgbClr val="000000"/>
               </a:solidFill>
@@ -594,11 +714,14 @@
       </p:sp>
     </p:spTree>
   </p:cSld>
+  <p:clrMapOvr>
+    <a:masterClrMapping/>
+  </p:clrMapOvr>
 </p:sldLayout>
 </file>
 
 <file path=ppt/slideLayouts/slideLayout2.xml><?xml version="1.0" encoding="utf-8"?>
-<p:sldLayout xmlns:a="http://schemas.openxmlformats.org/drawingml/2006/main" xmlns:p="http://schemas.openxmlformats.org/presentationml/2006/main" xmlns:r="http://schemas.openxmlformats.org/officeDocument/2006/relationships" xmlns:p14="http://schemas.microsoft.com/office/powerpoint/2010/main" xmlns:p15="http://schemas.microsoft.com/office/powerpoint/2012/main" xmlns:mc="http://schemas.openxmlformats.org/markup-compatibility/2006" type="tx" preserve="1">
+<p:sldLayout xmlns:a="http://schemas.openxmlformats.org/drawingml/2006/main" xmlns:r="http://schemas.openxmlformats.org/officeDocument/2006/relationships" xmlns:p="http://schemas.openxmlformats.org/presentationml/2006/main" type="tx" preserve="1">
   <p:cSld name="Title Slide">
     <p:spTree>
       <p:nvGrpSpPr>
@@ -634,11 +757,12 @@
           </a:prstGeom>
         </p:spPr>
         <p:txBody>
-          <a:bodyPr lIns="0" rIns="0" tIns="0" bIns="0" anchor="ctr">
+          <a:bodyPr lIns="0" tIns="0" rIns="0" bIns="0" anchor="ctr">
             <a:noAutofit/>
           </a:bodyPr>
-          <a:p>
-            <a:endParaRPr b="0" lang="en-US" sz="1800" spc="-1" strike="noStrike">
+          <a:lstStyle/>
+          <a:p>
+            <a:endParaRPr lang="en-US" sz="1800" b="0" strike="noStrike" spc="-1">
               <a:solidFill>
                 <a:srgbClr val="000000"/>
               </a:solidFill>
@@ -667,12 +791,13 @@
           </a:prstGeom>
         </p:spPr>
         <p:txBody>
-          <a:bodyPr lIns="0" rIns="0" tIns="0" bIns="0" anchor="ctr">
+          <a:bodyPr lIns="0" tIns="0" rIns="0" bIns="0" anchor="ctr">
             <a:noAutofit/>
           </a:bodyPr>
+          <a:lstStyle/>
           <a:p>
             <a:pPr algn="ctr"/>
-            <a:endParaRPr b="0" lang="en-US" sz="3200" spc="-1" strike="noStrike">
+            <a:endParaRPr lang="en-US" sz="3200" b="0" strike="noStrike" spc="-1">
               <a:latin typeface="Arial"/>
             </a:endParaRPr>
           </a:p>
@@ -680,11 +805,14 @@
       </p:sp>
     </p:spTree>
   </p:cSld>
+  <p:clrMapOvr>
+    <a:masterClrMapping/>
+  </p:clrMapOvr>
 </p:sldLayout>
 </file>
 
 <file path=ppt/slideLayouts/slideLayout3.xml><?xml version="1.0" encoding="utf-8"?>
-<p:sldLayout xmlns:a="http://schemas.openxmlformats.org/drawingml/2006/main" xmlns:p="http://schemas.openxmlformats.org/presentationml/2006/main" xmlns:r="http://schemas.openxmlformats.org/officeDocument/2006/relationships" xmlns:p14="http://schemas.microsoft.com/office/powerpoint/2010/main" xmlns:p15="http://schemas.microsoft.com/office/powerpoint/2012/main" xmlns:mc="http://schemas.openxmlformats.org/markup-compatibility/2006" type="obj" preserve="1">
+<p:sldLayout xmlns:a="http://schemas.openxmlformats.org/drawingml/2006/main" xmlns:r="http://schemas.openxmlformats.org/officeDocument/2006/relationships" xmlns:p="http://schemas.openxmlformats.org/presentationml/2006/main" type="obj" preserve="1">
   <p:cSld name="Title, Content">
     <p:spTree>
       <p:nvGrpSpPr>
@@ -720,11 +848,12 @@
           </a:prstGeom>
         </p:spPr>
         <p:txBody>
-          <a:bodyPr lIns="0" rIns="0" tIns="0" bIns="0" anchor="ctr">
+          <a:bodyPr lIns="0" tIns="0" rIns="0" bIns="0" anchor="ctr">
             <a:noAutofit/>
           </a:bodyPr>
-          <a:p>
-            <a:endParaRPr b="0" lang="en-US" sz="1800" spc="-1" strike="noStrike">
+          <a:lstStyle/>
+          <a:p>
+            <a:endParaRPr lang="en-US" sz="1800" b="0" strike="noStrike" spc="-1">
               <a:solidFill>
                 <a:srgbClr val="000000"/>
               </a:solidFill>
@@ -753,11 +882,12 @@
           </a:prstGeom>
         </p:spPr>
         <p:txBody>
-          <a:bodyPr lIns="0" rIns="0" tIns="0" bIns="0">
+          <a:bodyPr lIns="0" tIns="0" rIns="0" bIns="0">
             <a:normAutofit/>
           </a:bodyPr>
-          <a:p>
-            <a:endParaRPr b="0" lang="en-US" sz="2800" spc="-1" strike="noStrike">
+          <a:lstStyle/>
+          <a:p>
+            <a:endParaRPr lang="en-US" sz="2800" b="0" strike="noStrike" spc="-1">
               <a:solidFill>
                 <a:srgbClr val="000000"/>
               </a:solidFill>
@@ -768,11 +898,14 @@
       </p:sp>
     </p:spTree>
   </p:cSld>
+  <p:clrMapOvr>
+    <a:masterClrMapping/>
+  </p:clrMapOvr>
 </p:sldLayout>
 </file>
 
 <file path=ppt/slideLayouts/slideLayout4.xml><?xml version="1.0" encoding="utf-8"?>
-<p:sldLayout xmlns:a="http://schemas.openxmlformats.org/drawingml/2006/main" xmlns:p="http://schemas.openxmlformats.org/presentationml/2006/main" xmlns:r="http://schemas.openxmlformats.org/officeDocument/2006/relationships" xmlns:p14="http://schemas.microsoft.com/office/powerpoint/2010/main" xmlns:p15="http://schemas.microsoft.com/office/powerpoint/2012/main" xmlns:mc="http://schemas.openxmlformats.org/markup-compatibility/2006" type="twoObj" preserve="1">
+<p:sldLayout xmlns:a="http://schemas.openxmlformats.org/drawingml/2006/main" xmlns:r="http://schemas.openxmlformats.org/officeDocument/2006/relationships" xmlns:p="http://schemas.openxmlformats.org/presentationml/2006/main" type="twoObj" preserve="1">
   <p:cSld name="Title, 2 Content">
     <p:spTree>
       <p:nvGrpSpPr>
@@ -808,11 +941,12 @@
           </a:prstGeom>
         </p:spPr>
         <p:txBody>
-          <a:bodyPr lIns="0" rIns="0" tIns="0" bIns="0" anchor="ctr">
+          <a:bodyPr lIns="0" tIns="0" rIns="0" bIns="0" anchor="ctr">
             <a:noAutofit/>
           </a:bodyPr>
-          <a:p>
-            <a:endParaRPr b="0" lang="en-US" sz="1800" spc="-1" strike="noStrike">
+          <a:lstStyle/>
+          <a:p>
+            <a:endParaRPr lang="en-US" sz="1800" b="0" strike="noStrike" spc="-1">
               <a:solidFill>
                 <a:srgbClr val="000000"/>
               </a:solidFill>
@@ -841,11 +975,12 @@
           </a:prstGeom>
         </p:spPr>
         <p:txBody>
-          <a:bodyPr lIns="0" rIns="0" tIns="0" bIns="0">
+          <a:bodyPr lIns="0" tIns="0" rIns="0" bIns="0">
             <a:normAutofit/>
           </a:bodyPr>
-          <a:p>
-            <a:endParaRPr b="0" lang="en-US" sz="2800" spc="-1" strike="noStrike">
+          <a:lstStyle/>
+          <a:p>
+            <a:endParaRPr lang="en-US" sz="2800" b="0" strike="noStrike" spc="-1">
               <a:solidFill>
                 <a:srgbClr val="000000"/>
               </a:solidFill>
@@ -874,11 +1009,12 @@
           </a:prstGeom>
         </p:spPr>
         <p:txBody>
-          <a:bodyPr lIns="0" rIns="0" tIns="0" bIns="0">
+          <a:bodyPr lIns="0" tIns="0" rIns="0" bIns="0">
             <a:normAutofit/>
           </a:bodyPr>
-          <a:p>
-            <a:endParaRPr b="0" lang="en-US" sz="2800" spc="-1" strike="noStrike">
+          <a:lstStyle/>
+          <a:p>
+            <a:endParaRPr lang="en-US" sz="2800" b="0" strike="noStrike" spc="-1">
               <a:solidFill>
                 <a:srgbClr val="000000"/>
               </a:solidFill>
@@ -889,11 +1025,14 @@
       </p:sp>
     </p:spTree>
   </p:cSld>
+  <p:clrMapOvr>
+    <a:masterClrMapping/>
+  </p:clrMapOvr>
 </p:sldLayout>
 </file>
 
 <file path=ppt/slideLayouts/slideLayout5.xml><?xml version="1.0" encoding="utf-8"?>
-<p:sldLayout xmlns:a="http://schemas.openxmlformats.org/drawingml/2006/main" xmlns:p="http://schemas.openxmlformats.org/presentationml/2006/main" xmlns:r="http://schemas.openxmlformats.org/officeDocument/2006/relationships" xmlns:p14="http://schemas.microsoft.com/office/powerpoint/2010/main" xmlns:p15="http://schemas.microsoft.com/office/powerpoint/2012/main" xmlns:mc="http://schemas.openxmlformats.org/markup-compatibility/2006" type="titleOnly" preserve="1">
+<p:sldLayout xmlns:a="http://schemas.openxmlformats.org/drawingml/2006/main" xmlns:r="http://schemas.openxmlformats.org/officeDocument/2006/relationships" xmlns:p="http://schemas.openxmlformats.org/presentationml/2006/main" type="titleOnly" preserve="1">
   <p:cSld name="Title Only">
     <p:spTree>
       <p:nvGrpSpPr>
@@ -929,11 +1068,12 @@
           </a:prstGeom>
         </p:spPr>
         <p:txBody>
-          <a:bodyPr lIns="0" rIns="0" tIns="0" bIns="0" anchor="ctr">
+          <a:bodyPr lIns="0" tIns="0" rIns="0" bIns="0" anchor="ctr">
             <a:noAutofit/>
           </a:bodyPr>
-          <a:p>
-            <a:endParaRPr b="0" lang="en-US" sz="1800" spc="-1" strike="noStrike">
+          <a:lstStyle/>
+          <a:p>
+            <a:endParaRPr lang="en-US" sz="1800" b="0" strike="noStrike" spc="-1">
               <a:solidFill>
                 <a:srgbClr val="000000"/>
               </a:solidFill>
@@ -944,11 +1084,14 @@
       </p:sp>
     </p:spTree>
   </p:cSld>
+  <p:clrMapOvr>
+    <a:masterClrMapping/>
+  </p:clrMapOvr>
 </p:sldLayout>
 </file>
 
 <file path=ppt/slideLayouts/slideLayout6.xml><?xml version="1.0" encoding="utf-8"?>
-<p:sldLayout xmlns:a="http://schemas.openxmlformats.org/drawingml/2006/main" xmlns:p="http://schemas.openxmlformats.org/presentationml/2006/main" xmlns:r="http://schemas.openxmlformats.org/officeDocument/2006/relationships" xmlns:p14="http://schemas.microsoft.com/office/powerpoint/2010/main" xmlns:p15="http://schemas.microsoft.com/office/powerpoint/2012/main" xmlns:mc="http://schemas.openxmlformats.org/markup-compatibility/2006" type="objOnly" preserve="1">
+<p:sldLayout xmlns:a="http://schemas.openxmlformats.org/drawingml/2006/main" xmlns:r="http://schemas.openxmlformats.org/officeDocument/2006/relationships" xmlns:p="http://schemas.openxmlformats.org/presentationml/2006/main" type="objOnly" preserve="1">
   <p:cSld name="Centered Text">
     <p:spTree>
       <p:nvGrpSpPr>
@@ -984,12 +1127,13 @@
           </a:prstGeom>
         </p:spPr>
         <p:txBody>
-          <a:bodyPr lIns="0" rIns="0" tIns="0" bIns="0" anchor="ctr">
+          <a:bodyPr lIns="0" tIns="0" rIns="0" bIns="0" anchor="ctr">
             <a:noAutofit/>
           </a:bodyPr>
+          <a:lstStyle/>
           <a:p>
             <a:pPr algn="ctr"/>
-            <a:endParaRPr b="0" lang="en-US" sz="3200" spc="-1" strike="noStrike">
+            <a:endParaRPr lang="en-US" sz="3200" b="0" strike="noStrike" spc="-1">
               <a:latin typeface="Arial"/>
             </a:endParaRPr>
           </a:p>
@@ -997,11 +1141,14 @@
       </p:sp>
     </p:spTree>
   </p:cSld>
+  <p:clrMapOvr>
+    <a:masterClrMapping/>
+  </p:clrMapOvr>
 </p:sldLayout>
 </file>
 
 <file path=ppt/slideLayouts/slideLayout7.xml><?xml version="1.0" encoding="utf-8"?>
-<p:sldLayout xmlns:a="http://schemas.openxmlformats.org/drawingml/2006/main" xmlns:p="http://schemas.openxmlformats.org/presentationml/2006/main" xmlns:r="http://schemas.openxmlformats.org/officeDocument/2006/relationships" xmlns:p14="http://schemas.microsoft.com/office/powerpoint/2010/main" xmlns:p15="http://schemas.microsoft.com/office/powerpoint/2012/main" xmlns:mc="http://schemas.openxmlformats.org/markup-compatibility/2006" type="twoObjAndObj" preserve="1">
+<p:sldLayout xmlns:a="http://schemas.openxmlformats.org/drawingml/2006/main" xmlns:r="http://schemas.openxmlformats.org/officeDocument/2006/relationships" xmlns:p="http://schemas.openxmlformats.org/presentationml/2006/main" type="twoObjAndObj" preserve="1">
   <p:cSld name="Title, 2 Content and Content">
     <p:spTree>
       <p:nvGrpSpPr>
@@ -1037,11 +1184,12 @@
           </a:prstGeom>
         </p:spPr>
         <p:txBody>
-          <a:bodyPr lIns="0" rIns="0" tIns="0" bIns="0" anchor="ctr">
+          <a:bodyPr lIns="0" tIns="0" rIns="0" bIns="0" anchor="ctr">
             <a:noAutofit/>
           </a:bodyPr>
-          <a:p>
-            <a:endParaRPr b="0" lang="en-US" sz="1800" spc="-1" strike="noStrike">
+          <a:lstStyle/>
+          <a:p>
+            <a:endParaRPr lang="en-US" sz="1800" b="0" strike="noStrike" spc="-1">
               <a:solidFill>
                 <a:srgbClr val="000000"/>
               </a:solidFill>
@@ -1070,11 +1218,12 @@
           </a:prstGeom>
         </p:spPr>
         <p:txBody>
-          <a:bodyPr lIns="0" rIns="0" tIns="0" bIns="0">
+          <a:bodyPr lIns="0" tIns="0" rIns="0" bIns="0">
             <a:normAutofit/>
           </a:bodyPr>
-          <a:p>
-            <a:endParaRPr b="0" lang="en-US" sz="2800" spc="-1" strike="noStrike">
+          <a:lstStyle/>
+          <a:p>
+            <a:endParaRPr lang="en-US" sz="2800" b="0" strike="noStrike" spc="-1">
               <a:solidFill>
                 <a:srgbClr val="000000"/>
               </a:solidFill>
@@ -1103,11 +1252,12 @@
           </a:prstGeom>
         </p:spPr>
         <p:txBody>
-          <a:bodyPr lIns="0" rIns="0" tIns="0" bIns="0">
+          <a:bodyPr lIns="0" tIns="0" rIns="0" bIns="0">
             <a:normAutofit/>
           </a:bodyPr>
-          <a:p>
-            <a:endParaRPr b="0" lang="en-US" sz="2800" spc="-1" strike="noStrike">
+          <a:lstStyle/>
+          <a:p>
+            <a:endParaRPr lang="en-US" sz="2800" b="0" strike="noStrike" spc="-1">
               <a:solidFill>
                 <a:srgbClr val="000000"/>
               </a:solidFill>
@@ -1136,11 +1286,12 @@
           </a:prstGeom>
         </p:spPr>
         <p:txBody>
-          <a:bodyPr lIns="0" rIns="0" tIns="0" bIns="0">
+          <a:bodyPr lIns="0" tIns="0" rIns="0" bIns="0">
             <a:normAutofit/>
           </a:bodyPr>
-          <a:p>
-            <a:endParaRPr b="0" lang="en-US" sz="2800" spc="-1" strike="noStrike">
+          <a:lstStyle/>
+          <a:p>
+            <a:endParaRPr lang="en-US" sz="2800" b="0" strike="noStrike" spc="-1">
               <a:solidFill>
                 <a:srgbClr val="000000"/>
               </a:solidFill>
@@ -1151,11 +1302,14 @@
       </p:sp>
     </p:spTree>
   </p:cSld>
+  <p:clrMapOvr>
+    <a:masterClrMapping/>
+  </p:clrMapOvr>
 </p:sldLayout>
 </file>
 
 <file path=ppt/slideLayouts/slideLayout8.xml><?xml version="1.0" encoding="utf-8"?>
-<p:sldLayout xmlns:a="http://schemas.openxmlformats.org/drawingml/2006/main" xmlns:p="http://schemas.openxmlformats.org/presentationml/2006/main" xmlns:r="http://schemas.openxmlformats.org/officeDocument/2006/relationships" xmlns:p14="http://schemas.microsoft.com/office/powerpoint/2010/main" xmlns:p15="http://schemas.microsoft.com/office/powerpoint/2012/main" xmlns:mc="http://schemas.openxmlformats.org/markup-compatibility/2006" type="objAndTwoObj" preserve="1">
+<p:sldLayout xmlns:a="http://schemas.openxmlformats.org/drawingml/2006/main" xmlns:r="http://schemas.openxmlformats.org/officeDocument/2006/relationships" xmlns:p="http://schemas.openxmlformats.org/presentationml/2006/main" type="objAndTwoObj" preserve="1">
   <p:cSld name="Title Content and 2 Content">
     <p:spTree>
       <p:nvGrpSpPr>
@@ -1191,11 +1345,12 @@
           </a:prstGeom>
         </p:spPr>
         <p:txBody>
-          <a:bodyPr lIns="0" rIns="0" tIns="0" bIns="0" anchor="ctr">
+          <a:bodyPr lIns="0" tIns="0" rIns="0" bIns="0" anchor="ctr">
             <a:noAutofit/>
           </a:bodyPr>
-          <a:p>
-            <a:endParaRPr b="0" lang="en-US" sz="1800" spc="-1" strike="noStrike">
+          <a:lstStyle/>
+          <a:p>
+            <a:endParaRPr lang="en-US" sz="1800" b="0" strike="noStrike" spc="-1">
               <a:solidFill>
                 <a:srgbClr val="000000"/>
               </a:solidFill>
@@ -1224,11 +1379,12 @@
           </a:prstGeom>
         </p:spPr>
         <p:txBody>
-          <a:bodyPr lIns="0" rIns="0" tIns="0" bIns="0">
+          <a:bodyPr lIns="0" tIns="0" rIns="0" bIns="0">
             <a:normAutofit/>
           </a:bodyPr>
-          <a:p>
-            <a:endParaRPr b="0" lang="en-US" sz="2800" spc="-1" strike="noStrike">
+          <a:lstStyle/>
+          <a:p>
+            <a:endParaRPr lang="en-US" sz="2800" b="0" strike="noStrike" spc="-1">
               <a:solidFill>
                 <a:srgbClr val="000000"/>
               </a:solidFill>
@@ -1257,11 +1413,12 @@
           </a:prstGeom>
         </p:spPr>
         <p:txBody>
-          <a:bodyPr lIns="0" rIns="0" tIns="0" bIns="0">
+          <a:bodyPr lIns="0" tIns="0" rIns="0" bIns="0">
             <a:normAutofit/>
           </a:bodyPr>
-          <a:p>
-            <a:endParaRPr b="0" lang="en-US" sz="2800" spc="-1" strike="noStrike">
+          <a:lstStyle/>
+          <a:p>
+            <a:endParaRPr lang="en-US" sz="2800" b="0" strike="noStrike" spc="-1">
               <a:solidFill>
                 <a:srgbClr val="000000"/>
               </a:solidFill>
@@ -1290,11 +1447,12 @@
           </a:prstGeom>
         </p:spPr>
         <p:txBody>
-          <a:bodyPr lIns="0" rIns="0" tIns="0" bIns="0">
+          <a:bodyPr lIns="0" tIns="0" rIns="0" bIns="0">
             <a:normAutofit/>
           </a:bodyPr>
-          <a:p>
-            <a:endParaRPr b="0" lang="en-US" sz="2800" spc="-1" strike="noStrike">
+          <a:lstStyle/>
+          <a:p>
+            <a:endParaRPr lang="en-US" sz="2800" b="0" strike="noStrike" spc="-1">
               <a:solidFill>
                 <a:srgbClr val="000000"/>
               </a:solidFill>
@@ -1305,11 +1463,14 @@
       </p:sp>
     </p:spTree>
   </p:cSld>
+  <p:clrMapOvr>
+    <a:masterClrMapping/>
+  </p:clrMapOvr>
 </p:sldLayout>
 </file>
 
 <file path=ppt/slideLayouts/slideLayout9.xml><?xml version="1.0" encoding="utf-8"?>
-<p:sldLayout xmlns:a="http://schemas.openxmlformats.org/drawingml/2006/main" xmlns:p="http://schemas.openxmlformats.org/presentationml/2006/main" xmlns:r="http://schemas.openxmlformats.org/officeDocument/2006/relationships" xmlns:p14="http://schemas.microsoft.com/office/powerpoint/2010/main" xmlns:p15="http://schemas.microsoft.com/office/powerpoint/2012/main" xmlns:mc="http://schemas.openxmlformats.org/markup-compatibility/2006" type="twoObjOverTx" preserve="1">
+<p:sldLayout xmlns:a="http://schemas.openxmlformats.org/drawingml/2006/main" xmlns:r="http://schemas.openxmlformats.org/officeDocument/2006/relationships" xmlns:p="http://schemas.openxmlformats.org/presentationml/2006/main" type="twoObjOverTx" preserve="1">
   <p:cSld name="Title, 2 Content over Content">
     <p:spTree>
       <p:nvGrpSpPr>
@@ -1345,11 +1506,12 @@
           </a:prstGeom>
         </p:spPr>
         <p:txBody>
-          <a:bodyPr lIns="0" rIns="0" tIns="0" bIns="0" anchor="ctr">
+          <a:bodyPr lIns="0" tIns="0" rIns="0" bIns="0" anchor="ctr">
             <a:noAutofit/>
           </a:bodyPr>
-          <a:p>
-            <a:endParaRPr b="0" lang="en-US" sz="1800" spc="-1" strike="noStrike">
+          <a:lstStyle/>
+          <a:p>
+            <a:endParaRPr lang="en-US" sz="1800" b="0" strike="noStrike" spc="-1">
               <a:solidFill>
                 <a:srgbClr val="000000"/>
               </a:solidFill>
@@ -1378,11 +1540,12 @@
           </a:prstGeom>
         </p:spPr>
         <p:txBody>
-          <a:bodyPr lIns="0" rIns="0" tIns="0" bIns="0">
+          <a:bodyPr lIns="0" tIns="0" rIns="0" bIns="0">
             <a:normAutofit/>
           </a:bodyPr>
-          <a:p>
-            <a:endParaRPr b="0" lang="en-US" sz="2800" spc="-1" strike="noStrike">
+          <a:lstStyle/>
+          <a:p>
+            <a:endParaRPr lang="en-US" sz="2800" b="0" strike="noStrike" spc="-1">
               <a:solidFill>
                 <a:srgbClr val="000000"/>
               </a:solidFill>
@@ -1411,11 +1574,12 @@
           </a:prstGeom>
         </p:spPr>
         <p:txBody>
-          <a:bodyPr lIns="0" rIns="0" tIns="0" bIns="0">
+          <a:bodyPr lIns="0" tIns="0" rIns="0" bIns="0">
             <a:normAutofit/>
           </a:bodyPr>
-          <a:p>
-            <a:endParaRPr b="0" lang="en-US" sz="2800" spc="-1" strike="noStrike">
+          <a:lstStyle/>
+          <a:p>
+            <a:endParaRPr lang="en-US" sz="2800" b="0" strike="noStrike" spc="-1">
               <a:solidFill>
                 <a:srgbClr val="000000"/>
               </a:solidFill>
@@ -1444,11 +1608,12 @@
           </a:prstGeom>
         </p:spPr>
         <p:txBody>
-          <a:bodyPr lIns="0" rIns="0" tIns="0" bIns="0">
+          <a:bodyPr lIns="0" tIns="0" rIns="0" bIns="0">
             <a:normAutofit/>
           </a:bodyPr>
-          <a:p>
-            <a:endParaRPr b="0" lang="en-US" sz="2800" spc="-1" strike="noStrike">
+          <a:lstStyle/>
+          <a:p>
+            <a:endParaRPr lang="en-US" sz="2800" b="0" strike="noStrike" spc="-1">
               <a:solidFill>
                 <a:srgbClr val="000000"/>
               </a:solidFill>
@@ -1459,17 +1624,21 @@
       </p:sp>
     </p:spTree>
   </p:cSld>
+  <p:clrMapOvr>
+    <a:masterClrMapping/>
+  </p:clrMapOvr>
 </p:sldLayout>
 </file>
 
 <file path=ppt/slideMasters/slideMaster1.xml><?xml version="1.0" encoding="utf-8"?>
-<p:sldMaster xmlns:a="http://schemas.openxmlformats.org/drawingml/2006/main" xmlns:p="http://schemas.openxmlformats.org/presentationml/2006/main" xmlns:r="http://schemas.openxmlformats.org/officeDocument/2006/relationships" xmlns:p14="http://schemas.microsoft.com/office/powerpoint/2010/main" xmlns:p15="http://schemas.microsoft.com/office/powerpoint/2012/main" xmlns:mc="http://schemas.openxmlformats.org/markup-compatibility/2006">
+<p:sldMaster xmlns:a="http://schemas.openxmlformats.org/drawingml/2006/main" xmlns:r="http://schemas.openxmlformats.org/officeDocument/2006/relationships" xmlns:p="http://schemas.openxmlformats.org/presentationml/2006/main">
   <p:cSld>
     <p:bg>
       <p:bgPr>
         <a:solidFill>
-          <a:srgbClr val="ffffff"/>
+          <a:srgbClr val="FFFFFF"/>
         </a:solidFill>
+        <a:effectLst/>
       </p:bgPr>
     </p:bg>
     <p:spTree>
@@ -1488,7 +1657,7 @@
       </p:grpSpPr>
       <p:sp>
         <p:nvSpPr>
-          <p:cNvPr id="0" name="PlaceHolder 1"/>
+          <p:cNvPr id="5" name="PlaceHolder 1"/>
           <p:cNvSpPr>
             <a:spLocks noGrp="1"/>
           </p:cNvSpPr>
@@ -1509,6 +1678,7 @@
           <a:bodyPr anchor="ctr">
             <a:noAutofit/>
           </a:bodyPr>
+          <a:lstStyle/>
           <a:p>
             <a:pPr>
               <a:lnSpc>
@@ -1516,7 +1686,7 @@
               </a:lnSpc>
             </a:pPr>
             <a:r>
-              <a:rPr b="0" lang="en-GB" sz="4400" spc="-1" strike="noStrike">
+              <a:rPr lang="en-GB" sz="4400" b="0" strike="noStrike" spc="-1">
                 <a:solidFill>
                   <a:srgbClr val="000000"/>
                 </a:solidFill>
@@ -1524,7 +1694,7 @@
               </a:rPr>
               <a:t>Click to edit Master title style</a:t>
             </a:r>
-            <a:endParaRPr b="0" lang="en-US" sz="4400" spc="-1" strike="noStrike">
+            <a:endParaRPr lang="en-US" sz="4400" b="0" strike="noStrike" spc="-1">
               <a:solidFill>
                 <a:srgbClr val="000000"/>
               </a:solidFill>
@@ -1535,7 +1705,7 @@
       </p:sp>
       <p:sp>
         <p:nvSpPr>
-          <p:cNvPr id="1" name="PlaceHolder 2"/>
+          <p:cNvPr id="6" name="PlaceHolder 2"/>
           <p:cNvSpPr>
             <a:spLocks noGrp="1"/>
           </p:cNvSpPr>
@@ -1556,6 +1726,7 @@
           <a:bodyPr>
             <a:noAutofit/>
           </a:bodyPr>
+          <a:lstStyle/>
           <a:p>
             <a:pPr marL="228600" indent="-228240">
               <a:lnSpc>
@@ -1571,7 +1742,7 @@
               <a:buChar char="•"/>
             </a:pPr>
             <a:r>
-              <a:rPr b="0" lang="en-GB" sz="2800" spc="-1" strike="noStrike">
+              <a:rPr lang="en-GB" sz="2800" b="0" strike="noStrike" spc="-1">
                 <a:solidFill>
                   <a:srgbClr val="000000"/>
                 </a:solidFill>
@@ -1579,7 +1750,7 @@
               </a:rPr>
               <a:t>Click to edit Master text styles</a:t>
             </a:r>
-            <a:endParaRPr b="0" lang="en-US" sz="2800" spc="-1" strike="noStrike">
+            <a:endParaRPr lang="en-US" sz="2800" b="0" strike="noStrike" spc="-1">
               <a:solidFill>
                 <a:srgbClr val="000000"/>
               </a:solidFill>
@@ -1587,7 +1758,7 @@
             </a:endParaRPr>
           </a:p>
           <a:p>
-            <a:pPr lvl="1" marL="685800" indent="-228240">
+            <a:pPr marL="685800" lvl="1" indent="-228240">
               <a:lnSpc>
                 <a:spcPct val="90000"/>
               </a:lnSpc>
@@ -1601,7 +1772,7 @@
               <a:buChar char="•"/>
             </a:pPr>
             <a:r>
-              <a:rPr b="0" lang="en-GB" sz="2400" spc="-1" strike="noStrike">
+              <a:rPr lang="en-GB" sz="2400" b="0" strike="noStrike" spc="-1">
                 <a:solidFill>
                   <a:srgbClr val="000000"/>
                 </a:solidFill>
@@ -1609,7 +1780,7 @@
               </a:rPr>
               <a:t>Second level</a:t>
             </a:r>
-            <a:endParaRPr b="0" lang="en-US" sz="2400" spc="-1" strike="noStrike">
+            <a:endParaRPr lang="en-US" sz="2400" b="0" strike="noStrike" spc="-1">
               <a:solidFill>
                 <a:srgbClr val="000000"/>
               </a:solidFill>
@@ -1617,7 +1788,7 @@
             </a:endParaRPr>
           </a:p>
           <a:p>
-            <a:pPr lvl="2" marL="1143000" indent="-228240">
+            <a:pPr marL="1143000" lvl="2" indent="-228240">
               <a:lnSpc>
                 <a:spcPct val="90000"/>
               </a:lnSpc>
@@ -1631,7 +1802,7 @@
               <a:buChar char="•"/>
             </a:pPr>
             <a:r>
-              <a:rPr b="0" lang="en-GB" sz="2000" spc="-1" strike="noStrike">
+              <a:rPr lang="en-GB" sz="2000" b="0" strike="noStrike" spc="-1">
                 <a:solidFill>
                   <a:srgbClr val="000000"/>
                 </a:solidFill>
@@ -1639,7 +1810,7 @@
               </a:rPr>
               <a:t>Third level</a:t>
             </a:r>
-            <a:endParaRPr b="0" lang="en-US" sz="2000" spc="-1" strike="noStrike">
+            <a:endParaRPr lang="en-US" sz="2000" b="0" strike="noStrike" spc="-1">
               <a:solidFill>
                 <a:srgbClr val="000000"/>
               </a:solidFill>
@@ -1647,7 +1818,7 @@
             </a:endParaRPr>
           </a:p>
           <a:p>
-            <a:pPr lvl="3" marL="1600200" indent="-228240">
+            <a:pPr marL="1600200" lvl="3" indent="-228240">
               <a:lnSpc>
                 <a:spcPct val="90000"/>
               </a:lnSpc>
@@ -1661,7 +1832,7 @@
               <a:buChar char="•"/>
             </a:pPr>
             <a:r>
-              <a:rPr b="0" lang="en-GB" sz="1800" spc="-1" strike="noStrike">
+              <a:rPr lang="en-GB" sz="1800" b="0" strike="noStrike" spc="-1">
                 <a:solidFill>
                   <a:srgbClr val="000000"/>
                 </a:solidFill>
@@ -1669,7 +1840,7 @@
               </a:rPr>
               <a:t>Fourth level</a:t>
             </a:r>
-            <a:endParaRPr b="0" lang="en-US" sz="1800" spc="-1" strike="noStrike">
+            <a:endParaRPr lang="en-US" sz="1800" b="0" strike="noStrike" spc="-1">
               <a:solidFill>
                 <a:srgbClr val="000000"/>
               </a:solidFill>
@@ -1677,7 +1848,7 @@
             </a:endParaRPr>
           </a:p>
           <a:p>
-            <a:pPr lvl="4" marL="2057400" indent="-228240">
+            <a:pPr marL="2057400" lvl="4" indent="-228240">
               <a:lnSpc>
                 <a:spcPct val="90000"/>
               </a:lnSpc>
@@ -1691,7 +1862,7 @@
               <a:buChar char="•"/>
             </a:pPr>
             <a:r>
-              <a:rPr b="0" lang="en-GB" sz="1800" spc="-1" strike="noStrike">
+              <a:rPr lang="en-GB" sz="1800" b="0" strike="noStrike" spc="-1">
                 <a:solidFill>
                   <a:srgbClr val="000000"/>
                 </a:solidFill>
@@ -1699,7 +1870,7 @@
               </a:rPr>
               <a:t>Fifth level</a:t>
             </a:r>
-            <a:endParaRPr b="0" lang="en-US" sz="1800" spc="-1" strike="noStrike">
+            <a:endParaRPr lang="en-US" sz="1800" b="0" strike="noStrike" spc="-1">
               <a:solidFill>
                 <a:srgbClr val="000000"/>
               </a:solidFill>
@@ -1731,6 +1902,7 @@
           <a:bodyPr anchor="ctr">
             <a:noAutofit/>
           </a:bodyPr>
+          <a:lstStyle/>
           <a:p>
             <a:pPr>
               <a:lnSpc>
@@ -1738,15 +1910,15 @@
               </a:lnSpc>
             </a:pPr>
             <a:fld id="{12D3FD6D-6E12-407F-B989-4AA03BF6E1B8}" type="datetime">
-              <a:rPr b="0" lang="en-US" sz="1200" spc="-1" strike="noStrike">
+              <a:rPr lang="en-US" sz="1200" b="0" strike="noStrike" spc="-1">
                 <a:solidFill>
-                  <a:srgbClr val="8b8b8b"/>
+                  <a:srgbClr val="8B8B8B"/>
                 </a:solidFill>
                 <a:latin typeface="Calibri"/>
               </a:rPr>
-              <a:t>2/28/24</a:t>
+              <a:t>3/2/2024</a:t>
             </a:fld>
-            <a:endParaRPr b="0" lang="en-US" sz="1200" spc="-1" strike="noStrike">
+            <a:endParaRPr lang="en-US" sz="1200" b="0" strike="noStrike" spc="-1">
               <a:latin typeface="Times New Roman"/>
             </a:endParaRPr>
           </a:p>
@@ -1775,8 +1947,9 @@
           <a:bodyPr anchor="ctr">
             <a:noAutofit/>
           </a:bodyPr>
-          <a:p>
-            <a:endParaRPr b="0" lang="en-US" sz="2400" spc="-1" strike="noStrike">
+          <a:lstStyle/>
+          <a:p>
+            <a:endParaRPr lang="en-US" sz="2400" b="0" strike="noStrike" spc="-1">
               <a:latin typeface="Times New Roman"/>
             </a:endParaRPr>
           </a:p>
@@ -1805,6 +1978,7 @@
           <a:bodyPr anchor="ctr">
             <a:noAutofit/>
           </a:bodyPr>
+          <a:lstStyle/>
           <a:p>
             <a:pPr algn="r">
               <a:lnSpc>
@@ -1812,15 +1986,15 @@
               </a:lnSpc>
             </a:pPr>
             <a:fld id="{331475C9-92BE-49BB-AE03-5CCB3FB20B75}" type="slidenum">
-              <a:rPr b="0" lang="en-US" sz="1200" spc="-1" strike="noStrike">
+              <a:rPr lang="en-US" sz="1200" b="0" strike="noStrike" spc="-1">
                 <a:solidFill>
-                  <a:srgbClr val="8b8b8b"/>
+                  <a:srgbClr val="8B8B8B"/>
                 </a:solidFill>
                 <a:latin typeface="Calibri"/>
               </a:rPr>
-              <a:t>&lt;number&gt;</a:t>
+              <a:t>‹#›</a:t>
             </a:fld>
-            <a:endParaRPr b="0" lang="en-US" sz="1200" spc="-1" strike="noStrike">
+            <a:endParaRPr lang="en-US" sz="1200" b="0" strike="noStrike" spc="-1">
               <a:latin typeface="Times New Roman"/>
             </a:endParaRPr>
           </a:p>
@@ -1828,26 +2002,306 @@
       </p:sp>
     </p:spTree>
   </p:cSld>
-  <p:clrMap bg1="lt1" bg2="lt2" tx1="dk1" tx2="dk2" accent1="accent1" accent2="accent2" accent3="accent3" accent4="accent4" accent5="accent5" accent6="accent6" hlink="hlink" folHlink="folHlink"/>
+  <p:clrMap bg1="lt1" tx1="dk1" bg2="lt2" tx2="dk2" accent1="accent1" accent2="accent2" accent3="accent3" accent4="accent4" accent5="accent5" accent6="accent6" hlink="hlink" folHlink="folHlink"/>
   <p:sldLayoutIdLst>
-    <p:sldLayoutId id="2147483649" r:id="rId2"/>
-    <p:sldLayoutId id="2147483650" r:id="rId3"/>
-    <p:sldLayoutId id="2147483651" r:id="rId4"/>
-    <p:sldLayoutId id="2147483652" r:id="rId5"/>
-    <p:sldLayoutId id="2147483653" r:id="rId6"/>
-    <p:sldLayoutId id="2147483654" r:id="rId7"/>
-    <p:sldLayoutId id="2147483655" r:id="rId8"/>
-    <p:sldLayoutId id="2147483656" r:id="rId9"/>
-    <p:sldLayoutId id="2147483657" r:id="rId10"/>
-    <p:sldLayoutId id="2147483658" r:id="rId11"/>
-    <p:sldLayoutId id="2147483659" r:id="rId12"/>
-    <p:sldLayoutId id="2147483660" r:id="rId13"/>
+    <p:sldLayoutId id="2147483649" r:id="rId1"/>
+    <p:sldLayoutId id="2147483650" r:id="rId2"/>
+    <p:sldLayoutId id="2147483651" r:id="rId3"/>
+    <p:sldLayoutId id="2147483652" r:id="rId4"/>
+    <p:sldLayoutId id="2147483653" r:id="rId5"/>
+    <p:sldLayoutId id="2147483654" r:id="rId6"/>
+    <p:sldLayoutId id="2147483655" r:id="rId7"/>
+    <p:sldLayoutId id="2147483656" r:id="rId8"/>
+    <p:sldLayoutId id="2147483657" r:id="rId9"/>
+    <p:sldLayoutId id="2147483658" r:id="rId10"/>
+    <p:sldLayoutId id="2147483659" r:id="rId11"/>
+    <p:sldLayoutId id="2147483660" r:id="rId12"/>
   </p:sldLayoutIdLst>
+  <p:txStyles>
+    <p:titleStyle>
+      <a:lvl1pPr algn="l" defTabSz="914400" rtl="0" eaLnBrk="1" latinLnBrk="0" hangingPunct="1">
+        <a:lnSpc>
+          <a:spcPct val="90000"/>
+        </a:lnSpc>
+        <a:spcBef>
+          <a:spcPct val="0"/>
+        </a:spcBef>
+        <a:buNone/>
+        <a:defRPr sz="4400" kern="1200">
+          <a:solidFill>
+            <a:schemeClr val="tx1"/>
+          </a:solidFill>
+          <a:latin typeface="+mj-lt"/>
+          <a:ea typeface="+mj-ea"/>
+          <a:cs typeface="+mj-cs"/>
+        </a:defRPr>
+      </a:lvl1pPr>
+    </p:titleStyle>
+    <p:bodyStyle>
+      <a:lvl1pPr marL="228600" indent="-228600" algn="l" defTabSz="914400" rtl="0" eaLnBrk="1" latinLnBrk="0" hangingPunct="1">
+        <a:lnSpc>
+          <a:spcPct val="90000"/>
+        </a:lnSpc>
+        <a:spcBef>
+          <a:spcPts val="1000"/>
+        </a:spcBef>
+        <a:buFont typeface="Arial" panose="020B0604020202020204" pitchFamily="34" charset="0"/>
+        <a:buChar char="•"/>
+        <a:defRPr sz="2800" kern="1200">
+          <a:solidFill>
+            <a:schemeClr val="tx1"/>
+          </a:solidFill>
+          <a:latin typeface="+mn-lt"/>
+          <a:ea typeface="+mn-ea"/>
+          <a:cs typeface="+mn-cs"/>
+        </a:defRPr>
+      </a:lvl1pPr>
+      <a:lvl2pPr marL="685800" indent="-228600" algn="l" defTabSz="914400" rtl="0" eaLnBrk="1" latinLnBrk="0" hangingPunct="1">
+        <a:lnSpc>
+          <a:spcPct val="90000"/>
+        </a:lnSpc>
+        <a:spcBef>
+          <a:spcPts val="500"/>
+        </a:spcBef>
+        <a:buFont typeface="Arial" panose="020B0604020202020204" pitchFamily="34" charset="0"/>
+        <a:buChar char="•"/>
+        <a:defRPr sz="2400" kern="1200">
+          <a:solidFill>
+            <a:schemeClr val="tx1"/>
+          </a:solidFill>
+          <a:latin typeface="+mn-lt"/>
+          <a:ea typeface="+mn-ea"/>
+          <a:cs typeface="+mn-cs"/>
+        </a:defRPr>
+      </a:lvl2pPr>
+      <a:lvl3pPr marL="1143000" indent="-228600" algn="l" defTabSz="914400" rtl="0" eaLnBrk="1" latinLnBrk="0" hangingPunct="1">
+        <a:lnSpc>
+          <a:spcPct val="90000"/>
+        </a:lnSpc>
+        <a:spcBef>
+          <a:spcPts val="500"/>
+        </a:spcBef>
+        <a:buFont typeface="Arial" panose="020B0604020202020204" pitchFamily="34" charset="0"/>
+        <a:buChar char="•"/>
+        <a:defRPr sz="2000" kern="1200">
+          <a:solidFill>
+            <a:schemeClr val="tx1"/>
+          </a:solidFill>
+          <a:latin typeface="+mn-lt"/>
+          <a:ea typeface="+mn-ea"/>
+          <a:cs typeface="+mn-cs"/>
+        </a:defRPr>
+      </a:lvl3pPr>
+      <a:lvl4pPr marL="1600200" indent="-228600" algn="l" defTabSz="914400" rtl="0" eaLnBrk="1" latinLnBrk="0" hangingPunct="1">
+        <a:lnSpc>
+          <a:spcPct val="90000"/>
+        </a:lnSpc>
+        <a:spcBef>
+          <a:spcPts val="500"/>
+        </a:spcBef>
+        <a:buFont typeface="Arial" panose="020B0604020202020204" pitchFamily="34" charset="0"/>
+        <a:buChar char="•"/>
+        <a:defRPr sz="1800" kern="1200">
+          <a:solidFill>
+            <a:schemeClr val="tx1"/>
+          </a:solidFill>
+          <a:latin typeface="+mn-lt"/>
+          <a:ea typeface="+mn-ea"/>
+          <a:cs typeface="+mn-cs"/>
+        </a:defRPr>
+      </a:lvl4pPr>
+      <a:lvl5pPr marL="2057400" indent="-228600" algn="l" defTabSz="914400" rtl="0" eaLnBrk="1" latinLnBrk="0" hangingPunct="1">
+        <a:lnSpc>
+          <a:spcPct val="90000"/>
+        </a:lnSpc>
+        <a:spcBef>
+          <a:spcPts val="500"/>
+        </a:spcBef>
+        <a:buFont typeface="Arial" panose="020B0604020202020204" pitchFamily="34" charset="0"/>
+        <a:buChar char="•"/>
+        <a:defRPr sz="1800" kern="1200">
+          <a:solidFill>
+            <a:schemeClr val="tx1"/>
+          </a:solidFill>
+          <a:latin typeface="+mn-lt"/>
+          <a:ea typeface="+mn-ea"/>
+          <a:cs typeface="+mn-cs"/>
+        </a:defRPr>
+      </a:lvl5pPr>
+      <a:lvl6pPr marL="2514600" indent="-228600" algn="l" defTabSz="914400" rtl="0" eaLnBrk="1" latinLnBrk="0" hangingPunct="1">
+        <a:lnSpc>
+          <a:spcPct val="90000"/>
+        </a:lnSpc>
+        <a:spcBef>
+          <a:spcPts val="500"/>
+        </a:spcBef>
+        <a:buFont typeface="Arial" panose="020B0604020202020204" pitchFamily="34" charset="0"/>
+        <a:buChar char="•"/>
+        <a:defRPr sz="1800" kern="1200">
+          <a:solidFill>
+            <a:schemeClr val="tx1"/>
+          </a:solidFill>
+          <a:latin typeface="+mn-lt"/>
+          <a:ea typeface="+mn-ea"/>
+          <a:cs typeface="+mn-cs"/>
+        </a:defRPr>
+      </a:lvl6pPr>
+      <a:lvl7pPr marL="2971800" indent="-228600" algn="l" defTabSz="914400" rtl="0" eaLnBrk="1" latinLnBrk="0" hangingPunct="1">
+        <a:lnSpc>
+          <a:spcPct val="90000"/>
+        </a:lnSpc>
+        <a:spcBef>
+          <a:spcPts val="500"/>
+        </a:spcBef>
+        <a:buFont typeface="Arial" panose="020B0604020202020204" pitchFamily="34" charset="0"/>
+        <a:buChar char="•"/>
+        <a:defRPr sz="1800" kern="1200">
+          <a:solidFill>
+            <a:schemeClr val="tx1"/>
+          </a:solidFill>
+          <a:latin typeface="+mn-lt"/>
+          <a:ea typeface="+mn-ea"/>
+          <a:cs typeface="+mn-cs"/>
+        </a:defRPr>
+      </a:lvl7pPr>
+      <a:lvl8pPr marL="3429000" indent="-228600" algn="l" defTabSz="914400" rtl="0" eaLnBrk="1" latinLnBrk="0" hangingPunct="1">
+        <a:lnSpc>
+          <a:spcPct val="90000"/>
+        </a:lnSpc>
+        <a:spcBef>
+          <a:spcPts val="500"/>
+        </a:spcBef>
+        <a:buFont typeface="Arial" panose="020B0604020202020204" pitchFamily="34" charset="0"/>
+        <a:buChar char="•"/>
+        <a:defRPr sz="1800" kern="1200">
+          <a:solidFill>
+            <a:schemeClr val="tx1"/>
+          </a:solidFill>
+          <a:latin typeface="+mn-lt"/>
+          <a:ea typeface="+mn-ea"/>
+          <a:cs typeface="+mn-cs"/>
+        </a:defRPr>
+      </a:lvl8pPr>
+      <a:lvl9pPr marL="3886200" indent="-228600" algn="l" defTabSz="914400" rtl="0" eaLnBrk="1" latinLnBrk="0" hangingPunct="1">
+        <a:lnSpc>
+          <a:spcPct val="90000"/>
+        </a:lnSpc>
+        <a:spcBef>
+          <a:spcPts val="500"/>
+        </a:spcBef>
+        <a:buFont typeface="Arial" panose="020B0604020202020204" pitchFamily="34" charset="0"/>
+        <a:buChar char="•"/>
+        <a:defRPr sz="1800" kern="1200">
+          <a:solidFill>
+            <a:schemeClr val="tx1"/>
+          </a:solidFill>
+          <a:latin typeface="+mn-lt"/>
+          <a:ea typeface="+mn-ea"/>
+          <a:cs typeface="+mn-cs"/>
+        </a:defRPr>
+      </a:lvl9pPr>
+    </p:bodyStyle>
+    <p:otherStyle>
+      <a:defPPr>
+        <a:defRPr lang="zh-CN"/>
+      </a:defPPr>
+      <a:lvl1pPr marL="0" algn="l" defTabSz="914400" rtl="0" eaLnBrk="1" latinLnBrk="0" hangingPunct="1">
+        <a:defRPr sz="1800" kern="1200">
+          <a:solidFill>
+            <a:schemeClr val="tx1"/>
+          </a:solidFill>
+          <a:latin typeface="+mn-lt"/>
+          <a:ea typeface="+mn-ea"/>
+          <a:cs typeface="+mn-cs"/>
+        </a:defRPr>
+      </a:lvl1pPr>
+      <a:lvl2pPr marL="457200" algn="l" defTabSz="914400" rtl="0" eaLnBrk="1" latinLnBrk="0" hangingPunct="1">
+        <a:defRPr sz="1800" kern="1200">
+          <a:solidFill>
+            <a:schemeClr val="tx1"/>
+          </a:solidFill>
+          <a:latin typeface="+mn-lt"/>
+          <a:ea typeface="+mn-ea"/>
+          <a:cs typeface="+mn-cs"/>
+        </a:defRPr>
+      </a:lvl2pPr>
+      <a:lvl3pPr marL="914400" algn="l" defTabSz="914400" rtl="0" eaLnBrk="1" latinLnBrk="0" hangingPunct="1">
+        <a:defRPr sz="1800" kern="1200">
+          <a:solidFill>
+            <a:schemeClr val="tx1"/>
+          </a:solidFill>
+          <a:latin typeface="+mn-lt"/>
+          <a:ea typeface="+mn-ea"/>
+          <a:cs typeface="+mn-cs"/>
+        </a:defRPr>
+      </a:lvl3pPr>
+      <a:lvl4pPr marL="1371600" algn="l" defTabSz="914400" rtl="0" eaLnBrk="1" latinLnBrk="0" hangingPunct="1">
+        <a:defRPr sz="1800" kern="1200">
+          <a:solidFill>
+            <a:schemeClr val="tx1"/>
+          </a:solidFill>
+          <a:latin typeface="+mn-lt"/>
+          <a:ea typeface="+mn-ea"/>
+          <a:cs typeface="+mn-cs"/>
+        </a:defRPr>
+      </a:lvl4pPr>
+      <a:lvl5pPr marL="1828800" algn="l" defTabSz="914400" rtl="0" eaLnBrk="1" latinLnBrk="0" hangingPunct="1">
+        <a:defRPr sz="1800" kern="1200">
+          <a:solidFill>
+            <a:schemeClr val="tx1"/>
+          </a:solidFill>
+          <a:latin typeface="+mn-lt"/>
+          <a:ea typeface="+mn-ea"/>
+          <a:cs typeface="+mn-cs"/>
+        </a:defRPr>
+      </a:lvl5pPr>
+      <a:lvl6pPr marL="2286000" algn="l" defTabSz="914400" rtl="0" eaLnBrk="1" latinLnBrk="0" hangingPunct="1">
+        <a:defRPr sz="1800" kern="1200">
+          <a:solidFill>
+            <a:schemeClr val="tx1"/>
+          </a:solidFill>
+          <a:latin typeface="+mn-lt"/>
+          <a:ea typeface="+mn-ea"/>
+          <a:cs typeface="+mn-cs"/>
+        </a:defRPr>
+      </a:lvl6pPr>
+      <a:lvl7pPr marL="2743200" algn="l" defTabSz="914400" rtl="0" eaLnBrk="1" latinLnBrk="0" hangingPunct="1">
+        <a:defRPr sz="1800" kern="1200">
+          <a:solidFill>
+            <a:schemeClr val="tx1"/>
+          </a:solidFill>
+          <a:latin typeface="+mn-lt"/>
+          <a:ea typeface="+mn-ea"/>
+          <a:cs typeface="+mn-cs"/>
+        </a:defRPr>
+      </a:lvl7pPr>
+      <a:lvl8pPr marL="3200400" algn="l" defTabSz="914400" rtl="0" eaLnBrk="1" latinLnBrk="0" hangingPunct="1">
+        <a:defRPr sz="1800" kern="1200">
+          <a:solidFill>
+            <a:schemeClr val="tx1"/>
+          </a:solidFill>
+          <a:latin typeface="+mn-lt"/>
+          <a:ea typeface="+mn-ea"/>
+          <a:cs typeface="+mn-cs"/>
+        </a:defRPr>
+      </a:lvl8pPr>
+      <a:lvl9pPr marL="3657600" algn="l" defTabSz="914400" rtl="0" eaLnBrk="1" latinLnBrk="0" hangingPunct="1">
+        <a:defRPr sz="1800" kern="1200">
+          <a:solidFill>
+            <a:schemeClr val="tx1"/>
+          </a:solidFill>
+          <a:latin typeface="+mn-lt"/>
+          <a:ea typeface="+mn-ea"/>
+          <a:cs typeface="+mn-cs"/>
+        </a:defRPr>
+      </a:lvl9pPr>
+    </p:otherStyle>
+  </p:txStyles>
 </p:sldMaster>
 </file>
 
 <file path=ppt/slides/slide1.xml><?xml version="1.0" encoding="utf-8"?>
-<p:sld xmlns:a="http://schemas.openxmlformats.org/drawingml/2006/main" xmlns:p="http://schemas.openxmlformats.org/presentationml/2006/main" xmlns:r="http://schemas.openxmlformats.org/officeDocument/2006/relationships" xmlns:p14="http://schemas.microsoft.com/office/powerpoint/2010/main" xmlns:p15="http://schemas.microsoft.com/office/powerpoint/2012/main" xmlns:mc="http://schemas.openxmlformats.org/markup-compatibility/2006">
+<p:sld xmlns:a="http://schemas.openxmlformats.org/drawingml/2006/main" xmlns:r="http://schemas.openxmlformats.org/officeDocument/2006/relationships" xmlns:p="http://schemas.openxmlformats.org/presentationml/2006/main">
   <p:cSld>
     <p:spTree>
       <p:nvGrpSpPr>
@@ -1879,7 +2333,7 @@
           </a:prstGeom>
           <a:ln>
             <a:solidFill>
-              <a:srgbClr val="4472c4"/>
+              <a:srgbClr val="4472C4"/>
             </a:solidFill>
           </a:ln>
         </p:spPr>
@@ -1912,7 +2366,7 @@
           </a:prstGeom>
           <a:ln>
             <a:solidFill>
-              <a:srgbClr val="4472c4"/>
+              <a:srgbClr val="4472C4"/>
             </a:solidFill>
           </a:ln>
         </p:spPr>
@@ -1944,6 +2398,7 @@
             <a:avLst/>
             <a:gdLst/>
             <a:ahLst/>
+            <a:cxnLst/>
             <a:rect l="l" t="t" r="r" b="b"/>
             <a:pathLst>
               <a:path w="244475" h="396989">
@@ -2095,6 +2550,7 @@
             <a:avLst/>
             <a:gdLst/>
             <a:ahLst/>
+            <a:cxnLst/>
             <a:rect l="l" t="t" r="r" b="b"/>
             <a:pathLst>
               <a:path w="374836" h="441325">
@@ -2215,7 +2671,7 @@
           </a:prstGeom>
           <a:ln>
             <a:solidFill>
-              <a:srgbClr val="4472c4"/>
+              <a:srgbClr val="4472C4"/>
             </a:solidFill>
           </a:ln>
         </p:spPr>
@@ -2248,7 +2704,7 @@
           </a:prstGeom>
           <a:ln>
             <a:solidFill>
-              <a:srgbClr val="4472c4"/>
+              <a:srgbClr val="4472C4"/>
             </a:solidFill>
           </a:ln>
         </p:spPr>
@@ -2280,6 +2736,7 @@
             <a:avLst/>
             <a:gdLst/>
             <a:ahLst/>
+            <a:cxnLst/>
             <a:rect l="l" t="t" r="r" b="b"/>
             <a:pathLst>
               <a:path w="1036397" h="1775512">
@@ -2487,7 +2944,7 @@
           </a:prstGeom>
           <a:ln>
             <a:solidFill>
-              <a:srgbClr val="4472c4"/>
+              <a:srgbClr val="4472C4"/>
             </a:solidFill>
           </a:ln>
         </p:spPr>
@@ -2520,7 +2977,7 @@
           </a:prstGeom>
           <a:ln>
             <a:solidFill>
-              <a:srgbClr val="4472c4"/>
+              <a:srgbClr val="4472C4"/>
             </a:solidFill>
           </a:ln>
         </p:spPr>
@@ -2552,6 +3009,7 @@
             <a:avLst/>
             <a:gdLst/>
             <a:ahLst/>
+            <a:cxnLst/>
             <a:rect l="l" t="t" r="r" b="b"/>
             <a:pathLst>
               <a:path w="1150620" h="1610617">
@@ -3108,7 +3566,7 @@
           </a:prstGeom>
           <a:ln>
             <a:solidFill>
-              <a:srgbClr val="4472c4"/>
+              <a:srgbClr val="4472C4"/>
             </a:solidFill>
           </a:ln>
         </p:spPr>
@@ -3141,7 +3599,7 @@
           </a:prstGeom>
           <a:ln>
             <a:solidFill>
-              <a:srgbClr val="4472c4"/>
+              <a:srgbClr val="4472C4"/>
             </a:solidFill>
           </a:ln>
         </p:spPr>
@@ -3174,7 +3632,7 @@
           </a:prstGeom>
           <a:ln>
             <a:solidFill>
-              <a:srgbClr val="4472c4"/>
+              <a:srgbClr val="4472C4"/>
             </a:solidFill>
           </a:ln>
         </p:spPr>
@@ -3207,7 +3665,7 @@
           </a:prstGeom>
           <a:ln>
             <a:solidFill>
-              <a:srgbClr val="4472c4"/>
+              <a:srgbClr val="4472C4"/>
             </a:solidFill>
           </a:ln>
         </p:spPr>
@@ -3280,15 +3738,22 @@
           </a:ln>
         </p:spPr>
         <p:style>
-          <a:lnRef idx="0"/>
-          <a:fillRef idx="0"/>
-          <a:effectRef idx="0"/>
-          <a:fontRef idx="minor"/>
-        </p:style>
-        <p:txBody>
-          <a:bodyPr wrap="none" lIns="90000" rIns="90000" tIns="45000" bIns="45000">
+          <a:lnRef idx="0">
+            <a:scrgbClr r="0" g="0" b="0"/>
+          </a:lnRef>
+          <a:fillRef idx="0">
+            <a:scrgbClr r="0" g="0" b="0"/>
+          </a:fillRef>
+          <a:effectRef idx="0">
+            <a:scrgbClr r="0" g="0" b="0"/>
+          </a:effectRef>
+          <a:fontRef idx="minor"/>
+        </p:style>
+        <p:txBody>
+          <a:bodyPr wrap="none" lIns="90000" tIns="45000" rIns="90000" bIns="45000">
             <a:spAutoFit/>
           </a:bodyPr>
+          <a:lstStyle/>
           <a:p>
             <a:pPr>
               <a:lnSpc>
@@ -3296,7 +3761,7 @@
               </a:lnSpc>
             </a:pPr>
             <a:r>
-              <a:rPr b="0" lang="en-US" sz="1800" spc="-1" strike="noStrike">
+              <a:rPr lang="en-US" sz="1800" b="0" strike="noStrike" spc="-1">
                 <a:solidFill>
                   <a:srgbClr val="000000"/>
                 </a:solidFill>
@@ -3304,7 +3769,7 @@
               </a:rPr>
               <a:t>0</a:t>
             </a:r>
-            <a:endParaRPr b="0" lang="en-US" sz="1800" spc="-1" strike="noStrike">
+            <a:endParaRPr lang="en-US" sz="1800" b="0" strike="noStrike" spc="-1">
               <a:latin typeface="Arial"/>
             </a:endParaRPr>
           </a:p>
@@ -3330,15 +3795,22 @@
           </a:ln>
         </p:spPr>
         <p:style>
-          <a:lnRef idx="0"/>
-          <a:fillRef idx="0"/>
-          <a:effectRef idx="0"/>
-          <a:fontRef idx="minor"/>
-        </p:style>
-        <p:txBody>
-          <a:bodyPr wrap="none" lIns="90000" rIns="90000" tIns="45000" bIns="45000">
+          <a:lnRef idx="0">
+            <a:scrgbClr r="0" g="0" b="0"/>
+          </a:lnRef>
+          <a:fillRef idx="0">
+            <a:scrgbClr r="0" g="0" b="0"/>
+          </a:fillRef>
+          <a:effectRef idx="0">
+            <a:scrgbClr r="0" g="0" b="0"/>
+          </a:effectRef>
+          <a:fontRef idx="minor"/>
+        </p:style>
+        <p:txBody>
+          <a:bodyPr wrap="none" lIns="90000" tIns="45000" rIns="90000" bIns="45000">
             <a:spAutoFit/>
           </a:bodyPr>
+          <a:lstStyle/>
           <a:p>
             <a:pPr>
               <a:lnSpc>
@@ -3346,7 +3818,7 @@
               </a:lnSpc>
             </a:pPr>
             <a:r>
-              <a:rPr b="0" lang="en-US" sz="1800" spc="-1" strike="noStrike">
+              <a:rPr lang="en-US" sz="1800" b="0" strike="noStrike" spc="-1">
                 <a:solidFill>
                   <a:srgbClr val="000000"/>
                 </a:solidFill>
@@ -3354,7 +3826,7 @@
               </a:rPr>
               <a:t>1</a:t>
             </a:r>
-            <a:endParaRPr b="0" lang="en-US" sz="1800" spc="-1" strike="noStrike">
+            <a:endParaRPr lang="en-US" sz="1800" b="0" strike="noStrike" spc="-1">
               <a:latin typeface="Arial"/>
             </a:endParaRPr>
           </a:p>
@@ -3380,15 +3852,22 @@
           </a:ln>
         </p:spPr>
         <p:style>
-          <a:lnRef idx="0"/>
-          <a:fillRef idx="0"/>
-          <a:effectRef idx="0"/>
-          <a:fontRef idx="minor"/>
-        </p:style>
-        <p:txBody>
-          <a:bodyPr wrap="none" lIns="90000" rIns="90000" tIns="45000" bIns="45000">
+          <a:lnRef idx="0">
+            <a:scrgbClr r="0" g="0" b="0"/>
+          </a:lnRef>
+          <a:fillRef idx="0">
+            <a:scrgbClr r="0" g="0" b="0"/>
+          </a:fillRef>
+          <a:effectRef idx="0">
+            <a:scrgbClr r="0" g="0" b="0"/>
+          </a:effectRef>
+          <a:fontRef idx="minor"/>
+        </p:style>
+        <p:txBody>
+          <a:bodyPr wrap="none" lIns="90000" tIns="45000" rIns="90000" bIns="45000">
             <a:spAutoFit/>
           </a:bodyPr>
+          <a:lstStyle/>
           <a:p>
             <a:pPr>
               <a:lnSpc>
@@ -3396,7 +3875,7 @@
               </a:lnSpc>
             </a:pPr>
             <a:r>
-              <a:rPr b="0" lang="en-US" sz="1800" spc="-1" strike="noStrike">
+              <a:rPr lang="en-US" sz="1800" b="0" strike="noStrike" spc="-1">
                 <a:solidFill>
                   <a:srgbClr val="000000"/>
                 </a:solidFill>
@@ -3404,7 +3883,7 @@
               </a:rPr>
               <a:t>2</a:t>
             </a:r>
-            <a:endParaRPr b="0" lang="en-US" sz="1800" spc="-1" strike="noStrike">
+            <a:endParaRPr lang="en-US" sz="1800" b="0" strike="noStrike" spc="-1">
               <a:latin typeface="Arial"/>
             </a:endParaRPr>
           </a:p>
@@ -3430,15 +3909,22 @@
           </a:ln>
         </p:spPr>
         <p:style>
-          <a:lnRef idx="0"/>
-          <a:fillRef idx="0"/>
-          <a:effectRef idx="0"/>
-          <a:fontRef idx="minor"/>
-        </p:style>
-        <p:txBody>
-          <a:bodyPr wrap="none" lIns="90000" rIns="90000" tIns="45000" bIns="45000">
+          <a:lnRef idx="0">
+            <a:scrgbClr r="0" g="0" b="0"/>
+          </a:lnRef>
+          <a:fillRef idx="0">
+            <a:scrgbClr r="0" g="0" b="0"/>
+          </a:fillRef>
+          <a:effectRef idx="0">
+            <a:scrgbClr r="0" g="0" b="0"/>
+          </a:effectRef>
+          <a:fontRef idx="minor"/>
+        </p:style>
+        <p:txBody>
+          <a:bodyPr wrap="none" lIns="90000" tIns="45000" rIns="90000" bIns="45000">
             <a:spAutoFit/>
           </a:bodyPr>
+          <a:lstStyle/>
           <a:p>
             <a:pPr>
               <a:lnSpc>
@@ -3446,7 +3932,7 @@
               </a:lnSpc>
             </a:pPr>
             <a:r>
-              <a:rPr b="0" lang="en-US" sz="1800" spc="-1" strike="noStrike">
+              <a:rPr lang="en-US" sz="1800" b="0" strike="noStrike" spc="-1">
                 <a:solidFill>
                   <a:srgbClr val="000000"/>
                 </a:solidFill>
@@ -3454,7 +3940,7 @@
               </a:rPr>
               <a:t>3</a:t>
             </a:r>
-            <a:endParaRPr b="0" lang="en-US" sz="1800" spc="-1" strike="noStrike">
+            <a:endParaRPr lang="en-US" sz="1800" b="0" strike="noStrike" spc="-1">
               <a:latin typeface="Arial"/>
             </a:endParaRPr>
           </a:p>
@@ -3480,15 +3966,22 @@
           </a:ln>
         </p:spPr>
         <p:style>
-          <a:lnRef idx="0"/>
-          <a:fillRef idx="0"/>
-          <a:effectRef idx="0"/>
-          <a:fontRef idx="minor"/>
-        </p:style>
-        <p:txBody>
-          <a:bodyPr wrap="none" lIns="90000" rIns="90000" tIns="45000" bIns="45000">
+          <a:lnRef idx="0">
+            <a:scrgbClr r="0" g="0" b="0"/>
+          </a:lnRef>
+          <a:fillRef idx="0">
+            <a:scrgbClr r="0" g="0" b="0"/>
+          </a:fillRef>
+          <a:effectRef idx="0">
+            <a:scrgbClr r="0" g="0" b="0"/>
+          </a:effectRef>
+          <a:fontRef idx="minor"/>
+        </p:style>
+        <p:txBody>
+          <a:bodyPr wrap="none" lIns="90000" tIns="45000" rIns="90000" bIns="45000">
             <a:spAutoFit/>
           </a:bodyPr>
+          <a:lstStyle/>
           <a:p>
             <a:pPr>
               <a:lnSpc>
@@ -3496,7 +3989,7 @@
               </a:lnSpc>
             </a:pPr>
             <a:r>
-              <a:rPr b="0" lang="en-US" sz="1800" spc="-1" strike="noStrike">
+              <a:rPr lang="en-US" sz="1800" b="0" strike="noStrike" spc="-1">
                 <a:solidFill>
                   <a:srgbClr val="000000"/>
                 </a:solidFill>
@@ -3504,7 +3997,7 @@
               </a:rPr>
               <a:t>8</a:t>
             </a:r>
-            <a:endParaRPr b="0" lang="en-US" sz="1800" spc="-1" strike="noStrike">
+            <a:endParaRPr lang="en-US" sz="1800" b="0" strike="noStrike" spc="-1">
               <a:latin typeface="Arial"/>
             </a:endParaRPr>
           </a:p>
@@ -3530,15 +4023,22 @@
           </a:ln>
         </p:spPr>
         <p:style>
-          <a:lnRef idx="0"/>
-          <a:fillRef idx="0"/>
-          <a:effectRef idx="0"/>
-          <a:fontRef idx="minor"/>
-        </p:style>
-        <p:txBody>
-          <a:bodyPr wrap="none" lIns="90000" rIns="90000" tIns="45000" bIns="45000">
+          <a:lnRef idx="0">
+            <a:scrgbClr r="0" g="0" b="0"/>
+          </a:lnRef>
+          <a:fillRef idx="0">
+            <a:scrgbClr r="0" g="0" b="0"/>
+          </a:fillRef>
+          <a:effectRef idx="0">
+            <a:scrgbClr r="0" g="0" b="0"/>
+          </a:effectRef>
+          <a:fontRef idx="minor"/>
+        </p:style>
+        <p:txBody>
+          <a:bodyPr wrap="none" lIns="90000" tIns="45000" rIns="90000" bIns="45000">
             <a:spAutoFit/>
           </a:bodyPr>
+          <a:lstStyle/>
           <a:p>
             <a:pPr>
               <a:lnSpc>
@@ -3546,7 +4046,7 @@
               </a:lnSpc>
             </a:pPr>
             <a:r>
-              <a:rPr b="0" lang="en-US" sz="1800" spc="-1" strike="noStrike">
+              <a:rPr lang="en-US" sz="1800" b="0" strike="noStrike" spc="-1">
                 <a:solidFill>
                   <a:srgbClr val="000000"/>
                 </a:solidFill>
@@ -3554,7 +4054,7 @@
               </a:rPr>
               <a:t>9</a:t>
             </a:r>
-            <a:endParaRPr b="0" lang="en-US" sz="1800" spc="-1" strike="noStrike">
+            <a:endParaRPr lang="en-US" sz="1800" b="0" strike="noStrike" spc="-1">
               <a:latin typeface="Arial"/>
             </a:endParaRPr>
           </a:p>
@@ -3580,15 +4080,22 @@
           </a:ln>
         </p:spPr>
         <p:style>
-          <a:lnRef idx="0"/>
-          <a:fillRef idx="0"/>
-          <a:effectRef idx="0"/>
-          <a:fontRef idx="minor"/>
-        </p:style>
-        <p:txBody>
-          <a:bodyPr wrap="none" lIns="90000" rIns="90000" tIns="45000" bIns="45000">
+          <a:lnRef idx="0">
+            <a:scrgbClr r="0" g="0" b="0"/>
+          </a:lnRef>
+          <a:fillRef idx="0">
+            <a:scrgbClr r="0" g="0" b="0"/>
+          </a:fillRef>
+          <a:effectRef idx="0">
+            <a:scrgbClr r="0" g="0" b="0"/>
+          </a:effectRef>
+          <a:fontRef idx="minor"/>
+        </p:style>
+        <p:txBody>
+          <a:bodyPr wrap="none" lIns="90000" tIns="45000" rIns="90000" bIns="45000">
             <a:spAutoFit/>
           </a:bodyPr>
+          <a:lstStyle/>
           <a:p>
             <a:pPr>
               <a:lnSpc>
@@ -3596,7 +4103,7 @@
               </a:lnSpc>
             </a:pPr>
             <a:r>
-              <a:rPr b="0" lang="en-US" sz="1800" spc="-1" strike="noStrike">
+              <a:rPr lang="en-US" sz="1800" b="0" strike="noStrike" spc="-1">
                 <a:solidFill>
                   <a:srgbClr val="000000"/>
                 </a:solidFill>
@@ -3604,7 +4111,7 @@
               </a:rPr>
               <a:t>10</a:t>
             </a:r>
-            <a:endParaRPr b="0" lang="en-US" sz="1800" spc="-1" strike="noStrike">
+            <a:endParaRPr lang="en-US" sz="1800" b="0" strike="noStrike" spc="-1">
               <a:latin typeface="Arial"/>
             </a:endParaRPr>
           </a:p>
@@ -3630,15 +4137,22 @@
           </a:ln>
         </p:spPr>
         <p:style>
-          <a:lnRef idx="0"/>
-          <a:fillRef idx="0"/>
-          <a:effectRef idx="0"/>
-          <a:fontRef idx="minor"/>
-        </p:style>
-        <p:txBody>
-          <a:bodyPr wrap="none" lIns="90000" rIns="90000" tIns="45000" bIns="45000">
+          <a:lnRef idx="0">
+            <a:scrgbClr r="0" g="0" b="0"/>
+          </a:lnRef>
+          <a:fillRef idx="0">
+            <a:scrgbClr r="0" g="0" b="0"/>
+          </a:fillRef>
+          <a:effectRef idx="0">
+            <a:scrgbClr r="0" g="0" b="0"/>
+          </a:effectRef>
+          <a:fontRef idx="minor"/>
+        </p:style>
+        <p:txBody>
+          <a:bodyPr wrap="none" lIns="90000" tIns="45000" rIns="90000" bIns="45000">
             <a:spAutoFit/>
           </a:bodyPr>
+          <a:lstStyle/>
           <a:p>
             <a:pPr>
               <a:lnSpc>
@@ -3646,7 +4160,7 @@
               </a:lnSpc>
             </a:pPr>
             <a:r>
-              <a:rPr b="0" lang="en-US" sz="1800" spc="-1" strike="noStrike">
+              <a:rPr lang="en-US" sz="1800" b="0" strike="noStrike" spc="-1">
                 <a:solidFill>
                   <a:srgbClr val="000000"/>
                 </a:solidFill>
@@ -3654,7 +4168,7 @@
               </a:rPr>
               <a:t>11</a:t>
             </a:r>
-            <a:endParaRPr b="0" lang="en-US" sz="1800" spc="-1" strike="noStrike">
+            <a:endParaRPr lang="en-US" sz="1800" b="0" strike="noStrike" spc="-1">
               <a:latin typeface="Arial"/>
             </a:endParaRPr>
           </a:p>
@@ -3680,15 +4194,22 @@
           </a:ln>
         </p:spPr>
         <p:style>
-          <a:lnRef idx="0"/>
-          <a:fillRef idx="0"/>
-          <a:effectRef idx="0"/>
-          <a:fontRef idx="minor"/>
-        </p:style>
-        <p:txBody>
-          <a:bodyPr lIns="90000" rIns="90000" tIns="45000" bIns="45000">
+          <a:lnRef idx="0">
+            <a:scrgbClr r="0" g="0" b="0"/>
+          </a:lnRef>
+          <a:fillRef idx="0">
+            <a:scrgbClr r="0" g="0" b="0"/>
+          </a:fillRef>
+          <a:effectRef idx="0">
+            <a:scrgbClr r="0" g="0" b="0"/>
+          </a:effectRef>
+          <a:fontRef idx="minor"/>
+        </p:style>
+        <p:txBody>
+          <a:bodyPr lIns="90000" tIns="45000" rIns="90000" bIns="45000">
             <a:spAutoFit/>
           </a:bodyPr>
+          <a:lstStyle/>
           <a:p>
             <a:pPr>
               <a:lnSpc>
@@ -3696,7 +4217,7 @@
               </a:lnSpc>
             </a:pPr>
             <a:r>
-              <a:rPr b="0" lang="en-US" sz="1800" spc="-1" strike="noStrike">
+              <a:rPr lang="en-US" sz="1800" b="0" strike="noStrike" spc="-1">
                 <a:solidFill>
                   <a:srgbClr val="000000"/>
                 </a:solidFill>
@@ -3704,7 +4225,7 @@
               </a:rPr>
               <a:t>4</a:t>
             </a:r>
-            <a:endParaRPr b="0" lang="en-US" sz="1800" spc="-1" strike="noStrike">
+            <a:endParaRPr lang="en-US" sz="1800" b="0" strike="noStrike" spc="-1">
               <a:latin typeface="Arial"/>
             </a:endParaRPr>
           </a:p>
@@ -3730,15 +4251,22 @@
           </a:ln>
         </p:spPr>
         <p:style>
-          <a:lnRef idx="0"/>
-          <a:fillRef idx="0"/>
-          <a:effectRef idx="0"/>
-          <a:fontRef idx="minor"/>
-        </p:style>
-        <p:txBody>
-          <a:bodyPr wrap="none" lIns="90000" rIns="90000" tIns="45000" bIns="45000">
+          <a:lnRef idx="0">
+            <a:scrgbClr r="0" g="0" b="0"/>
+          </a:lnRef>
+          <a:fillRef idx="0">
+            <a:scrgbClr r="0" g="0" b="0"/>
+          </a:fillRef>
+          <a:effectRef idx="0">
+            <a:scrgbClr r="0" g="0" b="0"/>
+          </a:effectRef>
+          <a:fontRef idx="minor"/>
+        </p:style>
+        <p:txBody>
+          <a:bodyPr wrap="none" lIns="90000" tIns="45000" rIns="90000" bIns="45000">
             <a:spAutoFit/>
           </a:bodyPr>
+          <a:lstStyle/>
           <a:p>
             <a:pPr>
               <a:lnSpc>
@@ -3746,7 +4274,7 @@
               </a:lnSpc>
             </a:pPr>
             <a:r>
-              <a:rPr b="0" lang="en-US" sz="1800" spc="-1" strike="noStrike">
+              <a:rPr lang="en-US" sz="1800" b="0" strike="noStrike" spc="-1">
                 <a:solidFill>
                   <a:srgbClr val="000000"/>
                 </a:solidFill>
@@ -3754,7 +4282,7 @@
               </a:rPr>
               <a:t>5</a:t>
             </a:r>
-            <a:endParaRPr b="0" lang="en-US" sz="1800" spc="-1" strike="noStrike">
+            <a:endParaRPr lang="en-US" sz="1800" b="0" strike="noStrike" spc="-1">
               <a:latin typeface="Arial"/>
             </a:endParaRPr>
           </a:p>
@@ -3780,15 +4308,22 @@
           </a:ln>
         </p:spPr>
         <p:style>
-          <a:lnRef idx="0"/>
-          <a:fillRef idx="0"/>
-          <a:effectRef idx="0"/>
-          <a:fontRef idx="minor"/>
-        </p:style>
-        <p:txBody>
-          <a:bodyPr wrap="none" lIns="90000" rIns="90000" tIns="45000" bIns="45000">
+          <a:lnRef idx="0">
+            <a:scrgbClr r="0" g="0" b="0"/>
+          </a:lnRef>
+          <a:fillRef idx="0">
+            <a:scrgbClr r="0" g="0" b="0"/>
+          </a:fillRef>
+          <a:effectRef idx="0">
+            <a:scrgbClr r="0" g="0" b="0"/>
+          </a:effectRef>
+          <a:fontRef idx="minor"/>
+        </p:style>
+        <p:txBody>
+          <a:bodyPr wrap="none" lIns="90000" tIns="45000" rIns="90000" bIns="45000">
             <a:spAutoFit/>
           </a:bodyPr>
+          <a:lstStyle/>
           <a:p>
             <a:pPr>
               <a:lnSpc>
@@ -3796,7 +4331,7 @@
               </a:lnSpc>
             </a:pPr>
             <a:r>
-              <a:rPr b="0" lang="en-US" sz="1800" spc="-1" strike="noStrike">
+              <a:rPr lang="en-US" sz="1800" b="0" strike="noStrike" spc="-1">
                 <a:solidFill>
                   <a:srgbClr val="000000"/>
                 </a:solidFill>
@@ -3804,7 +4339,7 @@
               </a:rPr>
               <a:t>6</a:t>
             </a:r>
-            <a:endParaRPr b="0" lang="en-US" sz="1800" spc="-1" strike="noStrike">
+            <a:endParaRPr lang="en-US" sz="1800" b="0" strike="noStrike" spc="-1">
               <a:latin typeface="Arial"/>
             </a:endParaRPr>
           </a:p>
@@ -3830,15 +4365,22 @@
           </a:ln>
         </p:spPr>
         <p:style>
-          <a:lnRef idx="0"/>
-          <a:fillRef idx="0"/>
-          <a:effectRef idx="0"/>
-          <a:fontRef idx="minor"/>
-        </p:style>
-        <p:txBody>
-          <a:bodyPr wrap="none" lIns="90000" rIns="90000" tIns="45000" bIns="45000">
+          <a:lnRef idx="0">
+            <a:scrgbClr r="0" g="0" b="0"/>
+          </a:lnRef>
+          <a:fillRef idx="0">
+            <a:scrgbClr r="0" g="0" b="0"/>
+          </a:fillRef>
+          <a:effectRef idx="0">
+            <a:scrgbClr r="0" g="0" b="0"/>
+          </a:effectRef>
+          <a:fontRef idx="minor"/>
+        </p:style>
+        <p:txBody>
+          <a:bodyPr wrap="none" lIns="90000" tIns="45000" rIns="90000" bIns="45000">
             <a:spAutoFit/>
           </a:bodyPr>
+          <a:lstStyle/>
           <a:p>
             <a:pPr>
               <a:lnSpc>
@@ -3846,7 +4388,7 @@
               </a:lnSpc>
             </a:pPr>
             <a:r>
-              <a:rPr b="0" lang="en-US" sz="1800" spc="-1" strike="noStrike">
+              <a:rPr lang="en-US" sz="1800" b="0" strike="noStrike" spc="-1">
                 <a:solidFill>
                   <a:srgbClr val="000000"/>
                 </a:solidFill>
@@ -3854,7 +4396,7 @@
               </a:rPr>
               <a:t>7</a:t>
             </a:r>
-            <a:endParaRPr b="0" lang="en-US" sz="1800" spc="-1" strike="noStrike">
+            <a:endParaRPr lang="en-US" sz="1800" b="0" strike="noStrike" spc="-1">
               <a:latin typeface="Arial"/>
             </a:endParaRPr>
           </a:p>
@@ -3880,15 +4422,22 @@
           </a:ln>
         </p:spPr>
         <p:style>
-          <a:lnRef idx="0"/>
-          <a:fillRef idx="0"/>
-          <a:effectRef idx="0"/>
-          <a:fontRef idx="minor"/>
-        </p:style>
-        <p:txBody>
-          <a:bodyPr lIns="90000" rIns="90000" tIns="45000" bIns="45000">
+          <a:lnRef idx="0">
+            <a:scrgbClr r="0" g="0" b="0"/>
+          </a:lnRef>
+          <a:fillRef idx="0">
+            <a:scrgbClr r="0" g="0" b="0"/>
+          </a:fillRef>
+          <a:effectRef idx="0">
+            <a:scrgbClr r="0" g="0" b="0"/>
+          </a:effectRef>
+          <a:fontRef idx="minor"/>
+        </p:style>
+        <p:txBody>
+          <a:bodyPr lIns="90000" tIns="45000" rIns="90000" bIns="45000">
             <a:spAutoFit/>
           </a:bodyPr>
+          <a:lstStyle/>
           <a:p>
             <a:pPr>
               <a:lnSpc>
@@ -3896,7 +4445,7 @@
               </a:lnSpc>
             </a:pPr>
             <a:r>
-              <a:rPr b="0" lang="en-US" sz="1800" spc="-1" strike="noStrike">
+              <a:rPr lang="en-US" sz="1800" b="0" strike="noStrike" spc="-1">
                 <a:solidFill>
                   <a:srgbClr val="000000"/>
                 </a:solidFill>
@@ -3904,7 +4453,7 @@
               </a:rPr>
               <a:t>0</a:t>
             </a:r>
-            <a:endParaRPr b="0" lang="en-US" sz="1800" spc="-1" strike="noStrike">
+            <a:endParaRPr lang="en-US" sz="1800" b="0" strike="noStrike" spc="-1">
               <a:latin typeface="Arial"/>
             </a:endParaRPr>
           </a:p>
@@ -3930,15 +4479,22 @@
           </a:ln>
         </p:spPr>
         <p:style>
-          <a:lnRef idx="0"/>
-          <a:fillRef idx="0"/>
-          <a:effectRef idx="0"/>
-          <a:fontRef idx="minor"/>
-        </p:style>
-        <p:txBody>
-          <a:bodyPr lIns="90000" rIns="90000" tIns="45000" bIns="45000">
+          <a:lnRef idx="0">
+            <a:scrgbClr r="0" g="0" b="0"/>
+          </a:lnRef>
+          <a:fillRef idx="0">
+            <a:scrgbClr r="0" g="0" b="0"/>
+          </a:fillRef>
+          <a:effectRef idx="0">
+            <a:scrgbClr r="0" g="0" b="0"/>
+          </a:effectRef>
+          <a:fontRef idx="minor"/>
+        </p:style>
+        <p:txBody>
+          <a:bodyPr lIns="90000" tIns="45000" rIns="90000" bIns="45000">
             <a:spAutoFit/>
           </a:bodyPr>
+          <a:lstStyle/>
           <a:p>
             <a:pPr>
               <a:lnSpc>
@@ -3946,7 +4502,7 @@
               </a:lnSpc>
             </a:pPr>
             <a:r>
-              <a:rPr b="0" lang="en-US" sz="1800" spc="-1" strike="noStrike">
+              <a:rPr lang="en-US" sz="1800" b="0" strike="noStrike" spc="-1">
                 <a:solidFill>
                   <a:srgbClr val="000000"/>
                 </a:solidFill>
@@ -3954,7 +4510,7 @@
               </a:rPr>
               <a:t>1</a:t>
             </a:r>
-            <a:endParaRPr b="0" lang="en-US" sz="1800" spc="-1" strike="noStrike">
+            <a:endParaRPr lang="en-US" sz="1800" b="0" strike="noStrike" spc="-1">
               <a:latin typeface="Arial"/>
             </a:endParaRPr>
           </a:p>
@@ -3980,15 +4536,22 @@
           </a:ln>
         </p:spPr>
         <p:style>
-          <a:lnRef idx="0"/>
-          <a:fillRef idx="0"/>
-          <a:effectRef idx="0"/>
-          <a:fontRef idx="minor"/>
-        </p:style>
-        <p:txBody>
-          <a:bodyPr lIns="90000" rIns="90000" tIns="45000" bIns="45000">
+          <a:lnRef idx="0">
+            <a:scrgbClr r="0" g="0" b="0"/>
+          </a:lnRef>
+          <a:fillRef idx="0">
+            <a:scrgbClr r="0" g="0" b="0"/>
+          </a:fillRef>
+          <a:effectRef idx="0">
+            <a:scrgbClr r="0" g="0" b="0"/>
+          </a:effectRef>
+          <a:fontRef idx="minor"/>
+        </p:style>
+        <p:txBody>
+          <a:bodyPr lIns="90000" tIns="45000" rIns="90000" bIns="45000">
             <a:spAutoFit/>
           </a:bodyPr>
+          <a:lstStyle/>
           <a:p>
             <a:pPr>
               <a:lnSpc>
@@ -3996,7 +4559,7 @@
               </a:lnSpc>
             </a:pPr>
             <a:r>
-              <a:rPr b="0" lang="en-US" sz="1800" spc="-1" strike="noStrike">
+              <a:rPr lang="en-US" sz="1800" b="0" strike="noStrike" spc="-1">
                 <a:solidFill>
                   <a:srgbClr val="000000"/>
                 </a:solidFill>
@@ -4004,7 +4567,7 @@
               </a:rPr>
               <a:t>2</a:t>
             </a:r>
-            <a:endParaRPr b="0" lang="en-US" sz="1800" spc="-1" strike="noStrike">
+            <a:endParaRPr lang="en-US" sz="1800" b="0" strike="noStrike" spc="-1">
               <a:latin typeface="Arial"/>
             </a:endParaRPr>
           </a:p>
@@ -4030,15 +4593,22 @@
           </a:ln>
         </p:spPr>
         <p:style>
-          <a:lnRef idx="0"/>
-          <a:fillRef idx="0"/>
-          <a:effectRef idx="0"/>
-          <a:fontRef idx="minor"/>
-        </p:style>
-        <p:txBody>
-          <a:bodyPr lIns="90000" rIns="90000" tIns="45000" bIns="45000">
+          <a:lnRef idx="0">
+            <a:scrgbClr r="0" g="0" b="0"/>
+          </a:lnRef>
+          <a:fillRef idx="0">
+            <a:scrgbClr r="0" g="0" b="0"/>
+          </a:fillRef>
+          <a:effectRef idx="0">
+            <a:scrgbClr r="0" g="0" b="0"/>
+          </a:effectRef>
+          <a:fontRef idx="minor"/>
+        </p:style>
+        <p:txBody>
+          <a:bodyPr lIns="90000" tIns="45000" rIns="90000" bIns="45000">
             <a:spAutoFit/>
           </a:bodyPr>
+          <a:lstStyle/>
           <a:p>
             <a:pPr>
               <a:lnSpc>
@@ -4046,7 +4616,7 @@
               </a:lnSpc>
             </a:pPr>
             <a:r>
-              <a:rPr b="0" lang="en-US" sz="1800" spc="-1" strike="noStrike">
+              <a:rPr lang="en-US" sz="1800" b="0" strike="noStrike" spc="-1">
                 <a:solidFill>
                   <a:srgbClr val="000000"/>
                 </a:solidFill>
@@ -4054,7 +4624,7 @@
               </a:rPr>
               <a:t>3</a:t>
             </a:r>
-            <a:endParaRPr b="0" lang="en-US" sz="1800" spc="-1" strike="noStrike">
+            <a:endParaRPr lang="en-US" sz="1800" b="0" strike="noStrike" spc="-1">
               <a:latin typeface="Arial"/>
             </a:endParaRPr>
           </a:p>
@@ -4062,19 +4632,14 @@
       </p:sp>
     </p:spTree>
   </p:cSld>
-  <mc:AlternateContent>
-    <mc:Choice Requires="p14">
-      <p:transition spd="slow" p14:dur="2000"/>
-    </mc:Choice>
-    <mc:Fallback>
-      <p:transition spd="slow"/>
-    </mc:Fallback>
-  </mc:AlternateContent>
+  <p:clrMapOvr>
+    <a:masterClrMapping/>
+  </p:clrMapOvr>
 </p:sld>
 </file>
 
 <file path=ppt/slides/slide2.xml><?xml version="1.0" encoding="utf-8"?>
-<p:sld xmlns:a="http://schemas.openxmlformats.org/drawingml/2006/main" xmlns:p="http://schemas.openxmlformats.org/presentationml/2006/main" xmlns:r="http://schemas.openxmlformats.org/officeDocument/2006/relationships" xmlns:p14="http://schemas.microsoft.com/office/powerpoint/2010/main" xmlns:p15="http://schemas.microsoft.com/office/powerpoint/2012/main" xmlns:mc="http://schemas.openxmlformats.org/markup-compatibility/2006">
+<p:sld xmlns:a="http://schemas.openxmlformats.org/drawingml/2006/main" xmlns:r="http://schemas.openxmlformats.org/officeDocument/2006/relationships" xmlns:p="http://schemas.openxmlformats.org/presentationml/2006/main">
   <p:cSld>
     <p:spTree>
       <p:nvGrpSpPr>
@@ -4106,7 +4671,7 @@
           </a:prstGeom>
           <a:ln>
             <a:solidFill>
-              <a:srgbClr val="4472c4"/>
+              <a:srgbClr val="4472C4"/>
             </a:solidFill>
           </a:ln>
         </p:spPr>
@@ -4139,7 +4704,7 @@
           </a:prstGeom>
           <a:ln>
             <a:solidFill>
-              <a:srgbClr val="4472c4"/>
+              <a:srgbClr val="4472C4"/>
             </a:solidFill>
           </a:ln>
         </p:spPr>
@@ -4171,6 +4736,7 @@
             <a:avLst/>
             <a:gdLst/>
             <a:ahLst/>
+            <a:cxnLst/>
             <a:rect l="l" t="t" r="r" b="b"/>
             <a:pathLst>
               <a:path w="244475" h="396989">
@@ -4322,6 +4888,7 @@
             <a:avLst/>
             <a:gdLst/>
             <a:ahLst/>
+            <a:cxnLst/>
             <a:rect l="l" t="t" r="r" b="b"/>
             <a:pathLst>
               <a:path w="374836" h="441325">
@@ -4442,7 +5009,7 @@
           </a:prstGeom>
           <a:ln>
             <a:solidFill>
-              <a:srgbClr val="4472c4"/>
+              <a:srgbClr val="4472C4"/>
             </a:solidFill>
           </a:ln>
         </p:spPr>
@@ -4475,7 +5042,7 @@
           </a:prstGeom>
           <a:ln>
             <a:solidFill>
-              <a:srgbClr val="4472c4"/>
+              <a:srgbClr val="4472C4"/>
             </a:solidFill>
           </a:ln>
         </p:spPr>
@@ -4507,6 +5074,7 @@
             <a:avLst/>
             <a:gdLst/>
             <a:ahLst/>
+            <a:cxnLst/>
             <a:rect l="l" t="t" r="r" b="b"/>
             <a:pathLst>
               <a:path w="1036397" h="1775512">
@@ -4714,7 +5282,7 @@
           </a:prstGeom>
           <a:ln>
             <a:solidFill>
-              <a:srgbClr val="4472c4"/>
+              <a:srgbClr val="4472C4"/>
             </a:solidFill>
           </a:ln>
         </p:spPr>
@@ -4747,7 +5315,7 @@
           </a:prstGeom>
           <a:ln>
             <a:solidFill>
-              <a:srgbClr val="4472c4"/>
+              <a:srgbClr val="4472C4"/>
             </a:solidFill>
           </a:ln>
         </p:spPr>
@@ -4779,6 +5347,7 @@
             <a:avLst/>
             <a:gdLst/>
             <a:ahLst/>
+            <a:cxnLst/>
             <a:rect l="l" t="t" r="r" b="b"/>
             <a:pathLst>
               <a:path w="1150620" h="1610617">
@@ -5299,7 +5868,7 @@
           </a:prstGeom>
           <a:ln>
             <a:solidFill>
-              <a:srgbClr val="4472c4"/>
+              <a:srgbClr val="4472C4"/>
             </a:solidFill>
           </a:ln>
         </p:spPr>
@@ -5332,7 +5901,7 @@
           </a:prstGeom>
           <a:ln>
             <a:solidFill>
-              <a:srgbClr val="4472c4"/>
+              <a:srgbClr val="4472C4"/>
             </a:solidFill>
           </a:ln>
         </p:spPr>
@@ -5369,15 +5938,22 @@
           </a:ln>
         </p:spPr>
         <p:style>
-          <a:lnRef idx="0"/>
-          <a:fillRef idx="0"/>
-          <a:effectRef idx="0"/>
-          <a:fontRef idx="minor"/>
-        </p:style>
-        <p:txBody>
-          <a:bodyPr wrap="none" lIns="90000" rIns="90000" tIns="45000" bIns="45000">
+          <a:lnRef idx="0">
+            <a:scrgbClr r="0" g="0" b="0"/>
+          </a:lnRef>
+          <a:fillRef idx="0">
+            <a:scrgbClr r="0" g="0" b="0"/>
+          </a:fillRef>
+          <a:effectRef idx="0">
+            <a:scrgbClr r="0" g="0" b="0"/>
+          </a:effectRef>
+          <a:fontRef idx="minor"/>
+        </p:style>
+        <p:txBody>
+          <a:bodyPr wrap="none" lIns="90000" tIns="45000" rIns="90000" bIns="45000">
             <a:spAutoFit/>
           </a:bodyPr>
+          <a:lstStyle/>
           <a:p>
             <a:pPr>
               <a:lnSpc>
@@ -5385,7 +5961,7 @@
               </a:lnSpc>
             </a:pPr>
             <a:r>
-              <a:rPr b="0" lang="en-US" sz="1800" spc="-1" strike="noStrike">
+              <a:rPr lang="en-US" sz="1800" b="0" strike="noStrike" spc="-1">
                 <a:solidFill>
                   <a:srgbClr val="000000"/>
                 </a:solidFill>
@@ -5393,7 +5969,7 @@
               </a:rPr>
               <a:t>0</a:t>
             </a:r>
-            <a:endParaRPr b="0" lang="en-US" sz="1800" spc="-1" strike="noStrike">
+            <a:endParaRPr lang="en-US" sz="1800" b="0" strike="noStrike" spc="-1">
               <a:latin typeface="Arial"/>
             </a:endParaRPr>
           </a:p>
@@ -5419,15 +5995,22 @@
           </a:ln>
         </p:spPr>
         <p:style>
-          <a:lnRef idx="0"/>
-          <a:fillRef idx="0"/>
-          <a:effectRef idx="0"/>
-          <a:fontRef idx="minor"/>
-        </p:style>
-        <p:txBody>
-          <a:bodyPr wrap="none" lIns="90000" rIns="90000" tIns="45000" bIns="45000">
+          <a:lnRef idx="0">
+            <a:scrgbClr r="0" g="0" b="0"/>
+          </a:lnRef>
+          <a:fillRef idx="0">
+            <a:scrgbClr r="0" g="0" b="0"/>
+          </a:fillRef>
+          <a:effectRef idx="0">
+            <a:scrgbClr r="0" g="0" b="0"/>
+          </a:effectRef>
+          <a:fontRef idx="minor"/>
+        </p:style>
+        <p:txBody>
+          <a:bodyPr wrap="none" lIns="90000" tIns="45000" rIns="90000" bIns="45000">
             <a:spAutoFit/>
           </a:bodyPr>
+          <a:lstStyle/>
           <a:p>
             <a:pPr>
               <a:lnSpc>
@@ -5435,7 +6018,7 @@
               </a:lnSpc>
             </a:pPr>
             <a:r>
-              <a:rPr b="0" lang="en-US" sz="1800" spc="-1" strike="noStrike">
+              <a:rPr lang="en-US" sz="1800" b="0" strike="noStrike" spc="-1">
                 <a:solidFill>
                   <a:srgbClr val="000000"/>
                 </a:solidFill>
@@ -5443,7 +6026,7 @@
               </a:rPr>
               <a:t>1</a:t>
             </a:r>
-            <a:endParaRPr b="0" lang="en-US" sz="1800" spc="-1" strike="noStrike">
+            <a:endParaRPr lang="en-US" sz="1800" b="0" strike="noStrike" spc="-1">
               <a:latin typeface="Arial"/>
             </a:endParaRPr>
           </a:p>
@@ -5469,15 +6052,22 @@
           </a:ln>
         </p:spPr>
         <p:style>
-          <a:lnRef idx="0"/>
-          <a:fillRef idx="0"/>
-          <a:effectRef idx="0"/>
-          <a:fontRef idx="minor"/>
-        </p:style>
-        <p:txBody>
-          <a:bodyPr wrap="none" lIns="90000" rIns="90000" tIns="45000" bIns="45000">
+          <a:lnRef idx="0">
+            <a:scrgbClr r="0" g="0" b="0"/>
+          </a:lnRef>
+          <a:fillRef idx="0">
+            <a:scrgbClr r="0" g="0" b="0"/>
+          </a:fillRef>
+          <a:effectRef idx="0">
+            <a:scrgbClr r="0" g="0" b="0"/>
+          </a:effectRef>
+          <a:fontRef idx="minor"/>
+        </p:style>
+        <p:txBody>
+          <a:bodyPr wrap="none" lIns="90000" tIns="45000" rIns="90000" bIns="45000">
             <a:spAutoFit/>
           </a:bodyPr>
+          <a:lstStyle/>
           <a:p>
             <a:pPr>
               <a:lnSpc>
@@ -5485,7 +6075,7 @@
               </a:lnSpc>
             </a:pPr>
             <a:r>
-              <a:rPr b="0" lang="en-US" sz="1800" spc="-1" strike="noStrike">
+              <a:rPr lang="en-US" sz="1800" b="0" strike="noStrike" spc="-1">
                 <a:solidFill>
                   <a:srgbClr val="000000"/>
                 </a:solidFill>
@@ -5493,7 +6083,7 @@
               </a:rPr>
               <a:t>2</a:t>
             </a:r>
-            <a:endParaRPr b="0" lang="en-US" sz="1800" spc="-1" strike="noStrike">
+            <a:endParaRPr lang="en-US" sz="1800" b="0" strike="noStrike" spc="-1">
               <a:latin typeface="Arial"/>
             </a:endParaRPr>
           </a:p>
@@ -5519,15 +6109,22 @@
           </a:ln>
         </p:spPr>
         <p:style>
-          <a:lnRef idx="0"/>
-          <a:fillRef idx="0"/>
-          <a:effectRef idx="0"/>
-          <a:fontRef idx="minor"/>
-        </p:style>
-        <p:txBody>
-          <a:bodyPr wrap="none" lIns="90000" rIns="90000" tIns="45000" bIns="45000">
+          <a:lnRef idx="0">
+            <a:scrgbClr r="0" g="0" b="0"/>
+          </a:lnRef>
+          <a:fillRef idx="0">
+            <a:scrgbClr r="0" g="0" b="0"/>
+          </a:fillRef>
+          <a:effectRef idx="0">
+            <a:scrgbClr r="0" g="0" b="0"/>
+          </a:effectRef>
+          <a:fontRef idx="minor"/>
+        </p:style>
+        <p:txBody>
+          <a:bodyPr wrap="none" lIns="90000" tIns="45000" rIns="90000" bIns="45000">
             <a:spAutoFit/>
           </a:bodyPr>
+          <a:lstStyle/>
           <a:p>
             <a:pPr>
               <a:lnSpc>
@@ -5535,7 +6132,7 @@
               </a:lnSpc>
             </a:pPr>
             <a:r>
-              <a:rPr b="0" lang="en-US" sz="1800" spc="-1" strike="noStrike">
+              <a:rPr lang="en-US" sz="1800" b="0" strike="noStrike" spc="-1">
                 <a:solidFill>
                   <a:srgbClr val="000000"/>
                 </a:solidFill>
@@ -5543,7 +6140,7 @@
               </a:rPr>
               <a:t>3</a:t>
             </a:r>
-            <a:endParaRPr b="0" lang="en-US" sz="1800" spc="-1" strike="noStrike">
+            <a:endParaRPr lang="en-US" sz="1800" b="0" strike="noStrike" spc="-1">
               <a:latin typeface="Arial"/>
             </a:endParaRPr>
           </a:p>
@@ -5569,15 +6166,22 @@
           </a:ln>
         </p:spPr>
         <p:style>
-          <a:lnRef idx="0"/>
-          <a:fillRef idx="0"/>
-          <a:effectRef idx="0"/>
-          <a:fontRef idx="minor"/>
-        </p:style>
-        <p:txBody>
-          <a:bodyPr wrap="none" lIns="90000" rIns="90000" tIns="45000" bIns="45000">
+          <a:lnRef idx="0">
+            <a:scrgbClr r="0" g="0" b="0"/>
+          </a:lnRef>
+          <a:fillRef idx="0">
+            <a:scrgbClr r="0" g="0" b="0"/>
+          </a:fillRef>
+          <a:effectRef idx="0">
+            <a:scrgbClr r="0" g="0" b="0"/>
+          </a:effectRef>
+          <a:fontRef idx="minor"/>
+        </p:style>
+        <p:txBody>
+          <a:bodyPr wrap="none" lIns="90000" tIns="45000" rIns="90000" bIns="45000">
             <a:spAutoFit/>
           </a:bodyPr>
+          <a:lstStyle/>
           <a:p>
             <a:pPr>
               <a:lnSpc>
@@ -5585,7 +6189,7 @@
               </a:lnSpc>
             </a:pPr>
             <a:r>
-              <a:rPr b="0" lang="en-US" sz="1800" spc="-1" strike="noStrike">
+              <a:rPr lang="en-US" sz="1800" b="0" strike="noStrike" spc="-1">
                 <a:solidFill>
                   <a:srgbClr val="000000"/>
                 </a:solidFill>
@@ -5593,7 +6197,7 @@
               </a:rPr>
               <a:t>4</a:t>
             </a:r>
-            <a:endParaRPr b="0" lang="en-US" sz="1800" spc="-1" strike="noStrike">
+            <a:endParaRPr lang="en-US" sz="1800" b="0" strike="noStrike" spc="-1">
               <a:latin typeface="Arial"/>
             </a:endParaRPr>
           </a:p>
@@ -5619,15 +6223,22 @@
           </a:ln>
         </p:spPr>
         <p:style>
-          <a:lnRef idx="0"/>
-          <a:fillRef idx="0"/>
-          <a:effectRef idx="0"/>
-          <a:fontRef idx="minor"/>
-        </p:style>
-        <p:txBody>
-          <a:bodyPr wrap="none" lIns="90000" rIns="90000" tIns="45000" bIns="45000">
+          <a:lnRef idx="0">
+            <a:scrgbClr r="0" g="0" b="0"/>
+          </a:lnRef>
+          <a:fillRef idx="0">
+            <a:scrgbClr r="0" g="0" b="0"/>
+          </a:fillRef>
+          <a:effectRef idx="0">
+            <a:scrgbClr r="0" g="0" b="0"/>
+          </a:effectRef>
+          <a:fontRef idx="minor"/>
+        </p:style>
+        <p:txBody>
+          <a:bodyPr wrap="none" lIns="90000" tIns="45000" rIns="90000" bIns="45000">
             <a:spAutoFit/>
           </a:bodyPr>
+          <a:lstStyle/>
           <a:p>
             <a:pPr>
               <a:lnSpc>
@@ -5635,7 +6246,7 @@
               </a:lnSpc>
             </a:pPr>
             <a:r>
-              <a:rPr b="0" lang="en-US" sz="1800" spc="-1" strike="noStrike">
+              <a:rPr lang="en-US" sz="1800" b="0" strike="noStrike" spc="-1">
                 <a:solidFill>
                   <a:srgbClr val="000000"/>
                 </a:solidFill>
@@ -5643,7 +6254,7 @@
               </a:rPr>
               <a:t>5</a:t>
             </a:r>
-            <a:endParaRPr b="0" lang="en-US" sz="1800" spc="-1" strike="noStrike">
+            <a:endParaRPr lang="en-US" sz="1800" b="0" strike="noStrike" spc="-1">
               <a:latin typeface="Arial"/>
             </a:endParaRPr>
           </a:p>
@@ -5669,15 +6280,22 @@
           </a:ln>
         </p:spPr>
         <p:style>
-          <a:lnRef idx="0"/>
-          <a:fillRef idx="0"/>
-          <a:effectRef idx="0"/>
-          <a:fontRef idx="minor"/>
-        </p:style>
-        <p:txBody>
-          <a:bodyPr wrap="none" lIns="90000" rIns="90000" tIns="45000" bIns="45000">
+          <a:lnRef idx="0">
+            <a:scrgbClr r="0" g="0" b="0"/>
+          </a:lnRef>
+          <a:fillRef idx="0">
+            <a:scrgbClr r="0" g="0" b="0"/>
+          </a:fillRef>
+          <a:effectRef idx="0">
+            <a:scrgbClr r="0" g="0" b="0"/>
+          </a:effectRef>
+          <a:fontRef idx="minor"/>
+        </p:style>
+        <p:txBody>
+          <a:bodyPr wrap="none" lIns="90000" tIns="45000" rIns="90000" bIns="45000">
             <a:spAutoFit/>
           </a:bodyPr>
+          <a:lstStyle/>
           <a:p>
             <a:pPr>
               <a:lnSpc>
@@ -5685,7 +6303,7 @@
               </a:lnSpc>
             </a:pPr>
             <a:r>
-              <a:rPr b="0" lang="en-US" sz="1800" spc="-1" strike="noStrike">
+              <a:rPr lang="en-US" sz="1800" b="0" strike="noStrike" spc="-1">
                 <a:solidFill>
                   <a:srgbClr val="000000"/>
                 </a:solidFill>
@@ -5693,7 +6311,7 @@
               </a:rPr>
               <a:t>x1</a:t>
             </a:r>
-            <a:endParaRPr b="0" lang="en-US" sz="1800" spc="-1" strike="noStrike">
+            <a:endParaRPr lang="en-US" sz="1800" b="0" strike="noStrike" spc="-1">
               <a:latin typeface="Arial"/>
             </a:endParaRPr>
           </a:p>
@@ -5719,15 +6337,22 @@
           </a:ln>
         </p:spPr>
         <p:style>
-          <a:lnRef idx="0"/>
-          <a:fillRef idx="0"/>
-          <a:effectRef idx="0"/>
-          <a:fontRef idx="minor"/>
-        </p:style>
-        <p:txBody>
-          <a:bodyPr wrap="none" lIns="90000" rIns="90000" tIns="45000" bIns="45000">
+          <a:lnRef idx="0">
+            <a:scrgbClr r="0" g="0" b="0"/>
+          </a:lnRef>
+          <a:fillRef idx="0">
+            <a:scrgbClr r="0" g="0" b="0"/>
+          </a:fillRef>
+          <a:effectRef idx="0">
+            <a:scrgbClr r="0" g="0" b="0"/>
+          </a:effectRef>
+          <a:fontRef idx="minor"/>
+        </p:style>
+        <p:txBody>
+          <a:bodyPr wrap="none" lIns="90000" tIns="45000" rIns="90000" bIns="45000">
             <a:spAutoFit/>
           </a:bodyPr>
+          <a:lstStyle/>
           <a:p>
             <a:pPr>
               <a:lnSpc>
@@ -5735,7 +6360,7 @@
               </a:lnSpc>
             </a:pPr>
             <a:r>
-              <a:rPr b="0" lang="en-US" sz="1800" spc="-1" strike="noStrike">
+              <a:rPr lang="en-US" sz="1800" b="0" strike="noStrike" spc="-1">
                 <a:solidFill>
                   <a:srgbClr val="000000"/>
                 </a:solidFill>
@@ -5743,7 +6368,7 @@
               </a:rPr>
               <a:t>x2</a:t>
             </a:r>
-            <a:endParaRPr b="0" lang="en-US" sz="1800" spc="-1" strike="noStrike">
+            <a:endParaRPr lang="en-US" sz="1800" b="0" strike="noStrike" spc="-1">
               <a:latin typeface="Arial"/>
             </a:endParaRPr>
           </a:p>
@@ -5769,15 +6394,22 @@
           </a:ln>
         </p:spPr>
         <p:style>
-          <a:lnRef idx="0"/>
-          <a:fillRef idx="0"/>
-          <a:effectRef idx="0"/>
-          <a:fontRef idx="minor"/>
-        </p:style>
-        <p:txBody>
-          <a:bodyPr wrap="none" lIns="90000" rIns="90000" tIns="45000" bIns="45000">
+          <a:lnRef idx="0">
+            <a:scrgbClr r="0" g="0" b="0"/>
+          </a:lnRef>
+          <a:fillRef idx="0">
+            <a:scrgbClr r="0" g="0" b="0"/>
+          </a:fillRef>
+          <a:effectRef idx="0">
+            <a:scrgbClr r="0" g="0" b="0"/>
+          </a:effectRef>
+          <a:fontRef idx="minor"/>
+        </p:style>
+        <p:txBody>
+          <a:bodyPr wrap="none" lIns="90000" tIns="45000" rIns="90000" bIns="45000">
             <a:spAutoFit/>
           </a:bodyPr>
+          <a:lstStyle/>
           <a:p>
             <a:pPr>
               <a:lnSpc>
@@ -5785,7 +6417,7 @@
               </a:lnSpc>
             </a:pPr>
             <a:r>
-              <a:rPr b="0" lang="en-US" sz="1800" spc="-1" strike="noStrike">
+              <a:rPr lang="en-US" sz="1800" b="0" strike="noStrike" spc="-1">
                 <a:solidFill>
                   <a:srgbClr val="000000"/>
                 </a:solidFill>
@@ -5793,7 +6425,7 @@
               </a:rPr>
               <a:t>x3</a:t>
             </a:r>
-            <a:endParaRPr b="0" lang="en-US" sz="1800" spc="-1" strike="noStrike">
+            <a:endParaRPr lang="en-US" sz="1800" b="0" strike="noStrike" spc="-1">
               <a:latin typeface="Arial"/>
             </a:endParaRPr>
           </a:p>
@@ -5801,19 +6433,14 @@
       </p:sp>
     </p:spTree>
   </p:cSld>
-  <mc:AlternateContent>
-    <mc:Choice Requires="p14">
-      <p:transition spd="slow" p14:dur="2000"/>
-    </mc:Choice>
-    <mc:Fallback>
-      <p:transition spd="slow"/>
-    </mc:Fallback>
-  </mc:AlternateContent>
+  <p:clrMapOvr>
+    <a:masterClrMapping/>
+  </p:clrMapOvr>
 </p:sld>
 </file>
 
 <file path=ppt/slides/slide3.xml><?xml version="1.0" encoding="utf-8"?>
-<p:sld xmlns:a="http://schemas.openxmlformats.org/drawingml/2006/main" xmlns:p="http://schemas.openxmlformats.org/presentationml/2006/main" xmlns:r="http://schemas.openxmlformats.org/officeDocument/2006/relationships" xmlns:p14="http://schemas.microsoft.com/office/powerpoint/2010/main" xmlns:p15="http://schemas.microsoft.com/office/powerpoint/2012/main" xmlns:mc="http://schemas.openxmlformats.org/markup-compatibility/2006">
+<p:sld xmlns:a="http://schemas.openxmlformats.org/drawingml/2006/main" xmlns:r="http://schemas.openxmlformats.org/officeDocument/2006/relationships" xmlns:p="http://schemas.openxmlformats.org/presentationml/2006/main">
   <p:cSld>
     <p:spTree>
       <p:nvGrpSpPr>
@@ -5845,7 +6472,7 @@
           </a:prstGeom>
           <a:ln>
             <a:solidFill>
-              <a:srgbClr val="4472c4"/>
+              <a:srgbClr val="4472C4"/>
             </a:solidFill>
           </a:ln>
         </p:spPr>
@@ -5878,7 +6505,7 @@
           </a:prstGeom>
           <a:ln>
             <a:solidFill>
-              <a:srgbClr val="4472c4"/>
+              <a:srgbClr val="4472C4"/>
             </a:solidFill>
           </a:ln>
         </p:spPr>
@@ -5910,6 +6537,7 @@
             <a:avLst/>
             <a:gdLst/>
             <a:ahLst/>
+            <a:cxnLst/>
             <a:rect l="l" t="t" r="r" b="b"/>
             <a:pathLst>
               <a:path w="244475" h="396989">
@@ -6061,6 +6689,7 @@
             <a:avLst/>
             <a:gdLst/>
             <a:ahLst/>
+            <a:cxnLst/>
             <a:rect l="l" t="t" r="r" b="b"/>
             <a:pathLst>
               <a:path w="374836" h="441325">
@@ -6181,7 +6810,7 @@
           </a:prstGeom>
           <a:ln>
             <a:solidFill>
-              <a:srgbClr val="4472c4"/>
+              <a:srgbClr val="4472C4"/>
             </a:solidFill>
           </a:ln>
         </p:spPr>
@@ -6213,6 +6842,7 @@
             <a:avLst/>
             <a:gdLst/>
             <a:ahLst/>
+            <a:cxnLst/>
             <a:rect l="l" t="t" r="r" b="b"/>
             <a:pathLst>
               <a:path w="1036397" h="1775512">
@@ -6420,7 +7050,7 @@
           </a:prstGeom>
           <a:ln>
             <a:solidFill>
-              <a:srgbClr val="4472c4"/>
+              <a:srgbClr val="4472C4"/>
             </a:solidFill>
           </a:ln>
         </p:spPr>
@@ -6453,7 +7083,7 @@
           </a:prstGeom>
           <a:ln>
             <a:solidFill>
-              <a:srgbClr val="4472c4"/>
+              <a:srgbClr val="4472C4"/>
             </a:solidFill>
           </a:ln>
         </p:spPr>
@@ -6485,6 +7115,7 @@
             <a:avLst/>
             <a:gdLst/>
             <a:ahLst/>
+            <a:cxnLst/>
             <a:rect l="l" t="t" r="r" b="b"/>
             <a:pathLst>
               <a:path w="1150620" h="1610617">
@@ -7005,7 +7636,7 @@
           </a:prstGeom>
           <a:ln>
             <a:solidFill>
-              <a:srgbClr val="4472c4"/>
+              <a:srgbClr val="4472C4"/>
             </a:solidFill>
           </a:ln>
         </p:spPr>
@@ -7038,7 +7669,7 @@
           </a:prstGeom>
           <a:ln>
             <a:solidFill>
-              <a:srgbClr val="4472c4"/>
+              <a:srgbClr val="4472C4"/>
             </a:solidFill>
           </a:ln>
         </p:spPr>
@@ -7075,15 +7706,22 @@
           </a:ln>
         </p:spPr>
         <p:style>
-          <a:lnRef idx="0"/>
-          <a:fillRef idx="0"/>
-          <a:effectRef idx="0"/>
-          <a:fontRef idx="minor"/>
-        </p:style>
-        <p:txBody>
-          <a:bodyPr wrap="none" lIns="90000" rIns="90000" tIns="45000" bIns="45000">
+          <a:lnRef idx="0">
+            <a:scrgbClr r="0" g="0" b="0"/>
+          </a:lnRef>
+          <a:fillRef idx="0">
+            <a:scrgbClr r="0" g="0" b="0"/>
+          </a:fillRef>
+          <a:effectRef idx="0">
+            <a:scrgbClr r="0" g="0" b="0"/>
+          </a:effectRef>
+          <a:fontRef idx="minor"/>
+        </p:style>
+        <p:txBody>
+          <a:bodyPr wrap="none" lIns="90000" tIns="45000" rIns="90000" bIns="45000">
             <a:spAutoFit/>
           </a:bodyPr>
+          <a:lstStyle/>
           <a:p>
             <a:pPr>
               <a:lnSpc>
@@ -7091,7 +7729,7 @@
               </a:lnSpc>
             </a:pPr>
             <a:r>
-              <a:rPr b="0" lang="en-US" sz="1800" spc="-1" strike="noStrike">
+              <a:rPr lang="en-US" sz="1800" b="0" strike="noStrike" spc="-1">
                 <a:solidFill>
                   <a:srgbClr val="000000"/>
                 </a:solidFill>
@@ -7099,7 +7737,7 @@
               </a:rPr>
               <a:t>0</a:t>
             </a:r>
-            <a:endParaRPr b="0" lang="en-US" sz="1800" spc="-1" strike="noStrike">
+            <a:endParaRPr lang="en-US" sz="1800" b="0" strike="noStrike" spc="-1">
               <a:latin typeface="Arial"/>
             </a:endParaRPr>
           </a:p>
@@ -7125,15 +7763,22 @@
           </a:ln>
         </p:spPr>
         <p:style>
-          <a:lnRef idx="0"/>
-          <a:fillRef idx="0"/>
-          <a:effectRef idx="0"/>
-          <a:fontRef idx="minor"/>
-        </p:style>
-        <p:txBody>
-          <a:bodyPr wrap="none" lIns="90000" rIns="90000" tIns="45000" bIns="45000">
+          <a:lnRef idx="0">
+            <a:scrgbClr r="0" g="0" b="0"/>
+          </a:lnRef>
+          <a:fillRef idx="0">
+            <a:scrgbClr r="0" g="0" b="0"/>
+          </a:fillRef>
+          <a:effectRef idx="0">
+            <a:scrgbClr r="0" g="0" b="0"/>
+          </a:effectRef>
+          <a:fontRef idx="minor"/>
+        </p:style>
+        <p:txBody>
+          <a:bodyPr wrap="none" lIns="90000" tIns="45000" rIns="90000" bIns="45000">
             <a:spAutoFit/>
           </a:bodyPr>
+          <a:lstStyle/>
           <a:p>
             <a:pPr>
               <a:lnSpc>
@@ -7141,7 +7786,7 @@
               </a:lnSpc>
             </a:pPr>
             <a:r>
-              <a:rPr b="0" lang="en-US" sz="1800" spc="-1" strike="noStrike">
+              <a:rPr lang="en-US" sz="1800" b="0" strike="noStrike" spc="-1">
                 <a:solidFill>
                   <a:srgbClr val="000000"/>
                 </a:solidFill>
@@ -7149,7 +7794,7 @@
               </a:rPr>
               <a:t>1</a:t>
             </a:r>
-            <a:endParaRPr b="0" lang="en-US" sz="1800" spc="-1" strike="noStrike">
+            <a:endParaRPr lang="en-US" sz="1800" b="0" strike="noStrike" spc="-1">
               <a:latin typeface="Arial"/>
             </a:endParaRPr>
           </a:p>
@@ -7175,15 +7820,22 @@
           </a:ln>
         </p:spPr>
         <p:style>
-          <a:lnRef idx="0"/>
-          <a:fillRef idx="0"/>
-          <a:effectRef idx="0"/>
-          <a:fontRef idx="minor"/>
-        </p:style>
-        <p:txBody>
-          <a:bodyPr wrap="none" lIns="90000" rIns="90000" tIns="45000" bIns="45000">
+          <a:lnRef idx="0">
+            <a:scrgbClr r="0" g="0" b="0"/>
+          </a:lnRef>
+          <a:fillRef idx="0">
+            <a:scrgbClr r="0" g="0" b="0"/>
+          </a:fillRef>
+          <a:effectRef idx="0">
+            <a:scrgbClr r="0" g="0" b="0"/>
+          </a:effectRef>
+          <a:fontRef idx="minor"/>
+        </p:style>
+        <p:txBody>
+          <a:bodyPr wrap="none" lIns="90000" tIns="45000" rIns="90000" bIns="45000">
             <a:spAutoFit/>
           </a:bodyPr>
+          <a:lstStyle/>
           <a:p>
             <a:pPr>
               <a:lnSpc>
@@ -7191,7 +7843,7 @@
               </a:lnSpc>
             </a:pPr>
             <a:r>
-              <a:rPr b="0" lang="en-US" sz="1800" spc="-1" strike="noStrike">
+              <a:rPr lang="en-US" sz="1800" b="0" strike="noStrike" spc="-1">
                 <a:solidFill>
                   <a:srgbClr val="000000"/>
                 </a:solidFill>
@@ -7199,7 +7851,7 @@
               </a:rPr>
               <a:t>2</a:t>
             </a:r>
-            <a:endParaRPr b="0" lang="en-US" sz="1800" spc="-1" strike="noStrike">
+            <a:endParaRPr lang="en-US" sz="1800" b="0" strike="noStrike" spc="-1">
               <a:latin typeface="Arial"/>
             </a:endParaRPr>
           </a:p>
@@ -7225,15 +7877,22 @@
           </a:ln>
         </p:spPr>
         <p:style>
-          <a:lnRef idx="0"/>
-          <a:fillRef idx="0"/>
-          <a:effectRef idx="0"/>
-          <a:fontRef idx="minor"/>
-        </p:style>
-        <p:txBody>
-          <a:bodyPr wrap="none" lIns="90000" rIns="90000" tIns="45000" bIns="45000">
+          <a:lnRef idx="0">
+            <a:scrgbClr r="0" g="0" b="0"/>
+          </a:lnRef>
+          <a:fillRef idx="0">
+            <a:scrgbClr r="0" g="0" b="0"/>
+          </a:fillRef>
+          <a:effectRef idx="0">
+            <a:scrgbClr r="0" g="0" b="0"/>
+          </a:effectRef>
+          <a:fontRef idx="minor"/>
+        </p:style>
+        <p:txBody>
+          <a:bodyPr wrap="none" lIns="90000" tIns="45000" rIns="90000" bIns="45000">
             <a:spAutoFit/>
           </a:bodyPr>
+          <a:lstStyle/>
           <a:p>
             <a:pPr>
               <a:lnSpc>
@@ -7241,7 +7900,7 @@
               </a:lnSpc>
             </a:pPr>
             <a:r>
-              <a:rPr b="0" lang="en-US" sz="1800" spc="-1" strike="noStrike">
+              <a:rPr lang="en-US" sz="1800" b="0" strike="noStrike" spc="-1">
                 <a:solidFill>
                   <a:srgbClr val="000000"/>
                 </a:solidFill>
@@ -7249,7 +7908,7 @@
               </a:rPr>
               <a:t>3</a:t>
             </a:r>
-            <a:endParaRPr b="0" lang="en-US" sz="1800" spc="-1" strike="noStrike">
+            <a:endParaRPr lang="en-US" sz="1800" b="0" strike="noStrike" spc="-1">
               <a:latin typeface="Arial"/>
             </a:endParaRPr>
           </a:p>
@@ -7275,15 +7934,22 @@
           </a:ln>
         </p:spPr>
         <p:style>
-          <a:lnRef idx="0"/>
-          <a:fillRef idx="0"/>
-          <a:effectRef idx="0"/>
-          <a:fontRef idx="minor"/>
-        </p:style>
-        <p:txBody>
-          <a:bodyPr wrap="none" lIns="90000" rIns="90000" tIns="45000" bIns="45000">
+          <a:lnRef idx="0">
+            <a:scrgbClr r="0" g="0" b="0"/>
+          </a:lnRef>
+          <a:fillRef idx="0">
+            <a:scrgbClr r="0" g="0" b="0"/>
+          </a:fillRef>
+          <a:effectRef idx="0">
+            <a:scrgbClr r="0" g="0" b="0"/>
+          </a:effectRef>
+          <a:fontRef idx="minor"/>
+        </p:style>
+        <p:txBody>
+          <a:bodyPr wrap="none" lIns="90000" tIns="45000" rIns="90000" bIns="45000">
             <a:spAutoFit/>
           </a:bodyPr>
+          <a:lstStyle/>
           <a:p>
             <a:pPr>
               <a:lnSpc>
@@ -7291,7 +7957,7 @@
               </a:lnSpc>
             </a:pPr>
             <a:r>
-              <a:rPr b="0" lang="en-US" sz="1800" spc="-1" strike="noStrike">
+              <a:rPr lang="en-US" sz="1800" b="0" strike="noStrike" spc="-1">
                 <a:solidFill>
                   <a:srgbClr val="000000"/>
                 </a:solidFill>
@@ -7299,7 +7965,7 @@
               </a:rPr>
               <a:t>4</a:t>
             </a:r>
-            <a:endParaRPr b="0" lang="en-US" sz="1800" spc="-1" strike="noStrike">
+            <a:endParaRPr lang="en-US" sz="1800" b="0" strike="noStrike" spc="-1">
               <a:latin typeface="Arial"/>
             </a:endParaRPr>
           </a:p>
@@ -7325,15 +7991,22 @@
           </a:ln>
         </p:spPr>
         <p:style>
-          <a:lnRef idx="0"/>
-          <a:fillRef idx="0"/>
-          <a:effectRef idx="0"/>
-          <a:fontRef idx="minor"/>
-        </p:style>
-        <p:txBody>
-          <a:bodyPr wrap="none" lIns="90000" rIns="90000" tIns="45000" bIns="45000">
+          <a:lnRef idx="0">
+            <a:scrgbClr r="0" g="0" b="0"/>
+          </a:lnRef>
+          <a:fillRef idx="0">
+            <a:scrgbClr r="0" g="0" b="0"/>
+          </a:fillRef>
+          <a:effectRef idx="0">
+            <a:scrgbClr r="0" g="0" b="0"/>
+          </a:effectRef>
+          <a:fontRef idx="minor"/>
+        </p:style>
+        <p:txBody>
+          <a:bodyPr wrap="none" lIns="90000" tIns="45000" rIns="90000" bIns="45000">
             <a:spAutoFit/>
           </a:bodyPr>
+          <a:lstStyle/>
           <a:p>
             <a:pPr>
               <a:lnSpc>
@@ -7341,7 +8014,7 @@
               </a:lnSpc>
             </a:pPr>
             <a:r>
-              <a:rPr b="0" lang="en-US" sz="1800" spc="-1" strike="noStrike">
+              <a:rPr lang="en-US" sz="1800" b="0" strike="noStrike" spc="-1">
                 <a:solidFill>
                   <a:srgbClr val="000000"/>
                 </a:solidFill>
@@ -7349,7 +8022,7 @@
               </a:rPr>
               <a:t>5</a:t>
             </a:r>
-            <a:endParaRPr b="0" lang="en-US" sz="1800" spc="-1" strike="noStrike">
+            <a:endParaRPr lang="en-US" sz="1800" b="0" strike="noStrike" spc="-1">
               <a:latin typeface="Arial"/>
             </a:endParaRPr>
           </a:p>
@@ -7375,15 +8048,22 @@
           </a:ln>
         </p:spPr>
         <p:style>
-          <a:lnRef idx="0"/>
-          <a:fillRef idx="0"/>
-          <a:effectRef idx="0"/>
-          <a:fontRef idx="minor"/>
-        </p:style>
-        <p:txBody>
-          <a:bodyPr wrap="none" lIns="90000" rIns="90000" tIns="45000" bIns="45000">
+          <a:lnRef idx="0">
+            <a:scrgbClr r="0" g="0" b="0"/>
+          </a:lnRef>
+          <a:fillRef idx="0">
+            <a:scrgbClr r="0" g="0" b="0"/>
+          </a:fillRef>
+          <a:effectRef idx="0">
+            <a:scrgbClr r="0" g="0" b="0"/>
+          </a:effectRef>
+          <a:fontRef idx="minor"/>
+        </p:style>
+        <p:txBody>
+          <a:bodyPr wrap="none" lIns="90000" tIns="45000" rIns="90000" bIns="45000">
             <a:spAutoFit/>
           </a:bodyPr>
+          <a:lstStyle/>
           <a:p>
             <a:pPr>
               <a:lnSpc>
@@ -7391,7 +8071,7 @@
               </a:lnSpc>
             </a:pPr>
             <a:r>
-              <a:rPr b="0" lang="en-US" sz="1800" spc="-1" strike="noStrike">
+              <a:rPr lang="en-US" sz="1800" b="0" strike="noStrike" spc="-1">
                 <a:solidFill>
                   <a:srgbClr val="000000"/>
                 </a:solidFill>
@@ -7399,7 +8079,7 @@
               </a:rPr>
               <a:t>10</a:t>
             </a:r>
-            <a:endParaRPr b="0" lang="en-US" sz="1800" spc="-1" strike="noStrike">
+            <a:endParaRPr lang="en-US" sz="1800" b="0" strike="noStrike" spc="-1">
               <a:latin typeface="Arial"/>
             </a:endParaRPr>
           </a:p>
@@ -7425,15 +8105,22 @@
           </a:ln>
         </p:spPr>
         <p:style>
-          <a:lnRef idx="0"/>
-          <a:fillRef idx="0"/>
-          <a:effectRef idx="0"/>
-          <a:fontRef idx="minor"/>
-        </p:style>
-        <p:txBody>
-          <a:bodyPr wrap="none" lIns="90000" rIns="90000" tIns="45000" bIns="45000">
+          <a:lnRef idx="0">
+            <a:scrgbClr r="0" g="0" b="0"/>
+          </a:lnRef>
+          <a:fillRef idx="0">
+            <a:scrgbClr r="0" g="0" b="0"/>
+          </a:fillRef>
+          <a:effectRef idx="0">
+            <a:scrgbClr r="0" g="0" b="0"/>
+          </a:effectRef>
+          <a:fontRef idx="minor"/>
+        </p:style>
+        <p:txBody>
+          <a:bodyPr wrap="none" lIns="90000" tIns="45000" rIns="90000" bIns="45000">
             <a:spAutoFit/>
           </a:bodyPr>
+          <a:lstStyle/>
           <a:p>
             <a:pPr>
               <a:lnSpc>
@@ -7441,7 +8128,7 @@
               </a:lnSpc>
             </a:pPr>
             <a:r>
-              <a:rPr b="0" lang="en-US" sz="1800" spc="-1" strike="noStrike">
+              <a:rPr lang="en-US" sz="1800" b="0" strike="noStrike" spc="-1">
                 <a:solidFill>
                   <a:srgbClr val="000000"/>
                 </a:solidFill>
@@ -7449,7 +8136,7 @@
               </a:rPr>
               <a:t>9</a:t>
             </a:r>
-            <a:endParaRPr b="0" lang="en-US" sz="1800" spc="-1" strike="noStrike">
+            <a:endParaRPr lang="en-US" sz="1800" b="0" strike="noStrike" spc="-1">
               <a:latin typeface="Arial"/>
             </a:endParaRPr>
           </a:p>
@@ -7475,15 +8162,22 @@
           </a:ln>
         </p:spPr>
         <p:style>
-          <a:lnRef idx="0"/>
-          <a:fillRef idx="0"/>
-          <a:effectRef idx="0"/>
-          <a:fontRef idx="minor"/>
-        </p:style>
-        <p:txBody>
-          <a:bodyPr wrap="none" lIns="90000" rIns="90000" tIns="45000" bIns="45000">
+          <a:lnRef idx="0">
+            <a:scrgbClr r="0" g="0" b="0"/>
+          </a:lnRef>
+          <a:fillRef idx="0">
+            <a:scrgbClr r="0" g="0" b="0"/>
+          </a:fillRef>
+          <a:effectRef idx="0">
+            <a:scrgbClr r="0" g="0" b="0"/>
+          </a:effectRef>
+          <a:fontRef idx="minor"/>
+        </p:style>
+        <p:txBody>
+          <a:bodyPr wrap="none" lIns="90000" tIns="45000" rIns="90000" bIns="45000">
             <a:spAutoFit/>
           </a:bodyPr>
+          <a:lstStyle/>
           <a:p>
             <a:pPr>
               <a:lnSpc>
@@ -7491,7 +8185,7 @@
               </a:lnSpc>
             </a:pPr>
             <a:r>
-              <a:rPr b="0" lang="en-US" sz="1800" spc="-1" strike="noStrike">
+              <a:rPr lang="en-US" sz="1800" b="0" strike="noStrike" spc="-1">
                 <a:solidFill>
                   <a:srgbClr val="000000"/>
                 </a:solidFill>
@@ -7499,7 +8193,7 @@
               </a:rPr>
               <a:t>8</a:t>
             </a:r>
-            <a:endParaRPr b="0" lang="en-US" sz="1800" spc="-1" strike="noStrike">
+            <a:endParaRPr lang="en-US" sz="1800" b="0" strike="noStrike" spc="-1">
               <a:latin typeface="Arial"/>
             </a:endParaRPr>
           </a:p>
@@ -7525,15 +8219,22 @@
           </a:ln>
         </p:spPr>
         <p:style>
-          <a:lnRef idx="0"/>
-          <a:fillRef idx="0"/>
-          <a:effectRef idx="0"/>
-          <a:fontRef idx="minor"/>
-        </p:style>
-        <p:txBody>
-          <a:bodyPr wrap="none" lIns="90000" rIns="90000" tIns="45000" bIns="45000">
+          <a:lnRef idx="0">
+            <a:scrgbClr r="0" g="0" b="0"/>
+          </a:lnRef>
+          <a:fillRef idx="0">
+            <a:scrgbClr r="0" g="0" b="0"/>
+          </a:fillRef>
+          <a:effectRef idx="0">
+            <a:scrgbClr r="0" g="0" b="0"/>
+          </a:effectRef>
+          <a:fontRef idx="minor"/>
+        </p:style>
+        <p:txBody>
+          <a:bodyPr wrap="none" lIns="90000" tIns="45000" rIns="90000" bIns="45000">
             <a:spAutoFit/>
           </a:bodyPr>
+          <a:lstStyle/>
           <a:p>
             <a:pPr>
               <a:lnSpc>
@@ -7541,7 +8242,7 @@
               </a:lnSpc>
             </a:pPr>
             <a:r>
-              <a:rPr b="0" lang="en-US" sz="1800" spc="-1" strike="noStrike">
+              <a:rPr lang="en-US" sz="1800" b="0" strike="noStrike" spc="-1">
                 <a:solidFill>
                   <a:srgbClr val="000000"/>
                 </a:solidFill>
@@ -7549,7 +8250,7 @@
               </a:rPr>
               <a:t>7</a:t>
             </a:r>
-            <a:endParaRPr b="0" lang="en-US" sz="1800" spc="-1" strike="noStrike">
+            <a:endParaRPr lang="en-US" sz="1800" b="0" strike="noStrike" spc="-1">
               <a:latin typeface="Arial"/>
             </a:endParaRPr>
           </a:p>
@@ -7575,15 +8276,22 @@
           </a:ln>
         </p:spPr>
         <p:style>
-          <a:lnRef idx="0"/>
-          <a:fillRef idx="0"/>
-          <a:effectRef idx="0"/>
-          <a:fontRef idx="minor"/>
-        </p:style>
-        <p:txBody>
-          <a:bodyPr wrap="none" lIns="90000" rIns="90000" tIns="45000" bIns="45000">
+          <a:lnRef idx="0">
+            <a:scrgbClr r="0" g="0" b="0"/>
+          </a:lnRef>
+          <a:fillRef idx="0">
+            <a:scrgbClr r="0" g="0" b="0"/>
+          </a:fillRef>
+          <a:effectRef idx="0">
+            <a:scrgbClr r="0" g="0" b="0"/>
+          </a:effectRef>
+          <a:fontRef idx="minor"/>
+        </p:style>
+        <p:txBody>
+          <a:bodyPr wrap="none" lIns="90000" tIns="45000" rIns="90000" bIns="45000">
             <a:spAutoFit/>
           </a:bodyPr>
+          <a:lstStyle/>
           <a:p>
             <a:pPr>
               <a:lnSpc>
@@ -7591,7 +8299,7 @@
               </a:lnSpc>
             </a:pPr>
             <a:r>
-              <a:rPr b="0" lang="en-US" sz="1800" spc="-1" strike="noStrike">
+              <a:rPr lang="en-US" sz="1800" b="0" strike="noStrike" spc="-1">
                 <a:solidFill>
                   <a:srgbClr val="000000"/>
                 </a:solidFill>
@@ -7599,7 +8307,7 @@
               </a:rPr>
               <a:t>6</a:t>
             </a:r>
-            <a:endParaRPr b="0" lang="en-US" sz="1800" spc="-1" strike="noStrike">
+            <a:endParaRPr lang="en-US" sz="1800" b="0" strike="noStrike" spc="-1">
               <a:latin typeface="Arial"/>
             </a:endParaRPr>
           </a:p>
@@ -7625,15 +8333,22 @@
           </a:ln>
         </p:spPr>
         <p:style>
-          <a:lnRef idx="0"/>
-          <a:fillRef idx="0"/>
-          <a:effectRef idx="0"/>
-          <a:fontRef idx="minor"/>
-        </p:style>
-        <p:txBody>
-          <a:bodyPr wrap="none" lIns="90000" rIns="90000" tIns="45000" bIns="45000">
+          <a:lnRef idx="0">
+            <a:scrgbClr r="0" g="0" b="0"/>
+          </a:lnRef>
+          <a:fillRef idx="0">
+            <a:scrgbClr r="0" g="0" b="0"/>
+          </a:fillRef>
+          <a:effectRef idx="0">
+            <a:scrgbClr r="0" g="0" b="0"/>
+          </a:effectRef>
+          <a:fontRef idx="minor"/>
+        </p:style>
+        <p:txBody>
+          <a:bodyPr wrap="none" lIns="90000" tIns="45000" rIns="90000" bIns="45000">
             <a:spAutoFit/>
           </a:bodyPr>
+          <a:lstStyle/>
           <a:p>
             <a:pPr>
               <a:lnSpc>
@@ -7641,7 +8356,7 @@
               </a:lnSpc>
             </a:pPr>
             <a:r>
-              <a:rPr b="0" lang="en-US" sz="1800" spc="-1" strike="noStrike">
+              <a:rPr lang="en-US" sz="1800" b="0" strike="noStrike" spc="-1">
                 <a:solidFill>
                   <a:srgbClr val="000000"/>
                 </a:solidFill>
@@ -7649,7 +8364,7 @@
               </a:rPr>
               <a:t>11</a:t>
             </a:r>
-            <a:endParaRPr b="0" lang="en-US" sz="1800" spc="-1" strike="noStrike">
+            <a:endParaRPr lang="en-US" sz="1800" b="0" strike="noStrike" spc="-1">
               <a:latin typeface="Arial"/>
             </a:endParaRPr>
           </a:p>
@@ -7675,25 +8390,20 @@
           </a:ln>
         </p:spPr>
         <p:txBody>
-          <a:bodyPr lIns="90000" rIns="90000" tIns="45000" bIns="45000">
+          <a:bodyPr lIns="90000" tIns="45000" rIns="90000" bIns="45000">
             <a:noAutofit/>
           </a:bodyPr>
+          <a:lstStyle/>
           <a:p>
             <a:r>
-              <a:rPr b="0" lang="en-US" sz="1800" spc="-1" strike="noStrike">
+              <a:rPr lang="en-US" sz="1800" b="0" strike="noStrike" spc="-1">
                 <a:solidFill>
-                  <a:srgbClr val="c9211e"/>
+                  <a:srgbClr val="C9211E"/>
                 </a:solidFill>
                 <a:latin typeface="Arial"/>
               </a:rPr>
               <a:t>e0</a:t>
             </a:r>
-            <a:endParaRPr b="0" lang="en-US" sz="1800" spc="-1" strike="noStrike">
-              <a:solidFill>
-                <a:srgbClr val="c9211e"/>
-              </a:solidFill>
-              <a:latin typeface="Arial"/>
-            </a:endParaRPr>
           </a:p>
         </p:txBody>
       </p:sp>
@@ -7717,25 +8427,20 @@
           </a:ln>
         </p:spPr>
         <p:txBody>
-          <a:bodyPr lIns="90000" rIns="90000" tIns="45000" bIns="45000">
+          <a:bodyPr lIns="90000" tIns="45000" rIns="90000" bIns="45000">
             <a:noAutofit/>
           </a:bodyPr>
+          <a:lstStyle/>
           <a:p>
             <a:r>
-              <a:rPr b="0" lang="en-US" sz="1800" spc="-1" strike="noStrike">
+              <a:rPr lang="en-US" sz="1800" b="0" strike="noStrike" spc="-1">
                 <a:solidFill>
-                  <a:srgbClr val="c9211e"/>
+                  <a:srgbClr val="C9211E"/>
                 </a:solidFill>
                 <a:latin typeface="Arial"/>
               </a:rPr>
               <a:t>e1</a:t>
             </a:r>
-            <a:endParaRPr b="0" lang="en-US" sz="1800" spc="-1" strike="noStrike">
-              <a:solidFill>
-                <a:srgbClr val="c9211e"/>
-              </a:solidFill>
-              <a:latin typeface="Arial"/>
-            </a:endParaRPr>
           </a:p>
         </p:txBody>
       </p:sp>
@@ -7759,25 +8464,20 @@
           </a:ln>
         </p:spPr>
         <p:txBody>
-          <a:bodyPr lIns="90000" rIns="90000" tIns="45000" bIns="45000">
+          <a:bodyPr lIns="90000" tIns="45000" rIns="90000" bIns="45000">
             <a:noAutofit/>
           </a:bodyPr>
+          <a:lstStyle/>
           <a:p>
             <a:r>
-              <a:rPr b="0" lang="en-US" sz="1800" spc="-1" strike="noStrike">
+              <a:rPr lang="en-US" sz="1800" b="0" strike="noStrike" spc="-1">
                 <a:solidFill>
-                  <a:srgbClr val="c9211e"/>
+                  <a:srgbClr val="C9211E"/>
                 </a:solidFill>
                 <a:latin typeface="Arial"/>
               </a:rPr>
               <a:t>e3</a:t>
             </a:r>
-            <a:endParaRPr b="0" lang="en-US" sz="1800" spc="-1" strike="noStrike">
-              <a:solidFill>
-                <a:srgbClr val="c9211e"/>
-              </a:solidFill>
-              <a:latin typeface="Arial"/>
-            </a:endParaRPr>
           </a:p>
         </p:txBody>
       </p:sp>
@@ -7801,25 +8501,20 @@
           </a:ln>
         </p:spPr>
         <p:txBody>
-          <a:bodyPr lIns="90000" rIns="90000" tIns="45000" bIns="45000">
+          <a:bodyPr lIns="90000" tIns="45000" rIns="90000" bIns="45000">
             <a:noAutofit/>
           </a:bodyPr>
+          <a:lstStyle/>
           <a:p>
             <a:r>
-              <a:rPr b="0" lang="en-US" sz="1800" spc="-1" strike="noStrike">
+              <a:rPr lang="en-US" sz="1800" b="0" strike="noStrike" spc="-1">
                 <a:solidFill>
-                  <a:srgbClr val="c9211e"/>
+                  <a:srgbClr val="C9211E"/>
                 </a:solidFill>
                 <a:latin typeface="Arial"/>
               </a:rPr>
               <a:t>e8</a:t>
             </a:r>
-            <a:endParaRPr b="0" lang="en-US" sz="1800" spc="-1" strike="noStrike">
-              <a:solidFill>
-                <a:srgbClr val="c9211e"/>
-              </a:solidFill>
-              <a:latin typeface="Arial"/>
-            </a:endParaRPr>
           </a:p>
         </p:txBody>
       </p:sp>
@@ -7843,25 +8538,20 @@
           </a:ln>
         </p:spPr>
         <p:txBody>
-          <a:bodyPr lIns="90000" rIns="90000" tIns="45000" bIns="45000">
+          <a:bodyPr lIns="90000" tIns="45000" rIns="90000" bIns="45000">
             <a:noAutofit/>
           </a:bodyPr>
+          <a:lstStyle/>
           <a:p>
             <a:r>
-              <a:rPr b="0" lang="en-US" sz="1800" spc="-1" strike="noStrike">
+              <a:rPr lang="en-US" sz="1800" b="0" strike="noStrike" spc="-1">
                 <a:solidFill>
-                  <a:srgbClr val="c9211e"/>
+                  <a:srgbClr val="C9211E"/>
                 </a:solidFill>
                 <a:latin typeface="Arial"/>
               </a:rPr>
               <a:t>e9</a:t>
             </a:r>
-            <a:endParaRPr b="0" lang="en-US" sz="1800" spc="-1" strike="noStrike">
-              <a:solidFill>
-                <a:srgbClr val="c9211e"/>
-              </a:solidFill>
-              <a:latin typeface="Arial"/>
-            </a:endParaRPr>
           </a:p>
         </p:txBody>
       </p:sp>
@@ -7885,25 +8575,20 @@
           </a:ln>
         </p:spPr>
         <p:txBody>
-          <a:bodyPr lIns="90000" rIns="90000" tIns="45000" bIns="45000">
+          <a:bodyPr lIns="90000" tIns="45000" rIns="90000" bIns="45000">
             <a:noAutofit/>
           </a:bodyPr>
+          <a:lstStyle/>
           <a:p>
             <a:r>
-              <a:rPr b="0" lang="en-US" sz="1800" spc="-1" strike="noStrike">
+              <a:rPr lang="en-US" sz="1800" b="0" strike="noStrike" spc="-1">
                 <a:solidFill>
-                  <a:srgbClr val="c9211e"/>
+                  <a:srgbClr val="C9211E"/>
                 </a:solidFill>
                 <a:latin typeface="Arial"/>
               </a:rPr>
               <a:t>e10</a:t>
             </a:r>
-            <a:endParaRPr b="0" lang="en-US" sz="1800" spc="-1" strike="noStrike">
-              <a:solidFill>
-                <a:srgbClr val="c9211e"/>
-              </a:solidFill>
-              <a:latin typeface="Arial"/>
-            </a:endParaRPr>
           </a:p>
         </p:txBody>
       </p:sp>
@@ -7927,25 +8612,20 @@
           </a:ln>
         </p:spPr>
         <p:txBody>
-          <a:bodyPr lIns="90000" rIns="90000" tIns="45000" bIns="45000">
+          <a:bodyPr lIns="90000" tIns="45000" rIns="90000" bIns="45000">
             <a:noAutofit/>
           </a:bodyPr>
+          <a:lstStyle/>
           <a:p>
             <a:r>
-              <a:rPr b="0" lang="en-US" sz="1800" spc="-1" strike="noStrike">
+              <a:rPr lang="en-US" sz="1800" b="0" strike="noStrike" spc="-1">
                 <a:solidFill>
-                  <a:srgbClr val="c9211e"/>
+                  <a:srgbClr val="C9211E"/>
                 </a:solidFill>
                 <a:latin typeface="Arial"/>
               </a:rPr>
               <a:t>e11</a:t>
             </a:r>
-            <a:endParaRPr b="0" lang="en-US" sz="1800" spc="-1" strike="noStrike">
-              <a:solidFill>
-                <a:srgbClr val="c9211e"/>
-              </a:solidFill>
-              <a:latin typeface="Arial"/>
-            </a:endParaRPr>
           </a:p>
         </p:txBody>
       </p:sp>
@@ -7969,25 +8649,20 @@
           </a:ln>
         </p:spPr>
         <p:txBody>
-          <a:bodyPr lIns="90000" rIns="90000" tIns="45000" bIns="45000">
+          <a:bodyPr lIns="90000" tIns="45000" rIns="90000" bIns="45000">
             <a:noAutofit/>
           </a:bodyPr>
+          <a:lstStyle/>
           <a:p>
             <a:r>
-              <a:rPr b="0" lang="en-US" sz="1800" spc="-1" strike="noStrike">
+              <a:rPr lang="en-US" sz="1800" b="0" strike="noStrike" spc="-1">
                 <a:solidFill>
-                  <a:srgbClr val="c9211e"/>
+                  <a:srgbClr val="C9211E"/>
                 </a:solidFill>
                 <a:latin typeface="Arial"/>
               </a:rPr>
               <a:t>e2</a:t>
             </a:r>
-            <a:endParaRPr b="0" lang="en-US" sz="1800" spc="-1" strike="noStrike">
-              <a:solidFill>
-                <a:srgbClr val="c9211e"/>
-              </a:solidFill>
-              <a:latin typeface="Arial"/>
-            </a:endParaRPr>
           </a:p>
         </p:txBody>
       </p:sp>
@@ -8011,25 +8686,20 @@
           </a:ln>
         </p:spPr>
         <p:txBody>
-          <a:bodyPr lIns="90000" rIns="90000" tIns="45000" bIns="45000">
+          <a:bodyPr lIns="90000" tIns="45000" rIns="90000" bIns="45000">
             <a:noAutofit/>
           </a:bodyPr>
+          <a:lstStyle/>
           <a:p>
             <a:r>
-              <a:rPr b="0" lang="en-US" sz="1800" spc="-1" strike="noStrike">
+              <a:rPr lang="en-US" sz="1800" b="0" strike="noStrike" spc="-1">
                 <a:solidFill>
-                  <a:srgbClr val="c9211e"/>
+                  <a:srgbClr val="C9211E"/>
                 </a:solidFill>
                 <a:latin typeface="Arial"/>
               </a:rPr>
               <a:t>e7</a:t>
             </a:r>
-            <a:endParaRPr b="0" lang="en-US" sz="1800" spc="-1" strike="noStrike">
-              <a:solidFill>
-                <a:srgbClr val="c9211e"/>
-              </a:solidFill>
-              <a:latin typeface="Arial"/>
-            </a:endParaRPr>
           </a:p>
         </p:txBody>
       </p:sp>
@@ -8053,25 +8723,20 @@
           </a:ln>
         </p:spPr>
         <p:txBody>
-          <a:bodyPr lIns="90000" rIns="90000" tIns="45000" bIns="45000">
+          <a:bodyPr lIns="90000" tIns="45000" rIns="90000" bIns="45000">
             <a:noAutofit/>
           </a:bodyPr>
+          <a:lstStyle/>
           <a:p>
             <a:r>
-              <a:rPr b="0" lang="en-US" sz="1800" spc="-1" strike="noStrike">
+              <a:rPr lang="en-US" sz="1800" b="0" strike="noStrike" spc="-1">
                 <a:solidFill>
-                  <a:srgbClr val="c9211e"/>
+                  <a:srgbClr val="C9211E"/>
                 </a:solidFill>
                 <a:latin typeface="Arial"/>
               </a:rPr>
               <a:t>e6</a:t>
             </a:r>
-            <a:endParaRPr b="0" lang="en-US" sz="1800" spc="-1" strike="noStrike">
-              <a:solidFill>
-                <a:srgbClr val="c9211e"/>
-              </a:solidFill>
-              <a:latin typeface="Arial"/>
-            </a:endParaRPr>
           </a:p>
         </p:txBody>
       </p:sp>
@@ -8095,25 +8760,20 @@
           </a:ln>
         </p:spPr>
         <p:txBody>
-          <a:bodyPr lIns="90000" rIns="90000" tIns="45000" bIns="45000">
+          <a:bodyPr lIns="90000" tIns="45000" rIns="90000" bIns="45000">
             <a:noAutofit/>
           </a:bodyPr>
+          <a:lstStyle/>
           <a:p>
             <a:r>
-              <a:rPr b="0" lang="en-US" sz="1800" spc="-1" strike="noStrike">
+              <a:rPr lang="en-US" sz="1800" b="0" strike="noStrike" spc="-1">
                 <a:solidFill>
-                  <a:srgbClr val="c9211e"/>
+                  <a:srgbClr val="C9211E"/>
                 </a:solidFill>
                 <a:latin typeface="Arial"/>
               </a:rPr>
               <a:t>e5</a:t>
             </a:r>
-            <a:endParaRPr b="0" lang="en-US" sz="1800" spc="-1" strike="noStrike">
-              <a:solidFill>
-                <a:srgbClr val="c9211e"/>
-              </a:solidFill>
-              <a:latin typeface="Arial"/>
-            </a:endParaRPr>
           </a:p>
         </p:txBody>
       </p:sp>
@@ -8137,38 +8797,497 @@
           </a:ln>
         </p:spPr>
         <p:txBody>
-          <a:bodyPr lIns="90000" rIns="90000" tIns="45000" bIns="45000">
+          <a:bodyPr lIns="90000" tIns="45000" rIns="90000" bIns="45000">
             <a:noAutofit/>
           </a:bodyPr>
+          <a:lstStyle/>
           <a:p>
             <a:r>
-              <a:rPr b="0" lang="en-US" sz="1800" spc="-1" strike="noStrike">
+              <a:rPr lang="en-US" sz="1800" b="0" strike="noStrike" spc="-1">
                 <a:solidFill>
-                  <a:srgbClr val="c9211e"/>
+                  <a:srgbClr val="C9211E"/>
                 </a:solidFill>
                 <a:latin typeface="Arial"/>
               </a:rPr>
               <a:t>e4</a:t>
             </a:r>
-            <a:endParaRPr b="0" lang="en-US" sz="1800" spc="-1" strike="noStrike">
-              <a:solidFill>
-                <a:srgbClr val="c9211e"/>
-              </a:solidFill>
-              <a:latin typeface="Arial"/>
-            </a:endParaRPr>
           </a:p>
         </p:txBody>
       </p:sp>
     </p:spTree>
   </p:cSld>
-  <mc:AlternateContent>
-    <mc:Choice Requires="p14">
-      <p:transition spd="slow" p14:dur="2000"/>
-    </mc:Choice>
-    <mc:Fallback>
-      <p:transition spd="slow"/>
-    </mc:Fallback>
-  </mc:AlternateContent>
+  <p:clrMapOvr>
+    <a:masterClrMapping/>
+  </p:clrMapOvr>
+</p:sld>
+</file>
+
+<file path=ppt/slides/slide4.xml><?xml version="1.0" encoding="utf-8"?>
+<p:sld xmlns:a="http://schemas.openxmlformats.org/drawingml/2006/main" xmlns:r="http://schemas.openxmlformats.org/officeDocument/2006/relationships" xmlns:p="http://schemas.openxmlformats.org/presentationml/2006/main">
+  <p:cSld>
+    <p:spTree>
+      <p:nvGrpSpPr>
+        <p:cNvPr id="1" name=""/>
+        <p:cNvGrpSpPr/>
+        <p:nvPr/>
+      </p:nvGrpSpPr>
+      <p:grpSpPr>
+        <a:xfrm>
+          <a:off x="0" y="0"/>
+          <a:ext cx="0" cy="0"/>
+          <a:chOff x="0" y="0"/>
+          <a:chExt cx="0" cy="0"/>
+        </a:xfrm>
+      </p:grpSpPr>
+      <p:sp>
+        <p:nvSpPr>
+          <p:cNvPr id="4" name="矩形 3">
+            <a:extLst>
+              <a:ext uri="{FF2B5EF4-FFF2-40B4-BE49-F238E27FC236}">
+                <a16:creationId xmlns:a16="http://schemas.microsoft.com/office/drawing/2014/main" id="{B6078BA7-D31B-4D9B-A30C-7E7919C33655}"/>
+              </a:ext>
+            </a:extLst>
+          </p:cNvPr>
+          <p:cNvSpPr/>
+          <p:nvPr/>
+        </p:nvSpPr>
+        <p:spPr>
+          <a:xfrm>
+            <a:off x="4028792" y="3177766"/>
+            <a:ext cx="3385996" cy="950614"/>
+          </a:xfrm>
+          <a:prstGeom prst="rect">
+            <a:avLst/>
+          </a:prstGeom>
+          <a:noFill/>
+        </p:spPr>
+        <p:style>
+          <a:lnRef idx="2">
+            <a:schemeClr val="accent1">
+              <a:shade val="50000"/>
+            </a:schemeClr>
+          </a:lnRef>
+          <a:fillRef idx="1">
+            <a:schemeClr val="accent1"/>
+          </a:fillRef>
+          <a:effectRef idx="0">
+            <a:schemeClr val="accent1"/>
+          </a:effectRef>
+          <a:fontRef idx="minor">
+            <a:schemeClr val="lt1"/>
+          </a:fontRef>
+        </p:style>
+        <p:txBody>
+          <a:bodyPr rtlCol="0" anchor="ctr"/>
+          <a:lstStyle/>
+          <a:p>
+            <a:pPr algn="ctr"/>
+            <a:endParaRPr lang="zh-CN" altLang="en-US" dirty="0"/>
+          </a:p>
+        </p:txBody>
+      </p:sp>
+      <p:sp>
+        <p:nvSpPr>
+          <p:cNvPr id="5" name="文本框 4">
+            <a:extLst>
+              <a:ext uri="{FF2B5EF4-FFF2-40B4-BE49-F238E27FC236}">
+                <a16:creationId xmlns:a16="http://schemas.microsoft.com/office/drawing/2014/main" id="{FF972314-025E-491D-BF02-D9D097E96230}"/>
+              </a:ext>
+            </a:extLst>
+          </p:cNvPr>
+          <p:cNvSpPr txBox="1"/>
+          <p:nvPr/>
+        </p:nvSpPr>
+        <p:spPr>
+          <a:xfrm>
+            <a:off x="3682216" y="4046899"/>
+            <a:ext cx="312906" cy="369332"/>
+          </a:xfrm>
+          <a:prstGeom prst="rect">
+            <a:avLst/>
+          </a:prstGeom>
+          <a:noFill/>
+        </p:spPr>
+        <p:txBody>
+          <a:bodyPr wrap="none" rtlCol="0">
+            <a:spAutoFit/>
+          </a:bodyPr>
+          <a:lstStyle/>
+          <a:p>
+            <a:r>
+              <a:rPr lang="en-US" altLang="zh-CN" dirty="0"/>
+              <a:t>0</a:t>
+            </a:r>
+            <a:endParaRPr lang="zh-CN" altLang="en-US" dirty="0"/>
+          </a:p>
+        </p:txBody>
+      </p:sp>
+      <p:sp>
+        <p:nvSpPr>
+          <p:cNvPr id="6" name="文本框 5">
+            <a:extLst>
+              <a:ext uri="{FF2B5EF4-FFF2-40B4-BE49-F238E27FC236}">
+                <a16:creationId xmlns:a16="http://schemas.microsoft.com/office/drawing/2014/main" id="{D8000754-0E97-4A1E-89F8-0925160660D4}"/>
+              </a:ext>
+            </a:extLst>
+          </p:cNvPr>
+          <p:cNvSpPr txBox="1"/>
+          <p:nvPr/>
+        </p:nvSpPr>
+        <p:spPr>
+          <a:xfrm>
+            <a:off x="3733993" y="2811101"/>
+            <a:ext cx="312906" cy="369332"/>
+          </a:xfrm>
+          <a:prstGeom prst="rect">
+            <a:avLst/>
+          </a:prstGeom>
+          <a:noFill/>
+        </p:spPr>
+        <p:txBody>
+          <a:bodyPr wrap="none" rtlCol="0">
+            <a:spAutoFit/>
+          </a:bodyPr>
+          <a:lstStyle/>
+          <a:p>
+            <a:r>
+              <a:rPr lang="en-US" altLang="zh-CN" dirty="0"/>
+              <a:t>1</a:t>
+            </a:r>
+            <a:endParaRPr lang="zh-CN" altLang="en-US" dirty="0"/>
+          </a:p>
+        </p:txBody>
+      </p:sp>
+      <p:sp>
+        <p:nvSpPr>
+          <p:cNvPr id="7" name="文本框 6">
+            <a:extLst>
+              <a:ext uri="{FF2B5EF4-FFF2-40B4-BE49-F238E27FC236}">
+                <a16:creationId xmlns:a16="http://schemas.microsoft.com/office/drawing/2014/main" id="{1C83B21A-BE04-4B49-B5A8-60D4CF9F79C5}"/>
+              </a:ext>
+            </a:extLst>
+          </p:cNvPr>
+          <p:cNvSpPr txBox="1"/>
+          <p:nvPr/>
+        </p:nvSpPr>
+        <p:spPr>
+          <a:xfrm>
+            <a:off x="7399225" y="2784469"/>
+            <a:ext cx="312906" cy="369332"/>
+          </a:xfrm>
+          <a:prstGeom prst="rect">
+            <a:avLst/>
+          </a:prstGeom>
+          <a:noFill/>
+        </p:spPr>
+        <p:txBody>
+          <a:bodyPr wrap="none" rtlCol="0">
+            <a:spAutoFit/>
+          </a:bodyPr>
+          <a:lstStyle/>
+          <a:p>
+            <a:r>
+              <a:rPr lang="en-US" altLang="zh-CN" dirty="0"/>
+              <a:t>2</a:t>
+            </a:r>
+            <a:endParaRPr lang="zh-CN" altLang="en-US" dirty="0"/>
+          </a:p>
+        </p:txBody>
+      </p:sp>
+      <p:sp>
+        <p:nvSpPr>
+          <p:cNvPr id="8" name="文本框 7">
+            <a:extLst>
+              <a:ext uri="{FF2B5EF4-FFF2-40B4-BE49-F238E27FC236}">
+                <a16:creationId xmlns:a16="http://schemas.microsoft.com/office/drawing/2014/main" id="{21B1FBEC-A3D4-4349-904C-17823E9B95A8}"/>
+              </a:ext>
+            </a:extLst>
+          </p:cNvPr>
+          <p:cNvSpPr txBox="1"/>
+          <p:nvPr/>
+        </p:nvSpPr>
+        <p:spPr>
+          <a:xfrm>
+            <a:off x="7453546" y="4128380"/>
+            <a:ext cx="312906" cy="369332"/>
+          </a:xfrm>
+          <a:prstGeom prst="rect">
+            <a:avLst/>
+          </a:prstGeom>
+          <a:noFill/>
+        </p:spPr>
+        <p:txBody>
+          <a:bodyPr wrap="none" rtlCol="0">
+            <a:spAutoFit/>
+          </a:bodyPr>
+          <a:lstStyle/>
+          <a:p>
+            <a:r>
+              <a:rPr lang="en-US" altLang="zh-CN" dirty="0"/>
+              <a:t>3</a:t>
+            </a:r>
+            <a:endParaRPr lang="zh-CN" altLang="en-US" dirty="0"/>
+          </a:p>
+        </p:txBody>
+      </p:sp>
+      <p:sp>
+        <p:nvSpPr>
+          <p:cNvPr id="9" name="文本框 8">
+            <a:extLst>
+              <a:ext uri="{FF2B5EF4-FFF2-40B4-BE49-F238E27FC236}">
+                <a16:creationId xmlns:a16="http://schemas.microsoft.com/office/drawing/2014/main" id="{222147BD-803E-4778-ADBB-3FAFD8FB22F0}"/>
+              </a:ext>
+            </a:extLst>
+          </p:cNvPr>
+          <p:cNvSpPr txBox="1"/>
+          <p:nvPr/>
+        </p:nvSpPr>
+        <p:spPr>
+          <a:xfrm>
+            <a:off x="3984647" y="4171785"/>
+            <a:ext cx="312906" cy="369332"/>
+          </a:xfrm>
+          <a:prstGeom prst="rect">
+            <a:avLst/>
+          </a:prstGeom>
+          <a:noFill/>
+        </p:spPr>
+        <p:txBody>
+          <a:bodyPr wrap="none" rtlCol="0">
+            <a:spAutoFit/>
+          </a:bodyPr>
+          <a:lstStyle/>
+          <a:p>
+            <a:r>
+              <a:rPr lang="en-US" altLang="zh-CN" dirty="0"/>
+              <a:t>4</a:t>
+            </a:r>
+            <a:endParaRPr lang="zh-CN" altLang="en-US" dirty="0"/>
+          </a:p>
+        </p:txBody>
+      </p:sp>
+      <p:sp>
+        <p:nvSpPr>
+          <p:cNvPr id="10" name="文本框 9">
+            <a:extLst>
+              <a:ext uri="{FF2B5EF4-FFF2-40B4-BE49-F238E27FC236}">
+                <a16:creationId xmlns:a16="http://schemas.microsoft.com/office/drawing/2014/main" id="{A3C652EC-D725-4ED4-BF93-B5E64C8FA9CA}"/>
+              </a:ext>
+            </a:extLst>
+          </p:cNvPr>
+          <p:cNvSpPr txBox="1"/>
+          <p:nvPr/>
+        </p:nvSpPr>
+        <p:spPr>
+          <a:xfrm>
+            <a:off x="3699051" y="3552681"/>
+            <a:ext cx="312906" cy="369332"/>
+          </a:xfrm>
+          <a:prstGeom prst="rect">
+            <a:avLst/>
+          </a:prstGeom>
+          <a:noFill/>
+        </p:spPr>
+        <p:txBody>
+          <a:bodyPr wrap="none" rtlCol="0">
+            <a:spAutoFit/>
+          </a:bodyPr>
+          <a:lstStyle/>
+          <a:p>
+            <a:r>
+              <a:rPr lang="en-US" altLang="zh-CN" dirty="0">
+                <a:solidFill>
+                  <a:srgbClr val="FF0000"/>
+                </a:solidFill>
+              </a:rPr>
+              <a:t>0</a:t>
+            </a:r>
+            <a:endParaRPr lang="zh-CN" altLang="en-US" dirty="0">
+              <a:solidFill>
+                <a:srgbClr val="FF0000"/>
+              </a:solidFill>
+            </a:endParaRPr>
+          </a:p>
+        </p:txBody>
+      </p:sp>
+      <p:sp>
+        <p:nvSpPr>
+          <p:cNvPr id="11" name="文本框 10">
+            <a:extLst>
+              <a:ext uri="{FF2B5EF4-FFF2-40B4-BE49-F238E27FC236}">
+                <a16:creationId xmlns:a16="http://schemas.microsoft.com/office/drawing/2014/main" id="{20B16EF8-D082-470D-A3E9-B79897D4FC31}"/>
+              </a:ext>
+            </a:extLst>
+          </p:cNvPr>
+          <p:cNvSpPr txBox="1"/>
+          <p:nvPr/>
+        </p:nvSpPr>
+        <p:spPr>
+          <a:xfrm>
+            <a:off x="5576460" y="4130239"/>
+            <a:ext cx="312906" cy="369332"/>
+          </a:xfrm>
+          <a:prstGeom prst="rect">
+            <a:avLst/>
+          </a:prstGeom>
+          <a:noFill/>
+        </p:spPr>
+        <p:txBody>
+          <a:bodyPr wrap="none" rtlCol="0">
+            <a:spAutoFit/>
+          </a:bodyPr>
+          <a:lstStyle/>
+          <a:p>
+            <a:r>
+              <a:rPr lang="en-US" altLang="zh-CN" dirty="0">
+                <a:solidFill>
+                  <a:srgbClr val="FF0000"/>
+                </a:solidFill>
+              </a:rPr>
+              <a:t>3</a:t>
+            </a:r>
+            <a:endParaRPr lang="zh-CN" altLang="en-US" dirty="0">
+              <a:solidFill>
+                <a:srgbClr val="FF0000"/>
+              </a:solidFill>
+            </a:endParaRPr>
+          </a:p>
+        </p:txBody>
+      </p:sp>
+      <p:sp>
+        <p:nvSpPr>
+          <p:cNvPr id="12" name="文本框 11">
+            <a:extLst>
+              <a:ext uri="{FF2B5EF4-FFF2-40B4-BE49-F238E27FC236}">
+                <a16:creationId xmlns:a16="http://schemas.microsoft.com/office/drawing/2014/main" id="{E9A0DD81-4FB1-4767-BB78-D823856CF27E}"/>
+              </a:ext>
+            </a:extLst>
+          </p:cNvPr>
+          <p:cNvSpPr txBox="1"/>
+          <p:nvPr/>
+        </p:nvSpPr>
+        <p:spPr>
+          <a:xfrm>
+            <a:off x="7396681" y="3511313"/>
+            <a:ext cx="312906" cy="369332"/>
+          </a:xfrm>
+          <a:prstGeom prst="rect">
+            <a:avLst/>
+          </a:prstGeom>
+          <a:noFill/>
+        </p:spPr>
+        <p:txBody>
+          <a:bodyPr wrap="none" rtlCol="0">
+            <a:spAutoFit/>
+          </a:bodyPr>
+          <a:lstStyle/>
+          <a:p>
+            <a:r>
+              <a:rPr lang="en-US" altLang="zh-CN" dirty="0">
+                <a:solidFill>
+                  <a:srgbClr val="FF0000"/>
+                </a:solidFill>
+              </a:rPr>
+              <a:t>2</a:t>
+            </a:r>
+            <a:endParaRPr lang="zh-CN" altLang="en-US" dirty="0">
+              <a:solidFill>
+                <a:srgbClr val="FF0000"/>
+              </a:solidFill>
+            </a:endParaRPr>
+          </a:p>
+        </p:txBody>
+      </p:sp>
+      <p:sp>
+        <p:nvSpPr>
+          <p:cNvPr id="13" name="文本框 12">
+            <a:extLst>
+              <a:ext uri="{FF2B5EF4-FFF2-40B4-BE49-F238E27FC236}">
+                <a16:creationId xmlns:a16="http://schemas.microsoft.com/office/drawing/2014/main" id="{9C09373C-D10A-48BD-A142-AF0B82E6DC91}"/>
+              </a:ext>
+            </a:extLst>
+          </p:cNvPr>
+          <p:cNvSpPr txBox="1"/>
+          <p:nvPr/>
+        </p:nvSpPr>
+        <p:spPr>
+          <a:xfrm>
+            <a:off x="5575188" y="2796452"/>
+            <a:ext cx="312906" cy="369332"/>
+          </a:xfrm>
+          <a:prstGeom prst="rect">
+            <a:avLst/>
+          </a:prstGeom>
+          <a:noFill/>
+        </p:spPr>
+        <p:txBody>
+          <a:bodyPr wrap="none" rtlCol="0">
+            <a:spAutoFit/>
+          </a:bodyPr>
+          <a:lstStyle/>
+          <a:p>
+            <a:r>
+              <a:rPr lang="en-US" altLang="zh-CN" dirty="0">
+                <a:solidFill>
+                  <a:srgbClr val="FF0000"/>
+                </a:solidFill>
+              </a:rPr>
+              <a:t>1</a:t>
+            </a:r>
+            <a:endParaRPr lang="zh-CN" altLang="en-US" dirty="0">
+              <a:solidFill>
+                <a:srgbClr val="FF0000"/>
+              </a:solidFill>
+            </a:endParaRPr>
+          </a:p>
+        </p:txBody>
+      </p:sp>
+      <p:sp>
+        <p:nvSpPr>
+          <p:cNvPr id="14" name="文本框 13">
+            <a:extLst>
+              <a:ext uri="{FF2B5EF4-FFF2-40B4-BE49-F238E27FC236}">
+                <a16:creationId xmlns:a16="http://schemas.microsoft.com/office/drawing/2014/main" id="{18061733-5765-4A69-8845-ECB345E6EEB7}"/>
+              </a:ext>
+            </a:extLst>
+          </p:cNvPr>
+          <p:cNvSpPr txBox="1"/>
+          <p:nvPr/>
+        </p:nvSpPr>
+        <p:spPr>
+          <a:xfrm>
+            <a:off x="923453" y="570368"/>
+            <a:ext cx="864339" cy="369332"/>
+          </a:xfrm>
+          <a:prstGeom prst="rect">
+            <a:avLst/>
+          </a:prstGeom>
+          <a:noFill/>
+        </p:spPr>
+        <p:txBody>
+          <a:bodyPr wrap="none" rtlCol="0">
+            <a:spAutoFit/>
+          </a:bodyPr>
+          <a:lstStyle/>
+          <a:p>
+            <a:r>
+              <a:rPr lang="en-US" altLang="zh-CN" dirty="0"/>
+              <a:t>Ellipse</a:t>
+            </a:r>
+            <a:endParaRPr lang="zh-CN" altLang="en-US" dirty="0"/>
+          </a:p>
+        </p:txBody>
+      </p:sp>
+    </p:spTree>
+    <p:extLst>
+      <p:ext uri="{BB962C8B-B14F-4D97-AF65-F5344CB8AC3E}">
+        <p14:creationId xmlns:p14="http://schemas.microsoft.com/office/powerpoint/2010/main" val="773352717"/>
+      </p:ext>
+    </p:extLst>
+  </p:cSld>
+  <p:clrMapOvr>
+    <a:masterClrMapping/>
+  </p:clrMapOvr>
 </p:sld>
 </file>
 
@@ -8183,34 +9302,34 @@
         <a:sysClr val="window" lastClr="FFFFFF"/>
       </a:lt1>
       <a:dk2>
-        <a:srgbClr val="44546a"/>
+        <a:srgbClr val="44546A"/>
       </a:dk2>
       <a:lt2>
-        <a:srgbClr val="e7e6e6"/>
+        <a:srgbClr val="E7E6E6"/>
       </a:lt2>
       <a:accent1>
-        <a:srgbClr val="4472c4"/>
+        <a:srgbClr val="4472C4"/>
       </a:accent1>
       <a:accent2>
-        <a:srgbClr val="ed7d31"/>
+        <a:srgbClr val="ED7D31"/>
       </a:accent2>
       <a:accent3>
-        <a:srgbClr val="a5a5a5"/>
+        <a:srgbClr val="A5A5A5"/>
       </a:accent3>
       <a:accent4>
-        <a:srgbClr val="ffc000"/>
+        <a:srgbClr val="FFC000"/>
       </a:accent4>
       <a:accent5>
-        <a:srgbClr val="5b9bd5"/>
+        <a:srgbClr val="5B9BD5"/>
       </a:accent5>
       <a:accent6>
-        <a:srgbClr val="70ad47"/>
+        <a:srgbClr val="70AD47"/>
       </a:accent6>
       <a:hlink>
-        <a:srgbClr val="0563c1"/>
+        <a:srgbClr val="0563C1"/>
       </a:hlink>
       <a:folHlink>
-        <a:srgbClr val="954f72"/>
+        <a:srgbClr val="954F72"/>
       </a:folHlink>
     </a:clrScheme>
     <a:fontScheme name="Office">
@@ -8395,5 +9514,7 @@
       </a:bgFillStyleLst>
     </a:fmtScheme>
   </a:themeElements>
+  <a:objectDefaults/>
+  <a:extraClrSchemeLst/>
 </a:theme>
 </file>